--- a/ThermodynamicsII.pptx
+++ b/ThermodynamicsII.pptx
@@ -13,6 +13,7 @@
     <p:sldId id="261" r:id="rId7"/>
     <p:sldId id="262" r:id="rId8"/>
     <p:sldId id="263" r:id="rId9"/>
+    <p:sldId id="264" r:id="rId10"/>
   </p:sldIdLst>
   <p:sldSz cx="8686800" cy="12192000"/>
   <p:notesSz cx="6858000" cy="9144000"/>
@@ -128,6 +129,7 @@
             <p14:sldId id="261"/>
             <p14:sldId id="262"/>
             <p14:sldId id="263"/>
+            <p14:sldId id="264"/>
           </p14:sldIdLst>
         </p14:section>
       </p14:sectionLst>
@@ -347,7 +349,7 @@
           <a:p>
             <a:fld id="{A13BDB0B-0E15-448B-8EBC-9EB4315D4970}" type="datetimeFigureOut">
               <a:rPr lang="en-US" smtClean="0"/>
-              <a:t>8/20/2024</a:t>
+              <a:t>8/21/2024</a:t>
             </a:fld>
             <a:endParaRPr lang="en-US"/>
           </a:p>
@@ -517,7 +519,7 @@
           <a:p>
             <a:fld id="{A13BDB0B-0E15-448B-8EBC-9EB4315D4970}" type="datetimeFigureOut">
               <a:rPr lang="en-US" smtClean="0"/>
-              <a:t>8/20/2024</a:t>
+              <a:t>8/21/2024</a:t>
             </a:fld>
             <a:endParaRPr lang="en-US"/>
           </a:p>
@@ -697,7 +699,7 @@
           <a:p>
             <a:fld id="{A13BDB0B-0E15-448B-8EBC-9EB4315D4970}" type="datetimeFigureOut">
               <a:rPr lang="en-US" smtClean="0"/>
-              <a:t>8/20/2024</a:t>
+              <a:t>8/21/2024</a:t>
             </a:fld>
             <a:endParaRPr lang="en-US"/>
           </a:p>
@@ -867,7 +869,7 @@
           <a:p>
             <a:fld id="{A13BDB0B-0E15-448B-8EBC-9EB4315D4970}" type="datetimeFigureOut">
               <a:rPr lang="en-US" smtClean="0"/>
-              <a:t>8/20/2024</a:t>
+              <a:t>8/21/2024</a:t>
             </a:fld>
             <a:endParaRPr lang="en-US"/>
           </a:p>
@@ -1113,7 +1115,7 @@
           <a:p>
             <a:fld id="{A13BDB0B-0E15-448B-8EBC-9EB4315D4970}" type="datetimeFigureOut">
               <a:rPr lang="en-US" smtClean="0"/>
-              <a:t>8/20/2024</a:t>
+              <a:t>8/21/2024</a:t>
             </a:fld>
             <a:endParaRPr lang="en-US"/>
           </a:p>
@@ -1345,7 +1347,7 @@
           <a:p>
             <a:fld id="{A13BDB0B-0E15-448B-8EBC-9EB4315D4970}" type="datetimeFigureOut">
               <a:rPr lang="en-US" smtClean="0"/>
-              <a:t>8/20/2024</a:t>
+              <a:t>8/21/2024</a:t>
             </a:fld>
             <a:endParaRPr lang="en-US"/>
           </a:p>
@@ -1712,7 +1714,7 @@
           <a:p>
             <a:fld id="{A13BDB0B-0E15-448B-8EBC-9EB4315D4970}" type="datetimeFigureOut">
               <a:rPr lang="en-US" smtClean="0"/>
-              <a:t>8/20/2024</a:t>
+              <a:t>8/21/2024</a:t>
             </a:fld>
             <a:endParaRPr lang="en-US"/>
           </a:p>
@@ -1830,7 +1832,7 @@
           <a:p>
             <a:fld id="{A13BDB0B-0E15-448B-8EBC-9EB4315D4970}" type="datetimeFigureOut">
               <a:rPr lang="en-US" smtClean="0"/>
-              <a:t>8/20/2024</a:t>
+              <a:t>8/21/2024</a:t>
             </a:fld>
             <a:endParaRPr lang="en-US"/>
           </a:p>
@@ -1925,7 +1927,7 @@
           <a:p>
             <a:fld id="{A13BDB0B-0E15-448B-8EBC-9EB4315D4970}" type="datetimeFigureOut">
               <a:rPr lang="en-US" smtClean="0"/>
-              <a:t>8/20/2024</a:t>
+              <a:t>8/21/2024</a:t>
             </a:fld>
             <a:endParaRPr lang="en-US"/>
           </a:p>
@@ -2202,7 +2204,7 @@
           <a:p>
             <a:fld id="{A13BDB0B-0E15-448B-8EBC-9EB4315D4970}" type="datetimeFigureOut">
               <a:rPr lang="en-US" smtClean="0"/>
-              <a:t>8/20/2024</a:t>
+              <a:t>8/21/2024</a:t>
             </a:fld>
             <a:endParaRPr lang="en-US"/>
           </a:p>
@@ -2459,7 +2461,7 @@
           <a:p>
             <a:fld id="{A13BDB0B-0E15-448B-8EBC-9EB4315D4970}" type="datetimeFigureOut">
               <a:rPr lang="en-US" smtClean="0"/>
-              <a:t>8/20/2024</a:t>
+              <a:t>8/21/2024</a:t>
             </a:fld>
             <a:endParaRPr lang="en-US"/>
           </a:p>
@@ -2672,7 +2674,7 @@
           <a:p>
             <a:fld id="{A13BDB0B-0E15-448B-8EBC-9EB4315D4970}" type="datetimeFigureOut">
               <a:rPr lang="en-US" smtClean="0"/>
-              <a:t>8/20/2024</a:t>
+              <a:t>8/21/2024</a:t>
             </a:fld>
             <a:endParaRPr lang="en-US"/>
           </a:p>
@@ -3918,8 +3920,8 @@
           </a:p>
         </p:txBody>
       </p:sp>
-      <mc:AlternateContent xmlns:mc="http://schemas.openxmlformats.org/markup-compatibility/2006">
-        <mc:Choice xmlns:a14="http://schemas.microsoft.com/office/drawing/2010/main" Requires="a14">
+      <mc:AlternateContent xmlns:mc="http://schemas.openxmlformats.org/markup-compatibility/2006" xmlns:a14="http://schemas.microsoft.com/office/drawing/2010/main">
+        <mc:Choice Requires="a14">
           <p:sp>
             <p:nvSpPr>
               <p:cNvPr id="6" name="TextBox 5">
@@ -3948,6 +3950,7 @@
               </a:bodyPr>
               <a:lstStyle/>
               <a:p>
+                <a:pPr/>
                 <a14:m>
                   <m:oMathPara xmlns:m="http://schemas.openxmlformats.org/officeDocument/2006/math">
                     <m:oMathParaPr>
@@ -4033,7 +4036,7 @@
             </p:txBody>
           </p:sp>
         </mc:Choice>
-        <mc:Fallback>
+        <mc:Fallback xmlns="">
           <p:sp>
             <p:nvSpPr>
               <p:cNvPr id="6" name="TextBox 5">
@@ -4078,8 +4081,8 @@
           </p:sp>
         </mc:Fallback>
       </mc:AlternateContent>
-      <mc:AlternateContent xmlns:mc="http://schemas.openxmlformats.org/markup-compatibility/2006">
-        <mc:Choice xmlns:a14="http://schemas.microsoft.com/office/drawing/2010/main" Requires="a14">
+      <mc:AlternateContent xmlns:mc="http://schemas.openxmlformats.org/markup-compatibility/2006" xmlns:a14="http://schemas.microsoft.com/office/drawing/2010/main">
+        <mc:Choice Requires="a14">
           <p:sp>
             <p:nvSpPr>
               <p:cNvPr id="7" name="TextBox 6">
@@ -4108,6 +4111,7 @@
               </a:bodyPr>
               <a:lstStyle/>
               <a:p>
+                <a:pPr/>
                 <a14:m>
                   <m:oMathPara xmlns:m="http://schemas.openxmlformats.org/officeDocument/2006/math">
                     <m:oMathParaPr>
@@ -4207,7 +4211,7 @@
             </p:txBody>
           </p:sp>
         </mc:Choice>
-        <mc:Fallback>
+        <mc:Fallback xmlns="">
           <p:sp>
             <p:nvSpPr>
               <p:cNvPr id="7" name="TextBox 6">
@@ -4287,8 +4291,8 @@
           </a:p>
         </p:txBody>
       </p:sp>
-      <mc:AlternateContent xmlns:mc="http://schemas.openxmlformats.org/markup-compatibility/2006">
-        <mc:Choice xmlns:a14="http://schemas.microsoft.com/office/drawing/2010/main" Requires="a14">
+      <mc:AlternateContent xmlns:mc="http://schemas.openxmlformats.org/markup-compatibility/2006" xmlns:a14="http://schemas.microsoft.com/office/drawing/2010/main">
+        <mc:Choice Requires="a14">
           <p:sp>
             <p:nvSpPr>
               <p:cNvPr id="9" name="TextBox 8">
@@ -4317,6 +4321,7 @@
               </a:bodyPr>
               <a:lstStyle/>
               <a:p>
+                <a:pPr/>
                 <a14:m>
                   <m:oMathPara xmlns:m="http://schemas.openxmlformats.org/officeDocument/2006/math">
                     <m:oMathParaPr>
@@ -4352,7 +4357,7 @@
             </p:txBody>
           </p:sp>
         </mc:Choice>
-        <mc:Fallback>
+        <mc:Fallback xmlns="">
           <p:sp>
             <p:nvSpPr>
               <p:cNvPr id="9" name="TextBox 8">
@@ -4432,8 +4437,8 @@
           </a:p>
         </p:txBody>
       </p:sp>
-      <mc:AlternateContent xmlns:mc="http://schemas.openxmlformats.org/markup-compatibility/2006">
-        <mc:Choice xmlns:a14="http://schemas.microsoft.com/office/drawing/2010/main" Requires="a14">
+      <mc:AlternateContent xmlns:mc="http://schemas.openxmlformats.org/markup-compatibility/2006" xmlns:a14="http://schemas.microsoft.com/office/drawing/2010/main">
+        <mc:Choice Requires="a14">
           <p:sp>
             <p:nvSpPr>
               <p:cNvPr id="15" name="TextBox 14">
@@ -4462,6 +4467,7 @@
               </a:bodyPr>
               <a:lstStyle/>
               <a:p>
+                <a:pPr/>
                 <a14:m>
                   <m:oMathPara xmlns:m="http://schemas.openxmlformats.org/officeDocument/2006/math">
                     <m:oMathParaPr>
@@ -4510,7 +4516,7 @@
             </p:txBody>
           </p:sp>
         </mc:Choice>
-        <mc:Fallback>
+        <mc:Fallback xmlns="">
           <p:sp>
             <p:nvSpPr>
               <p:cNvPr id="15" name="TextBox 14">
@@ -4555,8 +4561,8 @@
           </p:sp>
         </mc:Fallback>
       </mc:AlternateContent>
-      <mc:AlternateContent xmlns:mc="http://schemas.openxmlformats.org/markup-compatibility/2006">
-        <mc:Choice xmlns:a14="http://schemas.microsoft.com/office/drawing/2010/main" Requires="a14">
+      <mc:AlternateContent xmlns:mc="http://schemas.openxmlformats.org/markup-compatibility/2006" xmlns:a14="http://schemas.microsoft.com/office/drawing/2010/main">
+        <mc:Choice Requires="a14">
           <p:sp>
             <p:nvSpPr>
               <p:cNvPr id="16" name="TextBox 15">
@@ -4585,6 +4591,7 @@
               </a:bodyPr>
               <a:lstStyle/>
               <a:p>
+                <a:pPr/>
                 <a14:m>
                   <m:oMathPara xmlns:m="http://schemas.openxmlformats.org/officeDocument/2006/math">
                     <m:oMathParaPr>
@@ -4641,7 +4648,7 @@
             </p:txBody>
           </p:sp>
         </mc:Choice>
-        <mc:Fallback>
+        <mc:Fallback xmlns="">
           <p:sp>
             <p:nvSpPr>
               <p:cNvPr id="16" name="TextBox 15">
@@ -4686,8 +4693,8 @@
           </p:sp>
         </mc:Fallback>
       </mc:AlternateContent>
-      <mc:AlternateContent xmlns:mc="http://schemas.openxmlformats.org/markup-compatibility/2006">
-        <mc:Choice xmlns:a14="http://schemas.microsoft.com/office/drawing/2010/main" Requires="a14">
+      <mc:AlternateContent xmlns:mc="http://schemas.openxmlformats.org/markup-compatibility/2006" xmlns:a14="http://schemas.microsoft.com/office/drawing/2010/main">
+        <mc:Choice Requires="a14">
           <p:sp>
             <p:nvSpPr>
               <p:cNvPr id="18" name="TextBox 17">
@@ -4716,6 +4723,7 @@
               </a:bodyPr>
               <a:lstStyle/>
               <a:p>
+                <a:pPr/>
                 <a14:m>
                   <m:oMathPara xmlns:m="http://schemas.openxmlformats.org/officeDocument/2006/math">
                     <m:oMathParaPr>
@@ -4760,7 +4768,7 @@
             </p:txBody>
           </p:sp>
         </mc:Choice>
-        <mc:Fallback>
+        <mc:Fallback xmlns="">
           <p:sp>
             <p:nvSpPr>
               <p:cNvPr id="18" name="TextBox 17">
@@ -4805,8 +4813,8 @@
           </p:sp>
         </mc:Fallback>
       </mc:AlternateContent>
-      <mc:AlternateContent xmlns:mc="http://schemas.openxmlformats.org/markup-compatibility/2006">
-        <mc:Choice xmlns:a14="http://schemas.microsoft.com/office/drawing/2010/main" Requires="a14">
+      <mc:AlternateContent xmlns:mc="http://schemas.openxmlformats.org/markup-compatibility/2006" xmlns:a14="http://schemas.microsoft.com/office/drawing/2010/main">
+        <mc:Choice Requires="a14">
           <p:sp>
             <p:nvSpPr>
               <p:cNvPr id="19" name="TextBox 18">
@@ -4835,6 +4843,7 @@
               </a:bodyPr>
               <a:lstStyle/>
               <a:p>
+                <a:pPr/>
                 <a14:m>
                   <m:oMathPara xmlns:m="http://schemas.openxmlformats.org/officeDocument/2006/math">
                     <m:oMathParaPr>
@@ -5140,7 +5149,7 @@
             </p:txBody>
           </p:sp>
         </mc:Choice>
-        <mc:Fallback>
+        <mc:Fallback xmlns="">
           <p:sp>
             <p:nvSpPr>
               <p:cNvPr id="19" name="TextBox 18">
@@ -5220,8 +5229,8 @@
           </a:p>
         </p:txBody>
       </p:sp>
-      <mc:AlternateContent xmlns:mc="http://schemas.openxmlformats.org/markup-compatibility/2006">
-        <mc:Choice xmlns:a14="http://schemas.microsoft.com/office/drawing/2010/main" Requires="a14">
+      <mc:AlternateContent xmlns:mc="http://schemas.openxmlformats.org/markup-compatibility/2006" xmlns:a14="http://schemas.microsoft.com/office/drawing/2010/main">
+        <mc:Choice Requires="a14">
           <p:sp>
             <p:nvSpPr>
               <p:cNvPr id="21" name="TextBox 20">
@@ -5250,6 +5259,7 @@
               </a:bodyPr>
               <a:lstStyle/>
               <a:p>
+                <a:pPr/>
                 <a14:m>
                   <m:oMathPara xmlns:m="http://schemas.openxmlformats.org/officeDocument/2006/math">
                     <m:oMathParaPr>
@@ -5400,7 +5410,7 @@
             </p:txBody>
           </p:sp>
         </mc:Choice>
-        <mc:Fallback>
+        <mc:Fallback xmlns="">
           <p:sp>
             <p:nvSpPr>
               <p:cNvPr id="21" name="TextBox 20">
@@ -5510,8 +5520,8 @@
           </a:p>
         </p:txBody>
       </p:sp>
-      <mc:AlternateContent xmlns:mc="http://schemas.openxmlformats.org/markup-compatibility/2006">
-        <mc:Choice xmlns:a14="http://schemas.microsoft.com/office/drawing/2010/main" Requires="a14">
+      <mc:AlternateContent xmlns:mc="http://schemas.openxmlformats.org/markup-compatibility/2006" xmlns:a14="http://schemas.microsoft.com/office/drawing/2010/main">
+        <mc:Choice Requires="a14">
           <p:sp>
             <p:nvSpPr>
               <p:cNvPr id="3" name="TextBox 2">
@@ -5540,6 +5550,7 @@
               </a:bodyPr>
               <a:lstStyle/>
               <a:p>
+                <a:pPr/>
                 <a14:m>
                   <m:oMathPara xmlns:m="http://schemas.openxmlformats.org/officeDocument/2006/math">
                     <m:oMathParaPr>
@@ -5923,7 +5934,7 @@
             </p:txBody>
           </p:sp>
         </mc:Choice>
-        <mc:Fallback>
+        <mc:Fallback xmlns="">
           <p:sp>
             <p:nvSpPr>
               <p:cNvPr id="3" name="TextBox 2">
@@ -5968,8 +5979,8 @@
           </p:sp>
         </mc:Fallback>
       </mc:AlternateContent>
-      <mc:AlternateContent xmlns:mc="http://schemas.openxmlformats.org/markup-compatibility/2006">
-        <mc:Choice xmlns:a14="http://schemas.microsoft.com/office/drawing/2010/main" Requires="a14">
+      <mc:AlternateContent xmlns:mc="http://schemas.openxmlformats.org/markup-compatibility/2006" xmlns:a14="http://schemas.microsoft.com/office/drawing/2010/main">
+        <mc:Choice Requires="a14">
           <p:sp>
             <p:nvSpPr>
               <p:cNvPr id="4" name="TextBox 3">
@@ -5998,6 +6009,7 @@
               </a:bodyPr>
               <a:lstStyle/>
               <a:p>
+                <a:pPr/>
                 <a14:m>
                   <m:oMathPara xmlns:m="http://schemas.openxmlformats.org/officeDocument/2006/math">
                     <m:oMathParaPr>
@@ -6117,7 +6129,7 @@
             </p:txBody>
           </p:sp>
         </mc:Choice>
-        <mc:Fallback>
+        <mc:Fallback xmlns="">
           <p:sp>
             <p:nvSpPr>
               <p:cNvPr id="4" name="TextBox 3">
@@ -6227,8 +6239,8 @@
           </a:p>
         </p:txBody>
       </p:sp>
-      <mc:AlternateContent xmlns:mc="http://schemas.openxmlformats.org/markup-compatibility/2006">
-        <mc:Choice xmlns:a14="http://schemas.microsoft.com/office/drawing/2010/main" Requires="a14">
+      <mc:AlternateContent xmlns:mc="http://schemas.openxmlformats.org/markup-compatibility/2006" xmlns:a14="http://schemas.microsoft.com/office/drawing/2010/main">
+        <mc:Choice Requires="a14">
           <p:sp>
             <p:nvSpPr>
               <p:cNvPr id="12" name="TextBox 11">
@@ -6257,6 +6269,7 @@
               </a:bodyPr>
               <a:lstStyle/>
               <a:p>
+                <a:pPr/>
                 <a14:m>
                   <m:oMathPara xmlns:m="http://schemas.openxmlformats.org/officeDocument/2006/math">
                     <m:oMathParaPr>
@@ -6399,7 +6412,7 @@
             </p:txBody>
           </p:sp>
         </mc:Choice>
-        <mc:Fallback>
+        <mc:Fallback xmlns="">
           <p:sp>
             <p:nvSpPr>
               <p:cNvPr id="12" name="TextBox 11">
@@ -6444,8 +6457,8 @@
           </p:sp>
         </mc:Fallback>
       </mc:AlternateContent>
-      <mc:AlternateContent xmlns:mc="http://schemas.openxmlformats.org/markup-compatibility/2006">
-        <mc:Choice xmlns:a14="http://schemas.microsoft.com/office/drawing/2010/main" Requires="a14">
+      <mc:AlternateContent xmlns:mc="http://schemas.openxmlformats.org/markup-compatibility/2006" xmlns:a14="http://schemas.microsoft.com/office/drawing/2010/main">
+        <mc:Choice Requires="a14">
           <p:sp>
             <p:nvSpPr>
               <p:cNvPr id="13" name="TextBox 12">
@@ -6474,6 +6487,7 @@
               </a:bodyPr>
               <a:lstStyle/>
               <a:p>
+                <a:pPr/>
                 <a14:m>
                   <m:oMathPara xmlns:m="http://schemas.openxmlformats.org/officeDocument/2006/math">
                     <m:oMathParaPr>
@@ -6616,7 +6630,7 @@
             </p:txBody>
           </p:sp>
         </mc:Choice>
-        <mc:Fallback>
+        <mc:Fallback xmlns="">
           <p:sp>
             <p:nvSpPr>
               <p:cNvPr id="13" name="TextBox 12">
@@ -6661,8 +6675,8 @@
           </p:sp>
         </mc:Fallback>
       </mc:AlternateContent>
-      <mc:AlternateContent xmlns:mc="http://schemas.openxmlformats.org/markup-compatibility/2006">
-        <mc:Choice xmlns:a14="http://schemas.microsoft.com/office/drawing/2010/main" Requires="a14">
+      <mc:AlternateContent xmlns:mc="http://schemas.openxmlformats.org/markup-compatibility/2006" xmlns:a14="http://schemas.microsoft.com/office/drawing/2010/main">
+        <mc:Choice Requires="a14">
           <p:sp>
             <p:nvSpPr>
               <p:cNvPr id="25" name="TextBox 24">
@@ -6691,6 +6705,7 @@
               </a:bodyPr>
               <a:lstStyle/>
               <a:p>
+                <a:pPr/>
                 <a14:m>
                   <m:oMathPara xmlns:m="http://schemas.openxmlformats.org/officeDocument/2006/math">
                     <m:oMathParaPr>
@@ -6847,7 +6862,7 @@
             </p:txBody>
           </p:sp>
         </mc:Choice>
-        <mc:Fallback>
+        <mc:Fallback xmlns="">
           <p:sp>
             <p:nvSpPr>
               <p:cNvPr id="25" name="TextBox 24">
@@ -6927,8 +6942,8 @@
           </a:p>
         </p:txBody>
       </p:sp>
-      <mc:AlternateContent xmlns:mc="http://schemas.openxmlformats.org/markup-compatibility/2006">
-        <mc:Choice xmlns:a14="http://schemas.microsoft.com/office/drawing/2010/main" Requires="a14">
+      <mc:AlternateContent xmlns:mc="http://schemas.openxmlformats.org/markup-compatibility/2006" xmlns:a14="http://schemas.microsoft.com/office/drawing/2010/main">
+        <mc:Choice Requires="a14">
           <p:sp>
             <p:nvSpPr>
               <p:cNvPr id="27" name="TextBox 26">
@@ -6957,6 +6972,7 @@
               </a:bodyPr>
               <a:lstStyle/>
               <a:p>
+                <a:pPr/>
                 <a14:m>
                   <m:oMathPara xmlns:m="http://schemas.openxmlformats.org/officeDocument/2006/math">
                     <m:oMathParaPr>
@@ -7251,7 +7267,7 @@
             </p:txBody>
           </p:sp>
         </mc:Choice>
-        <mc:Fallback>
+        <mc:Fallback xmlns="">
           <p:sp>
             <p:nvSpPr>
               <p:cNvPr id="27" name="TextBox 26">
@@ -7396,8 +7412,8 @@
           </a:p>
         </p:txBody>
       </p:sp>
-      <mc:AlternateContent xmlns:mc="http://schemas.openxmlformats.org/markup-compatibility/2006">
-        <mc:Choice xmlns:a14="http://schemas.microsoft.com/office/drawing/2010/main" Requires="a14">
+      <mc:AlternateContent xmlns:mc="http://schemas.openxmlformats.org/markup-compatibility/2006" xmlns:a14="http://schemas.microsoft.com/office/drawing/2010/main">
+        <mc:Choice Requires="a14">
           <p:sp>
             <p:nvSpPr>
               <p:cNvPr id="4" name="TextBox 3">
@@ -7426,6 +7442,7 @@
               </a:bodyPr>
               <a:lstStyle/>
               <a:p>
+                <a:pPr/>
                 <a14:m>
                   <m:oMathPara xmlns:m="http://schemas.openxmlformats.org/officeDocument/2006/math">
                     <m:oMathParaPr>
@@ -7476,7 +7493,7 @@
             </p:txBody>
           </p:sp>
         </mc:Choice>
-        <mc:Fallback>
+        <mc:Fallback xmlns="">
           <p:sp>
             <p:nvSpPr>
               <p:cNvPr id="4" name="TextBox 3">
@@ -7595,8 +7612,8 @@
           </a:p>
         </p:txBody>
       </p:sp>
-      <mc:AlternateContent xmlns:mc="http://schemas.openxmlformats.org/markup-compatibility/2006">
-        <mc:Choice xmlns:a14="http://schemas.microsoft.com/office/drawing/2010/main" Requires="a14">
+      <mc:AlternateContent xmlns:mc="http://schemas.openxmlformats.org/markup-compatibility/2006" xmlns:a14="http://schemas.microsoft.com/office/drawing/2010/main">
+        <mc:Choice Requires="a14">
           <p:sp>
             <p:nvSpPr>
               <p:cNvPr id="7" name="TextBox 6">
@@ -7625,6 +7642,7 @@
               </a:bodyPr>
               <a:lstStyle/>
               <a:p>
+                <a:pPr/>
                 <a14:m>
                   <m:oMathPara xmlns:m="http://schemas.openxmlformats.org/officeDocument/2006/math">
                     <m:oMathParaPr>
@@ -7657,7 +7675,7 @@
             </p:txBody>
           </p:sp>
         </mc:Choice>
-        <mc:Fallback>
+        <mc:Fallback xmlns="">
           <p:sp>
             <p:nvSpPr>
               <p:cNvPr id="7" name="TextBox 6">
@@ -7860,8 +7878,8 @@
           </a:ln>
         </p:spPr>
       </p:pic>
-      <mc:AlternateContent xmlns:mc="http://schemas.openxmlformats.org/markup-compatibility/2006">
-        <mc:Choice xmlns:a14="http://schemas.microsoft.com/office/drawing/2010/main" Requires="a14">
+      <mc:AlternateContent xmlns:mc="http://schemas.openxmlformats.org/markup-compatibility/2006" xmlns:a14="http://schemas.microsoft.com/office/drawing/2010/main">
+        <mc:Choice Requires="a14">
           <p:sp>
             <p:nvSpPr>
               <p:cNvPr id="3" name="TextBox 2">
@@ -7890,6 +7908,7 @@
               </a:bodyPr>
               <a:lstStyle/>
               <a:p>
+                <a:pPr/>
                 <a14:m>
                   <m:oMathPara xmlns:m="http://schemas.openxmlformats.org/officeDocument/2006/math">
                     <m:oMathParaPr>
@@ -7988,7 +8007,7 @@
             </p:txBody>
           </p:sp>
         </mc:Choice>
-        <mc:Fallback>
+        <mc:Fallback xmlns="">
           <p:sp>
             <p:nvSpPr>
               <p:cNvPr id="3" name="TextBox 2">
@@ -8068,8 +8087,8 @@
           </a:p>
         </p:txBody>
       </p:sp>
-      <mc:AlternateContent xmlns:mc="http://schemas.openxmlformats.org/markup-compatibility/2006">
-        <mc:Choice xmlns:a14="http://schemas.microsoft.com/office/drawing/2010/main" Requires="a14">
+      <mc:AlternateContent xmlns:mc="http://schemas.openxmlformats.org/markup-compatibility/2006" xmlns:a14="http://schemas.microsoft.com/office/drawing/2010/main">
+        <mc:Choice Requires="a14">
           <p:sp>
             <p:nvSpPr>
               <p:cNvPr id="7" name="TextBox 6">
@@ -8098,6 +8117,7 @@
               </a:bodyPr>
               <a:lstStyle/>
               <a:p>
+                <a:pPr/>
                 <a14:m>
                   <m:oMathPara xmlns:m="http://schemas.openxmlformats.org/officeDocument/2006/math">
                     <m:oMathParaPr>
@@ -8149,7 +8169,7 @@
             </p:txBody>
           </p:sp>
         </mc:Choice>
-        <mc:Fallback>
+        <mc:Fallback xmlns="">
           <p:sp>
             <p:nvSpPr>
               <p:cNvPr id="7" name="TextBox 6">
@@ -8324,8 +8344,8 @@
           </a:prstGeom>
         </p:spPr>
       </p:pic>
-      <mc:AlternateContent xmlns:mc="http://schemas.openxmlformats.org/markup-compatibility/2006">
-        <mc:Choice xmlns:a14="http://schemas.microsoft.com/office/drawing/2010/main" Requires="a14">
+      <mc:AlternateContent xmlns:mc="http://schemas.openxmlformats.org/markup-compatibility/2006" xmlns:a14="http://schemas.microsoft.com/office/drawing/2010/main">
+        <mc:Choice Requires="a14">
           <p:sp>
             <p:nvSpPr>
               <p:cNvPr id="16" name="TextBox 15">
@@ -8354,6 +8374,7 @@
               </a:bodyPr>
               <a:lstStyle/>
               <a:p>
+                <a:pPr/>
                 <a14:m>
                   <m:oMathPara xmlns:m="http://schemas.openxmlformats.org/officeDocument/2006/math">
                     <m:oMathParaPr>
@@ -8467,7 +8488,7 @@
             </p:txBody>
           </p:sp>
         </mc:Choice>
-        <mc:Fallback>
+        <mc:Fallback xmlns="">
           <p:sp>
             <p:nvSpPr>
               <p:cNvPr id="16" name="TextBox 15">
@@ -9266,8 +9287,8 @@
           </a:p>
         </p:txBody>
       </p:sp>
-      <mc:AlternateContent xmlns:mc="http://schemas.openxmlformats.org/markup-compatibility/2006">
-        <mc:Choice xmlns:a14="http://schemas.microsoft.com/office/drawing/2010/main" Requires="a14">
+      <mc:AlternateContent xmlns:mc="http://schemas.openxmlformats.org/markup-compatibility/2006" xmlns:a14="http://schemas.microsoft.com/office/drawing/2010/main">
+        <mc:Choice Requires="a14">
           <p:sp>
             <p:nvSpPr>
               <p:cNvPr id="22" name="TextBox 21">
@@ -9296,6 +9317,7 @@
               </a:bodyPr>
               <a:lstStyle/>
               <a:p>
+                <a:pPr/>
                 <a14:m>
                   <m:oMathPara xmlns:m="http://schemas.openxmlformats.org/officeDocument/2006/math">
                     <m:oMathParaPr>
@@ -9340,7 +9362,7 @@
             </p:txBody>
           </p:sp>
         </mc:Choice>
-        <mc:Fallback>
+        <mc:Fallback xmlns="">
           <p:sp>
             <p:nvSpPr>
               <p:cNvPr id="22" name="TextBox 21">
@@ -9385,8 +9407,8 @@
           </p:sp>
         </mc:Fallback>
       </mc:AlternateContent>
-      <mc:AlternateContent xmlns:mc="http://schemas.openxmlformats.org/markup-compatibility/2006">
-        <mc:Choice xmlns:a14="http://schemas.microsoft.com/office/drawing/2010/main" Requires="a14">
+      <mc:AlternateContent xmlns:mc="http://schemas.openxmlformats.org/markup-compatibility/2006" xmlns:a14="http://schemas.microsoft.com/office/drawing/2010/main">
+        <mc:Choice Requires="a14">
           <p:sp>
             <p:nvSpPr>
               <p:cNvPr id="23" name="TextBox 22">
@@ -9415,6 +9437,7 @@
               </a:bodyPr>
               <a:lstStyle/>
               <a:p>
+                <a:pPr/>
                 <a14:m>
                   <m:oMathPara xmlns:m="http://schemas.openxmlformats.org/officeDocument/2006/math">
                     <m:oMathParaPr>
@@ -9459,7 +9482,7 @@
             </p:txBody>
           </p:sp>
         </mc:Choice>
-        <mc:Fallback>
+        <mc:Fallback xmlns="">
           <p:sp>
             <p:nvSpPr>
               <p:cNvPr id="23" name="TextBox 22">
@@ -9504,8 +9527,8 @@
           </p:sp>
         </mc:Fallback>
       </mc:AlternateContent>
-      <mc:AlternateContent xmlns:mc="http://schemas.openxmlformats.org/markup-compatibility/2006">
-        <mc:Choice xmlns:a14="http://schemas.microsoft.com/office/drawing/2010/main" Requires="a14">
+      <mc:AlternateContent xmlns:mc="http://schemas.openxmlformats.org/markup-compatibility/2006" xmlns:a14="http://schemas.microsoft.com/office/drawing/2010/main">
+        <mc:Choice Requires="a14">
           <p:sp>
             <p:nvSpPr>
               <p:cNvPr id="24" name="TextBox 23">
@@ -9534,6 +9557,7 @@
               </a:bodyPr>
               <a:lstStyle/>
               <a:p>
+                <a:pPr/>
                 <a14:m>
                   <m:oMathPara xmlns:m="http://schemas.openxmlformats.org/officeDocument/2006/math">
                     <m:oMathParaPr>
@@ -9578,7 +9602,7 @@
             </p:txBody>
           </p:sp>
         </mc:Choice>
-        <mc:Fallback>
+        <mc:Fallback xmlns="">
           <p:sp>
             <p:nvSpPr>
               <p:cNvPr id="24" name="TextBox 23">
@@ -9623,8 +9647,8 @@
           </p:sp>
         </mc:Fallback>
       </mc:AlternateContent>
-      <mc:AlternateContent xmlns:mc="http://schemas.openxmlformats.org/markup-compatibility/2006">
-        <mc:Choice xmlns:a14="http://schemas.microsoft.com/office/drawing/2010/main" Requires="a14">
+      <mc:AlternateContent xmlns:mc="http://schemas.openxmlformats.org/markup-compatibility/2006" xmlns:a14="http://schemas.microsoft.com/office/drawing/2010/main">
+        <mc:Choice Requires="a14">
           <p:sp>
             <p:nvSpPr>
               <p:cNvPr id="25" name="TextBox 24">
@@ -9653,6 +9677,7 @@
               </a:bodyPr>
               <a:lstStyle/>
               <a:p>
+                <a:pPr/>
                 <a14:m>
                   <m:oMathPara xmlns:m="http://schemas.openxmlformats.org/officeDocument/2006/math">
                     <m:oMathParaPr>
@@ -9697,7 +9722,7 @@
             </p:txBody>
           </p:sp>
         </mc:Choice>
-        <mc:Fallback>
+        <mc:Fallback xmlns="">
           <p:sp>
             <p:nvSpPr>
               <p:cNvPr id="25" name="TextBox 24">
@@ -9802,8 +9827,8 @@
           <a:chExt cx="0" cy="0"/>
         </a:xfrm>
       </p:grpSpPr>
-      <mc:AlternateContent xmlns:mc="http://schemas.openxmlformats.org/markup-compatibility/2006">
-        <mc:Choice xmlns:a14="http://schemas.microsoft.com/office/drawing/2010/main" Requires="a14">
+      <mc:AlternateContent xmlns:mc="http://schemas.openxmlformats.org/markup-compatibility/2006" xmlns:a14="http://schemas.microsoft.com/office/drawing/2010/main">
+        <mc:Choice Requires="a14">
           <p:sp>
             <p:nvSpPr>
               <p:cNvPr id="2" name="TextBox 1">
@@ -9832,6 +9857,7 @@
               </a:bodyPr>
               <a:lstStyle/>
               <a:p>
+                <a:pPr/>
                 <a14:m>
                   <m:oMathPara xmlns:m="http://schemas.openxmlformats.org/officeDocument/2006/math">
                     <m:oMathParaPr>
@@ -9876,7 +9902,7 @@
             </p:txBody>
           </p:sp>
         </mc:Choice>
-        <mc:Fallback>
+        <mc:Fallback xmlns="">
           <p:sp>
             <p:nvSpPr>
               <p:cNvPr id="2" name="TextBox 1">
@@ -10004,8 +10030,8 @@
           </a:fontRef>
         </p:style>
       </p:cxnSp>
-      <mc:AlternateContent xmlns:mc="http://schemas.openxmlformats.org/markup-compatibility/2006">
-        <mc:Choice xmlns:a14="http://schemas.microsoft.com/office/drawing/2010/main" Requires="a14">
+      <mc:AlternateContent xmlns:mc="http://schemas.openxmlformats.org/markup-compatibility/2006" xmlns:a14="http://schemas.microsoft.com/office/drawing/2010/main">
+        <mc:Choice Requires="a14">
           <p:sp>
             <p:nvSpPr>
               <p:cNvPr id="11" name="TextBox 10">
@@ -10034,6 +10060,7 @@
               </a:bodyPr>
               <a:lstStyle/>
               <a:p>
+                <a:pPr/>
                 <a14:m>
                   <m:oMathPara xmlns:m="http://schemas.openxmlformats.org/officeDocument/2006/math">
                     <m:oMathParaPr>
@@ -10133,7 +10160,7 @@
             </p:txBody>
           </p:sp>
         </mc:Choice>
-        <mc:Fallback>
+        <mc:Fallback xmlns="">
           <p:sp>
             <p:nvSpPr>
               <p:cNvPr id="11" name="TextBox 10">
@@ -10178,8 +10205,8 @@
           </p:sp>
         </mc:Fallback>
       </mc:AlternateContent>
-      <mc:AlternateContent xmlns:mc="http://schemas.openxmlformats.org/markup-compatibility/2006">
-        <mc:Choice xmlns:a14="http://schemas.microsoft.com/office/drawing/2010/main" Requires="a14">
+      <mc:AlternateContent xmlns:mc="http://schemas.openxmlformats.org/markup-compatibility/2006" xmlns:a14="http://schemas.microsoft.com/office/drawing/2010/main">
+        <mc:Choice Requires="a14">
           <p:sp>
             <p:nvSpPr>
               <p:cNvPr id="12" name="TextBox 11">
@@ -10208,6 +10235,7 @@
               </a:bodyPr>
               <a:lstStyle/>
               <a:p>
+                <a:pPr/>
                 <a14:m>
                   <m:oMathPara xmlns:m="http://schemas.openxmlformats.org/officeDocument/2006/math">
                     <m:oMathParaPr>
@@ -10307,7 +10335,7 @@
             </p:txBody>
           </p:sp>
         </mc:Choice>
-        <mc:Fallback>
+        <mc:Fallback xmlns="">
           <p:sp>
             <p:nvSpPr>
               <p:cNvPr id="12" name="TextBox 11">
@@ -10436,8 +10464,8 @@
           </a:fontRef>
         </p:style>
       </p:cxnSp>
-      <mc:AlternateContent xmlns:mc="http://schemas.openxmlformats.org/markup-compatibility/2006">
-        <mc:Choice xmlns:a14="http://schemas.microsoft.com/office/drawing/2010/main" Requires="a14">
+      <mc:AlternateContent xmlns:mc="http://schemas.openxmlformats.org/markup-compatibility/2006" xmlns:a14="http://schemas.microsoft.com/office/drawing/2010/main">
+        <mc:Choice Requires="a14">
           <p:sp>
             <p:nvSpPr>
               <p:cNvPr id="26" name="TextBox 25">
@@ -10466,6 +10494,7 @@
               </a:bodyPr>
               <a:lstStyle/>
               <a:p>
+                <a:pPr/>
                 <a14:m>
                   <m:oMathPara xmlns:m="http://schemas.openxmlformats.org/officeDocument/2006/math">
                     <m:oMathParaPr>
@@ -10639,7 +10668,7 @@
             </p:txBody>
           </p:sp>
         </mc:Choice>
-        <mc:Fallback>
+        <mc:Fallback xmlns="">
           <p:sp>
             <p:nvSpPr>
               <p:cNvPr id="26" name="TextBox 25">
@@ -10754,8 +10783,8 @@
           </a:p>
         </p:txBody>
       </p:sp>
-      <mc:AlternateContent xmlns:mc="http://schemas.openxmlformats.org/markup-compatibility/2006">
-        <mc:Choice xmlns:a14="http://schemas.microsoft.com/office/drawing/2010/main" Requires="a14">
+      <mc:AlternateContent xmlns:mc="http://schemas.openxmlformats.org/markup-compatibility/2006" xmlns:a14="http://schemas.microsoft.com/office/drawing/2010/main">
+        <mc:Choice Requires="a14">
           <p:sp>
             <p:nvSpPr>
               <p:cNvPr id="30" name="TextBox 29">
@@ -10784,6 +10813,7 @@
               </a:bodyPr>
               <a:lstStyle/>
               <a:p>
+                <a:pPr/>
                 <a14:m>
                   <m:oMathPara xmlns:m="http://schemas.openxmlformats.org/officeDocument/2006/math">
                     <m:oMathParaPr>
@@ -10828,7 +10858,7 @@
             </p:txBody>
           </p:sp>
         </mc:Choice>
-        <mc:Fallback>
+        <mc:Fallback xmlns="">
           <p:sp>
             <p:nvSpPr>
               <p:cNvPr id="30" name="TextBox 29">
@@ -10959,8 +10989,8 @@
           </a:fontRef>
         </p:style>
       </p:cxnSp>
-      <mc:AlternateContent xmlns:mc="http://schemas.openxmlformats.org/markup-compatibility/2006">
-        <mc:Choice xmlns:a14="http://schemas.microsoft.com/office/drawing/2010/main" Requires="a14">
+      <mc:AlternateContent xmlns:mc="http://schemas.openxmlformats.org/markup-compatibility/2006" xmlns:a14="http://schemas.microsoft.com/office/drawing/2010/main">
+        <mc:Choice Requires="a14">
           <p:sp>
             <p:nvSpPr>
               <p:cNvPr id="33" name="TextBox 32">
@@ -10989,6 +11019,7 @@
               </a:bodyPr>
               <a:lstStyle/>
               <a:p>
+                <a:pPr/>
                 <a14:m>
                   <m:oMathPara xmlns:m="http://schemas.openxmlformats.org/officeDocument/2006/math">
                     <m:oMathParaPr>
@@ -11088,7 +11119,7 @@
             </p:txBody>
           </p:sp>
         </mc:Choice>
-        <mc:Fallback>
+        <mc:Fallback xmlns="">
           <p:sp>
             <p:nvSpPr>
               <p:cNvPr id="33" name="TextBox 32">
@@ -11133,8 +11164,8 @@
           </p:sp>
         </mc:Fallback>
       </mc:AlternateContent>
-      <mc:AlternateContent xmlns:mc="http://schemas.openxmlformats.org/markup-compatibility/2006">
-        <mc:Choice xmlns:a14="http://schemas.microsoft.com/office/drawing/2010/main" Requires="a14">
+      <mc:AlternateContent xmlns:mc="http://schemas.openxmlformats.org/markup-compatibility/2006" xmlns:a14="http://schemas.microsoft.com/office/drawing/2010/main">
+        <mc:Choice Requires="a14">
           <p:sp>
             <p:nvSpPr>
               <p:cNvPr id="34" name="TextBox 33">
@@ -11163,6 +11194,7 @@
               </a:bodyPr>
               <a:lstStyle/>
               <a:p>
+                <a:pPr/>
                 <a14:m>
                   <m:oMathPara xmlns:m="http://schemas.openxmlformats.org/officeDocument/2006/math">
                     <m:oMathParaPr>
@@ -11262,7 +11294,7 @@
             </p:txBody>
           </p:sp>
         </mc:Choice>
-        <mc:Fallback>
+        <mc:Fallback xmlns="">
           <p:sp>
             <p:nvSpPr>
               <p:cNvPr id="34" name="TextBox 33">
@@ -11393,8 +11425,8 @@
           </a:fontRef>
         </p:style>
       </p:cxnSp>
-      <mc:AlternateContent xmlns:mc="http://schemas.openxmlformats.org/markup-compatibility/2006">
-        <mc:Choice xmlns:a14="http://schemas.microsoft.com/office/drawing/2010/main" Requires="a14">
+      <mc:AlternateContent xmlns:mc="http://schemas.openxmlformats.org/markup-compatibility/2006" xmlns:a14="http://schemas.microsoft.com/office/drawing/2010/main">
+        <mc:Choice Requires="a14">
           <p:sp>
             <p:nvSpPr>
               <p:cNvPr id="37" name="TextBox 36">
@@ -11423,6 +11455,7 @@
               </a:bodyPr>
               <a:lstStyle/>
               <a:p>
+                <a:pPr/>
                 <a14:m>
                   <m:oMathPara xmlns:m="http://schemas.openxmlformats.org/officeDocument/2006/math">
                     <m:oMathParaPr>
@@ -11590,7 +11623,7 @@
             </p:txBody>
           </p:sp>
         </mc:Choice>
-        <mc:Fallback>
+        <mc:Fallback xmlns="">
           <p:sp>
             <p:nvSpPr>
               <p:cNvPr id="37" name="TextBox 36">
@@ -11671,8 +11704,8 @@
           </a:p>
         </p:txBody>
       </p:sp>
-      <mc:AlternateContent xmlns:mc="http://schemas.openxmlformats.org/markup-compatibility/2006">
-        <mc:Choice xmlns:a14="http://schemas.microsoft.com/office/drawing/2010/main" Requires="a14">
+      <mc:AlternateContent xmlns:mc="http://schemas.openxmlformats.org/markup-compatibility/2006" xmlns:a14="http://schemas.microsoft.com/office/drawing/2010/main">
+        <mc:Choice Requires="a14">
           <p:sp>
             <p:nvSpPr>
               <p:cNvPr id="49" name="TextBox 48">
@@ -11701,6 +11734,7 @@
               </a:bodyPr>
               <a:lstStyle/>
               <a:p>
+                <a:pPr/>
                 <a14:m>
                   <m:oMathPara xmlns:m="http://schemas.openxmlformats.org/officeDocument/2006/math">
                     <m:oMathParaPr>
@@ -11745,7 +11779,7 @@
             </p:txBody>
           </p:sp>
         </mc:Choice>
-        <mc:Fallback>
+        <mc:Fallback xmlns="">
           <p:sp>
             <p:nvSpPr>
               <p:cNvPr id="49" name="TextBox 48">
@@ -11876,8 +11910,8 @@
           </a:fontRef>
         </p:style>
       </p:cxnSp>
-      <mc:AlternateContent xmlns:mc="http://schemas.openxmlformats.org/markup-compatibility/2006">
-        <mc:Choice xmlns:a14="http://schemas.microsoft.com/office/drawing/2010/main" Requires="a14">
+      <mc:AlternateContent xmlns:mc="http://schemas.openxmlformats.org/markup-compatibility/2006" xmlns:a14="http://schemas.microsoft.com/office/drawing/2010/main">
+        <mc:Choice Requires="a14">
           <p:sp>
             <p:nvSpPr>
               <p:cNvPr id="52" name="TextBox 51">
@@ -11906,6 +11940,7 @@
               </a:bodyPr>
               <a:lstStyle/>
               <a:p>
+                <a:pPr/>
                 <a14:m>
                   <m:oMathPara xmlns:m="http://schemas.openxmlformats.org/officeDocument/2006/math">
                     <m:oMathParaPr>
@@ -12005,7 +12040,7 @@
             </p:txBody>
           </p:sp>
         </mc:Choice>
-        <mc:Fallback>
+        <mc:Fallback xmlns="">
           <p:sp>
             <p:nvSpPr>
               <p:cNvPr id="52" name="TextBox 51">
@@ -12050,8 +12085,8 @@
           </p:sp>
         </mc:Fallback>
       </mc:AlternateContent>
-      <mc:AlternateContent xmlns:mc="http://schemas.openxmlformats.org/markup-compatibility/2006">
-        <mc:Choice xmlns:a14="http://schemas.microsoft.com/office/drawing/2010/main" Requires="a14">
+      <mc:AlternateContent xmlns:mc="http://schemas.openxmlformats.org/markup-compatibility/2006" xmlns:a14="http://schemas.microsoft.com/office/drawing/2010/main">
+        <mc:Choice Requires="a14">
           <p:sp>
             <p:nvSpPr>
               <p:cNvPr id="53" name="TextBox 52">
@@ -12080,6 +12115,7 @@
               </a:bodyPr>
               <a:lstStyle/>
               <a:p>
+                <a:pPr/>
                 <a14:m>
                   <m:oMathPara xmlns:m="http://schemas.openxmlformats.org/officeDocument/2006/math">
                     <m:oMathParaPr>
@@ -12179,7 +12215,7 @@
             </p:txBody>
           </p:sp>
         </mc:Choice>
-        <mc:Fallback>
+        <mc:Fallback xmlns="">
           <p:sp>
             <p:nvSpPr>
               <p:cNvPr id="53" name="TextBox 52">
@@ -12310,8 +12346,8 @@
           </a:fontRef>
         </p:style>
       </p:cxnSp>
-      <mc:AlternateContent xmlns:mc="http://schemas.openxmlformats.org/markup-compatibility/2006">
-        <mc:Choice xmlns:a14="http://schemas.microsoft.com/office/drawing/2010/main" Requires="a14">
+      <mc:AlternateContent xmlns:mc="http://schemas.openxmlformats.org/markup-compatibility/2006" xmlns:a14="http://schemas.microsoft.com/office/drawing/2010/main">
+        <mc:Choice Requires="a14">
           <p:sp>
             <p:nvSpPr>
               <p:cNvPr id="56" name="TextBox 55">
@@ -12340,6 +12376,7 @@
               </a:bodyPr>
               <a:lstStyle/>
               <a:p>
+                <a:pPr/>
                 <a14:m>
                   <m:oMathPara xmlns:m="http://schemas.openxmlformats.org/officeDocument/2006/math">
                     <m:oMathParaPr>
@@ -12507,7 +12544,7 @@
             </p:txBody>
           </p:sp>
         </mc:Choice>
-        <mc:Fallback>
+        <mc:Fallback xmlns="">
           <p:sp>
             <p:nvSpPr>
               <p:cNvPr id="56" name="TextBox 55">
@@ -12588,8 +12625,8 @@
           </a:p>
         </p:txBody>
       </p:sp>
-      <mc:AlternateContent xmlns:mc="http://schemas.openxmlformats.org/markup-compatibility/2006">
-        <mc:Choice xmlns:a14="http://schemas.microsoft.com/office/drawing/2010/main" Requires="a14">
+      <mc:AlternateContent xmlns:mc="http://schemas.openxmlformats.org/markup-compatibility/2006" xmlns:a14="http://schemas.microsoft.com/office/drawing/2010/main">
+        <mc:Choice Requires="a14">
           <p:sp>
             <p:nvSpPr>
               <p:cNvPr id="62" name="TextBox 61">
@@ -12618,6 +12655,7 @@
               </a:bodyPr>
               <a:lstStyle/>
               <a:p>
+                <a:pPr/>
                 <a14:m>
                   <m:oMathPara xmlns:m="http://schemas.openxmlformats.org/officeDocument/2006/math">
                     <m:oMathParaPr>
@@ -12662,7 +12700,7 @@
             </p:txBody>
           </p:sp>
         </mc:Choice>
-        <mc:Fallback>
+        <mc:Fallback xmlns="">
           <p:sp>
             <p:nvSpPr>
               <p:cNvPr id="62" name="TextBox 61">
@@ -12793,8 +12831,8 @@
           </a:fontRef>
         </p:style>
       </p:cxnSp>
-      <mc:AlternateContent xmlns:mc="http://schemas.openxmlformats.org/markup-compatibility/2006">
-        <mc:Choice xmlns:a14="http://schemas.microsoft.com/office/drawing/2010/main" Requires="a14">
+      <mc:AlternateContent xmlns:mc="http://schemas.openxmlformats.org/markup-compatibility/2006" xmlns:a14="http://schemas.microsoft.com/office/drawing/2010/main">
+        <mc:Choice Requires="a14">
           <p:sp>
             <p:nvSpPr>
               <p:cNvPr id="65" name="TextBox 64">
@@ -12823,6 +12861,7 @@
               </a:bodyPr>
               <a:lstStyle/>
               <a:p>
+                <a:pPr/>
                 <a14:m>
                   <m:oMathPara xmlns:m="http://schemas.openxmlformats.org/officeDocument/2006/math">
                     <m:oMathParaPr>
@@ -12922,7 +12961,7 @@
             </p:txBody>
           </p:sp>
         </mc:Choice>
-        <mc:Fallback>
+        <mc:Fallback xmlns="">
           <p:sp>
             <p:nvSpPr>
               <p:cNvPr id="65" name="TextBox 64">
@@ -12967,8 +13006,8 @@
           </p:sp>
         </mc:Fallback>
       </mc:AlternateContent>
-      <mc:AlternateContent xmlns:mc="http://schemas.openxmlformats.org/markup-compatibility/2006">
-        <mc:Choice xmlns:a14="http://schemas.microsoft.com/office/drawing/2010/main" Requires="a14">
+      <mc:AlternateContent xmlns:mc="http://schemas.openxmlformats.org/markup-compatibility/2006" xmlns:a14="http://schemas.microsoft.com/office/drawing/2010/main">
+        <mc:Choice Requires="a14">
           <p:sp>
             <p:nvSpPr>
               <p:cNvPr id="66" name="TextBox 65">
@@ -12997,6 +13036,7 @@
               </a:bodyPr>
               <a:lstStyle/>
               <a:p>
+                <a:pPr/>
                 <a14:m>
                   <m:oMathPara xmlns:m="http://schemas.openxmlformats.org/officeDocument/2006/math">
                     <m:oMathParaPr>
@@ -13096,7 +13136,7 @@
             </p:txBody>
           </p:sp>
         </mc:Choice>
-        <mc:Fallback>
+        <mc:Fallback xmlns="">
           <p:sp>
             <p:nvSpPr>
               <p:cNvPr id="66" name="TextBox 65">
@@ -13227,8 +13267,8 @@
           </a:fontRef>
         </p:style>
       </p:cxnSp>
-      <mc:AlternateContent xmlns:mc="http://schemas.openxmlformats.org/markup-compatibility/2006">
-        <mc:Choice xmlns:a14="http://schemas.microsoft.com/office/drawing/2010/main" Requires="a14">
+      <mc:AlternateContent xmlns:mc="http://schemas.openxmlformats.org/markup-compatibility/2006" xmlns:a14="http://schemas.microsoft.com/office/drawing/2010/main">
+        <mc:Choice Requires="a14">
           <p:sp>
             <p:nvSpPr>
               <p:cNvPr id="69" name="TextBox 68">
@@ -13257,6 +13297,7 @@
               </a:bodyPr>
               <a:lstStyle/>
               <a:p>
+                <a:pPr/>
                 <a14:m>
                   <m:oMathPara xmlns:m="http://schemas.openxmlformats.org/officeDocument/2006/math">
                     <m:oMathParaPr>
@@ -13430,7 +13471,7 @@
             </p:txBody>
           </p:sp>
         </mc:Choice>
-        <mc:Fallback>
+        <mc:Fallback xmlns="">
           <p:sp>
             <p:nvSpPr>
               <p:cNvPr id="69" name="TextBox 68">
@@ -13546,8 +13587,8 @@
           </a:p>
         </p:txBody>
       </p:sp>
-      <mc:AlternateContent xmlns:mc="http://schemas.openxmlformats.org/markup-compatibility/2006">
-        <mc:Choice xmlns:a14="http://schemas.microsoft.com/office/drawing/2010/main" Requires="a14">
+      <mc:AlternateContent xmlns:mc="http://schemas.openxmlformats.org/markup-compatibility/2006" xmlns:a14="http://schemas.microsoft.com/office/drawing/2010/main">
+        <mc:Choice Requires="a14">
           <p:sp>
             <p:nvSpPr>
               <p:cNvPr id="78" name="TextBox 77">
@@ -13576,6 +13617,7 @@
               </a:bodyPr>
               <a:lstStyle/>
               <a:p>
+                <a:pPr/>
                 <a14:m>
                   <m:oMathPara xmlns:m="http://schemas.openxmlformats.org/officeDocument/2006/math">
                     <m:oMathParaPr>
@@ -13701,7 +13743,7 @@
             </p:txBody>
           </p:sp>
         </mc:Choice>
-        <mc:Fallback>
+        <mc:Fallback xmlns="">
           <p:sp>
             <p:nvSpPr>
               <p:cNvPr id="78" name="TextBox 77">
@@ -13746,8 +13788,8 @@
           </p:sp>
         </mc:Fallback>
       </mc:AlternateContent>
-      <mc:AlternateContent xmlns:mc="http://schemas.openxmlformats.org/markup-compatibility/2006">
-        <mc:Choice xmlns:a14="http://schemas.microsoft.com/office/drawing/2010/main" Requires="a14">
+      <mc:AlternateContent xmlns:mc="http://schemas.openxmlformats.org/markup-compatibility/2006" xmlns:a14="http://schemas.microsoft.com/office/drawing/2010/main">
+        <mc:Choice Requires="a14">
           <p:sp>
             <p:nvSpPr>
               <p:cNvPr id="79" name="TextBox 78">
@@ -13776,6 +13818,7 @@
               </a:bodyPr>
               <a:lstStyle/>
               <a:p>
+                <a:pPr/>
                 <a14:m>
                   <m:oMathPara xmlns:m="http://schemas.openxmlformats.org/officeDocument/2006/math">
                     <m:oMathParaPr>
@@ -13901,7 +13944,7 @@
             </p:txBody>
           </p:sp>
         </mc:Choice>
-        <mc:Fallback>
+        <mc:Fallback xmlns="">
           <p:sp>
             <p:nvSpPr>
               <p:cNvPr id="79" name="TextBox 78">
@@ -13946,8 +13989,8 @@
           </p:sp>
         </mc:Fallback>
       </mc:AlternateContent>
-      <mc:AlternateContent xmlns:mc="http://schemas.openxmlformats.org/markup-compatibility/2006">
-        <mc:Choice xmlns:a14="http://schemas.microsoft.com/office/drawing/2010/main" Requires="a14">
+      <mc:AlternateContent xmlns:mc="http://schemas.openxmlformats.org/markup-compatibility/2006" xmlns:a14="http://schemas.microsoft.com/office/drawing/2010/main">
+        <mc:Choice Requires="a14">
           <p:sp>
             <p:nvSpPr>
               <p:cNvPr id="80" name="TextBox 79">
@@ -13976,6 +14019,7 @@
               </a:bodyPr>
               <a:lstStyle/>
               <a:p>
+                <a:pPr/>
                 <a14:m>
                   <m:oMathPara xmlns:m="http://schemas.openxmlformats.org/officeDocument/2006/math">
                     <m:oMathParaPr>
@@ -14217,7 +14261,7 @@
             </p:txBody>
           </p:sp>
         </mc:Choice>
-        <mc:Fallback>
+        <mc:Fallback xmlns="">
           <p:sp>
             <p:nvSpPr>
               <p:cNvPr id="80" name="TextBox 79">
@@ -14304,8 +14348,8 @@
           </a:fontRef>
         </p:style>
       </p:cxnSp>
-      <mc:AlternateContent xmlns:mc="http://schemas.openxmlformats.org/markup-compatibility/2006">
-        <mc:Choice xmlns:a14="http://schemas.microsoft.com/office/drawing/2010/main" Requires="a14">
+      <mc:AlternateContent xmlns:mc="http://schemas.openxmlformats.org/markup-compatibility/2006" xmlns:a14="http://schemas.microsoft.com/office/drawing/2010/main">
+        <mc:Choice Requires="a14">
           <p:sp>
             <p:nvSpPr>
               <p:cNvPr id="83" name="TextBox 82">
@@ -14334,6 +14378,7 @@
               </a:bodyPr>
               <a:lstStyle/>
               <a:p>
+                <a:pPr/>
                 <a14:m>
                   <m:oMathPara xmlns:m="http://schemas.openxmlformats.org/officeDocument/2006/math">
                     <m:oMathParaPr>
@@ -14454,7 +14499,7 @@
             </p:txBody>
           </p:sp>
         </mc:Choice>
-        <mc:Fallback>
+        <mc:Fallback xmlns="">
           <p:sp>
             <p:nvSpPr>
               <p:cNvPr id="83" name="TextBox 82">
@@ -14499,8 +14544,8 @@
           </p:sp>
         </mc:Fallback>
       </mc:AlternateContent>
-      <mc:AlternateContent xmlns:mc="http://schemas.openxmlformats.org/markup-compatibility/2006">
-        <mc:Choice xmlns:a14="http://schemas.microsoft.com/office/drawing/2010/main" Requires="a14">
+      <mc:AlternateContent xmlns:mc="http://schemas.openxmlformats.org/markup-compatibility/2006" xmlns:a14="http://schemas.microsoft.com/office/drawing/2010/main">
+        <mc:Choice Requires="a14">
           <p:sp>
             <p:nvSpPr>
               <p:cNvPr id="86" name="TextBox 85">
@@ -14529,6 +14574,7 @@
               </a:bodyPr>
               <a:lstStyle/>
               <a:p>
+                <a:pPr/>
                 <a14:m>
                   <m:oMathPara xmlns:m="http://schemas.openxmlformats.org/officeDocument/2006/math">
                     <m:oMathParaPr>
@@ -14647,7 +14693,7 @@
             </p:txBody>
           </p:sp>
         </mc:Choice>
-        <mc:Fallback>
+        <mc:Fallback xmlns="">
           <p:sp>
             <p:nvSpPr>
               <p:cNvPr id="86" name="TextBox 85">
@@ -14692,8 +14738,8 @@
           </p:sp>
         </mc:Fallback>
       </mc:AlternateContent>
-      <mc:AlternateContent xmlns:mc="http://schemas.openxmlformats.org/markup-compatibility/2006">
-        <mc:Choice xmlns:a14="http://schemas.microsoft.com/office/drawing/2010/main" Requires="a14">
+      <mc:AlternateContent xmlns:mc="http://schemas.openxmlformats.org/markup-compatibility/2006" xmlns:a14="http://schemas.microsoft.com/office/drawing/2010/main">
+        <mc:Choice Requires="a14">
           <p:sp>
             <p:nvSpPr>
               <p:cNvPr id="87" name="TextBox 86">
@@ -14722,6 +14768,7 @@
               </a:bodyPr>
               <a:lstStyle/>
               <a:p>
+                <a:pPr/>
                 <a14:m>
                   <m:oMathPara xmlns:m="http://schemas.openxmlformats.org/officeDocument/2006/math">
                     <m:oMathParaPr>
@@ -14840,7 +14887,7 @@
             </p:txBody>
           </p:sp>
         </mc:Choice>
-        <mc:Fallback>
+        <mc:Fallback xmlns="">
           <p:sp>
             <p:nvSpPr>
               <p:cNvPr id="87" name="TextBox 86">
@@ -14885,8 +14932,8 @@
           </p:sp>
         </mc:Fallback>
       </mc:AlternateContent>
-      <mc:AlternateContent xmlns:mc="http://schemas.openxmlformats.org/markup-compatibility/2006">
-        <mc:Choice xmlns:a14="http://schemas.microsoft.com/office/drawing/2010/main" Requires="a14">
+      <mc:AlternateContent xmlns:mc="http://schemas.openxmlformats.org/markup-compatibility/2006" xmlns:a14="http://schemas.microsoft.com/office/drawing/2010/main">
+        <mc:Choice Requires="a14">
           <p:sp>
             <p:nvSpPr>
               <p:cNvPr id="88" name="TextBox 87">
@@ -14915,6 +14962,7 @@
               </a:bodyPr>
               <a:lstStyle/>
               <a:p>
+                <a:pPr/>
                 <a14:m>
                   <m:oMathPara xmlns:m="http://schemas.openxmlformats.org/officeDocument/2006/math">
                     <m:oMathParaPr>
@@ -15106,7 +15154,7 @@
             </p:txBody>
           </p:sp>
         </mc:Choice>
-        <mc:Fallback>
+        <mc:Fallback xmlns="">
           <p:sp>
             <p:nvSpPr>
               <p:cNvPr id="88" name="TextBox 87">
@@ -15151,8 +15199,8 @@
           </p:sp>
         </mc:Fallback>
       </mc:AlternateContent>
-      <mc:AlternateContent xmlns:mc="http://schemas.openxmlformats.org/markup-compatibility/2006">
-        <mc:Choice xmlns:a14="http://schemas.microsoft.com/office/drawing/2010/main" Requires="a14">
+      <mc:AlternateContent xmlns:mc="http://schemas.openxmlformats.org/markup-compatibility/2006" xmlns:a14="http://schemas.microsoft.com/office/drawing/2010/main">
+        <mc:Choice Requires="a14">
           <p:sp>
             <p:nvSpPr>
               <p:cNvPr id="89" name="TextBox 88">
@@ -15181,6 +15229,7 @@
               </a:bodyPr>
               <a:lstStyle/>
               <a:p>
+                <a:pPr/>
                 <a14:m>
                   <m:oMathPara xmlns:m="http://schemas.openxmlformats.org/officeDocument/2006/math">
                     <m:oMathParaPr>
@@ -15380,7 +15429,7 @@
             </p:txBody>
           </p:sp>
         </mc:Choice>
-        <mc:Fallback>
+        <mc:Fallback xmlns="">
           <p:sp>
             <p:nvSpPr>
               <p:cNvPr id="89" name="TextBox 88">
@@ -15429,6 +15478,2134 @@
     <p:extLst>
       <p:ext uri="{BB962C8B-B14F-4D97-AF65-F5344CB8AC3E}">
         <p14:creationId xmlns:p14="http://schemas.microsoft.com/office/powerpoint/2010/main" val="2576724593"/>
+      </p:ext>
+    </p:extLst>
+  </p:cSld>
+  <p:clrMapOvr>
+    <a:masterClrMapping/>
+  </p:clrMapOvr>
+</p:sld>
+</file>
+
+<file path=ppt/slides/slide9.xml><?xml version="1.0" encoding="utf-8"?>
+<p:sld xmlns:a="http://schemas.openxmlformats.org/drawingml/2006/main" xmlns:r="http://schemas.openxmlformats.org/officeDocument/2006/relationships" xmlns:p="http://schemas.openxmlformats.org/presentationml/2006/main">
+  <p:cSld>
+    <p:spTree>
+      <p:nvGrpSpPr>
+        <p:cNvPr id="1" name=""/>
+        <p:cNvGrpSpPr/>
+        <p:nvPr/>
+      </p:nvGrpSpPr>
+      <p:grpSpPr>
+        <a:xfrm>
+          <a:off x="0" y="0"/>
+          <a:ext cx="0" cy="0"/>
+          <a:chOff x="0" y="0"/>
+          <a:chExt cx="0" cy="0"/>
+        </a:xfrm>
+      </p:grpSpPr>
+      <p:sp>
+        <p:nvSpPr>
+          <p:cNvPr id="3" name="TextBox 2">
+            <a:extLst>
+              <a:ext uri="{FF2B5EF4-FFF2-40B4-BE49-F238E27FC236}">
+                <a16:creationId xmlns:a16="http://schemas.microsoft.com/office/drawing/2014/main" id="{5F53D2B5-0D38-EE2B-FA3F-AD7134E404E6}"/>
+              </a:ext>
+            </a:extLst>
+          </p:cNvPr>
+          <p:cNvSpPr txBox="1"/>
+          <p:nvPr/>
+        </p:nvSpPr>
+        <p:spPr>
+          <a:xfrm>
+            <a:off x="0" y="0"/>
+            <a:ext cx="2092111" cy="523220"/>
+          </a:xfrm>
+          <a:prstGeom prst="rect">
+            <a:avLst/>
+          </a:prstGeom>
+          <a:noFill/>
+        </p:spPr>
+        <p:txBody>
+          <a:bodyPr wrap="none" rtlCol="0">
+            <a:spAutoFit/>
+          </a:bodyPr>
+          <a:lstStyle/>
+          <a:p>
+            <a:r>
+              <a:rPr lang="en-US" sz="2800" dirty="0"/>
+              <a:t>Introduction</a:t>
+            </a:r>
+          </a:p>
+        </p:txBody>
+      </p:sp>
+      <p:sp>
+        <p:nvSpPr>
+          <p:cNvPr id="4" name="TextBox 3">
+            <a:extLst>
+              <a:ext uri="{FF2B5EF4-FFF2-40B4-BE49-F238E27FC236}">
+                <a16:creationId xmlns:a16="http://schemas.microsoft.com/office/drawing/2014/main" id="{3D65297D-7750-FD7D-50BB-9AEEDD053EF4}"/>
+              </a:ext>
+            </a:extLst>
+          </p:cNvPr>
+          <p:cNvSpPr txBox="1"/>
+          <p:nvPr/>
+        </p:nvSpPr>
+        <p:spPr>
+          <a:xfrm>
+            <a:off x="0" y="662152"/>
+            <a:ext cx="8686800" cy="4247317"/>
+          </a:xfrm>
+          <a:prstGeom prst="rect">
+            <a:avLst/>
+          </a:prstGeom>
+          <a:noFill/>
+        </p:spPr>
+        <p:txBody>
+          <a:bodyPr wrap="square" rtlCol="0">
+            <a:spAutoFit/>
+          </a:bodyPr>
+          <a:lstStyle/>
+          <a:p>
+            <a:r>
+              <a:rPr lang="en-US" dirty="0"/>
+              <a:t>Equilibrium</a:t>
+            </a:r>
+          </a:p>
+          <a:p>
+            <a:pPr marL="285750" indent="-285750">
+              <a:buFont typeface="Arial" panose="020B0604020202020204" pitchFamily="34" charset="0"/>
+              <a:buChar char="•"/>
+            </a:pPr>
+            <a:r>
+              <a:rPr lang="en-US" dirty="0"/>
+              <a:t>State of balance, no unbalanced driving forces</a:t>
+            </a:r>
+          </a:p>
+          <a:p>
+            <a:pPr marL="285750" indent="-285750">
+              <a:buFont typeface="Arial" panose="020B0604020202020204" pitchFamily="34" charset="0"/>
+              <a:buChar char="•"/>
+            </a:pPr>
+            <a:r>
+              <a:rPr lang="en-US" dirty="0"/>
+              <a:t>Thermal EQ: Uniform temperature</a:t>
+            </a:r>
+          </a:p>
+          <a:p>
+            <a:pPr marL="285750" indent="-285750">
+              <a:buFont typeface="Arial" panose="020B0604020202020204" pitchFamily="34" charset="0"/>
+              <a:buChar char="•"/>
+            </a:pPr>
+            <a:r>
+              <a:rPr lang="en-US" dirty="0"/>
+              <a:t>Mechanical EQ: Uniform pressure to no tendency for pressure to change locally</a:t>
+            </a:r>
+          </a:p>
+          <a:p>
+            <a:pPr marL="285750" indent="-285750">
+              <a:buFont typeface="Arial" panose="020B0604020202020204" pitchFamily="34" charset="0"/>
+              <a:buChar char="•"/>
+            </a:pPr>
+            <a:r>
+              <a:rPr lang="en-US" dirty="0"/>
+              <a:t>Phase EQ: Mass of each phase stays in the same quantity</a:t>
+            </a:r>
+          </a:p>
+          <a:p>
+            <a:pPr marL="285750" indent="-285750">
+              <a:buFont typeface="Arial" panose="020B0604020202020204" pitchFamily="34" charset="0"/>
+              <a:buChar char="•"/>
+            </a:pPr>
+            <a:r>
+              <a:rPr lang="en-US" dirty="0"/>
+              <a:t>Chemical EQ: No tendency for changes in chemical composition</a:t>
+            </a:r>
+          </a:p>
+          <a:p>
+            <a:pPr marL="285750" indent="-285750">
+              <a:buFont typeface="Arial" panose="020B0604020202020204" pitchFamily="34" charset="0"/>
+              <a:buChar char="•"/>
+            </a:pPr>
+            <a:r>
+              <a:rPr lang="en-US" dirty="0"/>
+              <a:t>Thermodynamic EQ: Equilibrium with respect to all possible changes in state</a:t>
+            </a:r>
+          </a:p>
+          <a:p>
+            <a:pPr marL="285750" indent="-285750">
+              <a:buFont typeface="Arial" panose="020B0604020202020204" pitchFamily="34" charset="0"/>
+              <a:buChar char="•"/>
+            </a:pPr>
+            <a:endParaRPr lang="en-US" dirty="0"/>
+          </a:p>
+          <a:p>
+            <a:r>
+              <a:rPr lang="en-US" dirty="0"/>
+              <a:t>Process: any change that a system undergoes</a:t>
+            </a:r>
+          </a:p>
+          <a:p>
+            <a:r>
+              <a:rPr lang="en-US" dirty="0"/>
+              <a:t>		from one state to another</a:t>
+            </a:r>
+          </a:p>
+          <a:p>
+            <a:r>
+              <a:rPr lang="en-US" dirty="0"/>
+              <a:t>Path:        The series of states a system </a:t>
+            </a:r>
+          </a:p>
+          <a:p>
+            <a:r>
+              <a:rPr lang="en-US" dirty="0"/>
+              <a:t>		goes through during the process</a:t>
+            </a:r>
+          </a:p>
+          <a:p>
+            <a:endParaRPr lang="en-US" dirty="0"/>
+          </a:p>
+          <a:p>
+            <a:r>
+              <a:rPr lang="en-US" i="1" dirty="0"/>
+              <a:t>To fully describe a process, one must know the </a:t>
+            </a:r>
+          </a:p>
+          <a:p>
+            <a:r>
+              <a:rPr lang="en-US" i="1" dirty="0"/>
+              <a:t>initial and final states, as well as the path taken</a:t>
+            </a:r>
+          </a:p>
+        </p:txBody>
+      </p:sp>
+      <p:pic>
+        <p:nvPicPr>
+          <p:cNvPr id="6" name="Picture 5">
+            <a:extLst>
+              <a:ext uri="{FF2B5EF4-FFF2-40B4-BE49-F238E27FC236}">
+                <a16:creationId xmlns:a16="http://schemas.microsoft.com/office/drawing/2014/main" id="{6358A275-0D25-64B9-2ABA-48AD18F364B8}"/>
+              </a:ext>
+            </a:extLst>
+          </p:cNvPr>
+          <p:cNvPicPr>
+            <a:picLocks noChangeAspect="1"/>
+          </p:cNvPicPr>
+          <p:nvPr/>
+        </p:nvPicPr>
+        <p:blipFill>
+          <a:blip r:embed="rId2"/>
+          <a:stretch>
+            <a:fillRect/>
+          </a:stretch>
+        </p:blipFill>
+        <p:spPr>
+          <a:xfrm>
+            <a:off x="5061585" y="2681903"/>
+            <a:ext cx="3026125" cy="2366498"/>
+          </a:xfrm>
+          <a:prstGeom prst="rect">
+            <a:avLst/>
+          </a:prstGeom>
+        </p:spPr>
+      </p:pic>
+      <p:sp>
+        <p:nvSpPr>
+          <p:cNvPr id="7" name="TextBox 6">
+            <a:extLst>
+              <a:ext uri="{FF2B5EF4-FFF2-40B4-BE49-F238E27FC236}">
+                <a16:creationId xmlns:a16="http://schemas.microsoft.com/office/drawing/2014/main" id="{3577DE53-D14E-565B-DBF6-7653A904D82F}"/>
+              </a:ext>
+            </a:extLst>
+          </p:cNvPr>
+          <p:cNvSpPr txBox="1"/>
+          <p:nvPr/>
+        </p:nvSpPr>
+        <p:spPr>
+          <a:xfrm>
+            <a:off x="0" y="5249918"/>
+            <a:ext cx="3577646" cy="369332"/>
+          </a:xfrm>
+          <a:prstGeom prst="rect">
+            <a:avLst/>
+          </a:prstGeom>
+          <a:noFill/>
+        </p:spPr>
+        <p:txBody>
+          <a:bodyPr wrap="none" rtlCol="0">
+            <a:spAutoFit/>
+          </a:bodyPr>
+          <a:lstStyle/>
+          <a:p>
+            <a:r>
+              <a:rPr lang="en-US" dirty="0"/>
+              <a:t>New way to define internal energy:</a:t>
+            </a:r>
+          </a:p>
+        </p:txBody>
+      </p:sp>
+      <mc:AlternateContent xmlns:mc="http://schemas.openxmlformats.org/markup-compatibility/2006">
+        <mc:Choice xmlns:a14="http://schemas.microsoft.com/office/drawing/2010/main" Requires="a14">
+          <p:sp>
+            <p:nvSpPr>
+              <p:cNvPr id="8" name="TextBox 7">
+                <a:extLst>
+                  <a:ext uri="{FF2B5EF4-FFF2-40B4-BE49-F238E27FC236}">
+                    <a16:creationId xmlns:a16="http://schemas.microsoft.com/office/drawing/2014/main" id="{9BF4DA4B-0C6A-AFF6-CF3D-521EDE638F2E}"/>
+                  </a:ext>
+                </a:extLst>
+              </p:cNvPr>
+              <p:cNvSpPr txBox="1"/>
+              <p:nvPr/>
+            </p:nvSpPr>
+            <p:spPr>
+              <a:xfrm>
+                <a:off x="1174531" y="5950659"/>
+                <a:ext cx="2578142" cy="430887"/>
+              </a:xfrm>
+              <a:prstGeom prst="rect">
+                <a:avLst/>
+              </a:prstGeom>
+              <a:noFill/>
+            </p:spPr>
+            <p:txBody>
+              <a:bodyPr wrap="none" lIns="0" tIns="0" rIns="0" bIns="0" rtlCol="0">
+                <a:spAutoFit/>
+              </a:bodyPr>
+              <a:lstStyle/>
+              <a:p>
+                <a14:m>
+                  <m:oMathPara xmlns:m="http://schemas.openxmlformats.org/officeDocument/2006/math">
+                    <m:oMathParaPr>
+                      <m:jc m:val="centerGroup"/>
+                    </m:oMathParaPr>
+                    <m:oMath xmlns:m="http://schemas.openxmlformats.org/officeDocument/2006/math">
+                      <m:r>
+                        <a:rPr lang="en-US" sz="2800" b="0" i="1" smtClean="0">
+                          <a:latin typeface="Cambria Math" panose="02040503050406030204" pitchFamily="18" charset="0"/>
+                          <a:ea typeface="Cambria Math" panose="02040503050406030204" pitchFamily="18" charset="0"/>
+                        </a:rPr>
+                        <m:t>𝑑</m:t>
+                      </m:r>
+                      <m:sSup>
+                        <m:sSupPr>
+                          <m:ctrlPr>
+                            <a:rPr lang="en-US" sz="2800" i="1" smtClean="0">
+                              <a:latin typeface="Cambria Math" panose="02040503050406030204" pitchFamily="18" charset="0"/>
+                              <a:ea typeface="Cambria Math" panose="02040503050406030204" pitchFamily="18" charset="0"/>
+                            </a:rPr>
+                          </m:ctrlPr>
+                        </m:sSupPr>
+                        <m:e>
+                          <m:r>
+                            <a:rPr lang="en-US" sz="2800" b="0" i="1" smtClean="0">
+                              <a:latin typeface="Cambria Math" panose="02040503050406030204" pitchFamily="18" charset="0"/>
+                              <a:ea typeface="Cambria Math" panose="02040503050406030204" pitchFamily="18" charset="0"/>
+                            </a:rPr>
+                            <m:t>𝑈</m:t>
+                          </m:r>
+                        </m:e>
+                        <m:sup>
+                          <m:r>
+                            <a:rPr lang="en-US" sz="2800" b="0" i="1" smtClean="0">
+                              <a:latin typeface="Cambria Math" panose="02040503050406030204" pitchFamily="18" charset="0"/>
+                              <a:ea typeface="Cambria Math" panose="02040503050406030204" pitchFamily="18" charset="0"/>
+                            </a:rPr>
+                            <m:t>𝑡</m:t>
+                          </m:r>
+                        </m:sup>
+                      </m:sSup>
+                      <m:r>
+                        <a:rPr lang="en-US" sz="2800" b="0" i="1" smtClean="0">
+                          <a:latin typeface="Cambria Math" panose="02040503050406030204" pitchFamily="18" charset="0"/>
+                          <a:ea typeface="Cambria Math" panose="02040503050406030204" pitchFamily="18" charset="0"/>
+                        </a:rPr>
+                        <m:t>=</m:t>
+                      </m:r>
+                      <m:r>
+                        <a:rPr lang="en-US" sz="2800" b="0" i="1" smtClean="0">
+                          <a:latin typeface="Cambria Math" panose="02040503050406030204" pitchFamily="18" charset="0"/>
+                          <a:ea typeface="Cambria Math" panose="02040503050406030204" pitchFamily="18" charset="0"/>
+                        </a:rPr>
+                        <m:t>𝛿</m:t>
+                      </m:r>
+                      <m:r>
+                        <a:rPr lang="en-US" sz="2800" b="0" i="1" smtClean="0">
+                          <a:latin typeface="Cambria Math" panose="02040503050406030204" pitchFamily="18" charset="0"/>
+                          <a:ea typeface="Cambria Math" panose="02040503050406030204" pitchFamily="18" charset="0"/>
+                        </a:rPr>
+                        <m:t>𝑄</m:t>
+                      </m:r>
+                      <m:r>
+                        <a:rPr lang="en-US" sz="2800" b="0" i="1" smtClean="0">
+                          <a:latin typeface="Cambria Math" panose="02040503050406030204" pitchFamily="18" charset="0"/>
+                          <a:ea typeface="Cambria Math" panose="02040503050406030204" pitchFamily="18" charset="0"/>
+                        </a:rPr>
+                        <m:t>+</m:t>
+                      </m:r>
+                      <m:r>
+                        <a:rPr lang="en-US" sz="2800" b="0" i="1" smtClean="0">
+                          <a:latin typeface="Cambria Math" panose="02040503050406030204" pitchFamily="18" charset="0"/>
+                          <a:ea typeface="Cambria Math" panose="02040503050406030204" pitchFamily="18" charset="0"/>
+                        </a:rPr>
+                        <m:t>𝛿</m:t>
+                      </m:r>
+                      <m:r>
+                        <a:rPr lang="en-US" sz="2800" b="0" i="1" smtClean="0">
+                          <a:latin typeface="Cambria Math" panose="02040503050406030204" pitchFamily="18" charset="0"/>
+                          <a:ea typeface="Cambria Math" panose="02040503050406030204" pitchFamily="18" charset="0"/>
+                        </a:rPr>
+                        <m:t>𝑊</m:t>
+                      </m:r>
+                    </m:oMath>
+                  </m:oMathPara>
+                </a14:m>
+                <a:endParaRPr lang="en-US" dirty="0"/>
+              </a:p>
+            </p:txBody>
+          </p:sp>
+        </mc:Choice>
+        <mc:Fallback>
+          <p:sp>
+            <p:nvSpPr>
+              <p:cNvPr id="8" name="TextBox 7">
+                <a:extLst>
+                  <a:ext uri="{FF2B5EF4-FFF2-40B4-BE49-F238E27FC236}">
+                    <a16:creationId xmlns:a16="http://schemas.microsoft.com/office/drawing/2014/main" id="{9BF4DA4B-0C6A-AFF6-CF3D-521EDE638F2E}"/>
+                  </a:ext>
+                </a:extLst>
+              </p:cNvPr>
+              <p:cNvSpPr txBox="1">
+                <a:spLocks noRot="1" noChangeAspect="1" noMove="1" noResize="1" noEditPoints="1" noAdjustHandles="1" noChangeArrowheads="1" noChangeShapeType="1" noTextEdit="1"/>
+              </p:cNvSpPr>
+              <p:nvPr/>
+            </p:nvSpPr>
+            <p:spPr>
+              <a:xfrm>
+                <a:off x="1174531" y="5950659"/>
+                <a:ext cx="2578142" cy="430887"/>
+              </a:xfrm>
+              <a:prstGeom prst="rect">
+                <a:avLst/>
+              </a:prstGeom>
+              <a:blipFill>
+                <a:blip r:embed="rId3"/>
+                <a:stretch>
+                  <a:fillRect/>
+                </a:stretch>
+              </a:blipFill>
+            </p:spPr>
+            <p:txBody>
+              <a:bodyPr/>
+              <a:lstStyle/>
+              <a:p>
+                <a:r>
+                  <a:rPr lang="en-US">
+                    <a:noFill/>
+                  </a:rPr>
+                  <a:t> </a:t>
+                </a:r>
+              </a:p>
+            </p:txBody>
+          </p:sp>
+        </mc:Fallback>
+      </mc:AlternateContent>
+      <mc:AlternateContent xmlns:mc="http://schemas.openxmlformats.org/markup-compatibility/2006">
+        <mc:Choice xmlns:a14="http://schemas.microsoft.com/office/drawing/2010/main" Requires="a14">
+          <p:sp>
+            <p:nvSpPr>
+              <p:cNvPr id="9" name="TextBox 8">
+                <a:extLst>
+                  <a:ext uri="{FF2B5EF4-FFF2-40B4-BE49-F238E27FC236}">
+                    <a16:creationId xmlns:a16="http://schemas.microsoft.com/office/drawing/2014/main" id="{93458DF5-3808-85CE-C8CA-B32C54D08196}"/>
+                  </a:ext>
+                </a:extLst>
+              </p:cNvPr>
+              <p:cNvSpPr txBox="1"/>
+              <p:nvPr/>
+            </p:nvSpPr>
+            <p:spPr>
+              <a:xfrm>
+                <a:off x="4579164" y="5691396"/>
+                <a:ext cx="1995483" cy="816314"/>
+              </a:xfrm>
+              <a:prstGeom prst="rect">
+                <a:avLst/>
+              </a:prstGeom>
+              <a:noFill/>
+            </p:spPr>
+            <p:txBody>
+              <a:bodyPr wrap="none" lIns="0" tIns="0" rIns="0" bIns="0" rtlCol="0">
+                <a:spAutoFit/>
+              </a:bodyPr>
+              <a:lstStyle/>
+              <a:p>
+                <a14:m>
+                  <m:oMathPara xmlns:m="http://schemas.openxmlformats.org/officeDocument/2006/math">
+                    <m:oMathParaPr>
+                      <m:jc m:val="centerGroup"/>
+                    </m:oMathParaPr>
+                    <m:oMath xmlns:m="http://schemas.openxmlformats.org/officeDocument/2006/math">
+                      <m:r>
+                        <a:rPr lang="en-US" sz="2800" b="0" i="1" smtClean="0">
+                          <a:latin typeface="Cambria Math" panose="02040503050406030204" pitchFamily="18" charset="0"/>
+                          <a:ea typeface="Cambria Math" panose="02040503050406030204" pitchFamily="18" charset="0"/>
+                        </a:rPr>
+                        <m:t>𝑑</m:t>
+                      </m:r>
+                      <m:sSup>
+                        <m:sSupPr>
+                          <m:ctrlPr>
+                            <a:rPr lang="en-US" sz="2800" b="0" i="1" smtClean="0">
+                              <a:latin typeface="Cambria Math" panose="02040503050406030204" pitchFamily="18" charset="0"/>
+                              <a:ea typeface="Cambria Math" panose="02040503050406030204" pitchFamily="18" charset="0"/>
+                            </a:rPr>
+                          </m:ctrlPr>
+                        </m:sSupPr>
+                        <m:e>
+                          <m:r>
+                            <a:rPr lang="en-US" sz="2800" b="0" i="1" smtClean="0">
+                              <a:latin typeface="Cambria Math" panose="02040503050406030204" pitchFamily="18" charset="0"/>
+                              <a:ea typeface="Cambria Math" panose="02040503050406030204" pitchFamily="18" charset="0"/>
+                            </a:rPr>
+                            <m:t>𝑆</m:t>
+                          </m:r>
+                        </m:e>
+                        <m:sup>
+                          <m:r>
+                            <a:rPr lang="en-US" sz="2800" b="0" i="1" smtClean="0">
+                              <a:latin typeface="Cambria Math" panose="02040503050406030204" pitchFamily="18" charset="0"/>
+                              <a:ea typeface="Cambria Math" panose="02040503050406030204" pitchFamily="18" charset="0"/>
+                            </a:rPr>
+                            <m:t>𝑡</m:t>
+                          </m:r>
+                        </m:sup>
+                      </m:sSup>
+                      <m:r>
+                        <a:rPr lang="en-US" sz="2800" b="0" i="1" smtClean="0">
+                          <a:latin typeface="Cambria Math" panose="02040503050406030204" pitchFamily="18" charset="0"/>
+                          <a:ea typeface="Cambria Math" panose="02040503050406030204" pitchFamily="18" charset="0"/>
+                        </a:rPr>
+                        <m:t>=</m:t>
+                      </m:r>
+                      <m:f>
+                        <m:fPr>
+                          <m:ctrlPr>
+                            <a:rPr lang="en-US" sz="2800" b="0" i="1" smtClean="0">
+                              <a:latin typeface="Cambria Math" panose="02040503050406030204" pitchFamily="18" charset="0"/>
+                              <a:ea typeface="Cambria Math" panose="02040503050406030204" pitchFamily="18" charset="0"/>
+                            </a:rPr>
+                          </m:ctrlPr>
+                        </m:fPr>
+                        <m:num>
+                          <m:r>
+                            <a:rPr lang="en-US" sz="2800" b="0" i="1" smtClean="0">
+                              <a:latin typeface="Cambria Math" panose="02040503050406030204" pitchFamily="18" charset="0"/>
+                              <a:ea typeface="Cambria Math" panose="02040503050406030204" pitchFamily="18" charset="0"/>
+                            </a:rPr>
+                            <m:t>𝛿</m:t>
+                          </m:r>
+                          <m:sSub>
+                            <m:sSubPr>
+                              <m:ctrlPr>
+                                <a:rPr lang="en-US" sz="2800" b="0" i="1" smtClean="0">
+                                  <a:latin typeface="Cambria Math" panose="02040503050406030204" pitchFamily="18" charset="0"/>
+                                  <a:ea typeface="Cambria Math" panose="02040503050406030204" pitchFamily="18" charset="0"/>
+                                </a:rPr>
+                              </m:ctrlPr>
+                            </m:sSubPr>
+                            <m:e>
+                              <m:r>
+                                <a:rPr lang="en-US" sz="2800" b="0" i="1" smtClean="0">
+                                  <a:latin typeface="Cambria Math" panose="02040503050406030204" pitchFamily="18" charset="0"/>
+                                  <a:ea typeface="Cambria Math" panose="02040503050406030204" pitchFamily="18" charset="0"/>
+                                </a:rPr>
+                                <m:t>𝑄</m:t>
+                              </m:r>
+                            </m:e>
+                            <m:sub>
+                              <m:r>
+                                <a:rPr lang="en-US" sz="2800" b="0" i="1" smtClean="0">
+                                  <a:latin typeface="Cambria Math" panose="02040503050406030204" pitchFamily="18" charset="0"/>
+                                  <a:ea typeface="Cambria Math" panose="02040503050406030204" pitchFamily="18" charset="0"/>
+                                </a:rPr>
+                                <m:t>𝑟𝑒𝑣</m:t>
+                              </m:r>
+                            </m:sub>
+                          </m:sSub>
+                        </m:num>
+                        <m:den>
+                          <m:r>
+                            <a:rPr lang="en-US" sz="2800" b="0" i="1" smtClean="0">
+                              <a:latin typeface="Cambria Math" panose="02040503050406030204" pitchFamily="18" charset="0"/>
+                              <a:ea typeface="Cambria Math" panose="02040503050406030204" pitchFamily="18" charset="0"/>
+                            </a:rPr>
+                            <m:t>𝑇</m:t>
+                          </m:r>
+                        </m:den>
+                      </m:f>
+                    </m:oMath>
+                  </m:oMathPara>
+                </a14:m>
+                <a:endParaRPr lang="en-US" dirty="0"/>
+              </a:p>
+            </p:txBody>
+          </p:sp>
+        </mc:Choice>
+        <mc:Fallback>
+          <p:sp>
+            <p:nvSpPr>
+              <p:cNvPr id="9" name="TextBox 8">
+                <a:extLst>
+                  <a:ext uri="{FF2B5EF4-FFF2-40B4-BE49-F238E27FC236}">
+                    <a16:creationId xmlns:a16="http://schemas.microsoft.com/office/drawing/2014/main" id="{93458DF5-3808-85CE-C8CA-B32C54D08196}"/>
+                  </a:ext>
+                </a:extLst>
+              </p:cNvPr>
+              <p:cNvSpPr txBox="1">
+                <a:spLocks noRot="1" noChangeAspect="1" noMove="1" noResize="1" noEditPoints="1" noAdjustHandles="1" noChangeArrowheads="1" noChangeShapeType="1" noTextEdit="1"/>
+              </p:cNvSpPr>
+              <p:nvPr/>
+            </p:nvSpPr>
+            <p:spPr>
+              <a:xfrm>
+                <a:off x="4579164" y="5691396"/>
+                <a:ext cx="1995483" cy="816314"/>
+              </a:xfrm>
+              <a:prstGeom prst="rect">
+                <a:avLst/>
+              </a:prstGeom>
+              <a:blipFill>
+                <a:blip r:embed="rId4"/>
+                <a:stretch>
+                  <a:fillRect/>
+                </a:stretch>
+              </a:blipFill>
+            </p:spPr>
+            <p:txBody>
+              <a:bodyPr/>
+              <a:lstStyle/>
+              <a:p>
+                <a:r>
+                  <a:rPr lang="en-US">
+                    <a:noFill/>
+                  </a:rPr>
+                  <a:t> </a:t>
+                </a:r>
+              </a:p>
+            </p:txBody>
+          </p:sp>
+        </mc:Fallback>
+      </mc:AlternateContent>
+      <p:cxnSp>
+        <p:nvCxnSpPr>
+          <p:cNvPr id="11" name="Straight Arrow Connector 10">
+            <a:extLst>
+              <a:ext uri="{FF2B5EF4-FFF2-40B4-BE49-F238E27FC236}">
+                <a16:creationId xmlns:a16="http://schemas.microsoft.com/office/drawing/2014/main" id="{17094110-B714-D4CA-0568-2ACF8511D34E}"/>
+              </a:ext>
+            </a:extLst>
+          </p:cNvPr>
+          <p:cNvCxnSpPr>
+            <a:cxnSpLocks/>
+            <a:stCxn id="15" idx="0"/>
+          </p:cNvCxnSpPr>
+          <p:nvPr/>
+        </p:nvCxnSpPr>
+        <p:spPr>
+          <a:xfrm flipV="1">
+            <a:off x="1307314" y="6302466"/>
+            <a:ext cx="1041748" cy="410489"/>
+          </a:xfrm>
+          <a:prstGeom prst="straightConnector1">
+            <a:avLst/>
+          </a:prstGeom>
+          <a:ln>
+            <a:tailEnd type="triangle"/>
+          </a:ln>
+        </p:spPr>
+        <p:style>
+          <a:lnRef idx="2">
+            <a:schemeClr val="accent1"/>
+          </a:lnRef>
+          <a:fillRef idx="0">
+            <a:schemeClr val="accent1"/>
+          </a:fillRef>
+          <a:effectRef idx="1">
+            <a:schemeClr val="accent1"/>
+          </a:effectRef>
+          <a:fontRef idx="minor">
+            <a:schemeClr val="tx1"/>
+          </a:fontRef>
+        </p:style>
+      </p:cxnSp>
+      <mc:AlternateContent xmlns:mc="http://schemas.openxmlformats.org/markup-compatibility/2006">
+        <mc:Choice xmlns:a14="http://schemas.microsoft.com/office/drawing/2010/main" Requires="a14">
+          <p:sp>
+            <p:nvSpPr>
+              <p:cNvPr id="15" name="TextBox 14">
+                <a:extLst>
+                  <a:ext uri="{FF2B5EF4-FFF2-40B4-BE49-F238E27FC236}">
+                    <a16:creationId xmlns:a16="http://schemas.microsoft.com/office/drawing/2014/main" id="{8CDBD9A0-69A8-F81F-3759-65A19CEE3B2B}"/>
+                  </a:ext>
+                </a:extLst>
+              </p:cNvPr>
+              <p:cNvSpPr txBox="1"/>
+              <p:nvPr/>
+            </p:nvSpPr>
+            <p:spPr>
+              <a:xfrm>
+                <a:off x="0" y="6712955"/>
+                <a:ext cx="2614627" cy="646331"/>
+              </a:xfrm>
+              <a:prstGeom prst="rect">
+                <a:avLst/>
+              </a:prstGeom>
+              <a:noFill/>
+            </p:spPr>
+            <p:txBody>
+              <a:bodyPr wrap="none" rtlCol="0">
+                <a:spAutoFit/>
+              </a:bodyPr>
+              <a:lstStyle/>
+              <a:p>
+                <a14:m>
+                  <m:oMath xmlns:m="http://schemas.openxmlformats.org/officeDocument/2006/math">
+                    <m:r>
+                      <a:rPr lang="en-US" i="1" smtClean="0">
+                        <a:latin typeface="Cambria Math" panose="02040503050406030204" pitchFamily="18" charset="0"/>
+                        <a:ea typeface="Cambria Math" panose="02040503050406030204" pitchFamily="18" charset="0"/>
+                      </a:rPr>
+                      <m:t>𝛿</m:t>
+                    </m:r>
+                  </m:oMath>
+                </a14:m>
+                <a:r>
+                  <a:rPr lang="en-US" dirty="0"/>
+                  <a:t> &lt;- inexact differential</a:t>
+                </a:r>
+              </a:p>
+              <a:p>
+                <a:r>
+                  <a:rPr lang="en-US" dirty="0"/>
+                  <a:t>(used for path functions)</a:t>
+                </a:r>
+              </a:p>
+            </p:txBody>
+          </p:sp>
+        </mc:Choice>
+        <mc:Fallback>
+          <p:sp>
+            <p:nvSpPr>
+              <p:cNvPr id="15" name="TextBox 14">
+                <a:extLst>
+                  <a:ext uri="{FF2B5EF4-FFF2-40B4-BE49-F238E27FC236}">
+                    <a16:creationId xmlns:a16="http://schemas.microsoft.com/office/drawing/2014/main" id="{8CDBD9A0-69A8-F81F-3759-65A19CEE3B2B}"/>
+                  </a:ext>
+                </a:extLst>
+              </p:cNvPr>
+              <p:cNvSpPr txBox="1">
+                <a:spLocks noRot="1" noChangeAspect="1" noMove="1" noResize="1" noEditPoints="1" noAdjustHandles="1" noChangeArrowheads="1" noChangeShapeType="1" noTextEdit="1"/>
+              </p:cNvSpPr>
+              <p:nvPr/>
+            </p:nvSpPr>
+            <p:spPr>
+              <a:xfrm>
+                <a:off x="0" y="6712955"/>
+                <a:ext cx="2614627" cy="646331"/>
+              </a:xfrm>
+              <a:prstGeom prst="rect">
+                <a:avLst/>
+              </a:prstGeom>
+              <a:blipFill>
+                <a:blip r:embed="rId5"/>
+                <a:stretch>
+                  <a:fillRect l="-1865" t="-3774" r="-1166" b="-15094"/>
+                </a:stretch>
+              </a:blipFill>
+            </p:spPr>
+            <p:txBody>
+              <a:bodyPr/>
+              <a:lstStyle/>
+              <a:p>
+                <a:r>
+                  <a:rPr lang="en-US">
+                    <a:noFill/>
+                  </a:rPr>
+                  <a:t> </a:t>
+                </a:r>
+              </a:p>
+            </p:txBody>
+          </p:sp>
+        </mc:Fallback>
+      </mc:AlternateContent>
+      <p:sp>
+        <p:nvSpPr>
+          <p:cNvPr id="17" name="TextBox 16">
+            <a:extLst>
+              <a:ext uri="{FF2B5EF4-FFF2-40B4-BE49-F238E27FC236}">
+                <a16:creationId xmlns:a16="http://schemas.microsoft.com/office/drawing/2014/main" id="{DFCDA42C-6FD2-8CE4-DE54-486BE313BFC5}"/>
+              </a:ext>
+            </a:extLst>
+          </p:cNvPr>
+          <p:cNvSpPr txBox="1"/>
+          <p:nvPr/>
+        </p:nvSpPr>
+        <p:spPr>
+          <a:xfrm>
+            <a:off x="3540754" y="7332890"/>
+            <a:ext cx="1992340" cy="461665"/>
+          </a:xfrm>
+          <a:prstGeom prst="rect">
+            <a:avLst/>
+          </a:prstGeom>
+          <a:noFill/>
+        </p:spPr>
+        <p:txBody>
+          <a:bodyPr wrap="none" rtlCol="0">
+            <a:spAutoFit/>
+          </a:bodyPr>
+          <a:lstStyle/>
+          <a:p>
+            <a:r>
+              <a:rPr lang="en-US" sz="2400" dirty="0"/>
+              <a:t>From Themo I</a:t>
+            </a:r>
+          </a:p>
+        </p:txBody>
+      </p:sp>
+      <mc:AlternateContent xmlns:mc="http://schemas.openxmlformats.org/markup-compatibility/2006">
+        <mc:Choice xmlns:a14="http://schemas.microsoft.com/office/drawing/2010/main" Requires="a14">
+          <p:sp>
+            <p:nvSpPr>
+              <p:cNvPr id="18" name="TextBox 17">
+                <a:extLst>
+                  <a:ext uri="{FF2B5EF4-FFF2-40B4-BE49-F238E27FC236}">
+                    <a16:creationId xmlns:a16="http://schemas.microsoft.com/office/drawing/2014/main" id="{4B50570B-C25B-97D8-389C-F9DEB70FF571}"/>
+                  </a:ext>
+                </a:extLst>
+              </p:cNvPr>
+              <p:cNvSpPr txBox="1"/>
+              <p:nvPr/>
+            </p:nvSpPr>
+            <p:spPr>
+              <a:xfrm>
+                <a:off x="2942385" y="6892066"/>
+                <a:ext cx="3189078" cy="430887"/>
+              </a:xfrm>
+              <a:prstGeom prst="rect">
+                <a:avLst/>
+              </a:prstGeom>
+              <a:noFill/>
+            </p:spPr>
+            <p:txBody>
+              <a:bodyPr wrap="none" lIns="0" tIns="0" rIns="0" bIns="0" rtlCol="0">
+                <a:spAutoFit/>
+              </a:bodyPr>
+              <a:lstStyle/>
+              <a:p>
+                <a14:m>
+                  <m:oMathPara xmlns:m="http://schemas.openxmlformats.org/officeDocument/2006/math">
+                    <m:oMathParaPr>
+                      <m:jc m:val="centerGroup"/>
+                    </m:oMathParaPr>
+                    <m:oMath xmlns:m="http://schemas.openxmlformats.org/officeDocument/2006/math">
+                      <m:r>
+                        <a:rPr lang="en-US" sz="2800" b="0" i="1" smtClean="0">
+                          <a:latin typeface="Cambria Math" panose="02040503050406030204" pitchFamily="18" charset="0"/>
+                          <a:ea typeface="Cambria Math" panose="02040503050406030204" pitchFamily="18" charset="0"/>
+                        </a:rPr>
+                        <m:t>𝑑</m:t>
+                      </m:r>
+                      <m:sSup>
+                        <m:sSupPr>
+                          <m:ctrlPr>
+                            <a:rPr lang="en-US" sz="2800" i="1" smtClean="0">
+                              <a:latin typeface="Cambria Math" panose="02040503050406030204" pitchFamily="18" charset="0"/>
+                              <a:ea typeface="Cambria Math" panose="02040503050406030204" pitchFamily="18" charset="0"/>
+                            </a:rPr>
+                          </m:ctrlPr>
+                        </m:sSupPr>
+                        <m:e>
+                          <m:r>
+                            <a:rPr lang="en-US" sz="2800" b="0" i="1" smtClean="0">
+                              <a:latin typeface="Cambria Math" panose="02040503050406030204" pitchFamily="18" charset="0"/>
+                              <a:ea typeface="Cambria Math" panose="02040503050406030204" pitchFamily="18" charset="0"/>
+                            </a:rPr>
+                            <m:t>𝑈</m:t>
+                          </m:r>
+                        </m:e>
+                        <m:sup>
+                          <m:r>
+                            <a:rPr lang="en-US" sz="2800" b="0" i="1" smtClean="0">
+                              <a:latin typeface="Cambria Math" panose="02040503050406030204" pitchFamily="18" charset="0"/>
+                              <a:ea typeface="Cambria Math" panose="02040503050406030204" pitchFamily="18" charset="0"/>
+                            </a:rPr>
+                            <m:t>𝑡</m:t>
+                          </m:r>
+                        </m:sup>
+                      </m:sSup>
+                      <m:r>
+                        <a:rPr lang="en-US" sz="2800" b="0" i="1" smtClean="0">
+                          <a:latin typeface="Cambria Math" panose="02040503050406030204" pitchFamily="18" charset="0"/>
+                          <a:ea typeface="Cambria Math" panose="02040503050406030204" pitchFamily="18" charset="0"/>
+                        </a:rPr>
+                        <m:t>=</m:t>
+                      </m:r>
+                      <m:r>
+                        <a:rPr lang="en-US" sz="2800" b="0" i="1" smtClean="0">
+                          <a:latin typeface="Cambria Math" panose="02040503050406030204" pitchFamily="18" charset="0"/>
+                          <a:ea typeface="Cambria Math" panose="02040503050406030204" pitchFamily="18" charset="0"/>
+                        </a:rPr>
+                        <m:t>𝑇𝑑</m:t>
+                      </m:r>
+                      <m:sSup>
+                        <m:sSupPr>
+                          <m:ctrlPr>
+                            <a:rPr lang="en-US" sz="2800" b="0" i="1" smtClean="0">
+                              <a:latin typeface="Cambria Math" panose="02040503050406030204" pitchFamily="18" charset="0"/>
+                              <a:ea typeface="Cambria Math" panose="02040503050406030204" pitchFamily="18" charset="0"/>
+                            </a:rPr>
+                          </m:ctrlPr>
+                        </m:sSupPr>
+                        <m:e>
+                          <m:r>
+                            <a:rPr lang="en-US" sz="2800" b="0" i="1" smtClean="0">
+                              <a:latin typeface="Cambria Math" panose="02040503050406030204" pitchFamily="18" charset="0"/>
+                              <a:ea typeface="Cambria Math" panose="02040503050406030204" pitchFamily="18" charset="0"/>
+                            </a:rPr>
+                            <m:t>𝑆</m:t>
+                          </m:r>
+                        </m:e>
+                        <m:sup>
+                          <m:r>
+                            <a:rPr lang="en-US" sz="2800" b="0" i="1" smtClean="0">
+                              <a:latin typeface="Cambria Math" panose="02040503050406030204" pitchFamily="18" charset="0"/>
+                              <a:ea typeface="Cambria Math" panose="02040503050406030204" pitchFamily="18" charset="0"/>
+                            </a:rPr>
+                            <m:t>𝑡</m:t>
+                          </m:r>
+                        </m:sup>
+                      </m:sSup>
+                      <m:r>
+                        <a:rPr lang="en-US" sz="2800" b="0" i="1" smtClean="0">
+                          <a:latin typeface="Cambria Math" panose="02040503050406030204" pitchFamily="18" charset="0"/>
+                          <a:ea typeface="Cambria Math" panose="02040503050406030204" pitchFamily="18" charset="0"/>
+                        </a:rPr>
+                        <m:t>−</m:t>
+                      </m:r>
+                      <m:r>
+                        <a:rPr lang="en-US" sz="2800" b="0" i="1" smtClean="0">
+                          <a:latin typeface="Cambria Math" panose="02040503050406030204" pitchFamily="18" charset="0"/>
+                          <a:ea typeface="Cambria Math" panose="02040503050406030204" pitchFamily="18" charset="0"/>
+                        </a:rPr>
+                        <m:t>𝑃𝑑</m:t>
+                      </m:r>
+                      <m:sSup>
+                        <m:sSupPr>
+                          <m:ctrlPr>
+                            <a:rPr lang="en-US" sz="2800" b="0" i="1" smtClean="0">
+                              <a:latin typeface="Cambria Math" panose="02040503050406030204" pitchFamily="18" charset="0"/>
+                              <a:ea typeface="Cambria Math" panose="02040503050406030204" pitchFamily="18" charset="0"/>
+                            </a:rPr>
+                          </m:ctrlPr>
+                        </m:sSupPr>
+                        <m:e>
+                          <m:r>
+                            <a:rPr lang="en-US" sz="2800" b="0" i="1" smtClean="0">
+                              <a:latin typeface="Cambria Math" panose="02040503050406030204" pitchFamily="18" charset="0"/>
+                              <a:ea typeface="Cambria Math" panose="02040503050406030204" pitchFamily="18" charset="0"/>
+                            </a:rPr>
+                            <m:t>𝑉</m:t>
+                          </m:r>
+                        </m:e>
+                        <m:sup>
+                          <m:r>
+                            <a:rPr lang="en-US" sz="2800" b="0" i="1" smtClean="0">
+                              <a:latin typeface="Cambria Math" panose="02040503050406030204" pitchFamily="18" charset="0"/>
+                              <a:ea typeface="Cambria Math" panose="02040503050406030204" pitchFamily="18" charset="0"/>
+                            </a:rPr>
+                            <m:t>𝑡</m:t>
+                          </m:r>
+                        </m:sup>
+                      </m:sSup>
+                    </m:oMath>
+                  </m:oMathPara>
+                </a14:m>
+                <a:endParaRPr lang="en-US" dirty="0"/>
+              </a:p>
+            </p:txBody>
+          </p:sp>
+        </mc:Choice>
+        <mc:Fallback>
+          <p:sp>
+            <p:nvSpPr>
+              <p:cNvPr id="18" name="TextBox 17">
+                <a:extLst>
+                  <a:ext uri="{FF2B5EF4-FFF2-40B4-BE49-F238E27FC236}">
+                    <a16:creationId xmlns:a16="http://schemas.microsoft.com/office/drawing/2014/main" id="{4B50570B-C25B-97D8-389C-F9DEB70FF571}"/>
+                  </a:ext>
+                </a:extLst>
+              </p:cNvPr>
+              <p:cNvSpPr txBox="1">
+                <a:spLocks noRot="1" noChangeAspect="1" noMove="1" noResize="1" noEditPoints="1" noAdjustHandles="1" noChangeArrowheads="1" noChangeShapeType="1" noTextEdit="1"/>
+              </p:cNvSpPr>
+              <p:nvPr/>
+            </p:nvSpPr>
+            <p:spPr>
+              <a:xfrm>
+                <a:off x="2942385" y="6892066"/>
+                <a:ext cx="3189078" cy="430887"/>
+              </a:xfrm>
+              <a:prstGeom prst="rect">
+                <a:avLst/>
+              </a:prstGeom>
+              <a:blipFill>
+                <a:blip r:embed="rId6"/>
+                <a:stretch>
+                  <a:fillRect/>
+                </a:stretch>
+              </a:blipFill>
+            </p:spPr>
+            <p:txBody>
+              <a:bodyPr/>
+              <a:lstStyle/>
+              <a:p>
+                <a:r>
+                  <a:rPr lang="en-US">
+                    <a:noFill/>
+                  </a:rPr>
+                  <a:t> </a:t>
+                </a:r>
+              </a:p>
+            </p:txBody>
+          </p:sp>
+        </mc:Fallback>
+      </mc:AlternateContent>
+      <mc:AlternateContent xmlns:mc="http://schemas.openxmlformats.org/markup-compatibility/2006">
+        <mc:Choice xmlns:a14="http://schemas.microsoft.com/office/drawing/2010/main" Requires="a14">
+          <p:sp>
+            <p:nvSpPr>
+              <p:cNvPr id="19" name="TextBox 18">
+                <a:extLst>
+                  <a:ext uri="{FF2B5EF4-FFF2-40B4-BE49-F238E27FC236}">
+                    <a16:creationId xmlns:a16="http://schemas.microsoft.com/office/drawing/2014/main" id="{EFD09E03-06C7-2BA4-CEB8-E1686BF9C682}"/>
+                  </a:ext>
+                </a:extLst>
+              </p:cNvPr>
+              <p:cNvSpPr txBox="1"/>
+              <p:nvPr/>
+            </p:nvSpPr>
+            <p:spPr>
+              <a:xfrm>
+                <a:off x="1423347" y="8148699"/>
+                <a:ext cx="4234814" cy="430887"/>
+              </a:xfrm>
+              <a:prstGeom prst="rect">
+                <a:avLst/>
+              </a:prstGeom>
+              <a:noFill/>
+            </p:spPr>
+            <p:txBody>
+              <a:bodyPr wrap="none" lIns="0" tIns="0" rIns="0" bIns="0" rtlCol="0">
+                <a:spAutoFit/>
+              </a:bodyPr>
+              <a:lstStyle/>
+              <a:p>
+                <a14:m>
+                  <m:oMathPara xmlns:m="http://schemas.openxmlformats.org/officeDocument/2006/math">
+                    <m:oMathParaPr>
+                      <m:jc m:val="centerGroup"/>
+                    </m:oMathParaPr>
+                    <m:oMath xmlns:m="http://schemas.openxmlformats.org/officeDocument/2006/math">
+                      <m:r>
+                        <a:rPr lang="en-US" sz="2800" b="0" i="1" smtClean="0">
+                          <a:latin typeface="Cambria Math" panose="02040503050406030204" pitchFamily="18" charset="0"/>
+                          <a:ea typeface="Cambria Math" panose="02040503050406030204" pitchFamily="18" charset="0"/>
+                        </a:rPr>
+                        <m:t>𝑑</m:t>
+                      </m:r>
+                      <m:sSup>
+                        <m:sSupPr>
+                          <m:ctrlPr>
+                            <a:rPr lang="en-US" sz="2800" i="1" smtClean="0">
+                              <a:latin typeface="Cambria Math" panose="02040503050406030204" pitchFamily="18" charset="0"/>
+                              <a:ea typeface="Cambria Math" panose="02040503050406030204" pitchFamily="18" charset="0"/>
+                            </a:rPr>
+                          </m:ctrlPr>
+                        </m:sSupPr>
+                        <m:e>
+                          <m:r>
+                            <a:rPr lang="en-US" sz="2800" b="0" i="1" smtClean="0">
+                              <a:latin typeface="Cambria Math" panose="02040503050406030204" pitchFamily="18" charset="0"/>
+                              <a:ea typeface="Cambria Math" panose="02040503050406030204" pitchFamily="18" charset="0"/>
+                            </a:rPr>
+                            <m:t>𝑈</m:t>
+                          </m:r>
+                        </m:e>
+                        <m:sup>
+                          <m:r>
+                            <a:rPr lang="en-US" sz="2800" b="0" i="1" smtClean="0">
+                              <a:latin typeface="Cambria Math" panose="02040503050406030204" pitchFamily="18" charset="0"/>
+                              <a:ea typeface="Cambria Math" panose="02040503050406030204" pitchFamily="18" charset="0"/>
+                            </a:rPr>
+                            <m:t>𝑡</m:t>
+                          </m:r>
+                        </m:sup>
+                      </m:sSup>
+                      <m:r>
+                        <a:rPr lang="en-US" sz="2800" b="0" i="1" smtClean="0">
+                          <a:latin typeface="Cambria Math" panose="02040503050406030204" pitchFamily="18" charset="0"/>
+                          <a:ea typeface="Cambria Math" panose="02040503050406030204" pitchFamily="18" charset="0"/>
+                        </a:rPr>
+                        <m:t>=</m:t>
+                      </m:r>
+                      <m:r>
+                        <a:rPr lang="en-US" sz="2800" b="0" i="1" smtClean="0">
+                          <a:latin typeface="Cambria Math" panose="02040503050406030204" pitchFamily="18" charset="0"/>
+                          <a:ea typeface="Cambria Math" panose="02040503050406030204" pitchFamily="18" charset="0"/>
+                        </a:rPr>
+                        <m:t>𝑇𝑑</m:t>
+                      </m:r>
+                      <m:sSup>
+                        <m:sSupPr>
+                          <m:ctrlPr>
+                            <a:rPr lang="en-US" sz="2800" b="0" i="1" smtClean="0">
+                              <a:latin typeface="Cambria Math" panose="02040503050406030204" pitchFamily="18" charset="0"/>
+                              <a:ea typeface="Cambria Math" panose="02040503050406030204" pitchFamily="18" charset="0"/>
+                            </a:rPr>
+                          </m:ctrlPr>
+                        </m:sSupPr>
+                        <m:e>
+                          <m:r>
+                            <a:rPr lang="en-US" sz="2800" b="0" i="1" smtClean="0">
+                              <a:latin typeface="Cambria Math" panose="02040503050406030204" pitchFamily="18" charset="0"/>
+                              <a:ea typeface="Cambria Math" panose="02040503050406030204" pitchFamily="18" charset="0"/>
+                            </a:rPr>
+                            <m:t>𝑆</m:t>
+                          </m:r>
+                        </m:e>
+                        <m:sup>
+                          <m:r>
+                            <a:rPr lang="en-US" sz="2800" b="0" i="1" smtClean="0">
+                              <a:latin typeface="Cambria Math" panose="02040503050406030204" pitchFamily="18" charset="0"/>
+                              <a:ea typeface="Cambria Math" panose="02040503050406030204" pitchFamily="18" charset="0"/>
+                            </a:rPr>
+                            <m:t>𝑡</m:t>
+                          </m:r>
+                        </m:sup>
+                      </m:sSup>
+                      <m:r>
+                        <a:rPr lang="en-US" sz="2800" b="0" i="1" smtClean="0">
+                          <a:latin typeface="Cambria Math" panose="02040503050406030204" pitchFamily="18" charset="0"/>
+                          <a:ea typeface="Cambria Math" panose="02040503050406030204" pitchFamily="18" charset="0"/>
+                        </a:rPr>
+                        <m:t>−</m:t>
+                      </m:r>
+                      <m:r>
+                        <a:rPr lang="en-US" sz="2800" b="0" i="1" smtClean="0">
+                          <a:latin typeface="Cambria Math" panose="02040503050406030204" pitchFamily="18" charset="0"/>
+                          <a:ea typeface="Cambria Math" panose="02040503050406030204" pitchFamily="18" charset="0"/>
+                        </a:rPr>
+                        <m:t>𝑃𝑑</m:t>
+                      </m:r>
+                      <m:sSup>
+                        <m:sSupPr>
+                          <m:ctrlPr>
+                            <a:rPr lang="en-US" sz="2800" b="0" i="1" smtClean="0">
+                              <a:latin typeface="Cambria Math" panose="02040503050406030204" pitchFamily="18" charset="0"/>
+                              <a:ea typeface="Cambria Math" panose="02040503050406030204" pitchFamily="18" charset="0"/>
+                            </a:rPr>
+                          </m:ctrlPr>
+                        </m:sSupPr>
+                        <m:e>
+                          <m:r>
+                            <a:rPr lang="en-US" sz="2800" b="0" i="1" smtClean="0">
+                              <a:latin typeface="Cambria Math" panose="02040503050406030204" pitchFamily="18" charset="0"/>
+                              <a:ea typeface="Cambria Math" panose="02040503050406030204" pitchFamily="18" charset="0"/>
+                            </a:rPr>
+                            <m:t>𝑉</m:t>
+                          </m:r>
+                        </m:e>
+                        <m:sup>
+                          <m:r>
+                            <a:rPr lang="en-US" sz="2800" b="0" i="1" smtClean="0">
+                              <a:latin typeface="Cambria Math" panose="02040503050406030204" pitchFamily="18" charset="0"/>
+                              <a:ea typeface="Cambria Math" panose="02040503050406030204" pitchFamily="18" charset="0"/>
+                            </a:rPr>
+                            <m:t>𝑡</m:t>
+                          </m:r>
+                        </m:sup>
+                      </m:sSup>
+                      <m:r>
+                        <a:rPr lang="en-US" sz="2800" b="0" i="1" smtClean="0">
+                          <a:latin typeface="Cambria Math" panose="02040503050406030204" pitchFamily="18" charset="0"/>
+                          <a:ea typeface="Cambria Math" panose="02040503050406030204" pitchFamily="18" charset="0"/>
+                        </a:rPr>
+                        <m:t>+</m:t>
+                      </m:r>
+                      <m:r>
+                        <a:rPr lang="en-US" sz="2800" b="0" i="1" smtClean="0">
+                          <a:latin typeface="Cambria Math" panose="02040503050406030204" pitchFamily="18" charset="0"/>
+                          <a:ea typeface="Cambria Math" panose="02040503050406030204" pitchFamily="18" charset="0"/>
+                        </a:rPr>
+                        <m:t>𝜇</m:t>
+                      </m:r>
+                      <m:r>
+                        <a:rPr lang="en-US" sz="2800" b="0" i="1" smtClean="0">
+                          <a:latin typeface="Cambria Math" panose="02040503050406030204" pitchFamily="18" charset="0"/>
+                          <a:ea typeface="Cambria Math" panose="02040503050406030204" pitchFamily="18" charset="0"/>
+                        </a:rPr>
+                        <m:t>𝑑𝑛</m:t>
+                      </m:r>
+                    </m:oMath>
+                  </m:oMathPara>
+                </a14:m>
+                <a:endParaRPr lang="en-US" dirty="0"/>
+              </a:p>
+            </p:txBody>
+          </p:sp>
+        </mc:Choice>
+        <mc:Fallback>
+          <p:sp>
+            <p:nvSpPr>
+              <p:cNvPr id="19" name="TextBox 18">
+                <a:extLst>
+                  <a:ext uri="{FF2B5EF4-FFF2-40B4-BE49-F238E27FC236}">
+                    <a16:creationId xmlns:a16="http://schemas.microsoft.com/office/drawing/2014/main" id="{EFD09E03-06C7-2BA4-CEB8-E1686BF9C682}"/>
+                  </a:ext>
+                </a:extLst>
+              </p:cNvPr>
+              <p:cNvSpPr txBox="1">
+                <a:spLocks noRot="1" noChangeAspect="1" noMove="1" noResize="1" noEditPoints="1" noAdjustHandles="1" noChangeArrowheads="1" noChangeShapeType="1" noTextEdit="1"/>
+              </p:cNvSpPr>
+              <p:nvPr/>
+            </p:nvSpPr>
+            <p:spPr>
+              <a:xfrm>
+                <a:off x="1423347" y="8148699"/>
+                <a:ext cx="4234814" cy="430887"/>
+              </a:xfrm>
+              <a:prstGeom prst="rect">
+                <a:avLst/>
+              </a:prstGeom>
+              <a:blipFill>
+                <a:blip r:embed="rId7"/>
+                <a:stretch>
+                  <a:fillRect/>
+                </a:stretch>
+              </a:blipFill>
+            </p:spPr>
+            <p:txBody>
+              <a:bodyPr/>
+              <a:lstStyle/>
+              <a:p>
+                <a:r>
+                  <a:rPr lang="en-US">
+                    <a:noFill/>
+                  </a:rPr>
+                  <a:t> </a:t>
+                </a:r>
+              </a:p>
+            </p:txBody>
+          </p:sp>
+        </mc:Fallback>
+      </mc:AlternateContent>
+      <p:cxnSp>
+        <p:nvCxnSpPr>
+          <p:cNvPr id="21" name="Straight Arrow Connector 20">
+            <a:extLst>
+              <a:ext uri="{FF2B5EF4-FFF2-40B4-BE49-F238E27FC236}">
+                <a16:creationId xmlns:a16="http://schemas.microsoft.com/office/drawing/2014/main" id="{069D6D7A-C720-B61C-E291-9AA256C91B18}"/>
+              </a:ext>
+            </a:extLst>
+          </p:cNvPr>
+          <p:cNvCxnSpPr>
+            <a:cxnSpLocks/>
+            <a:endCxn id="19" idx="3"/>
+          </p:cNvCxnSpPr>
+          <p:nvPr/>
+        </p:nvCxnSpPr>
+        <p:spPr>
+          <a:xfrm flipH="1">
+            <a:off x="5658161" y="8364142"/>
+            <a:ext cx="616515" cy="1"/>
+          </a:xfrm>
+          <a:prstGeom prst="straightConnector1">
+            <a:avLst/>
+          </a:prstGeom>
+          <a:ln>
+            <a:tailEnd type="triangle"/>
+          </a:ln>
+        </p:spPr>
+        <p:style>
+          <a:lnRef idx="2">
+            <a:schemeClr val="accent1"/>
+          </a:lnRef>
+          <a:fillRef idx="0">
+            <a:schemeClr val="accent1"/>
+          </a:fillRef>
+          <a:effectRef idx="1">
+            <a:schemeClr val="accent1"/>
+          </a:effectRef>
+          <a:fontRef idx="minor">
+            <a:schemeClr val="tx1"/>
+          </a:fontRef>
+        </p:style>
+      </p:cxnSp>
+      <p:sp>
+        <p:nvSpPr>
+          <p:cNvPr id="25" name="TextBox 24">
+            <a:extLst>
+              <a:ext uri="{FF2B5EF4-FFF2-40B4-BE49-F238E27FC236}">
+                <a16:creationId xmlns:a16="http://schemas.microsoft.com/office/drawing/2014/main" id="{9A408555-75BD-8124-1DF0-B3108A39CBF2}"/>
+              </a:ext>
+            </a:extLst>
+          </p:cNvPr>
+          <p:cNvSpPr txBox="1"/>
+          <p:nvPr/>
+        </p:nvSpPr>
+        <p:spPr>
+          <a:xfrm>
+            <a:off x="6131463" y="7902477"/>
+            <a:ext cx="2112152" cy="923330"/>
+          </a:xfrm>
+          <a:prstGeom prst="rect">
+            <a:avLst/>
+          </a:prstGeom>
+          <a:noFill/>
+        </p:spPr>
+        <p:txBody>
+          <a:bodyPr wrap="square" rtlCol="0">
+            <a:spAutoFit/>
+          </a:bodyPr>
+          <a:lstStyle/>
+          <a:p>
+            <a:pPr algn="ctr"/>
+            <a:r>
+              <a:rPr lang="en-US" dirty="0"/>
+              <a:t>New Term associated with chemical potential</a:t>
+            </a:r>
+          </a:p>
+        </p:txBody>
+      </p:sp>
+      <mc:AlternateContent xmlns:mc="http://schemas.openxmlformats.org/markup-compatibility/2006">
+        <mc:Choice xmlns:a14="http://schemas.microsoft.com/office/drawing/2010/main" Requires="a14">
+          <p:sp>
+            <p:nvSpPr>
+              <p:cNvPr id="26" name="TextBox 25">
+                <a:extLst>
+                  <a:ext uri="{FF2B5EF4-FFF2-40B4-BE49-F238E27FC236}">
+                    <a16:creationId xmlns:a16="http://schemas.microsoft.com/office/drawing/2014/main" id="{BABC6B0D-B9EA-9240-9895-5AD1426E91C9}"/>
+                  </a:ext>
+                </a:extLst>
+              </p:cNvPr>
+              <p:cNvSpPr txBox="1"/>
+              <p:nvPr/>
+            </p:nvSpPr>
+            <p:spPr>
+              <a:xfrm>
+                <a:off x="1174531" y="8804735"/>
+                <a:ext cx="5311647" cy="430887"/>
+              </a:xfrm>
+              <a:prstGeom prst="rect">
+                <a:avLst/>
+              </a:prstGeom>
+              <a:noFill/>
+            </p:spPr>
+            <p:txBody>
+              <a:bodyPr wrap="none" lIns="0" tIns="0" rIns="0" bIns="0" rtlCol="0">
+                <a:spAutoFit/>
+              </a:bodyPr>
+              <a:lstStyle/>
+              <a:p>
+                <a14:m>
+                  <m:oMathPara xmlns:m="http://schemas.openxmlformats.org/officeDocument/2006/math">
+                    <m:oMathParaPr>
+                      <m:jc m:val="centerGroup"/>
+                    </m:oMathParaPr>
+                    <m:oMath xmlns:m="http://schemas.openxmlformats.org/officeDocument/2006/math">
+                      <m:r>
+                        <a:rPr lang="en-US" sz="2800" b="0" i="1" smtClean="0">
+                          <a:latin typeface="Cambria Math" panose="02040503050406030204" pitchFamily="18" charset="0"/>
+                          <a:ea typeface="Cambria Math" panose="02040503050406030204" pitchFamily="18" charset="0"/>
+                        </a:rPr>
+                        <m:t>𝑑</m:t>
+                      </m:r>
+                      <m:r>
+                        <a:rPr lang="en-US" sz="2800" b="0" i="1" smtClean="0">
+                          <a:latin typeface="Cambria Math" panose="02040503050406030204" pitchFamily="18" charset="0"/>
+                          <a:ea typeface="Cambria Math" panose="02040503050406030204" pitchFamily="18" charset="0"/>
+                        </a:rPr>
+                        <m:t>(</m:t>
+                      </m:r>
+                      <m:r>
+                        <a:rPr lang="en-US" sz="2800" b="0" i="1" smtClean="0">
+                          <a:latin typeface="Cambria Math" panose="02040503050406030204" pitchFamily="18" charset="0"/>
+                          <a:ea typeface="Cambria Math" panose="02040503050406030204" pitchFamily="18" charset="0"/>
+                        </a:rPr>
+                        <m:t>𝑛𝑈</m:t>
+                      </m:r>
+                      <m:r>
+                        <a:rPr lang="en-US" sz="2800" b="0" i="1" smtClean="0">
+                          <a:latin typeface="Cambria Math" panose="02040503050406030204" pitchFamily="18" charset="0"/>
+                          <a:ea typeface="Cambria Math" panose="02040503050406030204" pitchFamily="18" charset="0"/>
+                        </a:rPr>
+                        <m:t>)=</m:t>
+                      </m:r>
+                      <m:r>
+                        <a:rPr lang="en-US" sz="2800" b="0" i="1" smtClean="0">
+                          <a:latin typeface="Cambria Math" panose="02040503050406030204" pitchFamily="18" charset="0"/>
+                          <a:ea typeface="Cambria Math" panose="02040503050406030204" pitchFamily="18" charset="0"/>
+                        </a:rPr>
+                        <m:t>𝑇𝑑</m:t>
+                      </m:r>
+                      <m:r>
+                        <a:rPr lang="en-US" sz="2800" b="0" i="1" smtClean="0">
+                          <a:latin typeface="Cambria Math" panose="02040503050406030204" pitchFamily="18" charset="0"/>
+                          <a:ea typeface="Cambria Math" panose="02040503050406030204" pitchFamily="18" charset="0"/>
+                        </a:rPr>
+                        <m:t>(</m:t>
+                      </m:r>
+                      <m:r>
+                        <a:rPr lang="en-US" sz="2800" b="0" i="1" smtClean="0">
+                          <a:latin typeface="Cambria Math" panose="02040503050406030204" pitchFamily="18" charset="0"/>
+                          <a:ea typeface="Cambria Math" panose="02040503050406030204" pitchFamily="18" charset="0"/>
+                        </a:rPr>
+                        <m:t>𝑛𝑆</m:t>
+                      </m:r>
+                      <m:r>
+                        <a:rPr lang="en-US" sz="2800" b="0" i="1" smtClean="0">
+                          <a:latin typeface="Cambria Math" panose="02040503050406030204" pitchFamily="18" charset="0"/>
+                          <a:ea typeface="Cambria Math" panose="02040503050406030204" pitchFamily="18" charset="0"/>
+                        </a:rPr>
+                        <m:t>)−</m:t>
+                      </m:r>
+                      <m:r>
+                        <a:rPr lang="en-US" sz="2800" b="0" i="1" smtClean="0">
+                          <a:latin typeface="Cambria Math" panose="02040503050406030204" pitchFamily="18" charset="0"/>
+                          <a:ea typeface="Cambria Math" panose="02040503050406030204" pitchFamily="18" charset="0"/>
+                        </a:rPr>
+                        <m:t>𝑃𝑑</m:t>
+                      </m:r>
+                      <m:r>
+                        <a:rPr lang="en-US" sz="2800" b="0" i="1" smtClean="0">
+                          <a:latin typeface="Cambria Math" panose="02040503050406030204" pitchFamily="18" charset="0"/>
+                          <a:ea typeface="Cambria Math" panose="02040503050406030204" pitchFamily="18" charset="0"/>
+                        </a:rPr>
+                        <m:t>(</m:t>
+                      </m:r>
+                      <m:r>
+                        <a:rPr lang="en-US" sz="2800" b="0" i="1" smtClean="0">
+                          <a:latin typeface="Cambria Math" panose="02040503050406030204" pitchFamily="18" charset="0"/>
+                          <a:ea typeface="Cambria Math" panose="02040503050406030204" pitchFamily="18" charset="0"/>
+                        </a:rPr>
+                        <m:t>𝑛𝑉</m:t>
+                      </m:r>
+                      <m:r>
+                        <a:rPr lang="en-US" sz="2800" b="0" i="1" smtClean="0">
+                          <a:latin typeface="Cambria Math" panose="02040503050406030204" pitchFamily="18" charset="0"/>
+                          <a:ea typeface="Cambria Math" panose="02040503050406030204" pitchFamily="18" charset="0"/>
+                        </a:rPr>
+                        <m:t>)+</m:t>
+                      </m:r>
+                      <m:r>
+                        <a:rPr lang="en-US" sz="2800" b="0" i="1" smtClean="0">
+                          <a:latin typeface="Cambria Math" panose="02040503050406030204" pitchFamily="18" charset="0"/>
+                          <a:ea typeface="Cambria Math" panose="02040503050406030204" pitchFamily="18" charset="0"/>
+                        </a:rPr>
+                        <m:t>𝜇</m:t>
+                      </m:r>
+                      <m:r>
+                        <a:rPr lang="en-US" sz="2800" b="0" i="1" smtClean="0">
+                          <a:latin typeface="Cambria Math" panose="02040503050406030204" pitchFamily="18" charset="0"/>
+                          <a:ea typeface="Cambria Math" panose="02040503050406030204" pitchFamily="18" charset="0"/>
+                        </a:rPr>
+                        <m:t>𝑑𝑛</m:t>
+                      </m:r>
+                    </m:oMath>
+                  </m:oMathPara>
+                </a14:m>
+                <a:endParaRPr lang="en-US" dirty="0"/>
+              </a:p>
+            </p:txBody>
+          </p:sp>
+        </mc:Choice>
+        <mc:Fallback>
+          <p:sp>
+            <p:nvSpPr>
+              <p:cNvPr id="26" name="TextBox 25">
+                <a:extLst>
+                  <a:ext uri="{FF2B5EF4-FFF2-40B4-BE49-F238E27FC236}">
+                    <a16:creationId xmlns:a16="http://schemas.microsoft.com/office/drawing/2014/main" id="{BABC6B0D-B9EA-9240-9895-5AD1426E91C9}"/>
+                  </a:ext>
+                </a:extLst>
+              </p:cNvPr>
+              <p:cNvSpPr txBox="1">
+                <a:spLocks noRot="1" noChangeAspect="1" noMove="1" noResize="1" noEditPoints="1" noAdjustHandles="1" noChangeArrowheads="1" noChangeShapeType="1" noTextEdit="1"/>
+              </p:cNvSpPr>
+              <p:nvPr/>
+            </p:nvSpPr>
+            <p:spPr>
+              <a:xfrm>
+                <a:off x="1174531" y="8804735"/>
+                <a:ext cx="5311647" cy="430887"/>
+              </a:xfrm>
+              <a:prstGeom prst="rect">
+                <a:avLst/>
+              </a:prstGeom>
+              <a:blipFill>
+                <a:blip r:embed="rId8"/>
+                <a:stretch>
+                  <a:fillRect/>
+                </a:stretch>
+              </a:blipFill>
+            </p:spPr>
+            <p:txBody>
+              <a:bodyPr/>
+              <a:lstStyle/>
+              <a:p>
+                <a:r>
+                  <a:rPr lang="en-US">
+                    <a:noFill/>
+                  </a:rPr>
+                  <a:t> </a:t>
+                </a:r>
+              </a:p>
+            </p:txBody>
+          </p:sp>
+        </mc:Fallback>
+      </mc:AlternateContent>
+      <p:sp>
+        <p:nvSpPr>
+          <p:cNvPr id="27" name="TextBox 26">
+            <a:extLst>
+              <a:ext uri="{FF2B5EF4-FFF2-40B4-BE49-F238E27FC236}">
+                <a16:creationId xmlns:a16="http://schemas.microsoft.com/office/drawing/2014/main" id="{AC4D56E7-E459-7B6A-45AA-1D35929AA221}"/>
+              </a:ext>
+            </a:extLst>
+          </p:cNvPr>
+          <p:cNvSpPr txBox="1"/>
+          <p:nvPr/>
+        </p:nvSpPr>
+        <p:spPr>
+          <a:xfrm>
+            <a:off x="3097461" y="9368999"/>
+            <a:ext cx="732893" cy="369332"/>
+          </a:xfrm>
+          <a:prstGeom prst="rect">
+            <a:avLst/>
+          </a:prstGeom>
+          <a:noFill/>
+        </p:spPr>
+        <p:txBody>
+          <a:bodyPr wrap="none" rtlCol="0">
+            <a:spAutoFit/>
+          </a:bodyPr>
+          <a:lstStyle/>
+          <a:p>
+            <a:r>
+              <a:rPr lang="en-US" dirty="0"/>
+              <a:t>If </a:t>
+            </a:r>
+            <a:r>
+              <a:rPr lang="en-US" i="1" dirty="0"/>
+              <a:t>n</a:t>
+            </a:r>
+            <a:r>
+              <a:rPr lang="en-US" dirty="0"/>
+              <a:t>=1</a:t>
+            </a:r>
+          </a:p>
+        </p:txBody>
+      </p:sp>
+      <p:cxnSp>
+        <p:nvCxnSpPr>
+          <p:cNvPr id="29" name="Straight Arrow Connector 28">
+            <a:extLst>
+              <a:ext uri="{FF2B5EF4-FFF2-40B4-BE49-F238E27FC236}">
+                <a16:creationId xmlns:a16="http://schemas.microsoft.com/office/drawing/2014/main" id="{608FBFC3-401C-1CBE-1C11-BA2B71A5251F}"/>
+              </a:ext>
+            </a:extLst>
+          </p:cNvPr>
+          <p:cNvCxnSpPr>
+            <a:cxnSpLocks/>
+            <a:stCxn id="26" idx="2"/>
+          </p:cNvCxnSpPr>
+          <p:nvPr/>
+        </p:nvCxnSpPr>
+        <p:spPr>
+          <a:xfrm>
+            <a:off x="3830355" y="9235622"/>
+            <a:ext cx="0" cy="636086"/>
+          </a:xfrm>
+          <a:prstGeom prst="straightConnector1">
+            <a:avLst/>
+          </a:prstGeom>
+          <a:ln>
+            <a:tailEnd type="triangle"/>
+          </a:ln>
+        </p:spPr>
+        <p:style>
+          <a:lnRef idx="2">
+            <a:schemeClr val="accent1"/>
+          </a:lnRef>
+          <a:fillRef idx="0">
+            <a:schemeClr val="accent1"/>
+          </a:fillRef>
+          <a:effectRef idx="1">
+            <a:schemeClr val="accent1"/>
+          </a:effectRef>
+          <a:fontRef idx="minor">
+            <a:schemeClr val="tx1"/>
+          </a:fontRef>
+        </p:style>
+      </p:cxnSp>
+      <mc:AlternateContent xmlns:mc="http://schemas.openxmlformats.org/markup-compatibility/2006">
+        <mc:Choice xmlns:a14="http://schemas.microsoft.com/office/drawing/2010/main" Requires="a14">
+          <p:sp>
+            <p:nvSpPr>
+              <p:cNvPr id="32" name="TextBox 31">
+                <a:extLst>
+                  <a:ext uri="{FF2B5EF4-FFF2-40B4-BE49-F238E27FC236}">
+                    <a16:creationId xmlns:a16="http://schemas.microsoft.com/office/drawing/2014/main" id="{267EC846-70A2-09A9-C94E-C659791AC2CC}"/>
+                  </a:ext>
+                </a:extLst>
+              </p:cNvPr>
+              <p:cNvSpPr txBox="1"/>
+              <p:nvPr/>
+            </p:nvSpPr>
+            <p:spPr>
+              <a:xfrm>
+                <a:off x="1949070" y="9826906"/>
+                <a:ext cx="3762568" cy="430887"/>
+              </a:xfrm>
+              <a:prstGeom prst="rect">
+                <a:avLst/>
+              </a:prstGeom>
+              <a:noFill/>
+            </p:spPr>
+            <p:txBody>
+              <a:bodyPr wrap="none" lIns="0" tIns="0" rIns="0" bIns="0" rtlCol="0">
+                <a:spAutoFit/>
+              </a:bodyPr>
+              <a:lstStyle/>
+              <a:p>
+                <a14:m>
+                  <m:oMathPara xmlns:m="http://schemas.openxmlformats.org/officeDocument/2006/math">
+                    <m:oMathParaPr>
+                      <m:jc m:val="centerGroup"/>
+                    </m:oMathParaPr>
+                    <m:oMath xmlns:m="http://schemas.openxmlformats.org/officeDocument/2006/math">
+                      <m:r>
+                        <a:rPr lang="en-US" sz="2800" b="0" i="1" smtClean="0">
+                          <a:latin typeface="Cambria Math" panose="02040503050406030204" pitchFamily="18" charset="0"/>
+                          <a:ea typeface="Cambria Math" panose="02040503050406030204" pitchFamily="18" charset="0"/>
+                        </a:rPr>
+                        <m:t>𝑑𝑈</m:t>
+                      </m:r>
+                      <m:r>
+                        <a:rPr lang="en-US" sz="2800" b="0" i="1" smtClean="0">
+                          <a:latin typeface="Cambria Math" panose="02040503050406030204" pitchFamily="18" charset="0"/>
+                          <a:ea typeface="Cambria Math" panose="02040503050406030204" pitchFamily="18" charset="0"/>
+                        </a:rPr>
+                        <m:t>=</m:t>
+                      </m:r>
+                      <m:r>
+                        <a:rPr lang="en-US" sz="2800" b="0" i="1" smtClean="0">
+                          <a:latin typeface="Cambria Math" panose="02040503050406030204" pitchFamily="18" charset="0"/>
+                          <a:ea typeface="Cambria Math" panose="02040503050406030204" pitchFamily="18" charset="0"/>
+                        </a:rPr>
+                        <m:t>𝑇𝑑𝑆</m:t>
+                      </m:r>
+                      <m:r>
+                        <a:rPr lang="en-US" sz="2800" b="0" i="1" smtClean="0">
+                          <a:latin typeface="Cambria Math" panose="02040503050406030204" pitchFamily="18" charset="0"/>
+                          <a:ea typeface="Cambria Math" panose="02040503050406030204" pitchFamily="18" charset="0"/>
+                        </a:rPr>
+                        <m:t>−</m:t>
+                      </m:r>
+                      <m:r>
+                        <a:rPr lang="en-US" sz="2800" b="0" i="1" smtClean="0">
+                          <a:latin typeface="Cambria Math" panose="02040503050406030204" pitchFamily="18" charset="0"/>
+                          <a:ea typeface="Cambria Math" panose="02040503050406030204" pitchFamily="18" charset="0"/>
+                        </a:rPr>
+                        <m:t>𝑃𝑑𝑉</m:t>
+                      </m:r>
+                      <m:r>
+                        <a:rPr lang="en-US" sz="2800" b="0" i="1" smtClean="0">
+                          <a:latin typeface="Cambria Math" panose="02040503050406030204" pitchFamily="18" charset="0"/>
+                          <a:ea typeface="Cambria Math" panose="02040503050406030204" pitchFamily="18" charset="0"/>
+                        </a:rPr>
+                        <m:t>+</m:t>
+                      </m:r>
+                      <m:r>
+                        <a:rPr lang="en-US" sz="2800" b="0" i="1" smtClean="0">
+                          <a:latin typeface="Cambria Math" panose="02040503050406030204" pitchFamily="18" charset="0"/>
+                          <a:ea typeface="Cambria Math" panose="02040503050406030204" pitchFamily="18" charset="0"/>
+                        </a:rPr>
+                        <m:t>𝜇</m:t>
+                      </m:r>
+                      <m:r>
+                        <a:rPr lang="en-US" sz="2800" b="0" i="1" smtClean="0">
+                          <a:latin typeface="Cambria Math" panose="02040503050406030204" pitchFamily="18" charset="0"/>
+                          <a:ea typeface="Cambria Math" panose="02040503050406030204" pitchFamily="18" charset="0"/>
+                        </a:rPr>
+                        <m:t>𝑑𝑛</m:t>
+                      </m:r>
+                    </m:oMath>
+                  </m:oMathPara>
+                </a14:m>
+                <a:endParaRPr lang="en-US" dirty="0"/>
+              </a:p>
+            </p:txBody>
+          </p:sp>
+        </mc:Choice>
+        <mc:Fallback>
+          <p:sp>
+            <p:nvSpPr>
+              <p:cNvPr id="32" name="TextBox 31">
+                <a:extLst>
+                  <a:ext uri="{FF2B5EF4-FFF2-40B4-BE49-F238E27FC236}">
+                    <a16:creationId xmlns:a16="http://schemas.microsoft.com/office/drawing/2014/main" id="{267EC846-70A2-09A9-C94E-C659791AC2CC}"/>
+                  </a:ext>
+                </a:extLst>
+              </p:cNvPr>
+              <p:cNvSpPr txBox="1">
+                <a:spLocks noRot="1" noChangeAspect="1" noMove="1" noResize="1" noEditPoints="1" noAdjustHandles="1" noChangeArrowheads="1" noChangeShapeType="1" noTextEdit="1"/>
+              </p:cNvSpPr>
+              <p:nvPr/>
+            </p:nvSpPr>
+            <p:spPr>
+              <a:xfrm>
+                <a:off x="1949070" y="9826906"/>
+                <a:ext cx="3762568" cy="430887"/>
+              </a:xfrm>
+              <a:prstGeom prst="rect">
+                <a:avLst/>
+              </a:prstGeom>
+              <a:blipFill>
+                <a:blip r:embed="rId9"/>
+                <a:stretch>
+                  <a:fillRect/>
+                </a:stretch>
+              </a:blipFill>
+            </p:spPr>
+            <p:txBody>
+              <a:bodyPr/>
+              <a:lstStyle/>
+              <a:p>
+                <a:r>
+                  <a:rPr lang="en-US">
+                    <a:noFill/>
+                  </a:rPr>
+                  <a:t> </a:t>
+                </a:r>
+              </a:p>
+            </p:txBody>
+          </p:sp>
+        </mc:Fallback>
+      </mc:AlternateContent>
+      <mc:AlternateContent xmlns:mc="http://schemas.openxmlformats.org/markup-compatibility/2006">
+        <mc:Choice xmlns:a14="http://schemas.microsoft.com/office/drawing/2010/main" Requires="a14">
+          <p:sp>
+            <p:nvSpPr>
+              <p:cNvPr id="34" name="TextBox 33">
+                <a:extLst>
+                  <a:ext uri="{FF2B5EF4-FFF2-40B4-BE49-F238E27FC236}">
+                    <a16:creationId xmlns:a16="http://schemas.microsoft.com/office/drawing/2014/main" id="{D54A61D6-980D-EB07-0404-CFB2610CF41D}"/>
+                  </a:ext>
+                </a:extLst>
+              </p:cNvPr>
+              <p:cNvSpPr txBox="1"/>
+              <p:nvPr/>
+            </p:nvSpPr>
+            <p:spPr>
+              <a:xfrm>
+                <a:off x="1307313" y="10537397"/>
+                <a:ext cx="5525423" cy="992451"/>
+              </a:xfrm>
+              <a:prstGeom prst="rect">
+                <a:avLst/>
+              </a:prstGeom>
+              <a:noFill/>
+            </p:spPr>
+            <p:txBody>
+              <a:bodyPr wrap="none" rtlCol="0">
+                <a:spAutoFit/>
+              </a:bodyPr>
+              <a:lstStyle/>
+              <a:p>
+                <a14:m>
+                  <m:oMathPara xmlns:m="http://schemas.openxmlformats.org/officeDocument/2006/math">
+                    <m:oMathParaPr>
+                      <m:jc m:val="centerGroup"/>
+                    </m:oMathParaPr>
+                    <m:oMath xmlns:m="http://schemas.openxmlformats.org/officeDocument/2006/math">
+                      <m:r>
+                        <a:rPr lang="en-US" sz="2400" b="0" i="1" smtClean="0">
+                          <a:latin typeface="Cambria Math" panose="02040503050406030204" pitchFamily="18" charset="0"/>
+                        </a:rPr>
+                        <m:t>𝑑𝑈</m:t>
+                      </m:r>
+                      <m:r>
+                        <a:rPr lang="en-US" sz="2400" b="0" i="1" smtClean="0">
+                          <a:latin typeface="Cambria Math" panose="02040503050406030204" pitchFamily="18" charset="0"/>
+                        </a:rPr>
+                        <m:t>=</m:t>
+                      </m:r>
+                      <m:sSub>
+                        <m:sSubPr>
+                          <m:ctrlPr>
+                            <a:rPr lang="en-US" sz="2400" b="0" i="1" smtClean="0">
+                              <a:latin typeface="Cambria Math" panose="02040503050406030204" pitchFamily="18" charset="0"/>
+                            </a:rPr>
+                          </m:ctrlPr>
+                        </m:sSubPr>
+                        <m:e>
+                          <m:d>
+                            <m:dPr>
+                              <m:begChr m:val=""/>
+                              <m:endChr m:val="|"/>
+                              <m:ctrlPr>
+                                <a:rPr lang="en-US" sz="2400" b="0" i="1" smtClean="0">
+                                  <a:latin typeface="Cambria Math" panose="02040503050406030204" pitchFamily="18" charset="0"/>
+                                </a:rPr>
+                              </m:ctrlPr>
+                            </m:dPr>
+                            <m:e>
+                              <m:f>
+                                <m:fPr>
+                                  <m:ctrlPr>
+                                    <a:rPr lang="en-US" sz="2400" b="0" i="1" smtClean="0">
+                                      <a:latin typeface="Cambria Math" panose="02040503050406030204" pitchFamily="18" charset="0"/>
+                                    </a:rPr>
+                                  </m:ctrlPr>
+                                </m:fPr>
+                                <m:num>
+                                  <m:r>
+                                    <a:rPr lang="en-US" sz="2400" b="0" i="1" smtClean="0">
+                                      <a:latin typeface="Cambria Math" panose="02040503050406030204" pitchFamily="18" charset="0"/>
+                                      <a:ea typeface="Cambria Math" panose="02040503050406030204" pitchFamily="18" charset="0"/>
+                                    </a:rPr>
+                                    <m:t>𝜕</m:t>
+                                  </m:r>
+                                  <m:r>
+                                    <a:rPr lang="en-US" sz="2400" b="0" i="1" smtClean="0">
+                                      <a:latin typeface="Cambria Math" panose="02040503050406030204" pitchFamily="18" charset="0"/>
+                                      <a:ea typeface="Cambria Math" panose="02040503050406030204" pitchFamily="18" charset="0"/>
+                                    </a:rPr>
+                                    <m:t>𝑈</m:t>
+                                  </m:r>
+                                </m:num>
+                                <m:den>
+                                  <m:r>
+                                    <a:rPr lang="en-US" sz="2400" b="0" i="1" smtClean="0">
+                                      <a:latin typeface="Cambria Math" panose="02040503050406030204" pitchFamily="18" charset="0"/>
+                                      <a:ea typeface="Cambria Math" panose="02040503050406030204" pitchFamily="18" charset="0"/>
+                                    </a:rPr>
+                                    <m:t>𝜕</m:t>
+                                  </m:r>
+                                  <m:r>
+                                    <a:rPr lang="en-US" sz="2400" b="0" i="1" smtClean="0">
+                                      <a:latin typeface="Cambria Math" panose="02040503050406030204" pitchFamily="18" charset="0"/>
+                                      <a:ea typeface="Cambria Math" panose="02040503050406030204" pitchFamily="18" charset="0"/>
+                                    </a:rPr>
+                                    <m:t>𝑆</m:t>
+                                  </m:r>
+                                </m:den>
+                              </m:f>
+                            </m:e>
+                          </m:d>
+                        </m:e>
+                        <m:sub>
+                          <m:r>
+                            <a:rPr lang="en-US" sz="2400" b="0" i="1" smtClean="0">
+                              <a:latin typeface="Cambria Math" panose="02040503050406030204" pitchFamily="18" charset="0"/>
+                            </a:rPr>
+                            <m:t>𝑉</m:t>
+                          </m:r>
+                          <m:r>
+                            <a:rPr lang="en-US" sz="2400" b="0" i="1" smtClean="0">
+                              <a:latin typeface="Cambria Math" panose="02040503050406030204" pitchFamily="18" charset="0"/>
+                            </a:rPr>
+                            <m:t>,  </m:t>
+                          </m:r>
+                          <m:r>
+                            <a:rPr lang="en-US" sz="2400" b="0" i="1" smtClean="0">
+                              <a:latin typeface="Cambria Math" panose="02040503050406030204" pitchFamily="18" charset="0"/>
+                            </a:rPr>
+                            <m:t>𝑛</m:t>
+                          </m:r>
+                        </m:sub>
+                      </m:sSub>
+                      <m:r>
+                        <a:rPr lang="en-US" sz="2400" b="0" i="1" smtClean="0">
+                          <a:latin typeface="Cambria Math" panose="02040503050406030204" pitchFamily="18" charset="0"/>
+                        </a:rPr>
+                        <m:t>𝑑𝑆</m:t>
+                      </m:r>
+                      <m:r>
+                        <a:rPr lang="en-US" sz="2400" b="0" i="1" smtClean="0">
+                          <a:latin typeface="Cambria Math" panose="02040503050406030204" pitchFamily="18" charset="0"/>
+                        </a:rPr>
+                        <m:t>+</m:t>
+                      </m:r>
+                      <m:sSub>
+                        <m:sSubPr>
+                          <m:ctrlPr>
+                            <a:rPr lang="en-US" sz="2400" i="1">
+                              <a:latin typeface="Cambria Math" panose="02040503050406030204" pitchFamily="18" charset="0"/>
+                            </a:rPr>
+                          </m:ctrlPr>
+                        </m:sSubPr>
+                        <m:e>
+                          <m:d>
+                            <m:dPr>
+                              <m:begChr m:val=""/>
+                              <m:endChr m:val="|"/>
+                              <m:ctrlPr>
+                                <a:rPr lang="en-US" sz="2400" i="1">
+                                  <a:latin typeface="Cambria Math" panose="02040503050406030204" pitchFamily="18" charset="0"/>
+                                </a:rPr>
+                              </m:ctrlPr>
+                            </m:dPr>
+                            <m:e>
+                              <m:f>
+                                <m:fPr>
+                                  <m:ctrlPr>
+                                    <a:rPr lang="en-US" sz="2400" i="1">
+                                      <a:latin typeface="Cambria Math" panose="02040503050406030204" pitchFamily="18" charset="0"/>
+                                    </a:rPr>
+                                  </m:ctrlPr>
+                                </m:fPr>
+                                <m:num>
+                                  <m:r>
+                                    <a:rPr lang="en-US" sz="2400" i="1">
+                                      <a:latin typeface="Cambria Math" panose="02040503050406030204" pitchFamily="18" charset="0"/>
+                                      <a:ea typeface="Cambria Math" panose="02040503050406030204" pitchFamily="18" charset="0"/>
+                                    </a:rPr>
+                                    <m:t>𝜕</m:t>
+                                  </m:r>
+                                  <m:r>
+                                    <a:rPr lang="en-US" sz="2400" b="0" i="1" smtClean="0">
+                                      <a:latin typeface="Cambria Math" panose="02040503050406030204" pitchFamily="18" charset="0"/>
+                                      <a:ea typeface="Cambria Math" panose="02040503050406030204" pitchFamily="18" charset="0"/>
+                                    </a:rPr>
+                                    <m:t>𝑈</m:t>
+                                  </m:r>
+                                </m:num>
+                                <m:den>
+                                  <m:r>
+                                    <a:rPr lang="en-US" sz="2400" i="1">
+                                      <a:latin typeface="Cambria Math" panose="02040503050406030204" pitchFamily="18" charset="0"/>
+                                      <a:ea typeface="Cambria Math" panose="02040503050406030204" pitchFamily="18" charset="0"/>
+                                    </a:rPr>
+                                    <m:t>𝜕</m:t>
+                                  </m:r>
+                                  <m:r>
+                                    <a:rPr lang="en-US" sz="2400" b="0" i="1" smtClean="0">
+                                      <a:latin typeface="Cambria Math" panose="02040503050406030204" pitchFamily="18" charset="0"/>
+                                      <a:ea typeface="Cambria Math" panose="02040503050406030204" pitchFamily="18" charset="0"/>
+                                    </a:rPr>
+                                    <m:t>𝑉</m:t>
+                                  </m:r>
+                                </m:den>
+                              </m:f>
+                            </m:e>
+                          </m:d>
+                        </m:e>
+                        <m:sub>
+                          <m:r>
+                            <a:rPr lang="en-US" sz="2400" b="0" i="1" smtClean="0">
+                              <a:latin typeface="Cambria Math" panose="02040503050406030204" pitchFamily="18" charset="0"/>
+                              <a:ea typeface="Cambria Math" panose="02040503050406030204" pitchFamily="18" charset="0"/>
+                            </a:rPr>
+                            <m:t>𝑆</m:t>
+                          </m:r>
+                          <m:r>
+                            <a:rPr lang="en-US" sz="2400" b="0" i="1" smtClean="0">
+                              <a:latin typeface="Cambria Math" panose="02040503050406030204" pitchFamily="18" charset="0"/>
+                              <a:ea typeface="Cambria Math" panose="02040503050406030204" pitchFamily="18" charset="0"/>
+                            </a:rPr>
+                            <m:t>,</m:t>
+                          </m:r>
+                          <m:r>
+                            <a:rPr lang="en-US" sz="2400" b="0" i="1" smtClean="0">
+                              <a:latin typeface="Cambria Math" panose="02040503050406030204" pitchFamily="18" charset="0"/>
+                              <a:ea typeface="Cambria Math" panose="02040503050406030204" pitchFamily="18" charset="0"/>
+                            </a:rPr>
+                            <m:t>𝑛</m:t>
+                          </m:r>
+                        </m:sub>
+                      </m:sSub>
+                      <m:r>
+                        <a:rPr lang="en-US" sz="2400" b="0" i="1" smtClean="0">
+                          <a:latin typeface="Cambria Math" panose="02040503050406030204" pitchFamily="18" charset="0"/>
+                          <a:ea typeface="Cambria Math" panose="02040503050406030204" pitchFamily="18" charset="0"/>
+                        </a:rPr>
+                        <m:t>𝑑𝑉</m:t>
+                      </m:r>
+                      <m:r>
+                        <a:rPr lang="en-US" sz="2400" b="0" i="1" smtClean="0">
+                          <a:latin typeface="Cambria Math" panose="02040503050406030204" pitchFamily="18" charset="0"/>
+                          <a:ea typeface="Cambria Math" panose="02040503050406030204" pitchFamily="18" charset="0"/>
+                        </a:rPr>
+                        <m:t>+</m:t>
+                      </m:r>
+                      <m:sSub>
+                        <m:sSubPr>
+                          <m:ctrlPr>
+                            <a:rPr lang="en-US" sz="2400" i="1">
+                              <a:latin typeface="Cambria Math" panose="02040503050406030204" pitchFamily="18" charset="0"/>
+                            </a:rPr>
+                          </m:ctrlPr>
+                        </m:sSubPr>
+                        <m:e>
+                          <m:d>
+                            <m:dPr>
+                              <m:begChr m:val=""/>
+                              <m:endChr m:val="|"/>
+                              <m:ctrlPr>
+                                <a:rPr lang="en-US" sz="2400" i="1">
+                                  <a:latin typeface="Cambria Math" panose="02040503050406030204" pitchFamily="18" charset="0"/>
+                                </a:rPr>
+                              </m:ctrlPr>
+                            </m:dPr>
+                            <m:e>
+                              <m:f>
+                                <m:fPr>
+                                  <m:ctrlPr>
+                                    <a:rPr lang="en-US" sz="2400" i="1">
+                                      <a:latin typeface="Cambria Math" panose="02040503050406030204" pitchFamily="18" charset="0"/>
+                                    </a:rPr>
+                                  </m:ctrlPr>
+                                </m:fPr>
+                                <m:num>
+                                  <m:r>
+                                    <a:rPr lang="en-US" sz="2400" i="1">
+                                      <a:latin typeface="Cambria Math" panose="02040503050406030204" pitchFamily="18" charset="0"/>
+                                      <a:ea typeface="Cambria Math" panose="02040503050406030204" pitchFamily="18" charset="0"/>
+                                    </a:rPr>
+                                    <m:t>𝜕</m:t>
+                                  </m:r>
+                                  <m:r>
+                                    <a:rPr lang="en-US" sz="2400" b="0" i="1" smtClean="0">
+                                      <a:latin typeface="Cambria Math" panose="02040503050406030204" pitchFamily="18" charset="0"/>
+                                      <a:ea typeface="Cambria Math" panose="02040503050406030204" pitchFamily="18" charset="0"/>
+                                    </a:rPr>
+                                    <m:t>𝑈</m:t>
+                                  </m:r>
+                                </m:num>
+                                <m:den>
+                                  <m:r>
+                                    <a:rPr lang="en-US" sz="2400" i="1">
+                                      <a:latin typeface="Cambria Math" panose="02040503050406030204" pitchFamily="18" charset="0"/>
+                                      <a:ea typeface="Cambria Math" panose="02040503050406030204" pitchFamily="18" charset="0"/>
+                                    </a:rPr>
+                                    <m:t>𝜕</m:t>
+                                  </m:r>
+                                  <m:r>
+                                    <a:rPr lang="en-US" sz="2400" b="0" i="1" smtClean="0">
+                                      <a:latin typeface="Cambria Math" panose="02040503050406030204" pitchFamily="18" charset="0"/>
+                                      <a:ea typeface="Cambria Math" panose="02040503050406030204" pitchFamily="18" charset="0"/>
+                                    </a:rPr>
+                                    <m:t>𝑛</m:t>
+                                  </m:r>
+                                </m:den>
+                              </m:f>
+                            </m:e>
+                          </m:d>
+                        </m:e>
+                        <m:sub>
+                          <m:r>
+                            <a:rPr lang="en-US" sz="2400" b="0" i="1" smtClean="0">
+                              <a:latin typeface="Cambria Math" panose="02040503050406030204" pitchFamily="18" charset="0"/>
+                              <a:ea typeface="Cambria Math" panose="02040503050406030204" pitchFamily="18" charset="0"/>
+                            </a:rPr>
+                            <m:t>𝑆</m:t>
+                          </m:r>
+                          <m:r>
+                            <a:rPr lang="en-US" sz="2400" b="0" i="1" smtClean="0">
+                              <a:latin typeface="Cambria Math" panose="02040503050406030204" pitchFamily="18" charset="0"/>
+                              <a:ea typeface="Cambria Math" panose="02040503050406030204" pitchFamily="18" charset="0"/>
+                            </a:rPr>
+                            <m:t>,</m:t>
+                          </m:r>
+                          <m:r>
+                            <a:rPr lang="en-US" sz="2400" b="0" i="1" smtClean="0">
+                              <a:latin typeface="Cambria Math" panose="02040503050406030204" pitchFamily="18" charset="0"/>
+                              <a:ea typeface="Cambria Math" panose="02040503050406030204" pitchFamily="18" charset="0"/>
+                            </a:rPr>
+                            <m:t>𝑉</m:t>
+                          </m:r>
+                        </m:sub>
+                      </m:sSub>
+                      <m:r>
+                        <a:rPr lang="en-US" sz="2400" b="0" i="1" smtClean="0">
+                          <a:latin typeface="Cambria Math" panose="02040503050406030204" pitchFamily="18" charset="0"/>
+                          <a:ea typeface="Cambria Math" panose="02040503050406030204" pitchFamily="18" charset="0"/>
+                        </a:rPr>
+                        <m:t>𝑑𝑛</m:t>
+                      </m:r>
+                    </m:oMath>
+                  </m:oMathPara>
+                </a14:m>
+                <a:endParaRPr lang="en-US" sz="2400" dirty="0"/>
+              </a:p>
+            </p:txBody>
+          </p:sp>
+        </mc:Choice>
+        <mc:Fallback>
+          <p:sp>
+            <p:nvSpPr>
+              <p:cNvPr id="34" name="TextBox 33">
+                <a:extLst>
+                  <a:ext uri="{FF2B5EF4-FFF2-40B4-BE49-F238E27FC236}">
+                    <a16:creationId xmlns:a16="http://schemas.microsoft.com/office/drawing/2014/main" id="{D54A61D6-980D-EB07-0404-CFB2610CF41D}"/>
+                  </a:ext>
+                </a:extLst>
+              </p:cNvPr>
+              <p:cNvSpPr txBox="1">
+                <a:spLocks noRot="1" noChangeAspect="1" noMove="1" noResize="1" noEditPoints="1" noAdjustHandles="1" noChangeArrowheads="1" noChangeShapeType="1" noTextEdit="1"/>
+              </p:cNvSpPr>
+              <p:nvPr/>
+            </p:nvSpPr>
+            <p:spPr>
+              <a:xfrm>
+                <a:off x="1307313" y="10537397"/>
+                <a:ext cx="5525423" cy="992451"/>
+              </a:xfrm>
+              <a:prstGeom prst="rect">
+                <a:avLst/>
+              </a:prstGeom>
+              <a:blipFill>
+                <a:blip r:embed="rId10"/>
+                <a:stretch>
+                  <a:fillRect/>
+                </a:stretch>
+              </a:blipFill>
+            </p:spPr>
+            <p:txBody>
+              <a:bodyPr/>
+              <a:lstStyle/>
+              <a:p>
+                <a:r>
+                  <a:rPr lang="en-US">
+                    <a:noFill/>
+                  </a:rPr>
+                  <a:t> </a:t>
+                </a:r>
+              </a:p>
+            </p:txBody>
+          </p:sp>
+        </mc:Fallback>
+      </mc:AlternateContent>
+    </p:spTree>
+    <p:extLst>
+      <p:ext uri="{BB962C8B-B14F-4D97-AF65-F5344CB8AC3E}">
+        <p14:creationId xmlns:p14="http://schemas.microsoft.com/office/powerpoint/2010/main" val="2965958520"/>
       </p:ext>
     </p:extLst>
   </p:cSld>

--- a/ThermodynamicsII.pptx
+++ b/ThermodynamicsII.pptx
@@ -17,6 +17,9 @@
     <p:sldId id="266" r:id="rId11"/>
     <p:sldId id="264" r:id="rId12"/>
     <p:sldId id="267" r:id="rId13"/>
+    <p:sldId id="268" r:id="rId14"/>
+    <p:sldId id="269" r:id="rId15"/>
+    <p:sldId id="270" r:id="rId16"/>
   </p:sldIdLst>
   <p:sldSz cx="8686800" cy="12192000"/>
   <p:notesSz cx="6858000" cy="9144000"/>
@@ -140,6 +143,13 @@
           <p14:sldIdLst>
             <p14:sldId id="264"/>
             <p14:sldId id="267"/>
+            <p14:sldId id="268"/>
+          </p14:sldIdLst>
+        </p14:section>
+        <p14:section name="Chapter 10 &amp; 11" id="{398AF6EF-A482-4487-94D3-1C484C2DA6C9}">
+          <p14:sldIdLst>
+            <p14:sldId id="269"/>
+            <p14:sldId id="270"/>
           </p14:sldIdLst>
         </p14:section>
       </p14:sectionLst>
@@ -359,7 +369,7 @@
           <a:p>
             <a:fld id="{A13BDB0B-0E15-448B-8EBC-9EB4315D4970}" type="datetimeFigureOut">
               <a:rPr lang="en-US" smtClean="0"/>
-              <a:t>8/25/2024</a:t>
+              <a:t>8/27/2024</a:t>
             </a:fld>
             <a:endParaRPr lang="en-US"/>
           </a:p>
@@ -529,7 +539,7 @@
           <a:p>
             <a:fld id="{A13BDB0B-0E15-448B-8EBC-9EB4315D4970}" type="datetimeFigureOut">
               <a:rPr lang="en-US" smtClean="0"/>
-              <a:t>8/25/2024</a:t>
+              <a:t>8/27/2024</a:t>
             </a:fld>
             <a:endParaRPr lang="en-US"/>
           </a:p>
@@ -709,7 +719,7 @@
           <a:p>
             <a:fld id="{A13BDB0B-0E15-448B-8EBC-9EB4315D4970}" type="datetimeFigureOut">
               <a:rPr lang="en-US" smtClean="0"/>
-              <a:t>8/25/2024</a:t>
+              <a:t>8/27/2024</a:t>
             </a:fld>
             <a:endParaRPr lang="en-US"/>
           </a:p>
@@ -879,7 +889,7 @@
           <a:p>
             <a:fld id="{A13BDB0B-0E15-448B-8EBC-9EB4315D4970}" type="datetimeFigureOut">
               <a:rPr lang="en-US" smtClean="0"/>
-              <a:t>8/25/2024</a:t>
+              <a:t>8/27/2024</a:t>
             </a:fld>
             <a:endParaRPr lang="en-US"/>
           </a:p>
@@ -1125,7 +1135,7 @@
           <a:p>
             <a:fld id="{A13BDB0B-0E15-448B-8EBC-9EB4315D4970}" type="datetimeFigureOut">
               <a:rPr lang="en-US" smtClean="0"/>
-              <a:t>8/25/2024</a:t>
+              <a:t>8/27/2024</a:t>
             </a:fld>
             <a:endParaRPr lang="en-US"/>
           </a:p>
@@ -1357,7 +1367,7 @@
           <a:p>
             <a:fld id="{A13BDB0B-0E15-448B-8EBC-9EB4315D4970}" type="datetimeFigureOut">
               <a:rPr lang="en-US" smtClean="0"/>
-              <a:t>8/25/2024</a:t>
+              <a:t>8/27/2024</a:t>
             </a:fld>
             <a:endParaRPr lang="en-US"/>
           </a:p>
@@ -1724,7 +1734,7 @@
           <a:p>
             <a:fld id="{A13BDB0B-0E15-448B-8EBC-9EB4315D4970}" type="datetimeFigureOut">
               <a:rPr lang="en-US" smtClean="0"/>
-              <a:t>8/25/2024</a:t>
+              <a:t>8/27/2024</a:t>
             </a:fld>
             <a:endParaRPr lang="en-US"/>
           </a:p>
@@ -1842,7 +1852,7 @@
           <a:p>
             <a:fld id="{A13BDB0B-0E15-448B-8EBC-9EB4315D4970}" type="datetimeFigureOut">
               <a:rPr lang="en-US" smtClean="0"/>
-              <a:t>8/25/2024</a:t>
+              <a:t>8/27/2024</a:t>
             </a:fld>
             <a:endParaRPr lang="en-US"/>
           </a:p>
@@ -1937,7 +1947,7 @@
           <a:p>
             <a:fld id="{A13BDB0B-0E15-448B-8EBC-9EB4315D4970}" type="datetimeFigureOut">
               <a:rPr lang="en-US" smtClean="0"/>
-              <a:t>8/25/2024</a:t>
+              <a:t>8/27/2024</a:t>
             </a:fld>
             <a:endParaRPr lang="en-US"/>
           </a:p>
@@ -2214,7 +2224,7 @@
           <a:p>
             <a:fld id="{A13BDB0B-0E15-448B-8EBC-9EB4315D4970}" type="datetimeFigureOut">
               <a:rPr lang="en-US" smtClean="0"/>
-              <a:t>8/25/2024</a:t>
+              <a:t>8/27/2024</a:t>
             </a:fld>
             <a:endParaRPr lang="en-US"/>
           </a:p>
@@ -2471,7 +2481,7 @@
           <a:p>
             <a:fld id="{A13BDB0B-0E15-448B-8EBC-9EB4315D4970}" type="datetimeFigureOut">
               <a:rPr lang="en-US" smtClean="0"/>
-              <a:t>8/25/2024</a:t>
+              <a:t>8/27/2024</a:t>
             </a:fld>
             <a:endParaRPr lang="en-US"/>
           </a:p>
@@ -2684,7 +2694,7 @@
           <a:p>
             <a:fld id="{A13BDB0B-0E15-448B-8EBC-9EB4315D4970}" type="datetimeFigureOut">
               <a:rPr lang="en-US" smtClean="0"/>
-              <a:t>8/25/2024</a:t>
+              <a:t>8/27/2024</a:t>
             </a:fld>
             <a:endParaRPr lang="en-US"/>
           </a:p>
@@ -11272,7 +11282,1045 @@
             </a:pPr>
             <a:r>
               <a:rPr lang="en-US" dirty="0"/>
-              <a:t>All of the energies are at a minimum at equilibrium, and entropy is at a maximum</a:t>
+              <a:t>All the energies are at a minimum at equilibrium, and entropy is at a maximum</a:t>
+            </a:r>
+          </a:p>
+        </p:txBody>
+      </p:sp>
+      <mc:AlternateContent xmlns:mc="http://schemas.openxmlformats.org/markup-compatibility/2006">
+        <mc:Choice xmlns:a14="http://schemas.microsoft.com/office/drawing/2010/main" Requires="a14">
+          <p:sp>
+            <p:nvSpPr>
+              <p:cNvPr id="2" name="TextBox 1">
+                <a:extLst>
+                  <a:ext uri="{FF2B5EF4-FFF2-40B4-BE49-F238E27FC236}">
+                    <a16:creationId xmlns:a16="http://schemas.microsoft.com/office/drawing/2014/main" id="{5B5B9E9E-C296-8630-23BB-C2DAE68F58E4}"/>
+                  </a:ext>
+                </a:extLst>
+              </p:cNvPr>
+              <p:cNvSpPr txBox="1"/>
+              <p:nvPr/>
+            </p:nvSpPr>
+            <p:spPr>
+              <a:xfrm>
+                <a:off x="-29216" y="8247787"/>
+                <a:ext cx="8716015" cy="646652"/>
+              </a:xfrm>
+              <a:prstGeom prst="rect">
+                <a:avLst/>
+              </a:prstGeom>
+              <a:noFill/>
+            </p:spPr>
+            <p:txBody>
+              <a:bodyPr wrap="square" rtlCol="0">
+                <a:spAutoFit/>
+              </a:bodyPr>
+              <a:lstStyle/>
+              <a:p>
+                <a:r>
+                  <a:rPr lang="en-US" dirty="0"/>
+                  <a:t>Why didn’t we need the chemical equilibrium term before now?</a:t>
+                </a:r>
+              </a:p>
+              <a:p>
+                <a:pPr marL="285750" indent="-285750">
+                  <a:buFont typeface="Arial" panose="020B0604020202020204" pitchFamily="34" charset="0"/>
+                  <a:buChar char="•"/>
+                </a:pPr>
+                <a:r>
+                  <a:rPr lang="en-US" dirty="0"/>
+                  <a:t>Before this we were dealing with single phase closed PVT systems, so </a:t>
+                </a:r>
+                <a14:m>
+                  <m:oMath xmlns:m="http://schemas.openxmlformats.org/officeDocument/2006/math">
+                    <m:nary>
+                      <m:naryPr>
+                        <m:chr m:val="∑"/>
+                        <m:supHide m:val="on"/>
+                        <m:ctrlPr>
+                          <a:rPr lang="en-US" i="1">
+                            <a:latin typeface="Cambria Math" panose="02040503050406030204" pitchFamily="18" charset="0"/>
+                          </a:rPr>
+                        </m:ctrlPr>
+                      </m:naryPr>
+                      <m:sub>
+                        <m:r>
+                          <m:rPr>
+                            <m:brk m:alnAt="7"/>
+                          </m:rPr>
+                          <a:rPr lang="en-US" i="1">
+                            <a:latin typeface="Cambria Math" panose="02040503050406030204" pitchFamily="18" charset="0"/>
+                          </a:rPr>
+                          <m:t>𝑖</m:t>
+                        </m:r>
+                      </m:sub>
+                      <m:sup/>
+                      <m:e>
+                        <m:sSub>
+                          <m:sSubPr>
+                            <m:ctrlPr>
+                              <a:rPr lang="en-US" i="1">
+                                <a:latin typeface="Cambria Math" panose="02040503050406030204" pitchFamily="18" charset="0"/>
+                              </a:rPr>
+                            </m:ctrlPr>
+                          </m:sSubPr>
+                          <m:e>
+                            <m:r>
+                              <a:rPr lang="en-US" i="1">
+                                <a:latin typeface="Cambria Math" panose="02040503050406030204" pitchFamily="18" charset="0"/>
+                                <a:ea typeface="Cambria Math" panose="02040503050406030204" pitchFamily="18" charset="0"/>
+                              </a:rPr>
+                              <m:t>𝜇</m:t>
+                            </m:r>
+                          </m:e>
+                          <m:sub>
+                            <m:r>
+                              <a:rPr lang="en-US" i="1">
+                                <a:latin typeface="Cambria Math" panose="02040503050406030204" pitchFamily="18" charset="0"/>
+                              </a:rPr>
+                              <m:t>𝑖</m:t>
+                            </m:r>
+                          </m:sub>
+                        </m:sSub>
+                        <m:r>
+                          <a:rPr lang="en-US" i="1">
+                            <a:latin typeface="Cambria Math" panose="02040503050406030204" pitchFamily="18" charset="0"/>
+                          </a:rPr>
+                          <m:t>𝑑</m:t>
+                        </m:r>
+                        <m:sSub>
+                          <m:sSubPr>
+                            <m:ctrlPr>
+                              <a:rPr lang="en-US" i="1">
+                                <a:latin typeface="Cambria Math" panose="02040503050406030204" pitchFamily="18" charset="0"/>
+                              </a:rPr>
+                            </m:ctrlPr>
+                          </m:sSubPr>
+                          <m:e>
+                            <m:r>
+                              <a:rPr lang="en-US" i="1">
+                                <a:latin typeface="Cambria Math" panose="02040503050406030204" pitchFamily="18" charset="0"/>
+                              </a:rPr>
+                              <m:t>𝑛</m:t>
+                            </m:r>
+                          </m:e>
+                          <m:sub>
+                            <m:r>
+                              <a:rPr lang="en-US" i="1">
+                                <a:latin typeface="Cambria Math" panose="02040503050406030204" pitchFamily="18" charset="0"/>
+                              </a:rPr>
+                              <m:t>𝑖</m:t>
+                            </m:r>
+                          </m:sub>
+                        </m:sSub>
+                      </m:e>
+                    </m:nary>
+                    <m:r>
+                      <a:rPr lang="en-US" b="0" i="1" smtClean="0">
+                        <a:latin typeface="Cambria Math" panose="02040503050406030204" pitchFamily="18" charset="0"/>
+                      </a:rPr>
+                      <m:t>=0</m:t>
+                    </m:r>
+                  </m:oMath>
+                </a14:m>
+                <a:endParaRPr lang="en-US" dirty="0"/>
+              </a:p>
+            </p:txBody>
+          </p:sp>
+        </mc:Choice>
+        <mc:Fallback>
+          <p:sp>
+            <p:nvSpPr>
+              <p:cNvPr id="2" name="TextBox 1">
+                <a:extLst>
+                  <a:ext uri="{FF2B5EF4-FFF2-40B4-BE49-F238E27FC236}">
+                    <a16:creationId xmlns:a16="http://schemas.microsoft.com/office/drawing/2014/main" id="{5B5B9E9E-C296-8630-23BB-C2DAE68F58E4}"/>
+                  </a:ext>
+                </a:extLst>
+              </p:cNvPr>
+              <p:cNvSpPr txBox="1">
+                <a:spLocks noRot="1" noChangeAspect="1" noMove="1" noResize="1" noEditPoints="1" noAdjustHandles="1" noChangeArrowheads="1" noChangeShapeType="1" noTextEdit="1"/>
+              </p:cNvSpPr>
+              <p:nvPr/>
+            </p:nvSpPr>
+            <p:spPr>
+              <a:xfrm>
+                <a:off x="-29216" y="8247787"/>
+                <a:ext cx="8716015" cy="646652"/>
+              </a:xfrm>
+              <a:prstGeom prst="rect">
+                <a:avLst/>
+              </a:prstGeom>
+              <a:blipFill>
+                <a:blip r:embed="rId16"/>
+                <a:stretch>
+                  <a:fillRect l="-559" t="-26415" b="-105660"/>
+                </a:stretch>
+              </a:blipFill>
+            </p:spPr>
+            <p:txBody>
+              <a:bodyPr/>
+              <a:lstStyle/>
+              <a:p>
+                <a:r>
+                  <a:rPr lang="en-US">
+                    <a:noFill/>
+                  </a:rPr>
+                  <a:t> </a:t>
+                </a:r>
+              </a:p>
+            </p:txBody>
+          </p:sp>
+        </mc:Fallback>
+      </mc:AlternateContent>
+      <mc:AlternateContent xmlns:mc="http://schemas.openxmlformats.org/markup-compatibility/2006">
+        <mc:Choice xmlns:a14="http://schemas.microsoft.com/office/drawing/2010/main" Requires="a14">
+          <p:sp>
+            <p:nvSpPr>
+              <p:cNvPr id="7" name="TextBox 6">
+                <a:extLst>
+                  <a:ext uri="{FF2B5EF4-FFF2-40B4-BE49-F238E27FC236}">
+                    <a16:creationId xmlns:a16="http://schemas.microsoft.com/office/drawing/2014/main" id="{52411EDA-4D0A-F61F-0542-891B9B1411E9}"/>
+                  </a:ext>
+                </a:extLst>
+              </p:cNvPr>
+              <p:cNvSpPr txBox="1"/>
+              <p:nvPr/>
+            </p:nvSpPr>
+            <p:spPr>
+              <a:xfrm>
+                <a:off x="1632147" y="7354517"/>
+                <a:ext cx="5422510" cy="896207"/>
+              </a:xfrm>
+              <a:prstGeom prst="rect">
+                <a:avLst/>
+              </a:prstGeom>
+              <a:noFill/>
+            </p:spPr>
+            <p:txBody>
+              <a:bodyPr wrap="none" lIns="0" tIns="0" rIns="0" bIns="0" rtlCol="0">
+                <a:spAutoFit/>
+              </a:bodyPr>
+              <a:lstStyle/>
+              <a:p>
+                <a:pPr algn="ctr"/>
+                <a14:m>
+                  <m:oMathPara xmlns:m="http://schemas.openxmlformats.org/officeDocument/2006/math">
+                    <m:oMathParaPr>
+                      <m:jc m:val="centerGroup"/>
+                    </m:oMathParaPr>
+                    <m:oMath xmlns:m="http://schemas.openxmlformats.org/officeDocument/2006/math">
+                      <m:r>
+                        <a:rPr lang="en-US" sz="2400" b="0" i="1" smtClean="0">
+                          <a:latin typeface="Cambria Math" panose="02040503050406030204" pitchFamily="18" charset="0"/>
+                        </a:rPr>
+                        <m:t>𝑑</m:t>
+                      </m:r>
+                      <m:r>
+                        <a:rPr lang="en-US" sz="2400" b="0" i="1" smtClean="0">
+                          <a:latin typeface="Cambria Math" panose="02040503050406030204" pitchFamily="18" charset="0"/>
+                        </a:rPr>
+                        <m:t>(</m:t>
+                      </m:r>
+                      <m:r>
+                        <a:rPr lang="en-US" sz="2400" b="0" i="1" smtClean="0">
+                          <a:latin typeface="Cambria Math" panose="02040503050406030204" pitchFamily="18" charset="0"/>
+                        </a:rPr>
+                        <m:t>𝑛𝐺</m:t>
+                      </m:r>
+                      <m:r>
+                        <a:rPr lang="en-US" sz="2400" b="0" i="1" smtClean="0">
+                          <a:latin typeface="Cambria Math" panose="02040503050406030204" pitchFamily="18" charset="0"/>
+                        </a:rPr>
+                        <m:t>)=−(</m:t>
+                      </m:r>
+                      <m:r>
+                        <a:rPr lang="en-US" sz="2400" b="0" i="1" smtClean="0">
+                          <a:latin typeface="Cambria Math" panose="02040503050406030204" pitchFamily="18" charset="0"/>
+                        </a:rPr>
+                        <m:t>𝑛𝑆</m:t>
+                      </m:r>
+                      <m:r>
+                        <a:rPr lang="en-US" sz="2400" b="0" i="1" smtClean="0">
+                          <a:latin typeface="Cambria Math" panose="02040503050406030204" pitchFamily="18" charset="0"/>
+                        </a:rPr>
+                        <m:t>)</m:t>
+                      </m:r>
+                      <m:r>
+                        <a:rPr lang="en-US" sz="2400" b="0" i="1" smtClean="0">
+                          <a:latin typeface="Cambria Math" panose="02040503050406030204" pitchFamily="18" charset="0"/>
+                        </a:rPr>
+                        <m:t>𝑑𝑇</m:t>
+                      </m:r>
+                      <m:r>
+                        <a:rPr lang="en-US" sz="2400" b="0" i="1" smtClean="0">
+                          <a:latin typeface="Cambria Math" panose="02040503050406030204" pitchFamily="18" charset="0"/>
+                        </a:rPr>
+                        <m:t>+(</m:t>
+                      </m:r>
+                      <m:r>
+                        <a:rPr lang="en-US" sz="2400" b="0" i="1" smtClean="0">
+                          <a:latin typeface="Cambria Math" panose="02040503050406030204" pitchFamily="18" charset="0"/>
+                        </a:rPr>
+                        <m:t>𝑛𝑉</m:t>
+                      </m:r>
+                      <m:r>
+                        <a:rPr lang="en-US" sz="2400" b="0" i="1" smtClean="0">
+                          <a:latin typeface="Cambria Math" panose="02040503050406030204" pitchFamily="18" charset="0"/>
+                        </a:rPr>
+                        <m:t>)</m:t>
+                      </m:r>
+                      <m:r>
+                        <a:rPr lang="en-US" sz="2400" b="0" i="1" smtClean="0">
+                          <a:latin typeface="Cambria Math" panose="02040503050406030204" pitchFamily="18" charset="0"/>
+                        </a:rPr>
+                        <m:t>𝑑𝑃</m:t>
+                      </m:r>
+                      <m:r>
+                        <a:rPr lang="en-US" sz="2400" b="0" i="1" smtClean="0">
+                          <a:latin typeface="Cambria Math" panose="02040503050406030204" pitchFamily="18" charset="0"/>
+                        </a:rPr>
+                        <m:t>+</m:t>
+                      </m:r>
+                      <m:nary>
+                        <m:naryPr>
+                          <m:chr m:val="∑"/>
+                          <m:supHide m:val="on"/>
+                          <m:ctrlPr>
+                            <a:rPr lang="en-US" sz="2400" b="0" i="1" smtClean="0">
+                              <a:latin typeface="Cambria Math" panose="02040503050406030204" pitchFamily="18" charset="0"/>
+                            </a:rPr>
+                          </m:ctrlPr>
+                        </m:naryPr>
+                        <m:sub>
+                          <m:r>
+                            <m:rPr>
+                              <m:brk m:alnAt="7"/>
+                            </m:rPr>
+                            <a:rPr lang="en-US" sz="2400" b="0" i="1" smtClean="0">
+                              <a:latin typeface="Cambria Math" panose="02040503050406030204" pitchFamily="18" charset="0"/>
+                            </a:rPr>
+                            <m:t>𝑖</m:t>
+                          </m:r>
+                        </m:sub>
+                        <m:sup/>
+                        <m:e>
+                          <m:sSub>
+                            <m:sSubPr>
+                              <m:ctrlPr>
+                                <a:rPr lang="en-US" sz="2400" b="0" i="1" smtClean="0">
+                                  <a:latin typeface="Cambria Math" panose="02040503050406030204" pitchFamily="18" charset="0"/>
+                                </a:rPr>
+                              </m:ctrlPr>
+                            </m:sSubPr>
+                            <m:e>
+                              <m:r>
+                                <a:rPr lang="en-US" sz="2400" b="0" i="1" smtClean="0">
+                                  <a:latin typeface="Cambria Math" panose="02040503050406030204" pitchFamily="18" charset="0"/>
+                                  <a:ea typeface="Cambria Math" panose="02040503050406030204" pitchFamily="18" charset="0"/>
+                                </a:rPr>
+                                <m:t>𝜇</m:t>
+                              </m:r>
+                            </m:e>
+                            <m:sub>
+                              <m:r>
+                                <a:rPr lang="en-US" sz="2400" b="0" i="1" smtClean="0">
+                                  <a:latin typeface="Cambria Math" panose="02040503050406030204" pitchFamily="18" charset="0"/>
+                                </a:rPr>
+                                <m:t>𝑖</m:t>
+                              </m:r>
+                            </m:sub>
+                          </m:sSub>
+                          <m:r>
+                            <a:rPr lang="en-US" sz="2400" b="0" i="1" smtClean="0">
+                              <a:latin typeface="Cambria Math" panose="02040503050406030204" pitchFamily="18" charset="0"/>
+                            </a:rPr>
+                            <m:t>𝑑</m:t>
+                          </m:r>
+                          <m:sSub>
+                            <m:sSubPr>
+                              <m:ctrlPr>
+                                <a:rPr lang="en-US" sz="2400" b="0" i="1" smtClean="0">
+                                  <a:latin typeface="Cambria Math" panose="02040503050406030204" pitchFamily="18" charset="0"/>
+                                </a:rPr>
+                              </m:ctrlPr>
+                            </m:sSubPr>
+                            <m:e>
+                              <m:r>
+                                <a:rPr lang="en-US" sz="2400" b="0" i="1" smtClean="0">
+                                  <a:latin typeface="Cambria Math" panose="02040503050406030204" pitchFamily="18" charset="0"/>
+                                </a:rPr>
+                                <m:t>𝑛</m:t>
+                              </m:r>
+                            </m:e>
+                            <m:sub>
+                              <m:r>
+                                <a:rPr lang="en-US" sz="2400" b="0" i="1" smtClean="0">
+                                  <a:latin typeface="Cambria Math" panose="02040503050406030204" pitchFamily="18" charset="0"/>
+                                </a:rPr>
+                                <m:t>𝑖</m:t>
+                              </m:r>
+                            </m:sub>
+                          </m:sSub>
+                        </m:e>
+                      </m:nary>
+                    </m:oMath>
+                  </m:oMathPara>
+                </a14:m>
+                <a:endParaRPr lang="en-US" sz="2400" dirty="0"/>
+              </a:p>
+            </p:txBody>
+          </p:sp>
+        </mc:Choice>
+        <mc:Fallback>
+          <p:sp>
+            <p:nvSpPr>
+              <p:cNvPr id="7" name="TextBox 6">
+                <a:extLst>
+                  <a:ext uri="{FF2B5EF4-FFF2-40B4-BE49-F238E27FC236}">
+                    <a16:creationId xmlns:a16="http://schemas.microsoft.com/office/drawing/2014/main" id="{52411EDA-4D0A-F61F-0542-891B9B1411E9}"/>
+                  </a:ext>
+                </a:extLst>
+              </p:cNvPr>
+              <p:cNvSpPr txBox="1">
+                <a:spLocks noRot="1" noChangeAspect="1" noMove="1" noResize="1" noEditPoints="1" noAdjustHandles="1" noChangeArrowheads="1" noChangeShapeType="1" noTextEdit="1"/>
+              </p:cNvSpPr>
+              <p:nvPr/>
+            </p:nvSpPr>
+            <p:spPr>
+              <a:xfrm>
+                <a:off x="1632147" y="7354517"/>
+                <a:ext cx="5422510" cy="896207"/>
+              </a:xfrm>
+              <a:prstGeom prst="rect">
+                <a:avLst/>
+              </a:prstGeom>
+              <a:blipFill>
+                <a:blip r:embed="rId17"/>
+                <a:stretch>
+                  <a:fillRect/>
+                </a:stretch>
+              </a:blipFill>
+            </p:spPr>
+            <p:txBody>
+              <a:bodyPr/>
+              <a:lstStyle/>
+              <a:p>
+                <a:r>
+                  <a:rPr lang="en-US">
+                    <a:noFill/>
+                  </a:rPr>
+                  <a:t> </a:t>
+                </a:r>
+              </a:p>
+            </p:txBody>
+          </p:sp>
+        </mc:Fallback>
+      </mc:AlternateContent>
+      <p:pic>
+        <p:nvPicPr>
+          <p:cNvPr id="9" name="Picture 8">
+            <a:extLst>
+              <a:ext uri="{FF2B5EF4-FFF2-40B4-BE49-F238E27FC236}">
+                <a16:creationId xmlns:a16="http://schemas.microsoft.com/office/drawing/2014/main" id="{624BEC77-3A0A-3354-B8C5-FFA4CBB01C91}"/>
+              </a:ext>
+            </a:extLst>
+          </p:cNvPr>
+          <p:cNvPicPr>
+            <a:picLocks noChangeAspect="1"/>
+          </p:cNvPicPr>
+          <p:nvPr/>
+        </p:nvPicPr>
+        <p:blipFill>
+          <a:blip r:embed="rId18"/>
+          <a:stretch>
+            <a:fillRect/>
+          </a:stretch>
+        </p:blipFill>
+        <p:spPr>
+          <a:xfrm>
+            <a:off x="1700568" y="9583479"/>
+            <a:ext cx="4945487" cy="1305831"/>
+          </a:xfrm>
+          <a:prstGeom prst="rect">
+            <a:avLst/>
+          </a:prstGeom>
+        </p:spPr>
+      </p:pic>
+      <mc:AlternateContent xmlns:mc="http://schemas.openxmlformats.org/markup-compatibility/2006">
+        <mc:Choice xmlns:a14="http://schemas.microsoft.com/office/drawing/2010/main" Requires="a14">
+          <p:sp>
+            <p:nvSpPr>
+              <p:cNvPr id="10" name="TextBox 9">
+                <a:extLst>
+                  <a:ext uri="{FF2B5EF4-FFF2-40B4-BE49-F238E27FC236}">
+                    <a16:creationId xmlns:a16="http://schemas.microsoft.com/office/drawing/2014/main" id="{8D89AB5B-1862-B5A3-B1E3-7778EFA9C318}"/>
+                  </a:ext>
+                </a:extLst>
+              </p:cNvPr>
+              <p:cNvSpPr txBox="1"/>
+              <p:nvPr/>
+            </p:nvSpPr>
+            <p:spPr>
+              <a:xfrm>
+                <a:off x="0" y="8922329"/>
+                <a:ext cx="8686799" cy="646331"/>
+              </a:xfrm>
+              <a:prstGeom prst="rect">
+                <a:avLst/>
+              </a:prstGeom>
+              <a:noFill/>
+            </p:spPr>
+            <p:txBody>
+              <a:bodyPr wrap="square" rtlCol="0">
+                <a:spAutoFit/>
+              </a:bodyPr>
+              <a:lstStyle/>
+              <a:p>
+                <a:r>
+                  <a:rPr lang="en-US" dirty="0"/>
+                  <a:t>For a system in which there are two phases and N number of species, </a:t>
+                </a:r>
+                <a14:m>
+                  <m:oMath xmlns:m="http://schemas.openxmlformats.org/officeDocument/2006/math">
+                    <m:nary>
+                      <m:naryPr>
+                        <m:chr m:val="∑"/>
+                        <m:supHide m:val="on"/>
+                        <m:ctrlPr>
+                          <a:rPr lang="en-US" i="1" smtClean="0">
+                            <a:latin typeface="Cambria Math" panose="02040503050406030204" pitchFamily="18" charset="0"/>
+                          </a:rPr>
+                        </m:ctrlPr>
+                      </m:naryPr>
+                      <m:sub>
+                        <m:r>
+                          <m:rPr>
+                            <m:brk m:alnAt="7"/>
+                          </m:rPr>
+                          <a:rPr lang="en-US" i="1">
+                            <a:latin typeface="Cambria Math" panose="02040503050406030204" pitchFamily="18" charset="0"/>
+                          </a:rPr>
+                          <m:t>𝑖</m:t>
+                        </m:r>
+                      </m:sub>
+                      <m:sup/>
+                      <m:e>
+                        <m:sSub>
+                          <m:sSubPr>
+                            <m:ctrlPr>
+                              <a:rPr lang="en-US" i="1">
+                                <a:latin typeface="Cambria Math" panose="02040503050406030204" pitchFamily="18" charset="0"/>
+                              </a:rPr>
+                            </m:ctrlPr>
+                          </m:sSubPr>
+                          <m:e>
+                            <m:r>
+                              <a:rPr lang="en-US" i="1">
+                                <a:latin typeface="Cambria Math" panose="02040503050406030204" pitchFamily="18" charset="0"/>
+                                <a:ea typeface="Cambria Math" panose="02040503050406030204" pitchFamily="18" charset="0"/>
+                              </a:rPr>
+                              <m:t>𝜇</m:t>
+                            </m:r>
+                          </m:e>
+                          <m:sub>
+                            <m:r>
+                              <a:rPr lang="en-US" i="1">
+                                <a:latin typeface="Cambria Math" panose="02040503050406030204" pitchFamily="18" charset="0"/>
+                              </a:rPr>
+                              <m:t>𝑖</m:t>
+                            </m:r>
+                          </m:sub>
+                        </m:sSub>
+                        <m:r>
+                          <a:rPr lang="en-US" i="1">
+                            <a:latin typeface="Cambria Math" panose="02040503050406030204" pitchFamily="18" charset="0"/>
+                          </a:rPr>
+                          <m:t>𝑑</m:t>
+                        </m:r>
+                        <m:sSub>
+                          <m:sSubPr>
+                            <m:ctrlPr>
+                              <a:rPr lang="en-US" i="1">
+                                <a:latin typeface="Cambria Math" panose="02040503050406030204" pitchFamily="18" charset="0"/>
+                              </a:rPr>
+                            </m:ctrlPr>
+                          </m:sSubPr>
+                          <m:e>
+                            <m:r>
+                              <a:rPr lang="en-US" i="1">
+                                <a:latin typeface="Cambria Math" panose="02040503050406030204" pitchFamily="18" charset="0"/>
+                              </a:rPr>
+                              <m:t>𝑛</m:t>
+                            </m:r>
+                          </m:e>
+                          <m:sub>
+                            <m:r>
+                              <a:rPr lang="en-US" i="1">
+                                <a:latin typeface="Cambria Math" panose="02040503050406030204" pitchFamily="18" charset="0"/>
+                              </a:rPr>
+                              <m:t>𝑖</m:t>
+                            </m:r>
+                          </m:sub>
+                        </m:sSub>
+                      </m:e>
+                    </m:nary>
+                    <m:r>
+                      <a:rPr lang="en-US" b="0" i="1" smtClean="0">
+                        <a:latin typeface="Cambria Math" panose="02040503050406030204" pitchFamily="18" charset="0"/>
+                      </a:rPr>
+                      <m:t>=0</m:t>
+                    </m:r>
+                  </m:oMath>
+                </a14:m>
+                <a:r>
+                  <a:rPr lang="en-US" dirty="0"/>
+                  <a:t> can be applied separately to each phase</a:t>
+                </a:r>
+              </a:p>
+            </p:txBody>
+          </p:sp>
+        </mc:Choice>
+        <mc:Fallback>
+          <p:sp>
+            <p:nvSpPr>
+              <p:cNvPr id="10" name="TextBox 9">
+                <a:extLst>
+                  <a:ext uri="{FF2B5EF4-FFF2-40B4-BE49-F238E27FC236}">
+                    <a16:creationId xmlns:a16="http://schemas.microsoft.com/office/drawing/2014/main" id="{8D89AB5B-1862-B5A3-B1E3-7778EFA9C318}"/>
+                  </a:ext>
+                </a:extLst>
+              </p:cNvPr>
+              <p:cNvSpPr txBox="1">
+                <a:spLocks noRot="1" noChangeAspect="1" noMove="1" noResize="1" noEditPoints="1" noAdjustHandles="1" noChangeArrowheads="1" noChangeShapeType="1" noTextEdit="1"/>
+              </p:cNvSpPr>
+              <p:nvPr/>
+            </p:nvSpPr>
+            <p:spPr>
+              <a:xfrm>
+                <a:off x="0" y="8922329"/>
+                <a:ext cx="8686799" cy="646331"/>
+              </a:xfrm>
+              <a:prstGeom prst="rect">
+                <a:avLst/>
+              </a:prstGeom>
+              <a:blipFill>
+                <a:blip r:embed="rId19"/>
+                <a:stretch>
+                  <a:fillRect l="-561" t="-68868" r="-561" b="-63208"/>
+                </a:stretch>
+              </a:blipFill>
+            </p:spPr>
+            <p:txBody>
+              <a:bodyPr/>
+              <a:lstStyle/>
+              <a:p>
+                <a:r>
+                  <a:rPr lang="en-US">
+                    <a:noFill/>
+                  </a:rPr>
+                  <a:t> </a:t>
+                </a:r>
+              </a:p>
+            </p:txBody>
+          </p:sp>
+        </mc:Fallback>
+      </mc:AlternateContent>
+      <p:sp>
+        <p:nvSpPr>
+          <p:cNvPr id="11" name="TextBox 10">
+            <a:extLst>
+              <a:ext uri="{FF2B5EF4-FFF2-40B4-BE49-F238E27FC236}">
+                <a16:creationId xmlns:a16="http://schemas.microsoft.com/office/drawing/2014/main" id="{3AD3F487-6796-9291-AF56-27DF3AD6727C}"/>
+              </a:ext>
+            </a:extLst>
+          </p:cNvPr>
+          <p:cNvSpPr txBox="1"/>
+          <p:nvPr/>
+        </p:nvSpPr>
+        <p:spPr>
+          <a:xfrm>
+            <a:off x="-5387" y="10755203"/>
+            <a:ext cx="1906291" cy="369332"/>
+          </a:xfrm>
+          <a:prstGeom prst="rect">
+            <a:avLst/>
+          </a:prstGeom>
+          <a:noFill/>
+        </p:spPr>
+        <p:txBody>
+          <a:bodyPr wrap="none" rtlCol="0">
+            <a:spAutoFit/>
+          </a:bodyPr>
+          <a:lstStyle/>
+          <a:p>
+            <a:r>
+              <a:rPr lang="en-US" dirty="0"/>
+              <a:t>Combining them,</a:t>
+            </a:r>
+          </a:p>
+        </p:txBody>
+      </p:sp>
+      <p:pic>
+        <p:nvPicPr>
+          <p:cNvPr id="17" name="Picture 16">
+            <a:extLst>
+              <a:ext uri="{FF2B5EF4-FFF2-40B4-BE49-F238E27FC236}">
+                <a16:creationId xmlns:a16="http://schemas.microsoft.com/office/drawing/2014/main" id="{2BA86170-53E4-C0C0-160A-CEF1FB2E4FB3}"/>
+              </a:ext>
+            </a:extLst>
+          </p:cNvPr>
+          <p:cNvPicPr>
+            <a:picLocks noChangeAspect="1"/>
+          </p:cNvPicPr>
+          <p:nvPr/>
+        </p:nvPicPr>
+        <p:blipFill>
+          <a:blip r:embed="rId20"/>
+          <a:stretch>
+            <a:fillRect/>
+          </a:stretch>
+        </p:blipFill>
+        <p:spPr>
+          <a:xfrm>
+            <a:off x="1534129" y="11187007"/>
+            <a:ext cx="5267774" cy="502954"/>
+          </a:xfrm>
+          <a:prstGeom prst="rect">
+            <a:avLst/>
+          </a:prstGeom>
+        </p:spPr>
+      </p:pic>
+    </p:spTree>
+    <p:extLst>
+      <p:ext uri="{BB962C8B-B14F-4D97-AF65-F5344CB8AC3E}">
+        <p14:creationId xmlns:p14="http://schemas.microsoft.com/office/powerpoint/2010/main" val="2777916031"/>
+      </p:ext>
+    </p:extLst>
+  </p:cSld>
+  <p:clrMapOvr>
+    <a:masterClrMapping/>
+  </p:clrMapOvr>
+</p:sld>
+</file>
+
+<file path=ppt/slides/slide13.xml><?xml version="1.0" encoding="utf-8"?>
+<p:sld xmlns:a="http://schemas.openxmlformats.org/drawingml/2006/main" xmlns:r="http://schemas.openxmlformats.org/officeDocument/2006/relationships" xmlns:p="http://schemas.openxmlformats.org/presentationml/2006/main">
+  <p:cSld>
+    <p:spTree>
+      <p:nvGrpSpPr>
+        <p:cNvPr id="1" name=""/>
+        <p:cNvGrpSpPr/>
+        <p:nvPr/>
+      </p:nvGrpSpPr>
+      <p:grpSpPr>
+        <a:xfrm>
+          <a:off x="0" y="0"/>
+          <a:ext cx="0" cy="0"/>
+          <a:chOff x="0" y="0"/>
+          <a:chExt cx="0" cy="0"/>
+        </a:xfrm>
+      </p:grpSpPr>
+      <p:sp>
+        <p:nvSpPr>
+          <p:cNvPr id="2" name="TextBox 1">
+            <a:extLst>
+              <a:ext uri="{FF2B5EF4-FFF2-40B4-BE49-F238E27FC236}">
+                <a16:creationId xmlns:a16="http://schemas.microsoft.com/office/drawing/2014/main" id="{D9C4DA82-5932-5188-5E3E-C84DDCE8FDC0}"/>
+              </a:ext>
+            </a:extLst>
+          </p:cNvPr>
+          <p:cNvSpPr txBox="1"/>
+          <p:nvPr/>
+        </p:nvSpPr>
+        <p:spPr>
+          <a:xfrm>
+            <a:off x="0" y="189263"/>
+            <a:ext cx="1761572" cy="369332"/>
+          </a:xfrm>
+          <a:prstGeom prst="rect">
+            <a:avLst/>
+          </a:prstGeom>
+          <a:noFill/>
+        </p:spPr>
+        <p:txBody>
+          <a:bodyPr wrap="none" rtlCol="0">
+            <a:spAutoFit/>
+          </a:bodyPr>
+          <a:lstStyle/>
+          <a:p>
+            <a:r>
+              <a:rPr lang="en-US" dirty="0"/>
+              <a:t>This means that</a:t>
+            </a:r>
+          </a:p>
+        </p:txBody>
+      </p:sp>
+      <p:pic>
+        <p:nvPicPr>
+          <p:cNvPr id="4" name="Picture 3">
+            <a:extLst>
+              <a:ext uri="{FF2B5EF4-FFF2-40B4-BE49-F238E27FC236}">
+                <a16:creationId xmlns:a16="http://schemas.microsoft.com/office/drawing/2014/main" id="{ECF251C9-0594-6DD5-100D-6D74D56F2C92}"/>
+              </a:ext>
+            </a:extLst>
+          </p:cNvPr>
+          <p:cNvPicPr>
+            <a:picLocks noChangeAspect="1"/>
+          </p:cNvPicPr>
+          <p:nvPr/>
+        </p:nvPicPr>
+        <p:blipFill>
+          <a:blip r:embed="rId2"/>
+          <a:stretch>
+            <a:fillRect/>
+          </a:stretch>
+        </p:blipFill>
+        <p:spPr>
+          <a:xfrm>
+            <a:off x="148022" y="558595"/>
+            <a:ext cx="2960832" cy="849868"/>
+          </a:xfrm>
+          <a:prstGeom prst="rect">
+            <a:avLst/>
+          </a:prstGeom>
+        </p:spPr>
+      </p:pic>
+      <p:sp>
+        <p:nvSpPr>
+          <p:cNvPr id="5" name="TextBox 4">
+            <a:extLst>
+              <a:ext uri="{FF2B5EF4-FFF2-40B4-BE49-F238E27FC236}">
+                <a16:creationId xmlns:a16="http://schemas.microsoft.com/office/drawing/2014/main" id="{B37696CD-8F8E-1450-0567-4F47D316A5A6}"/>
+              </a:ext>
+            </a:extLst>
+          </p:cNvPr>
+          <p:cNvSpPr txBox="1"/>
+          <p:nvPr/>
+        </p:nvSpPr>
+        <p:spPr>
+          <a:xfrm>
+            <a:off x="4131734" y="0"/>
+            <a:ext cx="4013200" cy="646331"/>
+          </a:xfrm>
+          <a:prstGeom prst="rect">
+            <a:avLst/>
+          </a:prstGeom>
+          <a:noFill/>
+        </p:spPr>
+        <p:txBody>
+          <a:bodyPr wrap="square" rtlCol="0">
+            <a:spAutoFit/>
+          </a:bodyPr>
+          <a:lstStyle/>
+          <a:p>
+            <a:r>
+              <a:rPr lang="en-US" dirty="0"/>
+              <a:t>Since the changes in one phase are equal but opposite to the other phase</a:t>
+            </a:r>
+          </a:p>
+        </p:txBody>
+      </p:sp>
+      <p:pic>
+        <p:nvPicPr>
+          <p:cNvPr id="7" name="Picture 6">
+            <a:extLst>
+              <a:ext uri="{FF2B5EF4-FFF2-40B4-BE49-F238E27FC236}">
+                <a16:creationId xmlns:a16="http://schemas.microsoft.com/office/drawing/2014/main" id="{DF20EC7F-A2EE-5842-5664-59A9F0BCB3AE}"/>
+              </a:ext>
+            </a:extLst>
+          </p:cNvPr>
+          <p:cNvPicPr>
+            <a:picLocks noChangeAspect="1"/>
+          </p:cNvPicPr>
+          <p:nvPr/>
+        </p:nvPicPr>
+        <p:blipFill>
+          <a:blip r:embed="rId3"/>
+          <a:stretch>
+            <a:fillRect/>
+          </a:stretch>
+        </p:blipFill>
+        <p:spPr>
+          <a:xfrm>
+            <a:off x="3539067" y="646331"/>
+            <a:ext cx="5147733" cy="762132"/>
+          </a:xfrm>
+          <a:prstGeom prst="rect">
+            <a:avLst/>
+          </a:prstGeom>
+        </p:spPr>
+      </p:pic>
+      <p:sp>
+        <p:nvSpPr>
+          <p:cNvPr id="8" name="TextBox 7">
+            <a:extLst>
+              <a:ext uri="{FF2B5EF4-FFF2-40B4-BE49-F238E27FC236}">
+                <a16:creationId xmlns:a16="http://schemas.microsoft.com/office/drawing/2014/main" id="{07C36A8A-4C81-E5BC-9792-C7D679D5A524}"/>
+              </a:ext>
+            </a:extLst>
+          </p:cNvPr>
+          <p:cNvSpPr txBox="1"/>
+          <p:nvPr/>
+        </p:nvSpPr>
+        <p:spPr>
+          <a:xfrm>
+            <a:off x="1" y="1593129"/>
+            <a:ext cx="8686800" cy="646331"/>
+          </a:xfrm>
+          <a:prstGeom prst="rect">
+            <a:avLst/>
+          </a:prstGeom>
+          <a:noFill/>
+        </p:spPr>
+        <p:txBody>
+          <a:bodyPr wrap="square" rtlCol="0">
+            <a:spAutoFit/>
+          </a:bodyPr>
+          <a:lstStyle/>
+          <a:p>
+            <a:r>
+              <a:rPr lang="en-US" dirty="0"/>
+              <a:t>The differentials are independent and arbitrary, so the only way this equation is satisfied is if:</a:t>
+            </a:r>
+          </a:p>
+        </p:txBody>
+      </p:sp>
+      <p:cxnSp>
+        <p:nvCxnSpPr>
+          <p:cNvPr id="10" name="Straight Arrow Connector 9">
+            <a:extLst>
+              <a:ext uri="{FF2B5EF4-FFF2-40B4-BE49-F238E27FC236}">
+                <a16:creationId xmlns:a16="http://schemas.microsoft.com/office/drawing/2014/main" id="{49BE8EFA-D881-FF2D-FA9A-3D95A17BC36F}"/>
+              </a:ext>
+            </a:extLst>
+          </p:cNvPr>
+          <p:cNvCxnSpPr/>
+          <p:nvPr/>
+        </p:nvCxnSpPr>
+        <p:spPr>
+          <a:xfrm flipV="1">
+            <a:off x="6519333" y="1219200"/>
+            <a:ext cx="643467" cy="373929"/>
+          </a:xfrm>
+          <a:prstGeom prst="straightConnector1">
+            <a:avLst/>
+          </a:prstGeom>
+          <a:ln>
+            <a:tailEnd type="triangle"/>
+          </a:ln>
+        </p:spPr>
+        <p:style>
+          <a:lnRef idx="2">
+            <a:schemeClr val="accent1"/>
+          </a:lnRef>
+          <a:fillRef idx="0">
+            <a:schemeClr val="accent1"/>
+          </a:fillRef>
+          <a:effectRef idx="1">
+            <a:schemeClr val="accent1"/>
+          </a:effectRef>
+          <a:fontRef idx="minor">
+            <a:schemeClr val="tx1"/>
+          </a:fontRef>
+        </p:style>
+      </p:cxnSp>
+      <p:pic>
+        <p:nvPicPr>
+          <p:cNvPr id="12" name="Picture 11">
+            <a:extLst>
+              <a:ext uri="{FF2B5EF4-FFF2-40B4-BE49-F238E27FC236}">
+                <a16:creationId xmlns:a16="http://schemas.microsoft.com/office/drawing/2014/main" id="{88AE6676-7B98-CCB7-2EE8-2D9099745042}"/>
+              </a:ext>
+            </a:extLst>
+          </p:cNvPr>
+          <p:cNvPicPr>
+            <a:picLocks noChangeAspect="1"/>
+          </p:cNvPicPr>
+          <p:nvPr/>
+        </p:nvPicPr>
+        <p:blipFill>
+          <a:blip r:embed="rId4"/>
+          <a:stretch>
+            <a:fillRect/>
+          </a:stretch>
+        </p:blipFill>
+        <p:spPr>
+          <a:xfrm>
+            <a:off x="1628438" y="1916294"/>
+            <a:ext cx="1463727" cy="825691"/>
+          </a:xfrm>
+          <a:prstGeom prst="rect">
+            <a:avLst/>
+          </a:prstGeom>
+        </p:spPr>
+      </p:pic>
+      <p:sp>
+        <p:nvSpPr>
+          <p:cNvPr id="13" name="TextBox 12">
+            <a:extLst>
+              <a:ext uri="{FF2B5EF4-FFF2-40B4-BE49-F238E27FC236}">
+                <a16:creationId xmlns:a16="http://schemas.microsoft.com/office/drawing/2014/main" id="{0B0895C1-DDE4-507D-5AE7-89938E7C4E12}"/>
+              </a:ext>
+            </a:extLst>
+          </p:cNvPr>
+          <p:cNvSpPr txBox="1"/>
+          <p:nvPr/>
+        </p:nvSpPr>
+        <p:spPr>
+          <a:xfrm>
+            <a:off x="2961665" y="2212164"/>
+            <a:ext cx="577402" cy="461665"/>
+          </a:xfrm>
+          <a:prstGeom prst="rect">
+            <a:avLst/>
+          </a:prstGeom>
+          <a:noFill/>
+        </p:spPr>
+        <p:txBody>
+          <a:bodyPr wrap="none" rtlCol="0">
+            <a:spAutoFit/>
+          </a:bodyPr>
+          <a:lstStyle/>
+          <a:p>
+            <a:r>
+              <a:rPr lang="en-US" sz="2400" dirty="0"/>
+              <a:t>= 0</a:t>
+            </a:r>
+          </a:p>
+        </p:txBody>
+      </p:sp>
+      <p:sp>
+        <p:nvSpPr>
+          <p:cNvPr id="14" name="TextBox 13">
+            <a:extLst>
+              <a:ext uri="{FF2B5EF4-FFF2-40B4-BE49-F238E27FC236}">
+                <a16:creationId xmlns:a16="http://schemas.microsoft.com/office/drawing/2014/main" id="{6572A25F-280E-BDE3-C70D-566224258DD6}"/>
+              </a:ext>
+            </a:extLst>
+          </p:cNvPr>
+          <p:cNvSpPr txBox="1"/>
+          <p:nvPr/>
+        </p:nvSpPr>
+        <p:spPr>
+          <a:xfrm>
+            <a:off x="0" y="2858495"/>
+            <a:ext cx="8686800" cy="369332"/>
+          </a:xfrm>
+          <a:prstGeom prst="rect">
+            <a:avLst/>
+          </a:prstGeom>
+          <a:noFill/>
+        </p:spPr>
+        <p:txBody>
+          <a:bodyPr wrap="square" rtlCol="0">
+            <a:spAutoFit/>
+          </a:bodyPr>
+          <a:lstStyle/>
+          <a:p>
+            <a:r>
+              <a:rPr lang="en-US" dirty="0"/>
+              <a:t>So, at equilibrium, the chemical potential for each phase of a species is equal</a:t>
             </a:r>
           </a:p>
         </p:txBody>
@@ -11280,7 +12328,6001 @@
     </p:spTree>
     <p:extLst>
       <p:ext uri="{BB962C8B-B14F-4D97-AF65-F5344CB8AC3E}">
-        <p14:creationId xmlns:p14="http://schemas.microsoft.com/office/powerpoint/2010/main" val="2777916031"/>
+        <p14:creationId xmlns:p14="http://schemas.microsoft.com/office/powerpoint/2010/main" val="2390762094"/>
+      </p:ext>
+    </p:extLst>
+  </p:cSld>
+  <p:clrMapOvr>
+    <a:masterClrMapping/>
+  </p:clrMapOvr>
+</p:sld>
+</file>
+
+<file path=ppt/slides/slide14.xml><?xml version="1.0" encoding="utf-8"?>
+<p:sld xmlns:a="http://schemas.openxmlformats.org/drawingml/2006/main" xmlns:r="http://schemas.openxmlformats.org/officeDocument/2006/relationships" xmlns:p="http://schemas.openxmlformats.org/presentationml/2006/main">
+  <p:cSld>
+    <p:spTree>
+      <p:nvGrpSpPr>
+        <p:cNvPr id="1" name=""/>
+        <p:cNvGrpSpPr/>
+        <p:nvPr/>
+      </p:nvGrpSpPr>
+      <p:grpSpPr>
+        <a:xfrm>
+          <a:off x="0" y="0"/>
+          <a:ext cx="0" cy="0"/>
+          <a:chOff x="0" y="0"/>
+          <a:chExt cx="0" cy="0"/>
+        </a:xfrm>
+      </p:grpSpPr>
+      <p:sp>
+        <p:nvSpPr>
+          <p:cNvPr id="2" name="TextBox 1">
+            <a:extLst>
+              <a:ext uri="{FF2B5EF4-FFF2-40B4-BE49-F238E27FC236}">
+                <a16:creationId xmlns:a16="http://schemas.microsoft.com/office/drawing/2014/main" id="{56687843-5562-76FC-7ACE-5A5620B64E7E}"/>
+              </a:ext>
+            </a:extLst>
+          </p:cNvPr>
+          <p:cNvSpPr txBox="1"/>
+          <p:nvPr/>
+        </p:nvSpPr>
+        <p:spPr>
+          <a:xfrm>
+            <a:off x="414471" y="0"/>
+            <a:ext cx="7857857" cy="584775"/>
+          </a:xfrm>
+          <a:prstGeom prst="rect">
+            <a:avLst/>
+          </a:prstGeom>
+          <a:noFill/>
+        </p:spPr>
+        <p:txBody>
+          <a:bodyPr wrap="none" rtlCol="0">
+            <a:spAutoFit/>
+          </a:bodyPr>
+          <a:lstStyle/>
+          <a:p>
+            <a:r>
+              <a:rPr lang="en-US" sz="3200" dirty="0"/>
+              <a:t>Chapter 10 &amp; 11: Solution Thermodynamics</a:t>
+            </a:r>
+          </a:p>
+        </p:txBody>
+      </p:sp>
+      <p:pic>
+        <p:nvPicPr>
+          <p:cNvPr id="4" name="Picture 3">
+            <a:extLst>
+              <a:ext uri="{FF2B5EF4-FFF2-40B4-BE49-F238E27FC236}">
+                <a16:creationId xmlns:a16="http://schemas.microsoft.com/office/drawing/2014/main" id="{46E7FB0D-AD3B-55D5-4F13-43EFDB702508}"/>
+              </a:ext>
+            </a:extLst>
+          </p:cNvPr>
+          <p:cNvPicPr>
+            <a:picLocks noChangeAspect="1"/>
+          </p:cNvPicPr>
+          <p:nvPr/>
+        </p:nvPicPr>
+        <p:blipFill>
+          <a:blip r:embed="rId2"/>
+          <a:stretch>
+            <a:fillRect/>
+          </a:stretch>
+        </p:blipFill>
+        <p:spPr>
+          <a:xfrm>
+            <a:off x="414471" y="1415772"/>
+            <a:ext cx="4858388" cy="1082727"/>
+          </a:xfrm>
+          <a:prstGeom prst="rect">
+            <a:avLst/>
+          </a:prstGeom>
+        </p:spPr>
+      </p:pic>
+      <p:sp>
+        <p:nvSpPr>
+          <p:cNvPr id="5" name="TextBox 4">
+            <a:extLst>
+              <a:ext uri="{FF2B5EF4-FFF2-40B4-BE49-F238E27FC236}">
+                <a16:creationId xmlns:a16="http://schemas.microsoft.com/office/drawing/2014/main" id="{93CFC732-BFE8-74FF-2084-B0CB5B3835A1}"/>
+              </a:ext>
+            </a:extLst>
+          </p:cNvPr>
+          <p:cNvSpPr txBox="1"/>
+          <p:nvPr/>
+        </p:nvSpPr>
+        <p:spPr>
+          <a:xfrm>
+            <a:off x="1732367" y="1231106"/>
+            <a:ext cx="2222596" cy="369332"/>
+          </a:xfrm>
+          <a:prstGeom prst="rect">
+            <a:avLst/>
+          </a:prstGeom>
+          <a:noFill/>
+        </p:spPr>
+        <p:txBody>
+          <a:bodyPr wrap="none" rtlCol="0">
+            <a:spAutoFit/>
+          </a:bodyPr>
+          <a:lstStyle/>
+          <a:p>
+            <a:r>
+              <a:rPr lang="en-US" dirty="0"/>
+              <a:t>Mass/mole fractions</a:t>
+            </a:r>
+          </a:p>
+        </p:txBody>
+      </p:sp>
+      <p:pic>
+        <p:nvPicPr>
+          <p:cNvPr id="7" name="Picture 6">
+            <a:extLst>
+              <a:ext uri="{FF2B5EF4-FFF2-40B4-BE49-F238E27FC236}">
+                <a16:creationId xmlns:a16="http://schemas.microsoft.com/office/drawing/2014/main" id="{74B33C00-A0AA-E689-00F7-D42A788B86AB}"/>
+              </a:ext>
+            </a:extLst>
+          </p:cNvPr>
+          <p:cNvPicPr>
+            <a:picLocks noChangeAspect="1"/>
+          </p:cNvPicPr>
+          <p:nvPr/>
+        </p:nvPicPr>
+        <p:blipFill>
+          <a:blip r:embed="rId3"/>
+          <a:stretch>
+            <a:fillRect/>
+          </a:stretch>
+        </p:blipFill>
+        <p:spPr>
+          <a:xfrm>
+            <a:off x="6413367" y="1447105"/>
+            <a:ext cx="1163166" cy="933238"/>
+          </a:xfrm>
+          <a:prstGeom prst="rect">
+            <a:avLst/>
+          </a:prstGeom>
+        </p:spPr>
+      </p:pic>
+      <p:sp>
+        <p:nvSpPr>
+          <p:cNvPr id="8" name="TextBox 7">
+            <a:extLst>
+              <a:ext uri="{FF2B5EF4-FFF2-40B4-BE49-F238E27FC236}">
+                <a16:creationId xmlns:a16="http://schemas.microsoft.com/office/drawing/2014/main" id="{26B72174-2DE8-EC93-C4AA-F5065C8DDC45}"/>
+              </a:ext>
+            </a:extLst>
+          </p:cNvPr>
+          <p:cNvSpPr txBox="1"/>
+          <p:nvPr/>
+        </p:nvSpPr>
+        <p:spPr>
+          <a:xfrm>
+            <a:off x="5897181" y="1231106"/>
+            <a:ext cx="2195537" cy="369332"/>
+          </a:xfrm>
+          <a:prstGeom prst="rect">
+            <a:avLst/>
+          </a:prstGeom>
+          <a:noFill/>
+        </p:spPr>
+        <p:txBody>
+          <a:bodyPr wrap="none" rtlCol="0">
+            <a:spAutoFit/>
+          </a:bodyPr>
+          <a:lstStyle/>
+          <a:p>
+            <a:r>
+              <a:rPr lang="en-US" dirty="0"/>
+              <a:t>Molar concentration</a:t>
+            </a:r>
+          </a:p>
+        </p:txBody>
+      </p:sp>
+      <p:sp>
+        <p:nvSpPr>
+          <p:cNvPr id="9" name="TextBox 8">
+            <a:extLst>
+              <a:ext uri="{FF2B5EF4-FFF2-40B4-BE49-F238E27FC236}">
+                <a16:creationId xmlns:a16="http://schemas.microsoft.com/office/drawing/2014/main" id="{C9E550A2-EA66-DB11-3C86-11A556E9D99F}"/>
+              </a:ext>
+            </a:extLst>
+          </p:cNvPr>
+          <p:cNvSpPr txBox="1"/>
+          <p:nvPr/>
+        </p:nvSpPr>
+        <p:spPr>
+          <a:xfrm>
+            <a:off x="0" y="584775"/>
+            <a:ext cx="8686800" cy="646331"/>
+          </a:xfrm>
+          <a:prstGeom prst="rect">
+            <a:avLst/>
+          </a:prstGeom>
+          <a:noFill/>
+        </p:spPr>
+        <p:txBody>
+          <a:bodyPr wrap="square" rtlCol="0">
+            <a:spAutoFit/>
+          </a:bodyPr>
+          <a:lstStyle/>
+          <a:p>
+            <a:r>
+              <a:rPr lang="en-US" dirty="0"/>
+              <a:t>10 is composed of a bunch of math, while 11 is applying it. Here we are combining them to hopefully make it easier</a:t>
+            </a:r>
+          </a:p>
+        </p:txBody>
+      </p:sp>
+      <p:sp>
+        <p:nvSpPr>
+          <p:cNvPr id="10" name="TextBox 9">
+            <a:extLst>
+              <a:ext uri="{FF2B5EF4-FFF2-40B4-BE49-F238E27FC236}">
+                <a16:creationId xmlns:a16="http://schemas.microsoft.com/office/drawing/2014/main" id="{7B0EECED-DDAF-C35F-784D-49DB1948BF36}"/>
+              </a:ext>
+            </a:extLst>
+          </p:cNvPr>
+          <p:cNvSpPr txBox="1"/>
+          <p:nvPr/>
+        </p:nvSpPr>
+        <p:spPr>
+          <a:xfrm>
+            <a:off x="1" y="2683165"/>
+            <a:ext cx="8686800" cy="923330"/>
+          </a:xfrm>
+          <a:prstGeom prst="rect">
+            <a:avLst/>
+          </a:prstGeom>
+          <a:noFill/>
+        </p:spPr>
+        <p:txBody>
+          <a:bodyPr wrap="square" rtlCol="0">
+            <a:spAutoFit/>
+          </a:bodyPr>
+          <a:lstStyle/>
+          <a:p>
+            <a:r>
+              <a:rPr lang="en-US" dirty="0"/>
+              <a:t>How do we use pure component properties to predict mixture properties?</a:t>
+            </a:r>
+          </a:p>
+          <a:p>
+            <a:pPr marL="285750" indent="-285750">
+              <a:buFont typeface="Arial" panose="020B0604020202020204" pitchFamily="34" charset="0"/>
+              <a:buChar char="•"/>
+            </a:pPr>
+            <a:r>
+              <a:rPr lang="en-US" dirty="0"/>
+              <a:t>You can’t simply get properties of mixtures by adding the pure property components together</a:t>
+            </a:r>
+          </a:p>
+        </p:txBody>
+      </p:sp>
+      <mc:AlternateContent xmlns:mc="http://schemas.openxmlformats.org/markup-compatibility/2006">
+        <mc:Choice xmlns:a14="http://schemas.microsoft.com/office/drawing/2010/main" Requires="a14">
+          <p:sp>
+            <p:nvSpPr>
+              <p:cNvPr id="11" name="TextBox 10">
+                <a:extLst>
+                  <a:ext uri="{FF2B5EF4-FFF2-40B4-BE49-F238E27FC236}">
+                    <a16:creationId xmlns:a16="http://schemas.microsoft.com/office/drawing/2014/main" id="{C22B6E0E-9A6E-D705-CAE1-CD3F5F232E99}"/>
+                  </a:ext>
+                </a:extLst>
+              </p:cNvPr>
+              <p:cNvSpPr txBox="1"/>
+              <p:nvPr/>
+            </p:nvSpPr>
+            <p:spPr>
+              <a:xfrm>
+                <a:off x="2624666" y="4174066"/>
+                <a:ext cx="3057119" cy="276999"/>
+              </a:xfrm>
+              <a:prstGeom prst="rect">
+                <a:avLst/>
+              </a:prstGeom>
+              <a:noFill/>
+            </p:spPr>
+            <p:txBody>
+              <a:bodyPr wrap="none" lIns="0" tIns="0" rIns="0" bIns="0" rtlCol="0">
+                <a:spAutoFit/>
+              </a:bodyPr>
+              <a:lstStyle/>
+              <a:p>
+                <a14:m>
+                  <m:oMathPara xmlns:m="http://schemas.openxmlformats.org/officeDocument/2006/math">
+                    <m:oMathParaPr>
+                      <m:jc m:val="centerGroup"/>
+                    </m:oMathParaPr>
+                    <m:oMath xmlns:m="http://schemas.openxmlformats.org/officeDocument/2006/math">
+                      <m:r>
+                        <a:rPr lang="en-US" i="1" smtClean="0">
+                          <a:latin typeface="Cambria Math" panose="02040503050406030204" pitchFamily="18" charset="0"/>
+                          <a:ea typeface="Cambria Math" panose="02040503050406030204" pitchFamily="18" charset="0"/>
+                        </a:rPr>
+                        <m:t>∆</m:t>
+                      </m:r>
+                      <m:sSub>
+                        <m:sSubPr>
+                          <m:ctrlPr>
+                            <a:rPr lang="en-US" i="1" smtClean="0">
+                              <a:latin typeface="Cambria Math" panose="02040503050406030204" pitchFamily="18" charset="0"/>
+                              <a:ea typeface="Cambria Math" panose="02040503050406030204" pitchFamily="18" charset="0"/>
+                            </a:rPr>
+                          </m:ctrlPr>
+                        </m:sSubPr>
+                        <m:e>
+                          <m:r>
+                            <a:rPr lang="en-US" b="0" i="1" smtClean="0">
+                              <a:latin typeface="Cambria Math" panose="02040503050406030204" pitchFamily="18" charset="0"/>
+                              <a:ea typeface="Cambria Math" panose="02040503050406030204" pitchFamily="18" charset="0"/>
+                            </a:rPr>
+                            <m:t>𝑉</m:t>
+                          </m:r>
+                        </m:e>
+                        <m:sub>
+                          <m:r>
+                            <a:rPr lang="en-US" b="0" i="1" smtClean="0">
+                              <a:latin typeface="Cambria Math" panose="02040503050406030204" pitchFamily="18" charset="0"/>
+                              <a:ea typeface="Cambria Math" panose="02040503050406030204" pitchFamily="18" charset="0"/>
+                            </a:rPr>
+                            <m:t>𝑚𝑖𝑥</m:t>
+                          </m:r>
+                        </m:sub>
+                      </m:sSub>
+                      <m:r>
+                        <a:rPr lang="en-US" b="0" i="1" smtClean="0">
+                          <a:latin typeface="Cambria Math" panose="02040503050406030204" pitchFamily="18" charset="0"/>
+                          <a:ea typeface="Cambria Math" panose="02040503050406030204" pitchFamily="18" charset="0"/>
+                        </a:rPr>
+                        <m:t>=</m:t>
+                      </m:r>
+                      <m:sSub>
+                        <m:sSubPr>
+                          <m:ctrlPr>
+                            <a:rPr lang="en-US" b="0" i="1" smtClean="0">
+                              <a:latin typeface="Cambria Math" panose="02040503050406030204" pitchFamily="18" charset="0"/>
+                              <a:ea typeface="Cambria Math" panose="02040503050406030204" pitchFamily="18" charset="0"/>
+                            </a:rPr>
+                          </m:ctrlPr>
+                        </m:sSubPr>
+                        <m:e>
+                          <m:r>
+                            <a:rPr lang="en-US" b="0" i="1" smtClean="0">
+                              <a:latin typeface="Cambria Math" panose="02040503050406030204" pitchFamily="18" charset="0"/>
+                              <a:ea typeface="Cambria Math" panose="02040503050406030204" pitchFamily="18" charset="0"/>
+                            </a:rPr>
+                            <m:t>𝑉</m:t>
+                          </m:r>
+                        </m:e>
+                        <m:sub>
+                          <m:r>
+                            <a:rPr lang="en-US" b="0" i="1" smtClean="0">
+                              <a:latin typeface="Cambria Math" panose="02040503050406030204" pitchFamily="18" charset="0"/>
+                              <a:ea typeface="Cambria Math" panose="02040503050406030204" pitchFamily="18" charset="0"/>
+                            </a:rPr>
+                            <m:t>𝑚𝑖𝑥</m:t>
+                          </m:r>
+                        </m:sub>
+                      </m:sSub>
+                      <m:r>
+                        <a:rPr lang="en-US" b="0" i="1" smtClean="0">
+                          <a:latin typeface="Cambria Math" panose="02040503050406030204" pitchFamily="18" charset="0"/>
+                          <a:ea typeface="Cambria Math" panose="02040503050406030204" pitchFamily="18" charset="0"/>
+                        </a:rPr>
+                        <m:t>−(</m:t>
+                      </m:r>
+                      <m:sSub>
+                        <m:sSubPr>
+                          <m:ctrlPr>
+                            <a:rPr lang="en-US" b="0" i="1" smtClean="0">
+                              <a:latin typeface="Cambria Math" panose="02040503050406030204" pitchFamily="18" charset="0"/>
+                              <a:ea typeface="Cambria Math" panose="02040503050406030204" pitchFamily="18" charset="0"/>
+                            </a:rPr>
+                          </m:ctrlPr>
+                        </m:sSubPr>
+                        <m:e>
+                          <m:r>
+                            <a:rPr lang="en-US" b="0" i="1" smtClean="0">
+                              <a:latin typeface="Cambria Math" panose="02040503050406030204" pitchFamily="18" charset="0"/>
+                              <a:ea typeface="Cambria Math" panose="02040503050406030204" pitchFamily="18" charset="0"/>
+                            </a:rPr>
+                            <m:t>𝑥</m:t>
+                          </m:r>
+                        </m:e>
+                        <m:sub>
+                          <m:r>
+                            <a:rPr lang="en-US" b="0" i="1" smtClean="0">
+                              <a:latin typeface="Cambria Math" panose="02040503050406030204" pitchFamily="18" charset="0"/>
+                              <a:ea typeface="Cambria Math" panose="02040503050406030204" pitchFamily="18" charset="0"/>
+                            </a:rPr>
+                            <m:t>1</m:t>
+                          </m:r>
+                        </m:sub>
+                      </m:sSub>
+                      <m:sSub>
+                        <m:sSubPr>
+                          <m:ctrlPr>
+                            <a:rPr lang="en-US" b="0" i="1" smtClean="0">
+                              <a:latin typeface="Cambria Math" panose="02040503050406030204" pitchFamily="18" charset="0"/>
+                              <a:ea typeface="Cambria Math" panose="02040503050406030204" pitchFamily="18" charset="0"/>
+                            </a:rPr>
+                          </m:ctrlPr>
+                        </m:sSubPr>
+                        <m:e>
+                          <m:r>
+                            <a:rPr lang="en-US" b="0" i="1" smtClean="0">
+                              <a:latin typeface="Cambria Math" panose="02040503050406030204" pitchFamily="18" charset="0"/>
+                              <a:ea typeface="Cambria Math" panose="02040503050406030204" pitchFamily="18" charset="0"/>
+                            </a:rPr>
+                            <m:t>𝑉</m:t>
+                          </m:r>
+                        </m:e>
+                        <m:sub>
+                          <m:r>
+                            <a:rPr lang="en-US" b="0" i="1" smtClean="0">
+                              <a:latin typeface="Cambria Math" panose="02040503050406030204" pitchFamily="18" charset="0"/>
+                              <a:ea typeface="Cambria Math" panose="02040503050406030204" pitchFamily="18" charset="0"/>
+                            </a:rPr>
+                            <m:t>1</m:t>
+                          </m:r>
+                        </m:sub>
+                      </m:sSub>
+                      <m:r>
+                        <a:rPr lang="en-US" b="0" i="1" smtClean="0">
+                          <a:latin typeface="Cambria Math" panose="02040503050406030204" pitchFamily="18" charset="0"/>
+                          <a:ea typeface="Cambria Math" panose="02040503050406030204" pitchFamily="18" charset="0"/>
+                        </a:rPr>
+                        <m:t>+</m:t>
+                      </m:r>
+                      <m:sSub>
+                        <m:sSubPr>
+                          <m:ctrlPr>
+                            <a:rPr lang="en-US" i="1">
+                              <a:latin typeface="Cambria Math" panose="02040503050406030204" pitchFamily="18" charset="0"/>
+                              <a:ea typeface="Cambria Math" panose="02040503050406030204" pitchFamily="18" charset="0"/>
+                            </a:rPr>
+                          </m:ctrlPr>
+                        </m:sSubPr>
+                        <m:e>
+                          <m:r>
+                            <a:rPr lang="en-US" i="1">
+                              <a:latin typeface="Cambria Math" panose="02040503050406030204" pitchFamily="18" charset="0"/>
+                              <a:ea typeface="Cambria Math" panose="02040503050406030204" pitchFamily="18" charset="0"/>
+                            </a:rPr>
+                            <m:t>𝑥</m:t>
+                          </m:r>
+                        </m:e>
+                        <m:sub>
+                          <m:r>
+                            <a:rPr lang="en-US" b="0" i="1" smtClean="0">
+                              <a:latin typeface="Cambria Math" panose="02040503050406030204" pitchFamily="18" charset="0"/>
+                              <a:ea typeface="Cambria Math" panose="02040503050406030204" pitchFamily="18" charset="0"/>
+                            </a:rPr>
+                            <m:t>2</m:t>
+                          </m:r>
+                        </m:sub>
+                      </m:sSub>
+                      <m:sSub>
+                        <m:sSubPr>
+                          <m:ctrlPr>
+                            <a:rPr lang="en-US" i="1">
+                              <a:latin typeface="Cambria Math" panose="02040503050406030204" pitchFamily="18" charset="0"/>
+                              <a:ea typeface="Cambria Math" panose="02040503050406030204" pitchFamily="18" charset="0"/>
+                            </a:rPr>
+                          </m:ctrlPr>
+                        </m:sSubPr>
+                        <m:e>
+                          <m:r>
+                            <a:rPr lang="en-US" i="1">
+                              <a:latin typeface="Cambria Math" panose="02040503050406030204" pitchFamily="18" charset="0"/>
+                              <a:ea typeface="Cambria Math" panose="02040503050406030204" pitchFamily="18" charset="0"/>
+                            </a:rPr>
+                            <m:t>𝑉</m:t>
+                          </m:r>
+                        </m:e>
+                        <m:sub>
+                          <m:r>
+                            <a:rPr lang="en-US" b="0" i="1" smtClean="0">
+                              <a:latin typeface="Cambria Math" panose="02040503050406030204" pitchFamily="18" charset="0"/>
+                              <a:ea typeface="Cambria Math" panose="02040503050406030204" pitchFamily="18" charset="0"/>
+                            </a:rPr>
+                            <m:t>2</m:t>
+                          </m:r>
+                        </m:sub>
+                      </m:sSub>
+                      <m:r>
+                        <a:rPr lang="en-US" b="0" i="1" smtClean="0">
+                          <a:latin typeface="Cambria Math" panose="02040503050406030204" pitchFamily="18" charset="0"/>
+                          <a:ea typeface="Cambria Math" panose="02040503050406030204" pitchFamily="18" charset="0"/>
+                        </a:rPr>
+                        <m:t>)</m:t>
+                      </m:r>
+                    </m:oMath>
+                  </m:oMathPara>
+                </a14:m>
+                <a:endParaRPr lang="en-US" dirty="0"/>
+              </a:p>
+            </p:txBody>
+          </p:sp>
+        </mc:Choice>
+        <mc:Fallback>
+          <p:sp>
+            <p:nvSpPr>
+              <p:cNvPr id="11" name="TextBox 10">
+                <a:extLst>
+                  <a:ext uri="{FF2B5EF4-FFF2-40B4-BE49-F238E27FC236}">
+                    <a16:creationId xmlns:a16="http://schemas.microsoft.com/office/drawing/2014/main" id="{C22B6E0E-9A6E-D705-CAE1-CD3F5F232E99}"/>
+                  </a:ext>
+                </a:extLst>
+              </p:cNvPr>
+              <p:cNvSpPr txBox="1">
+                <a:spLocks noRot="1" noChangeAspect="1" noMove="1" noResize="1" noEditPoints="1" noAdjustHandles="1" noChangeArrowheads="1" noChangeShapeType="1" noTextEdit="1"/>
+              </p:cNvSpPr>
+              <p:nvPr/>
+            </p:nvSpPr>
+            <p:spPr>
+              <a:xfrm>
+                <a:off x="2624666" y="4174066"/>
+                <a:ext cx="3057119" cy="276999"/>
+              </a:xfrm>
+              <a:prstGeom prst="rect">
+                <a:avLst/>
+              </a:prstGeom>
+              <a:blipFill>
+                <a:blip r:embed="rId4"/>
+                <a:stretch>
+                  <a:fillRect l="-798" t="-4444" r="-1796" b="-35556"/>
+                </a:stretch>
+              </a:blipFill>
+            </p:spPr>
+            <p:txBody>
+              <a:bodyPr/>
+              <a:lstStyle/>
+              <a:p>
+                <a:r>
+                  <a:rPr lang="en-US">
+                    <a:noFill/>
+                  </a:rPr>
+                  <a:t> </a:t>
+                </a:r>
+              </a:p>
+            </p:txBody>
+          </p:sp>
+        </mc:Fallback>
+      </mc:AlternateContent>
+      <p:sp>
+        <p:nvSpPr>
+          <p:cNvPr id="12" name="TextBox 11">
+            <a:extLst>
+              <a:ext uri="{FF2B5EF4-FFF2-40B4-BE49-F238E27FC236}">
+                <a16:creationId xmlns:a16="http://schemas.microsoft.com/office/drawing/2014/main" id="{E6E08B08-6B26-379D-58F9-645CD8C8C90A}"/>
+              </a:ext>
+            </a:extLst>
+          </p:cNvPr>
+          <p:cNvSpPr txBox="1"/>
+          <p:nvPr/>
+        </p:nvSpPr>
+        <p:spPr>
+          <a:xfrm>
+            <a:off x="1926035" y="3527735"/>
+            <a:ext cx="4487332" cy="646331"/>
+          </a:xfrm>
+          <a:prstGeom prst="rect">
+            <a:avLst/>
+          </a:prstGeom>
+          <a:noFill/>
+        </p:spPr>
+        <p:txBody>
+          <a:bodyPr wrap="square" rtlCol="0">
+            <a:spAutoFit/>
+          </a:bodyPr>
+          <a:lstStyle/>
+          <a:p>
+            <a:pPr algn="ctr"/>
+            <a:r>
+              <a:rPr lang="en-US" dirty="0"/>
+              <a:t>Intensive form for the difference between the actual volume and predicted volume</a:t>
+            </a:r>
+          </a:p>
+        </p:txBody>
+      </p:sp>
+      <mc:AlternateContent xmlns:mc="http://schemas.openxmlformats.org/markup-compatibility/2006">
+        <mc:Choice xmlns:a14="http://schemas.microsoft.com/office/drawing/2010/main" Requires="a14">
+          <p:sp>
+            <p:nvSpPr>
+              <p:cNvPr id="13" name="TextBox 12">
+                <a:extLst>
+                  <a:ext uri="{FF2B5EF4-FFF2-40B4-BE49-F238E27FC236}">
+                    <a16:creationId xmlns:a16="http://schemas.microsoft.com/office/drawing/2014/main" id="{14889C4D-05BE-3DD8-14D1-372AEE442A63}"/>
+                  </a:ext>
+                </a:extLst>
+              </p:cNvPr>
+              <p:cNvSpPr txBox="1"/>
+              <p:nvPr/>
+            </p:nvSpPr>
+            <p:spPr>
+              <a:xfrm>
+                <a:off x="696824" y="4556971"/>
+                <a:ext cx="7293150" cy="369332"/>
+              </a:xfrm>
+              <a:prstGeom prst="rect">
+                <a:avLst/>
+              </a:prstGeom>
+              <a:noFill/>
+            </p:spPr>
+            <p:txBody>
+              <a:bodyPr wrap="none" rtlCol="0">
+                <a:spAutoFit/>
+              </a:bodyPr>
+              <a:lstStyle/>
+              <a:p>
+                <a14:m>
+                  <m:oMath xmlns:m="http://schemas.openxmlformats.org/officeDocument/2006/math">
+                    <m:r>
+                      <a:rPr lang="en-US" i="1" smtClean="0">
+                        <a:latin typeface="Cambria Math" panose="02040503050406030204" pitchFamily="18" charset="0"/>
+                        <a:ea typeface="Cambria Math" panose="02040503050406030204" pitchFamily="18" charset="0"/>
+                      </a:rPr>
+                      <m:t>∆</m:t>
+                    </m:r>
+                    <m:sSub>
+                      <m:sSubPr>
+                        <m:ctrlPr>
+                          <a:rPr lang="en-US" i="1" smtClean="0">
+                            <a:latin typeface="Cambria Math" panose="02040503050406030204" pitchFamily="18" charset="0"/>
+                            <a:ea typeface="Cambria Math" panose="02040503050406030204" pitchFamily="18" charset="0"/>
+                          </a:rPr>
+                        </m:ctrlPr>
+                      </m:sSubPr>
+                      <m:e>
+                        <m:r>
+                          <a:rPr lang="en-US" b="0" i="1" smtClean="0">
+                            <a:latin typeface="Cambria Math" panose="02040503050406030204" pitchFamily="18" charset="0"/>
+                            <a:ea typeface="Cambria Math" panose="02040503050406030204" pitchFamily="18" charset="0"/>
+                          </a:rPr>
+                          <m:t>𝑉</m:t>
+                        </m:r>
+                      </m:e>
+                      <m:sub>
+                        <m:r>
+                          <a:rPr lang="en-US" b="0" i="1" smtClean="0">
+                            <a:latin typeface="Cambria Math" panose="02040503050406030204" pitchFamily="18" charset="0"/>
+                            <a:ea typeface="Cambria Math" panose="02040503050406030204" pitchFamily="18" charset="0"/>
+                          </a:rPr>
+                          <m:t>𝑚𝑖𝑥</m:t>
+                        </m:r>
+                      </m:sub>
+                    </m:sSub>
+                    <m:r>
+                      <a:rPr lang="en-US" b="0" i="0" smtClean="0">
+                        <a:latin typeface="Cambria Math" panose="02040503050406030204" pitchFamily="18" charset="0"/>
+                        <a:ea typeface="Cambria Math" panose="02040503050406030204" pitchFamily="18" charset="0"/>
+                      </a:rPr>
+                      <m:t>=0</m:t>
+                    </m:r>
+                  </m:oMath>
+                </a14:m>
+                <a:r>
+                  <a:rPr lang="en-US" dirty="0"/>
+                  <a:t>: ideal solution, </a:t>
+                </a:r>
+                <a14:m>
+                  <m:oMath xmlns:m="http://schemas.openxmlformats.org/officeDocument/2006/math">
+                    <m:r>
+                      <a:rPr lang="en-US" i="1">
+                        <a:latin typeface="Cambria Math" panose="02040503050406030204" pitchFamily="18" charset="0"/>
+                        <a:ea typeface="Cambria Math" panose="02040503050406030204" pitchFamily="18" charset="0"/>
+                      </a:rPr>
+                      <m:t>∆</m:t>
+                    </m:r>
+                    <m:sSub>
+                      <m:sSubPr>
+                        <m:ctrlPr>
+                          <a:rPr lang="en-US" i="1">
+                            <a:latin typeface="Cambria Math" panose="02040503050406030204" pitchFamily="18" charset="0"/>
+                            <a:ea typeface="Cambria Math" panose="02040503050406030204" pitchFamily="18" charset="0"/>
+                          </a:rPr>
+                        </m:ctrlPr>
+                      </m:sSubPr>
+                      <m:e>
+                        <m:r>
+                          <a:rPr lang="en-US" i="1">
+                            <a:latin typeface="Cambria Math" panose="02040503050406030204" pitchFamily="18" charset="0"/>
+                            <a:ea typeface="Cambria Math" panose="02040503050406030204" pitchFamily="18" charset="0"/>
+                          </a:rPr>
+                          <m:t>𝑉</m:t>
+                        </m:r>
+                      </m:e>
+                      <m:sub>
+                        <m:r>
+                          <a:rPr lang="en-US" i="1">
+                            <a:latin typeface="Cambria Math" panose="02040503050406030204" pitchFamily="18" charset="0"/>
+                            <a:ea typeface="Cambria Math" panose="02040503050406030204" pitchFamily="18" charset="0"/>
+                          </a:rPr>
+                          <m:t>𝑚𝑖𝑥</m:t>
+                        </m:r>
+                      </m:sub>
+                    </m:sSub>
+                    <m:r>
+                      <a:rPr lang="en-US" i="1" smtClean="0">
+                        <a:latin typeface="Cambria Math" panose="02040503050406030204" pitchFamily="18" charset="0"/>
+                        <a:ea typeface="Cambria Math" panose="02040503050406030204" pitchFamily="18" charset="0"/>
+                      </a:rPr>
+                      <m:t>&lt;</m:t>
+                    </m:r>
+                    <m:r>
+                      <a:rPr lang="en-US" b="0" i="1" smtClean="0">
+                        <a:latin typeface="Cambria Math" panose="02040503050406030204" pitchFamily="18" charset="0"/>
+                        <a:ea typeface="Cambria Math" panose="02040503050406030204" pitchFamily="18" charset="0"/>
+                      </a:rPr>
+                      <m:t>0</m:t>
+                    </m:r>
+                  </m:oMath>
+                </a14:m>
+                <a:r>
+                  <a:rPr lang="en-US" dirty="0"/>
+                  <a:t>: contraction, </a:t>
+                </a:r>
+                <a14:m>
+                  <m:oMath xmlns:m="http://schemas.openxmlformats.org/officeDocument/2006/math">
+                    <m:r>
+                      <a:rPr lang="en-US" i="1">
+                        <a:latin typeface="Cambria Math" panose="02040503050406030204" pitchFamily="18" charset="0"/>
+                        <a:ea typeface="Cambria Math" panose="02040503050406030204" pitchFamily="18" charset="0"/>
+                      </a:rPr>
+                      <m:t>∆</m:t>
+                    </m:r>
+                    <m:sSub>
+                      <m:sSubPr>
+                        <m:ctrlPr>
+                          <a:rPr lang="en-US" i="1">
+                            <a:latin typeface="Cambria Math" panose="02040503050406030204" pitchFamily="18" charset="0"/>
+                            <a:ea typeface="Cambria Math" panose="02040503050406030204" pitchFamily="18" charset="0"/>
+                          </a:rPr>
+                        </m:ctrlPr>
+                      </m:sSubPr>
+                      <m:e>
+                        <m:r>
+                          <a:rPr lang="en-US" i="1">
+                            <a:latin typeface="Cambria Math" panose="02040503050406030204" pitchFamily="18" charset="0"/>
+                            <a:ea typeface="Cambria Math" panose="02040503050406030204" pitchFamily="18" charset="0"/>
+                          </a:rPr>
+                          <m:t>𝑉</m:t>
+                        </m:r>
+                      </m:e>
+                      <m:sub>
+                        <m:r>
+                          <a:rPr lang="en-US" i="1">
+                            <a:latin typeface="Cambria Math" panose="02040503050406030204" pitchFamily="18" charset="0"/>
+                            <a:ea typeface="Cambria Math" panose="02040503050406030204" pitchFamily="18" charset="0"/>
+                          </a:rPr>
+                          <m:t>𝑚𝑖𝑥</m:t>
+                        </m:r>
+                      </m:sub>
+                    </m:sSub>
+                    <m:r>
+                      <a:rPr lang="en-US" i="1" smtClean="0">
+                        <a:latin typeface="Cambria Math" panose="02040503050406030204" pitchFamily="18" charset="0"/>
+                        <a:ea typeface="Cambria Math" panose="02040503050406030204" pitchFamily="18" charset="0"/>
+                      </a:rPr>
+                      <m:t>&gt;</m:t>
+                    </m:r>
+                    <m:r>
+                      <a:rPr lang="en-US" b="0" i="1" smtClean="0">
+                        <a:latin typeface="Cambria Math" panose="02040503050406030204" pitchFamily="18" charset="0"/>
+                        <a:ea typeface="Cambria Math" panose="02040503050406030204" pitchFamily="18" charset="0"/>
+                      </a:rPr>
+                      <m:t>0</m:t>
+                    </m:r>
+                  </m:oMath>
+                </a14:m>
+                <a:r>
+                  <a:rPr lang="en-US" dirty="0"/>
+                  <a:t>: expansion</a:t>
+                </a:r>
+              </a:p>
+            </p:txBody>
+          </p:sp>
+        </mc:Choice>
+        <mc:Fallback>
+          <p:sp>
+            <p:nvSpPr>
+              <p:cNvPr id="13" name="TextBox 12">
+                <a:extLst>
+                  <a:ext uri="{FF2B5EF4-FFF2-40B4-BE49-F238E27FC236}">
+                    <a16:creationId xmlns:a16="http://schemas.microsoft.com/office/drawing/2014/main" id="{14889C4D-05BE-3DD8-14D1-372AEE442A63}"/>
+                  </a:ext>
+                </a:extLst>
+              </p:cNvPr>
+              <p:cNvSpPr txBox="1">
+                <a:spLocks noRot="1" noChangeAspect="1" noMove="1" noResize="1" noEditPoints="1" noAdjustHandles="1" noChangeArrowheads="1" noChangeShapeType="1" noTextEdit="1"/>
+              </p:cNvSpPr>
+              <p:nvPr/>
+            </p:nvSpPr>
+            <p:spPr>
+              <a:xfrm>
+                <a:off x="696824" y="4556971"/>
+                <a:ext cx="7293150" cy="369332"/>
+              </a:xfrm>
+              <a:prstGeom prst="rect">
+                <a:avLst/>
+              </a:prstGeom>
+              <a:blipFill>
+                <a:blip r:embed="rId5"/>
+                <a:stretch>
+                  <a:fillRect t="-8333" b="-28333"/>
+                </a:stretch>
+              </a:blipFill>
+            </p:spPr>
+            <p:txBody>
+              <a:bodyPr/>
+              <a:lstStyle/>
+              <a:p>
+                <a:r>
+                  <a:rPr lang="en-US">
+                    <a:noFill/>
+                  </a:rPr>
+                  <a:t> </a:t>
+                </a:r>
+              </a:p>
+            </p:txBody>
+          </p:sp>
+        </mc:Fallback>
+      </mc:AlternateContent>
+      <p:sp>
+        <p:nvSpPr>
+          <p:cNvPr id="14" name="TextBox 13">
+            <a:extLst>
+              <a:ext uri="{FF2B5EF4-FFF2-40B4-BE49-F238E27FC236}">
+                <a16:creationId xmlns:a16="http://schemas.microsoft.com/office/drawing/2014/main" id="{39C502B1-46ED-642B-09C1-65CD873F823F}"/>
+              </a:ext>
+            </a:extLst>
+          </p:cNvPr>
+          <p:cNvSpPr txBox="1"/>
+          <p:nvPr/>
+        </p:nvSpPr>
+        <p:spPr>
+          <a:xfrm>
+            <a:off x="3346719" y="5216875"/>
+            <a:ext cx="1216487" cy="369332"/>
+          </a:xfrm>
+          <a:prstGeom prst="rect">
+            <a:avLst/>
+          </a:prstGeom>
+          <a:noFill/>
+        </p:spPr>
+        <p:txBody>
+          <a:bodyPr wrap="none" rtlCol="0">
+            <a:spAutoFit/>
+          </a:bodyPr>
+          <a:lstStyle/>
+          <a:p>
+            <a:r>
+              <a:rPr lang="en-US" dirty="0"/>
+              <a:t>In general,</a:t>
+            </a:r>
+          </a:p>
+        </p:txBody>
+      </p:sp>
+      <mc:AlternateContent xmlns:mc="http://schemas.openxmlformats.org/markup-compatibility/2006">
+        <mc:Choice xmlns:a14="http://schemas.microsoft.com/office/drawing/2010/main" Requires="a14">
+          <p:sp>
+            <p:nvSpPr>
+              <p:cNvPr id="15" name="TextBox 14">
+                <a:extLst>
+                  <a:ext uri="{FF2B5EF4-FFF2-40B4-BE49-F238E27FC236}">
+                    <a16:creationId xmlns:a16="http://schemas.microsoft.com/office/drawing/2014/main" id="{041DB7E5-355A-996E-6CF0-347AB00637F0}"/>
+                  </a:ext>
+                </a:extLst>
+              </p:cNvPr>
+              <p:cNvSpPr txBox="1"/>
+              <p:nvPr/>
+            </p:nvSpPr>
+            <p:spPr>
+              <a:xfrm>
+                <a:off x="2816830" y="5550547"/>
+                <a:ext cx="2276264" cy="672235"/>
+              </a:xfrm>
+              <a:prstGeom prst="rect">
+                <a:avLst/>
+              </a:prstGeom>
+              <a:noFill/>
+            </p:spPr>
+            <p:txBody>
+              <a:bodyPr wrap="none" lIns="0" tIns="0" rIns="0" bIns="0" rtlCol="0">
+                <a:spAutoFit/>
+              </a:bodyPr>
+              <a:lstStyle/>
+              <a:p>
+                <a14:m>
+                  <m:oMathPara xmlns:m="http://schemas.openxmlformats.org/officeDocument/2006/math">
+                    <m:oMathParaPr>
+                      <m:jc m:val="centerGroup"/>
+                    </m:oMathParaPr>
+                    <m:oMath xmlns:m="http://schemas.openxmlformats.org/officeDocument/2006/math">
+                      <m:r>
+                        <a:rPr lang="en-US" i="1" smtClean="0">
+                          <a:latin typeface="Cambria Math" panose="02040503050406030204" pitchFamily="18" charset="0"/>
+                          <a:ea typeface="Cambria Math" panose="02040503050406030204" pitchFamily="18" charset="0"/>
+                        </a:rPr>
+                        <m:t>∆</m:t>
+                      </m:r>
+                      <m:sSub>
+                        <m:sSubPr>
+                          <m:ctrlPr>
+                            <a:rPr lang="en-US" i="1" smtClean="0">
+                              <a:latin typeface="Cambria Math" panose="02040503050406030204" pitchFamily="18" charset="0"/>
+                              <a:ea typeface="Cambria Math" panose="02040503050406030204" pitchFamily="18" charset="0"/>
+                            </a:rPr>
+                          </m:ctrlPr>
+                        </m:sSubPr>
+                        <m:e>
+                          <m:r>
+                            <a:rPr lang="en-US" b="0" i="1" smtClean="0">
+                              <a:latin typeface="Cambria Math" panose="02040503050406030204" pitchFamily="18" charset="0"/>
+                              <a:ea typeface="Cambria Math" panose="02040503050406030204" pitchFamily="18" charset="0"/>
+                            </a:rPr>
+                            <m:t>𝑀</m:t>
+                          </m:r>
+                        </m:e>
+                        <m:sub>
+                          <m:r>
+                            <a:rPr lang="en-US" b="0" i="1" smtClean="0">
+                              <a:latin typeface="Cambria Math" panose="02040503050406030204" pitchFamily="18" charset="0"/>
+                              <a:ea typeface="Cambria Math" panose="02040503050406030204" pitchFamily="18" charset="0"/>
+                            </a:rPr>
+                            <m:t>𝑚𝑖𝑥</m:t>
+                          </m:r>
+                        </m:sub>
+                      </m:sSub>
+                      <m:r>
+                        <a:rPr lang="en-US" b="0" i="1" smtClean="0">
+                          <a:latin typeface="Cambria Math" panose="02040503050406030204" pitchFamily="18" charset="0"/>
+                          <a:ea typeface="Cambria Math" panose="02040503050406030204" pitchFamily="18" charset="0"/>
+                        </a:rPr>
+                        <m:t>=</m:t>
+                      </m:r>
+                      <m:r>
+                        <a:rPr lang="en-US" b="0" i="1" smtClean="0">
+                          <a:latin typeface="Cambria Math" panose="02040503050406030204" pitchFamily="18" charset="0"/>
+                          <a:ea typeface="Cambria Math" panose="02040503050406030204" pitchFamily="18" charset="0"/>
+                        </a:rPr>
+                        <m:t>𝑀</m:t>
+                      </m:r>
+                      <m:r>
+                        <a:rPr lang="en-US" b="0" i="1" smtClean="0">
+                          <a:latin typeface="Cambria Math" panose="02040503050406030204" pitchFamily="18" charset="0"/>
+                          <a:ea typeface="Cambria Math" panose="02040503050406030204" pitchFamily="18" charset="0"/>
+                        </a:rPr>
+                        <m:t>−</m:t>
+                      </m:r>
+                      <m:nary>
+                        <m:naryPr>
+                          <m:chr m:val="∑"/>
+                          <m:supHide m:val="on"/>
+                          <m:ctrlPr>
+                            <a:rPr lang="en-US" b="0" i="1" smtClean="0">
+                              <a:latin typeface="Cambria Math" panose="02040503050406030204" pitchFamily="18" charset="0"/>
+                              <a:ea typeface="Cambria Math" panose="02040503050406030204" pitchFamily="18" charset="0"/>
+                            </a:rPr>
+                          </m:ctrlPr>
+                        </m:naryPr>
+                        <m:sub>
+                          <m:r>
+                            <m:rPr>
+                              <m:brk m:alnAt="7"/>
+                            </m:rPr>
+                            <a:rPr lang="en-US" b="0" i="1" smtClean="0">
+                              <a:latin typeface="Cambria Math" panose="02040503050406030204" pitchFamily="18" charset="0"/>
+                              <a:ea typeface="Cambria Math" panose="02040503050406030204" pitchFamily="18" charset="0"/>
+                            </a:rPr>
+                            <m:t>𝑖</m:t>
+                          </m:r>
+                        </m:sub>
+                        <m:sup/>
+                        <m:e>
+                          <m:sSub>
+                            <m:sSubPr>
+                              <m:ctrlPr>
+                                <a:rPr lang="en-US" b="0" i="1" smtClean="0">
+                                  <a:latin typeface="Cambria Math" panose="02040503050406030204" pitchFamily="18" charset="0"/>
+                                  <a:ea typeface="Cambria Math" panose="02040503050406030204" pitchFamily="18" charset="0"/>
+                                </a:rPr>
+                              </m:ctrlPr>
+                            </m:sSubPr>
+                            <m:e>
+                              <m:r>
+                                <a:rPr lang="en-US" b="0" i="1" smtClean="0">
+                                  <a:latin typeface="Cambria Math" panose="02040503050406030204" pitchFamily="18" charset="0"/>
+                                  <a:ea typeface="Cambria Math" panose="02040503050406030204" pitchFamily="18" charset="0"/>
+                                </a:rPr>
+                                <m:t>𝑥</m:t>
+                              </m:r>
+                            </m:e>
+                            <m:sub>
+                              <m:r>
+                                <a:rPr lang="en-US" b="0" i="1" smtClean="0">
+                                  <a:latin typeface="Cambria Math" panose="02040503050406030204" pitchFamily="18" charset="0"/>
+                                  <a:ea typeface="Cambria Math" panose="02040503050406030204" pitchFamily="18" charset="0"/>
+                                </a:rPr>
+                                <m:t>𝑖</m:t>
+                              </m:r>
+                            </m:sub>
+                          </m:sSub>
+                          <m:sSub>
+                            <m:sSubPr>
+                              <m:ctrlPr>
+                                <a:rPr lang="en-US" b="0" i="1" smtClean="0">
+                                  <a:latin typeface="Cambria Math" panose="02040503050406030204" pitchFamily="18" charset="0"/>
+                                  <a:ea typeface="Cambria Math" panose="02040503050406030204" pitchFamily="18" charset="0"/>
+                                </a:rPr>
+                              </m:ctrlPr>
+                            </m:sSubPr>
+                            <m:e>
+                              <m:r>
+                                <a:rPr lang="en-US" b="0" i="1" smtClean="0">
+                                  <a:latin typeface="Cambria Math" panose="02040503050406030204" pitchFamily="18" charset="0"/>
+                                  <a:ea typeface="Cambria Math" panose="02040503050406030204" pitchFamily="18" charset="0"/>
+                                </a:rPr>
+                                <m:t>𝑀</m:t>
+                              </m:r>
+                            </m:e>
+                            <m:sub>
+                              <m:r>
+                                <a:rPr lang="en-US" b="0" i="1" smtClean="0">
+                                  <a:latin typeface="Cambria Math" panose="02040503050406030204" pitchFamily="18" charset="0"/>
+                                  <a:ea typeface="Cambria Math" panose="02040503050406030204" pitchFamily="18" charset="0"/>
+                                </a:rPr>
+                                <m:t>𝑖</m:t>
+                              </m:r>
+                            </m:sub>
+                          </m:sSub>
+                        </m:e>
+                      </m:nary>
+                    </m:oMath>
+                  </m:oMathPara>
+                </a14:m>
+                <a:endParaRPr lang="en-US" dirty="0"/>
+              </a:p>
+            </p:txBody>
+          </p:sp>
+        </mc:Choice>
+        <mc:Fallback>
+          <p:sp>
+            <p:nvSpPr>
+              <p:cNvPr id="15" name="TextBox 14">
+                <a:extLst>
+                  <a:ext uri="{FF2B5EF4-FFF2-40B4-BE49-F238E27FC236}">
+                    <a16:creationId xmlns:a16="http://schemas.microsoft.com/office/drawing/2014/main" id="{041DB7E5-355A-996E-6CF0-347AB00637F0}"/>
+                  </a:ext>
+                </a:extLst>
+              </p:cNvPr>
+              <p:cNvSpPr txBox="1">
+                <a:spLocks noRot="1" noChangeAspect="1" noMove="1" noResize="1" noEditPoints="1" noAdjustHandles="1" noChangeArrowheads="1" noChangeShapeType="1" noTextEdit="1"/>
+              </p:cNvSpPr>
+              <p:nvPr/>
+            </p:nvSpPr>
+            <p:spPr>
+              <a:xfrm>
+                <a:off x="2816830" y="5550547"/>
+                <a:ext cx="2276264" cy="672235"/>
+              </a:xfrm>
+              <a:prstGeom prst="rect">
+                <a:avLst/>
+              </a:prstGeom>
+              <a:blipFill>
+                <a:blip r:embed="rId6"/>
+                <a:stretch>
+                  <a:fillRect/>
+                </a:stretch>
+              </a:blipFill>
+            </p:spPr>
+            <p:txBody>
+              <a:bodyPr/>
+              <a:lstStyle/>
+              <a:p>
+                <a:r>
+                  <a:rPr lang="en-US">
+                    <a:noFill/>
+                  </a:rPr>
+                  <a:t> </a:t>
+                </a:r>
+              </a:p>
+            </p:txBody>
+          </p:sp>
+        </mc:Fallback>
+      </mc:AlternateContent>
+      <p:sp>
+        <p:nvSpPr>
+          <p:cNvPr id="16" name="TextBox 15">
+            <a:extLst>
+              <a:ext uri="{FF2B5EF4-FFF2-40B4-BE49-F238E27FC236}">
+                <a16:creationId xmlns:a16="http://schemas.microsoft.com/office/drawing/2014/main" id="{F95A6A07-1978-64A7-377B-45C4F81C6CB8}"/>
+              </a:ext>
+            </a:extLst>
+          </p:cNvPr>
+          <p:cNvSpPr txBox="1"/>
+          <p:nvPr/>
+        </p:nvSpPr>
+        <p:spPr>
+          <a:xfrm>
+            <a:off x="2460674" y="6187122"/>
+            <a:ext cx="2988575" cy="369332"/>
+          </a:xfrm>
+          <a:prstGeom prst="rect">
+            <a:avLst/>
+          </a:prstGeom>
+          <a:noFill/>
+        </p:spPr>
+        <p:txBody>
+          <a:bodyPr wrap="none" rtlCol="0">
+            <a:spAutoFit/>
+          </a:bodyPr>
+          <a:lstStyle/>
+          <a:p>
+            <a:r>
+              <a:rPr lang="en-US" dirty="0"/>
+              <a:t>Where M is V, S, U, H, A, or G</a:t>
+            </a:r>
+          </a:p>
+        </p:txBody>
+      </p:sp>
+      <mc:AlternateContent xmlns:mc="http://schemas.openxmlformats.org/markup-compatibility/2006">
+        <mc:Choice xmlns:a14="http://schemas.microsoft.com/office/drawing/2010/main" Requires="a14">
+          <p:sp>
+            <p:nvSpPr>
+              <p:cNvPr id="17" name="TextBox 16">
+                <a:extLst>
+                  <a:ext uri="{FF2B5EF4-FFF2-40B4-BE49-F238E27FC236}">
+                    <a16:creationId xmlns:a16="http://schemas.microsoft.com/office/drawing/2014/main" id="{C26851ED-9F59-F655-D1D7-A9D2EC72428F}"/>
+                  </a:ext>
+                </a:extLst>
+              </p:cNvPr>
+              <p:cNvSpPr txBox="1"/>
+              <p:nvPr/>
+            </p:nvSpPr>
+            <p:spPr>
+              <a:xfrm>
+                <a:off x="1632753" y="6827387"/>
+                <a:ext cx="5421292" cy="378245"/>
+              </a:xfrm>
+              <a:prstGeom prst="rect">
+                <a:avLst/>
+              </a:prstGeom>
+              <a:noFill/>
+            </p:spPr>
+            <p:txBody>
+              <a:bodyPr wrap="none" rtlCol="0">
+                <a:spAutoFit/>
+              </a:bodyPr>
+              <a:lstStyle/>
+              <a:p>
+                <a:r>
+                  <a:rPr lang="en-US" dirty="0"/>
+                  <a:t>If we define</a:t>
+                </a:r>
+                <a:r>
+                  <a:rPr lang="en-US" dirty="0">
+                    <a:ea typeface="Cambria Math" panose="02040503050406030204" pitchFamily="18" charset="0"/>
+                  </a:rPr>
+                  <a:t> </a:t>
+                </a:r>
+                <a14:m>
+                  <m:oMath xmlns:m="http://schemas.openxmlformats.org/officeDocument/2006/math">
+                    <m:r>
+                      <a:rPr lang="en-US" i="1" smtClean="0">
+                        <a:latin typeface="Cambria Math" panose="02040503050406030204" pitchFamily="18" charset="0"/>
+                        <a:ea typeface="Cambria Math" panose="02040503050406030204" pitchFamily="18" charset="0"/>
+                      </a:rPr>
+                      <m:t>∆</m:t>
+                    </m:r>
+                    <m:sSub>
+                      <m:sSubPr>
+                        <m:ctrlPr>
+                          <a:rPr lang="en-US" i="1" smtClean="0">
+                            <a:latin typeface="Cambria Math" panose="02040503050406030204" pitchFamily="18" charset="0"/>
+                            <a:ea typeface="Cambria Math" panose="02040503050406030204" pitchFamily="18" charset="0"/>
+                          </a:rPr>
+                        </m:ctrlPr>
+                      </m:sSubPr>
+                      <m:e>
+                        <m:r>
+                          <a:rPr lang="en-US" b="0" i="1" smtClean="0">
+                            <a:latin typeface="Cambria Math" panose="02040503050406030204" pitchFamily="18" charset="0"/>
+                            <a:ea typeface="Cambria Math" panose="02040503050406030204" pitchFamily="18" charset="0"/>
+                          </a:rPr>
+                          <m:t>𝑀</m:t>
+                        </m:r>
+                      </m:e>
+                      <m:sub>
+                        <m:r>
+                          <a:rPr lang="en-US" b="0" i="1" smtClean="0">
+                            <a:latin typeface="Cambria Math" panose="02040503050406030204" pitchFamily="18" charset="0"/>
+                            <a:ea typeface="Cambria Math" panose="02040503050406030204" pitchFamily="18" charset="0"/>
+                          </a:rPr>
+                          <m:t>𝑚𝑖𝑥</m:t>
+                        </m:r>
+                      </m:sub>
+                    </m:sSub>
+                  </m:oMath>
+                </a14:m>
+                <a:r>
+                  <a:rPr lang="en-US" dirty="0"/>
+                  <a:t> as </a:t>
+                </a:r>
+                <a14:m>
+                  <m:oMath xmlns:m="http://schemas.openxmlformats.org/officeDocument/2006/math">
+                    <m:sSup>
+                      <m:sSupPr>
+                        <m:ctrlPr>
+                          <a:rPr lang="en-US" i="1" smtClean="0">
+                            <a:latin typeface="Cambria Math" panose="02040503050406030204" pitchFamily="18" charset="0"/>
+                          </a:rPr>
+                        </m:ctrlPr>
+                      </m:sSupPr>
+                      <m:e>
+                        <m:r>
+                          <a:rPr lang="en-US" b="0" i="1" smtClean="0">
+                            <a:latin typeface="Cambria Math" panose="02040503050406030204" pitchFamily="18" charset="0"/>
+                          </a:rPr>
+                          <m:t>𝑀</m:t>
+                        </m:r>
+                      </m:e>
+                      <m:sup>
+                        <m:r>
+                          <a:rPr lang="en-US" b="0" i="1" smtClean="0">
+                            <a:latin typeface="Cambria Math" panose="02040503050406030204" pitchFamily="18" charset="0"/>
+                          </a:rPr>
+                          <m:t>𝐸</m:t>
+                        </m:r>
+                      </m:sup>
+                    </m:sSup>
+                  </m:oMath>
+                </a14:m>
+                <a:r>
+                  <a:rPr lang="en-US" dirty="0"/>
+                  <a:t> and</a:t>
+                </a:r>
+                <a:r>
+                  <a:rPr lang="en-US" dirty="0">
+                    <a:ea typeface="Cambria Math" panose="02040503050406030204" pitchFamily="18" charset="0"/>
+                  </a:rPr>
+                  <a:t> </a:t>
+                </a:r>
+                <a14:m>
+                  <m:oMath xmlns:m="http://schemas.openxmlformats.org/officeDocument/2006/math">
+                    <m:nary>
+                      <m:naryPr>
+                        <m:chr m:val="∑"/>
+                        <m:supHide m:val="on"/>
+                        <m:ctrlPr>
+                          <a:rPr lang="en-US" i="1">
+                            <a:latin typeface="Cambria Math" panose="02040503050406030204" pitchFamily="18" charset="0"/>
+                            <a:ea typeface="Cambria Math" panose="02040503050406030204" pitchFamily="18" charset="0"/>
+                          </a:rPr>
+                        </m:ctrlPr>
+                      </m:naryPr>
+                      <m:sub>
+                        <m:r>
+                          <m:rPr>
+                            <m:brk m:alnAt="7"/>
+                          </m:rPr>
+                          <a:rPr lang="en-US" i="1">
+                            <a:latin typeface="Cambria Math" panose="02040503050406030204" pitchFamily="18" charset="0"/>
+                            <a:ea typeface="Cambria Math" panose="02040503050406030204" pitchFamily="18" charset="0"/>
+                          </a:rPr>
+                          <m:t>𝑖</m:t>
+                        </m:r>
+                      </m:sub>
+                      <m:sup/>
+                      <m:e>
+                        <m:sSub>
+                          <m:sSubPr>
+                            <m:ctrlPr>
+                              <a:rPr lang="en-US" i="1">
+                                <a:latin typeface="Cambria Math" panose="02040503050406030204" pitchFamily="18" charset="0"/>
+                                <a:ea typeface="Cambria Math" panose="02040503050406030204" pitchFamily="18" charset="0"/>
+                              </a:rPr>
+                            </m:ctrlPr>
+                          </m:sSubPr>
+                          <m:e>
+                            <m:r>
+                              <a:rPr lang="en-US" i="1">
+                                <a:latin typeface="Cambria Math" panose="02040503050406030204" pitchFamily="18" charset="0"/>
+                                <a:ea typeface="Cambria Math" panose="02040503050406030204" pitchFamily="18" charset="0"/>
+                              </a:rPr>
+                              <m:t>𝑥</m:t>
+                            </m:r>
+                          </m:e>
+                          <m:sub>
+                            <m:r>
+                              <a:rPr lang="en-US" i="1">
+                                <a:latin typeface="Cambria Math" panose="02040503050406030204" pitchFamily="18" charset="0"/>
+                                <a:ea typeface="Cambria Math" panose="02040503050406030204" pitchFamily="18" charset="0"/>
+                              </a:rPr>
+                              <m:t>𝑖</m:t>
+                            </m:r>
+                          </m:sub>
+                        </m:sSub>
+                        <m:sSub>
+                          <m:sSubPr>
+                            <m:ctrlPr>
+                              <a:rPr lang="en-US" i="1">
+                                <a:latin typeface="Cambria Math" panose="02040503050406030204" pitchFamily="18" charset="0"/>
+                                <a:ea typeface="Cambria Math" panose="02040503050406030204" pitchFamily="18" charset="0"/>
+                              </a:rPr>
+                            </m:ctrlPr>
+                          </m:sSubPr>
+                          <m:e>
+                            <m:r>
+                              <a:rPr lang="en-US" i="1">
+                                <a:latin typeface="Cambria Math" panose="02040503050406030204" pitchFamily="18" charset="0"/>
+                                <a:ea typeface="Cambria Math" panose="02040503050406030204" pitchFamily="18" charset="0"/>
+                              </a:rPr>
+                              <m:t>𝑀</m:t>
+                            </m:r>
+                          </m:e>
+                          <m:sub>
+                            <m:r>
+                              <a:rPr lang="en-US" i="1">
+                                <a:latin typeface="Cambria Math" panose="02040503050406030204" pitchFamily="18" charset="0"/>
+                                <a:ea typeface="Cambria Math" panose="02040503050406030204" pitchFamily="18" charset="0"/>
+                              </a:rPr>
+                              <m:t>𝑖</m:t>
+                            </m:r>
+                          </m:sub>
+                        </m:sSub>
+                      </m:e>
+                    </m:nary>
+                  </m:oMath>
+                </a14:m>
+                <a:r>
+                  <a:rPr lang="en-US" dirty="0"/>
+                  <a:t> as </a:t>
+                </a:r>
+                <a14:m>
+                  <m:oMath xmlns:m="http://schemas.openxmlformats.org/officeDocument/2006/math">
+                    <m:sSup>
+                      <m:sSupPr>
+                        <m:ctrlPr>
+                          <a:rPr lang="en-US" i="1" dirty="0" smtClean="0">
+                            <a:latin typeface="Cambria Math" panose="02040503050406030204" pitchFamily="18" charset="0"/>
+                          </a:rPr>
+                        </m:ctrlPr>
+                      </m:sSupPr>
+                      <m:e>
+                        <m:r>
+                          <a:rPr lang="en-US" b="0" i="1" dirty="0" smtClean="0">
+                            <a:latin typeface="Cambria Math" panose="02040503050406030204" pitchFamily="18" charset="0"/>
+                          </a:rPr>
+                          <m:t>𝑀</m:t>
+                        </m:r>
+                      </m:e>
+                      <m:sup>
+                        <m:r>
+                          <a:rPr lang="en-US" b="0" i="1" dirty="0" smtClean="0">
+                            <a:latin typeface="Cambria Math" panose="02040503050406030204" pitchFamily="18" charset="0"/>
+                          </a:rPr>
+                          <m:t>𝑖𝑑</m:t>
+                        </m:r>
+                      </m:sup>
+                    </m:sSup>
+                  </m:oMath>
+                </a14:m>
+                <a:r>
+                  <a:rPr lang="en-US" dirty="0"/>
+                  <a:t>, we get </a:t>
+                </a:r>
+              </a:p>
+            </p:txBody>
+          </p:sp>
+        </mc:Choice>
+        <mc:Fallback>
+          <p:sp>
+            <p:nvSpPr>
+              <p:cNvPr id="17" name="TextBox 16">
+                <a:extLst>
+                  <a:ext uri="{FF2B5EF4-FFF2-40B4-BE49-F238E27FC236}">
+                    <a16:creationId xmlns:a16="http://schemas.microsoft.com/office/drawing/2014/main" id="{C26851ED-9F59-F655-D1D7-A9D2EC72428F}"/>
+                  </a:ext>
+                </a:extLst>
+              </p:cNvPr>
+              <p:cNvSpPr txBox="1">
+                <a:spLocks noRot="1" noChangeAspect="1" noMove="1" noResize="1" noEditPoints="1" noAdjustHandles="1" noChangeArrowheads="1" noChangeShapeType="1" noTextEdit="1"/>
+              </p:cNvSpPr>
+              <p:nvPr/>
+            </p:nvSpPr>
+            <p:spPr>
+              <a:xfrm>
+                <a:off x="1632753" y="6827387"/>
+                <a:ext cx="5421292" cy="378245"/>
+              </a:xfrm>
+              <a:prstGeom prst="rect">
+                <a:avLst/>
+              </a:prstGeom>
+              <a:blipFill>
+                <a:blip r:embed="rId7"/>
+                <a:stretch>
+                  <a:fillRect l="-1012" t="-114516" b="-182258"/>
+                </a:stretch>
+              </a:blipFill>
+            </p:spPr>
+            <p:txBody>
+              <a:bodyPr/>
+              <a:lstStyle/>
+              <a:p>
+                <a:r>
+                  <a:rPr lang="en-US">
+                    <a:noFill/>
+                  </a:rPr>
+                  <a:t> </a:t>
+                </a:r>
+              </a:p>
+            </p:txBody>
+          </p:sp>
+        </mc:Fallback>
+      </mc:AlternateContent>
+      <mc:AlternateContent xmlns:mc="http://schemas.openxmlformats.org/markup-compatibility/2006">
+        <mc:Choice xmlns:a14="http://schemas.microsoft.com/office/drawing/2010/main" Requires="a14">
+          <p:sp>
+            <p:nvSpPr>
+              <p:cNvPr id="18" name="TextBox 17">
+                <a:extLst>
+                  <a:ext uri="{FF2B5EF4-FFF2-40B4-BE49-F238E27FC236}">
+                    <a16:creationId xmlns:a16="http://schemas.microsoft.com/office/drawing/2014/main" id="{64E484C1-4C40-5F15-AEA6-881D1FE4CC29}"/>
+                  </a:ext>
+                </a:extLst>
+              </p:cNvPr>
+              <p:cNvSpPr txBox="1"/>
+              <p:nvPr/>
+            </p:nvSpPr>
+            <p:spPr>
+              <a:xfrm>
+                <a:off x="3186417" y="7321006"/>
+                <a:ext cx="1537087" cy="285912"/>
+              </a:xfrm>
+              <a:prstGeom prst="rect">
+                <a:avLst/>
+              </a:prstGeom>
+              <a:noFill/>
+            </p:spPr>
+            <p:txBody>
+              <a:bodyPr wrap="none" lIns="0" tIns="0" rIns="0" bIns="0" rtlCol="0">
+                <a:spAutoFit/>
+              </a:bodyPr>
+              <a:lstStyle/>
+              <a:p>
+                <a14:m>
+                  <m:oMathPara xmlns:m="http://schemas.openxmlformats.org/officeDocument/2006/math">
+                    <m:oMathParaPr>
+                      <m:jc m:val="centerGroup"/>
+                    </m:oMathParaPr>
+                    <m:oMath xmlns:m="http://schemas.openxmlformats.org/officeDocument/2006/math">
+                      <m:sSup>
+                        <m:sSupPr>
+                          <m:ctrlPr>
+                            <a:rPr lang="en-US" b="0" i="1" smtClean="0">
+                              <a:latin typeface="Cambria Math" panose="02040503050406030204" pitchFamily="18" charset="0"/>
+                              <a:ea typeface="Cambria Math" panose="02040503050406030204" pitchFamily="18" charset="0"/>
+                            </a:rPr>
+                          </m:ctrlPr>
+                        </m:sSupPr>
+                        <m:e>
+                          <m:r>
+                            <a:rPr lang="en-US" b="0" i="1" smtClean="0">
+                              <a:latin typeface="Cambria Math" panose="02040503050406030204" pitchFamily="18" charset="0"/>
+                              <a:ea typeface="Cambria Math" panose="02040503050406030204" pitchFamily="18" charset="0"/>
+                            </a:rPr>
+                            <m:t>𝑀</m:t>
+                          </m:r>
+                        </m:e>
+                        <m:sup>
+                          <m:r>
+                            <a:rPr lang="en-US" b="0" i="1" smtClean="0">
+                              <a:latin typeface="Cambria Math" panose="02040503050406030204" pitchFamily="18" charset="0"/>
+                              <a:ea typeface="Cambria Math" panose="02040503050406030204" pitchFamily="18" charset="0"/>
+                            </a:rPr>
+                            <m:t>𝐸</m:t>
+                          </m:r>
+                        </m:sup>
+                      </m:sSup>
+                      <m:r>
+                        <a:rPr lang="en-US" b="0" i="1" smtClean="0">
+                          <a:latin typeface="Cambria Math" panose="02040503050406030204" pitchFamily="18" charset="0"/>
+                          <a:ea typeface="Cambria Math" panose="02040503050406030204" pitchFamily="18" charset="0"/>
+                        </a:rPr>
+                        <m:t>=</m:t>
+                      </m:r>
+                      <m:r>
+                        <a:rPr lang="en-US" b="0" i="1" smtClean="0">
+                          <a:latin typeface="Cambria Math" panose="02040503050406030204" pitchFamily="18" charset="0"/>
+                          <a:ea typeface="Cambria Math" panose="02040503050406030204" pitchFamily="18" charset="0"/>
+                        </a:rPr>
+                        <m:t>𝑀</m:t>
+                      </m:r>
+                      <m:r>
+                        <a:rPr lang="en-US" b="0" i="1" smtClean="0">
+                          <a:latin typeface="Cambria Math" panose="02040503050406030204" pitchFamily="18" charset="0"/>
+                          <a:ea typeface="Cambria Math" panose="02040503050406030204" pitchFamily="18" charset="0"/>
+                        </a:rPr>
+                        <m:t>−</m:t>
+                      </m:r>
+                      <m:sSup>
+                        <m:sSupPr>
+                          <m:ctrlPr>
+                            <a:rPr lang="en-US" b="0" i="1" smtClean="0">
+                              <a:latin typeface="Cambria Math" panose="02040503050406030204" pitchFamily="18" charset="0"/>
+                              <a:ea typeface="Cambria Math" panose="02040503050406030204" pitchFamily="18" charset="0"/>
+                            </a:rPr>
+                          </m:ctrlPr>
+                        </m:sSupPr>
+                        <m:e>
+                          <m:r>
+                            <a:rPr lang="en-US" b="0" i="1" smtClean="0">
+                              <a:latin typeface="Cambria Math" panose="02040503050406030204" pitchFamily="18" charset="0"/>
+                              <a:ea typeface="Cambria Math" panose="02040503050406030204" pitchFamily="18" charset="0"/>
+                            </a:rPr>
+                            <m:t>𝑀</m:t>
+                          </m:r>
+                        </m:e>
+                        <m:sup>
+                          <m:r>
+                            <a:rPr lang="en-US" b="0" i="1" smtClean="0">
+                              <a:latin typeface="Cambria Math" panose="02040503050406030204" pitchFamily="18" charset="0"/>
+                              <a:ea typeface="Cambria Math" panose="02040503050406030204" pitchFamily="18" charset="0"/>
+                            </a:rPr>
+                            <m:t>𝑖𝑑</m:t>
+                          </m:r>
+                        </m:sup>
+                      </m:sSup>
+                    </m:oMath>
+                  </m:oMathPara>
+                </a14:m>
+                <a:endParaRPr lang="en-US" dirty="0"/>
+              </a:p>
+            </p:txBody>
+          </p:sp>
+        </mc:Choice>
+        <mc:Fallback>
+          <p:sp>
+            <p:nvSpPr>
+              <p:cNvPr id="18" name="TextBox 17">
+                <a:extLst>
+                  <a:ext uri="{FF2B5EF4-FFF2-40B4-BE49-F238E27FC236}">
+                    <a16:creationId xmlns:a16="http://schemas.microsoft.com/office/drawing/2014/main" id="{64E484C1-4C40-5F15-AEA6-881D1FE4CC29}"/>
+                  </a:ext>
+                </a:extLst>
+              </p:cNvPr>
+              <p:cNvSpPr txBox="1">
+                <a:spLocks noRot="1" noChangeAspect="1" noMove="1" noResize="1" noEditPoints="1" noAdjustHandles="1" noChangeArrowheads="1" noChangeShapeType="1" noTextEdit="1"/>
+              </p:cNvSpPr>
+              <p:nvPr/>
+            </p:nvSpPr>
+            <p:spPr>
+              <a:xfrm>
+                <a:off x="3186417" y="7321006"/>
+                <a:ext cx="1537087" cy="285912"/>
+              </a:xfrm>
+              <a:prstGeom prst="rect">
+                <a:avLst/>
+              </a:prstGeom>
+              <a:blipFill>
+                <a:blip r:embed="rId8"/>
+                <a:stretch>
+                  <a:fillRect l="-3571" t="-6383" r="-1587" b="-6383"/>
+                </a:stretch>
+              </a:blipFill>
+            </p:spPr>
+            <p:txBody>
+              <a:bodyPr/>
+              <a:lstStyle/>
+              <a:p>
+                <a:r>
+                  <a:rPr lang="en-US">
+                    <a:noFill/>
+                  </a:rPr>
+                  <a:t> </a:t>
+                </a:r>
+              </a:p>
+            </p:txBody>
+          </p:sp>
+        </mc:Fallback>
+      </mc:AlternateContent>
+      <mc:AlternateContent xmlns:mc="http://schemas.openxmlformats.org/markup-compatibility/2006">
+        <mc:Choice xmlns:a14="http://schemas.microsoft.com/office/drawing/2010/main" Requires="a14">
+          <p:sp>
+            <p:nvSpPr>
+              <p:cNvPr id="19" name="TextBox 18">
+                <a:extLst>
+                  <a:ext uri="{FF2B5EF4-FFF2-40B4-BE49-F238E27FC236}">
+                    <a16:creationId xmlns:a16="http://schemas.microsoft.com/office/drawing/2014/main" id="{3C7B050A-D10A-2DC3-41DC-F052C4B0AD8F}"/>
+                  </a:ext>
+                </a:extLst>
+              </p:cNvPr>
+              <p:cNvSpPr txBox="1"/>
+              <p:nvPr/>
+            </p:nvSpPr>
+            <p:spPr>
+              <a:xfrm>
+                <a:off x="2660015" y="7692277"/>
+                <a:ext cx="2664704" cy="369332"/>
+              </a:xfrm>
+              <a:prstGeom prst="rect">
+                <a:avLst/>
+              </a:prstGeom>
+              <a:noFill/>
+            </p:spPr>
+            <p:txBody>
+              <a:bodyPr wrap="none" rtlCol="0">
+                <a:spAutoFit/>
+              </a:bodyPr>
+              <a:lstStyle/>
+              <a:p>
+                <a14:m>
+                  <m:oMath xmlns:m="http://schemas.openxmlformats.org/officeDocument/2006/math">
+                    <m:sSup>
+                      <m:sSupPr>
+                        <m:ctrlPr>
+                          <a:rPr lang="en-US" b="0" i="1" smtClean="0">
+                            <a:latin typeface="Cambria Math" panose="02040503050406030204" pitchFamily="18" charset="0"/>
+                            <a:ea typeface="Cambria Math" panose="02040503050406030204" pitchFamily="18" charset="0"/>
+                          </a:rPr>
+                        </m:ctrlPr>
+                      </m:sSupPr>
+                      <m:e>
+                        <m:r>
+                          <a:rPr lang="en-US" b="0" i="1" smtClean="0">
+                            <a:latin typeface="Cambria Math" panose="02040503050406030204" pitchFamily="18" charset="0"/>
+                            <a:ea typeface="Cambria Math" panose="02040503050406030204" pitchFamily="18" charset="0"/>
+                          </a:rPr>
+                          <m:t>𝑀</m:t>
+                        </m:r>
+                      </m:e>
+                      <m:sup>
+                        <m:r>
+                          <a:rPr lang="en-US" b="0" i="1" smtClean="0">
+                            <a:latin typeface="Cambria Math" panose="02040503050406030204" pitchFamily="18" charset="0"/>
+                            <a:ea typeface="Cambria Math" panose="02040503050406030204" pitchFamily="18" charset="0"/>
+                          </a:rPr>
+                          <m:t>𝐸</m:t>
+                        </m:r>
+                      </m:sup>
+                    </m:sSup>
+                  </m:oMath>
+                </a14:m>
+                <a:r>
+                  <a:rPr lang="en-US" dirty="0"/>
+                  <a:t>is the excess property</a:t>
+                </a:r>
+              </a:p>
+            </p:txBody>
+          </p:sp>
+        </mc:Choice>
+        <mc:Fallback>
+          <p:sp>
+            <p:nvSpPr>
+              <p:cNvPr id="19" name="TextBox 18">
+                <a:extLst>
+                  <a:ext uri="{FF2B5EF4-FFF2-40B4-BE49-F238E27FC236}">
+                    <a16:creationId xmlns:a16="http://schemas.microsoft.com/office/drawing/2014/main" id="{3C7B050A-D10A-2DC3-41DC-F052C4B0AD8F}"/>
+                  </a:ext>
+                </a:extLst>
+              </p:cNvPr>
+              <p:cNvSpPr txBox="1">
+                <a:spLocks noRot="1" noChangeAspect="1" noMove="1" noResize="1" noEditPoints="1" noAdjustHandles="1" noChangeArrowheads="1" noChangeShapeType="1" noTextEdit="1"/>
+              </p:cNvSpPr>
+              <p:nvPr/>
+            </p:nvSpPr>
+            <p:spPr>
+              <a:xfrm>
+                <a:off x="2660015" y="7692277"/>
+                <a:ext cx="2664704" cy="369332"/>
+              </a:xfrm>
+              <a:prstGeom prst="rect">
+                <a:avLst/>
+              </a:prstGeom>
+              <a:blipFill>
+                <a:blip r:embed="rId9"/>
+                <a:stretch>
+                  <a:fillRect t="-8333" r="-1373" b="-28333"/>
+                </a:stretch>
+              </a:blipFill>
+            </p:spPr>
+            <p:txBody>
+              <a:bodyPr/>
+              <a:lstStyle/>
+              <a:p>
+                <a:r>
+                  <a:rPr lang="en-US">
+                    <a:noFill/>
+                  </a:rPr>
+                  <a:t> </a:t>
+                </a:r>
+              </a:p>
+            </p:txBody>
+          </p:sp>
+        </mc:Fallback>
+      </mc:AlternateContent>
+      <p:sp>
+        <p:nvSpPr>
+          <p:cNvPr id="20" name="TextBox 19">
+            <a:extLst>
+              <a:ext uri="{FF2B5EF4-FFF2-40B4-BE49-F238E27FC236}">
+                <a16:creationId xmlns:a16="http://schemas.microsoft.com/office/drawing/2014/main" id="{8127D85D-1466-5F5B-C4D1-CC4BED3496F7}"/>
+              </a:ext>
+            </a:extLst>
+          </p:cNvPr>
+          <p:cNvSpPr txBox="1"/>
+          <p:nvPr/>
+        </p:nvSpPr>
+        <p:spPr>
+          <a:xfrm>
+            <a:off x="0" y="8262340"/>
+            <a:ext cx="8263929" cy="2031325"/>
+          </a:xfrm>
+          <a:prstGeom prst="rect">
+            <a:avLst/>
+          </a:prstGeom>
+          <a:noFill/>
+        </p:spPr>
+        <p:txBody>
+          <a:bodyPr wrap="none" rtlCol="0">
+            <a:spAutoFit/>
+          </a:bodyPr>
+          <a:lstStyle/>
+          <a:p>
+            <a:r>
+              <a:rPr lang="en-US" dirty="0"/>
+              <a:t>For entropy we need to add another term</a:t>
+            </a:r>
+          </a:p>
+          <a:p>
+            <a:pPr marL="285750" indent="-285750">
+              <a:buFont typeface="Arial" panose="020B0604020202020204" pitchFamily="34" charset="0"/>
+              <a:buChar char="•"/>
+            </a:pPr>
+            <a:r>
+              <a:rPr lang="en-US" dirty="0"/>
+              <a:t>This is because adding 2 of the same species together will increase the entropy</a:t>
+            </a:r>
+          </a:p>
+          <a:p>
+            <a:pPr marL="285750" indent="-285750">
+              <a:buFont typeface="Arial" panose="020B0604020202020204" pitchFamily="34" charset="0"/>
+              <a:buChar char="•"/>
+            </a:pPr>
+            <a:endParaRPr lang="en-US" dirty="0"/>
+          </a:p>
+          <a:p>
+            <a:pPr marL="285750" indent="-285750">
+              <a:buFont typeface="Arial" panose="020B0604020202020204" pitchFamily="34" charset="0"/>
+              <a:buChar char="•"/>
+            </a:pPr>
+            <a:endParaRPr lang="en-US" dirty="0"/>
+          </a:p>
+          <a:p>
+            <a:pPr marL="285750" indent="-285750">
+              <a:buFont typeface="Arial" panose="020B0604020202020204" pitchFamily="34" charset="0"/>
+              <a:buChar char="•"/>
+            </a:pPr>
+            <a:endParaRPr lang="en-US" dirty="0"/>
+          </a:p>
+          <a:p>
+            <a:pPr marL="285750" indent="-285750">
+              <a:buFont typeface="Arial" panose="020B0604020202020204" pitchFamily="34" charset="0"/>
+              <a:buChar char="•"/>
+            </a:pPr>
+            <a:endParaRPr lang="en-US" dirty="0"/>
+          </a:p>
+          <a:p>
+            <a:pPr marL="285750" indent="-285750">
+              <a:buFont typeface="Arial" panose="020B0604020202020204" pitchFamily="34" charset="0"/>
+              <a:buChar char="•"/>
+            </a:pPr>
+            <a:r>
+              <a:rPr lang="en-US" dirty="0"/>
+              <a:t>This applies to functions with entropy as well,</a:t>
+            </a:r>
+          </a:p>
+        </p:txBody>
+      </p:sp>
+      <mc:AlternateContent xmlns:mc="http://schemas.openxmlformats.org/markup-compatibility/2006">
+        <mc:Choice xmlns:a14="http://schemas.microsoft.com/office/drawing/2010/main" Requires="a14">
+          <p:sp>
+            <p:nvSpPr>
+              <p:cNvPr id="21" name="TextBox 20">
+                <a:extLst>
+                  <a:ext uri="{FF2B5EF4-FFF2-40B4-BE49-F238E27FC236}">
+                    <a16:creationId xmlns:a16="http://schemas.microsoft.com/office/drawing/2014/main" id="{6D74920E-9B56-2F3A-7087-BFA9011FB132}"/>
+                  </a:ext>
+                </a:extLst>
+              </p:cNvPr>
+              <p:cNvSpPr txBox="1"/>
+              <p:nvPr/>
+            </p:nvSpPr>
+            <p:spPr>
+              <a:xfrm>
+                <a:off x="2381573" y="9053797"/>
+                <a:ext cx="3221588" cy="676980"/>
+              </a:xfrm>
+              <a:prstGeom prst="rect">
+                <a:avLst/>
+              </a:prstGeom>
+              <a:noFill/>
+            </p:spPr>
+            <p:txBody>
+              <a:bodyPr wrap="none" lIns="0" tIns="0" rIns="0" bIns="0" rtlCol="0">
+                <a:spAutoFit/>
+              </a:bodyPr>
+              <a:lstStyle/>
+              <a:p>
+                <a14:m>
+                  <m:oMathPara xmlns:m="http://schemas.openxmlformats.org/officeDocument/2006/math">
+                    <m:oMathParaPr>
+                      <m:jc m:val="centerGroup"/>
+                    </m:oMathParaPr>
+                    <m:oMath xmlns:m="http://schemas.openxmlformats.org/officeDocument/2006/math">
+                      <m:sSup>
+                        <m:sSupPr>
+                          <m:ctrlPr>
+                            <a:rPr lang="en-US" b="0" i="1" smtClean="0">
+                              <a:latin typeface="Cambria Math" panose="02040503050406030204" pitchFamily="18" charset="0"/>
+                              <a:ea typeface="Cambria Math" panose="02040503050406030204" pitchFamily="18" charset="0"/>
+                            </a:rPr>
+                          </m:ctrlPr>
+                        </m:sSupPr>
+                        <m:e>
+                          <m:r>
+                            <a:rPr lang="en-US" b="0" i="1" smtClean="0">
+                              <a:latin typeface="Cambria Math" panose="02040503050406030204" pitchFamily="18" charset="0"/>
+                              <a:ea typeface="Cambria Math" panose="02040503050406030204" pitchFamily="18" charset="0"/>
+                            </a:rPr>
+                            <m:t>𝑆</m:t>
+                          </m:r>
+                        </m:e>
+                        <m:sup>
+                          <m:r>
+                            <a:rPr lang="en-US" b="0" i="1" smtClean="0">
+                              <a:latin typeface="Cambria Math" panose="02040503050406030204" pitchFamily="18" charset="0"/>
+                              <a:ea typeface="Cambria Math" panose="02040503050406030204" pitchFamily="18" charset="0"/>
+                            </a:rPr>
+                            <m:t>𝐸</m:t>
+                          </m:r>
+                        </m:sup>
+                      </m:sSup>
+                      <m:r>
+                        <a:rPr lang="en-US" b="0" i="1" smtClean="0">
+                          <a:latin typeface="Cambria Math" panose="02040503050406030204" pitchFamily="18" charset="0"/>
+                          <a:ea typeface="Cambria Math" panose="02040503050406030204" pitchFamily="18" charset="0"/>
+                        </a:rPr>
+                        <m:t>=</m:t>
+                      </m:r>
+                      <m:r>
+                        <a:rPr lang="en-US" b="0" i="1" smtClean="0">
+                          <a:latin typeface="Cambria Math" panose="02040503050406030204" pitchFamily="18" charset="0"/>
+                          <a:ea typeface="Cambria Math" panose="02040503050406030204" pitchFamily="18" charset="0"/>
+                        </a:rPr>
+                        <m:t>𝑆</m:t>
+                      </m:r>
+                      <m:r>
+                        <a:rPr lang="en-US" b="0" i="1" smtClean="0">
+                          <a:latin typeface="Cambria Math" panose="02040503050406030204" pitchFamily="18" charset="0"/>
+                          <a:ea typeface="Cambria Math" panose="02040503050406030204" pitchFamily="18" charset="0"/>
+                        </a:rPr>
+                        <m:t>−</m:t>
+                      </m:r>
+                      <m:nary>
+                        <m:naryPr>
+                          <m:chr m:val="∑"/>
+                          <m:supHide m:val="on"/>
+                          <m:ctrlPr>
+                            <a:rPr lang="en-US" b="0" i="1" smtClean="0">
+                              <a:latin typeface="Cambria Math" panose="02040503050406030204" pitchFamily="18" charset="0"/>
+                              <a:ea typeface="Cambria Math" panose="02040503050406030204" pitchFamily="18" charset="0"/>
+                            </a:rPr>
+                          </m:ctrlPr>
+                        </m:naryPr>
+                        <m:sub>
+                          <m:r>
+                            <m:rPr>
+                              <m:brk m:alnAt="7"/>
+                            </m:rPr>
+                            <a:rPr lang="en-US" b="0" i="1" smtClean="0">
+                              <a:latin typeface="Cambria Math" panose="02040503050406030204" pitchFamily="18" charset="0"/>
+                              <a:ea typeface="Cambria Math" panose="02040503050406030204" pitchFamily="18" charset="0"/>
+                            </a:rPr>
+                            <m:t>𝑖</m:t>
+                          </m:r>
+                        </m:sub>
+                        <m:sup/>
+                        <m:e>
+                          <m:sSub>
+                            <m:sSubPr>
+                              <m:ctrlPr>
+                                <a:rPr lang="en-US" b="0" i="1" smtClean="0">
+                                  <a:latin typeface="Cambria Math" panose="02040503050406030204" pitchFamily="18" charset="0"/>
+                                  <a:ea typeface="Cambria Math" panose="02040503050406030204" pitchFamily="18" charset="0"/>
+                                </a:rPr>
+                              </m:ctrlPr>
+                            </m:sSubPr>
+                            <m:e>
+                              <m:r>
+                                <a:rPr lang="en-US" b="0" i="1" smtClean="0">
+                                  <a:latin typeface="Cambria Math" panose="02040503050406030204" pitchFamily="18" charset="0"/>
+                                  <a:ea typeface="Cambria Math" panose="02040503050406030204" pitchFamily="18" charset="0"/>
+                                </a:rPr>
+                                <m:t>𝑥</m:t>
+                              </m:r>
+                            </m:e>
+                            <m:sub>
+                              <m:r>
+                                <a:rPr lang="en-US" b="0" i="1" smtClean="0">
+                                  <a:latin typeface="Cambria Math" panose="02040503050406030204" pitchFamily="18" charset="0"/>
+                                  <a:ea typeface="Cambria Math" panose="02040503050406030204" pitchFamily="18" charset="0"/>
+                                </a:rPr>
+                                <m:t>𝑖</m:t>
+                              </m:r>
+                            </m:sub>
+                          </m:sSub>
+                          <m:sSub>
+                            <m:sSubPr>
+                              <m:ctrlPr>
+                                <a:rPr lang="en-US" i="1">
+                                  <a:latin typeface="Cambria Math" panose="02040503050406030204" pitchFamily="18" charset="0"/>
+                                  <a:ea typeface="Cambria Math" panose="02040503050406030204" pitchFamily="18" charset="0"/>
+                                </a:rPr>
+                              </m:ctrlPr>
+                            </m:sSubPr>
+                            <m:e>
+                              <m:r>
+                                <a:rPr lang="en-US" b="0" i="1" smtClean="0">
+                                  <a:latin typeface="Cambria Math" panose="02040503050406030204" pitchFamily="18" charset="0"/>
+                                  <a:ea typeface="Cambria Math" panose="02040503050406030204" pitchFamily="18" charset="0"/>
+                                </a:rPr>
+                                <m:t>𝑆</m:t>
+                              </m:r>
+                            </m:e>
+                            <m:sub>
+                              <m:r>
+                                <a:rPr lang="en-US" i="1">
+                                  <a:latin typeface="Cambria Math" panose="02040503050406030204" pitchFamily="18" charset="0"/>
+                                  <a:ea typeface="Cambria Math" panose="02040503050406030204" pitchFamily="18" charset="0"/>
+                                </a:rPr>
+                                <m:t>𝑖</m:t>
+                              </m:r>
+                            </m:sub>
+                          </m:sSub>
+                        </m:e>
+                      </m:nary>
+                      <m:r>
+                        <a:rPr lang="en-US" b="0" i="1" smtClean="0">
+                          <a:latin typeface="Cambria Math" panose="02040503050406030204" pitchFamily="18" charset="0"/>
+                          <a:ea typeface="Cambria Math" panose="02040503050406030204" pitchFamily="18" charset="0"/>
+                        </a:rPr>
+                        <m:t>+</m:t>
+                      </m:r>
+                      <m:r>
+                        <a:rPr lang="en-US" b="0" i="1" smtClean="0">
+                          <a:latin typeface="Cambria Math" panose="02040503050406030204" pitchFamily="18" charset="0"/>
+                          <a:ea typeface="Cambria Math" panose="02040503050406030204" pitchFamily="18" charset="0"/>
+                        </a:rPr>
+                        <m:t>𝑅</m:t>
+                      </m:r>
+                      <m:nary>
+                        <m:naryPr>
+                          <m:chr m:val="∑"/>
+                          <m:supHide m:val="on"/>
+                          <m:ctrlPr>
+                            <a:rPr lang="en-US" b="0" i="1" smtClean="0">
+                              <a:latin typeface="Cambria Math" panose="02040503050406030204" pitchFamily="18" charset="0"/>
+                              <a:ea typeface="Cambria Math" panose="02040503050406030204" pitchFamily="18" charset="0"/>
+                            </a:rPr>
+                          </m:ctrlPr>
+                        </m:naryPr>
+                        <m:sub>
+                          <m:r>
+                            <m:rPr>
+                              <m:brk m:alnAt="7"/>
+                            </m:rPr>
+                            <a:rPr lang="en-US" b="0" i="1" smtClean="0">
+                              <a:latin typeface="Cambria Math" panose="02040503050406030204" pitchFamily="18" charset="0"/>
+                              <a:ea typeface="Cambria Math" panose="02040503050406030204" pitchFamily="18" charset="0"/>
+                            </a:rPr>
+                            <m:t>𝑖</m:t>
+                          </m:r>
+                        </m:sub>
+                        <m:sup/>
+                        <m:e>
+                          <m:sSub>
+                            <m:sSubPr>
+                              <m:ctrlPr>
+                                <a:rPr lang="en-US" i="1">
+                                  <a:latin typeface="Cambria Math" panose="02040503050406030204" pitchFamily="18" charset="0"/>
+                                  <a:ea typeface="Cambria Math" panose="02040503050406030204" pitchFamily="18" charset="0"/>
+                                </a:rPr>
+                              </m:ctrlPr>
+                            </m:sSubPr>
+                            <m:e>
+                              <m:r>
+                                <a:rPr lang="en-US" i="1">
+                                  <a:latin typeface="Cambria Math" panose="02040503050406030204" pitchFamily="18" charset="0"/>
+                                  <a:ea typeface="Cambria Math" panose="02040503050406030204" pitchFamily="18" charset="0"/>
+                                </a:rPr>
+                                <m:t>𝑥</m:t>
+                              </m:r>
+                            </m:e>
+                            <m:sub>
+                              <m:r>
+                                <a:rPr lang="en-US" i="1">
+                                  <a:latin typeface="Cambria Math" panose="02040503050406030204" pitchFamily="18" charset="0"/>
+                                  <a:ea typeface="Cambria Math" panose="02040503050406030204" pitchFamily="18" charset="0"/>
+                                </a:rPr>
+                                <m:t>𝑖</m:t>
+                              </m:r>
+                            </m:sub>
+                          </m:sSub>
+                          <m:func>
+                            <m:funcPr>
+                              <m:ctrlPr>
+                                <a:rPr lang="en-US" i="1" smtClean="0">
+                                  <a:latin typeface="Cambria Math" panose="02040503050406030204" pitchFamily="18" charset="0"/>
+                                  <a:ea typeface="Cambria Math" panose="02040503050406030204" pitchFamily="18" charset="0"/>
+                                </a:rPr>
+                              </m:ctrlPr>
+                            </m:funcPr>
+                            <m:fName>
+                              <m:r>
+                                <m:rPr>
+                                  <m:sty m:val="p"/>
+                                </m:rPr>
+                                <a:rPr lang="en-US" i="0" smtClean="0">
+                                  <a:latin typeface="Cambria Math" panose="02040503050406030204" pitchFamily="18" charset="0"/>
+                                  <a:ea typeface="Cambria Math" panose="02040503050406030204" pitchFamily="18" charset="0"/>
+                                </a:rPr>
+                                <m:t>ln</m:t>
+                              </m:r>
+                            </m:fName>
+                            <m:e>
+                              <m:sSub>
+                                <m:sSubPr>
+                                  <m:ctrlPr>
+                                    <a:rPr lang="en-US" i="1">
+                                      <a:latin typeface="Cambria Math" panose="02040503050406030204" pitchFamily="18" charset="0"/>
+                                      <a:ea typeface="Cambria Math" panose="02040503050406030204" pitchFamily="18" charset="0"/>
+                                    </a:rPr>
+                                  </m:ctrlPr>
+                                </m:sSubPr>
+                                <m:e>
+                                  <m:r>
+                                    <a:rPr lang="en-US" i="1">
+                                      <a:latin typeface="Cambria Math" panose="02040503050406030204" pitchFamily="18" charset="0"/>
+                                      <a:ea typeface="Cambria Math" panose="02040503050406030204" pitchFamily="18" charset="0"/>
+                                    </a:rPr>
+                                    <m:t>𝑥</m:t>
+                                  </m:r>
+                                </m:e>
+                                <m:sub>
+                                  <m:r>
+                                    <a:rPr lang="en-US" i="1">
+                                      <a:latin typeface="Cambria Math" panose="02040503050406030204" pitchFamily="18" charset="0"/>
+                                      <a:ea typeface="Cambria Math" panose="02040503050406030204" pitchFamily="18" charset="0"/>
+                                    </a:rPr>
+                                    <m:t>𝑖</m:t>
+                                  </m:r>
+                                </m:sub>
+                              </m:sSub>
+                            </m:e>
+                          </m:func>
+                        </m:e>
+                      </m:nary>
+                    </m:oMath>
+                  </m:oMathPara>
+                </a14:m>
+                <a:endParaRPr lang="en-US" dirty="0"/>
+              </a:p>
+            </p:txBody>
+          </p:sp>
+        </mc:Choice>
+        <mc:Fallback>
+          <p:sp>
+            <p:nvSpPr>
+              <p:cNvPr id="21" name="TextBox 20">
+                <a:extLst>
+                  <a:ext uri="{FF2B5EF4-FFF2-40B4-BE49-F238E27FC236}">
+                    <a16:creationId xmlns:a16="http://schemas.microsoft.com/office/drawing/2014/main" id="{6D74920E-9B56-2F3A-7087-BFA9011FB132}"/>
+                  </a:ext>
+                </a:extLst>
+              </p:cNvPr>
+              <p:cNvSpPr txBox="1">
+                <a:spLocks noRot="1" noChangeAspect="1" noMove="1" noResize="1" noEditPoints="1" noAdjustHandles="1" noChangeArrowheads="1" noChangeShapeType="1" noTextEdit="1"/>
+              </p:cNvSpPr>
+              <p:nvPr/>
+            </p:nvSpPr>
+            <p:spPr>
+              <a:xfrm>
+                <a:off x="2381573" y="9053797"/>
+                <a:ext cx="3221588" cy="676980"/>
+              </a:xfrm>
+              <a:prstGeom prst="rect">
+                <a:avLst/>
+              </a:prstGeom>
+              <a:blipFill>
+                <a:blip r:embed="rId10"/>
+                <a:stretch>
+                  <a:fillRect/>
+                </a:stretch>
+              </a:blipFill>
+            </p:spPr>
+            <p:txBody>
+              <a:bodyPr/>
+              <a:lstStyle/>
+              <a:p>
+                <a:r>
+                  <a:rPr lang="en-US">
+                    <a:noFill/>
+                  </a:rPr>
+                  <a:t> </a:t>
+                </a:r>
+              </a:p>
+            </p:txBody>
+          </p:sp>
+        </mc:Fallback>
+      </mc:AlternateContent>
+      <mc:AlternateContent xmlns:mc="http://schemas.openxmlformats.org/markup-compatibility/2006">
+        <mc:Choice xmlns:a14="http://schemas.microsoft.com/office/drawing/2010/main" Requires="a14">
+          <p:sp>
+            <p:nvSpPr>
+              <p:cNvPr id="22" name="TextBox 21">
+                <a:extLst>
+                  <a:ext uri="{FF2B5EF4-FFF2-40B4-BE49-F238E27FC236}">
+                    <a16:creationId xmlns:a16="http://schemas.microsoft.com/office/drawing/2014/main" id="{D9B2E535-DC1E-4467-4385-A86E55B3A39E}"/>
+                  </a:ext>
+                </a:extLst>
+              </p:cNvPr>
+              <p:cNvSpPr txBox="1"/>
+              <p:nvPr/>
+            </p:nvSpPr>
+            <p:spPr>
+              <a:xfrm>
+                <a:off x="2242215" y="10301611"/>
+                <a:ext cx="3425490" cy="672235"/>
+              </a:xfrm>
+              <a:prstGeom prst="rect">
+                <a:avLst/>
+              </a:prstGeom>
+              <a:noFill/>
+            </p:spPr>
+            <p:txBody>
+              <a:bodyPr wrap="none" lIns="0" tIns="0" rIns="0" bIns="0" rtlCol="0">
+                <a:spAutoFit/>
+              </a:bodyPr>
+              <a:lstStyle/>
+              <a:p>
+                <a14:m>
+                  <m:oMathPara xmlns:m="http://schemas.openxmlformats.org/officeDocument/2006/math">
+                    <m:oMathParaPr>
+                      <m:jc m:val="centerGroup"/>
+                    </m:oMathParaPr>
+                    <m:oMath xmlns:m="http://schemas.openxmlformats.org/officeDocument/2006/math">
+                      <m:sSup>
+                        <m:sSupPr>
+                          <m:ctrlPr>
+                            <a:rPr lang="en-US" b="0" i="1" smtClean="0">
+                              <a:latin typeface="Cambria Math" panose="02040503050406030204" pitchFamily="18" charset="0"/>
+                              <a:ea typeface="Cambria Math" panose="02040503050406030204" pitchFamily="18" charset="0"/>
+                            </a:rPr>
+                          </m:ctrlPr>
+                        </m:sSupPr>
+                        <m:e>
+                          <m:r>
+                            <a:rPr lang="en-US" b="0" i="1" smtClean="0">
+                              <a:latin typeface="Cambria Math" panose="02040503050406030204" pitchFamily="18" charset="0"/>
+                              <a:ea typeface="Cambria Math" panose="02040503050406030204" pitchFamily="18" charset="0"/>
+                            </a:rPr>
+                            <m:t>𝐺</m:t>
+                          </m:r>
+                        </m:e>
+                        <m:sup>
+                          <m:r>
+                            <a:rPr lang="en-US" b="0" i="1" smtClean="0">
+                              <a:latin typeface="Cambria Math" panose="02040503050406030204" pitchFamily="18" charset="0"/>
+                              <a:ea typeface="Cambria Math" panose="02040503050406030204" pitchFamily="18" charset="0"/>
+                            </a:rPr>
+                            <m:t>𝐸</m:t>
+                          </m:r>
+                        </m:sup>
+                      </m:sSup>
+                      <m:r>
+                        <a:rPr lang="en-US" b="0" i="1" smtClean="0">
+                          <a:latin typeface="Cambria Math" panose="02040503050406030204" pitchFamily="18" charset="0"/>
+                          <a:ea typeface="Cambria Math" panose="02040503050406030204" pitchFamily="18" charset="0"/>
+                        </a:rPr>
+                        <m:t>=</m:t>
+                      </m:r>
+                      <m:r>
+                        <a:rPr lang="en-US" b="0" i="1" smtClean="0">
+                          <a:latin typeface="Cambria Math" panose="02040503050406030204" pitchFamily="18" charset="0"/>
+                          <a:ea typeface="Cambria Math" panose="02040503050406030204" pitchFamily="18" charset="0"/>
+                        </a:rPr>
+                        <m:t>𝐺</m:t>
+                      </m:r>
+                      <m:r>
+                        <a:rPr lang="en-US" b="0" i="1" smtClean="0">
+                          <a:latin typeface="Cambria Math" panose="02040503050406030204" pitchFamily="18" charset="0"/>
+                          <a:ea typeface="Cambria Math" panose="02040503050406030204" pitchFamily="18" charset="0"/>
+                        </a:rPr>
+                        <m:t>−</m:t>
+                      </m:r>
+                      <m:nary>
+                        <m:naryPr>
+                          <m:chr m:val="∑"/>
+                          <m:supHide m:val="on"/>
+                          <m:ctrlPr>
+                            <a:rPr lang="en-US" b="0" i="1" smtClean="0">
+                              <a:latin typeface="Cambria Math" panose="02040503050406030204" pitchFamily="18" charset="0"/>
+                              <a:ea typeface="Cambria Math" panose="02040503050406030204" pitchFamily="18" charset="0"/>
+                            </a:rPr>
+                          </m:ctrlPr>
+                        </m:naryPr>
+                        <m:sub>
+                          <m:r>
+                            <m:rPr>
+                              <m:brk m:alnAt="7"/>
+                            </m:rPr>
+                            <a:rPr lang="en-US" b="0" i="1" smtClean="0">
+                              <a:latin typeface="Cambria Math" panose="02040503050406030204" pitchFamily="18" charset="0"/>
+                              <a:ea typeface="Cambria Math" panose="02040503050406030204" pitchFamily="18" charset="0"/>
+                            </a:rPr>
+                            <m:t>𝑖</m:t>
+                          </m:r>
+                        </m:sub>
+                        <m:sup/>
+                        <m:e>
+                          <m:sSub>
+                            <m:sSubPr>
+                              <m:ctrlPr>
+                                <a:rPr lang="en-US" b="0" i="1" smtClean="0">
+                                  <a:latin typeface="Cambria Math" panose="02040503050406030204" pitchFamily="18" charset="0"/>
+                                  <a:ea typeface="Cambria Math" panose="02040503050406030204" pitchFamily="18" charset="0"/>
+                                </a:rPr>
+                              </m:ctrlPr>
+                            </m:sSubPr>
+                            <m:e>
+                              <m:r>
+                                <a:rPr lang="en-US" b="0" i="1" smtClean="0">
+                                  <a:latin typeface="Cambria Math" panose="02040503050406030204" pitchFamily="18" charset="0"/>
+                                  <a:ea typeface="Cambria Math" panose="02040503050406030204" pitchFamily="18" charset="0"/>
+                                </a:rPr>
+                                <m:t>𝑥</m:t>
+                              </m:r>
+                            </m:e>
+                            <m:sub>
+                              <m:r>
+                                <a:rPr lang="en-US" b="0" i="1" smtClean="0">
+                                  <a:latin typeface="Cambria Math" panose="02040503050406030204" pitchFamily="18" charset="0"/>
+                                  <a:ea typeface="Cambria Math" panose="02040503050406030204" pitchFamily="18" charset="0"/>
+                                </a:rPr>
+                                <m:t>𝑖</m:t>
+                              </m:r>
+                            </m:sub>
+                          </m:sSub>
+                          <m:sSub>
+                            <m:sSubPr>
+                              <m:ctrlPr>
+                                <a:rPr lang="en-US" i="1">
+                                  <a:latin typeface="Cambria Math" panose="02040503050406030204" pitchFamily="18" charset="0"/>
+                                  <a:ea typeface="Cambria Math" panose="02040503050406030204" pitchFamily="18" charset="0"/>
+                                </a:rPr>
+                              </m:ctrlPr>
+                            </m:sSubPr>
+                            <m:e>
+                              <m:r>
+                                <a:rPr lang="en-US" b="0" i="1" smtClean="0">
+                                  <a:latin typeface="Cambria Math" panose="02040503050406030204" pitchFamily="18" charset="0"/>
+                                  <a:ea typeface="Cambria Math" panose="02040503050406030204" pitchFamily="18" charset="0"/>
+                                </a:rPr>
+                                <m:t>𝐺</m:t>
+                              </m:r>
+                            </m:e>
+                            <m:sub>
+                              <m:r>
+                                <a:rPr lang="en-US" i="1">
+                                  <a:latin typeface="Cambria Math" panose="02040503050406030204" pitchFamily="18" charset="0"/>
+                                  <a:ea typeface="Cambria Math" panose="02040503050406030204" pitchFamily="18" charset="0"/>
+                                </a:rPr>
+                                <m:t>𝑖</m:t>
+                              </m:r>
+                            </m:sub>
+                          </m:sSub>
+                        </m:e>
+                      </m:nary>
+                      <m:r>
+                        <a:rPr lang="en-US" b="0" i="1" smtClean="0">
+                          <a:latin typeface="Cambria Math" panose="02040503050406030204" pitchFamily="18" charset="0"/>
+                          <a:ea typeface="Cambria Math" panose="02040503050406030204" pitchFamily="18" charset="0"/>
+                        </a:rPr>
+                        <m:t>−</m:t>
+                      </m:r>
+                      <m:r>
+                        <a:rPr lang="en-US" b="0" i="1" smtClean="0">
+                          <a:latin typeface="Cambria Math" panose="02040503050406030204" pitchFamily="18" charset="0"/>
+                          <a:ea typeface="Cambria Math" panose="02040503050406030204" pitchFamily="18" charset="0"/>
+                        </a:rPr>
+                        <m:t>𝑅𝑇</m:t>
+                      </m:r>
+                      <m:nary>
+                        <m:naryPr>
+                          <m:chr m:val="∑"/>
+                          <m:supHide m:val="on"/>
+                          <m:ctrlPr>
+                            <a:rPr lang="en-US" b="0" i="1" smtClean="0">
+                              <a:latin typeface="Cambria Math" panose="02040503050406030204" pitchFamily="18" charset="0"/>
+                              <a:ea typeface="Cambria Math" panose="02040503050406030204" pitchFamily="18" charset="0"/>
+                            </a:rPr>
+                          </m:ctrlPr>
+                        </m:naryPr>
+                        <m:sub>
+                          <m:r>
+                            <m:rPr>
+                              <m:brk m:alnAt="7"/>
+                            </m:rPr>
+                            <a:rPr lang="en-US" b="0" i="1" smtClean="0">
+                              <a:latin typeface="Cambria Math" panose="02040503050406030204" pitchFamily="18" charset="0"/>
+                              <a:ea typeface="Cambria Math" panose="02040503050406030204" pitchFamily="18" charset="0"/>
+                            </a:rPr>
+                            <m:t>𝑖</m:t>
+                          </m:r>
+                        </m:sub>
+                        <m:sup/>
+                        <m:e>
+                          <m:sSub>
+                            <m:sSubPr>
+                              <m:ctrlPr>
+                                <a:rPr lang="en-US" i="1">
+                                  <a:latin typeface="Cambria Math" panose="02040503050406030204" pitchFamily="18" charset="0"/>
+                                  <a:ea typeface="Cambria Math" panose="02040503050406030204" pitchFamily="18" charset="0"/>
+                                </a:rPr>
+                              </m:ctrlPr>
+                            </m:sSubPr>
+                            <m:e>
+                              <m:r>
+                                <a:rPr lang="en-US" i="1">
+                                  <a:latin typeface="Cambria Math" panose="02040503050406030204" pitchFamily="18" charset="0"/>
+                                  <a:ea typeface="Cambria Math" panose="02040503050406030204" pitchFamily="18" charset="0"/>
+                                </a:rPr>
+                                <m:t>𝑥</m:t>
+                              </m:r>
+                            </m:e>
+                            <m:sub>
+                              <m:r>
+                                <a:rPr lang="en-US" i="1">
+                                  <a:latin typeface="Cambria Math" panose="02040503050406030204" pitchFamily="18" charset="0"/>
+                                  <a:ea typeface="Cambria Math" panose="02040503050406030204" pitchFamily="18" charset="0"/>
+                                </a:rPr>
+                                <m:t>𝑖</m:t>
+                              </m:r>
+                            </m:sub>
+                          </m:sSub>
+                          <m:func>
+                            <m:funcPr>
+                              <m:ctrlPr>
+                                <a:rPr lang="en-US" i="1" smtClean="0">
+                                  <a:latin typeface="Cambria Math" panose="02040503050406030204" pitchFamily="18" charset="0"/>
+                                  <a:ea typeface="Cambria Math" panose="02040503050406030204" pitchFamily="18" charset="0"/>
+                                </a:rPr>
+                              </m:ctrlPr>
+                            </m:funcPr>
+                            <m:fName>
+                              <m:r>
+                                <m:rPr>
+                                  <m:sty m:val="p"/>
+                                </m:rPr>
+                                <a:rPr lang="en-US" i="0" smtClean="0">
+                                  <a:latin typeface="Cambria Math" panose="02040503050406030204" pitchFamily="18" charset="0"/>
+                                  <a:ea typeface="Cambria Math" panose="02040503050406030204" pitchFamily="18" charset="0"/>
+                                </a:rPr>
+                                <m:t>ln</m:t>
+                              </m:r>
+                            </m:fName>
+                            <m:e>
+                              <m:sSub>
+                                <m:sSubPr>
+                                  <m:ctrlPr>
+                                    <a:rPr lang="en-US" i="1">
+                                      <a:latin typeface="Cambria Math" panose="02040503050406030204" pitchFamily="18" charset="0"/>
+                                      <a:ea typeface="Cambria Math" panose="02040503050406030204" pitchFamily="18" charset="0"/>
+                                    </a:rPr>
+                                  </m:ctrlPr>
+                                </m:sSubPr>
+                                <m:e>
+                                  <m:r>
+                                    <a:rPr lang="en-US" i="1">
+                                      <a:latin typeface="Cambria Math" panose="02040503050406030204" pitchFamily="18" charset="0"/>
+                                      <a:ea typeface="Cambria Math" panose="02040503050406030204" pitchFamily="18" charset="0"/>
+                                    </a:rPr>
+                                    <m:t>𝑥</m:t>
+                                  </m:r>
+                                </m:e>
+                                <m:sub>
+                                  <m:r>
+                                    <a:rPr lang="en-US" i="1">
+                                      <a:latin typeface="Cambria Math" panose="02040503050406030204" pitchFamily="18" charset="0"/>
+                                      <a:ea typeface="Cambria Math" panose="02040503050406030204" pitchFamily="18" charset="0"/>
+                                    </a:rPr>
+                                    <m:t>𝑖</m:t>
+                                  </m:r>
+                                </m:sub>
+                              </m:sSub>
+                            </m:e>
+                          </m:func>
+                        </m:e>
+                      </m:nary>
+                    </m:oMath>
+                  </m:oMathPara>
+                </a14:m>
+                <a:endParaRPr lang="en-US" dirty="0"/>
+              </a:p>
+            </p:txBody>
+          </p:sp>
+        </mc:Choice>
+        <mc:Fallback>
+          <p:sp>
+            <p:nvSpPr>
+              <p:cNvPr id="22" name="TextBox 21">
+                <a:extLst>
+                  <a:ext uri="{FF2B5EF4-FFF2-40B4-BE49-F238E27FC236}">
+                    <a16:creationId xmlns:a16="http://schemas.microsoft.com/office/drawing/2014/main" id="{D9B2E535-DC1E-4467-4385-A86E55B3A39E}"/>
+                  </a:ext>
+                </a:extLst>
+              </p:cNvPr>
+              <p:cNvSpPr txBox="1">
+                <a:spLocks noRot="1" noChangeAspect="1" noMove="1" noResize="1" noEditPoints="1" noAdjustHandles="1" noChangeArrowheads="1" noChangeShapeType="1" noTextEdit="1"/>
+              </p:cNvSpPr>
+              <p:nvPr/>
+            </p:nvSpPr>
+            <p:spPr>
+              <a:xfrm>
+                <a:off x="2242215" y="10301611"/>
+                <a:ext cx="3425490" cy="672235"/>
+              </a:xfrm>
+              <a:prstGeom prst="rect">
+                <a:avLst/>
+              </a:prstGeom>
+              <a:blipFill>
+                <a:blip r:embed="rId11"/>
+                <a:stretch>
+                  <a:fillRect/>
+                </a:stretch>
+              </a:blipFill>
+            </p:spPr>
+            <p:txBody>
+              <a:bodyPr/>
+              <a:lstStyle/>
+              <a:p>
+                <a:r>
+                  <a:rPr lang="en-US">
+                    <a:noFill/>
+                  </a:rPr>
+                  <a:t> </a:t>
+                </a:r>
+              </a:p>
+            </p:txBody>
+          </p:sp>
+        </mc:Fallback>
+      </mc:AlternateContent>
+    </p:spTree>
+    <p:extLst>
+      <p:ext uri="{BB962C8B-B14F-4D97-AF65-F5344CB8AC3E}">
+        <p14:creationId xmlns:p14="http://schemas.microsoft.com/office/powerpoint/2010/main" val="773200740"/>
+      </p:ext>
+    </p:extLst>
+  </p:cSld>
+  <p:clrMapOvr>
+    <a:masterClrMapping/>
+  </p:clrMapOvr>
+</p:sld>
+</file>
+
+<file path=ppt/slides/slide15.xml><?xml version="1.0" encoding="utf-8"?>
+<p:sld xmlns:a="http://schemas.openxmlformats.org/drawingml/2006/main" xmlns:r="http://schemas.openxmlformats.org/officeDocument/2006/relationships" xmlns:p="http://schemas.openxmlformats.org/presentationml/2006/main">
+  <p:cSld>
+    <p:spTree>
+      <p:nvGrpSpPr>
+        <p:cNvPr id="1" name=""/>
+        <p:cNvGrpSpPr/>
+        <p:nvPr/>
+      </p:nvGrpSpPr>
+      <p:grpSpPr>
+        <a:xfrm>
+          <a:off x="0" y="0"/>
+          <a:ext cx="0" cy="0"/>
+          <a:chOff x="0" y="0"/>
+          <a:chExt cx="0" cy="0"/>
+        </a:xfrm>
+      </p:grpSpPr>
+      <p:sp>
+        <p:nvSpPr>
+          <p:cNvPr id="2" name="TextBox 1">
+            <a:extLst>
+              <a:ext uri="{FF2B5EF4-FFF2-40B4-BE49-F238E27FC236}">
+                <a16:creationId xmlns:a16="http://schemas.microsoft.com/office/drawing/2014/main" id="{38D2607F-5E54-8876-0F0D-1A7ACF567AEE}"/>
+              </a:ext>
+            </a:extLst>
+          </p:cNvPr>
+          <p:cNvSpPr txBox="1"/>
+          <p:nvPr/>
+        </p:nvSpPr>
+        <p:spPr>
+          <a:xfrm>
+            <a:off x="0" y="0"/>
+            <a:ext cx="5014643" cy="369332"/>
+          </a:xfrm>
+          <a:prstGeom prst="rect">
+            <a:avLst/>
+          </a:prstGeom>
+          <a:noFill/>
+        </p:spPr>
+        <p:txBody>
+          <a:bodyPr wrap="none" rtlCol="0">
+            <a:spAutoFit/>
+          </a:bodyPr>
+          <a:lstStyle/>
+          <a:p>
+            <a:r>
+              <a:rPr lang="en-US" dirty="0"/>
+              <a:t>Mathematical framework for solving for solutions</a:t>
+            </a:r>
+          </a:p>
+        </p:txBody>
+      </p:sp>
+      <p:sp>
+        <p:nvSpPr>
+          <p:cNvPr id="3" name="TextBox 2">
+            <a:extLst>
+              <a:ext uri="{FF2B5EF4-FFF2-40B4-BE49-F238E27FC236}">
+                <a16:creationId xmlns:a16="http://schemas.microsoft.com/office/drawing/2014/main" id="{CBFE6459-2BCC-3EFB-C11C-EB6EC7310059}"/>
+              </a:ext>
+            </a:extLst>
+          </p:cNvPr>
+          <p:cNvSpPr txBox="1"/>
+          <p:nvPr/>
+        </p:nvSpPr>
+        <p:spPr>
+          <a:xfrm>
+            <a:off x="0" y="369332"/>
+            <a:ext cx="8686800" cy="646331"/>
+          </a:xfrm>
+          <a:prstGeom prst="rect">
+            <a:avLst/>
+          </a:prstGeom>
+          <a:noFill/>
+        </p:spPr>
+        <p:txBody>
+          <a:bodyPr wrap="square" rtlCol="0">
+            <a:spAutoFit/>
+          </a:bodyPr>
+          <a:lstStyle/>
+          <a:p>
+            <a:r>
+              <a:rPr lang="en-US" dirty="0"/>
+              <a:t>Partial Properties: Represent the actual change from the expected property when in a mixture</a:t>
+            </a:r>
+          </a:p>
+        </p:txBody>
+      </p:sp>
+      <p:pic>
+        <p:nvPicPr>
+          <p:cNvPr id="5" name="Picture 4">
+            <a:extLst>
+              <a:ext uri="{FF2B5EF4-FFF2-40B4-BE49-F238E27FC236}">
+                <a16:creationId xmlns:a16="http://schemas.microsoft.com/office/drawing/2014/main" id="{546FB634-A2EE-2DA9-6CC4-464EB2158130}"/>
+              </a:ext>
+            </a:extLst>
+          </p:cNvPr>
+          <p:cNvPicPr>
+            <a:picLocks noChangeAspect="1"/>
+          </p:cNvPicPr>
+          <p:nvPr/>
+        </p:nvPicPr>
+        <p:blipFill>
+          <a:blip r:embed="rId2"/>
+          <a:stretch>
+            <a:fillRect/>
+          </a:stretch>
+        </p:blipFill>
+        <p:spPr>
+          <a:xfrm>
+            <a:off x="2263117" y="792328"/>
+            <a:ext cx="3427630" cy="1300741"/>
+          </a:xfrm>
+          <a:prstGeom prst="rect">
+            <a:avLst/>
+          </a:prstGeom>
+        </p:spPr>
+      </p:pic>
+      <p:sp>
+        <p:nvSpPr>
+          <p:cNvPr id="6" name="TextBox 5">
+            <a:extLst>
+              <a:ext uri="{FF2B5EF4-FFF2-40B4-BE49-F238E27FC236}">
+                <a16:creationId xmlns:a16="http://schemas.microsoft.com/office/drawing/2014/main" id="{BDCBEF29-1CB2-0391-9C8D-B19F9AE4B923}"/>
+              </a:ext>
+            </a:extLst>
+          </p:cNvPr>
+          <p:cNvSpPr txBox="1"/>
+          <p:nvPr/>
+        </p:nvSpPr>
+        <p:spPr>
+          <a:xfrm>
+            <a:off x="1" y="2105865"/>
+            <a:ext cx="8686800" cy="646331"/>
+          </a:xfrm>
+          <a:prstGeom prst="rect">
+            <a:avLst/>
+          </a:prstGeom>
+          <a:noFill/>
+        </p:spPr>
+        <p:txBody>
+          <a:bodyPr wrap="square" rtlCol="0">
+            <a:spAutoFit/>
+          </a:bodyPr>
+          <a:lstStyle/>
+          <a:p>
+            <a:r>
+              <a:rPr lang="en-US" i="1" dirty="0"/>
+              <a:t>How the actual property changes with respect to the amount of it in the mixture with everything else held constant</a:t>
+            </a:r>
+          </a:p>
+        </p:txBody>
+      </p:sp>
+      <p:pic>
+        <p:nvPicPr>
+          <p:cNvPr id="8" name="Picture 7">
+            <a:extLst>
+              <a:ext uri="{FF2B5EF4-FFF2-40B4-BE49-F238E27FC236}">
+                <a16:creationId xmlns:a16="http://schemas.microsoft.com/office/drawing/2014/main" id="{C2A764E5-88FD-0B51-DDB1-0F6BBE9E5A96}"/>
+              </a:ext>
+            </a:extLst>
+          </p:cNvPr>
+          <p:cNvPicPr>
+            <a:picLocks noChangeAspect="1"/>
+          </p:cNvPicPr>
+          <p:nvPr/>
+        </p:nvPicPr>
+        <p:blipFill>
+          <a:blip r:embed="rId3"/>
+          <a:stretch>
+            <a:fillRect/>
+          </a:stretch>
+        </p:blipFill>
+        <p:spPr>
+          <a:xfrm>
+            <a:off x="1253764" y="2764992"/>
+            <a:ext cx="5838521" cy="646331"/>
+          </a:xfrm>
+          <a:prstGeom prst="rect">
+            <a:avLst/>
+          </a:prstGeom>
+        </p:spPr>
+      </p:pic>
+      <p:sp>
+        <p:nvSpPr>
+          <p:cNvPr id="9" name="TextBox 8">
+            <a:extLst>
+              <a:ext uri="{FF2B5EF4-FFF2-40B4-BE49-F238E27FC236}">
+                <a16:creationId xmlns:a16="http://schemas.microsoft.com/office/drawing/2014/main" id="{A06E6230-03D0-E432-6FE0-FB1280710768}"/>
+              </a:ext>
+            </a:extLst>
+          </p:cNvPr>
+          <p:cNvSpPr txBox="1"/>
+          <p:nvPr/>
+        </p:nvSpPr>
+        <p:spPr>
+          <a:xfrm>
+            <a:off x="0" y="3519233"/>
+            <a:ext cx="8686800" cy="646330"/>
+          </a:xfrm>
+          <a:prstGeom prst="rect">
+            <a:avLst/>
+          </a:prstGeom>
+          <a:noFill/>
+        </p:spPr>
+        <p:txBody>
+          <a:bodyPr wrap="square" rtlCol="0">
+            <a:spAutoFit/>
+          </a:bodyPr>
+          <a:lstStyle/>
+          <a:p>
+            <a:r>
+              <a:rPr lang="en-US" dirty="0"/>
+              <a:t>These can be hard to represent, because The relationship can change in different ways depending on other factors.</a:t>
+            </a:r>
+          </a:p>
+        </p:txBody>
+      </p:sp>
+      <p:sp>
+        <p:nvSpPr>
+          <p:cNvPr id="10" name="TextBox 9">
+            <a:extLst>
+              <a:ext uri="{FF2B5EF4-FFF2-40B4-BE49-F238E27FC236}">
+                <a16:creationId xmlns:a16="http://schemas.microsoft.com/office/drawing/2014/main" id="{BF38FB28-98F7-1E87-1F81-911681D59D09}"/>
+              </a:ext>
+            </a:extLst>
+          </p:cNvPr>
+          <p:cNvSpPr txBox="1"/>
+          <p:nvPr/>
+        </p:nvSpPr>
+        <p:spPr>
+          <a:xfrm>
+            <a:off x="6062133" y="1028459"/>
+            <a:ext cx="2235200" cy="646331"/>
+          </a:xfrm>
+          <a:prstGeom prst="rect">
+            <a:avLst/>
+          </a:prstGeom>
+          <a:noFill/>
+        </p:spPr>
+        <p:txBody>
+          <a:bodyPr wrap="square" rtlCol="0">
+            <a:spAutoFit/>
+          </a:bodyPr>
+          <a:lstStyle/>
+          <a:p>
+            <a:pPr algn="ctr"/>
+            <a:r>
+              <a:rPr lang="en-US" dirty="0"/>
+              <a:t>Quantities of other substances</a:t>
+            </a:r>
+          </a:p>
+        </p:txBody>
+      </p:sp>
+      <p:cxnSp>
+        <p:nvCxnSpPr>
+          <p:cNvPr id="12" name="Straight Arrow Connector 11">
+            <a:extLst>
+              <a:ext uri="{FF2B5EF4-FFF2-40B4-BE49-F238E27FC236}">
+                <a16:creationId xmlns:a16="http://schemas.microsoft.com/office/drawing/2014/main" id="{4DD377F3-7131-7A2F-5F6B-119D4FD54EF6}"/>
+              </a:ext>
+            </a:extLst>
+          </p:cNvPr>
+          <p:cNvCxnSpPr/>
+          <p:nvPr/>
+        </p:nvCxnSpPr>
+        <p:spPr>
+          <a:xfrm flipH="1">
+            <a:off x="5367867" y="1338828"/>
+            <a:ext cx="931333" cy="335962"/>
+          </a:xfrm>
+          <a:prstGeom prst="straightConnector1">
+            <a:avLst/>
+          </a:prstGeom>
+          <a:ln>
+            <a:tailEnd type="triangle"/>
+          </a:ln>
+        </p:spPr>
+        <p:style>
+          <a:lnRef idx="2">
+            <a:schemeClr val="accent1"/>
+          </a:lnRef>
+          <a:fillRef idx="0">
+            <a:schemeClr val="accent1"/>
+          </a:fillRef>
+          <a:effectRef idx="1">
+            <a:schemeClr val="accent1"/>
+          </a:effectRef>
+          <a:fontRef idx="minor">
+            <a:schemeClr val="tx1"/>
+          </a:fontRef>
+        </p:style>
+      </p:cxnSp>
+      <mc:AlternateContent xmlns:mc="http://schemas.openxmlformats.org/markup-compatibility/2006">
+        <mc:Choice xmlns:a14="http://schemas.microsoft.com/office/drawing/2010/main" Requires="a14">
+          <p:sp>
+            <p:nvSpPr>
+              <p:cNvPr id="13" name="TextBox 12">
+                <a:extLst>
+                  <a:ext uri="{FF2B5EF4-FFF2-40B4-BE49-F238E27FC236}">
+                    <a16:creationId xmlns:a16="http://schemas.microsoft.com/office/drawing/2014/main" id="{AAF506ED-5D67-6E2E-2F4C-FA2218B642C1}"/>
+                  </a:ext>
+                </a:extLst>
+              </p:cNvPr>
+              <p:cNvSpPr txBox="1"/>
+              <p:nvPr/>
+            </p:nvSpPr>
+            <p:spPr>
+              <a:xfrm>
+                <a:off x="47897" y="5342841"/>
+                <a:ext cx="8591005" cy="697755"/>
+              </a:xfrm>
+              <a:prstGeom prst="rect">
+                <a:avLst/>
+              </a:prstGeom>
+              <a:noFill/>
+            </p:spPr>
+            <p:txBody>
+              <a:bodyPr wrap="none" lIns="0" tIns="0" rIns="0" bIns="0" rtlCol="0">
+                <a:spAutoFit/>
+              </a:bodyPr>
+              <a:lstStyle/>
+              <a:p>
+                <a14:m>
+                  <m:oMathPara xmlns:m="http://schemas.openxmlformats.org/officeDocument/2006/math">
+                    <m:oMathParaPr>
+                      <m:jc m:val="centerGroup"/>
+                    </m:oMathParaPr>
+                    <m:oMath xmlns:m="http://schemas.openxmlformats.org/officeDocument/2006/math">
+                      <m:r>
+                        <a:rPr lang="en-US" b="0" i="1" smtClean="0">
+                          <a:latin typeface="Cambria Math" panose="02040503050406030204" pitchFamily="18" charset="0"/>
+                        </a:rPr>
+                        <m:t>𝑑</m:t>
+                      </m:r>
+                      <m:d>
+                        <m:dPr>
+                          <m:ctrlPr>
+                            <a:rPr lang="en-US" b="0" i="1" smtClean="0">
+                              <a:latin typeface="Cambria Math" panose="02040503050406030204" pitchFamily="18" charset="0"/>
+                            </a:rPr>
+                          </m:ctrlPr>
+                        </m:dPr>
+                        <m:e>
+                          <m:r>
+                            <a:rPr lang="en-US" b="0" i="1" smtClean="0">
+                              <a:latin typeface="Cambria Math" panose="02040503050406030204" pitchFamily="18" charset="0"/>
+                            </a:rPr>
+                            <m:t>𝑛𝑀</m:t>
+                          </m:r>
+                        </m:e>
+                      </m:d>
+                      <m:r>
+                        <a:rPr lang="en-US" b="0" i="1" smtClean="0">
+                          <a:latin typeface="Cambria Math" panose="02040503050406030204" pitchFamily="18" charset="0"/>
+                        </a:rPr>
+                        <m:t>=</m:t>
+                      </m:r>
+                      <m:sSub>
+                        <m:sSubPr>
+                          <m:ctrlPr>
+                            <a:rPr lang="en-US" b="0" i="1" smtClean="0">
+                              <a:latin typeface="Cambria Math" panose="02040503050406030204" pitchFamily="18" charset="0"/>
+                            </a:rPr>
+                          </m:ctrlPr>
+                        </m:sSubPr>
+                        <m:e>
+                          <m:d>
+                            <m:dPr>
+                              <m:begChr m:val=""/>
+                              <m:endChr m:val="|"/>
+                              <m:ctrlPr>
+                                <a:rPr lang="en-US" i="1">
+                                  <a:latin typeface="Cambria Math" panose="02040503050406030204" pitchFamily="18" charset="0"/>
+                                </a:rPr>
+                              </m:ctrlPr>
+                            </m:dPr>
+                            <m:e>
+                              <m:f>
+                                <m:fPr>
+                                  <m:ctrlPr>
+                                    <a:rPr lang="en-US" i="1">
+                                      <a:latin typeface="Cambria Math" panose="02040503050406030204" pitchFamily="18" charset="0"/>
+                                    </a:rPr>
+                                  </m:ctrlPr>
+                                </m:fPr>
+                                <m:num>
+                                  <m:r>
+                                    <a:rPr lang="en-US" i="1">
+                                      <a:latin typeface="Cambria Math" panose="02040503050406030204" pitchFamily="18" charset="0"/>
+                                      <a:ea typeface="Cambria Math" panose="02040503050406030204" pitchFamily="18" charset="0"/>
+                                    </a:rPr>
+                                    <m:t>𝜕</m:t>
+                                  </m:r>
+                                  <m:r>
+                                    <a:rPr lang="en-US" i="1">
+                                      <a:latin typeface="Cambria Math" panose="02040503050406030204" pitchFamily="18" charset="0"/>
+                                      <a:ea typeface="Cambria Math" panose="02040503050406030204" pitchFamily="18" charset="0"/>
+                                    </a:rPr>
+                                    <m:t>(</m:t>
+                                  </m:r>
+                                  <m:r>
+                                    <a:rPr lang="en-US" i="1">
+                                      <a:latin typeface="Cambria Math" panose="02040503050406030204" pitchFamily="18" charset="0"/>
+                                      <a:ea typeface="Cambria Math" panose="02040503050406030204" pitchFamily="18" charset="0"/>
+                                    </a:rPr>
+                                    <m:t>𝑛𝑀</m:t>
+                                  </m:r>
+                                  <m:r>
+                                    <a:rPr lang="en-US" i="1">
+                                      <a:latin typeface="Cambria Math" panose="02040503050406030204" pitchFamily="18" charset="0"/>
+                                      <a:ea typeface="Cambria Math" panose="02040503050406030204" pitchFamily="18" charset="0"/>
+                                    </a:rPr>
+                                    <m:t>)</m:t>
+                                  </m:r>
+                                </m:num>
+                                <m:den>
+                                  <m:r>
+                                    <a:rPr lang="en-US" i="1" smtClean="0">
+                                      <a:latin typeface="Cambria Math" panose="02040503050406030204" pitchFamily="18" charset="0"/>
+                                      <a:ea typeface="Cambria Math" panose="02040503050406030204" pitchFamily="18" charset="0"/>
+                                    </a:rPr>
+                                    <m:t>𝜕</m:t>
+                                  </m:r>
+                                  <m:r>
+                                    <a:rPr lang="en-US" i="1">
+                                      <a:latin typeface="Cambria Math" panose="02040503050406030204" pitchFamily="18" charset="0"/>
+                                    </a:rPr>
+                                    <m:t>𝑇</m:t>
+                                  </m:r>
+                                </m:den>
+                              </m:f>
+                            </m:e>
+                          </m:d>
+                        </m:e>
+                        <m:sub>
+                          <m:r>
+                            <a:rPr lang="en-US" b="0" i="1" smtClean="0">
+                              <a:latin typeface="Cambria Math" panose="02040503050406030204" pitchFamily="18" charset="0"/>
+                            </a:rPr>
+                            <m:t>𝑃</m:t>
+                          </m:r>
+                          <m:r>
+                            <a:rPr lang="en-US" b="0" i="1" smtClean="0">
+                              <a:latin typeface="Cambria Math" panose="02040503050406030204" pitchFamily="18" charset="0"/>
+                            </a:rPr>
+                            <m:t>, </m:t>
+                          </m:r>
+                          <m:sSub>
+                            <m:sSubPr>
+                              <m:ctrlPr>
+                                <a:rPr lang="en-US" b="0" i="1" smtClean="0">
+                                  <a:latin typeface="Cambria Math" panose="02040503050406030204" pitchFamily="18" charset="0"/>
+                                </a:rPr>
+                              </m:ctrlPr>
+                            </m:sSubPr>
+                            <m:e>
+                              <m:r>
+                                <a:rPr lang="en-US" b="0" i="1" smtClean="0">
+                                  <a:latin typeface="Cambria Math" panose="02040503050406030204" pitchFamily="18" charset="0"/>
+                                </a:rPr>
+                                <m:t>𝑛</m:t>
+                              </m:r>
+                            </m:e>
+                            <m:sub>
+                              <m:r>
+                                <a:rPr lang="en-US" b="0" i="1" smtClean="0">
+                                  <a:latin typeface="Cambria Math" panose="02040503050406030204" pitchFamily="18" charset="0"/>
+                                </a:rPr>
+                                <m:t>1</m:t>
+                              </m:r>
+                            </m:sub>
+                          </m:sSub>
+                          <m:r>
+                            <a:rPr lang="en-US" b="0" i="1" smtClean="0">
+                              <a:latin typeface="Cambria Math" panose="02040503050406030204" pitchFamily="18" charset="0"/>
+                            </a:rPr>
+                            <m:t>,</m:t>
+                          </m:r>
+                          <m:sSub>
+                            <m:sSubPr>
+                              <m:ctrlPr>
+                                <a:rPr lang="en-US" b="0" i="1" smtClean="0">
+                                  <a:latin typeface="Cambria Math" panose="02040503050406030204" pitchFamily="18" charset="0"/>
+                                </a:rPr>
+                              </m:ctrlPr>
+                            </m:sSubPr>
+                            <m:e>
+                              <m:r>
+                                <a:rPr lang="en-US" b="0" i="1" smtClean="0">
+                                  <a:latin typeface="Cambria Math" panose="02040503050406030204" pitchFamily="18" charset="0"/>
+                                </a:rPr>
+                                <m:t>𝑛</m:t>
+                              </m:r>
+                            </m:e>
+                            <m:sub>
+                              <m:r>
+                                <a:rPr lang="en-US" b="0" i="1" smtClean="0">
+                                  <a:latin typeface="Cambria Math" panose="02040503050406030204" pitchFamily="18" charset="0"/>
+                                </a:rPr>
+                                <m:t>2</m:t>
+                              </m:r>
+                            </m:sub>
+                          </m:sSub>
+                        </m:sub>
+                      </m:sSub>
+                      <m:r>
+                        <a:rPr lang="en-US" b="0" i="1" smtClean="0">
+                          <a:latin typeface="Cambria Math" panose="02040503050406030204" pitchFamily="18" charset="0"/>
+                        </a:rPr>
+                        <m:t>𝑑𝑇</m:t>
+                      </m:r>
+                      <m:r>
+                        <a:rPr lang="en-US" b="0" i="1" smtClean="0">
+                          <a:latin typeface="Cambria Math" panose="02040503050406030204" pitchFamily="18" charset="0"/>
+                        </a:rPr>
+                        <m:t>+</m:t>
+                      </m:r>
+                      <m:sSub>
+                        <m:sSubPr>
+                          <m:ctrlPr>
+                            <a:rPr lang="en-US" i="1">
+                              <a:latin typeface="Cambria Math" panose="02040503050406030204" pitchFamily="18" charset="0"/>
+                            </a:rPr>
+                          </m:ctrlPr>
+                        </m:sSubPr>
+                        <m:e>
+                          <m:d>
+                            <m:dPr>
+                              <m:begChr m:val=""/>
+                              <m:endChr m:val="|"/>
+                              <m:ctrlPr>
+                                <a:rPr lang="en-US" i="1">
+                                  <a:latin typeface="Cambria Math" panose="02040503050406030204" pitchFamily="18" charset="0"/>
+                                </a:rPr>
+                              </m:ctrlPr>
+                            </m:dPr>
+                            <m:e>
+                              <m:f>
+                                <m:fPr>
+                                  <m:ctrlPr>
+                                    <a:rPr lang="en-US" i="1">
+                                      <a:latin typeface="Cambria Math" panose="02040503050406030204" pitchFamily="18" charset="0"/>
+                                    </a:rPr>
+                                  </m:ctrlPr>
+                                </m:fPr>
+                                <m:num>
+                                  <m:r>
+                                    <a:rPr lang="en-US" i="1">
+                                      <a:latin typeface="Cambria Math" panose="02040503050406030204" pitchFamily="18" charset="0"/>
+                                      <a:ea typeface="Cambria Math" panose="02040503050406030204" pitchFamily="18" charset="0"/>
+                                    </a:rPr>
+                                    <m:t>𝜕</m:t>
+                                  </m:r>
+                                  <m:r>
+                                    <a:rPr lang="en-US" i="1">
+                                      <a:latin typeface="Cambria Math" panose="02040503050406030204" pitchFamily="18" charset="0"/>
+                                      <a:ea typeface="Cambria Math" panose="02040503050406030204" pitchFamily="18" charset="0"/>
+                                    </a:rPr>
+                                    <m:t>(</m:t>
+                                  </m:r>
+                                  <m:r>
+                                    <a:rPr lang="en-US" i="1">
+                                      <a:latin typeface="Cambria Math" panose="02040503050406030204" pitchFamily="18" charset="0"/>
+                                      <a:ea typeface="Cambria Math" panose="02040503050406030204" pitchFamily="18" charset="0"/>
+                                    </a:rPr>
+                                    <m:t>𝑛𝑀</m:t>
+                                  </m:r>
+                                  <m:r>
+                                    <a:rPr lang="en-US" i="1">
+                                      <a:latin typeface="Cambria Math" panose="02040503050406030204" pitchFamily="18" charset="0"/>
+                                      <a:ea typeface="Cambria Math" panose="02040503050406030204" pitchFamily="18" charset="0"/>
+                                    </a:rPr>
+                                    <m:t>)</m:t>
+                                  </m:r>
+                                </m:num>
+                                <m:den>
+                                  <m:r>
+                                    <a:rPr lang="en-US" i="1" smtClean="0">
+                                      <a:latin typeface="Cambria Math" panose="02040503050406030204" pitchFamily="18" charset="0"/>
+                                      <a:ea typeface="Cambria Math" panose="02040503050406030204" pitchFamily="18" charset="0"/>
+                                    </a:rPr>
+                                    <m:t>𝜕</m:t>
+                                  </m:r>
+                                  <m:r>
+                                    <a:rPr lang="en-US" b="0" i="1" smtClean="0">
+                                      <a:latin typeface="Cambria Math" panose="02040503050406030204" pitchFamily="18" charset="0"/>
+                                    </a:rPr>
+                                    <m:t>𝑃</m:t>
+                                  </m:r>
+                                </m:den>
+                              </m:f>
+                            </m:e>
+                          </m:d>
+                        </m:e>
+                        <m:sub>
+                          <m:r>
+                            <a:rPr lang="en-US" b="0" i="1" smtClean="0">
+                              <a:latin typeface="Cambria Math" panose="02040503050406030204" pitchFamily="18" charset="0"/>
+                            </a:rPr>
+                            <m:t>𝑇</m:t>
+                          </m:r>
+                          <m:r>
+                            <a:rPr lang="en-US" i="1">
+                              <a:latin typeface="Cambria Math" panose="02040503050406030204" pitchFamily="18" charset="0"/>
+                            </a:rPr>
+                            <m:t>, </m:t>
+                          </m:r>
+                          <m:sSub>
+                            <m:sSubPr>
+                              <m:ctrlPr>
+                                <a:rPr lang="en-US" i="1">
+                                  <a:latin typeface="Cambria Math" panose="02040503050406030204" pitchFamily="18" charset="0"/>
+                                </a:rPr>
+                              </m:ctrlPr>
+                            </m:sSubPr>
+                            <m:e>
+                              <m:r>
+                                <a:rPr lang="en-US" i="1">
+                                  <a:latin typeface="Cambria Math" panose="02040503050406030204" pitchFamily="18" charset="0"/>
+                                </a:rPr>
+                                <m:t>𝑛</m:t>
+                              </m:r>
+                            </m:e>
+                            <m:sub>
+                              <m:r>
+                                <a:rPr lang="en-US" i="1">
+                                  <a:latin typeface="Cambria Math" panose="02040503050406030204" pitchFamily="18" charset="0"/>
+                                </a:rPr>
+                                <m:t>1</m:t>
+                              </m:r>
+                            </m:sub>
+                          </m:sSub>
+                          <m:r>
+                            <a:rPr lang="en-US" i="1">
+                              <a:latin typeface="Cambria Math" panose="02040503050406030204" pitchFamily="18" charset="0"/>
+                            </a:rPr>
+                            <m:t>,</m:t>
+                          </m:r>
+                          <m:sSub>
+                            <m:sSubPr>
+                              <m:ctrlPr>
+                                <a:rPr lang="en-US" i="1">
+                                  <a:latin typeface="Cambria Math" panose="02040503050406030204" pitchFamily="18" charset="0"/>
+                                </a:rPr>
+                              </m:ctrlPr>
+                            </m:sSubPr>
+                            <m:e>
+                              <m:r>
+                                <a:rPr lang="en-US" i="1">
+                                  <a:latin typeface="Cambria Math" panose="02040503050406030204" pitchFamily="18" charset="0"/>
+                                </a:rPr>
+                                <m:t>𝑛</m:t>
+                              </m:r>
+                            </m:e>
+                            <m:sub>
+                              <m:r>
+                                <a:rPr lang="en-US" i="1">
+                                  <a:latin typeface="Cambria Math" panose="02040503050406030204" pitchFamily="18" charset="0"/>
+                                </a:rPr>
+                                <m:t>2</m:t>
+                              </m:r>
+                            </m:sub>
+                          </m:sSub>
+                        </m:sub>
+                      </m:sSub>
+                      <m:r>
+                        <a:rPr lang="en-US" b="0" i="1" smtClean="0">
+                          <a:latin typeface="Cambria Math" panose="02040503050406030204" pitchFamily="18" charset="0"/>
+                        </a:rPr>
+                        <m:t>𝑑𝑃</m:t>
+                      </m:r>
+                      <m:r>
+                        <a:rPr lang="en-US" b="0" i="1" smtClean="0">
+                          <a:latin typeface="Cambria Math" panose="02040503050406030204" pitchFamily="18" charset="0"/>
+                        </a:rPr>
+                        <m:t>+</m:t>
+                      </m:r>
+                      <m:sSub>
+                        <m:sSubPr>
+                          <m:ctrlPr>
+                            <a:rPr lang="en-US" i="1">
+                              <a:latin typeface="Cambria Math" panose="02040503050406030204" pitchFamily="18" charset="0"/>
+                            </a:rPr>
+                          </m:ctrlPr>
+                        </m:sSubPr>
+                        <m:e>
+                          <m:d>
+                            <m:dPr>
+                              <m:begChr m:val=""/>
+                              <m:endChr m:val="|"/>
+                              <m:ctrlPr>
+                                <a:rPr lang="en-US" i="1">
+                                  <a:latin typeface="Cambria Math" panose="02040503050406030204" pitchFamily="18" charset="0"/>
+                                </a:rPr>
+                              </m:ctrlPr>
+                            </m:dPr>
+                            <m:e>
+                              <m:f>
+                                <m:fPr>
+                                  <m:ctrlPr>
+                                    <a:rPr lang="en-US" i="1">
+                                      <a:latin typeface="Cambria Math" panose="02040503050406030204" pitchFamily="18" charset="0"/>
+                                    </a:rPr>
+                                  </m:ctrlPr>
+                                </m:fPr>
+                                <m:num>
+                                  <m:r>
+                                    <a:rPr lang="en-US" i="1">
+                                      <a:latin typeface="Cambria Math" panose="02040503050406030204" pitchFamily="18" charset="0"/>
+                                      <a:ea typeface="Cambria Math" panose="02040503050406030204" pitchFamily="18" charset="0"/>
+                                    </a:rPr>
+                                    <m:t>𝜕</m:t>
+                                  </m:r>
+                                  <m:r>
+                                    <a:rPr lang="en-US" i="1">
+                                      <a:latin typeface="Cambria Math" panose="02040503050406030204" pitchFamily="18" charset="0"/>
+                                      <a:ea typeface="Cambria Math" panose="02040503050406030204" pitchFamily="18" charset="0"/>
+                                    </a:rPr>
+                                    <m:t>(</m:t>
+                                  </m:r>
+                                  <m:r>
+                                    <a:rPr lang="en-US" i="1">
+                                      <a:latin typeface="Cambria Math" panose="02040503050406030204" pitchFamily="18" charset="0"/>
+                                      <a:ea typeface="Cambria Math" panose="02040503050406030204" pitchFamily="18" charset="0"/>
+                                    </a:rPr>
+                                    <m:t>𝑛𝑀</m:t>
+                                  </m:r>
+                                  <m:r>
+                                    <a:rPr lang="en-US" i="1">
+                                      <a:latin typeface="Cambria Math" panose="02040503050406030204" pitchFamily="18" charset="0"/>
+                                      <a:ea typeface="Cambria Math" panose="02040503050406030204" pitchFamily="18" charset="0"/>
+                                    </a:rPr>
+                                    <m:t>)</m:t>
+                                  </m:r>
+                                </m:num>
+                                <m:den>
+                                  <m:r>
+                                    <a:rPr lang="en-US" i="1" smtClean="0">
+                                      <a:latin typeface="Cambria Math" panose="02040503050406030204" pitchFamily="18" charset="0"/>
+                                      <a:ea typeface="Cambria Math" panose="02040503050406030204" pitchFamily="18" charset="0"/>
+                                    </a:rPr>
+                                    <m:t>𝜕</m:t>
+                                  </m:r>
+                                  <m:sSub>
+                                    <m:sSubPr>
+                                      <m:ctrlPr>
+                                        <a:rPr lang="en-US" i="1" smtClean="0">
+                                          <a:latin typeface="Cambria Math" panose="02040503050406030204" pitchFamily="18" charset="0"/>
+                                          <a:ea typeface="Cambria Math" panose="02040503050406030204" pitchFamily="18" charset="0"/>
+                                        </a:rPr>
+                                      </m:ctrlPr>
+                                    </m:sSubPr>
+                                    <m:e>
+                                      <m:r>
+                                        <a:rPr lang="en-US" b="0" i="1" smtClean="0">
+                                          <a:latin typeface="Cambria Math" panose="02040503050406030204" pitchFamily="18" charset="0"/>
+                                          <a:ea typeface="Cambria Math" panose="02040503050406030204" pitchFamily="18" charset="0"/>
+                                        </a:rPr>
+                                        <m:t>𝑛</m:t>
+                                      </m:r>
+                                    </m:e>
+                                    <m:sub>
+                                      <m:r>
+                                        <a:rPr lang="en-US" b="0" i="1" smtClean="0">
+                                          <a:latin typeface="Cambria Math" panose="02040503050406030204" pitchFamily="18" charset="0"/>
+                                          <a:ea typeface="Cambria Math" panose="02040503050406030204" pitchFamily="18" charset="0"/>
+                                        </a:rPr>
+                                        <m:t>1</m:t>
+                                      </m:r>
+                                    </m:sub>
+                                  </m:sSub>
+                                </m:den>
+                              </m:f>
+                            </m:e>
+                          </m:d>
+                        </m:e>
+                        <m:sub>
+                          <m:r>
+                            <a:rPr lang="en-US" b="0" i="1" smtClean="0">
+                              <a:latin typeface="Cambria Math" panose="02040503050406030204" pitchFamily="18" charset="0"/>
+                            </a:rPr>
+                            <m:t>𝑇</m:t>
+                          </m:r>
+                          <m:r>
+                            <a:rPr lang="en-US" i="1">
+                              <a:latin typeface="Cambria Math" panose="02040503050406030204" pitchFamily="18" charset="0"/>
+                            </a:rPr>
+                            <m:t>,</m:t>
+                          </m:r>
+                          <m:r>
+                            <a:rPr lang="en-US" b="0" i="1" smtClean="0">
+                              <a:latin typeface="Cambria Math" panose="02040503050406030204" pitchFamily="18" charset="0"/>
+                            </a:rPr>
+                            <m:t>𝑃</m:t>
+                          </m:r>
+                          <m:r>
+                            <a:rPr lang="en-US" i="1">
+                              <a:latin typeface="Cambria Math" panose="02040503050406030204" pitchFamily="18" charset="0"/>
+                            </a:rPr>
+                            <m:t>,</m:t>
+                          </m:r>
+                          <m:sSub>
+                            <m:sSubPr>
+                              <m:ctrlPr>
+                                <a:rPr lang="en-US" i="1">
+                                  <a:latin typeface="Cambria Math" panose="02040503050406030204" pitchFamily="18" charset="0"/>
+                                </a:rPr>
+                              </m:ctrlPr>
+                            </m:sSubPr>
+                            <m:e>
+                              <m:r>
+                                <a:rPr lang="en-US" i="1">
+                                  <a:latin typeface="Cambria Math" panose="02040503050406030204" pitchFamily="18" charset="0"/>
+                                </a:rPr>
+                                <m:t>𝑛</m:t>
+                              </m:r>
+                            </m:e>
+                            <m:sub>
+                              <m:r>
+                                <a:rPr lang="en-US" i="1">
+                                  <a:latin typeface="Cambria Math" panose="02040503050406030204" pitchFamily="18" charset="0"/>
+                                </a:rPr>
+                                <m:t>2</m:t>
+                              </m:r>
+                            </m:sub>
+                          </m:sSub>
+                        </m:sub>
+                      </m:sSub>
+                      <m:r>
+                        <a:rPr lang="en-US" b="0" i="1" smtClean="0">
+                          <a:latin typeface="Cambria Math" panose="02040503050406030204" pitchFamily="18" charset="0"/>
+                        </a:rPr>
+                        <m:t>𝑑</m:t>
+                      </m:r>
+                      <m:sSub>
+                        <m:sSubPr>
+                          <m:ctrlPr>
+                            <a:rPr lang="en-US" b="0" i="1" smtClean="0">
+                              <a:latin typeface="Cambria Math" panose="02040503050406030204" pitchFamily="18" charset="0"/>
+                            </a:rPr>
+                          </m:ctrlPr>
+                        </m:sSubPr>
+                        <m:e>
+                          <m:r>
+                            <a:rPr lang="en-US" b="0" i="1" smtClean="0">
+                              <a:latin typeface="Cambria Math" panose="02040503050406030204" pitchFamily="18" charset="0"/>
+                            </a:rPr>
+                            <m:t>𝑛</m:t>
+                          </m:r>
+                        </m:e>
+                        <m:sub>
+                          <m:r>
+                            <a:rPr lang="en-US" b="0" i="1" smtClean="0">
+                              <a:latin typeface="Cambria Math" panose="02040503050406030204" pitchFamily="18" charset="0"/>
+                            </a:rPr>
+                            <m:t>1</m:t>
+                          </m:r>
+                        </m:sub>
+                      </m:sSub>
+                      <m:r>
+                        <a:rPr lang="en-US" b="0" i="1" smtClean="0">
+                          <a:latin typeface="Cambria Math" panose="02040503050406030204" pitchFamily="18" charset="0"/>
+                        </a:rPr>
+                        <m:t>+</m:t>
+                      </m:r>
+                      <m:sSub>
+                        <m:sSubPr>
+                          <m:ctrlPr>
+                            <a:rPr lang="en-US" i="1">
+                              <a:latin typeface="Cambria Math" panose="02040503050406030204" pitchFamily="18" charset="0"/>
+                            </a:rPr>
+                          </m:ctrlPr>
+                        </m:sSubPr>
+                        <m:e>
+                          <m:d>
+                            <m:dPr>
+                              <m:begChr m:val=""/>
+                              <m:endChr m:val="|"/>
+                              <m:ctrlPr>
+                                <a:rPr lang="en-US" i="1">
+                                  <a:latin typeface="Cambria Math" panose="02040503050406030204" pitchFamily="18" charset="0"/>
+                                </a:rPr>
+                              </m:ctrlPr>
+                            </m:dPr>
+                            <m:e>
+                              <m:f>
+                                <m:fPr>
+                                  <m:ctrlPr>
+                                    <a:rPr lang="en-US" i="1">
+                                      <a:latin typeface="Cambria Math" panose="02040503050406030204" pitchFamily="18" charset="0"/>
+                                    </a:rPr>
+                                  </m:ctrlPr>
+                                </m:fPr>
+                                <m:num>
+                                  <m:r>
+                                    <a:rPr lang="en-US" i="1">
+                                      <a:latin typeface="Cambria Math" panose="02040503050406030204" pitchFamily="18" charset="0"/>
+                                      <a:ea typeface="Cambria Math" panose="02040503050406030204" pitchFamily="18" charset="0"/>
+                                    </a:rPr>
+                                    <m:t>𝜕</m:t>
+                                  </m:r>
+                                  <m:r>
+                                    <a:rPr lang="en-US" i="1">
+                                      <a:latin typeface="Cambria Math" panose="02040503050406030204" pitchFamily="18" charset="0"/>
+                                      <a:ea typeface="Cambria Math" panose="02040503050406030204" pitchFamily="18" charset="0"/>
+                                    </a:rPr>
+                                    <m:t>(</m:t>
+                                  </m:r>
+                                  <m:r>
+                                    <a:rPr lang="en-US" i="1">
+                                      <a:latin typeface="Cambria Math" panose="02040503050406030204" pitchFamily="18" charset="0"/>
+                                      <a:ea typeface="Cambria Math" panose="02040503050406030204" pitchFamily="18" charset="0"/>
+                                    </a:rPr>
+                                    <m:t>𝑛𝑀</m:t>
+                                  </m:r>
+                                  <m:r>
+                                    <a:rPr lang="en-US" i="1">
+                                      <a:latin typeface="Cambria Math" panose="02040503050406030204" pitchFamily="18" charset="0"/>
+                                      <a:ea typeface="Cambria Math" panose="02040503050406030204" pitchFamily="18" charset="0"/>
+                                    </a:rPr>
+                                    <m:t>)</m:t>
+                                  </m:r>
+                                </m:num>
+                                <m:den>
+                                  <m:r>
+                                    <a:rPr lang="en-US" i="1">
+                                      <a:latin typeface="Cambria Math" panose="02040503050406030204" pitchFamily="18" charset="0"/>
+                                    </a:rPr>
+                                    <m:t>𝑑</m:t>
+                                  </m:r>
+                                  <m:sSub>
+                                    <m:sSubPr>
+                                      <m:ctrlPr>
+                                        <a:rPr lang="en-US" i="1" smtClean="0">
+                                          <a:latin typeface="Cambria Math" panose="02040503050406030204" pitchFamily="18" charset="0"/>
+                                        </a:rPr>
+                                      </m:ctrlPr>
+                                    </m:sSubPr>
+                                    <m:e>
+                                      <m:r>
+                                        <a:rPr lang="en-US" b="0" i="1" smtClean="0">
+                                          <a:latin typeface="Cambria Math" panose="02040503050406030204" pitchFamily="18" charset="0"/>
+                                        </a:rPr>
+                                        <m:t>𝑛</m:t>
+                                      </m:r>
+                                    </m:e>
+                                    <m:sub>
+                                      <m:r>
+                                        <a:rPr lang="en-US" b="0" i="1" smtClean="0">
+                                          <a:latin typeface="Cambria Math" panose="02040503050406030204" pitchFamily="18" charset="0"/>
+                                        </a:rPr>
+                                        <m:t>2</m:t>
+                                      </m:r>
+                                    </m:sub>
+                                  </m:sSub>
+                                </m:den>
+                              </m:f>
+                            </m:e>
+                          </m:d>
+                        </m:e>
+                        <m:sub>
+                          <m:r>
+                            <a:rPr lang="en-US" b="0" i="1" smtClean="0">
+                              <a:latin typeface="Cambria Math" panose="02040503050406030204" pitchFamily="18" charset="0"/>
+                            </a:rPr>
+                            <m:t>𝑇</m:t>
+                          </m:r>
+                          <m:r>
+                            <a:rPr lang="en-US" i="1">
+                              <a:latin typeface="Cambria Math" panose="02040503050406030204" pitchFamily="18" charset="0"/>
+                            </a:rPr>
+                            <m:t>,</m:t>
+                          </m:r>
+                          <m:r>
+                            <a:rPr lang="en-US" b="0" i="1" smtClean="0">
+                              <a:latin typeface="Cambria Math" panose="02040503050406030204" pitchFamily="18" charset="0"/>
+                            </a:rPr>
+                            <m:t>𝑃</m:t>
+                          </m:r>
+                          <m:r>
+                            <a:rPr lang="en-US" i="1">
+                              <a:latin typeface="Cambria Math" panose="02040503050406030204" pitchFamily="18" charset="0"/>
+                            </a:rPr>
+                            <m:t>,</m:t>
+                          </m:r>
+                          <m:r>
+                            <a:rPr lang="en-US" b="0" i="1" smtClean="0">
+                              <a:latin typeface="Cambria Math" panose="02040503050406030204" pitchFamily="18" charset="0"/>
+                            </a:rPr>
+                            <m:t>  </m:t>
+                          </m:r>
+                          <m:sSub>
+                            <m:sSubPr>
+                              <m:ctrlPr>
+                                <a:rPr lang="en-US" i="1">
+                                  <a:latin typeface="Cambria Math" panose="02040503050406030204" pitchFamily="18" charset="0"/>
+                                </a:rPr>
+                              </m:ctrlPr>
+                            </m:sSubPr>
+                            <m:e>
+                              <m:r>
+                                <a:rPr lang="en-US" i="1">
+                                  <a:latin typeface="Cambria Math" panose="02040503050406030204" pitchFamily="18" charset="0"/>
+                                </a:rPr>
+                                <m:t>𝑛</m:t>
+                              </m:r>
+                            </m:e>
+                            <m:sub>
+                              <m:r>
+                                <a:rPr lang="en-US" b="0" i="1" smtClean="0">
+                                  <a:latin typeface="Cambria Math" panose="02040503050406030204" pitchFamily="18" charset="0"/>
+                                </a:rPr>
+                                <m:t>1</m:t>
+                              </m:r>
+                            </m:sub>
+                          </m:sSub>
+                        </m:sub>
+                      </m:sSub>
+                      <m:r>
+                        <a:rPr lang="en-US" b="0" i="1" smtClean="0">
+                          <a:latin typeface="Cambria Math" panose="02040503050406030204" pitchFamily="18" charset="0"/>
+                        </a:rPr>
+                        <m:t>𝑑</m:t>
+                      </m:r>
+                      <m:sSub>
+                        <m:sSubPr>
+                          <m:ctrlPr>
+                            <a:rPr lang="en-US" b="0" i="1" smtClean="0">
+                              <a:latin typeface="Cambria Math" panose="02040503050406030204" pitchFamily="18" charset="0"/>
+                            </a:rPr>
+                          </m:ctrlPr>
+                        </m:sSubPr>
+                        <m:e>
+                          <m:r>
+                            <a:rPr lang="en-US" b="0" i="1" smtClean="0">
+                              <a:latin typeface="Cambria Math" panose="02040503050406030204" pitchFamily="18" charset="0"/>
+                            </a:rPr>
+                            <m:t>𝑛</m:t>
+                          </m:r>
+                        </m:e>
+                        <m:sub>
+                          <m:r>
+                            <a:rPr lang="en-US" b="0" i="1" smtClean="0">
+                              <a:latin typeface="Cambria Math" panose="02040503050406030204" pitchFamily="18" charset="0"/>
+                            </a:rPr>
+                            <m:t>2</m:t>
+                          </m:r>
+                        </m:sub>
+                      </m:sSub>
+                    </m:oMath>
+                  </m:oMathPara>
+                </a14:m>
+                <a:endParaRPr lang="en-US" dirty="0"/>
+              </a:p>
+            </p:txBody>
+          </p:sp>
+        </mc:Choice>
+        <mc:Fallback>
+          <p:sp>
+            <p:nvSpPr>
+              <p:cNvPr id="13" name="TextBox 12">
+                <a:extLst>
+                  <a:ext uri="{FF2B5EF4-FFF2-40B4-BE49-F238E27FC236}">
+                    <a16:creationId xmlns:a16="http://schemas.microsoft.com/office/drawing/2014/main" id="{AAF506ED-5D67-6E2E-2F4C-FA2218B642C1}"/>
+                  </a:ext>
+                </a:extLst>
+              </p:cNvPr>
+              <p:cNvSpPr txBox="1">
+                <a:spLocks noRot="1" noChangeAspect="1" noMove="1" noResize="1" noEditPoints="1" noAdjustHandles="1" noChangeArrowheads="1" noChangeShapeType="1" noTextEdit="1"/>
+              </p:cNvSpPr>
+              <p:nvPr/>
+            </p:nvSpPr>
+            <p:spPr>
+              <a:xfrm>
+                <a:off x="47897" y="5342841"/>
+                <a:ext cx="8591005" cy="697755"/>
+              </a:xfrm>
+              <a:prstGeom prst="rect">
+                <a:avLst/>
+              </a:prstGeom>
+              <a:blipFill>
+                <a:blip r:embed="rId4"/>
+                <a:stretch>
+                  <a:fillRect/>
+                </a:stretch>
+              </a:blipFill>
+            </p:spPr>
+            <p:txBody>
+              <a:bodyPr/>
+              <a:lstStyle/>
+              <a:p>
+                <a:r>
+                  <a:rPr lang="en-US">
+                    <a:noFill/>
+                  </a:rPr>
+                  <a:t> </a:t>
+                </a:r>
+              </a:p>
+            </p:txBody>
+          </p:sp>
+        </mc:Fallback>
+      </mc:AlternateContent>
+      <p:sp>
+        <p:nvSpPr>
+          <p:cNvPr id="14" name="TextBox 13">
+            <a:extLst>
+              <a:ext uri="{FF2B5EF4-FFF2-40B4-BE49-F238E27FC236}">
+                <a16:creationId xmlns:a16="http://schemas.microsoft.com/office/drawing/2014/main" id="{8B4A5C92-D67A-94DB-E533-B320C6FD1622}"/>
+              </a:ext>
+            </a:extLst>
+          </p:cNvPr>
+          <p:cNvSpPr txBox="1"/>
+          <p:nvPr/>
+        </p:nvSpPr>
+        <p:spPr>
+          <a:xfrm>
+            <a:off x="-78649" y="4316859"/>
+            <a:ext cx="8765450" cy="646331"/>
+          </a:xfrm>
+          <a:prstGeom prst="rect">
+            <a:avLst/>
+          </a:prstGeom>
+          <a:noFill/>
+        </p:spPr>
+        <p:txBody>
+          <a:bodyPr wrap="square" rtlCol="0">
+            <a:spAutoFit/>
+          </a:bodyPr>
+          <a:lstStyle/>
+          <a:p>
+            <a:r>
+              <a:rPr lang="en-US" dirty="0"/>
+              <a:t>Representing a change in a property based on the changes of its dependent variables (using a two-substance mixture for simplicity)</a:t>
+            </a:r>
+          </a:p>
+        </p:txBody>
+      </p:sp>
+      <p:sp>
+        <p:nvSpPr>
+          <p:cNvPr id="15" name="TextBox 14">
+            <a:extLst>
+              <a:ext uri="{FF2B5EF4-FFF2-40B4-BE49-F238E27FC236}">
+                <a16:creationId xmlns:a16="http://schemas.microsoft.com/office/drawing/2014/main" id="{62652D40-6CFA-140C-300F-6962BBAFAFFA}"/>
+              </a:ext>
+            </a:extLst>
+          </p:cNvPr>
+          <p:cNvSpPr txBox="1"/>
+          <p:nvPr/>
+        </p:nvSpPr>
+        <p:spPr>
+          <a:xfrm>
+            <a:off x="4851399" y="6484467"/>
+            <a:ext cx="3230949" cy="369332"/>
+          </a:xfrm>
+          <a:prstGeom prst="rect">
+            <a:avLst/>
+          </a:prstGeom>
+          <a:noFill/>
+        </p:spPr>
+        <p:txBody>
+          <a:bodyPr wrap="none" rtlCol="0">
+            <a:spAutoFit/>
+          </a:bodyPr>
+          <a:lstStyle/>
+          <a:p>
+            <a:r>
+              <a:rPr lang="en-US" dirty="0"/>
+              <a:t>Can be represented as partials</a:t>
+            </a:r>
+          </a:p>
+        </p:txBody>
+      </p:sp>
+      <p:cxnSp>
+        <p:nvCxnSpPr>
+          <p:cNvPr id="17" name="Straight Arrow Connector 16">
+            <a:extLst>
+              <a:ext uri="{FF2B5EF4-FFF2-40B4-BE49-F238E27FC236}">
+                <a16:creationId xmlns:a16="http://schemas.microsoft.com/office/drawing/2014/main" id="{6B3FFDE7-2340-FDBF-DC87-0D690FCF01FD}"/>
+              </a:ext>
+            </a:extLst>
+          </p:cNvPr>
+          <p:cNvCxnSpPr>
+            <a:stCxn id="15" idx="0"/>
+          </p:cNvCxnSpPr>
+          <p:nvPr/>
+        </p:nvCxnSpPr>
+        <p:spPr>
+          <a:xfrm flipH="1" flipV="1">
+            <a:off x="5520267" y="6040596"/>
+            <a:ext cx="946607" cy="443871"/>
+          </a:xfrm>
+          <a:prstGeom prst="straightConnector1">
+            <a:avLst/>
+          </a:prstGeom>
+          <a:ln>
+            <a:tailEnd type="triangle"/>
+          </a:ln>
+        </p:spPr>
+        <p:style>
+          <a:lnRef idx="2">
+            <a:schemeClr val="accent1"/>
+          </a:lnRef>
+          <a:fillRef idx="0">
+            <a:schemeClr val="accent1"/>
+          </a:fillRef>
+          <a:effectRef idx="1">
+            <a:schemeClr val="accent1"/>
+          </a:effectRef>
+          <a:fontRef idx="minor">
+            <a:schemeClr val="tx1"/>
+          </a:fontRef>
+        </p:style>
+      </p:cxnSp>
+      <p:cxnSp>
+        <p:nvCxnSpPr>
+          <p:cNvPr id="19" name="Straight Arrow Connector 18">
+            <a:extLst>
+              <a:ext uri="{FF2B5EF4-FFF2-40B4-BE49-F238E27FC236}">
+                <a16:creationId xmlns:a16="http://schemas.microsoft.com/office/drawing/2014/main" id="{401612E7-CFBA-0390-9B31-D79F4550BB5B}"/>
+              </a:ext>
+            </a:extLst>
+          </p:cNvPr>
+          <p:cNvCxnSpPr>
+            <a:stCxn id="15" idx="0"/>
+          </p:cNvCxnSpPr>
+          <p:nvPr/>
+        </p:nvCxnSpPr>
+        <p:spPr>
+          <a:xfrm flipV="1">
+            <a:off x="6466874" y="5914893"/>
+            <a:ext cx="712859" cy="569574"/>
+          </a:xfrm>
+          <a:prstGeom prst="straightConnector1">
+            <a:avLst/>
+          </a:prstGeom>
+          <a:ln>
+            <a:tailEnd type="triangle"/>
+          </a:ln>
+        </p:spPr>
+        <p:style>
+          <a:lnRef idx="2">
+            <a:schemeClr val="accent1"/>
+          </a:lnRef>
+          <a:fillRef idx="0">
+            <a:schemeClr val="accent1"/>
+          </a:fillRef>
+          <a:effectRef idx="1">
+            <a:schemeClr val="accent1"/>
+          </a:effectRef>
+          <a:fontRef idx="minor">
+            <a:schemeClr val="tx1"/>
+          </a:fontRef>
+        </p:style>
+      </p:cxnSp>
+      <mc:AlternateContent xmlns:mc="http://schemas.openxmlformats.org/markup-compatibility/2006">
+        <mc:Choice xmlns:a14="http://schemas.microsoft.com/office/drawing/2010/main" Requires="a14">
+          <p:sp>
+            <p:nvSpPr>
+              <p:cNvPr id="20" name="TextBox 19">
+                <a:extLst>
+                  <a:ext uri="{FF2B5EF4-FFF2-40B4-BE49-F238E27FC236}">
+                    <a16:creationId xmlns:a16="http://schemas.microsoft.com/office/drawing/2014/main" id="{D132A082-7759-24DB-AC78-EBBD97EA95A8}"/>
+                  </a:ext>
+                </a:extLst>
+              </p:cNvPr>
+              <p:cNvSpPr txBox="1"/>
+              <p:nvPr/>
+            </p:nvSpPr>
+            <p:spPr>
+              <a:xfrm>
+                <a:off x="35584" y="7074701"/>
+                <a:ext cx="2227533" cy="276999"/>
+              </a:xfrm>
+              <a:prstGeom prst="rect">
+                <a:avLst/>
+              </a:prstGeom>
+              <a:noFill/>
+            </p:spPr>
+            <p:txBody>
+              <a:bodyPr wrap="none" lIns="0" tIns="0" rIns="0" bIns="0" rtlCol="0">
+                <a:spAutoFit/>
+              </a:bodyPr>
+              <a:lstStyle/>
+              <a:p>
+                <a14:m>
+                  <m:oMathPara xmlns:m="http://schemas.openxmlformats.org/officeDocument/2006/math">
+                    <m:oMathParaPr>
+                      <m:jc m:val="centerGroup"/>
+                    </m:oMathParaPr>
+                    <m:oMath xmlns:m="http://schemas.openxmlformats.org/officeDocument/2006/math">
+                      <m:r>
+                        <a:rPr lang="en-US" b="0" i="1" smtClean="0">
+                          <a:latin typeface="Cambria Math" panose="02040503050406030204" pitchFamily="18" charset="0"/>
+                        </a:rPr>
+                        <m:t>𝑑</m:t>
+                      </m:r>
+                      <m:d>
+                        <m:dPr>
+                          <m:ctrlPr>
+                            <a:rPr lang="en-US" b="0" i="1" smtClean="0">
+                              <a:latin typeface="Cambria Math" panose="02040503050406030204" pitchFamily="18" charset="0"/>
+                            </a:rPr>
+                          </m:ctrlPr>
+                        </m:dPr>
+                        <m:e>
+                          <m:r>
+                            <a:rPr lang="en-US" b="0" i="1" smtClean="0">
+                              <a:latin typeface="Cambria Math" panose="02040503050406030204" pitchFamily="18" charset="0"/>
+                            </a:rPr>
+                            <m:t>𝑛𝑀</m:t>
+                          </m:r>
+                        </m:e>
+                      </m:d>
+                      <m:r>
+                        <a:rPr lang="en-US" b="0" i="1" smtClean="0">
+                          <a:latin typeface="Cambria Math" panose="02040503050406030204" pitchFamily="18" charset="0"/>
+                        </a:rPr>
+                        <m:t>=</m:t>
+                      </m:r>
+                      <m:r>
+                        <a:rPr lang="en-US" b="0" i="1" smtClean="0">
+                          <a:latin typeface="Cambria Math" panose="02040503050406030204" pitchFamily="18" charset="0"/>
+                        </a:rPr>
+                        <m:t>𝑛𝑑𝑀</m:t>
+                      </m:r>
+                      <m:r>
+                        <a:rPr lang="en-US" b="0" i="1" smtClean="0">
+                          <a:latin typeface="Cambria Math" panose="02040503050406030204" pitchFamily="18" charset="0"/>
+                        </a:rPr>
+                        <m:t>+</m:t>
+                      </m:r>
+                      <m:r>
+                        <a:rPr lang="en-US" b="0" i="1" smtClean="0">
+                          <a:latin typeface="Cambria Math" panose="02040503050406030204" pitchFamily="18" charset="0"/>
+                        </a:rPr>
+                        <m:t>𝑀𝑑𝑛</m:t>
+                      </m:r>
+                    </m:oMath>
+                  </m:oMathPara>
+                </a14:m>
+                <a:endParaRPr lang="en-US" dirty="0"/>
+              </a:p>
+            </p:txBody>
+          </p:sp>
+        </mc:Choice>
+        <mc:Fallback>
+          <p:sp>
+            <p:nvSpPr>
+              <p:cNvPr id="20" name="TextBox 19">
+                <a:extLst>
+                  <a:ext uri="{FF2B5EF4-FFF2-40B4-BE49-F238E27FC236}">
+                    <a16:creationId xmlns:a16="http://schemas.microsoft.com/office/drawing/2014/main" id="{D132A082-7759-24DB-AC78-EBBD97EA95A8}"/>
+                  </a:ext>
+                </a:extLst>
+              </p:cNvPr>
+              <p:cNvSpPr txBox="1">
+                <a:spLocks noRot="1" noChangeAspect="1" noMove="1" noResize="1" noEditPoints="1" noAdjustHandles="1" noChangeArrowheads="1" noChangeShapeType="1" noTextEdit="1"/>
+              </p:cNvSpPr>
+              <p:nvPr/>
+            </p:nvSpPr>
+            <p:spPr>
+              <a:xfrm>
+                <a:off x="35584" y="7074701"/>
+                <a:ext cx="2227533" cy="276999"/>
+              </a:xfrm>
+              <a:prstGeom prst="rect">
+                <a:avLst/>
+              </a:prstGeom>
+              <a:blipFill>
+                <a:blip r:embed="rId5"/>
+                <a:stretch>
+                  <a:fillRect l="-2192" r="-2466" b="-8889"/>
+                </a:stretch>
+              </a:blipFill>
+            </p:spPr>
+            <p:txBody>
+              <a:bodyPr/>
+              <a:lstStyle/>
+              <a:p>
+                <a:r>
+                  <a:rPr lang="en-US">
+                    <a:noFill/>
+                  </a:rPr>
+                  <a:t> </a:t>
+                </a:r>
+              </a:p>
+            </p:txBody>
+          </p:sp>
+        </mc:Fallback>
+      </mc:AlternateContent>
+      <mc:AlternateContent xmlns:mc="http://schemas.openxmlformats.org/markup-compatibility/2006">
+        <mc:Choice xmlns:a14="http://schemas.microsoft.com/office/drawing/2010/main" Requires="a14">
+          <p:sp>
+            <p:nvSpPr>
+              <p:cNvPr id="21" name="TextBox 20">
+                <a:extLst>
+                  <a:ext uri="{FF2B5EF4-FFF2-40B4-BE49-F238E27FC236}">
+                    <a16:creationId xmlns:a16="http://schemas.microsoft.com/office/drawing/2014/main" id="{C4573D44-1BEC-57FB-177C-94F2182770AB}"/>
+                  </a:ext>
+                </a:extLst>
+              </p:cNvPr>
+              <p:cNvSpPr txBox="1"/>
+              <p:nvPr/>
+            </p:nvSpPr>
+            <p:spPr>
+              <a:xfrm>
+                <a:off x="2032223" y="7403630"/>
+                <a:ext cx="2982420" cy="276999"/>
+              </a:xfrm>
+              <a:prstGeom prst="rect">
+                <a:avLst/>
+              </a:prstGeom>
+              <a:noFill/>
+            </p:spPr>
+            <p:txBody>
+              <a:bodyPr wrap="none" lIns="0" tIns="0" rIns="0" bIns="0" rtlCol="0">
+                <a:spAutoFit/>
+              </a:bodyPr>
+              <a:lstStyle/>
+              <a:p>
+                <a14:m>
+                  <m:oMathPara xmlns:m="http://schemas.openxmlformats.org/officeDocument/2006/math">
+                    <m:oMathParaPr>
+                      <m:jc m:val="centerGroup"/>
+                    </m:oMathParaPr>
+                    <m:oMath xmlns:m="http://schemas.openxmlformats.org/officeDocument/2006/math">
+                      <m:r>
+                        <a:rPr lang="en-US" b="0" i="1" smtClean="0">
+                          <a:latin typeface="Cambria Math" panose="02040503050406030204" pitchFamily="18" charset="0"/>
+                        </a:rPr>
+                        <m:t>𝑑</m:t>
+                      </m:r>
+                      <m:sSub>
+                        <m:sSubPr>
+                          <m:ctrlPr>
+                            <a:rPr lang="en-US" b="0" i="1" smtClean="0">
+                              <a:latin typeface="Cambria Math" panose="02040503050406030204" pitchFamily="18" charset="0"/>
+                            </a:rPr>
+                          </m:ctrlPr>
+                        </m:sSubPr>
+                        <m:e>
+                          <m:r>
+                            <a:rPr lang="en-US" b="0" i="1" smtClean="0">
+                              <a:latin typeface="Cambria Math" panose="02040503050406030204" pitchFamily="18" charset="0"/>
+                            </a:rPr>
+                            <m:t>𝑛</m:t>
+                          </m:r>
+                        </m:e>
+                        <m:sub>
+                          <m:r>
+                            <a:rPr lang="en-US" b="0" i="1" smtClean="0">
+                              <a:latin typeface="Cambria Math" panose="02040503050406030204" pitchFamily="18" charset="0"/>
+                            </a:rPr>
+                            <m:t>1</m:t>
+                          </m:r>
+                        </m:sub>
+                      </m:sSub>
+                      <m:r>
+                        <a:rPr lang="en-US" b="0" i="1" smtClean="0">
+                          <a:latin typeface="Cambria Math" panose="02040503050406030204" pitchFamily="18" charset="0"/>
+                        </a:rPr>
+                        <m:t>=</m:t>
+                      </m:r>
+                      <m:r>
+                        <a:rPr lang="en-US" b="0" i="1" smtClean="0">
+                          <a:latin typeface="Cambria Math" panose="02040503050406030204" pitchFamily="18" charset="0"/>
+                        </a:rPr>
+                        <m:t>𝑑</m:t>
+                      </m:r>
+                      <m:d>
+                        <m:dPr>
+                          <m:ctrlPr>
+                            <a:rPr lang="en-US" b="0" i="1" smtClean="0">
+                              <a:latin typeface="Cambria Math" panose="02040503050406030204" pitchFamily="18" charset="0"/>
+                            </a:rPr>
+                          </m:ctrlPr>
+                        </m:dPr>
+                        <m:e>
+                          <m:r>
+                            <a:rPr lang="en-US" b="0" i="1" smtClean="0">
+                              <a:latin typeface="Cambria Math" panose="02040503050406030204" pitchFamily="18" charset="0"/>
+                            </a:rPr>
+                            <m:t>𝑛</m:t>
+                          </m:r>
+                          <m:sSub>
+                            <m:sSubPr>
+                              <m:ctrlPr>
+                                <a:rPr lang="en-US" b="0" i="1" smtClean="0">
+                                  <a:latin typeface="Cambria Math" panose="02040503050406030204" pitchFamily="18" charset="0"/>
+                                </a:rPr>
+                              </m:ctrlPr>
+                            </m:sSubPr>
+                            <m:e>
+                              <m:r>
+                                <a:rPr lang="en-US" b="0" i="1" smtClean="0">
+                                  <a:latin typeface="Cambria Math" panose="02040503050406030204" pitchFamily="18" charset="0"/>
+                                </a:rPr>
+                                <m:t>𝑥</m:t>
+                              </m:r>
+                            </m:e>
+                            <m:sub>
+                              <m:r>
+                                <a:rPr lang="en-US" b="0" i="1" smtClean="0">
+                                  <a:latin typeface="Cambria Math" panose="02040503050406030204" pitchFamily="18" charset="0"/>
+                                </a:rPr>
+                                <m:t>1</m:t>
+                              </m:r>
+                            </m:sub>
+                          </m:sSub>
+                        </m:e>
+                      </m:d>
+                      <m:r>
+                        <a:rPr lang="en-US" b="0" i="1" smtClean="0">
+                          <a:latin typeface="Cambria Math" panose="02040503050406030204" pitchFamily="18" charset="0"/>
+                        </a:rPr>
+                        <m:t>=</m:t>
+                      </m:r>
+                      <m:r>
+                        <a:rPr lang="en-US" b="0" i="1" smtClean="0">
+                          <a:latin typeface="Cambria Math" panose="02040503050406030204" pitchFamily="18" charset="0"/>
+                        </a:rPr>
+                        <m:t>𝑛𝑑</m:t>
+                      </m:r>
+                      <m:sSub>
+                        <m:sSubPr>
+                          <m:ctrlPr>
+                            <a:rPr lang="en-US" b="0" i="1" smtClean="0">
+                              <a:latin typeface="Cambria Math" panose="02040503050406030204" pitchFamily="18" charset="0"/>
+                            </a:rPr>
+                          </m:ctrlPr>
+                        </m:sSubPr>
+                        <m:e>
+                          <m:r>
+                            <a:rPr lang="en-US" b="0" i="1" smtClean="0">
+                              <a:latin typeface="Cambria Math" panose="02040503050406030204" pitchFamily="18" charset="0"/>
+                            </a:rPr>
+                            <m:t>𝑥</m:t>
+                          </m:r>
+                        </m:e>
+                        <m:sub>
+                          <m:r>
+                            <a:rPr lang="en-US" b="0" i="1" smtClean="0">
+                              <a:latin typeface="Cambria Math" panose="02040503050406030204" pitchFamily="18" charset="0"/>
+                            </a:rPr>
+                            <m:t>1</m:t>
+                          </m:r>
+                        </m:sub>
+                      </m:sSub>
+                      <m:r>
+                        <a:rPr lang="en-US" b="0" i="1" smtClean="0">
+                          <a:latin typeface="Cambria Math" panose="02040503050406030204" pitchFamily="18" charset="0"/>
+                        </a:rPr>
+                        <m:t>+</m:t>
+                      </m:r>
+                      <m:sSub>
+                        <m:sSubPr>
+                          <m:ctrlPr>
+                            <a:rPr lang="en-US" b="0" i="1" smtClean="0">
+                              <a:latin typeface="Cambria Math" panose="02040503050406030204" pitchFamily="18" charset="0"/>
+                            </a:rPr>
+                          </m:ctrlPr>
+                        </m:sSubPr>
+                        <m:e>
+                          <m:r>
+                            <a:rPr lang="en-US" b="0" i="1" smtClean="0">
+                              <a:latin typeface="Cambria Math" panose="02040503050406030204" pitchFamily="18" charset="0"/>
+                            </a:rPr>
+                            <m:t>𝑥</m:t>
+                          </m:r>
+                        </m:e>
+                        <m:sub>
+                          <m:r>
+                            <a:rPr lang="en-US" b="0" i="1" smtClean="0">
+                              <a:latin typeface="Cambria Math" panose="02040503050406030204" pitchFamily="18" charset="0"/>
+                            </a:rPr>
+                            <m:t>1</m:t>
+                          </m:r>
+                        </m:sub>
+                      </m:sSub>
+                      <m:r>
+                        <a:rPr lang="en-US" b="0" i="1" smtClean="0">
+                          <a:latin typeface="Cambria Math" panose="02040503050406030204" pitchFamily="18" charset="0"/>
+                        </a:rPr>
+                        <m:t>𝑑𝑛</m:t>
+                      </m:r>
+                    </m:oMath>
+                  </m:oMathPara>
+                </a14:m>
+                <a:endParaRPr lang="en-US" dirty="0"/>
+              </a:p>
+            </p:txBody>
+          </p:sp>
+        </mc:Choice>
+        <mc:Fallback>
+          <p:sp>
+            <p:nvSpPr>
+              <p:cNvPr id="21" name="TextBox 20">
+                <a:extLst>
+                  <a:ext uri="{FF2B5EF4-FFF2-40B4-BE49-F238E27FC236}">
+                    <a16:creationId xmlns:a16="http://schemas.microsoft.com/office/drawing/2014/main" id="{C4573D44-1BEC-57FB-177C-94F2182770AB}"/>
+                  </a:ext>
+                </a:extLst>
+              </p:cNvPr>
+              <p:cNvSpPr txBox="1">
+                <a:spLocks noRot="1" noChangeAspect="1" noMove="1" noResize="1" noEditPoints="1" noAdjustHandles="1" noChangeArrowheads="1" noChangeShapeType="1" noTextEdit="1"/>
+              </p:cNvSpPr>
+              <p:nvPr/>
+            </p:nvSpPr>
+            <p:spPr>
+              <a:xfrm>
+                <a:off x="2032223" y="7403630"/>
+                <a:ext cx="2982420" cy="276999"/>
+              </a:xfrm>
+              <a:prstGeom prst="rect">
+                <a:avLst/>
+              </a:prstGeom>
+              <a:blipFill>
+                <a:blip r:embed="rId6"/>
+                <a:stretch>
+                  <a:fillRect l="-1633" r="-1429" b="-15556"/>
+                </a:stretch>
+              </a:blipFill>
+            </p:spPr>
+            <p:txBody>
+              <a:bodyPr/>
+              <a:lstStyle/>
+              <a:p>
+                <a:r>
+                  <a:rPr lang="en-US">
+                    <a:noFill/>
+                  </a:rPr>
+                  <a:t> </a:t>
+                </a:r>
+              </a:p>
+            </p:txBody>
+          </p:sp>
+        </mc:Fallback>
+      </mc:AlternateContent>
+      <mc:AlternateContent xmlns:mc="http://schemas.openxmlformats.org/markup-compatibility/2006">
+        <mc:Choice xmlns:a14="http://schemas.microsoft.com/office/drawing/2010/main" Requires="a14">
+          <p:sp>
+            <p:nvSpPr>
+              <p:cNvPr id="22" name="TextBox 21">
+                <a:extLst>
+                  <a:ext uri="{FF2B5EF4-FFF2-40B4-BE49-F238E27FC236}">
+                    <a16:creationId xmlns:a16="http://schemas.microsoft.com/office/drawing/2014/main" id="{1D5AC17C-06CF-26C3-EED5-189BB82071AA}"/>
+                  </a:ext>
+                </a:extLst>
+              </p:cNvPr>
+              <p:cNvSpPr txBox="1"/>
+              <p:nvPr/>
+            </p:nvSpPr>
+            <p:spPr>
+              <a:xfrm>
+                <a:off x="5036899" y="6992848"/>
+                <a:ext cx="3045449" cy="276999"/>
+              </a:xfrm>
+              <a:prstGeom prst="rect">
+                <a:avLst/>
+              </a:prstGeom>
+              <a:noFill/>
+            </p:spPr>
+            <p:txBody>
+              <a:bodyPr wrap="none" lIns="0" tIns="0" rIns="0" bIns="0" rtlCol="0">
+                <a:spAutoFit/>
+              </a:bodyPr>
+              <a:lstStyle/>
+              <a:p>
+                <a14:m>
+                  <m:oMathPara xmlns:m="http://schemas.openxmlformats.org/officeDocument/2006/math">
+                    <m:oMathParaPr>
+                      <m:jc m:val="centerGroup"/>
+                    </m:oMathParaPr>
+                    <m:oMath xmlns:m="http://schemas.openxmlformats.org/officeDocument/2006/math">
+                      <m:r>
+                        <a:rPr lang="en-US" b="0" i="1" smtClean="0">
+                          <a:latin typeface="Cambria Math" panose="02040503050406030204" pitchFamily="18" charset="0"/>
+                        </a:rPr>
+                        <m:t>𝑑</m:t>
+                      </m:r>
+                      <m:sSub>
+                        <m:sSubPr>
+                          <m:ctrlPr>
+                            <a:rPr lang="en-US" b="0" i="1" smtClean="0">
+                              <a:latin typeface="Cambria Math" panose="02040503050406030204" pitchFamily="18" charset="0"/>
+                            </a:rPr>
+                          </m:ctrlPr>
+                        </m:sSubPr>
+                        <m:e>
+                          <m:r>
+                            <a:rPr lang="en-US" b="0" i="1" smtClean="0">
+                              <a:latin typeface="Cambria Math" panose="02040503050406030204" pitchFamily="18" charset="0"/>
+                            </a:rPr>
+                            <m:t>𝑛</m:t>
+                          </m:r>
+                        </m:e>
+                        <m:sub>
+                          <m:r>
+                            <a:rPr lang="en-US" b="0" i="1" smtClean="0">
+                              <a:latin typeface="Cambria Math" panose="02040503050406030204" pitchFamily="18" charset="0"/>
+                            </a:rPr>
+                            <m:t>2</m:t>
+                          </m:r>
+                        </m:sub>
+                      </m:sSub>
+                      <m:r>
+                        <a:rPr lang="en-US" b="0" i="1" smtClean="0">
+                          <a:latin typeface="Cambria Math" panose="02040503050406030204" pitchFamily="18" charset="0"/>
+                        </a:rPr>
+                        <m:t>=</m:t>
+                      </m:r>
+                      <m:r>
+                        <a:rPr lang="en-US" b="0" i="1" smtClean="0">
+                          <a:latin typeface="Cambria Math" panose="02040503050406030204" pitchFamily="18" charset="0"/>
+                        </a:rPr>
+                        <m:t>𝑑</m:t>
+                      </m:r>
+                      <m:d>
+                        <m:dPr>
+                          <m:ctrlPr>
+                            <a:rPr lang="en-US" b="0" i="1" smtClean="0">
+                              <a:latin typeface="Cambria Math" panose="02040503050406030204" pitchFamily="18" charset="0"/>
+                            </a:rPr>
+                          </m:ctrlPr>
+                        </m:dPr>
+                        <m:e>
+                          <m:r>
+                            <a:rPr lang="en-US" b="0" i="1" smtClean="0">
+                              <a:latin typeface="Cambria Math" panose="02040503050406030204" pitchFamily="18" charset="0"/>
+                            </a:rPr>
+                            <m:t>𝑛</m:t>
+                          </m:r>
+                          <m:sSub>
+                            <m:sSubPr>
+                              <m:ctrlPr>
+                                <a:rPr lang="en-US" b="0" i="1" smtClean="0">
+                                  <a:latin typeface="Cambria Math" panose="02040503050406030204" pitchFamily="18" charset="0"/>
+                                </a:rPr>
+                              </m:ctrlPr>
+                            </m:sSubPr>
+                            <m:e>
+                              <m:r>
+                                <a:rPr lang="en-US" b="0" i="1" smtClean="0">
+                                  <a:latin typeface="Cambria Math" panose="02040503050406030204" pitchFamily="18" charset="0"/>
+                                </a:rPr>
+                                <m:t>𝑥</m:t>
+                              </m:r>
+                            </m:e>
+                            <m:sub>
+                              <m:r>
+                                <a:rPr lang="en-US" b="0" i="1" smtClean="0">
+                                  <a:latin typeface="Cambria Math" panose="02040503050406030204" pitchFamily="18" charset="0"/>
+                                </a:rPr>
+                                <m:t>2</m:t>
+                              </m:r>
+                            </m:sub>
+                          </m:sSub>
+                        </m:e>
+                      </m:d>
+                      <m:r>
+                        <a:rPr lang="en-US" b="0" i="1" smtClean="0">
+                          <a:latin typeface="Cambria Math" panose="02040503050406030204" pitchFamily="18" charset="0"/>
+                        </a:rPr>
+                        <m:t>=</m:t>
+                      </m:r>
+                      <m:r>
+                        <a:rPr lang="en-US" b="0" i="1" smtClean="0">
+                          <a:latin typeface="Cambria Math" panose="02040503050406030204" pitchFamily="18" charset="0"/>
+                        </a:rPr>
+                        <m:t>𝑛𝑑</m:t>
+                      </m:r>
+                      <m:sSub>
+                        <m:sSubPr>
+                          <m:ctrlPr>
+                            <a:rPr lang="en-US" b="0" i="1" smtClean="0">
+                              <a:latin typeface="Cambria Math" panose="02040503050406030204" pitchFamily="18" charset="0"/>
+                            </a:rPr>
+                          </m:ctrlPr>
+                        </m:sSubPr>
+                        <m:e>
+                          <m:r>
+                            <a:rPr lang="en-US" b="0" i="1" smtClean="0">
+                              <a:latin typeface="Cambria Math" panose="02040503050406030204" pitchFamily="18" charset="0"/>
+                            </a:rPr>
+                            <m:t>𝑥</m:t>
+                          </m:r>
+                        </m:e>
+                        <m:sub>
+                          <m:r>
+                            <a:rPr lang="en-US" b="0" i="1" smtClean="0">
+                              <a:latin typeface="Cambria Math" panose="02040503050406030204" pitchFamily="18" charset="0"/>
+                            </a:rPr>
+                            <m:t>2</m:t>
+                          </m:r>
+                        </m:sub>
+                      </m:sSub>
+                      <m:r>
+                        <a:rPr lang="en-US" b="0" i="1" smtClean="0">
+                          <a:latin typeface="Cambria Math" panose="02040503050406030204" pitchFamily="18" charset="0"/>
+                        </a:rPr>
+                        <m:t>+</m:t>
+                      </m:r>
+                      <m:sSub>
+                        <m:sSubPr>
+                          <m:ctrlPr>
+                            <a:rPr lang="en-US" b="0" i="1" smtClean="0">
+                              <a:latin typeface="Cambria Math" panose="02040503050406030204" pitchFamily="18" charset="0"/>
+                            </a:rPr>
+                          </m:ctrlPr>
+                        </m:sSubPr>
+                        <m:e>
+                          <m:r>
+                            <a:rPr lang="en-US" b="0" i="1" smtClean="0">
+                              <a:latin typeface="Cambria Math" panose="02040503050406030204" pitchFamily="18" charset="0"/>
+                            </a:rPr>
+                            <m:t>𝑥</m:t>
+                          </m:r>
+                        </m:e>
+                        <m:sub>
+                          <m:r>
+                            <a:rPr lang="en-US" b="0" i="1" smtClean="0">
+                              <a:latin typeface="Cambria Math" panose="02040503050406030204" pitchFamily="18" charset="0"/>
+                            </a:rPr>
+                            <m:t>2</m:t>
+                          </m:r>
+                        </m:sub>
+                      </m:sSub>
+                      <m:r>
+                        <a:rPr lang="en-US" b="0" i="1" smtClean="0">
+                          <a:latin typeface="Cambria Math" panose="02040503050406030204" pitchFamily="18" charset="0"/>
+                        </a:rPr>
+                        <m:t>𝑑𝑛</m:t>
+                      </m:r>
+                    </m:oMath>
+                  </m:oMathPara>
+                </a14:m>
+                <a:endParaRPr lang="en-US" dirty="0"/>
+              </a:p>
+            </p:txBody>
+          </p:sp>
+        </mc:Choice>
+        <mc:Fallback>
+          <p:sp>
+            <p:nvSpPr>
+              <p:cNvPr id="22" name="TextBox 21">
+                <a:extLst>
+                  <a:ext uri="{FF2B5EF4-FFF2-40B4-BE49-F238E27FC236}">
+                    <a16:creationId xmlns:a16="http://schemas.microsoft.com/office/drawing/2014/main" id="{1D5AC17C-06CF-26C3-EED5-189BB82071AA}"/>
+                  </a:ext>
+                </a:extLst>
+              </p:cNvPr>
+              <p:cNvSpPr txBox="1">
+                <a:spLocks noRot="1" noChangeAspect="1" noMove="1" noResize="1" noEditPoints="1" noAdjustHandles="1" noChangeArrowheads="1" noChangeShapeType="1" noTextEdit="1"/>
+              </p:cNvSpPr>
+              <p:nvPr/>
+            </p:nvSpPr>
+            <p:spPr>
+              <a:xfrm>
+                <a:off x="5036899" y="6992848"/>
+                <a:ext cx="3045449" cy="276999"/>
+              </a:xfrm>
+              <a:prstGeom prst="rect">
+                <a:avLst/>
+              </a:prstGeom>
+              <a:blipFill>
+                <a:blip r:embed="rId7"/>
+                <a:stretch>
+                  <a:fillRect l="-800" r="-800" b="-15217"/>
+                </a:stretch>
+              </a:blipFill>
+            </p:spPr>
+            <p:txBody>
+              <a:bodyPr/>
+              <a:lstStyle/>
+              <a:p>
+                <a:r>
+                  <a:rPr lang="en-US">
+                    <a:noFill/>
+                  </a:rPr>
+                  <a:t> </a:t>
+                </a:r>
+              </a:p>
+            </p:txBody>
+          </p:sp>
+        </mc:Fallback>
+      </mc:AlternateContent>
+      <p:sp>
+        <p:nvSpPr>
+          <p:cNvPr id="23" name="TextBox 22">
+            <a:extLst>
+              <a:ext uri="{FF2B5EF4-FFF2-40B4-BE49-F238E27FC236}">
+                <a16:creationId xmlns:a16="http://schemas.microsoft.com/office/drawing/2014/main" id="{44C3B17B-F21E-9EFE-A692-AC86655347DB}"/>
+              </a:ext>
+            </a:extLst>
+          </p:cNvPr>
+          <p:cNvSpPr txBox="1"/>
+          <p:nvPr/>
+        </p:nvSpPr>
+        <p:spPr>
+          <a:xfrm>
+            <a:off x="0" y="7887904"/>
+            <a:ext cx="5581528" cy="369332"/>
+          </a:xfrm>
+          <a:prstGeom prst="rect">
+            <a:avLst/>
+          </a:prstGeom>
+          <a:noFill/>
+        </p:spPr>
+        <p:txBody>
+          <a:bodyPr wrap="none" rtlCol="0">
+            <a:spAutoFit/>
+          </a:bodyPr>
+          <a:lstStyle/>
+          <a:p>
+            <a:r>
+              <a:rPr lang="en-US" dirty="0"/>
+              <a:t>Combining all these equations ans inserting partials…</a:t>
+            </a:r>
+          </a:p>
+        </p:txBody>
+      </p:sp>
+      <mc:AlternateContent xmlns:mc="http://schemas.openxmlformats.org/markup-compatibility/2006">
+        <mc:Choice xmlns:a14="http://schemas.microsoft.com/office/drawing/2010/main" Requires="a14">
+          <p:sp>
+            <p:nvSpPr>
+              <p:cNvPr id="24" name="TextBox 23">
+                <a:extLst>
+                  <a:ext uri="{FF2B5EF4-FFF2-40B4-BE49-F238E27FC236}">
+                    <a16:creationId xmlns:a16="http://schemas.microsoft.com/office/drawing/2014/main" id="{698A44F3-9E58-3E99-7F6E-3F9D6B733BD7}"/>
+                  </a:ext>
+                </a:extLst>
+              </p:cNvPr>
+              <p:cNvSpPr txBox="1"/>
+              <p:nvPr/>
+            </p:nvSpPr>
+            <p:spPr>
+              <a:xfrm>
+                <a:off x="-414486" y="8354886"/>
+                <a:ext cx="9515769" cy="610424"/>
+              </a:xfrm>
+              <a:prstGeom prst="rect">
+                <a:avLst/>
+              </a:prstGeom>
+              <a:noFill/>
+            </p:spPr>
+            <p:txBody>
+              <a:bodyPr wrap="square" lIns="0" tIns="0" rIns="0" bIns="0" rtlCol="0">
+                <a:spAutoFit/>
+              </a:bodyPr>
+              <a:lstStyle/>
+              <a:p>
+                <a14:m>
+                  <m:oMathPara xmlns:m="http://schemas.openxmlformats.org/officeDocument/2006/math">
+                    <m:oMathParaPr>
+                      <m:jc m:val="centerGroup"/>
+                    </m:oMathParaPr>
+                    <m:oMath xmlns:m="http://schemas.openxmlformats.org/officeDocument/2006/math">
+                      <m:r>
+                        <a:rPr lang="en-US" sz="1600" i="1" smtClean="0">
+                          <a:latin typeface="Cambria Math" panose="02040503050406030204" pitchFamily="18" charset="0"/>
+                        </a:rPr>
+                        <m:t>𝑛𝑑𝑀</m:t>
+                      </m:r>
+                      <m:r>
+                        <a:rPr lang="en-US" sz="1600" i="1" smtClean="0">
+                          <a:latin typeface="Cambria Math" panose="02040503050406030204" pitchFamily="18" charset="0"/>
+                        </a:rPr>
+                        <m:t>+</m:t>
+                      </m:r>
+                      <m:r>
+                        <a:rPr lang="en-US" sz="1600" i="1" smtClean="0">
+                          <a:latin typeface="Cambria Math" panose="02040503050406030204" pitchFamily="18" charset="0"/>
+                        </a:rPr>
+                        <m:t>𝑀𝑑𝑛</m:t>
+                      </m:r>
+                      <m:r>
+                        <a:rPr lang="en-US" sz="1600" b="0" i="1" smtClean="0">
+                          <a:latin typeface="Cambria Math" panose="02040503050406030204" pitchFamily="18" charset="0"/>
+                        </a:rPr>
+                        <m:t>=</m:t>
+                      </m:r>
+                      <m:sSub>
+                        <m:sSubPr>
+                          <m:ctrlPr>
+                            <a:rPr lang="en-US" sz="1600" i="1">
+                              <a:latin typeface="Cambria Math" panose="02040503050406030204" pitchFamily="18" charset="0"/>
+                            </a:rPr>
+                          </m:ctrlPr>
+                        </m:sSubPr>
+                        <m:e>
+                          <m:d>
+                            <m:dPr>
+                              <m:begChr m:val=""/>
+                              <m:endChr m:val="|"/>
+                              <m:ctrlPr>
+                                <a:rPr lang="en-US" sz="1600" i="1">
+                                  <a:latin typeface="Cambria Math" panose="02040503050406030204" pitchFamily="18" charset="0"/>
+                                </a:rPr>
+                              </m:ctrlPr>
+                            </m:dPr>
+                            <m:e>
+                              <m:f>
+                                <m:fPr>
+                                  <m:ctrlPr>
+                                    <a:rPr lang="en-US" sz="1600" i="1">
+                                      <a:latin typeface="Cambria Math" panose="02040503050406030204" pitchFamily="18" charset="0"/>
+                                    </a:rPr>
+                                  </m:ctrlPr>
+                                </m:fPr>
+                                <m:num>
+                                  <m:r>
+                                    <a:rPr lang="en-US" sz="1600" i="1">
+                                      <a:latin typeface="Cambria Math" panose="02040503050406030204" pitchFamily="18" charset="0"/>
+                                      <a:ea typeface="Cambria Math" panose="02040503050406030204" pitchFamily="18" charset="0"/>
+                                    </a:rPr>
+                                    <m:t>𝜕</m:t>
+                                  </m:r>
+                                  <m:r>
+                                    <a:rPr lang="en-US" sz="1600" i="1">
+                                      <a:latin typeface="Cambria Math" panose="02040503050406030204" pitchFamily="18" charset="0"/>
+                                      <a:ea typeface="Cambria Math" panose="02040503050406030204" pitchFamily="18" charset="0"/>
+                                    </a:rPr>
+                                    <m:t>(</m:t>
+                                  </m:r>
+                                  <m:r>
+                                    <a:rPr lang="en-US" sz="1600" i="1">
+                                      <a:latin typeface="Cambria Math" panose="02040503050406030204" pitchFamily="18" charset="0"/>
+                                      <a:ea typeface="Cambria Math" panose="02040503050406030204" pitchFamily="18" charset="0"/>
+                                    </a:rPr>
+                                    <m:t>𝑛𝑀</m:t>
+                                  </m:r>
+                                  <m:r>
+                                    <a:rPr lang="en-US" sz="1600" i="1">
+                                      <a:latin typeface="Cambria Math" panose="02040503050406030204" pitchFamily="18" charset="0"/>
+                                      <a:ea typeface="Cambria Math" panose="02040503050406030204" pitchFamily="18" charset="0"/>
+                                    </a:rPr>
+                                    <m:t>)</m:t>
+                                  </m:r>
+                                </m:num>
+                                <m:den>
+                                  <m:r>
+                                    <a:rPr lang="en-US" sz="1600" i="1">
+                                      <a:latin typeface="Cambria Math" panose="02040503050406030204" pitchFamily="18" charset="0"/>
+                                      <a:ea typeface="Cambria Math" panose="02040503050406030204" pitchFamily="18" charset="0"/>
+                                    </a:rPr>
+                                    <m:t>𝜕</m:t>
+                                  </m:r>
+                                  <m:r>
+                                    <a:rPr lang="en-US" sz="1600" i="1">
+                                      <a:latin typeface="Cambria Math" panose="02040503050406030204" pitchFamily="18" charset="0"/>
+                                    </a:rPr>
+                                    <m:t>𝑇</m:t>
+                                  </m:r>
+                                </m:den>
+                              </m:f>
+                            </m:e>
+                          </m:d>
+                        </m:e>
+                        <m:sub>
+                          <m:r>
+                            <a:rPr lang="en-US" sz="1600" i="1">
+                              <a:latin typeface="Cambria Math" panose="02040503050406030204" pitchFamily="18" charset="0"/>
+                            </a:rPr>
+                            <m:t>𝑃</m:t>
+                          </m:r>
+                          <m:r>
+                            <a:rPr lang="en-US" sz="1600" i="1">
+                              <a:latin typeface="Cambria Math" panose="02040503050406030204" pitchFamily="18" charset="0"/>
+                            </a:rPr>
+                            <m:t>, </m:t>
+                          </m:r>
+                          <m:sSub>
+                            <m:sSubPr>
+                              <m:ctrlPr>
+                                <a:rPr lang="en-US" sz="1600" i="1">
+                                  <a:latin typeface="Cambria Math" panose="02040503050406030204" pitchFamily="18" charset="0"/>
+                                </a:rPr>
+                              </m:ctrlPr>
+                            </m:sSubPr>
+                            <m:e>
+                              <m:r>
+                                <a:rPr lang="en-US" sz="1600" i="1">
+                                  <a:latin typeface="Cambria Math" panose="02040503050406030204" pitchFamily="18" charset="0"/>
+                                </a:rPr>
+                                <m:t>𝑛</m:t>
+                              </m:r>
+                            </m:e>
+                            <m:sub>
+                              <m:r>
+                                <a:rPr lang="en-US" sz="1600" i="1">
+                                  <a:latin typeface="Cambria Math" panose="02040503050406030204" pitchFamily="18" charset="0"/>
+                                </a:rPr>
+                                <m:t>1</m:t>
+                              </m:r>
+                            </m:sub>
+                          </m:sSub>
+                          <m:r>
+                            <a:rPr lang="en-US" sz="1600" i="1">
+                              <a:latin typeface="Cambria Math" panose="02040503050406030204" pitchFamily="18" charset="0"/>
+                            </a:rPr>
+                            <m:t>,</m:t>
+                          </m:r>
+                          <m:sSub>
+                            <m:sSubPr>
+                              <m:ctrlPr>
+                                <a:rPr lang="en-US" sz="1600" i="1">
+                                  <a:latin typeface="Cambria Math" panose="02040503050406030204" pitchFamily="18" charset="0"/>
+                                </a:rPr>
+                              </m:ctrlPr>
+                            </m:sSubPr>
+                            <m:e>
+                              <m:r>
+                                <a:rPr lang="en-US" sz="1600" i="1">
+                                  <a:latin typeface="Cambria Math" panose="02040503050406030204" pitchFamily="18" charset="0"/>
+                                </a:rPr>
+                                <m:t>𝑛</m:t>
+                              </m:r>
+                            </m:e>
+                            <m:sub>
+                              <m:r>
+                                <a:rPr lang="en-US" sz="1600" i="1">
+                                  <a:latin typeface="Cambria Math" panose="02040503050406030204" pitchFamily="18" charset="0"/>
+                                </a:rPr>
+                                <m:t>2</m:t>
+                              </m:r>
+                            </m:sub>
+                          </m:sSub>
+                        </m:sub>
+                      </m:sSub>
+                      <m:r>
+                        <a:rPr lang="en-US" sz="1600" i="1">
+                          <a:latin typeface="Cambria Math" panose="02040503050406030204" pitchFamily="18" charset="0"/>
+                        </a:rPr>
+                        <m:t>𝑑𝑇</m:t>
+                      </m:r>
+                      <m:r>
+                        <a:rPr lang="en-US" sz="1600" i="1">
+                          <a:latin typeface="Cambria Math" panose="02040503050406030204" pitchFamily="18" charset="0"/>
+                        </a:rPr>
+                        <m:t>+</m:t>
+                      </m:r>
+                      <m:sSub>
+                        <m:sSubPr>
+                          <m:ctrlPr>
+                            <a:rPr lang="en-US" sz="1600" i="1">
+                              <a:latin typeface="Cambria Math" panose="02040503050406030204" pitchFamily="18" charset="0"/>
+                            </a:rPr>
+                          </m:ctrlPr>
+                        </m:sSubPr>
+                        <m:e>
+                          <m:d>
+                            <m:dPr>
+                              <m:begChr m:val=""/>
+                              <m:endChr m:val="|"/>
+                              <m:ctrlPr>
+                                <a:rPr lang="en-US" sz="1600" i="1">
+                                  <a:latin typeface="Cambria Math" panose="02040503050406030204" pitchFamily="18" charset="0"/>
+                                </a:rPr>
+                              </m:ctrlPr>
+                            </m:dPr>
+                            <m:e>
+                              <m:f>
+                                <m:fPr>
+                                  <m:ctrlPr>
+                                    <a:rPr lang="en-US" sz="1600" i="1">
+                                      <a:latin typeface="Cambria Math" panose="02040503050406030204" pitchFamily="18" charset="0"/>
+                                    </a:rPr>
+                                  </m:ctrlPr>
+                                </m:fPr>
+                                <m:num>
+                                  <m:r>
+                                    <a:rPr lang="en-US" sz="1600" i="1">
+                                      <a:latin typeface="Cambria Math" panose="02040503050406030204" pitchFamily="18" charset="0"/>
+                                      <a:ea typeface="Cambria Math" panose="02040503050406030204" pitchFamily="18" charset="0"/>
+                                    </a:rPr>
+                                    <m:t>𝜕</m:t>
+                                  </m:r>
+                                  <m:r>
+                                    <a:rPr lang="en-US" sz="1600" i="1">
+                                      <a:latin typeface="Cambria Math" panose="02040503050406030204" pitchFamily="18" charset="0"/>
+                                      <a:ea typeface="Cambria Math" panose="02040503050406030204" pitchFamily="18" charset="0"/>
+                                    </a:rPr>
+                                    <m:t>(</m:t>
+                                  </m:r>
+                                  <m:r>
+                                    <a:rPr lang="en-US" sz="1600" i="1">
+                                      <a:latin typeface="Cambria Math" panose="02040503050406030204" pitchFamily="18" charset="0"/>
+                                      <a:ea typeface="Cambria Math" panose="02040503050406030204" pitchFamily="18" charset="0"/>
+                                    </a:rPr>
+                                    <m:t>𝑛𝑀</m:t>
+                                  </m:r>
+                                  <m:r>
+                                    <a:rPr lang="en-US" sz="1600" i="1">
+                                      <a:latin typeface="Cambria Math" panose="02040503050406030204" pitchFamily="18" charset="0"/>
+                                      <a:ea typeface="Cambria Math" panose="02040503050406030204" pitchFamily="18" charset="0"/>
+                                    </a:rPr>
+                                    <m:t>)</m:t>
+                                  </m:r>
+                                </m:num>
+                                <m:den>
+                                  <m:r>
+                                    <a:rPr lang="en-US" sz="1600" i="1">
+                                      <a:latin typeface="Cambria Math" panose="02040503050406030204" pitchFamily="18" charset="0"/>
+                                      <a:ea typeface="Cambria Math" panose="02040503050406030204" pitchFamily="18" charset="0"/>
+                                    </a:rPr>
+                                    <m:t>𝜕</m:t>
+                                  </m:r>
+                                  <m:r>
+                                    <a:rPr lang="en-US" sz="1600" i="1">
+                                      <a:latin typeface="Cambria Math" panose="02040503050406030204" pitchFamily="18" charset="0"/>
+                                    </a:rPr>
+                                    <m:t>𝑃</m:t>
+                                  </m:r>
+                                </m:den>
+                              </m:f>
+                            </m:e>
+                          </m:d>
+                        </m:e>
+                        <m:sub>
+                          <m:r>
+                            <a:rPr lang="en-US" sz="1600" i="1">
+                              <a:latin typeface="Cambria Math" panose="02040503050406030204" pitchFamily="18" charset="0"/>
+                            </a:rPr>
+                            <m:t>𝑇</m:t>
+                          </m:r>
+                          <m:r>
+                            <a:rPr lang="en-US" sz="1600" i="1">
+                              <a:latin typeface="Cambria Math" panose="02040503050406030204" pitchFamily="18" charset="0"/>
+                            </a:rPr>
+                            <m:t>, </m:t>
+                          </m:r>
+                          <m:sSub>
+                            <m:sSubPr>
+                              <m:ctrlPr>
+                                <a:rPr lang="en-US" sz="1600" i="1">
+                                  <a:latin typeface="Cambria Math" panose="02040503050406030204" pitchFamily="18" charset="0"/>
+                                </a:rPr>
+                              </m:ctrlPr>
+                            </m:sSubPr>
+                            <m:e>
+                              <m:r>
+                                <a:rPr lang="en-US" sz="1600" i="1">
+                                  <a:latin typeface="Cambria Math" panose="02040503050406030204" pitchFamily="18" charset="0"/>
+                                </a:rPr>
+                                <m:t>𝑛</m:t>
+                              </m:r>
+                            </m:e>
+                            <m:sub>
+                              <m:r>
+                                <a:rPr lang="en-US" sz="1600" i="1">
+                                  <a:latin typeface="Cambria Math" panose="02040503050406030204" pitchFamily="18" charset="0"/>
+                                </a:rPr>
+                                <m:t>1</m:t>
+                              </m:r>
+                            </m:sub>
+                          </m:sSub>
+                          <m:r>
+                            <a:rPr lang="en-US" sz="1600" i="1">
+                              <a:latin typeface="Cambria Math" panose="02040503050406030204" pitchFamily="18" charset="0"/>
+                            </a:rPr>
+                            <m:t>,</m:t>
+                          </m:r>
+                          <m:sSub>
+                            <m:sSubPr>
+                              <m:ctrlPr>
+                                <a:rPr lang="en-US" sz="1600" i="1">
+                                  <a:latin typeface="Cambria Math" panose="02040503050406030204" pitchFamily="18" charset="0"/>
+                                </a:rPr>
+                              </m:ctrlPr>
+                            </m:sSubPr>
+                            <m:e>
+                              <m:r>
+                                <a:rPr lang="en-US" sz="1600" i="1">
+                                  <a:latin typeface="Cambria Math" panose="02040503050406030204" pitchFamily="18" charset="0"/>
+                                </a:rPr>
+                                <m:t>𝑛</m:t>
+                              </m:r>
+                            </m:e>
+                            <m:sub>
+                              <m:r>
+                                <a:rPr lang="en-US" sz="1600" i="1">
+                                  <a:latin typeface="Cambria Math" panose="02040503050406030204" pitchFamily="18" charset="0"/>
+                                </a:rPr>
+                                <m:t>2</m:t>
+                              </m:r>
+                            </m:sub>
+                          </m:sSub>
+                        </m:sub>
+                      </m:sSub>
+                      <m:r>
+                        <a:rPr lang="en-US" sz="1600" b="0" i="1" smtClean="0">
+                          <a:latin typeface="Cambria Math" panose="02040503050406030204" pitchFamily="18" charset="0"/>
+                        </a:rPr>
+                        <m:t>𝑑𝑃</m:t>
+                      </m:r>
+                      <m:r>
+                        <a:rPr lang="en-US" sz="1600" b="0" i="1" smtClean="0">
+                          <a:latin typeface="Cambria Math" panose="02040503050406030204" pitchFamily="18" charset="0"/>
+                        </a:rPr>
+                        <m:t>+</m:t>
+                      </m:r>
+                      <m:r>
+                        <a:rPr lang="en-US" sz="1600" i="1">
+                          <a:latin typeface="Cambria Math" panose="02040503050406030204" pitchFamily="18" charset="0"/>
+                        </a:rPr>
+                        <m:t>𝑛</m:t>
+                      </m:r>
+                      <m:acc>
+                        <m:accPr>
+                          <m:chr m:val="̅"/>
+                          <m:ctrlPr>
+                            <a:rPr lang="en-US" sz="1600" i="1" smtClean="0">
+                              <a:latin typeface="Cambria Math" panose="02040503050406030204" pitchFamily="18" charset="0"/>
+                            </a:rPr>
+                          </m:ctrlPr>
+                        </m:accPr>
+                        <m:e>
+                          <m:sSub>
+                            <m:sSubPr>
+                              <m:ctrlPr>
+                                <a:rPr lang="en-US" sz="1600" i="1" smtClean="0">
+                                  <a:latin typeface="Cambria Math" panose="02040503050406030204" pitchFamily="18" charset="0"/>
+                                </a:rPr>
+                              </m:ctrlPr>
+                            </m:sSubPr>
+                            <m:e>
+                              <m:r>
+                                <a:rPr lang="en-US" sz="1600" b="0" i="1" smtClean="0">
+                                  <a:latin typeface="Cambria Math" panose="02040503050406030204" pitchFamily="18" charset="0"/>
+                                </a:rPr>
+                                <m:t>𝑀</m:t>
+                              </m:r>
+                            </m:e>
+                            <m:sub>
+                              <m:r>
+                                <a:rPr lang="en-US" sz="1600" b="0" i="1" smtClean="0">
+                                  <a:latin typeface="Cambria Math" panose="02040503050406030204" pitchFamily="18" charset="0"/>
+                                </a:rPr>
+                                <m:t>1</m:t>
+                              </m:r>
+                            </m:sub>
+                          </m:sSub>
+                        </m:e>
+                      </m:acc>
+                      <m:r>
+                        <a:rPr lang="en-US" sz="1600" i="1">
+                          <a:latin typeface="Cambria Math" panose="02040503050406030204" pitchFamily="18" charset="0"/>
+                        </a:rPr>
+                        <m:t>𝑑</m:t>
+                      </m:r>
+                      <m:sSub>
+                        <m:sSubPr>
+                          <m:ctrlPr>
+                            <a:rPr lang="en-US" sz="1600" i="1">
+                              <a:latin typeface="Cambria Math" panose="02040503050406030204" pitchFamily="18" charset="0"/>
+                            </a:rPr>
+                          </m:ctrlPr>
+                        </m:sSubPr>
+                        <m:e>
+                          <m:r>
+                            <a:rPr lang="en-US" sz="1600" i="1">
+                              <a:latin typeface="Cambria Math" panose="02040503050406030204" pitchFamily="18" charset="0"/>
+                            </a:rPr>
+                            <m:t>𝑥</m:t>
+                          </m:r>
+                        </m:e>
+                        <m:sub>
+                          <m:r>
+                            <a:rPr lang="en-US" sz="1600" i="1">
+                              <a:latin typeface="Cambria Math" panose="02040503050406030204" pitchFamily="18" charset="0"/>
+                            </a:rPr>
+                            <m:t>1</m:t>
+                          </m:r>
+                        </m:sub>
+                      </m:sSub>
+                      <m:r>
+                        <a:rPr lang="en-US" sz="1600" i="1">
+                          <a:latin typeface="Cambria Math" panose="02040503050406030204" pitchFamily="18" charset="0"/>
+                        </a:rPr>
+                        <m:t>+</m:t>
+                      </m:r>
+                      <m:sSub>
+                        <m:sSubPr>
+                          <m:ctrlPr>
+                            <a:rPr lang="en-US" sz="1600" i="1">
+                              <a:latin typeface="Cambria Math" panose="02040503050406030204" pitchFamily="18" charset="0"/>
+                            </a:rPr>
+                          </m:ctrlPr>
+                        </m:sSubPr>
+                        <m:e>
+                          <m:r>
+                            <a:rPr lang="en-US" sz="1600" i="1">
+                              <a:latin typeface="Cambria Math" panose="02040503050406030204" pitchFamily="18" charset="0"/>
+                            </a:rPr>
+                            <m:t>𝑥</m:t>
+                          </m:r>
+                        </m:e>
+                        <m:sub>
+                          <m:r>
+                            <a:rPr lang="en-US" sz="1600" i="1">
+                              <a:latin typeface="Cambria Math" panose="02040503050406030204" pitchFamily="18" charset="0"/>
+                            </a:rPr>
+                            <m:t>1</m:t>
+                          </m:r>
+                        </m:sub>
+                      </m:sSub>
+                      <m:acc>
+                        <m:accPr>
+                          <m:chr m:val="̅"/>
+                          <m:ctrlPr>
+                            <a:rPr lang="en-US" sz="1600" i="1">
+                              <a:latin typeface="Cambria Math" panose="02040503050406030204" pitchFamily="18" charset="0"/>
+                            </a:rPr>
+                          </m:ctrlPr>
+                        </m:accPr>
+                        <m:e>
+                          <m:sSub>
+                            <m:sSubPr>
+                              <m:ctrlPr>
+                                <a:rPr lang="en-US" sz="1600" i="1">
+                                  <a:latin typeface="Cambria Math" panose="02040503050406030204" pitchFamily="18" charset="0"/>
+                                </a:rPr>
+                              </m:ctrlPr>
+                            </m:sSubPr>
+                            <m:e>
+                              <m:r>
+                                <a:rPr lang="en-US" sz="1600" i="1">
+                                  <a:latin typeface="Cambria Math" panose="02040503050406030204" pitchFamily="18" charset="0"/>
+                                </a:rPr>
+                                <m:t>𝑀</m:t>
+                              </m:r>
+                            </m:e>
+                            <m:sub>
+                              <m:r>
+                                <a:rPr lang="en-US" sz="1600" b="0" i="1" smtClean="0">
+                                  <a:latin typeface="Cambria Math" panose="02040503050406030204" pitchFamily="18" charset="0"/>
+                                </a:rPr>
+                                <m:t>1</m:t>
+                              </m:r>
+                            </m:sub>
+                          </m:sSub>
+                        </m:e>
+                      </m:acc>
+                      <m:r>
+                        <a:rPr lang="en-US" sz="1600" i="1">
+                          <a:latin typeface="Cambria Math" panose="02040503050406030204" pitchFamily="18" charset="0"/>
+                        </a:rPr>
+                        <m:t>𝑑𝑛</m:t>
+                      </m:r>
+                      <m:r>
+                        <a:rPr lang="en-US" sz="1600" b="0" i="1" smtClean="0">
+                          <a:latin typeface="Cambria Math" panose="02040503050406030204" pitchFamily="18" charset="0"/>
+                        </a:rPr>
+                        <m:t>+</m:t>
+                      </m:r>
+                      <m:r>
+                        <a:rPr lang="en-US" sz="1600" i="1">
+                          <a:latin typeface="Cambria Math" panose="02040503050406030204" pitchFamily="18" charset="0"/>
+                        </a:rPr>
+                        <m:t>𝑛</m:t>
+                      </m:r>
+                      <m:acc>
+                        <m:accPr>
+                          <m:chr m:val="̅"/>
+                          <m:ctrlPr>
+                            <a:rPr lang="en-US" sz="1600" i="1">
+                              <a:latin typeface="Cambria Math" panose="02040503050406030204" pitchFamily="18" charset="0"/>
+                            </a:rPr>
+                          </m:ctrlPr>
+                        </m:accPr>
+                        <m:e>
+                          <m:sSub>
+                            <m:sSubPr>
+                              <m:ctrlPr>
+                                <a:rPr lang="en-US" sz="1600" i="1">
+                                  <a:latin typeface="Cambria Math" panose="02040503050406030204" pitchFamily="18" charset="0"/>
+                                </a:rPr>
+                              </m:ctrlPr>
+                            </m:sSubPr>
+                            <m:e>
+                              <m:r>
+                                <a:rPr lang="en-US" sz="1600" i="1">
+                                  <a:latin typeface="Cambria Math" panose="02040503050406030204" pitchFamily="18" charset="0"/>
+                                </a:rPr>
+                                <m:t>𝑀</m:t>
+                              </m:r>
+                            </m:e>
+                            <m:sub>
+                              <m:r>
+                                <a:rPr lang="en-US" sz="1600" b="0" i="1" smtClean="0">
+                                  <a:latin typeface="Cambria Math" panose="02040503050406030204" pitchFamily="18" charset="0"/>
+                                </a:rPr>
+                                <m:t>2</m:t>
+                              </m:r>
+                            </m:sub>
+                          </m:sSub>
+                        </m:e>
+                      </m:acc>
+                      <m:r>
+                        <a:rPr lang="en-US" sz="1600" i="1">
+                          <a:latin typeface="Cambria Math" panose="02040503050406030204" pitchFamily="18" charset="0"/>
+                        </a:rPr>
+                        <m:t>𝑑</m:t>
+                      </m:r>
+                      <m:sSub>
+                        <m:sSubPr>
+                          <m:ctrlPr>
+                            <a:rPr lang="en-US" sz="1600" i="1">
+                              <a:latin typeface="Cambria Math" panose="02040503050406030204" pitchFamily="18" charset="0"/>
+                            </a:rPr>
+                          </m:ctrlPr>
+                        </m:sSubPr>
+                        <m:e>
+                          <m:r>
+                            <a:rPr lang="en-US" sz="1600" i="1">
+                              <a:latin typeface="Cambria Math" panose="02040503050406030204" pitchFamily="18" charset="0"/>
+                            </a:rPr>
+                            <m:t>𝑥</m:t>
+                          </m:r>
+                        </m:e>
+                        <m:sub>
+                          <m:r>
+                            <a:rPr lang="en-US" sz="1600" i="1">
+                              <a:latin typeface="Cambria Math" panose="02040503050406030204" pitchFamily="18" charset="0"/>
+                            </a:rPr>
+                            <m:t>2</m:t>
+                          </m:r>
+                        </m:sub>
+                      </m:sSub>
+                      <m:r>
+                        <a:rPr lang="en-US" sz="1600" i="1">
+                          <a:latin typeface="Cambria Math" panose="02040503050406030204" pitchFamily="18" charset="0"/>
+                        </a:rPr>
+                        <m:t>+</m:t>
+                      </m:r>
+                      <m:sSub>
+                        <m:sSubPr>
+                          <m:ctrlPr>
+                            <a:rPr lang="en-US" sz="1600" i="1">
+                              <a:latin typeface="Cambria Math" panose="02040503050406030204" pitchFamily="18" charset="0"/>
+                            </a:rPr>
+                          </m:ctrlPr>
+                        </m:sSubPr>
+                        <m:e>
+                          <m:r>
+                            <a:rPr lang="en-US" sz="1600" i="1">
+                              <a:latin typeface="Cambria Math" panose="02040503050406030204" pitchFamily="18" charset="0"/>
+                            </a:rPr>
+                            <m:t>𝑥</m:t>
+                          </m:r>
+                        </m:e>
+                        <m:sub>
+                          <m:r>
+                            <a:rPr lang="en-US" sz="1600" i="1">
+                              <a:latin typeface="Cambria Math" panose="02040503050406030204" pitchFamily="18" charset="0"/>
+                            </a:rPr>
+                            <m:t>2</m:t>
+                          </m:r>
+                        </m:sub>
+                      </m:sSub>
+                      <m:acc>
+                        <m:accPr>
+                          <m:chr m:val="̅"/>
+                          <m:ctrlPr>
+                            <a:rPr lang="en-US" sz="1600" i="1">
+                              <a:latin typeface="Cambria Math" panose="02040503050406030204" pitchFamily="18" charset="0"/>
+                            </a:rPr>
+                          </m:ctrlPr>
+                        </m:accPr>
+                        <m:e>
+                          <m:sSub>
+                            <m:sSubPr>
+                              <m:ctrlPr>
+                                <a:rPr lang="en-US" sz="1600" i="1">
+                                  <a:latin typeface="Cambria Math" panose="02040503050406030204" pitchFamily="18" charset="0"/>
+                                </a:rPr>
+                              </m:ctrlPr>
+                            </m:sSubPr>
+                            <m:e>
+                              <m:r>
+                                <a:rPr lang="en-US" sz="1600" i="1">
+                                  <a:latin typeface="Cambria Math" panose="02040503050406030204" pitchFamily="18" charset="0"/>
+                                </a:rPr>
+                                <m:t>𝑀</m:t>
+                              </m:r>
+                            </m:e>
+                            <m:sub>
+                              <m:r>
+                                <a:rPr lang="en-US" sz="1600" b="0" i="1" smtClean="0">
+                                  <a:latin typeface="Cambria Math" panose="02040503050406030204" pitchFamily="18" charset="0"/>
+                                </a:rPr>
+                                <m:t>2</m:t>
+                              </m:r>
+                            </m:sub>
+                          </m:sSub>
+                        </m:e>
+                      </m:acc>
+                      <m:r>
+                        <a:rPr lang="en-US" sz="1600" i="1">
+                          <a:latin typeface="Cambria Math" panose="02040503050406030204" pitchFamily="18" charset="0"/>
+                        </a:rPr>
+                        <m:t>𝑑𝑛</m:t>
+                      </m:r>
+                    </m:oMath>
+                  </m:oMathPara>
+                </a14:m>
+                <a:endParaRPr lang="en-US" sz="1600" dirty="0"/>
+              </a:p>
+            </p:txBody>
+          </p:sp>
+        </mc:Choice>
+        <mc:Fallback>
+          <p:sp>
+            <p:nvSpPr>
+              <p:cNvPr id="24" name="TextBox 23">
+                <a:extLst>
+                  <a:ext uri="{FF2B5EF4-FFF2-40B4-BE49-F238E27FC236}">
+                    <a16:creationId xmlns:a16="http://schemas.microsoft.com/office/drawing/2014/main" id="{698A44F3-9E58-3E99-7F6E-3F9D6B733BD7}"/>
+                  </a:ext>
+                </a:extLst>
+              </p:cNvPr>
+              <p:cNvSpPr txBox="1">
+                <a:spLocks noRot="1" noChangeAspect="1" noMove="1" noResize="1" noEditPoints="1" noAdjustHandles="1" noChangeArrowheads="1" noChangeShapeType="1" noTextEdit="1"/>
+              </p:cNvSpPr>
+              <p:nvPr/>
+            </p:nvSpPr>
+            <p:spPr>
+              <a:xfrm>
+                <a:off x="-414486" y="8354886"/>
+                <a:ext cx="9515769" cy="610424"/>
+              </a:xfrm>
+              <a:prstGeom prst="rect">
+                <a:avLst/>
+              </a:prstGeom>
+              <a:blipFill>
+                <a:blip r:embed="rId8"/>
+                <a:stretch>
+                  <a:fillRect/>
+                </a:stretch>
+              </a:blipFill>
+            </p:spPr>
+            <p:txBody>
+              <a:bodyPr/>
+              <a:lstStyle/>
+              <a:p>
+                <a:r>
+                  <a:rPr lang="en-US">
+                    <a:noFill/>
+                  </a:rPr>
+                  <a:t> </a:t>
+                </a:r>
+              </a:p>
+            </p:txBody>
+          </p:sp>
+        </mc:Fallback>
+      </mc:AlternateContent>
+      <mc:AlternateContent xmlns:mc="http://schemas.openxmlformats.org/markup-compatibility/2006">
+        <mc:Choice xmlns:a14="http://schemas.microsoft.com/office/drawing/2010/main" Requires="a14">
+          <p:sp>
+            <p:nvSpPr>
+              <p:cNvPr id="25" name="TextBox 24">
+                <a:extLst>
+                  <a:ext uri="{FF2B5EF4-FFF2-40B4-BE49-F238E27FC236}">
+                    <a16:creationId xmlns:a16="http://schemas.microsoft.com/office/drawing/2014/main" id="{C7253FFC-573D-5F5A-3F54-EC80156660F5}"/>
+                  </a:ext>
+                </a:extLst>
+              </p:cNvPr>
+              <p:cNvSpPr txBox="1"/>
+              <p:nvPr/>
+            </p:nvSpPr>
+            <p:spPr>
+              <a:xfrm>
+                <a:off x="0" y="8965310"/>
+                <a:ext cx="4278672" cy="369332"/>
+              </a:xfrm>
+              <a:prstGeom prst="rect">
+                <a:avLst/>
+              </a:prstGeom>
+              <a:noFill/>
+            </p:spPr>
+            <p:txBody>
+              <a:bodyPr wrap="none" rtlCol="0">
+                <a:spAutoFit/>
+              </a:bodyPr>
+              <a:lstStyle/>
+              <a:p>
+                <a:r>
+                  <a:rPr lang="en-US" dirty="0"/>
+                  <a:t>Consolidating terms into </a:t>
+                </a:r>
+                <a14:m>
+                  <m:oMath xmlns:m="http://schemas.openxmlformats.org/officeDocument/2006/math">
+                    <m:r>
+                      <a:rPr lang="en-US" b="0" i="1" smtClean="0">
+                        <a:latin typeface="Cambria Math" panose="02040503050406030204" pitchFamily="18" charset="0"/>
+                      </a:rPr>
+                      <m:t>𝑛</m:t>
+                    </m:r>
+                  </m:oMath>
+                </a14:m>
+                <a:r>
+                  <a:rPr lang="en-US" dirty="0"/>
+                  <a:t> and </a:t>
+                </a:r>
+                <a14:m>
+                  <m:oMath xmlns:m="http://schemas.openxmlformats.org/officeDocument/2006/math">
+                    <m:r>
+                      <a:rPr lang="en-US" b="0" i="1" smtClean="0">
+                        <a:latin typeface="Cambria Math" panose="02040503050406030204" pitchFamily="18" charset="0"/>
+                      </a:rPr>
+                      <m:t>𝑑𝑛</m:t>
+                    </m:r>
+                  </m:oMath>
+                </a14:m>
+                <a:r>
+                  <a:rPr lang="en-US" dirty="0"/>
+                  <a:t> camps</a:t>
+                </a:r>
+              </a:p>
+            </p:txBody>
+          </p:sp>
+        </mc:Choice>
+        <mc:Fallback>
+          <p:sp>
+            <p:nvSpPr>
+              <p:cNvPr id="25" name="TextBox 24">
+                <a:extLst>
+                  <a:ext uri="{FF2B5EF4-FFF2-40B4-BE49-F238E27FC236}">
+                    <a16:creationId xmlns:a16="http://schemas.microsoft.com/office/drawing/2014/main" id="{C7253FFC-573D-5F5A-3F54-EC80156660F5}"/>
+                  </a:ext>
+                </a:extLst>
+              </p:cNvPr>
+              <p:cNvSpPr txBox="1">
+                <a:spLocks noRot="1" noChangeAspect="1" noMove="1" noResize="1" noEditPoints="1" noAdjustHandles="1" noChangeArrowheads="1" noChangeShapeType="1" noTextEdit="1"/>
+              </p:cNvSpPr>
+              <p:nvPr/>
+            </p:nvSpPr>
+            <p:spPr>
+              <a:xfrm>
+                <a:off x="0" y="8965310"/>
+                <a:ext cx="4278672" cy="369332"/>
+              </a:xfrm>
+              <a:prstGeom prst="rect">
+                <a:avLst/>
+              </a:prstGeom>
+              <a:blipFill>
+                <a:blip r:embed="rId9"/>
+                <a:stretch>
+                  <a:fillRect l="-1140" t="-8333" r="-285" b="-28333"/>
+                </a:stretch>
+              </a:blipFill>
+            </p:spPr>
+            <p:txBody>
+              <a:bodyPr/>
+              <a:lstStyle/>
+              <a:p>
+                <a:r>
+                  <a:rPr lang="en-US">
+                    <a:noFill/>
+                  </a:rPr>
+                  <a:t> </a:t>
+                </a:r>
+              </a:p>
+            </p:txBody>
+          </p:sp>
+        </mc:Fallback>
+      </mc:AlternateContent>
+      <mc:AlternateContent xmlns:mc="http://schemas.openxmlformats.org/markup-compatibility/2006">
+        <mc:Choice xmlns:a14="http://schemas.microsoft.com/office/drawing/2010/main" Requires="a14">
+          <p:sp>
+            <p:nvSpPr>
+              <p:cNvPr id="26" name="TextBox 25">
+                <a:extLst>
+                  <a:ext uri="{FF2B5EF4-FFF2-40B4-BE49-F238E27FC236}">
+                    <a16:creationId xmlns:a16="http://schemas.microsoft.com/office/drawing/2014/main" id="{7C5FF9E7-D48A-E7B1-EDAE-617DF42E7AB3}"/>
+                  </a:ext>
+                </a:extLst>
+              </p:cNvPr>
+              <p:cNvSpPr txBox="1"/>
+              <p:nvPr/>
+            </p:nvSpPr>
+            <p:spPr>
+              <a:xfrm>
+                <a:off x="2397" y="9441419"/>
+                <a:ext cx="8703408" cy="737702"/>
+              </a:xfrm>
+              <a:prstGeom prst="rect">
+                <a:avLst/>
+              </a:prstGeom>
+              <a:noFill/>
+            </p:spPr>
+            <p:txBody>
+              <a:bodyPr wrap="none" lIns="0" tIns="0" rIns="0" bIns="0" rtlCol="0">
+                <a:spAutoFit/>
+              </a:bodyPr>
+              <a:lstStyle/>
+              <a:p>
+                <a14:m>
+                  <m:oMathPara xmlns:m="http://schemas.openxmlformats.org/officeDocument/2006/math">
+                    <m:oMathParaPr>
+                      <m:jc m:val="centerGroup"/>
+                    </m:oMathParaPr>
+                    <m:oMath xmlns:m="http://schemas.openxmlformats.org/officeDocument/2006/math">
+                      <m:d>
+                        <m:dPr>
+                          <m:begChr m:val="["/>
+                          <m:endChr m:val="]"/>
+                          <m:ctrlPr>
+                            <a:rPr lang="en-US" i="1" smtClean="0">
+                              <a:latin typeface="Cambria Math" panose="02040503050406030204" pitchFamily="18" charset="0"/>
+                            </a:rPr>
+                          </m:ctrlPr>
+                        </m:dPr>
+                        <m:e>
+                          <m:r>
+                            <a:rPr lang="en-US" b="0" i="1" smtClean="0">
+                              <a:latin typeface="Cambria Math" panose="02040503050406030204" pitchFamily="18" charset="0"/>
+                            </a:rPr>
+                            <m:t>𝑑𝑀</m:t>
+                          </m:r>
+                          <m:r>
+                            <a:rPr lang="en-US" b="0" i="1" smtClean="0">
+                              <a:latin typeface="Cambria Math" panose="02040503050406030204" pitchFamily="18" charset="0"/>
+                            </a:rPr>
+                            <m:t>−</m:t>
+                          </m:r>
+                          <m:sSub>
+                            <m:sSubPr>
+                              <m:ctrlPr>
+                                <a:rPr lang="en-US" i="1">
+                                  <a:latin typeface="Cambria Math" panose="02040503050406030204" pitchFamily="18" charset="0"/>
+                                </a:rPr>
+                              </m:ctrlPr>
+                            </m:sSubPr>
+                            <m:e>
+                              <m:d>
+                                <m:dPr>
+                                  <m:begChr m:val=""/>
+                                  <m:endChr m:val="|"/>
+                                  <m:ctrlPr>
+                                    <a:rPr lang="en-US" i="1">
+                                      <a:latin typeface="Cambria Math" panose="02040503050406030204" pitchFamily="18" charset="0"/>
+                                    </a:rPr>
+                                  </m:ctrlPr>
+                                </m:dPr>
+                                <m:e>
+                                  <m:f>
+                                    <m:fPr>
+                                      <m:ctrlPr>
+                                        <a:rPr lang="en-US" i="1">
+                                          <a:latin typeface="Cambria Math" panose="02040503050406030204" pitchFamily="18" charset="0"/>
+                                        </a:rPr>
+                                      </m:ctrlPr>
+                                    </m:fPr>
+                                    <m:num>
+                                      <m:r>
+                                        <a:rPr lang="en-US" i="1">
+                                          <a:latin typeface="Cambria Math" panose="02040503050406030204" pitchFamily="18" charset="0"/>
+                                          <a:ea typeface="Cambria Math" panose="02040503050406030204" pitchFamily="18" charset="0"/>
+                                        </a:rPr>
+                                        <m:t>𝜕</m:t>
+                                      </m:r>
+                                      <m:r>
+                                        <a:rPr lang="en-US" i="1">
+                                          <a:latin typeface="Cambria Math" panose="02040503050406030204" pitchFamily="18" charset="0"/>
+                                          <a:ea typeface="Cambria Math" panose="02040503050406030204" pitchFamily="18" charset="0"/>
+                                        </a:rPr>
+                                        <m:t>𝑀</m:t>
+                                      </m:r>
+                                    </m:num>
+                                    <m:den>
+                                      <m:r>
+                                        <a:rPr lang="en-US" i="1">
+                                          <a:latin typeface="Cambria Math" panose="02040503050406030204" pitchFamily="18" charset="0"/>
+                                          <a:ea typeface="Cambria Math" panose="02040503050406030204" pitchFamily="18" charset="0"/>
+                                        </a:rPr>
+                                        <m:t>𝜕</m:t>
+                                      </m:r>
+                                      <m:r>
+                                        <a:rPr lang="en-US" i="1">
+                                          <a:latin typeface="Cambria Math" panose="02040503050406030204" pitchFamily="18" charset="0"/>
+                                        </a:rPr>
+                                        <m:t>𝑇</m:t>
+                                      </m:r>
+                                    </m:den>
+                                  </m:f>
+                                </m:e>
+                              </m:d>
+                            </m:e>
+                            <m:sub>
+                              <m:r>
+                                <a:rPr lang="en-US" i="1">
+                                  <a:latin typeface="Cambria Math" panose="02040503050406030204" pitchFamily="18" charset="0"/>
+                                </a:rPr>
+                                <m:t>𝑃</m:t>
+                              </m:r>
+                              <m:r>
+                                <a:rPr lang="en-US" i="1">
+                                  <a:latin typeface="Cambria Math" panose="02040503050406030204" pitchFamily="18" charset="0"/>
+                                </a:rPr>
+                                <m:t>, </m:t>
+                              </m:r>
+                              <m:sSub>
+                                <m:sSubPr>
+                                  <m:ctrlPr>
+                                    <a:rPr lang="en-US" i="1">
+                                      <a:latin typeface="Cambria Math" panose="02040503050406030204" pitchFamily="18" charset="0"/>
+                                    </a:rPr>
+                                  </m:ctrlPr>
+                                </m:sSubPr>
+                                <m:e>
+                                  <m:r>
+                                    <a:rPr lang="en-US" i="1">
+                                      <a:latin typeface="Cambria Math" panose="02040503050406030204" pitchFamily="18" charset="0"/>
+                                    </a:rPr>
+                                    <m:t>𝑛</m:t>
+                                  </m:r>
+                                </m:e>
+                                <m:sub>
+                                  <m:r>
+                                    <a:rPr lang="en-US" i="1">
+                                      <a:latin typeface="Cambria Math" panose="02040503050406030204" pitchFamily="18" charset="0"/>
+                                    </a:rPr>
+                                    <m:t>1</m:t>
+                                  </m:r>
+                                </m:sub>
+                              </m:sSub>
+                              <m:r>
+                                <a:rPr lang="en-US" i="1">
+                                  <a:latin typeface="Cambria Math" panose="02040503050406030204" pitchFamily="18" charset="0"/>
+                                </a:rPr>
+                                <m:t>,</m:t>
+                              </m:r>
+                              <m:sSub>
+                                <m:sSubPr>
+                                  <m:ctrlPr>
+                                    <a:rPr lang="en-US" i="1">
+                                      <a:latin typeface="Cambria Math" panose="02040503050406030204" pitchFamily="18" charset="0"/>
+                                    </a:rPr>
+                                  </m:ctrlPr>
+                                </m:sSubPr>
+                                <m:e>
+                                  <m:r>
+                                    <a:rPr lang="en-US" i="1">
+                                      <a:latin typeface="Cambria Math" panose="02040503050406030204" pitchFamily="18" charset="0"/>
+                                    </a:rPr>
+                                    <m:t>𝑛</m:t>
+                                  </m:r>
+                                </m:e>
+                                <m:sub>
+                                  <m:r>
+                                    <a:rPr lang="en-US" i="1">
+                                      <a:latin typeface="Cambria Math" panose="02040503050406030204" pitchFamily="18" charset="0"/>
+                                    </a:rPr>
+                                    <m:t>2</m:t>
+                                  </m:r>
+                                </m:sub>
+                              </m:sSub>
+                            </m:sub>
+                          </m:sSub>
+                          <m:r>
+                            <a:rPr lang="en-US" i="1">
+                              <a:latin typeface="Cambria Math" panose="02040503050406030204" pitchFamily="18" charset="0"/>
+                            </a:rPr>
+                            <m:t>𝑑𝑇</m:t>
+                          </m:r>
+                          <m:r>
+                            <a:rPr lang="en-US" i="1">
+                              <a:latin typeface="Cambria Math" panose="02040503050406030204" pitchFamily="18" charset="0"/>
+                            </a:rPr>
+                            <m:t>+</m:t>
+                          </m:r>
+                          <m:sSub>
+                            <m:sSubPr>
+                              <m:ctrlPr>
+                                <a:rPr lang="en-US" i="1">
+                                  <a:latin typeface="Cambria Math" panose="02040503050406030204" pitchFamily="18" charset="0"/>
+                                </a:rPr>
+                              </m:ctrlPr>
+                            </m:sSubPr>
+                            <m:e>
+                              <m:d>
+                                <m:dPr>
+                                  <m:begChr m:val=""/>
+                                  <m:endChr m:val="|"/>
+                                  <m:ctrlPr>
+                                    <a:rPr lang="en-US" i="1">
+                                      <a:latin typeface="Cambria Math" panose="02040503050406030204" pitchFamily="18" charset="0"/>
+                                    </a:rPr>
+                                  </m:ctrlPr>
+                                </m:dPr>
+                                <m:e>
+                                  <m:f>
+                                    <m:fPr>
+                                      <m:ctrlPr>
+                                        <a:rPr lang="en-US" i="1">
+                                          <a:latin typeface="Cambria Math" panose="02040503050406030204" pitchFamily="18" charset="0"/>
+                                        </a:rPr>
+                                      </m:ctrlPr>
+                                    </m:fPr>
+                                    <m:num>
+                                      <m:r>
+                                        <a:rPr lang="en-US" i="1">
+                                          <a:latin typeface="Cambria Math" panose="02040503050406030204" pitchFamily="18" charset="0"/>
+                                          <a:ea typeface="Cambria Math" panose="02040503050406030204" pitchFamily="18" charset="0"/>
+                                        </a:rPr>
+                                        <m:t>𝜕</m:t>
+                                      </m:r>
+                                      <m:r>
+                                        <a:rPr lang="en-US" i="1">
+                                          <a:latin typeface="Cambria Math" panose="02040503050406030204" pitchFamily="18" charset="0"/>
+                                          <a:ea typeface="Cambria Math" panose="02040503050406030204" pitchFamily="18" charset="0"/>
+                                        </a:rPr>
+                                        <m:t>𝑀</m:t>
+                                      </m:r>
+                                    </m:num>
+                                    <m:den>
+                                      <m:r>
+                                        <a:rPr lang="en-US" i="1">
+                                          <a:latin typeface="Cambria Math" panose="02040503050406030204" pitchFamily="18" charset="0"/>
+                                          <a:ea typeface="Cambria Math" panose="02040503050406030204" pitchFamily="18" charset="0"/>
+                                        </a:rPr>
+                                        <m:t>𝜕</m:t>
+                                      </m:r>
+                                      <m:r>
+                                        <a:rPr lang="en-US" i="1">
+                                          <a:latin typeface="Cambria Math" panose="02040503050406030204" pitchFamily="18" charset="0"/>
+                                        </a:rPr>
+                                        <m:t>𝑃</m:t>
+                                      </m:r>
+                                    </m:den>
+                                  </m:f>
+                                </m:e>
+                              </m:d>
+                            </m:e>
+                            <m:sub>
+                              <m:r>
+                                <a:rPr lang="en-US" i="1">
+                                  <a:latin typeface="Cambria Math" panose="02040503050406030204" pitchFamily="18" charset="0"/>
+                                </a:rPr>
+                                <m:t>𝑇</m:t>
+                              </m:r>
+                              <m:r>
+                                <a:rPr lang="en-US" i="1">
+                                  <a:latin typeface="Cambria Math" panose="02040503050406030204" pitchFamily="18" charset="0"/>
+                                </a:rPr>
+                                <m:t>, </m:t>
+                              </m:r>
+                              <m:sSub>
+                                <m:sSubPr>
+                                  <m:ctrlPr>
+                                    <a:rPr lang="en-US" i="1">
+                                      <a:latin typeface="Cambria Math" panose="02040503050406030204" pitchFamily="18" charset="0"/>
+                                    </a:rPr>
+                                  </m:ctrlPr>
+                                </m:sSubPr>
+                                <m:e>
+                                  <m:r>
+                                    <a:rPr lang="en-US" i="1">
+                                      <a:latin typeface="Cambria Math" panose="02040503050406030204" pitchFamily="18" charset="0"/>
+                                    </a:rPr>
+                                    <m:t>𝑛</m:t>
+                                  </m:r>
+                                </m:e>
+                                <m:sub>
+                                  <m:r>
+                                    <a:rPr lang="en-US" i="1">
+                                      <a:latin typeface="Cambria Math" panose="02040503050406030204" pitchFamily="18" charset="0"/>
+                                    </a:rPr>
+                                    <m:t>1</m:t>
+                                  </m:r>
+                                </m:sub>
+                              </m:sSub>
+                              <m:r>
+                                <a:rPr lang="en-US" i="1">
+                                  <a:latin typeface="Cambria Math" panose="02040503050406030204" pitchFamily="18" charset="0"/>
+                                </a:rPr>
+                                <m:t>,</m:t>
+                              </m:r>
+                              <m:sSub>
+                                <m:sSubPr>
+                                  <m:ctrlPr>
+                                    <a:rPr lang="en-US" i="1">
+                                      <a:latin typeface="Cambria Math" panose="02040503050406030204" pitchFamily="18" charset="0"/>
+                                    </a:rPr>
+                                  </m:ctrlPr>
+                                </m:sSubPr>
+                                <m:e>
+                                  <m:r>
+                                    <a:rPr lang="en-US" i="1">
+                                      <a:latin typeface="Cambria Math" panose="02040503050406030204" pitchFamily="18" charset="0"/>
+                                    </a:rPr>
+                                    <m:t>𝑛</m:t>
+                                  </m:r>
+                                </m:e>
+                                <m:sub>
+                                  <m:r>
+                                    <a:rPr lang="en-US" i="1">
+                                      <a:latin typeface="Cambria Math" panose="02040503050406030204" pitchFamily="18" charset="0"/>
+                                    </a:rPr>
+                                    <m:t>2</m:t>
+                                  </m:r>
+                                </m:sub>
+                              </m:sSub>
+                            </m:sub>
+                          </m:sSub>
+                          <m:r>
+                            <a:rPr lang="en-US" i="1">
+                              <a:latin typeface="Cambria Math" panose="02040503050406030204" pitchFamily="18" charset="0"/>
+                            </a:rPr>
+                            <m:t>𝑑𝑃</m:t>
+                          </m:r>
+                          <m:r>
+                            <a:rPr lang="en-US" b="0" i="1" smtClean="0">
+                              <a:latin typeface="Cambria Math" panose="02040503050406030204" pitchFamily="18" charset="0"/>
+                            </a:rPr>
+                            <m:t>+</m:t>
+                          </m:r>
+                          <m:acc>
+                            <m:accPr>
+                              <m:chr m:val="̅"/>
+                              <m:ctrlPr>
+                                <a:rPr lang="en-US" i="1">
+                                  <a:latin typeface="Cambria Math" panose="02040503050406030204" pitchFamily="18" charset="0"/>
+                                </a:rPr>
+                              </m:ctrlPr>
+                            </m:accPr>
+                            <m:e>
+                              <m:sSub>
+                                <m:sSubPr>
+                                  <m:ctrlPr>
+                                    <a:rPr lang="en-US" i="1">
+                                      <a:latin typeface="Cambria Math" panose="02040503050406030204" pitchFamily="18" charset="0"/>
+                                    </a:rPr>
+                                  </m:ctrlPr>
+                                </m:sSubPr>
+                                <m:e>
+                                  <m:r>
+                                    <a:rPr lang="en-US" i="1">
+                                      <a:latin typeface="Cambria Math" panose="02040503050406030204" pitchFamily="18" charset="0"/>
+                                    </a:rPr>
+                                    <m:t>𝑀</m:t>
+                                  </m:r>
+                                </m:e>
+                                <m:sub>
+                                  <m:r>
+                                    <a:rPr lang="en-US" i="1">
+                                      <a:latin typeface="Cambria Math" panose="02040503050406030204" pitchFamily="18" charset="0"/>
+                                    </a:rPr>
+                                    <m:t>1</m:t>
+                                  </m:r>
+                                </m:sub>
+                              </m:sSub>
+                            </m:e>
+                          </m:acc>
+                          <m:r>
+                            <a:rPr lang="en-US" i="1">
+                              <a:latin typeface="Cambria Math" panose="02040503050406030204" pitchFamily="18" charset="0"/>
+                            </a:rPr>
+                            <m:t>𝑑</m:t>
+                          </m:r>
+                          <m:sSub>
+                            <m:sSubPr>
+                              <m:ctrlPr>
+                                <a:rPr lang="en-US" i="1">
+                                  <a:latin typeface="Cambria Math" panose="02040503050406030204" pitchFamily="18" charset="0"/>
+                                </a:rPr>
+                              </m:ctrlPr>
+                            </m:sSubPr>
+                            <m:e>
+                              <m:r>
+                                <a:rPr lang="en-US" i="1">
+                                  <a:latin typeface="Cambria Math" panose="02040503050406030204" pitchFamily="18" charset="0"/>
+                                </a:rPr>
+                                <m:t>𝑥</m:t>
+                              </m:r>
+                            </m:e>
+                            <m:sub>
+                              <m:r>
+                                <a:rPr lang="en-US" i="1">
+                                  <a:latin typeface="Cambria Math" panose="02040503050406030204" pitchFamily="18" charset="0"/>
+                                </a:rPr>
+                                <m:t>1</m:t>
+                              </m:r>
+                            </m:sub>
+                          </m:sSub>
+                          <m:r>
+                            <a:rPr lang="en-US" b="0" i="1" smtClean="0">
+                              <a:latin typeface="Cambria Math" panose="02040503050406030204" pitchFamily="18" charset="0"/>
+                            </a:rPr>
+                            <m:t>+</m:t>
+                          </m:r>
+                          <m:acc>
+                            <m:accPr>
+                              <m:chr m:val="̅"/>
+                              <m:ctrlPr>
+                                <a:rPr lang="en-US" i="1">
+                                  <a:latin typeface="Cambria Math" panose="02040503050406030204" pitchFamily="18" charset="0"/>
+                                </a:rPr>
+                              </m:ctrlPr>
+                            </m:accPr>
+                            <m:e>
+                              <m:sSub>
+                                <m:sSubPr>
+                                  <m:ctrlPr>
+                                    <a:rPr lang="en-US" i="1">
+                                      <a:latin typeface="Cambria Math" panose="02040503050406030204" pitchFamily="18" charset="0"/>
+                                    </a:rPr>
+                                  </m:ctrlPr>
+                                </m:sSubPr>
+                                <m:e>
+                                  <m:r>
+                                    <a:rPr lang="en-US" i="1">
+                                      <a:latin typeface="Cambria Math" panose="02040503050406030204" pitchFamily="18" charset="0"/>
+                                    </a:rPr>
+                                    <m:t>𝑀</m:t>
+                                  </m:r>
+                                </m:e>
+                                <m:sub>
+                                  <m:r>
+                                    <a:rPr lang="en-US" i="1">
+                                      <a:latin typeface="Cambria Math" panose="02040503050406030204" pitchFamily="18" charset="0"/>
+                                    </a:rPr>
+                                    <m:t>2</m:t>
+                                  </m:r>
+                                </m:sub>
+                              </m:sSub>
+                            </m:e>
+                          </m:acc>
+                          <m:r>
+                            <a:rPr lang="en-US" i="1">
+                              <a:latin typeface="Cambria Math" panose="02040503050406030204" pitchFamily="18" charset="0"/>
+                            </a:rPr>
+                            <m:t>𝑑</m:t>
+                          </m:r>
+                          <m:sSub>
+                            <m:sSubPr>
+                              <m:ctrlPr>
+                                <a:rPr lang="en-US" i="1">
+                                  <a:latin typeface="Cambria Math" panose="02040503050406030204" pitchFamily="18" charset="0"/>
+                                </a:rPr>
+                              </m:ctrlPr>
+                            </m:sSubPr>
+                            <m:e>
+                              <m:r>
+                                <a:rPr lang="en-US" i="1">
+                                  <a:latin typeface="Cambria Math" panose="02040503050406030204" pitchFamily="18" charset="0"/>
+                                </a:rPr>
+                                <m:t>𝑥</m:t>
+                              </m:r>
+                            </m:e>
+                            <m:sub>
+                              <m:r>
+                                <a:rPr lang="en-US" i="1">
+                                  <a:latin typeface="Cambria Math" panose="02040503050406030204" pitchFamily="18" charset="0"/>
+                                </a:rPr>
+                                <m:t>2</m:t>
+                              </m:r>
+                            </m:sub>
+                          </m:sSub>
+                        </m:e>
+                      </m:d>
+                      <m:r>
+                        <a:rPr lang="en-US" b="0" i="1" smtClean="0">
+                          <a:latin typeface="Cambria Math" panose="02040503050406030204" pitchFamily="18" charset="0"/>
+                        </a:rPr>
+                        <m:t>𝑛</m:t>
+                      </m:r>
+                      <m:r>
+                        <a:rPr lang="en-US" b="0" i="1" smtClean="0">
+                          <a:latin typeface="Cambria Math" panose="02040503050406030204" pitchFamily="18" charset="0"/>
+                        </a:rPr>
+                        <m:t>+</m:t>
+                      </m:r>
+                      <m:d>
+                        <m:dPr>
+                          <m:begChr m:val="["/>
+                          <m:endChr m:val="]"/>
+                          <m:ctrlPr>
+                            <a:rPr lang="en-US" b="0" i="1" smtClean="0">
+                              <a:latin typeface="Cambria Math" panose="02040503050406030204" pitchFamily="18" charset="0"/>
+                            </a:rPr>
+                          </m:ctrlPr>
+                        </m:dPr>
+                        <m:e>
+                          <m:r>
+                            <a:rPr lang="en-US" b="0" i="1" smtClean="0">
+                              <a:latin typeface="Cambria Math" panose="02040503050406030204" pitchFamily="18" charset="0"/>
+                            </a:rPr>
+                            <m:t>𝑀</m:t>
+                          </m:r>
+                          <m:r>
+                            <a:rPr lang="en-US" b="0" i="1" smtClean="0">
+                              <a:latin typeface="Cambria Math" panose="02040503050406030204" pitchFamily="18" charset="0"/>
+                            </a:rPr>
+                            <m:t>−</m:t>
+                          </m:r>
+                          <m:sSub>
+                            <m:sSubPr>
+                              <m:ctrlPr>
+                                <a:rPr lang="en-US" i="1">
+                                  <a:latin typeface="Cambria Math" panose="02040503050406030204" pitchFamily="18" charset="0"/>
+                                </a:rPr>
+                              </m:ctrlPr>
+                            </m:sSubPr>
+                            <m:e>
+                              <m:r>
+                                <a:rPr lang="en-US" i="1">
+                                  <a:latin typeface="Cambria Math" panose="02040503050406030204" pitchFamily="18" charset="0"/>
+                                </a:rPr>
+                                <m:t>𝑥</m:t>
+                              </m:r>
+                            </m:e>
+                            <m:sub>
+                              <m:r>
+                                <a:rPr lang="en-US" i="1">
+                                  <a:latin typeface="Cambria Math" panose="02040503050406030204" pitchFamily="18" charset="0"/>
+                                </a:rPr>
+                                <m:t>1</m:t>
+                              </m:r>
+                            </m:sub>
+                          </m:sSub>
+                          <m:acc>
+                            <m:accPr>
+                              <m:chr m:val="̅"/>
+                              <m:ctrlPr>
+                                <a:rPr lang="en-US" i="1">
+                                  <a:latin typeface="Cambria Math" panose="02040503050406030204" pitchFamily="18" charset="0"/>
+                                </a:rPr>
+                              </m:ctrlPr>
+                            </m:accPr>
+                            <m:e>
+                              <m:sSub>
+                                <m:sSubPr>
+                                  <m:ctrlPr>
+                                    <a:rPr lang="en-US" i="1">
+                                      <a:latin typeface="Cambria Math" panose="02040503050406030204" pitchFamily="18" charset="0"/>
+                                    </a:rPr>
+                                  </m:ctrlPr>
+                                </m:sSubPr>
+                                <m:e>
+                                  <m:r>
+                                    <a:rPr lang="en-US" i="1">
+                                      <a:latin typeface="Cambria Math" panose="02040503050406030204" pitchFamily="18" charset="0"/>
+                                    </a:rPr>
+                                    <m:t>𝑀</m:t>
+                                  </m:r>
+                                </m:e>
+                                <m:sub>
+                                  <m:r>
+                                    <a:rPr lang="en-US" i="1">
+                                      <a:latin typeface="Cambria Math" panose="02040503050406030204" pitchFamily="18" charset="0"/>
+                                    </a:rPr>
+                                    <m:t>1</m:t>
+                                  </m:r>
+                                </m:sub>
+                              </m:sSub>
+                            </m:e>
+                          </m:acc>
+                          <m:r>
+                            <a:rPr lang="en-US" b="0" i="1" smtClean="0">
+                              <a:latin typeface="Cambria Math" panose="02040503050406030204" pitchFamily="18" charset="0"/>
+                            </a:rPr>
+                            <m:t>+</m:t>
+                          </m:r>
+                          <m:sSub>
+                            <m:sSubPr>
+                              <m:ctrlPr>
+                                <a:rPr lang="en-US" i="1">
+                                  <a:latin typeface="Cambria Math" panose="02040503050406030204" pitchFamily="18" charset="0"/>
+                                </a:rPr>
+                              </m:ctrlPr>
+                            </m:sSubPr>
+                            <m:e>
+                              <m:r>
+                                <a:rPr lang="en-US" i="1">
+                                  <a:latin typeface="Cambria Math" panose="02040503050406030204" pitchFamily="18" charset="0"/>
+                                </a:rPr>
+                                <m:t>𝑥</m:t>
+                              </m:r>
+                            </m:e>
+                            <m:sub>
+                              <m:r>
+                                <a:rPr lang="en-US" i="1">
+                                  <a:latin typeface="Cambria Math" panose="02040503050406030204" pitchFamily="18" charset="0"/>
+                                </a:rPr>
+                                <m:t>2</m:t>
+                              </m:r>
+                            </m:sub>
+                          </m:sSub>
+                          <m:acc>
+                            <m:accPr>
+                              <m:chr m:val="̅"/>
+                              <m:ctrlPr>
+                                <a:rPr lang="en-US" i="1">
+                                  <a:latin typeface="Cambria Math" panose="02040503050406030204" pitchFamily="18" charset="0"/>
+                                </a:rPr>
+                              </m:ctrlPr>
+                            </m:accPr>
+                            <m:e>
+                              <m:sSub>
+                                <m:sSubPr>
+                                  <m:ctrlPr>
+                                    <a:rPr lang="en-US" i="1">
+                                      <a:latin typeface="Cambria Math" panose="02040503050406030204" pitchFamily="18" charset="0"/>
+                                    </a:rPr>
+                                  </m:ctrlPr>
+                                </m:sSubPr>
+                                <m:e>
+                                  <m:r>
+                                    <a:rPr lang="en-US" i="1">
+                                      <a:latin typeface="Cambria Math" panose="02040503050406030204" pitchFamily="18" charset="0"/>
+                                    </a:rPr>
+                                    <m:t>𝑀</m:t>
+                                  </m:r>
+                                </m:e>
+                                <m:sub>
+                                  <m:r>
+                                    <a:rPr lang="en-US" i="1">
+                                      <a:latin typeface="Cambria Math" panose="02040503050406030204" pitchFamily="18" charset="0"/>
+                                    </a:rPr>
+                                    <m:t>2</m:t>
+                                  </m:r>
+                                </m:sub>
+                              </m:sSub>
+                            </m:e>
+                          </m:acc>
+                        </m:e>
+                      </m:d>
+                      <m:r>
+                        <a:rPr lang="en-US" b="0" i="1" smtClean="0">
+                          <a:latin typeface="Cambria Math" panose="02040503050406030204" pitchFamily="18" charset="0"/>
+                        </a:rPr>
+                        <m:t>𝑑𝑛</m:t>
+                      </m:r>
+                      <m:r>
+                        <a:rPr lang="en-US" b="0" i="1" smtClean="0">
+                          <a:latin typeface="Cambria Math" panose="02040503050406030204" pitchFamily="18" charset="0"/>
+                        </a:rPr>
+                        <m:t>=0</m:t>
+                      </m:r>
+                    </m:oMath>
+                  </m:oMathPara>
+                </a14:m>
+                <a:endParaRPr lang="en-US" dirty="0"/>
+              </a:p>
+            </p:txBody>
+          </p:sp>
+        </mc:Choice>
+        <mc:Fallback>
+          <p:sp>
+            <p:nvSpPr>
+              <p:cNvPr id="26" name="TextBox 25">
+                <a:extLst>
+                  <a:ext uri="{FF2B5EF4-FFF2-40B4-BE49-F238E27FC236}">
+                    <a16:creationId xmlns:a16="http://schemas.microsoft.com/office/drawing/2014/main" id="{7C5FF9E7-D48A-E7B1-EDAE-617DF42E7AB3}"/>
+                  </a:ext>
+                </a:extLst>
+              </p:cNvPr>
+              <p:cNvSpPr txBox="1">
+                <a:spLocks noRot="1" noChangeAspect="1" noMove="1" noResize="1" noEditPoints="1" noAdjustHandles="1" noChangeArrowheads="1" noChangeShapeType="1" noTextEdit="1"/>
+              </p:cNvSpPr>
+              <p:nvPr/>
+            </p:nvSpPr>
+            <p:spPr>
+              <a:xfrm>
+                <a:off x="2397" y="9441419"/>
+                <a:ext cx="8703408" cy="737702"/>
+              </a:xfrm>
+              <a:prstGeom prst="rect">
+                <a:avLst/>
+              </a:prstGeom>
+              <a:blipFill>
+                <a:blip r:embed="rId10"/>
+                <a:stretch>
+                  <a:fillRect/>
+                </a:stretch>
+              </a:blipFill>
+            </p:spPr>
+            <p:txBody>
+              <a:bodyPr/>
+              <a:lstStyle/>
+              <a:p>
+                <a:r>
+                  <a:rPr lang="en-US">
+                    <a:noFill/>
+                  </a:rPr>
+                  <a:t> </a:t>
+                </a:r>
+              </a:p>
+            </p:txBody>
+          </p:sp>
+        </mc:Fallback>
+      </mc:AlternateContent>
+    </p:spTree>
+    <p:extLst>
+      <p:ext uri="{BB962C8B-B14F-4D97-AF65-F5344CB8AC3E}">
+        <p14:creationId xmlns:p14="http://schemas.microsoft.com/office/powerpoint/2010/main" val="3913323402"/>
       </p:ext>
     </p:extLst>
   </p:cSld>
@@ -17487,8 +24529,8 @@
           </a:p>
         </p:txBody>
       </p:sp>
-      <mc:AlternateContent xmlns:mc="http://schemas.openxmlformats.org/markup-compatibility/2006">
-        <mc:Choice xmlns:a14="http://schemas.microsoft.com/office/drawing/2010/main" Requires="a14">
+      <mc:AlternateContent xmlns:mc="http://schemas.openxmlformats.org/markup-compatibility/2006" xmlns:a14="http://schemas.microsoft.com/office/drawing/2010/main">
+        <mc:Choice Requires="a14">
           <p:sp>
             <p:nvSpPr>
               <p:cNvPr id="15" name="TextBox 14">
@@ -17690,7 +24732,7 @@
             </p:txBody>
           </p:sp>
         </mc:Choice>
-        <mc:Fallback>
+        <mc:Fallback xmlns="">
           <p:sp>
             <p:nvSpPr>
               <p:cNvPr id="15" name="TextBox 14">
@@ -17735,8 +24777,8 @@
           </p:sp>
         </mc:Fallback>
       </mc:AlternateContent>
-      <mc:AlternateContent xmlns:mc="http://schemas.openxmlformats.org/markup-compatibility/2006">
-        <mc:Choice xmlns:a14="http://schemas.microsoft.com/office/drawing/2010/main" Requires="a14">
+      <mc:AlternateContent xmlns:mc="http://schemas.openxmlformats.org/markup-compatibility/2006" xmlns:a14="http://schemas.microsoft.com/office/drawing/2010/main">
+        <mc:Choice Requires="a14">
           <p:sp>
             <p:nvSpPr>
               <p:cNvPr id="16" name="TextBox 15">
@@ -17982,7 +25024,7 @@
             </p:txBody>
           </p:sp>
         </mc:Choice>
-        <mc:Fallback>
+        <mc:Fallback xmlns="">
           <p:sp>
             <p:nvSpPr>
               <p:cNvPr id="16" name="TextBox 15">
@@ -18092,8 +25134,8 @@
           </a:prstGeom>
         </p:spPr>
       </p:pic>
-      <mc:AlternateContent xmlns:mc="http://schemas.openxmlformats.org/markup-compatibility/2006">
-        <mc:Choice xmlns:a14="http://schemas.microsoft.com/office/drawing/2010/main" Requires="a14">
+      <mc:AlternateContent xmlns:mc="http://schemas.openxmlformats.org/markup-compatibility/2006" xmlns:a14="http://schemas.microsoft.com/office/drawing/2010/main">
+        <mc:Choice Requires="a14">
           <p:sp>
             <p:nvSpPr>
               <p:cNvPr id="19" name="TextBox 18">
@@ -18179,7 +25221,7 @@
             </p:txBody>
           </p:sp>
         </mc:Choice>
-        <mc:Fallback>
+        <mc:Fallback xmlns="">
           <p:sp>
             <p:nvSpPr>
               <p:cNvPr id="19" name="TextBox 18">
@@ -18224,8 +25266,8 @@
           </p:sp>
         </mc:Fallback>
       </mc:AlternateContent>
-      <mc:AlternateContent xmlns:mc="http://schemas.openxmlformats.org/markup-compatibility/2006">
-        <mc:Choice xmlns:a14="http://schemas.microsoft.com/office/drawing/2010/main" Requires="a14">
+      <mc:AlternateContent xmlns:mc="http://schemas.openxmlformats.org/markup-compatibility/2006" xmlns:a14="http://schemas.microsoft.com/office/drawing/2010/main">
+        <mc:Choice Requires="a14">
           <p:sp>
             <p:nvSpPr>
               <p:cNvPr id="20" name="TextBox 19">
@@ -18409,7 +25451,7 @@
             </p:txBody>
           </p:sp>
         </mc:Choice>
-        <mc:Fallback>
+        <mc:Fallback xmlns="">
           <p:sp>
             <p:nvSpPr>
               <p:cNvPr id="20" name="TextBox 19">
@@ -18489,8 +25531,8 @@
           </a:p>
         </p:txBody>
       </p:sp>
-      <mc:AlternateContent xmlns:mc="http://schemas.openxmlformats.org/markup-compatibility/2006">
-        <mc:Choice xmlns:a14="http://schemas.microsoft.com/office/drawing/2010/main" Requires="a14">
+      <mc:AlternateContent xmlns:mc="http://schemas.openxmlformats.org/markup-compatibility/2006" xmlns:a14="http://schemas.microsoft.com/office/drawing/2010/main">
+        <mc:Choice Requires="a14">
           <p:sp>
             <p:nvSpPr>
               <p:cNvPr id="10" name="TextBox 9">
@@ -18519,6 +25561,7 @@
               </a:bodyPr>
               <a:lstStyle/>
               <a:p>
+                <a:pPr/>
                 <a14:m>
                   <m:oMathPara xmlns:m="http://schemas.openxmlformats.org/officeDocument/2006/math">
                     <m:oMathParaPr>
@@ -18599,7 +25642,7 @@
             </p:txBody>
           </p:sp>
         </mc:Choice>
-        <mc:Fallback>
+        <mc:Fallback xmlns="">
           <p:sp>
             <p:nvSpPr>
               <p:cNvPr id="10" name="TextBox 9">
@@ -24267,13 +31310,7 @@
                         <a:rPr lang="en-US" sz="2400" b="0" i="1" smtClean="0">
                           <a:latin typeface="Cambria Math" panose="02040503050406030204" pitchFamily="18" charset="0"/>
                         </a:rPr>
-                        <m:t>=−</m:t>
-                      </m:r>
-                      <m:r>
-                        <a:rPr lang="en-US" sz="2400" b="0" i="1" smtClean="0">
-                          <a:latin typeface="Cambria Math" panose="02040503050406030204" pitchFamily="18" charset="0"/>
-                        </a:rPr>
-                        <m:t>1</m:t>
+                        <m:t>=−1</m:t>
                       </m:r>
                     </m:oMath>
                   </m:oMathPara>

--- a/ThermodynamicsII.pptx
+++ b/ThermodynamicsII.pptx
@@ -20,6 +20,9 @@
     <p:sldId id="268" r:id="rId14"/>
     <p:sldId id="269" r:id="rId15"/>
     <p:sldId id="270" r:id="rId16"/>
+    <p:sldId id="271" r:id="rId17"/>
+    <p:sldId id="272" r:id="rId18"/>
+    <p:sldId id="273" r:id="rId19"/>
   </p:sldIdLst>
   <p:sldSz cx="8686800" cy="12192000"/>
   <p:notesSz cx="6858000" cy="9144000"/>
@@ -150,6 +153,9 @@
           <p14:sldIdLst>
             <p14:sldId id="269"/>
             <p14:sldId id="270"/>
+            <p14:sldId id="271"/>
+            <p14:sldId id="272"/>
+            <p14:sldId id="273"/>
           </p14:sldIdLst>
         </p14:section>
       </p14:sectionLst>
@@ -369,7 +375,7 @@
           <a:p>
             <a:fld id="{A13BDB0B-0E15-448B-8EBC-9EB4315D4970}" type="datetimeFigureOut">
               <a:rPr lang="en-US" smtClean="0"/>
-              <a:t>8/27/2024</a:t>
+              <a:t>8/29/2024</a:t>
             </a:fld>
             <a:endParaRPr lang="en-US"/>
           </a:p>
@@ -539,7 +545,7 @@
           <a:p>
             <a:fld id="{A13BDB0B-0E15-448B-8EBC-9EB4315D4970}" type="datetimeFigureOut">
               <a:rPr lang="en-US" smtClean="0"/>
-              <a:t>8/27/2024</a:t>
+              <a:t>8/29/2024</a:t>
             </a:fld>
             <a:endParaRPr lang="en-US"/>
           </a:p>
@@ -719,7 +725,7 @@
           <a:p>
             <a:fld id="{A13BDB0B-0E15-448B-8EBC-9EB4315D4970}" type="datetimeFigureOut">
               <a:rPr lang="en-US" smtClean="0"/>
-              <a:t>8/27/2024</a:t>
+              <a:t>8/29/2024</a:t>
             </a:fld>
             <a:endParaRPr lang="en-US"/>
           </a:p>
@@ -889,7 +895,7 @@
           <a:p>
             <a:fld id="{A13BDB0B-0E15-448B-8EBC-9EB4315D4970}" type="datetimeFigureOut">
               <a:rPr lang="en-US" smtClean="0"/>
-              <a:t>8/27/2024</a:t>
+              <a:t>8/29/2024</a:t>
             </a:fld>
             <a:endParaRPr lang="en-US"/>
           </a:p>
@@ -1135,7 +1141,7 @@
           <a:p>
             <a:fld id="{A13BDB0B-0E15-448B-8EBC-9EB4315D4970}" type="datetimeFigureOut">
               <a:rPr lang="en-US" smtClean="0"/>
-              <a:t>8/27/2024</a:t>
+              <a:t>8/29/2024</a:t>
             </a:fld>
             <a:endParaRPr lang="en-US"/>
           </a:p>
@@ -1367,7 +1373,7 @@
           <a:p>
             <a:fld id="{A13BDB0B-0E15-448B-8EBC-9EB4315D4970}" type="datetimeFigureOut">
               <a:rPr lang="en-US" smtClean="0"/>
-              <a:t>8/27/2024</a:t>
+              <a:t>8/29/2024</a:t>
             </a:fld>
             <a:endParaRPr lang="en-US"/>
           </a:p>
@@ -1734,7 +1740,7 @@
           <a:p>
             <a:fld id="{A13BDB0B-0E15-448B-8EBC-9EB4315D4970}" type="datetimeFigureOut">
               <a:rPr lang="en-US" smtClean="0"/>
-              <a:t>8/27/2024</a:t>
+              <a:t>8/29/2024</a:t>
             </a:fld>
             <a:endParaRPr lang="en-US"/>
           </a:p>
@@ -1852,7 +1858,7 @@
           <a:p>
             <a:fld id="{A13BDB0B-0E15-448B-8EBC-9EB4315D4970}" type="datetimeFigureOut">
               <a:rPr lang="en-US" smtClean="0"/>
-              <a:t>8/27/2024</a:t>
+              <a:t>8/29/2024</a:t>
             </a:fld>
             <a:endParaRPr lang="en-US"/>
           </a:p>
@@ -1947,7 +1953,7 @@
           <a:p>
             <a:fld id="{A13BDB0B-0E15-448B-8EBC-9EB4315D4970}" type="datetimeFigureOut">
               <a:rPr lang="en-US" smtClean="0"/>
-              <a:t>8/27/2024</a:t>
+              <a:t>8/29/2024</a:t>
             </a:fld>
             <a:endParaRPr lang="en-US"/>
           </a:p>
@@ -2224,7 +2230,7 @@
           <a:p>
             <a:fld id="{A13BDB0B-0E15-448B-8EBC-9EB4315D4970}" type="datetimeFigureOut">
               <a:rPr lang="en-US" smtClean="0"/>
-              <a:t>8/27/2024</a:t>
+              <a:t>8/29/2024</a:t>
             </a:fld>
             <a:endParaRPr lang="en-US"/>
           </a:p>
@@ -2481,7 +2487,7 @@
           <a:p>
             <a:fld id="{A13BDB0B-0E15-448B-8EBC-9EB4315D4970}" type="datetimeFigureOut">
               <a:rPr lang="en-US" smtClean="0"/>
-              <a:t>8/27/2024</a:t>
+              <a:t>8/29/2024</a:t>
             </a:fld>
             <a:endParaRPr lang="en-US"/>
           </a:p>
@@ -2694,7 +2700,7 @@
           <a:p>
             <a:fld id="{A13BDB0B-0E15-448B-8EBC-9EB4315D4970}" type="datetimeFigureOut">
               <a:rPr lang="en-US" smtClean="0"/>
-              <a:t>8/27/2024</a:t>
+              <a:t>8/29/2024</a:t>
             </a:fld>
             <a:endParaRPr lang="en-US"/>
           </a:p>
@@ -11287,8 +11293,8 @@
           </a:p>
         </p:txBody>
       </p:sp>
-      <mc:AlternateContent xmlns:mc="http://schemas.openxmlformats.org/markup-compatibility/2006">
-        <mc:Choice xmlns:a14="http://schemas.microsoft.com/office/drawing/2010/main" Requires="a14">
+      <mc:AlternateContent xmlns:mc="http://schemas.openxmlformats.org/markup-compatibility/2006" xmlns:a14="http://schemas.microsoft.com/office/drawing/2010/main">
+        <mc:Choice Requires="a14">
           <p:sp>
             <p:nvSpPr>
               <p:cNvPr id="2" name="TextBox 1">
@@ -11428,7 +11434,7 @@
             </p:txBody>
           </p:sp>
         </mc:Choice>
-        <mc:Fallback>
+        <mc:Fallback xmlns="">
           <p:sp>
             <p:nvSpPr>
               <p:cNvPr id="2" name="TextBox 1">
@@ -11473,8 +11479,8 @@
           </p:sp>
         </mc:Fallback>
       </mc:AlternateContent>
-      <mc:AlternateContent xmlns:mc="http://schemas.openxmlformats.org/markup-compatibility/2006">
-        <mc:Choice xmlns:a14="http://schemas.microsoft.com/office/drawing/2010/main" Requires="a14">
+      <mc:AlternateContent xmlns:mc="http://schemas.openxmlformats.org/markup-compatibility/2006" xmlns:a14="http://schemas.microsoft.com/office/drawing/2010/main">
+        <mc:Choice Requires="a14">
           <p:sp>
             <p:nvSpPr>
               <p:cNvPr id="7" name="TextBox 6">
@@ -11672,7 +11678,7 @@
             </p:txBody>
           </p:sp>
         </mc:Choice>
-        <mc:Fallback>
+        <mc:Fallback xmlns="">
           <p:sp>
             <p:nvSpPr>
               <p:cNvPr id="7" name="TextBox 6">
@@ -11747,8 +11753,8 @@
           </a:prstGeom>
         </p:spPr>
       </p:pic>
-      <mc:AlternateContent xmlns:mc="http://schemas.openxmlformats.org/markup-compatibility/2006">
-        <mc:Choice xmlns:a14="http://schemas.microsoft.com/office/drawing/2010/main" Requires="a14">
+      <mc:AlternateContent xmlns:mc="http://schemas.openxmlformats.org/markup-compatibility/2006" xmlns:a14="http://schemas.microsoft.com/office/drawing/2010/main">
+        <mc:Choice Requires="a14">
           <p:sp>
             <p:nvSpPr>
               <p:cNvPr id="10" name="TextBox 9">
@@ -11881,7 +11887,7 @@
             </p:txBody>
           </p:sp>
         </mc:Choice>
-        <mc:Fallback>
+        <mc:Fallback xmlns="">
           <p:sp>
             <p:nvSpPr>
               <p:cNvPr id="10" name="TextBox 9">
@@ -12600,8 +12606,8 @@
           </a:p>
         </p:txBody>
       </p:sp>
-      <mc:AlternateContent xmlns:mc="http://schemas.openxmlformats.org/markup-compatibility/2006">
-        <mc:Choice xmlns:a14="http://schemas.microsoft.com/office/drawing/2010/main" Requires="a14">
+      <mc:AlternateContent xmlns:mc="http://schemas.openxmlformats.org/markup-compatibility/2006" xmlns:a14="http://schemas.microsoft.com/office/drawing/2010/main">
+        <mc:Choice Requires="a14">
           <p:sp>
             <p:nvSpPr>
               <p:cNvPr id="11" name="TextBox 10">
@@ -12630,6 +12636,7 @@
               </a:bodyPr>
               <a:lstStyle/>
               <a:p>
+                <a:pPr/>
                 <a14:m>
                   <m:oMathPara xmlns:m="http://schemas.openxmlformats.org/officeDocument/2006/math">
                     <m:oMathParaPr>
@@ -12847,7 +12854,7 @@
             </p:txBody>
           </p:sp>
         </mc:Choice>
-        <mc:Fallback>
+        <mc:Fallback xmlns="">
           <p:sp>
             <p:nvSpPr>
               <p:cNvPr id="11" name="TextBox 10">
@@ -12928,8 +12935,8 @@
           </a:p>
         </p:txBody>
       </p:sp>
-      <mc:AlternateContent xmlns:mc="http://schemas.openxmlformats.org/markup-compatibility/2006">
-        <mc:Choice xmlns:a14="http://schemas.microsoft.com/office/drawing/2010/main" Requires="a14">
+      <mc:AlternateContent xmlns:mc="http://schemas.openxmlformats.org/markup-compatibility/2006" xmlns:a14="http://schemas.microsoft.com/office/drawing/2010/main">
+        <mc:Choice Requires="a14">
           <p:sp>
             <p:nvSpPr>
               <p:cNvPr id="13" name="TextBox 12">
@@ -13126,7 +13133,7 @@
             </p:txBody>
           </p:sp>
         </mc:Choice>
-        <mc:Fallback>
+        <mc:Fallback xmlns="">
           <p:sp>
             <p:nvSpPr>
               <p:cNvPr id="13" name="TextBox 12">
@@ -13206,8 +13213,8 @@
           </a:p>
         </p:txBody>
       </p:sp>
-      <mc:AlternateContent xmlns:mc="http://schemas.openxmlformats.org/markup-compatibility/2006">
-        <mc:Choice xmlns:a14="http://schemas.microsoft.com/office/drawing/2010/main" Requires="a14">
+      <mc:AlternateContent xmlns:mc="http://schemas.openxmlformats.org/markup-compatibility/2006" xmlns:a14="http://schemas.microsoft.com/office/drawing/2010/main">
+        <mc:Choice Requires="a14">
           <p:sp>
             <p:nvSpPr>
               <p:cNvPr id="15" name="TextBox 14">
@@ -13236,6 +13243,7 @@
               </a:bodyPr>
               <a:lstStyle/>
               <a:p>
+                <a:pPr/>
                 <a14:m>
                   <m:oMathPara xmlns:m="http://schemas.openxmlformats.org/officeDocument/2006/math">
                     <m:oMathParaPr>
@@ -13389,7 +13397,7 @@
             </p:txBody>
           </p:sp>
         </mc:Choice>
-        <mc:Fallback>
+        <mc:Fallback xmlns="">
           <p:sp>
             <p:nvSpPr>
               <p:cNvPr id="15" name="TextBox 14">
@@ -13469,8 +13477,8 @@
           </a:p>
         </p:txBody>
       </p:sp>
-      <mc:AlternateContent xmlns:mc="http://schemas.openxmlformats.org/markup-compatibility/2006">
-        <mc:Choice xmlns:a14="http://schemas.microsoft.com/office/drawing/2010/main" Requires="a14">
+      <mc:AlternateContent xmlns:mc="http://schemas.openxmlformats.org/markup-compatibility/2006" xmlns:a14="http://schemas.microsoft.com/office/drawing/2010/main">
+        <mc:Choice Requires="a14">
           <p:sp>
             <p:nvSpPr>
               <p:cNvPr id="17" name="TextBox 16">
@@ -13719,7 +13727,7 @@
             </p:txBody>
           </p:sp>
         </mc:Choice>
-        <mc:Fallback>
+        <mc:Fallback xmlns="">
           <p:sp>
             <p:nvSpPr>
               <p:cNvPr id="17" name="TextBox 16">
@@ -13764,8 +13772,8 @@
           </p:sp>
         </mc:Fallback>
       </mc:AlternateContent>
-      <mc:AlternateContent xmlns:mc="http://schemas.openxmlformats.org/markup-compatibility/2006">
-        <mc:Choice xmlns:a14="http://schemas.microsoft.com/office/drawing/2010/main" Requires="a14">
+      <mc:AlternateContent xmlns:mc="http://schemas.openxmlformats.org/markup-compatibility/2006" xmlns:a14="http://schemas.microsoft.com/office/drawing/2010/main">
+        <mc:Choice Requires="a14">
           <p:sp>
             <p:nvSpPr>
               <p:cNvPr id="18" name="TextBox 17">
@@ -13794,6 +13802,7 @@
               </a:bodyPr>
               <a:lstStyle/>
               <a:p>
+                <a:pPr/>
                 <a14:m>
                   <m:oMathPara xmlns:m="http://schemas.openxmlformats.org/officeDocument/2006/math">
                     <m:oMathParaPr>
@@ -13885,7 +13894,7 @@
             </p:txBody>
           </p:sp>
         </mc:Choice>
-        <mc:Fallback>
+        <mc:Fallback xmlns="">
           <p:sp>
             <p:nvSpPr>
               <p:cNvPr id="18" name="TextBox 17">
@@ -13930,8 +13939,8 @@
           </p:sp>
         </mc:Fallback>
       </mc:AlternateContent>
-      <mc:AlternateContent xmlns:mc="http://schemas.openxmlformats.org/markup-compatibility/2006">
-        <mc:Choice xmlns:a14="http://schemas.microsoft.com/office/drawing/2010/main" Requires="a14">
+      <mc:AlternateContent xmlns:mc="http://schemas.openxmlformats.org/markup-compatibility/2006" xmlns:a14="http://schemas.microsoft.com/office/drawing/2010/main">
+        <mc:Choice Requires="a14">
           <p:sp>
             <p:nvSpPr>
               <p:cNvPr id="19" name="TextBox 18">
@@ -14000,7 +14009,7 @@
             </p:txBody>
           </p:sp>
         </mc:Choice>
-        <mc:Fallback>
+        <mc:Fallback xmlns="">
           <p:sp>
             <p:nvSpPr>
               <p:cNvPr id="19" name="TextBox 18">
@@ -14128,8 +14137,8 @@
           </a:p>
         </p:txBody>
       </p:sp>
-      <mc:AlternateContent xmlns:mc="http://schemas.openxmlformats.org/markup-compatibility/2006">
-        <mc:Choice xmlns:a14="http://schemas.microsoft.com/office/drawing/2010/main" Requires="a14">
+      <mc:AlternateContent xmlns:mc="http://schemas.openxmlformats.org/markup-compatibility/2006" xmlns:a14="http://schemas.microsoft.com/office/drawing/2010/main">
+        <mc:Choice Requires="a14">
           <p:sp>
             <p:nvSpPr>
               <p:cNvPr id="21" name="TextBox 20">
@@ -14158,6 +14167,7 @@
               </a:bodyPr>
               <a:lstStyle/>
               <a:p>
+                <a:pPr/>
                 <a14:m>
                   <m:oMathPara xmlns:m="http://schemas.openxmlformats.org/officeDocument/2006/math">
                     <m:oMathParaPr>
@@ -14425,7 +14435,7 @@
             </p:txBody>
           </p:sp>
         </mc:Choice>
-        <mc:Fallback>
+        <mc:Fallback xmlns="">
           <p:sp>
             <p:nvSpPr>
               <p:cNvPr id="21" name="TextBox 20">
@@ -14470,8 +14480,8 @@
           </p:sp>
         </mc:Fallback>
       </mc:AlternateContent>
-      <mc:AlternateContent xmlns:mc="http://schemas.openxmlformats.org/markup-compatibility/2006">
-        <mc:Choice xmlns:a14="http://schemas.microsoft.com/office/drawing/2010/main" Requires="a14">
+      <mc:AlternateContent xmlns:mc="http://schemas.openxmlformats.org/markup-compatibility/2006" xmlns:a14="http://schemas.microsoft.com/office/drawing/2010/main">
+        <mc:Choice Requires="a14">
           <p:sp>
             <p:nvSpPr>
               <p:cNvPr id="22" name="TextBox 21">
@@ -14500,6 +14510,7 @@
               </a:bodyPr>
               <a:lstStyle/>
               <a:p>
+                <a:pPr/>
                 <a14:m>
                   <m:oMathPara xmlns:m="http://schemas.openxmlformats.org/officeDocument/2006/math">
                     <m:oMathParaPr>
@@ -14767,7 +14778,7 @@
             </p:txBody>
           </p:sp>
         </mc:Choice>
-        <mc:Fallback>
+        <mc:Fallback xmlns="">
           <p:sp>
             <p:nvSpPr>
               <p:cNvPr id="22" name="TextBox 21">
@@ -15117,8 +15128,8 @@
           </a:fontRef>
         </p:style>
       </p:cxnSp>
-      <mc:AlternateContent xmlns:mc="http://schemas.openxmlformats.org/markup-compatibility/2006">
-        <mc:Choice xmlns:a14="http://schemas.microsoft.com/office/drawing/2010/main" Requires="a14">
+      <mc:AlternateContent xmlns:mc="http://schemas.openxmlformats.org/markup-compatibility/2006" xmlns:a14="http://schemas.microsoft.com/office/drawing/2010/main">
+        <mc:Choice Requires="a14">
           <p:sp>
             <p:nvSpPr>
               <p:cNvPr id="13" name="TextBox 12">
@@ -15147,6 +15158,7 @@
               </a:bodyPr>
               <a:lstStyle/>
               <a:p>
+                <a:pPr/>
                 <a14:m>
                   <m:oMathPara xmlns:m="http://schemas.openxmlformats.org/officeDocument/2006/math">
                     <m:oMathParaPr>
@@ -15882,7 +15894,7 @@
             </p:txBody>
           </p:sp>
         </mc:Choice>
-        <mc:Fallback>
+        <mc:Fallback xmlns="">
           <p:sp>
             <p:nvSpPr>
               <p:cNvPr id="13" name="TextBox 12">
@@ -16079,8 +16091,8 @@
           </a:fontRef>
         </p:style>
       </p:cxnSp>
-      <mc:AlternateContent xmlns:mc="http://schemas.openxmlformats.org/markup-compatibility/2006">
-        <mc:Choice xmlns:a14="http://schemas.microsoft.com/office/drawing/2010/main" Requires="a14">
+      <mc:AlternateContent xmlns:mc="http://schemas.openxmlformats.org/markup-compatibility/2006" xmlns:a14="http://schemas.microsoft.com/office/drawing/2010/main">
+        <mc:Choice Requires="a14">
           <p:sp>
             <p:nvSpPr>
               <p:cNvPr id="20" name="TextBox 19">
@@ -16109,6 +16121,7 @@
               </a:bodyPr>
               <a:lstStyle/>
               <a:p>
+                <a:pPr/>
                 <a14:m>
                   <m:oMathPara xmlns:m="http://schemas.openxmlformats.org/officeDocument/2006/math">
                     <m:oMathParaPr>
@@ -16170,7 +16183,7 @@
             </p:txBody>
           </p:sp>
         </mc:Choice>
-        <mc:Fallback>
+        <mc:Fallback xmlns="">
           <p:sp>
             <p:nvSpPr>
               <p:cNvPr id="20" name="TextBox 19">
@@ -16215,8 +16228,8 @@
           </p:sp>
         </mc:Fallback>
       </mc:AlternateContent>
-      <mc:AlternateContent xmlns:mc="http://schemas.openxmlformats.org/markup-compatibility/2006">
-        <mc:Choice xmlns:a14="http://schemas.microsoft.com/office/drawing/2010/main" Requires="a14">
+      <mc:AlternateContent xmlns:mc="http://schemas.openxmlformats.org/markup-compatibility/2006" xmlns:a14="http://schemas.microsoft.com/office/drawing/2010/main">
+        <mc:Choice Requires="a14">
           <p:sp>
             <p:nvSpPr>
               <p:cNvPr id="21" name="TextBox 20">
@@ -16245,6 +16258,7 @@
               </a:bodyPr>
               <a:lstStyle/>
               <a:p>
+                <a:pPr/>
                 <a14:m>
                   <m:oMathPara xmlns:m="http://schemas.openxmlformats.org/officeDocument/2006/math">
                     <m:oMathParaPr>
@@ -16418,7 +16432,7 @@
             </p:txBody>
           </p:sp>
         </mc:Choice>
-        <mc:Fallback>
+        <mc:Fallback xmlns="">
           <p:sp>
             <p:nvSpPr>
               <p:cNvPr id="21" name="TextBox 20">
@@ -16463,8 +16477,8 @@
           </p:sp>
         </mc:Fallback>
       </mc:AlternateContent>
-      <mc:AlternateContent xmlns:mc="http://schemas.openxmlformats.org/markup-compatibility/2006">
-        <mc:Choice xmlns:a14="http://schemas.microsoft.com/office/drawing/2010/main" Requires="a14">
+      <mc:AlternateContent xmlns:mc="http://schemas.openxmlformats.org/markup-compatibility/2006" xmlns:a14="http://schemas.microsoft.com/office/drawing/2010/main">
+        <mc:Choice Requires="a14">
           <p:sp>
             <p:nvSpPr>
               <p:cNvPr id="22" name="TextBox 21">
@@ -16493,6 +16507,7 @@
               </a:bodyPr>
               <a:lstStyle/>
               <a:p>
+                <a:pPr/>
                 <a14:m>
                   <m:oMathPara xmlns:m="http://schemas.openxmlformats.org/officeDocument/2006/math">
                     <m:oMathParaPr>
@@ -16666,7 +16681,7 @@
             </p:txBody>
           </p:sp>
         </mc:Choice>
-        <mc:Fallback>
+        <mc:Fallback xmlns="">
           <p:sp>
             <p:nvSpPr>
               <p:cNvPr id="22" name="TextBox 21">
@@ -16746,8 +16761,8 @@
           </a:p>
         </p:txBody>
       </p:sp>
-      <mc:AlternateContent xmlns:mc="http://schemas.openxmlformats.org/markup-compatibility/2006">
-        <mc:Choice xmlns:a14="http://schemas.microsoft.com/office/drawing/2010/main" Requires="a14">
+      <mc:AlternateContent xmlns:mc="http://schemas.openxmlformats.org/markup-compatibility/2006" xmlns:a14="http://schemas.microsoft.com/office/drawing/2010/main">
+        <mc:Choice Requires="a14">
           <p:sp>
             <p:nvSpPr>
               <p:cNvPr id="24" name="TextBox 23">
@@ -16776,6 +16791,7 @@
               </a:bodyPr>
               <a:lstStyle/>
               <a:p>
+                <a:pPr/>
                 <a14:m>
                   <m:oMathPara xmlns:m="http://schemas.openxmlformats.org/officeDocument/2006/math">
                     <m:oMathParaPr>
@@ -17436,7 +17452,7 @@
             </p:txBody>
           </p:sp>
         </mc:Choice>
-        <mc:Fallback>
+        <mc:Fallback xmlns="">
           <p:sp>
             <p:nvSpPr>
               <p:cNvPr id="24" name="TextBox 23">
@@ -17481,8 +17497,8 @@
           </p:sp>
         </mc:Fallback>
       </mc:AlternateContent>
-      <mc:AlternateContent xmlns:mc="http://schemas.openxmlformats.org/markup-compatibility/2006">
-        <mc:Choice xmlns:a14="http://schemas.microsoft.com/office/drawing/2010/main" Requires="a14">
+      <mc:AlternateContent xmlns:mc="http://schemas.openxmlformats.org/markup-compatibility/2006" xmlns:a14="http://schemas.microsoft.com/office/drawing/2010/main">
+        <mc:Choice Requires="a14">
           <p:sp>
             <p:nvSpPr>
               <p:cNvPr id="25" name="TextBox 24">
@@ -17547,7 +17563,7 @@
             </p:txBody>
           </p:sp>
         </mc:Choice>
-        <mc:Fallback>
+        <mc:Fallback xmlns="">
           <p:sp>
             <p:nvSpPr>
               <p:cNvPr id="25" name="TextBox 24">
@@ -17622,6 +17638,7 @@
               </a:bodyPr>
               <a:lstStyle/>
               <a:p>
+                <a:pPr/>
                 <a14:m>
                   <m:oMathPara xmlns:m="http://schemas.openxmlformats.org/officeDocument/2006/math">
                     <m:oMathParaPr>
@@ -17792,10 +17809,10 @@
                             <m:t>𝑑𝑇</m:t>
                           </m:r>
                           <m:r>
-                            <a:rPr lang="en-US" i="1">
-                              <a:latin typeface="Cambria Math" panose="02040503050406030204" pitchFamily="18" charset="0"/>
-                            </a:rPr>
-                            <m:t>+</m:t>
+                            <a:rPr lang="en-US" b="0" i="1" smtClean="0">
+                              <a:latin typeface="Cambria Math" panose="02040503050406030204" pitchFamily="18" charset="0"/>
+                            </a:rPr>
+                            <m:t>−</m:t>
                           </m:r>
                           <m:sSub>
                             <m:sSubPr>
@@ -17941,7 +17958,7 @@
                             <a:rPr lang="en-US" b="0" i="1" smtClean="0">
                               <a:latin typeface="Cambria Math" panose="02040503050406030204" pitchFamily="18" charset="0"/>
                             </a:rPr>
-                            <m:t>+</m:t>
+                            <m:t>−</m:t>
                           </m:r>
                           <m:acc>
                             <m:accPr>
@@ -18015,7 +18032,7 @@
                             <a:rPr lang="en-US" b="0" i="1" smtClean="0">
                               <a:latin typeface="Cambria Math" panose="02040503050406030204" pitchFamily="18" charset="0"/>
                             </a:rPr>
-                            <m:t>+</m:t>
+                            <m:t>−</m:t>
                           </m:r>
                           <m:acc>
                             <m:accPr>
@@ -18188,7 +18205,7 @@
                             <a:rPr lang="en-US" b="0" i="1" smtClean="0">
                               <a:latin typeface="Cambria Math" panose="02040503050406030204" pitchFamily="18" charset="0"/>
                             </a:rPr>
-                            <m:t>+</m:t>
+                            <m:t>−</m:t>
                           </m:r>
                           <m:sSub>
                             <m:sSubPr>
@@ -18319,10 +18336,5279 @@
           </p:sp>
         </mc:Fallback>
       </mc:AlternateContent>
+      <mc:AlternateContent xmlns:mc="http://schemas.openxmlformats.org/markup-compatibility/2006">
+        <mc:Choice xmlns:a14="http://schemas.microsoft.com/office/drawing/2010/main" Requires="a14">
+          <p:sp>
+            <p:nvSpPr>
+              <p:cNvPr id="4" name="TextBox 3">
+                <a:extLst>
+                  <a:ext uri="{FF2B5EF4-FFF2-40B4-BE49-F238E27FC236}">
+                    <a16:creationId xmlns:a16="http://schemas.microsoft.com/office/drawing/2014/main" id="{9D82E166-24D6-709E-81F0-3CF4C2744451}"/>
+                  </a:ext>
+                </a:extLst>
+              </p:cNvPr>
+              <p:cNvSpPr txBox="1"/>
+              <p:nvPr/>
+            </p:nvSpPr>
+            <p:spPr>
+              <a:xfrm>
+                <a:off x="0" y="10420677"/>
+                <a:ext cx="4216860" cy="369332"/>
+              </a:xfrm>
+              <a:prstGeom prst="rect">
+                <a:avLst/>
+              </a:prstGeom>
+              <a:noFill/>
+            </p:spPr>
+            <p:txBody>
+              <a:bodyPr wrap="none" rtlCol="0">
+                <a:spAutoFit/>
+              </a:bodyPr>
+              <a:lstStyle/>
+              <a:p>
+                <a:r>
+                  <a:rPr lang="en-US" dirty="0"/>
+                  <a:t>Since </a:t>
+                </a:r>
+                <a14:m>
+                  <m:oMath xmlns:m="http://schemas.openxmlformats.org/officeDocument/2006/math">
+                    <m:r>
+                      <a:rPr lang="en-US" b="0" i="1" smtClean="0">
+                        <a:latin typeface="Cambria Math" panose="02040503050406030204" pitchFamily="18" charset="0"/>
+                      </a:rPr>
+                      <m:t>𝑛</m:t>
+                    </m:r>
+                  </m:oMath>
+                </a14:m>
+                <a:r>
+                  <a:rPr lang="en-US" dirty="0"/>
+                  <a:t> and </a:t>
+                </a:r>
+                <a14:m>
+                  <m:oMath xmlns:m="http://schemas.openxmlformats.org/officeDocument/2006/math">
+                    <m:r>
+                      <a:rPr lang="en-US" b="0" i="1" smtClean="0">
+                        <a:latin typeface="Cambria Math" panose="02040503050406030204" pitchFamily="18" charset="0"/>
+                      </a:rPr>
+                      <m:t>𝑑𝑛</m:t>
+                    </m:r>
+                  </m:oMath>
+                </a14:m>
+                <a:r>
+                  <a:rPr lang="en-US" dirty="0"/>
+                  <a:t> don’t rely on each other…</a:t>
+                </a:r>
+              </a:p>
+            </p:txBody>
+          </p:sp>
+        </mc:Choice>
+        <mc:Fallback>
+          <p:sp>
+            <p:nvSpPr>
+              <p:cNvPr id="4" name="TextBox 3">
+                <a:extLst>
+                  <a:ext uri="{FF2B5EF4-FFF2-40B4-BE49-F238E27FC236}">
+                    <a16:creationId xmlns:a16="http://schemas.microsoft.com/office/drawing/2014/main" id="{9D82E166-24D6-709E-81F0-3CF4C2744451}"/>
+                  </a:ext>
+                </a:extLst>
+              </p:cNvPr>
+              <p:cNvSpPr txBox="1">
+                <a:spLocks noRot="1" noChangeAspect="1" noMove="1" noResize="1" noEditPoints="1" noAdjustHandles="1" noChangeArrowheads="1" noChangeShapeType="1" noTextEdit="1"/>
+              </p:cNvSpPr>
+              <p:nvPr/>
+            </p:nvSpPr>
+            <p:spPr>
+              <a:xfrm>
+                <a:off x="0" y="10420677"/>
+                <a:ext cx="4216860" cy="369332"/>
+              </a:xfrm>
+              <a:prstGeom prst="rect">
+                <a:avLst/>
+              </a:prstGeom>
+              <a:blipFill>
+                <a:blip r:embed="rId11"/>
+                <a:stretch>
+                  <a:fillRect l="-1156" t="-6557" r="-434" b="-26230"/>
+                </a:stretch>
+              </a:blipFill>
+            </p:spPr>
+            <p:txBody>
+              <a:bodyPr/>
+              <a:lstStyle/>
+              <a:p>
+                <a:r>
+                  <a:rPr lang="en-US">
+                    <a:noFill/>
+                  </a:rPr>
+                  <a:t> </a:t>
+                </a:r>
+              </a:p>
+            </p:txBody>
+          </p:sp>
+        </mc:Fallback>
+      </mc:AlternateContent>
+      <mc:AlternateContent xmlns:mc="http://schemas.openxmlformats.org/markup-compatibility/2006">
+        <mc:Choice xmlns:a14="http://schemas.microsoft.com/office/drawing/2010/main" Requires="a14">
+          <p:sp>
+            <p:nvSpPr>
+              <p:cNvPr id="7" name="TextBox 6">
+                <a:extLst>
+                  <a:ext uri="{FF2B5EF4-FFF2-40B4-BE49-F238E27FC236}">
+                    <a16:creationId xmlns:a16="http://schemas.microsoft.com/office/drawing/2014/main" id="{3A136842-5200-095C-87A7-F1B54325514D}"/>
+                  </a:ext>
+                </a:extLst>
+              </p:cNvPr>
+              <p:cNvSpPr txBox="1"/>
+              <p:nvPr/>
+            </p:nvSpPr>
+            <p:spPr>
+              <a:xfrm>
+                <a:off x="1034047" y="11031565"/>
+                <a:ext cx="2548652" cy="369332"/>
+              </a:xfrm>
+              <a:prstGeom prst="rect">
+                <a:avLst/>
+              </a:prstGeom>
+              <a:noFill/>
+              <a:ln>
+                <a:noFill/>
+              </a:ln>
+            </p:spPr>
+            <p:txBody>
+              <a:bodyPr wrap="square" lIns="0" tIns="0" rIns="0" bIns="0" rtlCol="0">
+                <a:spAutoFit/>
+              </a:bodyPr>
+              <a:lstStyle/>
+              <a:p>
+                <a14:m>
+                  <m:oMathPara xmlns:m="http://schemas.openxmlformats.org/officeDocument/2006/math">
+                    <m:oMathParaPr>
+                      <m:jc m:val="centerGroup"/>
+                    </m:oMathParaPr>
+                    <m:oMath xmlns:m="http://schemas.openxmlformats.org/officeDocument/2006/math">
+                      <m:r>
+                        <a:rPr lang="en-US" sz="2400" i="1" smtClean="0">
+                          <a:latin typeface="Cambria Math" panose="02040503050406030204" pitchFamily="18" charset="0"/>
+                        </a:rPr>
+                        <m:t>𝑀</m:t>
+                      </m:r>
+                      <m:r>
+                        <a:rPr lang="en-US" sz="2400" b="0" i="1" smtClean="0">
+                          <a:latin typeface="Cambria Math" panose="02040503050406030204" pitchFamily="18" charset="0"/>
+                        </a:rPr>
+                        <m:t>=</m:t>
+                      </m:r>
+                      <m:sSub>
+                        <m:sSubPr>
+                          <m:ctrlPr>
+                            <a:rPr lang="en-US" sz="2400" i="1">
+                              <a:latin typeface="Cambria Math" panose="02040503050406030204" pitchFamily="18" charset="0"/>
+                            </a:rPr>
+                          </m:ctrlPr>
+                        </m:sSubPr>
+                        <m:e>
+                          <m:r>
+                            <a:rPr lang="en-US" sz="2400" i="1">
+                              <a:latin typeface="Cambria Math" panose="02040503050406030204" pitchFamily="18" charset="0"/>
+                            </a:rPr>
+                            <m:t>𝑥</m:t>
+                          </m:r>
+                        </m:e>
+                        <m:sub>
+                          <m:r>
+                            <a:rPr lang="en-US" sz="2400" i="1">
+                              <a:latin typeface="Cambria Math" panose="02040503050406030204" pitchFamily="18" charset="0"/>
+                            </a:rPr>
+                            <m:t>1</m:t>
+                          </m:r>
+                        </m:sub>
+                      </m:sSub>
+                      <m:acc>
+                        <m:accPr>
+                          <m:chr m:val="̅"/>
+                          <m:ctrlPr>
+                            <a:rPr lang="en-US" sz="2400" i="1">
+                              <a:latin typeface="Cambria Math" panose="02040503050406030204" pitchFamily="18" charset="0"/>
+                            </a:rPr>
+                          </m:ctrlPr>
+                        </m:accPr>
+                        <m:e>
+                          <m:sSub>
+                            <m:sSubPr>
+                              <m:ctrlPr>
+                                <a:rPr lang="en-US" sz="2400" i="1">
+                                  <a:latin typeface="Cambria Math" panose="02040503050406030204" pitchFamily="18" charset="0"/>
+                                </a:rPr>
+                              </m:ctrlPr>
+                            </m:sSubPr>
+                            <m:e>
+                              <m:r>
+                                <a:rPr lang="en-US" sz="2400" i="1">
+                                  <a:latin typeface="Cambria Math" panose="02040503050406030204" pitchFamily="18" charset="0"/>
+                                </a:rPr>
+                                <m:t>𝑀</m:t>
+                              </m:r>
+                            </m:e>
+                            <m:sub>
+                              <m:r>
+                                <a:rPr lang="en-US" sz="2400" i="1">
+                                  <a:latin typeface="Cambria Math" panose="02040503050406030204" pitchFamily="18" charset="0"/>
+                                </a:rPr>
+                                <m:t>1</m:t>
+                              </m:r>
+                            </m:sub>
+                          </m:sSub>
+                        </m:e>
+                      </m:acc>
+                      <m:r>
+                        <a:rPr lang="en-US" sz="2400" i="1">
+                          <a:latin typeface="Cambria Math" panose="02040503050406030204" pitchFamily="18" charset="0"/>
+                        </a:rPr>
+                        <m:t>+</m:t>
+                      </m:r>
+                      <m:sSub>
+                        <m:sSubPr>
+                          <m:ctrlPr>
+                            <a:rPr lang="en-US" sz="2400" i="1">
+                              <a:latin typeface="Cambria Math" panose="02040503050406030204" pitchFamily="18" charset="0"/>
+                            </a:rPr>
+                          </m:ctrlPr>
+                        </m:sSubPr>
+                        <m:e>
+                          <m:r>
+                            <a:rPr lang="en-US" sz="2400" i="1">
+                              <a:latin typeface="Cambria Math" panose="02040503050406030204" pitchFamily="18" charset="0"/>
+                            </a:rPr>
+                            <m:t>𝑥</m:t>
+                          </m:r>
+                        </m:e>
+                        <m:sub>
+                          <m:r>
+                            <a:rPr lang="en-US" sz="2400" i="1">
+                              <a:latin typeface="Cambria Math" panose="02040503050406030204" pitchFamily="18" charset="0"/>
+                            </a:rPr>
+                            <m:t>2</m:t>
+                          </m:r>
+                        </m:sub>
+                      </m:sSub>
+                      <m:acc>
+                        <m:accPr>
+                          <m:chr m:val="̅"/>
+                          <m:ctrlPr>
+                            <a:rPr lang="en-US" sz="2400" i="1">
+                              <a:latin typeface="Cambria Math" panose="02040503050406030204" pitchFamily="18" charset="0"/>
+                            </a:rPr>
+                          </m:ctrlPr>
+                        </m:accPr>
+                        <m:e>
+                          <m:sSub>
+                            <m:sSubPr>
+                              <m:ctrlPr>
+                                <a:rPr lang="en-US" sz="2400" i="1">
+                                  <a:latin typeface="Cambria Math" panose="02040503050406030204" pitchFamily="18" charset="0"/>
+                                </a:rPr>
+                              </m:ctrlPr>
+                            </m:sSubPr>
+                            <m:e>
+                              <m:r>
+                                <a:rPr lang="en-US" sz="2400" i="1">
+                                  <a:latin typeface="Cambria Math" panose="02040503050406030204" pitchFamily="18" charset="0"/>
+                                </a:rPr>
+                                <m:t>𝑀</m:t>
+                              </m:r>
+                            </m:e>
+                            <m:sub>
+                              <m:r>
+                                <a:rPr lang="en-US" sz="2400" i="1">
+                                  <a:latin typeface="Cambria Math" panose="02040503050406030204" pitchFamily="18" charset="0"/>
+                                </a:rPr>
+                                <m:t>2</m:t>
+                              </m:r>
+                            </m:sub>
+                          </m:sSub>
+                        </m:e>
+                      </m:acc>
+                    </m:oMath>
+                  </m:oMathPara>
+                </a14:m>
+                <a:endParaRPr lang="en-US" sz="2400" dirty="0"/>
+              </a:p>
+            </p:txBody>
+          </p:sp>
+        </mc:Choice>
+        <mc:Fallback>
+          <p:sp>
+            <p:nvSpPr>
+              <p:cNvPr id="7" name="TextBox 6">
+                <a:extLst>
+                  <a:ext uri="{FF2B5EF4-FFF2-40B4-BE49-F238E27FC236}">
+                    <a16:creationId xmlns:a16="http://schemas.microsoft.com/office/drawing/2014/main" id="{3A136842-5200-095C-87A7-F1B54325514D}"/>
+                  </a:ext>
+                </a:extLst>
+              </p:cNvPr>
+              <p:cNvSpPr txBox="1">
+                <a:spLocks noRot="1" noChangeAspect="1" noMove="1" noResize="1" noEditPoints="1" noAdjustHandles="1" noChangeArrowheads="1" noChangeShapeType="1" noTextEdit="1"/>
+              </p:cNvSpPr>
+              <p:nvPr/>
+            </p:nvSpPr>
+            <p:spPr>
+              <a:xfrm>
+                <a:off x="1034047" y="11031565"/>
+                <a:ext cx="2548652" cy="369332"/>
+              </a:xfrm>
+              <a:prstGeom prst="rect">
+                <a:avLst/>
+              </a:prstGeom>
+              <a:blipFill>
+                <a:blip r:embed="rId12"/>
+                <a:stretch>
+                  <a:fillRect l="-957" b="-15000"/>
+                </a:stretch>
+              </a:blipFill>
+              <a:ln>
+                <a:noFill/>
+              </a:ln>
+            </p:spPr>
+            <p:txBody>
+              <a:bodyPr/>
+              <a:lstStyle/>
+              <a:p>
+                <a:r>
+                  <a:rPr lang="en-US">
+                    <a:noFill/>
+                  </a:rPr>
+                  <a:t> </a:t>
+                </a:r>
+              </a:p>
+            </p:txBody>
+          </p:sp>
+        </mc:Fallback>
+      </mc:AlternateContent>
+      <p:cxnSp>
+        <p:nvCxnSpPr>
+          <p:cNvPr id="16" name="Straight Arrow Connector 15">
+            <a:extLst>
+              <a:ext uri="{FF2B5EF4-FFF2-40B4-BE49-F238E27FC236}">
+                <a16:creationId xmlns:a16="http://schemas.microsoft.com/office/drawing/2014/main" id="{9C8B9415-9455-956B-04F6-4DBEA382018E}"/>
+              </a:ext>
+            </a:extLst>
+          </p:cNvPr>
+          <p:cNvCxnSpPr>
+            <a:stCxn id="7" idx="3"/>
+          </p:cNvCxnSpPr>
+          <p:nvPr/>
+        </p:nvCxnSpPr>
+        <p:spPr>
+          <a:xfrm>
+            <a:off x="3582699" y="11216231"/>
+            <a:ext cx="1006234" cy="0"/>
+          </a:xfrm>
+          <a:prstGeom prst="straightConnector1">
+            <a:avLst/>
+          </a:prstGeom>
+          <a:ln>
+            <a:tailEnd type="triangle"/>
+          </a:ln>
+        </p:spPr>
+        <p:style>
+          <a:lnRef idx="2">
+            <a:schemeClr val="accent1"/>
+          </a:lnRef>
+          <a:fillRef idx="0">
+            <a:schemeClr val="accent1"/>
+          </a:fillRef>
+          <a:effectRef idx="1">
+            <a:schemeClr val="accent1"/>
+          </a:effectRef>
+          <a:fontRef idx="minor">
+            <a:schemeClr val="tx1"/>
+          </a:fontRef>
+        </p:style>
+      </p:cxnSp>
+      <mc:AlternateContent xmlns:mc="http://schemas.openxmlformats.org/markup-compatibility/2006">
+        <mc:Choice xmlns:a14="http://schemas.microsoft.com/office/drawing/2010/main" Requires="a14">
+          <p:sp>
+            <p:nvSpPr>
+              <p:cNvPr id="18" name="TextBox 17">
+                <a:extLst>
+                  <a:ext uri="{FF2B5EF4-FFF2-40B4-BE49-F238E27FC236}">
+                    <a16:creationId xmlns:a16="http://schemas.microsoft.com/office/drawing/2014/main" id="{D6494F13-A3CB-7F93-04C8-A5CC4DA14A69}"/>
+                  </a:ext>
+                </a:extLst>
+              </p:cNvPr>
+              <p:cNvSpPr txBox="1"/>
+              <p:nvPr/>
+            </p:nvSpPr>
+            <p:spPr>
+              <a:xfrm>
+                <a:off x="4588933" y="10885290"/>
+                <a:ext cx="1349216" cy="672235"/>
+              </a:xfrm>
+              <a:prstGeom prst="rect">
+                <a:avLst/>
+              </a:prstGeom>
+              <a:noFill/>
+            </p:spPr>
+            <p:txBody>
+              <a:bodyPr wrap="none" lIns="0" tIns="0" rIns="0" bIns="0" rtlCol="0">
+                <a:spAutoFit/>
+              </a:bodyPr>
+              <a:lstStyle/>
+              <a:p>
+                <a14:m>
+                  <m:oMathPara xmlns:m="http://schemas.openxmlformats.org/officeDocument/2006/math">
+                    <m:oMathParaPr>
+                      <m:jc m:val="centerGroup"/>
+                    </m:oMathParaPr>
+                    <m:oMath xmlns:m="http://schemas.openxmlformats.org/officeDocument/2006/math">
+                      <m:r>
+                        <a:rPr lang="en-US" b="0" i="1" smtClean="0">
+                          <a:latin typeface="Cambria Math" panose="02040503050406030204" pitchFamily="18" charset="0"/>
+                        </a:rPr>
+                        <m:t>𝑀</m:t>
+                      </m:r>
+                      <m:r>
+                        <a:rPr lang="en-US" b="0" i="1" smtClean="0">
+                          <a:latin typeface="Cambria Math" panose="02040503050406030204" pitchFamily="18" charset="0"/>
+                        </a:rPr>
+                        <m:t>=</m:t>
+                      </m:r>
+                      <m:nary>
+                        <m:naryPr>
+                          <m:chr m:val="∑"/>
+                          <m:supHide m:val="on"/>
+                          <m:ctrlPr>
+                            <a:rPr lang="en-US" b="0" i="1" smtClean="0">
+                              <a:latin typeface="Cambria Math" panose="02040503050406030204" pitchFamily="18" charset="0"/>
+                            </a:rPr>
+                          </m:ctrlPr>
+                        </m:naryPr>
+                        <m:sub>
+                          <m:r>
+                            <m:rPr>
+                              <m:brk m:alnAt="7"/>
+                            </m:rPr>
+                            <a:rPr lang="en-US" b="0" i="1" smtClean="0">
+                              <a:latin typeface="Cambria Math" panose="02040503050406030204" pitchFamily="18" charset="0"/>
+                            </a:rPr>
+                            <m:t>𝑖</m:t>
+                          </m:r>
+                        </m:sub>
+                        <m:sup/>
+                        <m:e>
+                          <m:sSub>
+                            <m:sSubPr>
+                              <m:ctrlPr>
+                                <a:rPr lang="en-US" b="0" i="1" smtClean="0">
+                                  <a:latin typeface="Cambria Math" panose="02040503050406030204" pitchFamily="18" charset="0"/>
+                                </a:rPr>
+                              </m:ctrlPr>
+                            </m:sSubPr>
+                            <m:e>
+                              <m:r>
+                                <a:rPr lang="en-US" b="0" i="1" smtClean="0">
+                                  <a:latin typeface="Cambria Math" panose="02040503050406030204" pitchFamily="18" charset="0"/>
+                                </a:rPr>
+                                <m:t>𝑥</m:t>
+                              </m:r>
+                            </m:e>
+                            <m:sub>
+                              <m:r>
+                                <a:rPr lang="en-US" b="0" i="1" smtClean="0">
+                                  <a:latin typeface="Cambria Math" panose="02040503050406030204" pitchFamily="18" charset="0"/>
+                                </a:rPr>
+                                <m:t>𝑖</m:t>
+                              </m:r>
+                            </m:sub>
+                          </m:sSub>
+                          <m:sSub>
+                            <m:sSubPr>
+                              <m:ctrlPr>
+                                <a:rPr lang="en-US" b="0" i="1" smtClean="0">
+                                  <a:latin typeface="Cambria Math" panose="02040503050406030204" pitchFamily="18" charset="0"/>
+                                </a:rPr>
+                              </m:ctrlPr>
+                            </m:sSubPr>
+                            <m:e>
+                              <m:acc>
+                                <m:accPr>
+                                  <m:chr m:val="̅"/>
+                                  <m:ctrlPr>
+                                    <a:rPr lang="en-US" b="0" i="1" smtClean="0">
+                                      <a:latin typeface="Cambria Math" panose="02040503050406030204" pitchFamily="18" charset="0"/>
+                                    </a:rPr>
+                                  </m:ctrlPr>
+                                </m:accPr>
+                                <m:e>
+                                  <m:r>
+                                    <a:rPr lang="en-US" b="0" i="1" smtClean="0">
+                                      <a:latin typeface="Cambria Math" panose="02040503050406030204" pitchFamily="18" charset="0"/>
+                                    </a:rPr>
+                                    <m:t>𝑀</m:t>
+                                  </m:r>
+                                </m:e>
+                              </m:acc>
+                            </m:e>
+                            <m:sub>
+                              <m:r>
+                                <a:rPr lang="en-US" b="0" i="1" smtClean="0">
+                                  <a:latin typeface="Cambria Math" panose="02040503050406030204" pitchFamily="18" charset="0"/>
+                                </a:rPr>
+                                <m:t>𝑖</m:t>
+                              </m:r>
+                            </m:sub>
+                          </m:sSub>
+                        </m:e>
+                      </m:nary>
+                    </m:oMath>
+                  </m:oMathPara>
+                </a14:m>
+                <a:endParaRPr lang="en-US" dirty="0"/>
+              </a:p>
+            </p:txBody>
+          </p:sp>
+        </mc:Choice>
+        <mc:Fallback>
+          <p:sp>
+            <p:nvSpPr>
+              <p:cNvPr id="18" name="TextBox 17">
+                <a:extLst>
+                  <a:ext uri="{FF2B5EF4-FFF2-40B4-BE49-F238E27FC236}">
+                    <a16:creationId xmlns:a16="http://schemas.microsoft.com/office/drawing/2014/main" id="{D6494F13-A3CB-7F93-04C8-A5CC4DA14A69}"/>
+                  </a:ext>
+                </a:extLst>
+              </p:cNvPr>
+              <p:cNvSpPr txBox="1">
+                <a:spLocks noRot="1" noChangeAspect="1" noMove="1" noResize="1" noEditPoints="1" noAdjustHandles="1" noChangeArrowheads="1" noChangeShapeType="1" noTextEdit="1"/>
+              </p:cNvSpPr>
+              <p:nvPr/>
+            </p:nvSpPr>
+            <p:spPr>
+              <a:xfrm>
+                <a:off x="4588933" y="10885290"/>
+                <a:ext cx="1349216" cy="672235"/>
+              </a:xfrm>
+              <a:prstGeom prst="rect">
+                <a:avLst/>
+              </a:prstGeom>
+              <a:blipFill>
+                <a:blip r:embed="rId13"/>
+                <a:stretch>
+                  <a:fillRect/>
+                </a:stretch>
+              </a:blipFill>
+            </p:spPr>
+            <p:txBody>
+              <a:bodyPr/>
+              <a:lstStyle/>
+              <a:p>
+                <a:r>
+                  <a:rPr lang="en-US">
+                    <a:noFill/>
+                  </a:rPr>
+                  <a:t> </a:t>
+                </a:r>
+              </a:p>
+            </p:txBody>
+          </p:sp>
+        </mc:Fallback>
+      </mc:AlternateContent>
+      <p:sp>
+        <p:nvSpPr>
+          <p:cNvPr id="29" name="Rectangle 28">
+            <a:extLst>
+              <a:ext uri="{FF2B5EF4-FFF2-40B4-BE49-F238E27FC236}">
+                <a16:creationId xmlns:a16="http://schemas.microsoft.com/office/drawing/2014/main" id="{44016EDD-C4B2-1D5D-0ADD-39E7ACFE41A3}"/>
+              </a:ext>
+            </a:extLst>
+          </p:cNvPr>
+          <p:cNvSpPr/>
+          <p:nvPr/>
+        </p:nvSpPr>
+        <p:spPr>
+          <a:xfrm>
+            <a:off x="1034048" y="10790009"/>
+            <a:ext cx="5028086" cy="853277"/>
+          </a:xfrm>
+          <a:prstGeom prst="rect">
+            <a:avLst/>
+          </a:prstGeom>
+          <a:noFill/>
+          <a:ln>
+            <a:solidFill>
+              <a:srgbClr val="C00000"/>
+            </a:solidFill>
+          </a:ln>
+        </p:spPr>
+        <p:style>
+          <a:lnRef idx="2">
+            <a:schemeClr val="accent1">
+              <a:shade val="15000"/>
+            </a:schemeClr>
+          </a:lnRef>
+          <a:fillRef idx="1">
+            <a:schemeClr val="accent1"/>
+          </a:fillRef>
+          <a:effectRef idx="0">
+            <a:schemeClr val="accent1"/>
+          </a:effectRef>
+          <a:fontRef idx="minor">
+            <a:schemeClr val="lt1"/>
+          </a:fontRef>
+        </p:style>
+        <p:txBody>
+          <a:bodyPr rtlCol="0" anchor="ctr"/>
+          <a:lstStyle/>
+          <a:p>
+            <a:pPr algn="ctr"/>
+            <a:endParaRPr lang="en-US"/>
+          </a:p>
+        </p:txBody>
+      </p:sp>
     </p:spTree>
     <p:extLst>
       <p:ext uri="{BB962C8B-B14F-4D97-AF65-F5344CB8AC3E}">
         <p14:creationId xmlns:p14="http://schemas.microsoft.com/office/powerpoint/2010/main" val="3913323402"/>
+      </p:ext>
+    </p:extLst>
+  </p:cSld>
+  <p:clrMapOvr>
+    <a:masterClrMapping/>
+  </p:clrMapOvr>
+</p:sld>
+</file>
+
+<file path=ppt/slides/slide16.xml><?xml version="1.0" encoding="utf-8"?>
+<p:sld xmlns:a="http://schemas.openxmlformats.org/drawingml/2006/main" xmlns:r="http://schemas.openxmlformats.org/officeDocument/2006/relationships" xmlns:p="http://schemas.openxmlformats.org/presentationml/2006/main">
+  <p:cSld>
+    <p:spTree>
+      <p:nvGrpSpPr>
+        <p:cNvPr id="1" name=""/>
+        <p:cNvGrpSpPr/>
+        <p:nvPr/>
+      </p:nvGrpSpPr>
+      <p:grpSpPr>
+        <a:xfrm>
+          <a:off x="0" y="0"/>
+          <a:ext cx="0" cy="0"/>
+          <a:chOff x="0" y="0"/>
+          <a:chExt cx="0" cy="0"/>
+        </a:xfrm>
+      </p:grpSpPr>
+      <p:sp>
+        <p:nvSpPr>
+          <p:cNvPr id="2" name="TextBox 1">
+            <a:extLst>
+              <a:ext uri="{FF2B5EF4-FFF2-40B4-BE49-F238E27FC236}">
+                <a16:creationId xmlns:a16="http://schemas.microsoft.com/office/drawing/2014/main" id="{7C211404-D67D-0CDE-0B6F-911012C1ADB1}"/>
+              </a:ext>
+            </a:extLst>
+          </p:cNvPr>
+          <p:cNvSpPr txBox="1"/>
+          <p:nvPr/>
+        </p:nvSpPr>
+        <p:spPr>
+          <a:xfrm>
+            <a:off x="0" y="0"/>
+            <a:ext cx="3849131" cy="369332"/>
+          </a:xfrm>
+          <a:prstGeom prst="rect">
+            <a:avLst/>
+          </a:prstGeom>
+          <a:noFill/>
+        </p:spPr>
+        <p:txBody>
+          <a:bodyPr wrap="none" rtlCol="0">
+            <a:spAutoFit/>
+          </a:bodyPr>
+          <a:lstStyle/>
+          <a:p>
+            <a:r>
+              <a:rPr lang="en-US" dirty="0"/>
+              <a:t>Also, from the consolidated function:</a:t>
+            </a:r>
+          </a:p>
+        </p:txBody>
+      </p:sp>
+      <mc:AlternateContent xmlns:mc="http://schemas.openxmlformats.org/markup-compatibility/2006">
+        <mc:Choice xmlns:a14="http://schemas.microsoft.com/office/drawing/2010/main" Requires="a14">
+          <p:sp>
+            <p:nvSpPr>
+              <p:cNvPr id="3" name="TextBox 2">
+                <a:extLst>
+                  <a:ext uri="{FF2B5EF4-FFF2-40B4-BE49-F238E27FC236}">
+                    <a16:creationId xmlns:a16="http://schemas.microsoft.com/office/drawing/2014/main" id="{D5E806CF-F762-F153-9F86-FFF9AF2B0926}"/>
+                  </a:ext>
+                </a:extLst>
+              </p:cNvPr>
+              <p:cNvSpPr txBox="1"/>
+              <p:nvPr/>
+            </p:nvSpPr>
+            <p:spPr>
+              <a:xfrm>
+                <a:off x="931333" y="491065"/>
+                <a:ext cx="5449825" cy="686663"/>
+              </a:xfrm>
+              <a:prstGeom prst="rect">
+                <a:avLst/>
+              </a:prstGeom>
+              <a:noFill/>
+            </p:spPr>
+            <p:txBody>
+              <a:bodyPr wrap="none" lIns="0" tIns="0" rIns="0" bIns="0" rtlCol="0">
+                <a:spAutoFit/>
+              </a:bodyPr>
+              <a:lstStyle/>
+              <a:p>
+                <a14:m>
+                  <m:oMathPara xmlns:m="http://schemas.openxmlformats.org/officeDocument/2006/math">
+                    <m:oMathParaPr>
+                      <m:jc m:val="centerGroup"/>
+                    </m:oMathParaPr>
+                    <m:oMath xmlns:m="http://schemas.openxmlformats.org/officeDocument/2006/math">
+                      <m:r>
+                        <a:rPr lang="en-US" i="1" smtClean="0">
+                          <a:latin typeface="Cambria Math" panose="02040503050406030204" pitchFamily="18" charset="0"/>
+                        </a:rPr>
+                        <m:t>𝑑𝑀</m:t>
+                      </m:r>
+                      <m:r>
+                        <a:rPr lang="en-US" b="0" i="1" smtClean="0">
+                          <a:latin typeface="Cambria Math" panose="02040503050406030204" pitchFamily="18" charset="0"/>
+                        </a:rPr>
+                        <m:t>=</m:t>
+                      </m:r>
+                      <m:sSub>
+                        <m:sSubPr>
+                          <m:ctrlPr>
+                            <a:rPr lang="en-US" i="1">
+                              <a:latin typeface="Cambria Math" panose="02040503050406030204" pitchFamily="18" charset="0"/>
+                            </a:rPr>
+                          </m:ctrlPr>
+                        </m:sSubPr>
+                        <m:e>
+                          <m:d>
+                            <m:dPr>
+                              <m:begChr m:val=""/>
+                              <m:endChr m:val="|"/>
+                              <m:ctrlPr>
+                                <a:rPr lang="en-US" i="1">
+                                  <a:latin typeface="Cambria Math" panose="02040503050406030204" pitchFamily="18" charset="0"/>
+                                </a:rPr>
+                              </m:ctrlPr>
+                            </m:dPr>
+                            <m:e>
+                              <m:f>
+                                <m:fPr>
+                                  <m:ctrlPr>
+                                    <a:rPr lang="en-US" i="1">
+                                      <a:latin typeface="Cambria Math" panose="02040503050406030204" pitchFamily="18" charset="0"/>
+                                    </a:rPr>
+                                  </m:ctrlPr>
+                                </m:fPr>
+                                <m:num>
+                                  <m:r>
+                                    <a:rPr lang="en-US" i="1">
+                                      <a:latin typeface="Cambria Math" panose="02040503050406030204" pitchFamily="18" charset="0"/>
+                                      <a:ea typeface="Cambria Math" panose="02040503050406030204" pitchFamily="18" charset="0"/>
+                                    </a:rPr>
+                                    <m:t>𝜕</m:t>
+                                  </m:r>
+                                  <m:r>
+                                    <a:rPr lang="en-US" i="1">
+                                      <a:latin typeface="Cambria Math" panose="02040503050406030204" pitchFamily="18" charset="0"/>
+                                      <a:ea typeface="Cambria Math" panose="02040503050406030204" pitchFamily="18" charset="0"/>
+                                    </a:rPr>
+                                    <m:t>𝑀</m:t>
+                                  </m:r>
+                                </m:num>
+                                <m:den>
+                                  <m:r>
+                                    <a:rPr lang="en-US" i="1">
+                                      <a:latin typeface="Cambria Math" panose="02040503050406030204" pitchFamily="18" charset="0"/>
+                                      <a:ea typeface="Cambria Math" panose="02040503050406030204" pitchFamily="18" charset="0"/>
+                                    </a:rPr>
+                                    <m:t>𝜕</m:t>
+                                  </m:r>
+                                  <m:r>
+                                    <a:rPr lang="en-US" i="1">
+                                      <a:latin typeface="Cambria Math" panose="02040503050406030204" pitchFamily="18" charset="0"/>
+                                    </a:rPr>
+                                    <m:t>𝑇</m:t>
+                                  </m:r>
+                                </m:den>
+                              </m:f>
+                            </m:e>
+                          </m:d>
+                        </m:e>
+                        <m:sub>
+                          <m:r>
+                            <a:rPr lang="en-US" i="1">
+                              <a:latin typeface="Cambria Math" panose="02040503050406030204" pitchFamily="18" charset="0"/>
+                            </a:rPr>
+                            <m:t>𝑃</m:t>
+                          </m:r>
+                          <m:r>
+                            <a:rPr lang="en-US" i="1">
+                              <a:latin typeface="Cambria Math" panose="02040503050406030204" pitchFamily="18" charset="0"/>
+                            </a:rPr>
+                            <m:t>, </m:t>
+                          </m:r>
+                          <m:sSub>
+                            <m:sSubPr>
+                              <m:ctrlPr>
+                                <a:rPr lang="en-US" i="1">
+                                  <a:latin typeface="Cambria Math" panose="02040503050406030204" pitchFamily="18" charset="0"/>
+                                </a:rPr>
+                              </m:ctrlPr>
+                            </m:sSubPr>
+                            <m:e>
+                              <m:r>
+                                <a:rPr lang="en-US" i="1">
+                                  <a:latin typeface="Cambria Math" panose="02040503050406030204" pitchFamily="18" charset="0"/>
+                                </a:rPr>
+                                <m:t>𝑛</m:t>
+                              </m:r>
+                            </m:e>
+                            <m:sub>
+                              <m:r>
+                                <a:rPr lang="en-US" i="1">
+                                  <a:latin typeface="Cambria Math" panose="02040503050406030204" pitchFamily="18" charset="0"/>
+                                </a:rPr>
+                                <m:t>1</m:t>
+                              </m:r>
+                            </m:sub>
+                          </m:sSub>
+                          <m:r>
+                            <a:rPr lang="en-US" i="1">
+                              <a:latin typeface="Cambria Math" panose="02040503050406030204" pitchFamily="18" charset="0"/>
+                            </a:rPr>
+                            <m:t>,</m:t>
+                          </m:r>
+                          <m:sSub>
+                            <m:sSubPr>
+                              <m:ctrlPr>
+                                <a:rPr lang="en-US" i="1">
+                                  <a:latin typeface="Cambria Math" panose="02040503050406030204" pitchFamily="18" charset="0"/>
+                                </a:rPr>
+                              </m:ctrlPr>
+                            </m:sSubPr>
+                            <m:e>
+                              <m:r>
+                                <a:rPr lang="en-US" i="1">
+                                  <a:latin typeface="Cambria Math" panose="02040503050406030204" pitchFamily="18" charset="0"/>
+                                </a:rPr>
+                                <m:t>𝑛</m:t>
+                              </m:r>
+                            </m:e>
+                            <m:sub>
+                              <m:r>
+                                <a:rPr lang="en-US" i="1">
+                                  <a:latin typeface="Cambria Math" panose="02040503050406030204" pitchFamily="18" charset="0"/>
+                                </a:rPr>
+                                <m:t>2</m:t>
+                              </m:r>
+                            </m:sub>
+                          </m:sSub>
+                        </m:sub>
+                      </m:sSub>
+                      <m:r>
+                        <a:rPr lang="en-US" i="1">
+                          <a:latin typeface="Cambria Math" panose="02040503050406030204" pitchFamily="18" charset="0"/>
+                        </a:rPr>
+                        <m:t>𝑑𝑇</m:t>
+                      </m:r>
+                      <m:r>
+                        <a:rPr lang="en-US" i="1">
+                          <a:latin typeface="Cambria Math" panose="02040503050406030204" pitchFamily="18" charset="0"/>
+                        </a:rPr>
+                        <m:t>+</m:t>
+                      </m:r>
+                      <m:sSub>
+                        <m:sSubPr>
+                          <m:ctrlPr>
+                            <a:rPr lang="en-US" i="1">
+                              <a:latin typeface="Cambria Math" panose="02040503050406030204" pitchFamily="18" charset="0"/>
+                            </a:rPr>
+                          </m:ctrlPr>
+                        </m:sSubPr>
+                        <m:e>
+                          <m:d>
+                            <m:dPr>
+                              <m:begChr m:val=""/>
+                              <m:endChr m:val="|"/>
+                              <m:ctrlPr>
+                                <a:rPr lang="en-US" i="1">
+                                  <a:latin typeface="Cambria Math" panose="02040503050406030204" pitchFamily="18" charset="0"/>
+                                </a:rPr>
+                              </m:ctrlPr>
+                            </m:dPr>
+                            <m:e>
+                              <m:f>
+                                <m:fPr>
+                                  <m:ctrlPr>
+                                    <a:rPr lang="en-US" i="1">
+                                      <a:latin typeface="Cambria Math" panose="02040503050406030204" pitchFamily="18" charset="0"/>
+                                    </a:rPr>
+                                  </m:ctrlPr>
+                                </m:fPr>
+                                <m:num>
+                                  <m:r>
+                                    <a:rPr lang="en-US" i="1">
+                                      <a:latin typeface="Cambria Math" panose="02040503050406030204" pitchFamily="18" charset="0"/>
+                                      <a:ea typeface="Cambria Math" panose="02040503050406030204" pitchFamily="18" charset="0"/>
+                                    </a:rPr>
+                                    <m:t>𝜕</m:t>
+                                  </m:r>
+                                  <m:r>
+                                    <a:rPr lang="en-US" i="1">
+                                      <a:latin typeface="Cambria Math" panose="02040503050406030204" pitchFamily="18" charset="0"/>
+                                      <a:ea typeface="Cambria Math" panose="02040503050406030204" pitchFamily="18" charset="0"/>
+                                    </a:rPr>
+                                    <m:t>𝑀</m:t>
+                                  </m:r>
+                                </m:num>
+                                <m:den>
+                                  <m:r>
+                                    <a:rPr lang="en-US" i="1">
+                                      <a:latin typeface="Cambria Math" panose="02040503050406030204" pitchFamily="18" charset="0"/>
+                                      <a:ea typeface="Cambria Math" panose="02040503050406030204" pitchFamily="18" charset="0"/>
+                                    </a:rPr>
+                                    <m:t>𝜕</m:t>
+                                  </m:r>
+                                  <m:r>
+                                    <a:rPr lang="en-US" i="1">
+                                      <a:latin typeface="Cambria Math" panose="02040503050406030204" pitchFamily="18" charset="0"/>
+                                    </a:rPr>
+                                    <m:t>𝑃</m:t>
+                                  </m:r>
+                                </m:den>
+                              </m:f>
+                            </m:e>
+                          </m:d>
+                        </m:e>
+                        <m:sub>
+                          <m:r>
+                            <a:rPr lang="en-US" i="1">
+                              <a:latin typeface="Cambria Math" panose="02040503050406030204" pitchFamily="18" charset="0"/>
+                            </a:rPr>
+                            <m:t>𝑇</m:t>
+                          </m:r>
+                          <m:r>
+                            <a:rPr lang="en-US" i="1">
+                              <a:latin typeface="Cambria Math" panose="02040503050406030204" pitchFamily="18" charset="0"/>
+                            </a:rPr>
+                            <m:t>, </m:t>
+                          </m:r>
+                          <m:sSub>
+                            <m:sSubPr>
+                              <m:ctrlPr>
+                                <a:rPr lang="en-US" i="1">
+                                  <a:latin typeface="Cambria Math" panose="02040503050406030204" pitchFamily="18" charset="0"/>
+                                </a:rPr>
+                              </m:ctrlPr>
+                            </m:sSubPr>
+                            <m:e>
+                              <m:r>
+                                <a:rPr lang="en-US" i="1">
+                                  <a:latin typeface="Cambria Math" panose="02040503050406030204" pitchFamily="18" charset="0"/>
+                                </a:rPr>
+                                <m:t>𝑛</m:t>
+                              </m:r>
+                            </m:e>
+                            <m:sub>
+                              <m:r>
+                                <a:rPr lang="en-US" i="1">
+                                  <a:latin typeface="Cambria Math" panose="02040503050406030204" pitchFamily="18" charset="0"/>
+                                </a:rPr>
+                                <m:t>1</m:t>
+                              </m:r>
+                            </m:sub>
+                          </m:sSub>
+                          <m:r>
+                            <a:rPr lang="en-US" i="1">
+                              <a:latin typeface="Cambria Math" panose="02040503050406030204" pitchFamily="18" charset="0"/>
+                            </a:rPr>
+                            <m:t>,</m:t>
+                          </m:r>
+                          <m:sSub>
+                            <m:sSubPr>
+                              <m:ctrlPr>
+                                <a:rPr lang="en-US" i="1">
+                                  <a:latin typeface="Cambria Math" panose="02040503050406030204" pitchFamily="18" charset="0"/>
+                                </a:rPr>
+                              </m:ctrlPr>
+                            </m:sSubPr>
+                            <m:e>
+                              <m:r>
+                                <a:rPr lang="en-US" i="1">
+                                  <a:latin typeface="Cambria Math" panose="02040503050406030204" pitchFamily="18" charset="0"/>
+                                </a:rPr>
+                                <m:t>𝑛</m:t>
+                              </m:r>
+                            </m:e>
+                            <m:sub>
+                              <m:r>
+                                <a:rPr lang="en-US" i="1">
+                                  <a:latin typeface="Cambria Math" panose="02040503050406030204" pitchFamily="18" charset="0"/>
+                                </a:rPr>
+                                <m:t>2</m:t>
+                              </m:r>
+                            </m:sub>
+                          </m:sSub>
+                        </m:sub>
+                      </m:sSub>
+                      <m:r>
+                        <a:rPr lang="en-US" i="1">
+                          <a:latin typeface="Cambria Math" panose="02040503050406030204" pitchFamily="18" charset="0"/>
+                        </a:rPr>
+                        <m:t>𝑑𝑃</m:t>
+                      </m:r>
+                      <m:r>
+                        <a:rPr lang="en-US" i="1">
+                          <a:latin typeface="Cambria Math" panose="02040503050406030204" pitchFamily="18" charset="0"/>
+                        </a:rPr>
+                        <m:t>+</m:t>
+                      </m:r>
+                      <m:acc>
+                        <m:accPr>
+                          <m:chr m:val="̅"/>
+                          <m:ctrlPr>
+                            <a:rPr lang="en-US" i="1">
+                              <a:latin typeface="Cambria Math" panose="02040503050406030204" pitchFamily="18" charset="0"/>
+                            </a:rPr>
+                          </m:ctrlPr>
+                        </m:accPr>
+                        <m:e>
+                          <m:sSub>
+                            <m:sSubPr>
+                              <m:ctrlPr>
+                                <a:rPr lang="en-US" i="1">
+                                  <a:latin typeface="Cambria Math" panose="02040503050406030204" pitchFamily="18" charset="0"/>
+                                </a:rPr>
+                              </m:ctrlPr>
+                            </m:sSubPr>
+                            <m:e>
+                              <m:r>
+                                <a:rPr lang="en-US" i="1">
+                                  <a:latin typeface="Cambria Math" panose="02040503050406030204" pitchFamily="18" charset="0"/>
+                                </a:rPr>
+                                <m:t>𝑀</m:t>
+                              </m:r>
+                            </m:e>
+                            <m:sub>
+                              <m:r>
+                                <a:rPr lang="en-US" i="1">
+                                  <a:latin typeface="Cambria Math" panose="02040503050406030204" pitchFamily="18" charset="0"/>
+                                </a:rPr>
+                                <m:t>1</m:t>
+                              </m:r>
+                            </m:sub>
+                          </m:sSub>
+                        </m:e>
+                      </m:acc>
+                      <m:r>
+                        <a:rPr lang="en-US" i="1">
+                          <a:latin typeface="Cambria Math" panose="02040503050406030204" pitchFamily="18" charset="0"/>
+                        </a:rPr>
+                        <m:t>𝑑</m:t>
+                      </m:r>
+                      <m:sSub>
+                        <m:sSubPr>
+                          <m:ctrlPr>
+                            <a:rPr lang="en-US" i="1">
+                              <a:latin typeface="Cambria Math" panose="02040503050406030204" pitchFamily="18" charset="0"/>
+                            </a:rPr>
+                          </m:ctrlPr>
+                        </m:sSubPr>
+                        <m:e>
+                          <m:r>
+                            <a:rPr lang="en-US" i="1">
+                              <a:latin typeface="Cambria Math" panose="02040503050406030204" pitchFamily="18" charset="0"/>
+                            </a:rPr>
+                            <m:t>𝑥</m:t>
+                          </m:r>
+                        </m:e>
+                        <m:sub>
+                          <m:r>
+                            <a:rPr lang="en-US" i="1">
+                              <a:latin typeface="Cambria Math" panose="02040503050406030204" pitchFamily="18" charset="0"/>
+                            </a:rPr>
+                            <m:t>1</m:t>
+                          </m:r>
+                        </m:sub>
+                      </m:sSub>
+                      <m:r>
+                        <a:rPr lang="en-US" i="1">
+                          <a:latin typeface="Cambria Math" panose="02040503050406030204" pitchFamily="18" charset="0"/>
+                        </a:rPr>
+                        <m:t>+</m:t>
+                      </m:r>
+                      <m:acc>
+                        <m:accPr>
+                          <m:chr m:val="̅"/>
+                          <m:ctrlPr>
+                            <a:rPr lang="en-US" i="1">
+                              <a:latin typeface="Cambria Math" panose="02040503050406030204" pitchFamily="18" charset="0"/>
+                            </a:rPr>
+                          </m:ctrlPr>
+                        </m:accPr>
+                        <m:e>
+                          <m:sSub>
+                            <m:sSubPr>
+                              <m:ctrlPr>
+                                <a:rPr lang="en-US" i="1">
+                                  <a:latin typeface="Cambria Math" panose="02040503050406030204" pitchFamily="18" charset="0"/>
+                                </a:rPr>
+                              </m:ctrlPr>
+                            </m:sSubPr>
+                            <m:e>
+                              <m:r>
+                                <a:rPr lang="en-US" i="1">
+                                  <a:latin typeface="Cambria Math" panose="02040503050406030204" pitchFamily="18" charset="0"/>
+                                </a:rPr>
+                                <m:t>𝑀</m:t>
+                              </m:r>
+                            </m:e>
+                            <m:sub>
+                              <m:r>
+                                <a:rPr lang="en-US" i="1">
+                                  <a:latin typeface="Cambria Math" panose="02040503050406030204" pitchFamily="18" charset="0"/>
+                                </a:rPr>
+                                <m:t>2</m:t>
+                              </m:r>
+                            </m:sub>
+                          </m:sSub>
+                        </m:e>
+                      </m:acc>
+                      <m:r>
+                        <a:rPr lang="en-US" i="1">
+                          <a:latin typeface="Cambria Math" panose="02040503050406030204" pitchFamily="18" charset="0"/>
+                        </a:rPr>
+                        <m:t>𝑑</m:t>
+                      </m:r>
+                      <m:sSub>
+                        <m:sSubPr>
+                          <m:ctrlPr>
+                            <a:rPr lang="en-US" i="1">
+                              <a:latin typeface="Cambria Math" panose="02040503050406030204" pitchFamily="18" charset="0"/>
+                            </a:rPr>
+                          </m:ctrlPr>
+                        </m:sSubPr>
+                        <m:e>
+                          <m:r>
+                            <a:rPr lang="en-US" i="1">
+                              <a:latin typeface="Cambria Math" panose="02040503050406030204" pitchFamily="18" charset="0"/>
+                            </a:rPr>
+                            <m:t>𝑥</m:t>
+                          </m:r>
+                        </m:e>
+                        <m:sub>
+                          <m:r>
+                            <a:rPr lang="en-US" i="1">
+                              <a:latin typeface="Cambria Math" panose="02040503050406030204" pitchFamily="18" charset="0"/>
+                            </a:rPr>
+                            <m:t>2</m:t>
+                          </m:r>
+                        </m:sub>
+                      </m:sSub>
+                    </m:oMath>
+                  </m:oMathPara>
+                </a14:m>
+                <a:endParaRPr lang="en-US" dirty="0"/>
+              </a:p>
+            </p:txBody>
+          </p:sp>
+        </mc:Choice>
+        <mc:Fallback>
+          <p:sp>
+            <p:nvSpPr>
+              <p:cNvPr id="3" name="TextBox 2">
+                <a:extLst>
+                  <a:ext uri="{FF2B5EF4-FFF2-40B4-BE49-F238E27FC236}">
+                    <a16:creationId xmlns:a16="http://schemas.microsoft.com/office/drawing/2014/main" id="{D5E806CF-F762-F153-9F86-FFF9AF2B0926}"/>
+                  </a:ext>
+                </a:extLst>
+              </p:cNvPr>
+              <p:cNvSpPr txBox="1">
+                <a:spLocks noRot="1" noChangeAspect="1" noMove="1" noResize="1" noEditPoints="1" noAdjustHandles="1" noChangeArrowheads="1" noChangeShapeType="1" noTextEdit="1"/>
+              </p:cNvSpPr>
+              <p:nvPr/>
+            </p:nvSpPr>
+            <p:spPr>
+              <a:xfrm>
+                <a:off x="931333" y="491065"/>
+                <a:ext cx="5449825" cy="686663"/>
+              </a:xfrm>
+              <a:prstGeom prst="rect">
+                <a:avLst/>
+              </a:prstGeom>
+              <a:blipFill>
+                <a:blip r:embed="rId2"/>
+                <a:stretch>
+                  <a:fillRect b="-893"/>
+                </a:stretch>
+              </a:blipFill>
+            </p:spPr>
+            <p:txBody>
+              <a:bodyPr/>
+              <a:lstStyle/>
+              <a:p>
+                <a:r>
+                  <a:rPr lang="en-US">
+                    <a:noFill/>
+                  </a:rPr>
+                  <a:t> </a:t>
+                </a:r>
+              </a:p>
+            </p:txBody>
+          </p:sp>
+        </mc:Fallback>
+      </mc:AlternateContent>
+      <p:sp>
+        <p:nvSpPr>
+          <p:cNvPr id="4" name="TextBox 3">
+            <a:extLst>
+              <a:ext uri="{FF2B5EF4-FFF2-40B4-BE49-F238E27FC236}">
+                <a16:creationId xmlns:a16="http://schemas.microsoft.com/office/drawing/2014/main" id="{EBED5BDE-07DD-5A77-8612-3E585A0BB148}"/>
+              </a:ext>
+            </a:extLst>
+          </p:cNvPr>
+          <p:cNvSpPr txBox="1"/>
+          <p:nvPr/>
+        </p:nvSpPr>
+        <p:spPr>
+          <a:xfrm>
+            <a:off x="270933" y="1591733"/>
+            <a:ext cx="2742867" cy="369332"/>
+          </a:xfrm>
+          <a:prstGeom prst="rect">
+            <a:avLst/>
+          </a:prstGeom>
+          <a:noFill/>
+        </p:spPr>
+        <p:txBody>
+          <a:bodyPr wrap="none" rtlCol="0">
+            <a:spAutoFit/>
+          </a:bodyPr>
+          <a:lstStyle/>
+          <a:p>
+            <a:r>
+              <a:rPr lang="en-US" dirty="0"/>
+              <a:t>By taking the derivative of </a:t>
+            </a:r>
+          </a:p>
+        </p:txBody>
+      </p:sp>
+      <mc:AlternateContent xmlns:mc="http://schemas.openxmlformats.org/markup-compatibility/2006">
+        <mc:Choice xmlns:a14="http://schemas.microsoft.com/office/drawing/2010/main" Requires="a14">
+          <p:sp>
+            <p:nvSpPr>
+              <p:cNvPr id="5" name="TextBox 4">
+                <a:extLst>
+                  <a:ext uri="{FF2B5EF4-FFF2-40B4-BE49-F238E27FC236}">
+                    <a16:creationId xmlns:a16="http://schemas.microsoft.com/office/drawing/2014/main" id="{54474105-ADAC-368F-F701-2C6FCE1076FF}"/>
+                  </a:ext>
+                </a:extLst>
+              </p:cNvPr>
+              <p:cNvSpPr txBox="1"/>
+              <p:nvPr/>
+            </p:nvSpPr>
+            <p:spPr>
+              <a:xfrm>
+                <a:off x="3069074" y="1591733"/>
+                <a:ext cx="2548652" cy="369332"/>
+              </a:xfrm>
+              <a:prstGeom prst="rect">
+                <a:avLst/>
+              </a:prstGeom>
+              <a:noFill/>
+              <a:ln>
+                <a:noFill/>
+              </a:ln>
+            </p:spPr>
+            <p:txBody>
+              <a:bodyPr wrap="square" lIns="0" tIns="0" rIns="0" bIns="0" rtlCol="0">
+                <a:spAutoFit/>
+              </a:bodyPr>
+              <a:lstStyle/>
+              <a:p>
+                <a14:m>
+                  <m:oMathPara xmlns:m="http://schemas.openxmlformats.org/officeDocument/2006/math">
+                    <m:oMathParaPr>
+                      <m:jc m:val="centerGroup"/>
+                    </m:oMathParaPr>
+                    <m:oMath xmlns:m="http://schemas.openxmlformats.org/officeDocument/2006/math">
+                      <m:r>
+                        <a:rPr lang="en-US" sz="2400" i="1" smtClean="0">
+                          <a:latin typeface="Cambria Math" panose="02040503050406030204" pitchFamily="18" charset="0"/>
+                        </a:rPr>
+                        <m:t>𝑀</m:t>
+                      </m:r>
+                      <m:r>
+                        <a:rPr lang="en-US" sz="2400" b="0" i="1" smtClean="0">
+                          <a:latin typeface="Cambria Math" panose="02040503050406030204" pitchFamily="18" charset="0"/>
+                        </a:rPr>
+                        <m:t>=</m:t>
+                      </m:r>
+                      <m:sSub>
+                        <m:sSubPr>
+                          <m:ctrlPr>
+                            <a:rPr lang="en-US" sz="2400" i="1">
+                              <a:latin typeface="Cambria Math" panose="02040503050406030204" pitchFamily="18" charset="0"/>
+                            </a:rPr>
+                          </m:ctrlPr>
+                        </m:sSubPr>
+                        <m:e>
+                          <m:r>
+                            <a:rPr lang="en-US" sz="2400" i="1">
+                              <a:latin typeface="Cambria Math" panose="02040503050406030204" pitchFamily="18" charset="0"/>
+                            </a:rPr>
+                            <m:t>𝑥</m:t>
+                          </m:r>
+                        </m:e>
+                        <m:sub>
+                          <m:r>
+                            <a:rPr lang="en-US" sz="2400" i="1">
+                              <a:latin typeface="Cambria Math" panose="02040503050406030204" pitchFamily="18" charset="0"/>
+                            </a:rPr>
+                            <m:t>1</m:t>
+                          </m:r>
+                        </m:sub>
+                      </m:sSub>
+                      <m:acc>
+                        <m:accPr>
+                          <m:chr m:val="̅"/>
+                          <m:ctrlPr>
+                            <a:rPr lang="en-US" sz="2400" i="1">
+                              <a:latin typeface="Cambria Math" panose="02040503050406030204" pitchFamily="18" charset="0"/>
+                            </a:rPr>
+                          </m:ctrlPr>
+                        </m:accPr>
+                        <m:e>
+                          <m:sSub>
+                            <m:sSubPr>
+                              <m:ctrlPr>
+                                <a:rPr lang="en-US" sz="2400" i="1">
+                                  <a:latin typeface="Cambria Math" panose="02040503050406030204" pitchFamily="18" charset="0"/>
+                                </a:rPr>
+                              </m:ctrlPr>
+                            </m:sSubPr>
+                            <m:e>
+                              <m:r>
+                                <a:rPr lang="en-US" sz="2400" i="1">
+                                  <a:latin typeface="Cambria Math" panose="02040503050406030204" pitchFamily="18" charset="0"/>
+                                </a:rPr>
+                                <m:t>𝑀</m:t>
+                              </m:r>
+                            </m:e>
+                            <m:sub>
+                              <m:r>
+                                <a:rPr lang="en-US" sz="2400" i="1">
+                                  <a:latin typeface="Cambria Math" panose="02040503050406030204" pitchFamily="18" charset="0"/>
+                                </a:rPr>
+                                <m:t>1</m:t>
+                              </m:r>
+                            </m:sub>
+                          </m:sSub>
+                        </m:e>
+                      </m:acc>
+                      <m:r>
+                        <a:rPr lang="en-US" sz="2400" i="1">
+                          <a:latin typeface="Cambria Math" panose="02040503050406030204" pitchFamily="18" charset="0"/>
+                        </a:rPr>
+                        <m:t>+</m:t>
+                      </m:r>
+                      <m:sSub>
+                        <m:sSubPr>
+                          <m:ctrlPr>
+                            <a:rPr lang="en-US" sz="2400" i="1">
+                              <a:latin typeface="Cambria Math" panose="02040503050406030204" pitchFamily="18" charset="0"/>
+                            </a:rPr>
+                          </m:ctrlPr>
+                        </m:sSubPr>
+                        <m:e>
+                          <m:r>
+                            <a:rPr lang="en-US" sz="2400" i="1">
+                              <a:latin typeface="Cambria Math" panose="02040503050406030204" pitchFamily="18" charset="0"/>
+                            </a:rPr>
+                            <m:t>𝑥</m:t>
+                          </m:r>
+                        </m:e>
+                        <m:sub>
+                          <m:r>
+                            <a:rPr lang="en-US" sz="2400" i="1">
+                              <a:latin typeface="Cambria Math" panose="02040503050406030204" pitchFamily="18" charset="0"/>
+                            </a:rPr>
+                            <m:t>2</m:t>
+                          </m:r>
+                        </m:sub>
+                      </m:sSub>
+                      <m:acc>
+                        <m:accPr>
+                          <m:chr m:val="̅"/>
+                          <m:ctrlPr>
+                            <a:rPr lang="en-US" sz="2400" i="1">
+                              <a:latin typeface="Cambria Math" panose="02040503050406030204" pitchFamily="18" charset="0"/>
+                            </a:rPr>
+                          </m:ctrlPr>
+                        </m:accPr>
+                        <m:e>
+                          <m:sSub>
+                            <m:sSubPr>
+                              <m:ctrlPr>
+                                <a:rPr lang="en-US" sz="2400" i="1">
+                                  <a:latin typeface="Cambria Math" panose="02040503050406030204" pitchFamily="18" charset="0"/>
+                                </a:rPr>
+                              </m:ctrlPr>
+                            </m:sSubPr>
+                            <m:e>
+                              <m:r>
+                                <a:rPr lang="en-US" sz="2400" i="1">
+                                  <a:latin typeface="Cambria Math" panose="02040503050406030204" pitchFamily="18" charset="0"/>
+                                </a:rPr>
+                                <m:t>𝑀</m:t>
+                              </m:r>
+                            </m:e>
+                            <m:sub>
+                              <m:r>
+                                <a:rPr lang="en-US" sz="2400" i="1">
+                                  <a:latin typeface="Cambria Math" panose="02040503050406030204" pitchFamily="18" charset="0"/>
+                                </a:rPr>
+                                <m:t>2</m:t>
+                              </m:r>
+                            </m:sub>
+                          </m:sSub>
+                        </m:e>
+                      </m:acc>
+                    </m:oMath>
+                  </m:oMathPara>
+                </a14:m>
+                <a:endParaRPr lang="en-US" sz="2400" dirty="0"/>
+              </a:p>
+            </p:txBody>
+          </p:sp>
+        </mc:Choice>
+        <mc:Fallback>
+          <p:sp>
+            <p:nvSpPr>
+              <p:cNvPr id="5" name="TextBox 4">
+                <a:extLst>
+                  <a:ext uri="{FF2B5EF4-FFF2-40B4-BE49-F238E27FC236}">
+                    <a16:creationId xmlns:a16="http://schemas.microsoft.com/office/drawing/2014/main" id="{54474105-ADAC-368F-F701-2C6FCE1076FF}"/>
+                  </a:ext>
+                </a:extLst>
+              </p:cNvPr>
+              <p:cNvSpPr txBox="1">
+                <a:spLocks noRot="1" noChangeAspect="1" noMove="1" noResize="1" noEditPoints="1" noAdjustHandles="1" noChangeArrowheads="1" noChangeShapeType="1" noTextEdit="1"/>
+              </p:cNvSpPr>
+              <p:nvPr/>
+            </p:nvSpPr>
+            <p:spPr>
+              <a:xfrm>
+                <a:off x="3069074" y="1591733"/>
+                <a:ext cx="2548652" cy="369332"/>
+              </a:xfrm>
+              <a:prstGeom prst="rect">
+                <a:avLst/>
+              </a:prstGeom>
+              <a:blipFill>
+                <a:blip r:embed="rId3"/>
+                <a:stretch>
+                  <a:fillRect l="-716" b="-13115"/>
+                </a:stretch>
+              </a:blipFill>
+              <a:ln>
+                <a:noFill/>
+              </a:ln>
+            </p:spPr>
+            <p:txBody>
+              <a:bodyPr/>
+              <a:lstStyle/>
+              <a:p>
+                <a:r>
+                  <a:rPr lang="en-US">
+                    <a:noFill/>
+                  </a:rPr>
+                  <a:t> </a:t>
+                </a:r>
+              </a:p>
+            </p:txBody>
+          </p:sp>
+        </mc:Fallback>
+      </mc:AlternateContent>
+      <mc:AlternateContent xmlns:mc="http://schemas.openxmlformats.org/markup-compatibility/2006">
+        <mc:Choice xmlns:a14="http://schemas.microsoft.com/office/drawing/2010/main" Requires="a14">
+          <p:sp>
+            <p:nvSpPr>
+              <p:cNvPr id="6" name="TextBox 5">
+                <a:extLst>
+                  <a:ext uri="{FF2B5EF4-FFF2-40B4-BE49-F238E27FC236}">
+                    <a16:creationId xmlns:a16="http://schemas.microsoft.com/office/drawing/2014/main" id="{FC9E38DC-00A8-9B2F-7B95-6F2C7FDE68EA}"/>
+                  </a:ext>
+                </a:extLst>
+              </p:cNvPr>
+              <p:cNvSpPr txBox="1"/>
+              <p:nvPr/>
+            </p:nvSpPr>
+            <p:spPr>
+              <a:xfrm>
+                <a:off x="1591737" y="2236570"/>
+                <a:ext cx="4129015" cy="276999"/>
+              </a:xfrm>
+              <a:prstGeom prst="rect">
+                <a:avLst/>
+              </a:prstGeom>
+              <a:noFill/>
+            </p:spPr>
+            <p:txBody>
+              <a:bodyPr wrap="none" lIns="0" tIns="0" rIns="0" bIns="0" rtlCol="0">
+                <a:spAutoFit/>
+              </a:bodyPr>
+              <a:lstStyle/>
+              <a:p>
+                <a14:m>
+                  <m:oMathPara xmlns:m="http://schemas.openxmlformats.org/officeDocument/2006/math">
+                    <m:oMathParaPr>
+                      <m:jc m:val="centerGroup"/>
+                    </m:oMathParaPr>
+                    <m:oMath xmlns:m="http://schemas.openxmlformats.org/officeDocument/2006/math">
+                      <m:r>
+                        <a:rPr lang="en-US" b="0" i="1" smtClean="0">
+                          <a:latin typeface="Cambria Math" panose="02040503050406030204" pitchFamily="18" charset="0"/>
+                        </a:rPr>
+                        <m:t>𝑑𝑀</m:t>
+                      </m:r>
+                      <m:r>
+                        <a:rPr lang="en-US" b="0" i="1" smtClean="0">
+                          <a:latin typeface="Cambria Math" panose="02040503050406030204" pitchFamily="18" charset="0"/>
+                        </a:rPr>
+                        <m:t>=</m:t>
+                      </m:r>
+                      <m:sSub>
+                        <m:sSubPr>
+                          <m:ctrlPr>
+                            <a:rPr lang="en-US" b="0" i="1" smtClean="0">
+                              <a:latin typeface="Cambria Math" panose="02040503050406030204" pitchFamily="18" charset="0"/>
+                            </a:rPr>
+                          </m:ctrlPr>
+                        </m:sSubPr>
+                        <m:e>
+                          <m:acc>
+                            <m:accPr>
+                              <m:chr m:val="̅"/>
+                              <m:ctrlPr>
+                                <a:rPr lang="en-US" b="0" i="1" smtClean="0">
+                                  <a:latin typeface="Cambria Math" panose="02040503050406030204" pitchFamily="18" charset="0"/>
+                                </a:rPr>
+                              </m:ctrlPr>
+                            </m:accPr>
+                            <m:e>
+                              <m:r>
+                                <a:rPr lang="en-US" b="0" i="1" smtClean="0">
+                                  <a:latin typeface="Cambria Math" panose="02040503050406030204" pitchFamily="18" charset="0"/>
+                                </a:rPr>
+                                <m:t>𝑀</m:t>
+                              </m:r>
+                            </m:e>
+                          </m:acc>
+                        </m:e>
+                        <m:sub>
+                          <m:r>
+                            <a:rPr lang="en-US" b="0" i="1" smtClean="0">
+                              <a:latin typeface="Cambria Math" panose="02040503050406030204" pitchFamily="18" charset="0"/>
+                            </a:rPr>
+                            <m:t>1</m:t>
+                          </m:r>
+                        </m:sub>
+                      </m:sSub>
+                      <m:r>
+                        <a:rPr lang="en-US" b="0" i="1" smtClean="0">
+                          <a:latin typeface="Cambria Math" panose="02040503050406030204" pitchFamily="18" charset="0"/>
+                        </a:rPr>
+                        <m:t>𝑑</m:t>
+                      </m:r>
+                      <m:sSub>
+                        <m:sSubPr>
+                          <m:ctrlPr>
+                            <a:rPr lang="en-US" b="0" i="1" smtClean="0">
+                              <a:latin typeface="Cambria Math" panose="02040503050406030204" pitchFamily="18" charset="0"/>
+                            </a:rPr>
+                          </m:ctrlPr>
+                        </m:sSubPr>
+                        <m:e>
+                          <m:r>
+                            <a:rPr lang="en-US" b="0" i="1" smtClean="0">
+                              <a:latin typeface="Cambria Math" panose="02040503050406030204" pitchFamily="18" charset="0"/>
+                            </a:rPr>
+                            <m:t>𝑥</m:t>
+                          </m:r>
+                        </m:e>
+                        <m:sub>
+                          <m:r>
+                            <a:rPr lang="en-US" b="0" i="1" smtClean="0">
+                              <a:latin typeface="Cambria Math" panose="02040503050406030204" pitchFamily="18" charset="0"/>
+                            </a:rPr>
+                            <m:t>1</m:t>
+                          </m:r>
+                        </m:sub>
+                      </m:sSub>
+                      <m:r>
+                        <a:rPr lang="en-US" b="0" i="1" smtClean="0">
+                          <a:latin typeface="Cambria Math" panose="02040503050406030204" pitchFamily="18" charset="0"/>
+                        </a:rPr>
+                        <m:t>+</m:t>
+                      </m:r>
+                      <m:sSub>
+                        <m:sSubPr>
+                          <m:ctrlPr>
+                            <a:rPr lang="en-US" b="0" i="1" smtClean="0">
+                              <a:latin typeface="Cambria Math" panose="02040503050406030204" pitchFamily="18" charset="0"/>
+                            </a:rPr>
+                          </m:ctrlPr>
+                        </m:sSubPr>
+                        <m:e>
+                          <m:r>
+                            <a:rPr lang="en-US" b="0" i="1" smtClean="0">
+                              <a:latin typeface="Cambria Math" panose="02040503050406030204" pitchFamily="18" charset="0"/>
+                            </a:rPr>
+                            <m:t>𝑥</m:t>
+                          </m:r>
+                        </m:e>
+                        <m:sub>
+                          <m:r>
+                            <a:rPr lang="en-US" b="0" i="1" smtClean="0">
+                              <a:latin typeface="Cambria Math" panose="02040503050406030204" pitchFamily="18" charset="0"/>
+                            </a:rPr>
+                            <m:t>1</m:t>
+                          </m:r>
+                        </m:sub>
+                      </m:sSub>
+                      <m:r>
+                        <a:rPr lang="en-US" b="0" i="1" smtClean="0">
+                          <a:latin typeface="Cambria Math" panose="02040503050406030204" pitchFamily="18" charset="0"/>
+                        </a:rPr>
+                        <m:t>𝑑</m:t>
+                      </m:r>
+                      <m:sSub>
+                        <m:sSubPr>
+                          <m:ctrlPr>
+                            <a:rPr lang="en-US" b="0" i="1" smtClean="0">
+                              <a:latin typeface="Cambria Math" panose="02040503050406030204" pitchFamily="18" charset="0"/>
+                            </a:rPr>
+                          </m:ctrlPr>
+                        </m:sSubPr>
+                        <m:e>
+                          <m:acc>
+                            <m:accPr>
+                              <m:chr m:val="̅"/>
+                              <m:ctrlPr>
+                                <a:rPr lang="en-US" b="0" i="1" smtClean="0">
+                                  <a:latin typeface="Cambria Math" panose="02040503050406030204" pitchFamily="18" charset="0"/>
+                                </a:rPr>
+                              </m:ctrlPr>
+                            </m:accPr>
+                            <m:e>
+                              <m:r>
+                                <a:rPr lang="en-US" b="0" i="1" smtClean="0">
+                                  <a:latin typeface="Cambria Math" panose="02040503050406030204" pitchFamily="18" charset="0"/>
+                                </a:rPr>
+                                <m:t>𝑀</m:t>
+                              </m:r>
+                            </m:e>
+                          </m:acc>
+                        </m:e>
+                        <m:sub>
+                          <m:r>
+                            <a:rPr lang="en-US" b="0" i="1" smtClean="0">
+                              <a:latin typeface="Cambria Math" panose="02040503050406030204" pitchFamily="18" charset="0"/>
+                            </a:rPr>
+                            <m:t>1</m:t>
+                          </m:r>
+                        </m:sub>
+                      </m:sSub>
+                      <m:r>
+                        <a:rPr lang="en-US" b="0" i="1" smtClean="0">
+                          <a:latin typeface="Cambria Math" panose="02040503050406030204" pitchFamily="18" charset="0"/>
+                        </a:rPr>
+                        <m:t>+</m:t>
+                      </m:r>
+                      <m:sSub>
+                        <m:sSubPr>
+                          <m:ctrlPr>
+                            <a:rPr lang="en-US" b="0" i="1" smtClean="0">
+                              <a:latin typeface="Cambria Math" panose="02040503050406030204" pitchFamily="18" charset="0"/>
+                            </a:rPr>
+                          </m:ctrlPr>
+                        </m:sSubPr>
+                        <m:e>
+                          <m:acc>
+                            <m:accPr>
+                              <m:chr m:val="̅"/>
+                              <m:ctrlPr>
+                                <a:rPr lang="en-US" b="0" i="1" smtClean="0">
+                                  <a:latin typeface="Cambria Math" panose="02040503050406030204" pitchFamily="18" charset="0"/>
+                                </a:rPr>
+                              </m:ctrlPr>
+                            </m:accPr>
+                            <m:e>
+                              <m:r>
+                                <a:rPr lang="en-US" b="0" i="1" smtClean="0">
+                                  <a:latin typeface="Cambria Math" panose="02040503050406030204" pitchFamily="18" charset="0"/>
+                                </a:rPr>
+                                <m:t>𝑀</m:t>
+                              </m:r>
+                            </m:e>
+                          </m:acc>
+                        </m:e>
+                        <m:sub>
+                          <m:r>
+                            <a:rPr lang="en-US" b="0" i="1" smtClean="0">
+                              <a:latin typeface="Cambria Math" panose="02040503050406030204" pitchFamily="18" charset="0"/>
+                            </a:rPr>
+                            <m:t>2</m:t>
+                          </m:r>
+                        </m:sub>
+                      </m:sSub>
+                      <m:r>
+                        <a:rPr lang="en-US" b="0" i="1" smtClean="0">
+                          <a:latin typeface="Cambria Math" panose="02040503050406030204" pitchFamily="18" charset="0"/>
+                        </a:rPr>
+                        <m:t>𝑑</m:t>
+                      </m:r>
+                      <m:sSub>
+                        <m:sSubPr>
+                          <m:ctrlPr>
+                            <a:rPr lang="en-US" b="0" i="1" smtClean="0">
+                              <a:latin typeface="Cambria Math" panose="02040503050406030204" pitchFamily="18" charset="0"/>
+                            </a:rPr>
+                          </m:ctrlPr>
+                        </m:sSubPr>
+                        <m:e>
+                          <m:r>
+                            <a:rPr lang="en-US" b="0" i="1" smtClean="0">
+                              <a:latin typeface="Cambria Math" panose="02040503050406030204" pitchFamily="18" charset="0"/>
+                            </a:rPr>
+                            <m:t>𝑥</m:t>
+                          </m:r>
+                        </m:e>
+                        <m:sub>
+                          <m:r>
+                            <a:rPr lang="en-US" b="0" i="1" smtClean="0">
+                              <a:latin typeface="Cambria Math" panose="02040503050406030204" pitchFamily="18" charset="0"/>
+                            </a:rPr>
+                            <m:t>2</m:t>
+                          </m:r>
+                        </m:sub>
+                      </m:sSub>
+                      <m:r>
+                        <a:rPr lang="en-US" b="0" i="1" smtClean="0">
+                          <a:latin typeface="Cambria Math" panose="02040503050406030204" pitchFamily="18" charset="0"/>
+                        </a:rPr>
+                        <m:t>+</m:t>
+                      </m:r>
+                      <m:sSub>
+                        <m:sSubPr>
+                          <m:ctrlPr>
+                            <a:rPr lang="en-US" b="0" i="1" smtClean="0">
+                              <a:latin typeface="Cambria Math" panose="02040503050406030204" pitchFamily="18" charset="0"/>
+                            </a:rPr>
+                          </m:ctrlPr>
+                        </m:sSubPr>
+                        <m:e>
+                          <m:r>
+                            <a:rPr lang="en-US" b="0" i="1" smtClean="0">
+                              <a:latin typeface="Cambria Math" panose="02040503050406030204" pitchFamily="18" charset="0"/>
+                            </a:rPr>
+                            <m:t>𝑥</m:t>
+                          </m:r>
+                        </m:e>
+                        <m:sub>
+                          <m:r>
+                            <a:rPr lang="en-US" b="0" i="1" smtClean="0">
+                              <a:latin typeface="Cambria Math" panose="02040503050406030204" pitchFamily="18" charset="0"/>
+                            </a:rPr>
+                            <m:t>2</m:t>
+                          </m:r>
+                        </m:sub>
+                      </m:sSub>
+                      <m:r>
+                        <a:rPr lang="en-US" b="0" i="1" smtClean="0">
+                          <a:latin typeface="Cambria Math" panose="02040503050406030204" pitchFamily="18" charset="0"/>
+                        </a:rPr>
+                        <m:t>𝑑</m:t>
+                      </m:r>
+                      <m:sSub>
+                        <m:sSubPr>
+                          <m:ctrlPr>
+                            <a:rPr lang="en-US" b="0" i="1" smtClean="0">
+                              <a:latin typeface="Cambria Math" panose="02040503050406030204" pitchFamily="18" charset="0"/>
+                            </a:rPr>
+                          </m:ctrlPr>
+                        </m:sSubPr>
+                        <m:e>
+                          <m:acc>
+                            <m:accPr>
+                              <m:chr m:val="̅"/>
+                              <m:ctrlPr>
+                                <a:rPr lang="en-US" b="0" i="1" smtClean="0">
+                                  <a:latin typeface="Cambria Math" panose="02040503050406030204" pitchFamily="18" charset="0"/>
+                                </a:rPr>
+                              </m:ctrlPr>
+                            </m:accPr>
+                            <m:e>
+                              <m:r>
+                                <a:rPr lang="en-US" b="0" i="1" smtClean="0">
+                                  <a:latin typeface="Cambria Math" panose="02040503050406030204" pitchFamily="18" charset="0"/>
+                                </a:rPr>
+                                <m:t>𝑀</m:t>
+                              </m:r>
+                            </m:e>
+                          </m:acc>
+                        </m:e>
+                        <m:sub>
+                          <m:r>
+                            <a:rPr lang="en-US" b="0" i="1" smtClean="0">
+                              <a:latin typeface="Cambria Math" panose="02040503050406030204" pitchFamily="18" charset="0"/>
+                            </a:rPr>
+                            <m:t>2</m:t>
+                          </m:r>
+                        </m:sub>
+                      </m:sSub>
+                    </m:oMath>
+                  </m:oMathPara>
+                </a14:m>
+                <a:endParaRPr lang="en-US" dirty="0"/>
+              </a:p>
+            </p:txBody>
+          </p:sp>
+        </mc:Choice>
+        <mc:Fallback>
+          <p:sp>
+            <p:nvSpPr>
+              <p:cNvPr id="6" name="TextBox 5">
+                <a:extLst>
+                  <a:ext uri="{FF2B5EF4-FFF2-40B4-BE49-F238E27FC236}">
+                    <a16:creationId xmlns:a16="http://schemas.microsoft.com/office/drawing/2014/main" id="{FC9E38DC-00A8-9B2F-7B95-6F2C7FDE68EA}"/>
+                  </a:ext>
+                </a:extLst>
+              </p:cNvPr>
+              <p:cNvSpPr txBox="1">
+                <a:spLocks noRot="1" noChangeAspect="1" noMove="1" noResize="1" noEditPoints="1" noAdjustHandles="1" noChangeArrowheads="1" noChangeShapeType="1" noTextEdit="1"/>
+              </p:cNvSpPr>
+              <p:nvPr/>
+            </p:nvSpPr>
+            <p:spPr>
+              <a:xfrm>
+                <a:off x="1591737" y="2236570"/>
+                <a:ext cx="4129015" cy="276999"/>
+              </a:xfrm>
+              <a:prstGeom prst="rect">
+                <a:avLst/>
+              </a:prstGeom>
+              <a:blipFill>
+                <a:blip r:embed="rId4"/>
+                <a:stretch>
+                  <a:fillRect l="-1034" t="-6667" r="-6942" b="-15556"/>
+                </a:stretch>
+              </a:blipFill>
+            </p:spPr>
+            <p:txBody>
+              <a:bodyPr/>
+              <a:lstStyle/>
+              <a:p>
+                <a:r>
+                  <a:rPr lang="en-US">
+                    <a:noFill/>
+                  </a:rPr>
+                  <a:t> </a:t>
+                </a:r>
+              </a:p>
+            </p:txBody>
+          </p:sp>
+        </mc:Fallback>
+      </mc:AlternateContent>
+      <p:sp>
+        <p:nvSpPr>
+          <p:cNvPr id="7" name="TextBox 6">
+            <a:extLst>
+              <a:ext uri="{FF2B5EF4-FFF2-40B4-BE49-F238E27FC236}">
+                <a16:creationId xmlns:a16="http://schemas.microsoft.com/office/drawing/2014/main" id="{36288171-2E03-FF71-24CF-614778D920E0}"/>
+              </a:ext>
+            </a:extLst>
+          </p:cNvPr>
+          <p:cNvSpPr txBox="1"/>
+          <p:nvPr/>
+        </p:nvSpPr>
+        <p:spPr>
+          <a:xfrm>
+            <a:off x="0" y="2742616"/>
+            <a:ext cx="2327240" cy="369332"/>
+          </a:xfrm>
+          <a:prstGeom prst="rect">
+            <a:avLst/>
+          </a:prstGeom>
+          <a:noFill/>
+        </p:spPr>
+        <p:txBody>
+          <a:bodyPr wrap="none" rtlCol="0">
+            <a:spAutoFit/>
+          </a:bodyPr>
+          <a:lstStyle/>
+          <a:p>
+            <a:r>
+              <a:rPr lang="en-US" dirty="0"/>
+              <a:t>By setting them equal</a:t>
+            </a:r>
+          </a:p>
+        </p:txBody>
+      </p:sp>
+      <mc:AlternateContent xmlns:mc="http://schemas.openxmlformats.org/markup-compatibility/2006">
+        <mc:Choice xmlns:a14="http://schemas.microsoft.com/office/drawing/2010/main" Requires="a14">
+          <p:sp>
+            <p:nvSpPr>
+              <p:cNvPr id="8" name="TextBox 7">
+                <a:extLst>
+                  <a:ext uri="{FF2B5EF4-FFF2-40B4-BE49-F238E27FC236}">
+                    <a16:creationId xmlns:a16="http://schemas.microsoft.com/office/drawing/2014/main" id="{7D9255A6-CE61-6A1E-CA66-B50E61D29F80}"/>
+                  </a:ext>
+                </a:extLst>
+              </p:cNvPr>
+              <p:cNvSpPr txBox="1"/>
+              <p:nvPr/>
+            </p:nvSpPr>
+            <p:spPr>
+              <a:xfrm>
+                <a:off x="270600" y="3295120"/>
+                <a:ext cx="4518416" cy="686663"/>
+              </a:xfrm>
+              <a:prstGeom prst="rect">
+                <a:avLst/>
+              </a:prstGeom>
+              <a:noFill/>
+            </p:spPr>
+            <p:txBody>
+              <a:bodyPr wrap="none" lIns="0" tIns="0" rIns="0" bIns="0" rtlCol="0">
+                <a:spAutoFit/>
+              </a:bodyPr>
+              <a:lstStyle/>
+              <a:p>
+                <a14:m>
+                  <m:oMathPara xmlns:m="http://schemas.openxmlformats.org/officeDocument/2006/math">
+                    <m:oMathParaPr>
+                      <m:jc m:val="centerGroup"/>
+                    </m:oMathParaPr>
+                    <m:oMath xmlns:m="http://schemas.openxmlformats.org/officeDocument/2006/math">
+                      <m:sSub>
+                        <m:sSubPr>
+                          <m:ctrlPr>
+                            <a:rPr lang="en-US" i="1">
+                              <a:latin typeface="Cambria Math" panose="02040503050406030204" pitchFamily="18" charset="0"/>
+                            </a:rPr>
+                          </m:ctrlPr>
+                        </m:sSubPr>
+                        <m:e>
+                          <m:r>
+                            <a:rPr lang="en-US" i="1">
+                              <a:latin typeface="Cambria Math" panose="02040503050406030204" pitchFamily="18" charset="0"/>
+                            </a:rPr>
+                            <m:t>𝑥</m:t>
+                          </m:r>
+                        </m:e>
+                        <m:sub>
+                          <m:r>
+                            <a:rPr lang="en-US" i="1">
+                              <a:latin typeface="Cambria Math" panose="02040503050406030204" pitchFamily="18" charset="0"/>
+                            </a:rPr>
+                            <m:t>1</m:t>
+                          </m:r>
+                        </m:sub>
+                      </m:sSub>
+                      <m:r>
+                        <a:rPr lang="en-US" i="1">
+                          <a:latin typeface="Cambria Math" panose="02040503050406030204" pitchFamily="18" charset="0"/>
+                        </a:rPr>
+                        <m:t>𝑑</m:t>
+                      </m:r>
+                      <m:sSub>
+                        <m:sSubPr>
+                          <m:ctrlPr>
+                            <a:rPr lang="en-US" i="1">
+                              <a:latin typeface="Cambria Math" panose="02040503050406030204" pitchFamily="18" charset="0"/>
+                            </a:rPr>
+                          </m:ctrlPr>
+                        </m:sSubPr>
+                        <m:e>
+                          <m:acc>
+                            <m:accPr>
+                              <m:chr m:val="̅"/>
+                              <m:ctrlPr>
+                                <a:rPr lang="en-US" i="1">
+                                  <a:latin typeface="Cambria Math" panose="02040503050406030204" pitchFamily="18" charset="0"/>
+                                </a:rPr>
+                              </m:ctrlPr>
+                            </m:accPr>
+                            <m:e>
+                              <m:r>
+                                <a:rPr lang="en-US" i="1">
+                                  <a:latin typeface="Cambria Math" panose="02040503050406030204" pitchFamily="18" charset="0"/>
+                                </a:rPr>
+                                <m:t>𝑀</m:t>
+                              </m:r>
+                            </m:e>
+                          </m:acc>
+                        </m:e>
+                        <m:sub>
+                          <m:r>
+                            <a:rPr lang="en-US" i="1">
+                              <a:latin typeface="Cambria Math" panose="02040503050406030204" pitchFamily="18" charset="0"/>
+                            </a:rPr>
+                            <m:t>1</m:t>
+                          </m:r>
+                        </m:sub>
+                      </m:sSub>
+                      <m:r>
+                        <a:rPr lang="en-US" i="1">
+                          <a:latin typeface="Cambria Math" panose="02040503050406030204" pitchFamily="18" charset="0"/>
+                        </a:rPr>
+                        <m:t>+</m:t>
+                      </m:r>
+                      <m:sSub>
+                        <m:sSubPr>
+                          <m:ctrlPr>
+                            <a:rPr lang="en-US" i="1">
+                              <a:latin typeface="Cambria Math" panose="02040503050406030204" pitchFamily="18" charset="0"/>
+                            </a:rPr>
+                          </m:ctrlPr>
+                        </m:sSubPr>
+                        <m:e>
+                          <m:r>
+                            <a:rPr lang="en-US" i="1">
+                              <a:latin typeface="Cambria Math" panose="02040503050406030204" pitchFamily="18" charset="0"/>
+                            </a:rPr>
+                            <m:t>𝑥</m:t>
+                          </m:r>
+                        </m:e>
+                        <m:sub>
+                          <m:r>
+                            <a:rPr lang="en-US" i="1">
+                              <a:latin typeface="Cambria Math" panose="02040503050406030204" pitchFamily="18" charset="0"/>
+                            </a:rPr>
+                            <m:t>2</m:t>
+                          </m:r>
+                        </m:sub>
+                      </m:sSub>
+                      <m:r>
+                        <a:rPr lang="en-US" i="1">
+                          <a:latin typeface="Cambria Math" panose="02040503050406030204" pitchFamily="18" charset="0"/>
+                        </a:rPr>
+                        <m:t>𝑑</m:t>
+                      </m:r>
+                      <m:sSub>
+                        <m:sSubPr>
+                          <m:ctrlPr>
+                            <a:rPr lang="en-US" i="1">
+                              <a:latin typeface="Cambria Math" panose="02040503050406030204" pitchFamily="18" charset="0"/>
+                            </a:rPr>
+                          </m:ctrlPr>
+                        </m:sSubPr>
+                        <m:e>
+                          <m:acc>
+                            <m:accPr>
+                              <m:chr m:val="̅"/>
+                              <m:ctrlPr>
+                                <a:rPr lang="en-US" i="1">
+                                  <a:latin typeface="Cambria Math" panose="02040503050406030204" pitchFamily="18" charset="0"/>
+                                </a:rPr>
+                              </m:ctrlPr>
+                            </m:accPr>
+                            <m:e>
+                              <m:r>
+                                <a:rPr lang="en-US" i="1">
+                                  <a:latin typeface="Cambria Math" panose="02040503050406030204" pitchFamily="18" charset="0"/>
+                                </a:rPr>
+                                <m:t>𝑀</m:t>
+                              </m:r>
+                            </m:e>
+                          </m:acc>
+                        </m:e>
+                        <m:sub>
+                          <m:r>
+                            <a:rPr lang="en-US" i="1">
+                              <a:latin typeface="Cambria Math" panose="02040503050406030204" pitchFamily="18" charset="0"/>
+                            </a:rPr>
+                            <m:t>2</m:t>
+                          </m:r>
+                        </m:sub>
+                      </m:sSub>
+                      <m:r>
+                        <a:rPr lang="en-US" b="0" i="1" smtClean="0">
+                          <a:latin typeface="Cambria Math" panose="02040503050406030204" pitchFamily="18" charset="0"/>
+                        </a:rPr>
+                        <m:t>=</m:t>
+                      </m:r>
+                      <m:sSub>
+                        <m:sSubPr>
+                          <m:ctrlPr>
+                            <a:rPr lang="en-US" i="1">
+                              <a:latin typeface="Cambria Math" panose="02040503050406030204" pitchFamily="18" charset="0"/>
+                            </a:rPr>
+                          </m:ctrlPr>
+                        </m:sSubPr>
+                        <m:e>
+                          <m:d>
+                            <m:dPr>
+                              <m:begChr m:val=""/>
+                              <m:endChr m:val="|"/>
+                              <m:ctrlPr>
+                                <a:rPr lang="en-US" i="1">
+                                  <a:latin typeface="Cambria Math" panose="02040503050406030204" pitchFamily="18" charset="0"/>
+                                </a:rPr>
+                              </m:ctrlPr>
+                            </m:dPr>
+                            <m:e>
+                              <m:f>
+                                <m:fPr>
+                                  <m:ctrlPr>
+                                    <a:rPr lang="en-US" i="1">
+                                      <a:latin typeface="Cambria Math" panose="02040503050406030204" pitchFamily="18" charset="0"/>
+                                    </a:rPr>
+                                  </m:ctrlPr>
+                                </m:fPr>
+                                <m:num>
+                                  <m:r>
+                                    <a:rPr lang="en-US" i="1">
+                                      <a:latin typeface="Cambria Math" panose="02040503050406030204" pitchFamily="18" charset="0"/>
+                                      <a:ea typeface="Cambria Math" panose="02040503050406030204" pitchFamily="18" charset="0"/>
+                                    </a:rPr>
+                                    <m:t>𝜕</m:t>
+                                  </m:r>
+                                  <m:r>
+                                    <a:rPr lang="en-US" i="1">
+                                      <a:latin typeface="Cambria Math" panose="02040503050406030204" pitchFamily="18" charset="0"/>
+                                      <a:ea typeface="Cambria Math" panose="02040503050406030204" pitchFamily="18" charset="0"/>
+                                    </a:rPr>
+                                    <m:t>𝑀</m:t>
+                                  </m:r>
+                                </m:num>
+                                <m:den>
+                                  <m:r>
+                                    <a:rPr lang="en-US" i="1">
+                                      <a:latin typeface="Cambria Math" panose="02040503050406030204" pitchFamily="18" charset="0"/>
+                                      <a:ea typeface="Cambria Math" panose="02040503050406030204" pitchFamily="18" charset="0"/>
+                                    </a:rPr>
+                                    <m:t>𝜕</m:t>
+                                  </m:r>
+                                  <m:r>
+                                    <a:rPr lang="en-US" i="1">
+                                      <a:latin typeface="Cambria Math" panose="02040503050406030204" pitchFamily="18" charset="0"/>
+                                    </a:rPr>
+                                    <m:t>𝑇</m:t>
+                                  </m:r>
+                                </m:den>
+                              </m:f>
+                            </m:e>
+                          </m:d>
+                        </m:e>
+                        <m:sub>
+                          <m:r>
+                            <a:rPr lang="en-US" i="1">
+                              <a:latin typeface="Cambria Math" panose="02040503050406030204" pitchFamily="18" charset="0"/>
+                            </a:rPr>
+                            <m:t>𝑃</m:t>
+                          </m:r>
+                          <m:r>
+                            <a:rPr lang="en-US" i="1">
+                              <a:latin typeface="Cambria Math" panose="02040503050406030204" pitchFamily="18" charset="0"/>
+                            </a:rPr>
+                            <m:t>, </m:t>
+                          </m:r>
+                          <m:sSub>
+                            <m:sSubPr>
+                              <m:ctrlPr>
+                                <a:rPr lang="en-US" i="1">
+                                  <a:latin typeface="Cambria Math" panose="02040503050406030204" pitchFamily="18" charset="0"/>
+                                </a:rPr>
+                              </m:ctrlPr>
+                            </m:sSubPr>
+                            <m:e>
+                              <m:r>
+                                <a:rPr lang="en-US" i="1">
+                                  <a:latin typeface="Cambria Math" panose="02040503050406030204" pitchFamily="18" charset="0"/>
+                                </a:rPr>
+                                <m:t>𝑛</m:t>
+                              </m:r>
+                            </m:e>
+                            <m:sub>
+                              <m:r>
+                                <a:rPr lang="en-US" i="1">
+                                  <a:latin typeface="Cambria Math" panose="02040503050406030204" pitchFamily="18" charset="0"/>
+                                </a:rPr>
+                                <m:t>1</m:t>
+                              </m:r>
+                            </m:sub>
+                          </m:sSub>
+                          <m:r>
+                            <a:rPr lang="en-US" i="1">
+                              <a:latin typeface="Cambria Math" panose="02040503050406030204" pitchFamily="18" charset="0"/>
+                            </a:rPr>
+                            <m:t>,</m:t>
+                          </m:r>
+                          <m:sSub>
+                            <m:sSubPr>
+                              <m:ctrlPr>
+                                <a:rPr lang="en-US" i="1">
+                                  <a:latin typeface="Cambria Math" panose="02040503050406030204" pitchFamily="18" charset="0"/>
+                                </a:rPr>
+                              </m:ctrlPr>
+                            </m:sSubPr>
+                            <m:e>
+                              <m:r>
+                                <a:rPr lang="en-US" i="1">
+                                  <a:latin typeface="Cambria Math" panose="02040503050406030204" pitchFamily="18" charset="0"/>
+                                </a:rPr>
+                                <m:t>𝑛</m:t>
+                              </m:r>
+                            </m:e>
+                            <m:sub>
+                              <m:r>
+                                <a:rPr lang="en-US" i="1">
+                                  <a:latin typeface="Cambria Math" panose="02040503050406030204" pitchFamily="18" charset="0"/>
+                                </a:rPr>
+                                <m:t>2</m:t>
+                              </m:r>
+                            </m:sub>
+                          </m:sSub>
+                        </m:sub>
+                      </m:sSub>
+                      <m:r>
+                        <a:rPr lang="en-US" i="1">
+                          <a:latin typeface="Cambria Math" panose="02040503050406030204" pitchFamily="18" charset="0"/>
+                        </a:rPr>
+                        <m:t>𝑑𝑇</m:t>
+                      </m:r>
+                      <m:r>
+                        <a:rPr lang="en-US" i="1">
+                          <a:latin typeface="Cambria Math" panose="02040503050406030204" pitchFamily="18" charset="0"/>
+                        </a:rPr>
+                        <m:t>+</m:t>
+                      </m:r>
+                      <m:sSub>
+                        <m:sSubPr>
+                          <m:ctrlPr>
+                            <a:rPr lang="en-US" i="1">
+                              <a:latin typeface="Cambria Math" panose="02040503050406030204" pitchFamily="18" charset="0"/>
+                            </a:rPr>
+                          </m:ctrlPr>
+                        </m:sSubPr>
+                        <m:e>
+                          <m:d>
+                            <m:dPr>
+                              <m:begChr m:val=""/>
+                              <m:endChr m:val="|"/>
+                              <m:ctrlPr>
+                                <a:rPr lang="en-US" i="1">
+                                  <a:latin typeface="Cambria Math" panose="02040503050406030204" pitchFamily="18" charset="0"/>
+                                </a:rPr>
+                              </m:ctrlPr>
+                            </m:dPr>
+                            <m:e>
+                              <m:f>
+                                <m:fPr>
+                                  <m:ctrlPr>
+                                    <a:rPr lang="en-US" i="1">
+                                      <a:latin typeface="Cambria Math" panose="02040503050406030204" pitchFamily="18" charset="0"/>
+                                    </a:rPr>
+                                  </m:ctrlPr>
+                                </m:fPr>
+                                <m:num>
+                                  <m:r>
+                                    <a:rPr lang="en-US" i="1">
+                                      <a:latin typeface="Cambria Math" panose="02040503050406030204" pitchFamily="18" charset="0"/>
+                                      <a:ea typeface="Cambria Math" panose="02040503050406030204" pitchFamily="18" charset="0"/>
+                                    </a:rPr>
+                                    <m:t>𝜕</m:t>
+                                  </m:r>
+                                  <m:r>
+                                    <a:rPr lang="en-US" i="1">
+                                      <a:latin typeface="Cambria Math" panose="02040503050406030204" pitchFamily="18" charset="0"/>
+                                      <a:ea typeface="Cambria Math" panose="02040503050406030204" pitchFamily="18" charset="0"/>
+                                    </a:rPr>
+                                    <m:t>𝑀</m:t>
+                                  </m:r>
+                                </m:num>
+                                <m:den>
+                                  <m:r>
+                                    <a:rPr lang="en-US" i="1">
+                                      <a:latin typeface="Cambria Math" panose="02040503050406030204" pitchFamily="18" charset="0"/>
+                                      <a:ea typeface="Cambria Math" panose="02040503050406030204" pitchFamily="18" charset="0"/>
+                                    </a:rPr>
+                                    <m:t>𝜕</m:t>
+                                  </m:r>
+                                  <m:r>
+                                    <a:rPr lang="en-US" i="1">
+                                      <a:latin typeface="Cambria Math" panose="02040503050406030204" pitchFamily="18" charset="0"/>
+                                    </a:rPr>
+                                    <m:t>𝑃</m:t>
+                                  </m:r>
+                                </m:den>
+                              </m:f>
+                            </m:e>
+                          </m:d>
+                        </m:e>
+                        <m:sub>
+                          <m:r>
+                            <a:rPr lang="en-US" i="1">
+                              <a:latin typeface="Cambria Math" panose="02040503050406030204" pitchFamily="18" charset="0"/>
+                            </a:rPr>
+                            <m:t>𝑇</m:t>
+                          </m:r>
+                          <m:r>
+                            <a:rPr lang="en-US" i="1">
+                              <a:latin typeface="Cambria Math" panose="02040503050406030204" pitchFamily="18" charset="0"/>
+                            </a:rPr>
+                            <m:t>, </m:t>
+                          </m:r>
+                          <m:sSub>
+                            <m:sSubPr>
+                              <m:ctrlPr>
+                                <a:rPr lang="en-US" i="1">
+                                  <a:latin typeface="Cambria Math" panose="02040503050406030204" pitchFamily="18" charset="0"/>
+                                </a:rPr>
+                              </m:ctrlPr>
+                            </m:sSubPr>
+                            <m:e>
+                              <m:r>
+                                <a:rPr lang="en-US" i="1">
+                                  <a:latin typeface="Cambria Math" panose="02040503050406030204" pitchFamily="18" charset="0"/>
+                                </a:rPr>
+                                <m:t>𝑛</m:t>
+                              </m:r>
+                            </m:e>
+                            <m:sub>
+                              <m:r>
+                                <a:rPr lang="en-US" i="1">
+                                  <a:latin typeface="Cambria Math" panose="02040503050406030204" pitchFamily="18" charset="0"/>
+                                </a:rPr>
+                                <m:t>1</m:t>
+                              </m:r>
+                            </m:sub>
+                          </m:sSub>
+                          <m:r>
+                            <a:rPr lang="en-US" i="1">
+                              <a:latin typeface="Cambria Math" panose="02040503050406030204" pitchFamily="18" charset="0"/>
+                            </a:rPr>
+                            <m:t>,</m:t>
+                          </m:r>
+                          <m:sSub>
+                            <m:sSubPr>
+                              <m:ctrlPr>
+                                <a:rPr lang="en-US" i="1">
+                                  <a:latin typeface="Cambria Math" panose="02040503050406030204" pitchFamily="18" charset="0"/>
+                                </a:rPr>
+                              </m:ctrlPr>
+                            </m:sSubPr>
+                            <m:e>
+                              <m:r>
+                                <a:rPr lang="en-US" i="1">
+                                  <a:latin typeface="Cambria Math" panose="02040503050406030204" pitchFamily="18" charset="0"/>
+                                </a:rPr>
+                                <m:t>𝑛</m:t>
+                              </m:r>
+                            </m:e>
+                            <m:sub>
+                              <m:r>
+                                <a:rPr lang="en-US" i="1">
+                                  <a:latin typeface="Cambria Math" panose="02040503050406030204" pitchFamily="18" charset="0"/>
+                                </a:rPr>
+                                <m:t>2</m:t>
+                              </m:r>
+                            </m:sub>
+                          </m:sSub>
+                        </m:sub>
+                      </m:sSub>
+                    </m:oMath>
+                  </m:oMathPara>
+                </a14:m>
+                <a:endParaRPr lang="en-US" dirty="0"/>
+              </a:p>
+            </p:txBody>
+          </p:sp>
+        </mc:Choice>
+        <mc:Fallback>
+          <p:sp>
+            <p:nvSpPr>
+              <p:cNvPr id="8" name="TextBox 7">
+                <a:extLst>
+                  <a:ext uri="{FF2B5EF4-FFF2-40B4-BE49-F238E27FC236}">
+                    <a16:creationId xmlns:a16="http://schemas.microsoft.com/office/drawing/2014/main" id="{7D9255A6-CE61-6A1E-CA66-B50E61D29F80}"/>
+                  </a:ext>
+                </a:extLst>
+              </p:cNvPr>
+              <p:cNvSpPr txBox="1">
+                <a:spLocks noRot="1" noChangeAspect="1" noMove="1" noResize="1" noEditPoints="1" noAdjustHandles="1" noChangeArrowheads="1" noChangeShapeType="1" noTextEdit="1"/>
+              </p:cNvSpPr>
+              <p:nvPr/>
+            </p:nvSpPr>
+            <p:spPr>
+              <a:xfrm>
+                <a:off x="270600" y="3295120"/>
+                <a:ext cx="4518416" cy="686663"/>
+              </a:xfrm>
+              <a:prstGeom prst="rect">
+                <a:avLst/>
+              </a:prstGeom>
+              <a:blipFill>
+                <a:blip r:embed="rId5"/>
+                <a:stretch>
+                  <a:fillRect b="-893"/>
+                </a:stretch>
+              </a:blipFill>
+            </p:spPr>
+            <p:txBody>
+              <a:bodyPr/>
+              <a:lstStyle/>
+              <a:p>
+                <a:r>
+                  <a:rPr lang="en-US">
+                    <a:noFill/>
+                  </a:rPr>
+                  <a:t> </a:t>
+                </a:r>
+              </a:p>
+            </p:txBody>
+          </p:sp>
+        </mc:Fallback>
+      </mc:AlternateContent>
+      <p:sp>
+        <p:nvSpPr>
+          <p:cNvPr id="9" name="TextBox 8">
+            <a:extLst>
+              <a:ext uri="{FF2B5EF4-FFF2-40B4-BE49-F238E27FC236}">
+                <a16:creationId xmlns:a16="http://schemas.microsoft.com/office/drawing/2014/main" id="{F36F32C5-0CB3-51D1-3658-D41B0BE449A1}"/>
+              </a:ext>
+            </a:extLst>
+          </p:cNvPr>
+          <p:cNvSpPr txBox="1"/>
+          <p:nvPr/>
+        </p:nvSpPr>
+        <p:spPr>
+          <a:xfrm>
+            <a:off x="5085758" y="3278187"/>
+            <a:ext cx="2590800" cy="646331"/>
+          </a:xfrm>
+          <a:prstGeom prst="rect">
+            <a:avLst/>
+          </a:prstGeom>
+          <a:noFill/>
+        </p:spPr>
+        <p:txBody>
+          <a:bodyPr wrap="square" rtlCol="0">
+            <a:spAutoFit/>
+          </a:bodyPr>
+          <a:lstStyle/>
+          <a:p>
+            <a:pPr algn="ctr"/>
+            <a:r>
+              <a:rPr lang="en-US" dirty="0"/>
+              <a:t>Gibbs-Duhem Equation for a mixture</a:t>
+            </a:r>
+          </a:p>
+        </p:txBody>
+      </p:sp>
+      <p:sp>
+        <p:nvSpPr>
+          <p:cNvPr id="10" name="TextBox 9">
+            <a:extLst>
+              <a:ext uri="{FF2B5EF4-FFF2-40B4-BE49-F238E27FC236}">
+                <a16:creationId xmlns:a16="http://schemas.microsoft.com/office/drawing/2014/main" id="{70922D89-57DF-1A7D-3F81-8E85157226FF}"/>
+              </a:ext>
+            </a:extLst>
+          </p:cNvPr>
+          <p:cNvSpPr txBox="1"/>
+          <p:nvPr/>
+        </p:nvSpPr>
+        <p:spPr>
+          <a:xfrm>
+            <a:off x="270600" y="4181243"/>
+            <a:ext cx="2570960" cy="369332"/>
+          </a:xfrm>
+          <a:prstGeom prst="rect">
+            <a:avLst/>
+          </a:prstGeom>
+          <a:noFill/>
+        </p:spPr>
+        <p:txBody>
+          <a:bodyPr wrap="none" rtlCol="0">
+            <a:spAutoFit/>
+          </a:bodyPr>
+          <a:lstStyle/>
+          <a:p>
+            <a:r>
+              <a:rPr lang="en-US" dirty="0"/>
+              <a:t>If T and P are constant…</a:t>
+            </a:r>
+          </a:p>
+        </p:txBody>
+      </p:sp>
+      <mc:AlternateContent xmlns:mc="http://schemas.openxmlformats.org/markup-compatibility/2006">
+        <mc:Choice xmlns:a14="http://schemas.microsoft.com/office/drawing/2010/main" Requires="a14">
+          <p:sp>
+            <p:nvSpPr>
+              <p:cNvPr id="11" name="TextBox 10">
+                <a:extLst>
+                  <a:ext uri="{FF2B5EF4-FFF2-40B4-BE49-F238E27FC236}">
+                    <a16:creationId xmlns:a16="http://schemas.microsoft.com/office/drawing/2014/main" id="{49CCA050-90B1-C832-BC15-5936C2B1C27B}"/>
+                  </a:ext>
+                </a:extLst>
+              </p:cNvPr>
+              <p:cNvSpPr txBox="1"/>
+              <p:nvPr/>
+            </p:nvSpPr>
+            <p:spPr>
+              <a:xfrm>
+                <a:off x="1068331" y="4763334"/>
+                <a:ext cx="1945469" cy="276999"/>
+              </a:xfrm>
+              <a:prstGeom prst="rect">
+                <a:avLst/>
+              </a:prstGeom>
+              <a:noFill/>
+            </p:spPr>
+            <p:txBody>
+              <a:bodyPr wrap="none" lIns="0" tIns="0" rIns="0" bIns="0" rtlCol="0">
+                <a:spAutoFit/>
+              </a:bodyPr>
+              <a:lstStyle/>
+              <a:p>
+                <a14:m>
+                  <m:oMath xmlns:m="http://schemas.openxmlformats.org/officeDocument/2006/math">
+                    <m:sSub>
+                      <m:sSubPr>
+                        <m:ctrlPr>
+                          <a:rPr lang="en-US" i="1">
+                            <a:latin typeface="Cambria Math" panose="02040503050406030204" pitchFamily="18" charset="0"/>
+                          </a:rPr>
+                        </m:ctrlPr>
+                      </m:sSubPr>
+                      <m:e>
+                        <m:r>
+                          <a:rPr lang="en-US" i="1">
+                            <a:latin typeface="Cambria Math" panose="02040503050406030204" pitchFamily="18" charset="0"/>
+                          </a:rPr>
+                          <m:t>𝑥</m:t>
+                        </m:r>
+                      </m:e>
+                      <m:sub>
+                        <m:r>
+                          <a:rPr lang="en-US" i="1">
+                            <a:latin typeface="Cambria Math" panose="02040503050406030204" pitchFamily="18" charset="0"/>
+                          </a:rPr>
+                          <m:t>1</m:t>
+                        </m:r>
+                      </m:sub>
+                    </m:sSub>
+                    <m:r>
+                      <a:rPr lang="en-US" i="1">
+                        <a:latin typeface="Cambria Math" panose="02040503050406030204" pitchFamily="18" charset="0"/>
+                      </a:rPr>
+                      <m:t>𝑑</m:t>
+                    </m:r>
+                    <m:sSub>
+                      <m:sSubPr>
+                        <m:ctrlPr>
+                          <a:rPr lang="en-US" i="1">
+                            <a:latin typeface="Cambria Math" panose="02040503050406030204" pitchFamily="18" charset="0"/>
+                          </a:rPr>
+                        </m:ctrlPr>
+                      </m:sSubPr>
+                      <m:e>
+                        <m:acc>
+                          <m:accPr>
+                            <m:chr m:val="̅"/>
+                            <m:ctrlPr>
+                              <a:rPr lang="en-US" i="1">
+                                <a:latin typeface="Cambria Math" panose="02040503050406030204" pitchFamily="18" charset="0"/>
+                              </a:rPr>
+                            </m:ctrlPr>
+                          </m:accPr>
+                          <m:e>
+                            <m:r>
+                              <a:rPr lang="en-US" i="1">
+                                <a:latin typeface="Cambria Math" panose="02040503050406030204" pitchFamily="18" charset="0"/>
+                              </a:rPr>
+                              <m:t>𝑀</m:t>
+                            </m:r>
+                          </m:e>
+                        </m:acc>
+                      </m:e>
+                      <m:sub>
+                        <m:r>
+                          <a:rPr lang="en-US" i="1">
+                            <a:latin typeface="Cambria Math" panose="02040503050406030204" pitchFamily="18" charset="0"/>
+                          </a:rPr>
+                          <m:t>1</m:t>
+                        </m:r>
+                      </m:sub>
+                    </m:sSub>
+                    <m:r>
+                      <a:rPr lang="en-US" i="1">
+                        <a:latin typeface="Cambria Math" panose="02040503050406030204" pitchFamily="18" charset="0"/>
+                      </a:rPr>
+                      <m:t>+</m:t>
+                    </m:r>
+                    <m:sSub>
+                      <m:sSubPr>
+                        <m:ctrlPr>
+                          <a:rPr lang="en-US" i="1">
+                            <a:latin typeface="Cambria Math" panose="02040503050406030204" pitchFamily="18" charset="0"/>
+                          </a:rPr>
+                        </m:ctrlPr>
+                      </m:sSubPr>
+                      <m:e>
+                        <m:r>
+                          <a:rPr lang="en-US" i="1">
+                            <a:latin typeface="Cambria Math" panose="02040503050406030204" pitchFamily="18" charset="0"/>
+                          </a:rPr>
+                          <m:t>𝑥</m:t>
+                        </m:r>
+                      </m:e>
+                      <m:sub>
+                        <m:r>
+                          <a:rPr lang="en-US" i="1">
+                            <a:latin typeface="Cambria Math" panose="02040503050406030204" pitchFamily="18" charset="0"/>
+                          </a:rPr>
+                          <m:t>2</m:t>
+                        </m:r>
+                      </m:sub>
+                    </m:sSub>
+                    <m:r>
+                      <a:rPr lang="en-US" i="1">
+                        <a:latin typeface="Cambria Math" panose="02040503050406030204" pitchFamily="18" charset="0"/>
+                      </a:rPr>
+                      <m:t>𝑑</m:t>
+                    </m:r>
+                    <m:sSub>
+                      <m:sSubPr>
+                        <m:ctrlPr>
+                          <a:rPr lang="en-US" i="1">
+                            <a:latin typeface="Cambria Math" panose="02040503050406030204" pitchFamily="18" charset="0"/>
+                          </a:rPr>
+                        </m:ctrlPr>
+                      </m:sSubPr>
+                      <m:e>
+                        <m:acc>
+                          <m:accPr>
+                            <m:chr m:val="̅"/>
+                            <m:ctrlPr>
+                              <a:rPr lang="en-US" i="1">
+                                <a:latin typeface="Cambria Math" panose="02040503050406030204" pitchFamily="18" charset="0"/>
+                              </a:rPr>
+                            </m:ctrlPr>
+                          </m:accPr>
+                          <m:e>
+                            <m:r>
+                              <a:rPr lang="en-US" i="1">
+                                <a:latin typeface="Cambria Math" panose="02040503050406030204" pitchFamily="18" charset="0"/>
+                              </a:rPr>
+                              <m:t>𝑀</m:t>
+                            </m:r>
+                          </m:e>
+                        </m:acc>
+                      </m:e>
+                      <m:sub>
+                        <m:r>
+                          <a:rPr lang="en-US" i="1">
+                            <a:latin typeface="Cambria Math" panose="02040503050406030204" pitchFamily="18" charset="0"/>
+                          </a:rPr>
+                          <m:t>2</m:t>
+                        </m:r>
+                      </m:sub>
+                    </m:sSub>
+                    <m:r>
+                      <a:rPr lang="en-US" i="1">
+                        <a:latin typeface="Cambria Math" panose="02040503050406030204" pitchFamily="18" charset="0"/>
+                      </a:rPr>
+                      <m:t>=</m:t>
+                    </m:r>
+                  </m:oMath>
+                </a14:m>
+                <a:r>
+                  <a:rPr lang="en-US" dirty="0"/>
+                  <a:t>0</a:t>
+                </a:r>
+              </a:p>
+            </p:txBody>
+          </p:sp>
+        </mc:Choice>
+        <mc:Fallback>
+          <p:sp>
+            <p:nvSpPr>
+              <p:cNvPr id="11" name="TextBox 10">
+                <a:extLst>
+                  <a:ext uri="{FF2B5EF4-FFF2-40B4-BE49-F238E27FC236}">
+                    <a16:creationId xmlns:a16="http://schemas.microsoft.com/office/drawing/2014/main" id="{49CCA050-90B1-C832-BC15-5936C2B1C27B}"/>
+                  </a:ext>
+                </a:extLst>
+              </p:cNvPr>
+              <p:cNvSpPr txBox="1">
+                <a:spLocks noRot="1" noChangeAspect="1" noMove="1" noResize="1" noEditPoints="1" noAdjustHandles="1" noChangeArrowheads="1" noChangeShapeType="1" noTextEdit="1"/>
+              </p:cNvSpPr>
+              <p:nvPr/>
+            </p:nvSpPr>
+            <p:spPr>
+              <a:xfrm>
+                <a:off x="1068331" y="4763334"/>
+                <a:ext cx="1945469" cy="276999"/>
+              </a:xfrm>
+              <a:prstGeom prst="rect">
+                <a:avLst/>
+              </a:prstGeom>
+              <a:blipFill>
+                <a:blip r:embed="rId6"/>
+                <a:stretch>
+                  <a:fillRect l="-3135" t="-26087" r="-6583" b="-52174"/>
+                </a:stretch>
+              </a:blipFill>
+            </p:spPr>
+            <p:txBody>
+              <a:bodyPr/>
+              <a:lstStyle/>
+              <a:p>
+                <a:r>
+                  <a:rPr lang="en-US">
+                    <a:noFill/>
+                  </a:rPr>
+                  <a:t> </a:t>
+                </a:r>
+              </a:p>
+            </p:txBody>
+          </p:sp>
+        </mc:Fallback>
+      </mc:AlternateContent>
+      <p:cxnSp>
+        <p:nvCxnSpPr>
+          <p:cNvPr id="13" name="Straight Arrow Connector 12">
+            <a:extLst>
+              <a:ext uri="{FF2B5EF4-FFF2-40B4-BE49-F238E27FC236}">
+                <a16:creationId xmlns:a16="http://schemas.microsoft.com/office/drawing/2014/main" id="{FC7E9922-05D7-1A96-A782-EAEF771E7201}"/>
+              </a:ext>
+            </a:extLst>
+          </p:cNvPr>
+          <p:cNvCxnSpPr>
+            <a:stCxn id="11" idx="3"/>
+          </p:cNvCxnSpPr>
+          <p:nvPr/>
+        </p:nvCxnSpPr>
+        <p:spPr>
+          <a:xfrm flipV="1">
+            <a:off x="3013800" y="4901833"/>
+            <a:ext cx="835331" cy="1"/>
+          </a:xfrm>
+          <a:prstGeom prst="straightConnector1">
+            <a:avLst/>
+          </a:prstGeom>
+          <a:ln>
+            <a:tailEnd type="triangle"/>
+          </a:ln>
+        </p:spPr>
+        <p:style>
+          <a:lnRef idx="2">
+            <a:schemeClr val="accent1"/>
+          </a:lnRef>
+          <a:fillRef idx="0">
+            <a:schemeClr val="accent1"/>
+          </a:fillRef>
+          <a:effectRef idx="1">
+            <a:schemeClr val="accent1"/>
+          </a:effectRef>
+          <a:fontRef idx="minor">
+            <a:schemeClr val="tx1"/>
+          </a:fontRef>
+        </p:style>
+      </p:cxnSp>
+      <mc:AlternateContent xmlns:mc="http://schemas.openxmlformats.org/markup-compatibility/2006">
+        <mc:Choice xmlns:a14="http://schemas.microsoft.com/office/drawing/2010/main" Requires="a14">
+          <p:sp>
+            <p:nvSpPr>
+              <p:cNvPr id="14" name="TextBox 13">
+                <a:extLst>
+                  <a:ext uri="{FF2B5EF4-FFF2-40B4-BE49-F238E27FC236}">
+                    <a16:creationId xmlns:a16="http://schemas.microsoft.com/office/drawing/2014/main" id="{9B4D3A0F-4572-C46C-1106-F2405A0A5955}"/>
+                  </a:ext>
+                </a:extLst>
+              </p:cNvPr>
+              <p:cNvSpPr txBox="1"/>
+              <p:nvPr/>
+            </p:nvSpPr>
+            <p:spPr>
+              <a:xfrm>
+                <a:off x="3939556" y="4614028"/>
+                <a:ext cx="1415003" cy="672235"/>
+              </a:xfrm>
+              <a:prstGeom prst="rect">
+                <a:avLst/>
+              </a:prstGeom>
+              <a:noFill/>
+            </p:spPr>
+            <p:txBody>
+              <a:bodyPr wrap="none" lIns="0" tIns="0" rIns="0" bIns="0" rtlCol="0">
+                <a:spAutoFit/>
+              </a:bodyPr>
+              <a:lstStyle/>
+              <a:p>
+                <a14:m>
+                  <m:oMathPara xmlns:m="http://schemas.openxmlformats.org/officeDocument/2006/math">
+                    <m:oMathParaPr>
+                      <m:jc m:val="centerGroup"/>
+                    </m:oMathParaPr>
+                    <m:oMath xmlns:m="http://schemas.openxmlformats.org/officeDocument/2006/math">
+                      <m:nary>
+                        <m:naryPr>
+                          <m:chr m:val="∑"/>
+                          <m:supHide m:val="on"/>
+                          <m:ctrlPr>
+                            <a:rPr lang="en-US" i="1" smtClean="0">
+                              <a:latin typeface="Cambria Math" panose="02040503050406030204" pitchFamily="18" charset="0"/>
+                            </a:rPr>
+                          </m:ctrlPr>
+                        </m:naryPr>
+                        <m:sub>
+                          <m:r>
+                            <m:rPr>
+                              <m:brk m:alnAt="7"/>
+                            </m:rPr>
+                            <a:rPr lang="en-US" b="0" i="1" smtClean="0">
+                              <a:latin typeface="Cambria Math" panose="02040503050406030204" pitchFamily="18" charset="0"/>
+                            </a:rPr>
+                            <m:t>𝑖</m:t>
+                          </m:r>
+                        </m:sub>
+                        <m:sup/>
+                        <m:e>
+                          <m:sSub>
+                            <m:sSubPr>
+                              <m:ctrlPr>
+                                <a:rPr lang="en-US" i="1" smtClean="0">
+                                  <a:latin typeface="Cambria Math" panose="02040503050406030204" pitchFamily="18" charset="0"/>
+                                </a:rPr>
+                              </m:ctrlPr>
+                            </m:sSubPr>
+                            <m:e>
+                              <m:r>
+                                <a:rPr lang="en-US" b="0" i="1" smtClean="0">
+                                  <a:latin typeface="Cambria Math" panose="02040503050406030204" pitchFamily="18" charset="0"/>
+                                </a:rPr>
+                                <m:t>𝑥</m:t>
+                              </m:r>
+                            </m:e>
+                            <m:sub>
+                              <m:r>
+                                <a:rPr lang="en-US" b="0" i="1" smtClean="0">
+                                  <a:latin typeface="Cambria Math" panose="02040503050406030204" pitchFamily="18" charset="0"/>
+                                </a:rPr>
+                                <m:t>𝑖</m:t>
+                              </m:r>
+                            </m:sub>
+                          </m:sSub>
+                          <m:r>
+                            <a:rPr lang="en-US" b="0" i="1" smtClean="0">
+                              <a:latin typeface="Cambria Math" panose="02040503050406030204" pitchFamily="18" charset="0"/>
+                            </a:rPr>
+                            <m:t>𝑑</m:t>
+                          </m:r>
+                          <m:sSub>
+                            <m:sSubPr>
+                              <m:ctrlPr>
+                                <a:rPr lang="en-US" b="0" i="1" smtClean="0">
+                                  <a:latin typeface="Cambria Math" panose="02040503050406030204" pitchFamily="18" charset="0"/>
+                                </a:rPr>
+                              </m:ctrlPr>
+                            </m:sSubPr>
+                            <m:e>
+                              <m:acc>
+                                <m:accPr>
+                                  <m:chr m:val="̅"/>
+                                  <m:ctrlPr>
+                                    <a:rPr lang="en-US" b="0" i="1" smtClean="0">
+                                      <a:latin typeface="Cambria Math" panose="02040503050406030204" pitchFamily="18" charset="0"/>
+                                    </a:rPr>
+                                  </m:ctrlPr>
+                                </m:accPr>
+                                <m:e>
+                                  <m:r>
+                                    <a:rPr lang="en-US" b="0" i="1" smtClean="0">
+                                      <a:latin typeface="Cambria Math" panose="02040503050406030204" pitchFamily="18" charset="0"/>
+                                    </a:rPr>
+                                    <m:t>𝑀</m:t>
+                                  </m:r>
+                                </m:e>
+                              </m:acc>
+                            </m:e>
+                            <m:sub>
+                              <m:r>
+                                <a:rPr lang="en-US" b="0" i="1" smtClean="0">
+                                  <a:latin typeface="Cambria Math" panose="02040503050406030204" pitchFamily="18" charset="0"/>
+                                </a:rPr>
+                                <m:t>𝑖</m:t>
+                              </m:r>
+                            </m:sub>
+                          </m:sSub>
+                        </m:e>
+                      </m:nary>
+                      <m:r>
+                        <a:rPr lang="en-US" b="0" i="1" smtClean="0">
+                          <a:latin typeface="Cambria Math" panose="02040503050406030204" pitchFamily="18" charset="0"/>
+                        </a:rPr>
+                        <m:t>=0</m:t>
+                      </m:r>
+                    </m:oMath>
+                  </m:oMathPara>
+                </a14:m>
+                <a:endParaRPr lang="en-US" dirty="0"/>
+              </a:p>
+            </p:txBody>
+          </p:sp>
+        </mc:Choice>
+        <mc:Fallback>
+          <p:sp>
+            <p:nvSpPr>
+              <p:cNvPr id="14" name="TextBox 13">
+                <a:extLst>
+                  <a:ext uri="{FF2B5EF4-FFF2-40B4-BE49-F238E27FC236}">
+                    <a16:creationId xmlns:a16="http://schemas.microsoft.com/office/drawing/2014/main" id="{9B4D3A0F-4572-C46C-1106-F2405A0A5955}"/>
+                  </a:ext>
+                </a:extLst>
+              </p:cNvPr>
+              <p:cNvSpPr txBox="1">
+                <a:spLocks noRot="1" noChangeAspect="1" noMove="1" noResize="1" noEditPoints="1" noAdjustHandles="1" noChangeArrowheads="1" noChangeShapeType="1" noTextEdit="1"/>
+              </p:cNvSpPr>
+              <p:nvPr/>
+            </p:nvSpPr>
+            <p:spPr>
+              <a:xfrm>
+                <a:off x="3939556" y="4614028"/>
+                <a:ext cx="1415003" cy="672235"/>
+              </a:xfrm>
+              <a:prstGeom prst="rect">
+                <a:avLst/>
+              </a:prstGeom>
+              <a:blipFill>
+                <a:blip r:embed="rId7"/>
+                <a:stretch>
+                  <a:fillRect/>
+                </a:stretch>
+              </a:blipFill>
+            </p:spPr>
+            <p:txBody>
+              <a:bodyPr/>
+              <a:lstStyle/>
+              <a:p>
+                <a:r>
+                  <a:rPr lang="en-US">
+                    <a:noFill/>
+                  </a:rPr>
+                  <a:t> </a:t>
+                </a:r>
+              </a:p>
+            </p:txBody>
+          </p:sp>
+        </mc:Fallback>
+      </mc:AlternateContent>
+      <p:sp>
+        <p:nvSpPr>
+          <p:cNvPr id="15" name="TextBox 14">
+            <a:extLst>
+              <a:ext uri="{FF2B5EF4-FFF2-40B4-BE49-F238E27FC236}">
+                <a16:creationId xmlns:a16="http://schemas.microsoft.com/office/drawing/2014/main" id="{A6DBA910-7AAE-2BB0-DAA2-33E43FDE8F3C}"/>
+              </a:ext>
+            </a:extLst>
+          </p:cNvPr>
+          <p:cNvSpPr txBox="1"/>
+          <p:nvPr/>
+        </p:nvSpPr>
+        <p:spPr>
+          <a:xfrm>
+            <a:off x="0" y="5172670"/>
+            <a:ext cx="8686800" cy="1477328"/>
+          </a:xfrm>
+          <a:prstGeom prst="rect">
+            <a:avLst/>
+          </a:prstGeom>
+          <a:noFill/>
+        </p:spPr>
+        <p:txBody>
+          <a:bodyPr wrap="square" rtlCol="0">
+            <a:spAutoFit/>
+          </a:bodyPr>
+          <a:lstStyle/>
+          <a:p>
+            <a:r>
+              <a:rPr lang="en-US" dirty="0"/>
+              <a:t>This shows that partial molar properties don’t vary independently. Analogous to the constraint on mole fractions, where changes in one cause changes in another, because they can’t all sum to one. Similarly, the mole-fraction weighted sum of the partial properties must yield the overall solution property, and this constrains variation in partial molar properties with composition.</a:t>
+            </a:r>
+          </a:p>
+        </p:txBody>
+      </p:sp>
+      <p:sp>
+        <p:nvSpPr>
+          <p:cNvPr id="18" name="TextBox 17">
+            <a:extLst>
+              <a:ext uri="{FF2B5EF4-FFF2-40B4-BE49-F238E27FC236}">
+                <a16:creationId xmlns:a16="http://schemas.microsoft.com/office/drawing/2014/main" id="{AB056F2B-D35E-A154-FEED-5B87FB5A0D04}"/>
+              </a:ext>
+            </a:extLst>
+          </p:cNvPr>
+          <p:cNvSpPr txBox="1"/>
+          <p:nvPr/>
+        </p:nvSpPr>
+        <p:spPr>
+          <a:xfrm>
+            <a:off x="0" y="6671928"/>
+            <a:ext cx="8686800" cy="1200329"/>
+          </a:xfrm>
+          <a:prstGeom prst="rect">
+            <a:avLst/>
+          </a:prstGeom>
+          <a:noFill/>
+        </p:spPr>
+        <p:txBody>
+          <a:bodyPr wrap="square" rtlCol="0">
+            <a:spAutoFit/>
+          </a:bodyPr>
+          <a:lstStyle/>
+          <a:p>
+            <a:r>
+              <a:rPr lang="en-US" dirty="0"/>
+              <a:t>Partial properties are inherently arbitrary, because they assign part of a mixture to one species, even though in the mixture the species are intermingled. Though, since how partial properties are defined make them have all the characteristics as the individual species, this is ok</a:t>
+            </a:r>
+          </a:p>
+        </p:txBody>
+      </p:sp>
+      <mc:AlternateContent xmlns:mc="http://schemas.openxmlformats.org/markup-compatibility/2006">
+        <mc:Choice xmlns:a14="http://schemas.microsoft.com/office/drawing/2010/main" Requires="a14">
+          <p:sp>
+            <p:nvSpPr>
+              <p:cNvPr id="19" name="TextBox 18">
+                <a:extLst>
+                  <a:ext uri="{FF2B5EF4-FFF2-40B4-BE49-F238E27FC236}">
+                    <a16:creationId xmlns:a16="http://schemas.microsoft.com/office/drawing/2014/main" id="{B87EF648-9673-6237-108B-A0F311E5A6C2}"/>
+                  </a:ext>
+                </a:extLst>
+              </p:cNvPr>
+              <p:cNvSpPr txBox="1"/>
+              <p:nvPr/>
+            </p:nvSpPr>
+            <p:spPr>
+              <a:xfrm>
+                <a:off x="0" y="7894187"/>
+                <a:ext cx="1560877" cy="461665"/>
+              </a:xfrm>
+              <a:prstGeom prst="rect">
+                <a:avLst/>
+              </a:prstGeom>
+              <a:noFill/>
+            </p:spPr>
+            <p:txBody>
+              <a:bodyPr wrap="none" rtlCol="0">
+                <a:spAutoFit/>
+              </a:bodyPr>
+              <a:lstStyle/>
+              <a:p>
+                <a:r>
+                  <a:rPr lang="en-US" sz="2400" dirty="0"/>
+                  <a:t>Getting </a:t>
+                </a:r>
+                <a14:m>
+                  <m:oMath xmlns:m="http://schemas.openxmlformats.org/officeDocument/2006/math">
+                    <m:sSub>
+                      <m:sSubPr>
+                        <m:ctrlPr>
+                          <a:rPr lang="en-US" sz="2400" i="1" smtClean="0">
+                            <a:latin typeface="Cambria Math" panose="02040503050406030204" pitchFamily="18" charset="0"/>
+                          </a:rPr>
+                        </m:ctrlPr>
+                      </m:sSubPr>
+                      <m:e>
+                        <m:acc>
+                          <m:accPr>
+                            <m:chr m:val="̅"/>
+                            <m:ctrlPr>
+                              <a:rPr lang="en-US" sz="2400" i="1" smtClean="0">
+                                <a:latin typeface="Cambria Math" panose="02040503050406030204" pitchFamily="18" charset="0"/>
+                              </a:rPr>
+                            </m:ctrlPr>
+                          </m:accPr>
+                          <m:e>
+                            <m:r>
+                              <a:rPr lang="en-US" sz="2400" b="0" i="1" smtClean="0">
+                                <a:latin typeface="Cambria Math" panose="02040503050406030204" pitchFamily="18" charset="0"/>
+                              </a:rPr>
+                              <m:t>𝑀</m:t>
+                            </m:r>
+                          </m:e>
+                        </m:acc>
+                      </m:e>
+                      <m:sub>
+                        <m:r>
+                          <a:rPr lang="en-US" sz="2400" b="0" i="1" smtClean="0">
+                            <a:latin typeface="Cambria Math" panose="02040503050406030204" pitchFamily="18" charset="0"/>
+                          </a:rPr>
+                          <m:t>𝑖</m:t>
+                        </m:r>
+                      </m:sub>
+                    </m:sSub>
+                  </m:oMath>
+                </a14:m>
+                <a:endParaRPr lang="en-US" sz="2400" dirty="0"/>
+              </a:p>
+            </p:txBody>
+          </p:sp>
+        </mc:Choice>
+        <mc:Fallback>
+          <p:sp>
+            <p:nvSpPr>
+              <p:cNvPr id="19" name="TextBox 18">
+                <a:extLst>
+                  <a:ext uri="{FF2B5EF4-FFF2-40B4-BE49-F238E27FC236}">
+                    <a16:creationId xmlns:a16="http://schemas.microsoft.com/office/drawing/2014/main" id="{B87EF648-9673-6237-108B-A0F311E5A6C2}"/>
+                  </a:ext>
+                </a:extLst>
+              </p:cNvPr>
+              <p:cNvSpPr txBox="1">
+                <a:spLocks noRot="1" noChangeAspect="1" noMove="1" noResize="1" noEditPoints="1" noAdjustHandles="1" noChangeArrowheads="1" noChangeShapeType="1" noTextEdit="1"/>
+              </p:cNvSpPr>
+              <p:nvPr/>
+            </p:nvSpPr>
+            <p:spPr>
+              <a:xfrm>
+                <a:off x="0" y="7894187"/>
+                <a:ext cx="1560877" cy="461665"/>
+              </a:xfrm>
+              <a:prstGeom prst="rect">
+                <a:avLst/>
+              </a:prstGeom>
+              <a:blipFill>
+                <a:blip r:embed="rId8"/>
+                <a:stretch>
+                  <a:fillRect l="-5859" t="-9211" r="-23828" b="-30263"/>
+                </a:stretch>
+              </a:blipFill>
+            </p:spPr>
+            <p:txBody>
+              <a:bodyPr/>
+              <a:lstStyle/>
+              <a:p>
+                <a:r>
+                  <a:rPr lang="en-US">
+                    <a:noFill/>
+                  </a:rPr>
+                  <a:t> </a:t>
+                </a:r>
+              </a:p>
+            </p:txBody>
+          </p:sp>
+        </mc:Fallback>
+      </mc:AlternateContent>
+      <mc:AlternateContent xmlns:mc="http://schemas.openxmlformats.org/markup-compatibility/2006">
+        <mc:Choice xmlns:a14="http://schemas.microsoft.com/office/drawing/2010/main" Requires="a14">
+          <p:sp>
+            <p:nvSpPr>
+              <p:cNvPr id="20" name="TextBox 19">
+                <a:extLst>
+                  <a:ext uri="{FF2B5EF4-FFF2-40B4-BE49-F238E27FC236}">
+                    <a16:creationId xmlns:a16="http://schemas.microsoft.com/office/drawing/2014/main" id="{1BAD1A46-F239-AE3F-E3DE-B45737AEA37B}"/>
+                  </a:ext>
+                </a:extLst>
+              </p:cNvPr>
+              <p:cNvSpPr txBox="1"/>
+              <p:nvPr/>
+            </p:nvSpPr>
+            <p:spPr>
+              <a:xfrm>
+                <a:off x="0" y="8377782"/>
+                <a:ext cx="2184400" cy="276999"/>
+              </a:xfrm>
+              <a:prstGeom prst="rect">
+                <a:avLst/>
+              </a:prstGeom>
+              <a:noFill/>
+              <a:ln>
+                <a:noFill/>
+              </a:ln>
+            </p:spPr>
+            <p:txBody>
+              <a:bodyPr wrap="square" lIns="0" tIns="0" rIns="0" bIns="0" rtlCol="0">
+                <a:spAutoFit/>
+              </a:bodyPr>
+              <a:lstStyle/>
+              <a:p>
+                <a14:m>
+                  <m:oMathPara xmlns:m="http://schemas.openxmlformats.org/officeDocument/2006/math">
+                    <m:oMathParaPr>
+                      <m:jc m:val="centerGroup"/>
+                    </m:oMathParaPr>
+                    <m:oMath xmlns:m="http://schemas.openxmlformats.org/officeDocument/2006/math">
+                      <m:r>
+                        <a:rPr lang="en-US" i="1" smtClean="0">
+                          <a:latin typeface="Cambria Math" panose="02040503050406030204" pitchFamily="18" charset="0"/>
+                        </a:rPr>
+                        <m:t>𝑀</m:t>
+                      </m:r>
+                      <m:r>
+                        <a:rPr lang="en-US" b="0" i="1" smtClean="0">
+                          <a:latin typeface="Cambria Math" panose="02040503050406030204" pitchFamily="18" charset="0"/>
+                        </a:rPr>
+                        <m:t>=</m:t>
+                      </m:r>
+                      <m:sSub>
+                        <m:sSubPr>
+                          <m:ctrlPr>
+                            <a:rPr lang="en-US" i="1">
+                              <a:latin typeface="Cambria Math" panose="02040503050406030204" pitchFamily="18" charset="0"/>
+                            </a:rPr>
+                          </m:ctrlPr>
+                        </m:sSubPr>
+                        <m:e>
+                          <m:r>
+                            <a:rPr lang="en-US" i="1">
+                              <a:latin typeface="Cambria Math" panose="02040503050406030204" pitchFamily="18" charset="0"/>
+                            </a:rPr>
+                            <m:t>𝑥</m:t>
+                          </m:r>
+                        </m:e>
+                        <m:sub>
+                          <m:r>
+                            <a:rPr lang="en-US" i="1">
+                              <a:latin typeface="Cambria Math" panose="02040503050406030204" pitchFamily="18" charset="0"/>
+                            </a:rPr>
+                            <m:t>1</m:t>
+                          </m:r>
+                        </m:sub>
+                      </m:sSub>
+                      <m:acc>
+                        <m:accPr>
+                          <m:chr m:val="̅"/>
+                          <m:ctrlPr>
+                            <a:rPr lang="en-US" i="1">
+                              <a:latin typeface="Cambria Math" panose="02040503050406030204" pitchFamily="18" charset="0"/>
+                            </a:rPr>
+                          </m:ctrlPr>
+                        </m:accPr>
+                        <m:e>
+                          <m:sSub>
+                            <m:sSubPr>
+                              <m:ctrlPr>
+                                <a:rPr lang="en-US" i="1">
+                                  <a:latin typeface="Cambria Math" panose="02040503050406030204" pitchFamily="18" charset="0"/>
+                                </a:rPr>
+                              </m:ctrlPr>
+                            </m:sSubPr>
+                            <m:e>
+                              <m:r>
+                                <a:rPr lang="en-US" i="1">
+                                  <a:latin typeface="Cambria Math" panose="02040503050406030204" pitchFamily="18" charset="0"/>
+                                </a:rPr>
+                                <m:t>𝑀</m:t>
+                              </m:r>
+                            </m:e>
+                            <m:sub>
+                              <m:r>
+                                <a:rPr lang="en-US" i="1">
+                                  <a:latin typeface="Cambria Math" panose="02040503050406030204" pitchFamily="18" charset="0"/>
+                                </a:rPr>
+                                <m:t>1</m:t>
+                              </m:r>
+                            </m:sub>
+                          </m:sSub>
+                        </m:e>
+                      </m:acc>
+                      <m:r>
+                        <a:rPr lang="en-US" i="1">
+                          <a:latin typeface="Cambria Math" panose="02040503050406030204" pitchFamily="18" charset="0"/>
+                        </a:rPr>
+                        <m:t>+</m:t>
+                      </m:r>
+                      <m:sSub>
+                        <m:sSubPr>
+                          <m:ctrlPr>
+                            <a:rPr lang="en-US" i="1">
+                              <a:latin typeface="Cambria Math" panose="02040503050406030204" pitchFamily="18" charset="0"/>
+                            </a:rPr>
+                          </m:ctrlPr>
+                        </m:sSubPr>
+                        <m:e>
+                          <m:r>
+                            <a:rPr lang="en-US" i="1">
+                              <a:latin typeface="Cambria Math" panose="02040503050406030204" pitchFamily="18" charset="0"/>
+                            </a:rPr>
+                            <m:t>𝑥</m:t>
+                          </m:r>
+                        </m:e>
+                        <m:sub>
+                          <m:r>
+                            <a:rPr lang="en-US" i="1">
+                              <a:latin typeface="Cambria Math" panose="02040503050406030204" pitchFamily="18" charset="0"/>
+                            </a:rPr>
+                            <m:t>2</m:t>
+                          </m:r>
+                        </m:sub>
+                      </m:sSub>
+                      <m:acc>
+                        <m:accPr>
+                          <m:chr m:val="̅"/>
+                          <m:ctrlPr>
+                            <a:rPr lang="en-US" i="1">
+                              <a:latin typeface="Cambria Math" panose="02040503050406030204" pitchFamily="18" charset="0"/>
+                            </a:rPr>
+                          </m:ctrlPr>
+                        </m:accPr>
+                        <m:e>
+                          <m:sSub>
+                            <m:sSubPr>
+                              <m:ctrlPr>
+                                <a:rPr lang="en-US" i="1">
+                                  <a:latin typeface="Cambria Math" panose="02040503050406030204" pitchFamily="18" charset="0"/>
+                                </a:rPr>
+                              </m:ctrlPr>
+                            </m:sSubPr>
+                            <m:e>
+                              <m:r>
+                                <a:rPr lang="en-US" i="1">
+                                  <a:latin typeface="Cambria Math" panose="02040503050406030204" pitchFamily="18" charset="0"/>
+                                </a:rPr>
+                                <m:t>𝑀</m:t>
+                              </m:r>
+                            </m:e>
+                            <m:sub>
+                              <m:r>
+                                <a:rPr lang="en-US" i="1">
+                                  <a:latin typeface="Cambria Math" panose="02040503050406030204" pitchFamily="18" charset="0"/>
+                                </a:rPr>
+                                <m:t>2</m:t>
+                              </m:r>
+                            </m:sub>
+                          </m:sSub>
+                        </m:e>
+                      </m:acc>
+                    </m:oMath>
+                  </m:oMathPara>
+                </a14:m>
+                <a:endParaRPr lang="en-US" dirty="0"/>
+              </a:p>
+            </p:txBody>
+          </p:sp>
+        </mc:Choice>
+        <mc:Fallback>
+          <p:sp>
+            <p:nvSpPr>
+              <p:cNvPr id="20" name="TextBox 19">
+                <a:extLst>
+                  <a:ext uri="{FF2B5EF4-FFF2-40B4-BE49-F238E27FC236}">
+                    <a16:creationId xmlns:a16="http://schemas.microsoft.com/office/drawing/2014/main" id="{1BAD1A46-F239-AE3F-E3DE-B45737AEA37B}"/>
+                  </a:ext>
+                </a:extLst>
+              </p:cNvPr>
+              <p:cNvSpPr txBox="1">
+                <a:spLocks noRot="1" noChangeAspect="1" noMove="1" noResize="1" noEditPoints="1" noAdjustHandles="1" noChangeArrowheads="1" noChangeShapeType="1" noTextEdit="1"/>
+              </p:cNvSpPr>
+              <p:nvPr/>
+            </p:nvSpPr>
+            <p:spPr>
+              <a:xfrm>
+                <a:off x="0" y="8377782"/>
+                <a:ext cx="2184400" cy="276999"/>
+              </a:xfrm>
+              <a:prstGeom prst="rect">
+                <a:avLst/>
+              </a:prstGeom>
+              <a:blipFill>
+                <a:blip r:embed="rId9"/>
+                <a:stretch>
+                  <a:fillRect b="-15217"/>
+                </a:stretch>
+              </a:blipFill>
+              <a:ln>
+                <a:noFill/>
+              </a:ln>
+            </p:spPr>
+            <p:txBody>
+              <a:bodyPr/>
+              <a:lstStyle/>
+              <a:p>
+                <a:r>
+                  <a:rPr lang="en-US">
+                    <a:noFill/>
+                  </a:rPr>
+                  <a:t> </a:t>
+                </a:r>
+              </a:p>
+            </p:txBody>
+          </p:sp>
+        </mc:Fallback>
+      </mc:AlternateContent>
+      <mc:AlternateContent xmlns:mc="http://schemas.openxmlformats.org/markup-compatibility/2006">
+        <mc:Choice xmlns:a14="http://schemas.microsoft.com/office/drawing/2010/main" Requires="a14">
+          <p:sp>
+            <p:nvSpPr>
+              <p:cNvPr id="21" name="TextBox 20">
+                <a:extLst>
+                  <a:ext uri="{FF2B5EF4-FFF2-40B4-BE49-F238E27FC236}">
+                    <a16:creationId xmlns:a16="http://schemas.microsoft.com/office/drawing/2014/main" id="{C943F556-4731-3283-BF50-27B847B2566F}"/>
+                  </a:ext>
+                </a:extLst>
+              </p:cNvPr>
+              <p:cNvSpPr txBox="1"/>
+              <p:nvPr/>
+            </p:nvSpPr>
+            <p:spPr>
+              <a:xfrm>
+                <a:off x="1050147" y="8883307"/>
+                <a:ext cx="2268506" cy="276999"/>
+              </a:xfrm>
+              <a:prstGeom prst="rect">
+                <a:avLst/>
+              </a:prstGeom>
+              <a:noFill/>
+            </p:spPr>
+            <p:txBody>
+              <a:bodyPr wrap="none" lIns="0" tIns="0" rIns="0" bIns="0" rtlCol="0">
+                <a:spAutoFit/>
+              </a:bodyPr>
+              <a:lstStyle/>
+              <a:p>
+                <a14:m>
+                  <m:oMathPara xmlns:m="http://schemas.openxmlformats.org/officeDocument/2006/math">
+                    <m:oMathParaPr>
+                      <m:jc m:val="centerGroup"/>
+                    </m:oMathParaPr>
+                    <m:oMath xmlns:m="http://schemas.openxmlformats.org/officeDocument/2006/math">
+                      <m:r>
+                        <a:rPr lang="en-US" b="0" i="1" smtClean="0">
+                          <a:latin typeface="Cambria Math" panose="02040503050406030204" pitchFamily="18" charset="0"/>
+                        </a:rPr>
+                        <m:t>𝑑𝑀</m:t>
+                      </m:r>
+                      <m:r>
+                        <a:rPr lang="en-US" b="0" i="1" smtClean="0">
+                          <a:latin typeface="Cambria Math" panose="02040503050406030204" pitchFamily="18" charset="0"/>
+                        </a:rPr>
+                        <m:t>=</m:t>
+                      </m:r>
+                      <m:sSub>
+                        <m:sSubPr>
+                          <m:ctrlPr>
+                            <a:rPr lang="en-US" b="0" i="1" smtClean="0">
+                              <a:latin typeface="Cambria Math" panose="02040503050406030204" pitchFamily="18" charset="0"/>
+                            </a:rPr>
+                          </m:ctrlPr>
+                        </m:sSubPr>
+                        <m:e>
+                          <m:acc>
+                            <m:accPr>
+                              <m:chr m:val="̅"/>
+                              <m:ctrlPr>
+                                <a:rPr lang="en-US" b="0" i="1" smtClean="0">
+                                  <a:latin typeface="Cambria Math" panose="02040503050406030204" pitchFamily="18" charset="0"/>
+                                </a:rPr>
+                              </m:ctrlPr>
+                            </m:accPr>
+                            <m:e>
+                              <m:r>
+                                <a:rPr lang="en-US" b="0" i="1" smtClean="0">
+                                  <a:latin typeface="Cambria Math" panose="02040503050406030204" pitchFamily="18" charset="0"/>
+                                </a:rPr>
+                                <m:t>𝑀</m:t>
+                              </m:r>
+                            </m:e>
+                          </m:acc>
+                        </m:e>
+                        <m:sub>
+                          <m:r>
+                            <a:rPr lang="en-US" b="0" i="1" smtClean="0">
+                              <a:latin typeface="Cambria Math" panose="02040503050406030204" pitchFamily="18" charset="0"/>
+                            </a:rPr>
+                            <m:t>1</m:t>
+                          </m:r>
+                        </m:sub>
+                      </m:sSub>
+                      <m:r>
+                        <a:rPr lang="en-US" b="0" i="1" smtClean="0">
+                          <a:latin typeface="Cambria Math" panose="02040503050406030204" pitchFamily="18" charset="0"/>
+                        </a:rPr>
+                        <m:t>𝑑</m:t>
+                      </m:r>
+                      <m:sSub>
+                        <m:sSubPr>
+                          <m:ctrlPr>
+                            <a:rPr lang="en-US" b="0" i="1" smtClean="0">
+                              <a:latin typeface="Cambria Math" panose="02040503050406030204" pitchFamily="18" charset="0"/>
+                            </a:rPr>
+                          </m:ctrlPr>
+                        </m:sSubPr>
+                        <m:e>
+                          <m:r>
+                            <a:rPr lang="en-US" b="0" i="1" smtClean="0">
+                              <a:latin typeface="Cambria Math" panose="02040503050406030204" pitchFamily="18" charset="0"/>
+                            </a:rPr>
+                            <m:t>𝑥</m:t>
+                          </m:r>
+                        </m:e>
+                        <m:sub>
+                          <m:r>
+                            <a:rPr lang="en-US" b="0" i="1" smtClean="0">
+                              <a:latin typeface="Cambria Math" panose="02040503050406030204" pitchFamily="18" charset="0"/>
+                            </a:rPr>
+                            <m:t>1</m:t>
+                          </m:r>
+                        </m:sub>
+                      </m:sSub>
+                      <m:r>
+                        <a:rPr lang="en-US" b="0" i="1" smtClean="0">
+                          <a:latin typeface="Cambria Math" panose="02040503050406030204" pitchFamily="18" charset="0"/>
+                        </a:rPr>
+                        <m:t>+</m:t>
+                      </m:r>
+                      <m:sSub>
+                        <m:sSubPr>
+                          <m:ctrlPr>
+                            <a:rPr lang="en-US" b="0" i="1" smtClean="0">
+                              <a:latin typeface="Cambria Math" panose="02040503050406030204" pitchFamily="18" charset="0"/>
+                            </a:rPr>
+                          </m:ctrlPr>
+                        </m:sSubPr>
+                        <m:e>
+                          <m:acc>
+                            <m:accPr>
+                              <m:chr m:val="̅"/>
+                              <m:ctrlPr>
+                                <a:rPr lang="en-US" b="0" i="1" smtClean="0">
+                                  <a:latin typeface="Cambria Math" panose="02040503050406030204" pitchFamily="18" charset="0"/>
+                                </a:rPr>
+                              </m:ctrlPr>
+                            </m:accPr>
+                            <m:e>
+                              <m:r>
+                                <a:rPr lang="en-US" b="0" i="1" smtClean="0">
+                                  <a:latin typeface="Cambria Math" panose="02040503050406030204" pitchFamily="18" charset="0"/>
+                                </a:rPr>
+                                <m:t>𝑀</m:t>
+                              </m:r>
+                            </m:e>
+                          </m:acc>
+                        </m:e>
+                        <m:sub>
+                          <m:r>
+                            <a:rPr lang="en-US" b="0" i="1" smtClean="0">
+                              <a:latin typeface="Cambria Math" panose="02040503050406030204" pitchFamily="18" charset="0"/>
+                            </a:rPr>
+                            <m:t>2</m:t>
+                          </m:r>
+                        </m:sub>
+                      </m:sSub>
+                      <m:r>
+                        <a:rPr lang="en-US" b="0" i="1" smtClean="0">
+                          <a:latin typeface="Cambria Math" panose="02040503050406030204" pitchFamily="18" charset="0"/>
+                        </a:rPr>
+                        <m:t>𝑑</m:t>
+                      </m:r>
+                      <m:sSub>
+                        <m:sSubPr>
+                          <m:ctrlPr>
+                            <a:rPr lang="en-US" b="0" i="1" smtClean="0">
+                              <a:latin typeface="Cambria Math" panose="02040503050406030204" pitchFamily="18" charset="0"/>
+                            </a:rPr>
+                          </m:ctrlPr>
+                        </m:sSubPr>
+                        <m:e>
+                          <m:r>
+                            <a:rPr lang="en-US" b="0" i="1" smtClean="0">
+                              <a:latin typeface="Cambria Math" panose="02040503050406030204" pitchFamily="18" charset="0"/>
+                            </a:rPr>
+                            <m:t>𝑥</m:t>
+                          </m:r>
+                        </m:e>
+                        <m:sub>
+                          <m:r>
+                            <a:rPr lang="en-US" b="0" i="1" smtClean="0">
+                              <a:latin typeface="Cambria Math" panose="02040503050406030204" pitchFamily="18" charset="0"/>
+                            </a:rPr>
+                            <m:t>2</m:t>
+                          </m:r>
+                        </m:sub>
+                      </m:sSub>
+                    </m:oMath>
+                  </m:oMathPara>
+                </a14:m>
+                <a:endParaRPr lang="en-US" dirty="0"/>
+              </a:p>
+            </p:txBody>
+          </p:sp>
+        </mc:Choice>
+        <mc:Fallback>
+          <p:sp>
+            <p:nvSpPr>
+              <p:cNvPr id="21" name="TextBox 20">
+                <a:extLst>
+                  <a:ext uri="{FF2B5EF4-FFF2-40B4-BE49-F238E27FC236}">
+                    <a16:creationId xmlns:a16="http://schemas.microsoft.com/office/drawing/2014/main" id="{C943F556-4731-3283-BF50-27B847B2566F}"/>
+                  </a:ext>
+                </a:extLst>
+              </p:cNvPr>
+              <p:cNvSpPr txBox="1">
+                <a:spLocks noRot="1" noChangeAspect="1" noMove="1" noResize="1" noEditPoints="1" noAdjustHandles="1" noChangeArrowheads="1" noChangeShapeType="1" noTextEdit="1"/>
+              </p:cNvSpPr>
+              <p:nvPr/>
+            </p:nvSpPr>
+            <p:spPr>
+              <a:xfrm>
+                <a:off x="1050147" y="8883307"/>
+                <a:ext cx="2268506" cy="276999"/>
+              </a:xfrm>
+              <a:prstGeom prst="rect">
+                <a:avLst/>
+              </a:prstGeom>
+              <a:blipFill>
+                <a:blip r:embed="rId10"/>
+                <a:stretch>
+                  <a:fillRect l="-2419" t="-4348" r="-806" b="-15217"/>
+                </a:stretch>
+              </a:blipFill>
+            </p:spPr>
+            <p:txBody>
+              <a:bodyPr/>
+              <a:lstStyle/>
+              <a:p>
+                <a:r>
+                  <a:rPr lang="en-US">
+                    <a:noFill/>
+                  </a:rPr>
+                  <a:t> </a:t>
+                </a:r>
+              </a:p>
+            </p:txBody>
+          </p:sp>
+        </mc:Fallback>
+      </mc:AlternateContent>
+      <mc:AlternateContent xmlns:mc="http://schemas.openxmlformats.org/markup-compatibility/2006">
+        <mc:Choice xmlns:a14="http://schemas.microsoft.com/office/drawing/2010/main" Requires="a14">
+          <p:sp>
+            <p:nvSpPr>
+              <p:cNvPr id="22" name="TextBox 21">
+                <a:extLst>
+                  <a:ext uri="{FF2B5EF4-FFF2-40B4-BE49-F238E27FC236}">
+                    <a16:creationId xmlns:a16="http://schemas.microsoft.com/office/drawing/2014/main" id="{1873ACA7-8991-D60B-2E9C-7FC81D27FD79}"/>
+                  </a:ext>
+                </a:extLst>
+              </p:cNvPr>
+              <p:cNvSpPr txBox="1"/>
+              <p:nvPr/>
+            </p:nvSpPr>
+            <p:spPr>
+              <a:xfrm>
+                <a:off x="2335107" y="8355852"/>
+                <a:ext cx="1945469" cy="276999"/>
+              </a:xfrm>
+              <a:prstGeom prst="rect">
+                <a:avLst/>
+              </a:prstGeom>
+              <a:noFill/>
+            </p:spPr>
+            <p:txBody>
+              <a:bodyPr wrap="none" lIns="0" tIns="0" rIns="0" bIns="0" rtlCol="0">
+                <a:spAutoFit/>
+              </a:bodyPr>
+              <a:lstStyle/>
+              <a:p>
+                <a14:m>
+                  <m:oMath xmlns:m="http://schemas.openxmlformats.org/officeDocument/2006/math">
+                    <m:sSub>
+                      <m:sSubPr>
+                        <m:ctrlPr>
+                          <a:rPr lang="en-US" i="1">
+                            <a:latin typeface="Cambria Math" panose="02040503050406030204" pitchFamily="18" charset="0"/>
+                          </a:rPr>
+                        </m:ctrlPr>
+                      </m:sSubPr>
+                      <m:e>
+                        <m:r>
+                          <a:rPr lang="en-US" i="1">
+                            <a:latin typeface="Cambria Math" panose="02040503050406030204" pitchFamily="18" charset="0"/>
+                          </a:rPr>
+                          <m:t>𝑥</m:t>
+                        </m:r>
+                      </m:e>
+                      <m:sub>
+                        <m:r>
+                          <a:rPr lang="en-US" i="1">
+                            <a:latin typeface="Cambria Math" panose="02040503050406030204" pitchFamily="18" charset="0"/>
+                          </a:rPr>
+                          <m:t>1</m:t>
+                        </m:r>
+                      </m:sub>
+                    </m:sSub>
+                    <m:r>
+                      <a:rPr lang="en-US" i="1">
+                        <a:latin typeface="Cambria Math" panose="02040503050406030204" pitchFamily="18" charset="0"/>
+                      </a:rPr>
+                      <m:t>𝑑</m:t>
+                    </m:r>
+                    <m:sSub>
+                      <m:sSubPr>
+                        <m:ctrlPr>
+                          <a:rPr lang="en-US" i="1">
+                            <a:latin typeface="Cambria Math" panose="02040503050406030204" pitchFamily="18" charset="0"/>
+                          </a:rPr>
+                        </m:ctrlPr>
+                      </m:sSubPr>
+                      <m:e>
+                        <m:acc>
+                          <m:accPr>
+                            <m:chr m:val="̅"/>
+                            <m:ctrlPr>
+                              <a:rPr lang="en-US" i="1">
+                                <a:latin typeface="Cambria Math" panose="02040503050406030204" pitchFamily="18" charset="0"/>
+                              </a:rPr>
+                            </m:ctrlPr>
+                          </m:accPr>
+                          <m:e>
+                            <m:r>
+                              <a:rPr lang="en-US" i="1">
+                                <a:latin typeface="Cambria Math" panose="02040503050406030204" pitchFamily="18" charset="0"/>
+                              </a:rPr>
+                              <m:t>𝑀</m:t>
+                            </m:r>
+                          </m:e>
+                        </m:acc>
+                      </m:e>
+                      <m:sub>
+                        <m:r>
+                          <a:rPr lang="en-US" i="1">
+                            <a:latin typeface="Cambria Math" panose="02040503050406030204" pitchFamily="18" charset="0"/>
+                          </a:rPr>
+                          <m:t>1</m:t>
+                        </m:r>
+                      </m:sub>
+                    </m:sSub>
+                    <m:r>
+                      <a:rPr lang="en-US" i="1">
+                        <a:latin typeface="Cambria Math" panose="02040503050406030204" pitchFamily="18" charset="0"/>
+                      </a:rPr>
+                      <m:t>+</m:t>
+                    </m:r>
+                    <m:sSub>
+                      <m:sSubPr>
+                        <m:ctrlPr>
+                          <a:rPr lang="en-US" i="1">
+                            <a:latin typeface="Cambria Math" panose="02040503050406030204" pitchFamily="18" charset="0"/>
+                          </a:rPr>
+                        </m:ctrlPr>
+                      </m:sSubPr>
+                      <m:e>
+                        <m:r>
+                          <a:rPr lang="en-US" i="1">
+                            <a:latin typeface="Cambria Math" panose="02040503050406030204" pitchFamily="18" charset="0"/>
+                          </a:rPr>
+                          <m:t>𝑥</m:t>
+                        </m:r>
+                      </m:e>
+                      <m:sub>
+                        <m:r>
+                          <a:rPr lang="en-US" i="1">
+                            <a:latin typeface="Cambria Math" panose="02040503050406030204" pitchFamily="18" charset="0"/>
+                          </a:rPr>
+                          <m:t>2</m:t>
+                        </m:r>
+                      </m:sub>
+                    </m:sSub>
+                    <m:r>
+                      <a:rPr lang="en-US" i="1">
+                        <a:latin typeface="Cambria Math" panose="02040503050406030204" pitchFamily="18" charset="0"/>
+                      </a:rPr>
+                      <m:t>𝑑</m:t>
+                    </m:r>
+                    <m:sSub>
+                      <m:sSubPr>
+                        <m:ctrlPr>
+                          <a:rPr lang="en-US" i="1">
+                            <a:latin typeface="Cambria Math" panose="02040503050406030204" pitchFamily="18" charset="0"/>
+                          </a:rPr>
+                        </m:ctrlPr>
+                      </m:sSubPr>
+                      <m:e>
+                        <m:acc>
+                          <m:accPr>
+                            <m:chr m:val="̅"/>
+                            <m:ctrlPr>
+                              <a:rPr lang="en-US" i="1">
+                                <a:latin typeface="Cambria Math" panose="02040503050406030204" pitchFamily="18" charset="0"/>
+                              </a:rPr>
+                            </m:ctrlPr>
+                          </m:accPr>
+                          <m:e>
+                            <m:r>
+                              <a:rPr lang="en-US" i="1">
+                                <a:latin typeface="Cambria Math" panose="02040503050406030204" pitchFamily="18" charset="0"/>
+                              </a:rPr>
+                              <m:t>𝑀</m:t>
+                            </m:r>
+                          </m:e>
+                        </m:acc>
+                      </m:e>
+                      <m:sub>
+                        <m:r>
+                          <a:rPr lang="en-US" i="1">
+                            <a:latin typeface="Cambria Math" panose="02040503050406030204" pitchFamily="18" charset="0"/>
+                          </a:rPr>
+                          <m:t>2</m:t>
+                        </m:r>
+                      </m:sub>
+                    </m:sSub>
+                    <m:r>
+                      <a:rPr lang="en-US" i="1">
+                        <a:latin typeface="Cambria Math" panose="02040503050406030204" pitchFamily="18" charset="0"/>
+                      </a:rPr>
+                      <m:t>=</m:t>
+                    </m:r>
+                  </m:oMath>
+                </a14:m>
+                <a:r>
+                  <a:rPr lang="en-US" dirty="0"/>
+                  <a:t>0</a:t>
+                </a:r>
+              </a:p>
+            </p:txBody>
+          </p:sp>
+        </mc:Choice>
+        <mc:Fallback>
+          <p:sp>
+            <p:nvSpPr>
+              <p:cNvPr id="22" name="TextBox 21">
+                <a:extLst>
+                  <a:ext uri="{FF2B5EF4-FFF2-40B4-BE49-F238E27FC236}">
+                    <a16:creationId xmlns:a16="http://schemas.microsoft.com/office/drawing/2014/main" id="{1873ACA7-8991-D60B-2E9C-7FC81D27FD79}"/>
+                  </a:ext>
+                </a:extLst>
+              </p:cNvPr>
+              <p:cNvSpPr txBox="1">
+                <a:spLocks noRot="1" noChangeAspect="1" noMove="1" noResize="1" noEditPoints="1" noAdjustHandles="1" noChangeArrowheads="1" noChangeShapeType="1" noTextEdit="1"/>
+              </p:cNvSpPr>
+              <p:nvPr/>
+            </p:nvSpPr>
+            <p:spPr>
+              <a:xfrm>
+                <a:off x="2335107" y="8355852"/>
+                <a:ext cx="1945469" cy="276999"/>
+              </a:xfrm>
+              <a:prstGeom prst="rect">
+                <a:avLst/>
+              </a:prstGeom>
+              <a:blipFill>
+                <a:blip r:embed="rId11"/>
+                <a:stretch>
+                  <a:fillRect l="-3135" t="-26667" r="-6583" b="-53333"/>
+                </a:stretch>
+              </a:blipFill>
+            </p:spPr>
+            <p:txBody>
+              <a:bodyPr/>
+              <a:lstStyle/>
+              <a:p>
+                <a:r>
+                  <a:rPr lang="en-US">
+                    <a:noFill/>
+                  </a:rPr>
+                  <a:t> </a:t>
+                </a:r>
+              </a:p>
+            </p:txBody>
+          </p:sp>
+        </mc:Fallback>
+      </mc:AlternateContent>
+      <p:cxnSp>
+        <p:nvCxnSpPr>
+          <p:cNvPr id="24" name="Straight Arrow Connector 23">
+            <a:extLst>
+              <a:ext uri="{FF2B5EF4-FFF2-40B4-BE49-F238E27FC236}">
+                <a16:creationId xmlns:a16="http://schemas.microsoft.com/office/drawing/2014/main" id="{BCF2436D-CF32-0079-5341-28D21ED64776}"/>
+              </a:ext>
+            </a:extLst>
+          </p:cNvPr>
+          <p:cNvCxnSpPr>
+            <a:stCxn id="22" idx="2"/>
+            <a:endCxn id="21" idx="0"/>
+          </p:cNvCxnSpPr>
+          <p:nvPr/>
+        </p:nvCxnSpPr>
+        <p:spPr>
+          <a:xfrm flipH="1">
+            <a:off x="2184400" y="8632851"/>
+            <a:ext cx="1123442" cy="250456"/>
+          </a:xfrm>
+          <a:prstGeom prst="straightConnector1">
+            <a:avLst/>
+          </a:prstGeom>
+          <a:ln>
+            <a:tailEnd type="triangle"/>
+          </a:ln>
+        </p:spPr>
+        <p:style>
+          <a:lnRef idx="2">
+            <a:schemeClr val="accent1"/>
+          </a:lnRef>
+          <a:fillRef idx="0">
+            <a:schemeClr val="accent1"/>
+          </a:fillRef>
+          <a:effectRef idx="1">
+            <a:schemeClr val="accent1"/>
+          </a:effectRef>
+          <a:fontRef idx="minor">
+            <a:schemeClr val="tx1"/>
+          </a:fontRef>
+        </p:style>
+      </p:cxnSp>
+      <p:cxnSp>
+        <p:nvCxnSpPr>
+          <p:cNvPr id="26" name="Straight Arrow Connector 25">
+            <a:extLst>
+              <a:ext uri="{FF2B5EF4-FFF2-40B4-BE49-F238E27FC236}">
+                <a16:creationId xmlns:a16="http://schemas.microsoft.com/office/drawing/2014/main" id="{4683DD97-C23C-B66C-5BA4-51AEFCE70512}"/>
+              </a:ext>
+            </a:extLst>
+          </p:cNvPr>
+          <p:cNvCxnSpPr>
+            <a:stCxn id="20" idx="2"/>
+            <a:endCxn id="21" idx="0"/>
+          </p:cNvCxnSpPr>
+          <p:nvPr/>
+        </p:nvCxnSpPr>
+        <p:spPr>
+          <a:xfrm>
+            <a:off x="1092200" y="8654781"/>
+            <a:ext cx="1092200" cy="228526"/>
+          </a:xfrm>
+          <a:prstGeom prst="straightConnector1">
+            <a:avLst/>
+          </a:prstGeom>
+          <a:ln>
+            <a:tailEnd type="triangle"/>
+          </a:ln>
+        </p:spPr>
+        <p:style>
+          <a:lnRef idx="2">
+            <a:schemeClr val="accent1"/>
+          </a:lnRef>
+          <a:fillRef idx="0">
+            <a:schemeClr val="accent1"/>
+          </a:fillRef>
+          <a:effectRef idx="1">
+            <a:schemeClr val="accent1"/>
+          </a:effectRef>
+          <a:fontRef idx="minor">
+            <a:schemeClr val="tx1"/>
+          </a:fontRef>
+        </p:style>
+      </p:cxnSp>
+      <mc:AlternateContent xmlns:mc="http://schemas.openxmlformats.org/markup-compatibility/2006">
+        <mc:Choice xmlns:a14="http://schemas.microsoft.com/office/drawing/2010/main" Requires="a14">
+          <p:sp>
+            <p:nvSpPr>
+              <p:cNvPr id="29" name="TextBox 28">
+                <a:extLst>
+                  <a:ext uri="{FF2B5EF4-FFF2-40B4-BE49-F238E27FC236}">
+                    <a16:creationId xmlns:a16="http://schemas.microsoft.com/office/drawing/2014/main" id="{5970097D-9BAA-1625-8793-7D0774717873}"/>
+                  </a:ext>
+                </a:extLst>
+              </p:cNvPr>
+              <p:cNvSpPr txBox="1"/>
+              <p:nvPr/>
+            </p:nvSpPr>
+            <p:spPr>
+              <a:xfrm>
+                <a:off x="270600" y="9449384"/>
+                <a:ext cx="1203535" cy="276999"/>
+              </a:xfrm>
+              <a:prstGeom prst="rect">
+                <a:avLst/>
+              </a:prstGeom>
+              <a:noFill/>
+            </p:spPr>
+            <p:txBody>
+              <a:bodyPr wrap="none" lIns="0" tIns="0" rIns="0" bIns="0" rtlCol="0">
+                <a:spAutoFit/>
+              </a:bodyPr>
+              <a:lstStyle/>
+              <a:p>
+                <a14:m>
+                  <m:oMathPara xmlns:m="http://schemas.openxmlformats.org/officeDocument/2006/math">
+                    <m:oMathParaPr>
+                      <m:jc m:val="centerGroup"/>
+                    </m:oMathParaPr>
+                    <m:oMath xmlns:m="http://schemas.openxmlformats.org/officeDocument/2006/math">
+                      <m:sSub>
+                        <m:sSubPr>
+                          <m:ctrlPr>
+                            <a:rPr lang="en-US" i="1" smtClean="0">
+                              <a:latin typeface="Cambria Math" panose="02040503050406030204" pitchFamily="18" charset="0"/>
+                            </a:rPr>
+                          </m:ctrlPr>
+                        </m:sSubPr>
+                        <m:e>
+                          <m:r>
+                            <a:rPr lang="en-US" b="0" i="1" smtClean="0">
+                              <a:latin typeface="Cambria Math" panose="02040503050406030204" pitchFamily="18" charset="0"/>
+                            </a:rPr>
+                            <m:t>𝑥</m:t>
+                          </m:r>
+                        </m:e>
+                        <m:sub>
+                          <m:r>
+                            <a:rPr lang="en-US" b="0" i="1" smtClean="0">
+                              <a:latin typeface="Cambria Math" panose="02040503050406030204" pitchFamily="18" charset="0"/>
+                            </a:rPr>
+                            <m:t>1</m:t>
+                          </m:r>
+                        </m:sub>
+                      </m:sSub>
+                      <m:r>
+                        <a:rPr lang="en-US" b="0" i="1" smtClean="0">
+                          <a:latin typeface="Cambria Math" panose="02040503050406030204" pitchFamily="18" charset="0"/>
+                        </a:rPr>
+                        <m:t>+</m:t>
+                      </m:r>
+                      <m:sSub>
+                        <m:sSubPr>
+                          <m:ctrlPr>
+                            <a:rPr lang="en-US" b="0" i="1" smtClean="0">
+                              <a:latin typeface="Cambria Math" panose="02040503050406030204" pitchFamily="18" charset="0"/>
+                            </a:rPr>
+                          </m:ctrlPr>
+                        </m:sSubPr>
+                        <m:e>
+                          <m:r>
+                            <a:rPr lang="en-US" b="0" i="1" smtClean="0">
+                              <a:latin typeface="Cambria Math" panose="02040503050406030204" pitchFamily="18" charset="0"/>
+                            </a:rPr>
+                            <m:t>𝑥</m:t>
+                          </m:r>
+                        </m:e>
+                        <m:sub>
+                          <m:r>
+                            <a:rPr lang="en-US" b="0" i="1" smtClean="0">
+                              <a:latin typeface="Cambria Math" panose="02040503050406030204" pitchFamily="18" charset="0"/>
+                            </a:rPr>
+                            <m:t>2</m:t>
+                          </m:r>
+                        </m:sub>
+                      </m:sSub>
+                      <m:r>
+                        <a:rPr lang="en-US" b="0" i="1" smtClean="0">
+                          <a:latin typeface="Cambria Math" panose="02040503050406030204" pitchFamily="18" charset="0"/>
+                        </a:rPr>
+                        <m:t>=1</m:t>
+                      </m:r>
+                    </m:oMath>
+                  </m:oMathPara>
+                </a14:m>
+                <a:endParaRPr lang="en-US" dirty="0"/>
+              </a:p>
+            </p:txBody>
+          </p:sp>
+        </mc:Choice>
+        <mc:Fallback>
+          <p:sp>
+            <p:nvSpPr>
+              <p:cNvPr id="29" name="TextBox 28">
+                <a:extLst>
+                  <a:ext uri="{FF2B5EF4-FFF2-40B4-BE49-F238E27FC236}">
+                    <a16:creationId xmlns:a16="http://schemas.microsoft.com/office/drawing/2014/main" id="{5970097D-9BAA-1625-8793-7D0774717873}"/>
+                  </a:ext>
+                </a:extLst>
+              </p:cNvPr>
+              <p:cNvSpPr txBox="1">
+                <a:spLocks noRot="1" noChangeAspect="1" noMove="1" noResize="1" noEditPoints="1" noAdjustHandles="1" noChangeArrowheads="1" noChangeShapeType="1" noTextEdit="1"/>
+              </p:cNvSpPr>
+              <p:nvPr/>
+            </p:nvSpPr>
+            <p:spPr>
+              <a:xfrm>
+                <a:off x="270600" y="9449384"/>
+                <a:ext cx="1203535" cy="276999"/>
+              </a:xfrm>
+              <a:prstGeom prst="rect">
+                <a:avLst/>
+              </a:prstGeom>
+              <a:blipFill>
+                <a:blip r:embed="rId12"/>
+                <a:stretch>
+                  <a:fillRect l="-2525" r="-4545" b="-15217"/>
+                </a:stretch>
+              </a:blipFill>
+            </p:spPr>
+            <p:txBody>
+              <a:bodyPr/>
+              <a:lstStyle/>
+              <a:p>
+                <a:r>
+                  <a:rPr lang="en-US">
+                    <a:noFill/>
+                  </a:rPr>
+                  <a:t> </a:t>
+                </a:r>
+              </a:p>
+            </p:txBody>
+          </p:sp>
+        </mc:Fallback>
+      </mc:AlternateContent>
+      <mc:AlternateContent xmlns:mc="http://schemas.openxmlformats.org/markup-compatibility/2006">
+        <mc:Choice xmlns:a14="http://schemas.microsoft.com/office/drawing/2010/main" Requires="a14">
+          <p:sp>
+            <p:nvSpPr>
+              <p:cNvPr id="30" name="TextBox 29">
+                <a:extLst>
+                  <a:ext uri="{FF2B5EF4-FFF2-40B4-BE49-F238E27FC236}">
+                    <a16:creationId xmlns:a16="http://schemas.microsoft.com/office/drawing/2014/main" id="{88B424E2-2593-C5EA-C78C-57F8AF0A8777}"/>
+                  </a:ext>
+                </a:extLst>
+              </p:cNvPr>
+              <p:cNvSpPr txBox="1"/>
+              <p:nvPr/>
+            </p:nvSpPr>
+            <p:spPr>
+              <a:xfrm>
+                <a:off x="214623" y="9738462"/>
+                <a:ext cx="1259512" cy="276999"/>
+              </a:xfrm>
+              <a:prstGeom prst="rect">
+                <a:avLst/>
+              </a:prstGeom>
+              <a:noFill/>
+            </p:spPr>
+            <p:txBody>
+              <a:bodyPr wrap="none" lIns="0" tIns="0" rIns="0" bIns="0" rtlCol="0">
+                <a:spAutoFit/>
+              </a:bodyPr>
+              <a:lstStyle/>
+              <a:p>
+                <a14:m>
+                  <m:oMathPara xmlns:m="http://schemas.openxmlformats.org/officeDocument/2006/math">
+                    <m:oMathParaPr>
+                      <m:jc m:val="centerGroup"/>
+                    </m:oMathParaPr>
+                    <m:oMath xmlns:m="http://schemas.openxmlformats.org/officeDocument/2006/math">
+                      <m:r>
+                        <a:rPr lang="en-US" b="0" i="1" smtClean="0">
+                          <a:latin typeface="Cambria Math" panose="02040503050406030204" pitchFamily="18" charset="0"/>
+                        </a:rPr>
+                        <m:t>𝑑</m:t>
+                      </m:r>
+                      <m:sSub>
+                        <m:sSubPr>
+                          <m:ctrlPr>
+                            <a:rPr lang="en-US" b="0" i="1" smtClean="0">
+                              <a:latin typeface="Cambria Math" panose="02040503050406030204" pitchFamily="18" charset="0"/>
+                            </a:rPr>
+                          </m:ctrlPr>
+                        </m:sSubPr>
+                        <m:e>
+                          <m:r>
+                            <a:rPr lang="en-US" b="0" i="1" smtClean="0">
+                              <a:latin typeface="Cambria Math" panose="02040503050406030204" pitchFamily="18" charset="0"/>
+                            </a:rPr>
+                            <m:t>𝑥</m:t>
+                          </m:r>
+                        </m:e>
+                        <m:sub>
+                          <m:r>
+                            <a:rPr lang="en-US" b="0" i="1" smtClean="0">
+                              <a:latin typeface="Cambria Math" panose="02040503050406030204" pitchFamily="18" charset="0"/>
+                            </a:rPr>
+                            <m:t>1</m:t>
+                          </m:r>
+                        </m:sub>
+                      </m:sSub>
+                      <m:r>
+                        <a:rPr lang="en-US" b="0" i="1" smtClean="0">
+                          <a:latin typeface="Cambria Math" panose="02040503050406030204" pitchFamily="18" charset="0"/>
+                        </a:rPr>
+                        <m:t>=−</m:t>
+                      </m:r>
+                      <m:r>
+                        <a:rPr lang="en-US" b="0" i="1" smtClean="0">
+                          <a:latin typeface="Cambria Math" panose="02040503050406030204" pitchFamily="18" charset="0"/>
+                        </a:rPr>
+                        <m:t>𝑑</m:t>
+                      </m:r>
+                      <m:sSub>
+                        <m:sSubPr>
+                          <m:ctrlPr>
+                            <a:rPr lang="en-US" b="0" i="1" smtClean="0">
+                              <a:latin typeface="Cambria Math" panose="02040503050406030204" pitchFamily="18" charset="0"/>
+                            </a:rPr>
+                          </m:ctrlPr>
+                        </m:sSubPr>
+                        <m:e>
+                          <m:r>
+                            <a:rPr lang="en-US" b="0" i="1" smtClean="0">
+                              <a:latin typeface="Cambria Math" panose="02040503050406030204" pitchFamily="18" charset="0"/>
+                            </a:rPr>
+                            <m:t>𝑥</m:t>
+                          </m:r>
+                        </m:e>
+                        <m:sub>
+                          <m:r>
+                            <a:rPr lang="en-US" b="0" i="1" smtClean="0">
+                              <a:latin typeface="Cambria Math" panose="02040503050406030204" pitchFamily="18" charset="0"/>
+                            </a:rPr>
+                            <m:t>𝑥</m:t>
+                          </m:r>
+                        </m:sub>
+                      </m:sSub>
+                    </m:oMath>
+                  </m:oMathPara>
+                </a14:m>
+                <a:endParaRPr lang="en-US" dirty="0"/>
+              </a:p>
+            </p:txBody>
+          </p:sp>
+        </mc:Choice>
+        <mc:Fallback>
+          <p:sp>
+            <p:nvSpPr>
+              <p:cNvPr id="30" name="TextBox 29">
+                <a:extLst>
+                  <a:ext uri="{FF2B5EF4-FFF2-40B4-BE49-F238E27FC236}">
+                    <a16:creationId xmlns:a16="http://schemas.microsoft.com/office/drawing/2014/main" id="{88B424E2-2593-C5EA-C78C-57F8AF0A8777}"/>
+                  </a:ext>
+                </a:extLst>
+              </p:cNvPr>
+              <p:cNvSpPr txBox="1">
+                <a:spLocks noRot="1" noChangeAspect="1" noMove="1" noResize="1" noEditPoints="1" noAdjustHandles="1" noChangeArrowheads="1" noChangeShapeType="1" noTextEdit="1"/>
+              </p:cNvSpPr>
+              <p:nvPr/>
+            </p:nvSpPr>
+            <p:spPr>
+              <a:xfrm>
+                <a:off x="214623" y="9738462"/>
+                <a:ext cx="1259512" cy="276999"/>
+              </a:xfrm>
+              <a:prstGeom prst="rect">
+                <a:avLst/>
+              </a:prstGeom>
+              <a:blipFill>
+                <a:blip r:embed="rId13"/>
+                <a:stretch>
+                  <a:fillRect l="-4348" r="-966" b="-15556"/>
+                </a:stretch>
+              </a:blipFill>
+            </p:spPr>
+            <p:txBody>
+              <a:bodyPr/>
+              <a:lstStyle/>
+              <a:p>
+                <a:r>
+                  <a:rPr lang="en-US">
+                    <a:noFill/>
+                  </a:rPr>
+                  <a:t> </a:t>
+                </a:r>
+              </a:p>
+            </p:txBody>
+          </p:sp>
+        </mc:Fallback>
+      </mc:AlternateContent>
+      <p:cxnSp>
+        <p:nvCxnSpPr>
+          <p:cNvPr id="32" name="Straight Arrow Connector 31">
+            <a:extLst>
+              <a:ext uri="{FF2B5EF4-FFF2-40B4-BE49-F238E27FC236}">
+                <a16:creationId xmlns:a16="http://schemas.microsoft.com/office/drawing/2014/main" id="{3018619F-0F51-CABD-2E5B-89CB948111FF}"/>
+              </a:ext>
+            </a:extLst>
+          </p:cNvPr>
+          <p:cNvCxnSpPr/>
+          <p:nvPr/>
+        </p:nvCxnSpPr>
+        <p:spPr>
+          <a:xfrm>
+            <a:off x="1761067" y="9160306"/>
+            <a:ext cx="0" cy="1202894"/>
+          </a:xfrm>
+          <a:prstGeom prst="straightConnector1">
+            <a:avLst/>
+          </a:prstGeom>
+          <a:ln>
+            <a:tailEnd type="triangle"/>
+          </a:ln>
+        </p:spPr>
+        <p:style>
+          <a:lnRef idx="2">
+            <a:schemeClr val="accent1"/>
+          </a:lnRef>
+          <a:fillRef idx="0">
+            <a:schemeClr val="accent1"/>
+          </a:fillRef>
+          <a:effectRef idx="1">
+            <a:schemeClr val="accent1"/>
+          </a:effectRef>
+          <a:fontRef idx="minor">
+            <a:schemeClr val="tx1"/>
+          </a:fontRef>
+        </p:style>
+      </p:cxnSp>
+      <mc:AlternateContent xmlns:mc="http://schemas.openxmlformats.org/markup-compatibility/2006">
+        <mc:Choice xmlns:a14="http://schemas.microsoft.com/office/drawing/2010/main" Requires="a14">
+          <p:sp>
+            <p:nvSpPr>
+              <p:cNvPr id="33" name="TextBox 32">
+                <a:extLst>
+                  <a:ext uri="{FF2B5EF4-FFF2-40B4-BE49-F238E27FC236}">
+                    <a16:creationId xmlns:a16="http://schemas.microsoft.com/office/drawing/2014/main" id="{D1096287-F46A-4AF0-8C42-08AC9834719A}"/>
+                  </a:ext>
+                </a:extLst>
+              </p:cNvPr>
+              <p:cNvSpPr txBox="1"/>
+              <p:nvPr/>
+            </p:nvSpPr>
+            <p:spPr>
+              <a:xfrm>
+                <a:off x="750346" y="10363200"/>
+                <a:ext cx="2091214" cy="276999"/>
+              </a:xfrm>
+              <a:prstGeom prst="rect">
+                <a:avLst/>
+              </a:prstGeom>
+              <a:noFill/>
+            </p:spPr>
+            <p:txBody>
+              <a:bodyPr wrap="none" lIns="0" tIns="0" rIns="0" bIns="0" rtlCol="0">
+                <a:spAutoFit/>
+              </a:bodyPr>
+              <a:lstStyle/>
+              <a:p>
+                <a14:m>
+                  <m:oMathPara xmlns:m="http://schemas.openxmlformats.org/officeDocument/2006/math">
+                    <m:oMathParaPr>
+                      <m:jc m:val="centerGroup"/>
+                    </m:oMathParaPr>
+                    <m:oMath xmlns:m="http://schemas.openxmlformats.org/officeDocument/2006/math">
+                      <m:r>
+                        <a:rPr lang="en-US" b="0" i="1" smtClean="0">
+                          <a:latin typeface="Cambria Math" panose="02040503050406030204" pitchFamily="18" charset="0"/>
+                        </a:rPr>
+                        <m:t>𝑑𝑀</m:t>
+                      </m:r>
+                      <m:r>
+                        <a:rPr lang="en-US" b="0" i="1" smtClean="0">
+                          <a:latin typeface="Cambria Math" panose="02040503050406030204" pitchFamily="18" charset="0"/>
+                        </a:rPr>
+                        <m:t>=</m:t>
+                      </m:r>
+                      <m:d>
+                        <m:dPr>
+                          <m:ctrlPr>
+                            <a:rPr lang="en-US" b="0" i="1" smtClean="0">
+                              <a:latin typeface="Cambria Math" panose="02040503050406030204" pitchFamily="18" charset="0"/>
+                            </a:rPr>
+                          </m:ctrlPr>
+                        </m:dPr>
+                        <m:e>
+                          <m:sSub>
+                            <m:sSubPr>
+                              <m:ctrlPr>
+                                <a:rPr lang="en-US" b="0" i="1" smtClean="0">
+                                  <a:latin typeface="Cambria Math" panose="02040503050406030204" pitchFamily="18" charset="0"/>
+                                </a:rPr>
+                              </m:ctrlPr>
+                            </m:sSubPr>
+                            <m:e>
+                              <m:acc>
+                                <m:accPr>
+                                  <m:chr m:val="̅"/>
+                                  <m:ctrlPr>
+                                    <a:rPr lang="en-US" b="0" i="1" smtClean="0">
+                                      <a:latin typeface="Cambria Math" panose="02040503050406030204" pitchFamily="18" charset="0"/>
+                                    </a:rPr>
+                                  </m:ctrlPr>
+                                </m:accPr>
+                                <m:e>
+                                  <m:r>
+                                    <a:rPr lang="en-US" b="0" i="1" smtClean="0">
+                                      <a:latin typeface="Cambria Math" panose="02040503050406030204" pitchFamily="18" charset="0"/>
+                                    </a:rPr>
+                                    <m:t>𝑀</m:t>
+                                  </m:r>
+                                </m:e>
+                              </m:acc>
+                            </m:e>
+                            <m:sub>
+                              <m:r>
+                                <a:rPr lang="en-US" b="0" i="1" smtClean="0">
+                                  <a:latin typeface="Cambria Math" panose="02040503050406030204" pitchFamily="18" charset="0"/>
+                                </a:rPr>
+                                <m:t>1</m:t>
+                              </m:r>
+                            </m:sub>
+                          </m:sSub>
+                          <m:r>
+                            <a:rPr lang="en-US" b="0" i="1" smtClean="0">
+                              <a:latin typeface="Cambria Math" panose="02040503050406030204" pitchFamily="18" charset="0"/>
+                            </a:rPr>
+                            <m:t>−</m:t>
+                          </m:r>
+                          <m:sSub>
+                            <m:sSubPr>
+                              <m:ctrlPr>
+                                <a:rPr lang="en-US" i="1">
+                                  <a:latin typeface="Cambria Math" panose="02040503050406030204" pitchFamily="18" charset="0"/>
+                                </a:rPr>
+                              </m:ctrlPr>
+                            </m:sSubPr>
+                            <m:e>
+                              <m:acc>
+                                <m:accPr>
+                                  <m:chr m:val="̅"/>
+                                  <m:ctrlPr>
+                                    <a:rPr lang="en-US" i="1">
+                                      <a:latin typeface="Cambria Math" panose="02040503050406030204" pitchFamily="18" charset="0"/>
+                                    </a:rPr>
+                                  </m:ctrlPr>
+                                </m:accPr>
+                                <m:e>
+                                  <m:r>
+                                    <a:rPr lang="en-US" i="1">
+                                      <a:latin typeface="Cambria Math" panose="02040503050406030204" pitchFamily="18" charset="0"/>
+                                    </a:rPr>
+                                    <m:t>𝑀</m:t>
+                                  </m:r>
+                                </m:e>
+                              </m:acc>
+                            </m:e>
+                            <m:sub>
+                              <m:r>
+                                <a:rPr lang="en-US" b="0" i="1" smtClean="0">
+                                  <a:latin typeface="Cambria Math" panose="02040503050406030204" pitchFamily="18" charset="0"/>
+                                </a:rPr>
+                                <m:t>2</m:t>
+                              </m:r>
+                            </m:sub>
+                          </m:sSub>
+                        </m:e>
+                      </m:d>
+                      <m:r>
+                        <a:rPr lang="en-US" b="0" i="1" smtClean="0">
+                          <a:latin typeface="Cambria Math" panose="02040503050406030204" pitchFamily="18" charset="0"/>
+                        </a:rPr>
+                        <m:t>𝑑</m:t>
+                      </m:r>
+                      <m:sSub>
+                        <m:sSubPr>
+                          <m:ctrlPr>
+                            <a:rPr lang="en-US" b="0" i="1" smtClean="0">
+                              <a:latin typeface="Cambria Math" panose="02040503050406030204" pitchFamily="18" charset="0"/>
+                            </a:rPr>
+                          </m:ctrlPr>
+                        </m:sSubPr>
+                        <m:e>
+                          <m:r>
+                            <a:rPr lang="en-US" b="0" i="1" smtClean="0">
+                              <a:latin typeface="Cambria Math" panose="02040503050406030204" pitchFamily="18" charset="0"/>
+                            </a:rPr>
+                            <m:t>𝑥</m:t>
+                          </m:r>
+                        </m:e>
+                        <m:sub>
+                          <m:r>
+                            <a:rPr lang="en-US" b="0" i="1" smtClean="0">
+                              <a:latin typeface="Cambria Math" panose="02040503050406030204" pitchFamily="18" charset="0"/>
+                            </a:rPr>
+                            <m:t>1</m:t>
+                          </m:r>
+                        </m:sub>
+                      </m:sSub>
+                    </m:oMath>
+                  </m:oMathPara>
+                </a14:m>
+                <a:endParaRPr lang="en-US" dirty="0"/>
+              </a:p>
+            </p:txBody>
+          </p:sp>
+        </mc:Choice>
+        <mc:Fallback>
+          <p:sp>
+            <p:nvSpPr>
+              <p:cNvPr id="33" name="TextBox 32">
+                <a:extLst>
+                  <a:ext uri="{FF2B5EF4-FFF2-40B4-BE49-F238E27FC236}">
+                    <a16:creationId xmlns:a16="http://schemas.microsoft.com/office/drawing/2014/main" id="{D1096287-F46A-4AF0-8C42-08AC9834719A}"/>
+                  </a:ext>
+                </a:extLst>
+              </p:cNvPr>
+              <p:cNvSpPr txBox="1">
+                <a:spLocks noRot="1" noChangeAspect="1" noMove="1" noResize="1" noEditPoints="1" noAdjustHandles="1" noChangeArrowheads="1" noChangeShapeType="1" noTextEdit="1"/>
+              </p:cNvSpPr>
+              <p:nvPr/>
+            </p:nvSpPr>
+            <p:spPr>
+              <a:xfrm>
+                <a:off x="750346" y="10363200"/>
+                <a:ext cx="2091214" cy="276999"/>
+              </a:xfrm>
+              <a:prstGeom prst="rect">
+                <a:avLst/>
+              </a:prstGeom>
+              <a:blipFill>
+                <a:blip r:embed="rId14"/>
+                <a:stretch>
+                  <a:fillRect l="-2624" t="-4444" r="-875" b="-15556"/>
+                </a:stretch>
+              </a:blipFill>
+            </p:spPr>
+            <p:txBody>
+              <a:bodyPr/>
+              <a:lstStyle/>
+              <a:p>
+                <a:r>
+                  <a:rPr lang="en-US">
+                    <a:noFill/>
+                  </a:rPr>
+                  <a:t> </a:t>
+                </a:r>
+              </a:p>
+            </p:txBody>
+          </p:sp>
+        </mc:Fallback>
+      </mc:AlternateContent>
+      <mc:AlternateContent xmlns:mc="http://schemas.openxmlformats.org/markup-compatibility/2006">
+        <mc:Choice xmlns:a14="http://schemas.microsoft.com/office/drawing/2010/main" Requires="a14">
+          <p:sp>
+            <p:nvSpPr>
+              <p:cNvPr id="34" name="TextBox 33">
+                <a:extLst>
+                  <a:ext uri="{FF2B5EF4-FFF2-40B4-BE49-F238E27FC236}">
+                    <a16:creationId xmlns:a16="http://schemas.microsoft.com/office/drawing/2014/main" id="{0E8FB17A-F362-2484-54E6-10BFDB47607C}"/>
+                  </a:ext>
+                </a:extLst>
+              </p:cNvPr>
+              <p:cNvSpPr txBox="1"/>
+              <p:nvPr/>
+            </p:nvSpPr>
+            <p:spPr>
+              <a:xfrm>
+                <a:off x="979186" y="10810064"/>
+                <a:ext cx="1563761" cy="571247"/>
+              </a:xfrm>
+              <a:prstGeom prst="rect">
+                <a:avLst/>
+              </a:prstGeom>
+              <a:noFill/>
+            </p:spPr>
+            <p:txBody>
+              <a:bodyPr wrap="none" lIns="0" tIns="0" rIns="0" bIns="0" rtlCol="0">
+                <a:spAutoFit/>
+              </a:bodyPr>
+              <a:lstStyle/>
+              <a:p>
+                <a14:m>
+                  <m:oMathPara xmlns:m="http://schemas.openxmlformats.org/officeDocument/2006/math">
+                    <m:oMathParaPr>
+                      <m:jc m:val="centerGroup"/>
+                    </m:oMathParaPr>
+                    <m:oMath xmlns:m="http://schemas.openxmlformats.org/officeDocument/2006/math">
+                      <m:f>
+                        <m:fPr>
+                          <m:ctrlPr>
+                            <a:rPr lang="en-US" i="1" smtClean="0">
+                              <a:latin typeface="Cambria Math" panose="02040503050406030204" pitchFamily="18" charset="0"/>
+                            </a:rPr>
+                          </m:ctrlPr>
+                        </m:fPr>
+                        <m:num>
+                          <m:r>
+                            <a:rPr lang="en-US" b="0" i="1" smtClean="0">
+                              <a:latin typeface="Cambria Math" panose="02040503050406030204" pitchFamily="18" charset="0"/>
+                            </a:rPr>
+                            <m:t>𝑑𝑀</m:t>
+                          </m:r>
+                        </m:num>
+                        <m:den>
+                          <m:r>
+                            <a:rPr lang="en-US" b="0" i="1" smtClean="0">
+                              <a:latin typeface="Cambria Math" panose="02040503050406030204" pitchFamily="18" charset="0"/>
+                            </a:rPr>
+                            <m:t>𝑑</m:t>
+                          </m:r>
+                          <m:sSub>
+                            <m:sSubPr>
+                              <m:ctrlPr>
+                                <a:rPr lang="en-US" b="0" i="1" smtClean="0">
+                                  <a:latin typeface="Cambria Math" panose="02040503050406030204" pitchFamily="18" charset="0"/>
+                                </a:rPr>
+                              </m:ctrlPr>
+                            </m:sSubPr>
+                            <m:e>
+                              <m:r>
+                                <a:rPr lang="en-US" b="0" i="1" smtClean="0">
+                                  <a:latin typeface="Cambria Math" panose="02040503050406030204" pitchFamily="18" charset="0"/>
+                                </a:rPr>
+                                <m:t>𝑥</m:t>
+                              </m:r>
+                            </m:e>
+                            <m:sub>
+                              <m:r>
+                                <a:rPr lang="en-US" b="0" i="1" smtClean="0">
+                                  <a:latin typeface="Cambria Math" panose="02040503050406030204" pitchFamily="18" charset="0"/>
+                                </a:rPr>
+                                <m:t>1</m:t>
+                              </m:r>
+                            </m:sub>
+                          </m:sSub>
+                        </m:den>
+                      </m:f>
+                      <m:r>
+                        <a:rPr lang="en-US" b="0" i="1" smtClean="0">
+                          <a:latin typeface="Cambria Math" panose="02040503050406030204" pitchFamily="18" charset="0"/>
+                        </a:rPr>
+                        <m:t>=</m:t>
+                      </m:r>
+                      <m:sSub>
+                        <m:sSubPr>
+                          <m:ctrlPr>
+                            <a:rPr lang="en-US" i="1">
+                              <a:latin typeface="Cambria Math" panose="02040503050406030204" pitchFamily="18" charset="0"/>
+                            </a:rPr>
+                          </m:ctrlPr>
+                        </m:sSubPr>
+                        <m:e>
+                          <m:acc>
+                            <m:accPr>
+                              <m:chr m:val="̅"/>
+                              <m:ctrlPr>
+                                <a:rPr lang="en-US" i="1">
+                                  <a:latin typeface="Cambria Math" panose="02040503050406030204" pitchFamily="18" charset="0"/>
+                                </a:rPr>
+                              </m:ctrlPr>
+                            </m:accPr>
+                            <m:e>
+                              <m:r>
+                                <a:rPr lang="en-US" i="1">
+                                  <a:latin typeface="Cambria Math" panose="02040503050406030204" pitchFamily="18" charset="0"/>
+                                </a:rPr>
+                                <m:t>𝑀</m:t>
+                              </m:r>
+                            </m:e>
+                          </m:acc>
+                        </m:e>
+                        <m:sub>
+                          <m:r>
+                            <a:rPr lang="en-US" b="0" i="1" smtClean="0">
+                              <a:latin typeface="Cambria Math" panose="02040503050406030204" pitchFamily="18" charset="0"/>
+                            </a:rPr>
+                            <m:t>1</m:t>
+                          </m:r>
+                        </m:sub>
+                      </m:sSub>
+                      <m:r>
+                        <a:rPr lang="en-US" b="0" i="1" smtClean="0">
+                          <a:latin typeface="Cambria Math" panose="02040503050406030204" pitchFamily="18" charset="0"/>
+                        </a:rPr>
+                        <m:t>−</m:t>
+                      </m:r>
+                      <m:sSub>
+                        <m:sSubPr>
+                          <m:ctrlPr>
+                            <a:rPr lang="en-US" i="1">
+                              <a:latin typeface="Cambria Math" panose="02040503050406030204" pitchFamily="18" charset="0"/>
+                            </a:rPr>
+                          </m:ctrlPr>
+                        </m:sSubPr>
+                        <m:e>
+                          <m:acc>
+                            <m:accPr>
+                              <m:chr m:val="̅"/>
+                              <m:ctrlPr>
+                                <a:rPr lang="en-US" i="1">
+                                  <a:latin typeface="Cambria Math" panose="02040503050406030204" pitchFamily="18" charset="0"/>
+                                </a:rPr>
+                              </m:ctrlPr>
+                            </m:accPr>
+                            <m:e>
+                              <m:r>
+                                <a:rPr lang="en-US" i="1">
+                                  <a:latin typeface="Cambria Math" panose="02040503050406030204" pitchFamily="18" charset="0"/>
+                                </a:rPr>
+                                <m:t>𝑀</m:t>
+                              </m:r>
+                            </m:e>
+                          </m:acc>
+                        </m:e>
+                        <m:sub>
+                          <m:r>
+                            <a:rPr lang="en-US" b="0" i="1" smtClean="0">
+                              <a:latin typeface="Cambria Math" panose="02040503050406030204" pitchFamily="18" charset="0"/>
+                            </a:rPr>
+                            <m:t>2</m:t>
+                          </m:r>
+                        </m:sub>
+                      </m:sSub>
+                    </m:oMath>
+                  </m:oMathPara>
+                </a14:m>
+                <a:endParaRPr lang="en-US" dirty="0"/>
+              </a:p>
+            </p:txBody>
+          </p:sp>
+        </mc:Choice>
+        <mc:Fallback>
+          <p:sp>
+            <p:nvSpPr>
+              <p:cNvPr id="34" name="TextBox 33">
+                <a:extLst>
+                  <a:ext uri="{FF2B5EF4-FFF2-40B4-BE49-F238E27FC236}">
+                    <a16:creationId xmlns:a16="http://schemas.microsoft.com/office/drawing/2014/main" id="{0E8FB17A-F362-2484-54E6-10BFDB47607C}"/>
+                  </a:ext>
+                </a:extLst>
+              </p:cNvPr>
+              <p:cNvSpPr txBox="1">
+                <a:spLocks noRot="1" noChangeAspect="1" noMove="1" noResize="1" noEditPoints="1" noAdjustHandles="1" noChangeArrowheads="1" noChangeShapeType="1" noTextEdit="1"/>
+              </p:cNvSpPr>
+              <p:nvPr/>
+            </p:nvSpPr>
+            <p:spPr>
+              <a:xfrm>
+                <a:off x="979186" y="10810064"/>
+                <a:ext cx="1563761" cy="571247"/>
+              </a:xfrm>
+              <a:prstGeom prst="rect">
+                <a:avLst/>
+              </a:prstGeom>
+              <a:blipFill>
+                <a:blip r:embed="rId15"/>
+                <a:stretch>
+                  <a:fillRect/>
+                </a:stretch>
+              </a:blipFill>
+            </p:spPr>
+            <p:txBody>
+              <a:bodyPr/>
+              <a:lstStyle/>
+              <a:p>
+                <a:r>
+                  <a:rPr lang="en-US">
+                    <a:noFill/>
+                  </a:rPr>
+                  <a:t> </a:t>
+                </a:r>
+              </a:p>
+            </p:txBody>
+          </p:sp>
+        </mc:Fallback>
+      </mc:AlternateContent>
+    </p:spTree>
+    <p:extLst>
+      <p:ext uri="{BB962C8B-B14F-4D97-AF65-F5344CB8AC3E}">
+        <p14:creationId xmlns:p14="http://schemas.microsoft.com/office/powerpoint/2010/main" val="1857720673"/>
+      </p:ext>
+    </p:extLst>
+  </p:cSld>
+  <p:clrMapOvr>
+    <a:masterClrMapping/>
+  </p:clrMapOvr>
+</p:sld>
+</file>
+
+<file path=ppt/slides/slide17.xml><?xml version="1.0" encoding="utf-8"?>
+<p:sld xmlns:a="http://schemas.openxmlformats.org/drawingml/2006/main" xmlns:r="http://schemas.openxmlformats.org/officeDocument/2006/relationships" xmlns:p="http://schemas.openxmlformats.org/presentationml/2006/main">
+  <p:cSld>
+    <p:spTree>
+      <p:nvGrpSpPr>
+        <p:cNvPr id="1" name=""/>
+        <p:cNvGrpSpPr/>
+        <p:nvPr/>
+      </p:nvGrpSpPr>
+      <p:grpSpPr>
+        <a:xfrm>
+          <a:off x="0" y="0"/>
+          <a:ext cx="0" cy="0"/>
+          <a:chOff x="0" y="0"/>
+          <a:chExt cx="0" cy="0"/>
+        </a:xfrm>
+      </p:grpSpPr>
+      <p:pic>
+        <p:nvPicPr>
+          <p:cNvPr id="5" name="Picture 4">
+            <a:extLst>
+              <a:ext uri="{FF2B5EF4-FFF2-40B4-BE49-F238E27FC236}">
+                <a16:creationId xmlns:a16="http://schemas.microsoft.com/office/drawing/2014/main" id="{7F6E1967-CCB2-C7CB-BE8C-2B7C6F0873EF}"/>
+              </a:ext>
+            </a:extLst>
+          </p:cNvPr>
+          <p:cNvPicPr>
+            <a:picLocks noChangeAspect="1"/>
+          </p:cNvPicPr>
+          <p:nvPr/>
+        </p:nvPicPr>
+        <p:blipFill>
+          <a:blip r:embed="rId2"/>
+          <a:stretch>
+            <a:fillRect/>
+          </a:stretch>
+        </p:blipFill>
+        <p:spPr>
+          <a:xfrm>
+            <a:off x="651473" y="1197433"/>
+            <a:ext cx="6944694" cy="4048690"/>
+          </a:xfrm>
+          <a:prstGeom prst="rect">
+            <a:avLst/>
+          </a:prstGeom>
+        </p:spPr>
+      </p:pic>
+      <p:pic>
+        <p:nvPicPr>
+          <p:cNvPr id="7" name="Picture 6">
+            <a:extLst>
+              <a:ext uri="{FF2B5EF4-FFF2-40B4-BE49-F238E27FC236}">
+                <a16:creationId xmlns:a16="http://schemas.microsoft.com/office/drawing/2014/main" id="{1C85B2D0-BBE4-4AE3-6973-03F3C7454B0C}"/>
+              </a:ext>
+            </a:extLst>
+          </p:cNvPr>
+          <p:cNvPicPr>
+            <a:picLocks noChangeAspect="1"/>
+          </p:cNvPicPr>
+          <p:nvPr/>
+        </p:nvPicPr>
+        <p:blipFill>
+          <a:blip r:embed="rId3"/>
+          <a:stretch>
+            <a:fillRect/>
+          </a:stretch>
+        </p:blipFill>
+        <p:spPr>
+          <a:xfrm>
+            <a:off x="651473" y="5246123"/>
+            <a:ext cx="3141594" cy="852493"/>
+          </a:xfrm>
+          <a:prstGeom prst="rect">
+            <a:avLst/>
+          </a:prstGeom>
+        </p:spPr>
+      </p:pic>
+      <p:pic>
+        <p:nvPicPr>
+          <p:cNvPr id="9" name="Picture 8">
+            <a:extLst>
+              <a:ext uri="{FF2B5EF4-FFF2-40B4-BE49-F238E27FC236}">
+                <a16:creationId xmlns:a16="http://schemas.microsoft.com/office/drawing/2014/main" id="{E067D849-66FA-A00F-2323-938078E48934}"/>
+              </a:ext>
+            </a:extLst>
+          </p:cNvPr>
+          <p:cNvPicPr>
+            <a:picLocks noChangeAspect="1"/>
+          </p:cNvPicPr>
+          <p:nvPr/>
+        </p:nvPicPr>
+        <p:blipFill>
+          <a:blip r:embed="rId4"/>
+          <a:stretch>
+            <a:fillRect/>
+          </a:stretch>
+        </p:blipFill>
+        <p:spPr>
+          <a:xfrm>
+            <a:off x="4893112" y="5246123"/>
+            <a:ext cx="2183670" cy="796959"/>
+          </a:xfrm>
+          <a:prstGeom prst="rect">
+            <a:avLst/>
+          </a:prstGeom>
+        </p:spPr>
+      </p:pic>
+      <p:pic>
+        <p:nvPicPr>
+          <p:cNvPr id="11" name="Picture 10">
+            <a:extLst>
+              <a:ext uri="{FF2B5EF4-FFF2-40B4-BE49-F238E27FC236}">
+                <a16:creationId xmlns:a16="http://schemas.microsoft.com/office/drawing/2014/main" id="{28407092-9F5D-4F8D-6302-935642908538}"/>
+              </a:ext>
+            </a:extLst>
+          </p:cNvPr>
+          <p:cNvPicPr>
+            <a:picLocks noChangeAspect="1"/>
+          </p:cNvPicPr>
+          <p:nvPr/>
+        </p:nvPicPr>
+        <p:blipFill>
+          <a:blip r:embed="rId5"/>
+          <a:stretch>
+            <a:fillRect/>
+          </a:stretch>
+        </p:blipFill>
+        <p:spPr>
+          <a:xfrm>
+            <a:off x="1942765" y="6098616"/>
+            <a:ext cx="4801270" cy="5001323"/>
+          </a:xfrm>
+          <a:prstGeom prst="rect">
+            <a:avLst/>
+          </a:prstGeom>
+        </p:spPr>
+      </p:pic>
+      <mc:AlternateContent xmlns:mc="http://schemas.openxmlformats.org/markup-compatibility/2006">
+        <mc:Choice xmlns:a14="http://schemas.microsoft.com/office/drawing/2010/main" Requires="a14">
+          <p:sp>
+            <p:nvSpPr>
+              <p:cNvPr id="12" name="TextBox 11">
+                <a:extLst>
+                  <a:ext uri="{FF2B5EF4-FFF2-40B4-BE49-F238E27FC236}">
+                    <a16:creationId xmlns:a16="http://schemas.microsoft.com/office/drawing/2014/main" id="{95AA4755-52CE-BA7E-0F51-5FB848ABECEF}"/>
+                  </a:ext>
+                </a:extLst>
+              </p:cNvPr>
+              <p:cNvSpPr txBox="1"/>
+              <p:nvPr/>
+            </p:nvSpPr>
+            <p:spPr>
+              <a:xfrm>
+                <a:off x="58284" y="11306101"/>
+                <a:ext cx="8628516" cy="646331"/>
+              </a:xfrm>
+              <a:prstGeom prst="rect">
+                <a:avLst/>
+              </a:prstGeom>
+              <a:noFill/>
+            </p:spPr>
+            <p:txBody>
+              <a:bodyPr wrap="none" rtlCol="0">
+                <a:spAutoFit/>
+              </a:bodyPr>
+              <a:lstStyle/>
+              <a:p>
+                <a:pPr algn="ctr"/>
+                <a:r>
+                  <a:rPr lang="en-US" dirty="0"/>
+                  <a:t>Some representations of how to find </a:t>
+                </a:r>
+                <a14:m>
+                  <m:oMath xmlns:m="http://schemas.openxmlformats.org/officeDocument/2006/math">
+                    <m:sSub>
+                      <m:sSubPr>
+                        <m:ctrlPr>
+                          <a:rPr lang="en-US" i="1" smtClean="0">
+                            <a:latin typeface="Cambria Math" panose="02040503050406030204" pitchFamily="18" charset="0"/>
+                          </a:rPr>
+                        </m:ctrlPr>
+                      </m:sSubPr>
+                      <m:e>
+                        <m:acc>
+                          <m:accPr>
+                            <m:chr m:val="̅"/>
+                            <m:ctrlPr>
+                              <a:rPr lang="en-US" i="1" smtClean="0">
+                                <a:latin typeface="Cambria Math" panose="02040503050406030204" pitchFamily="18" charset="0"/>
+                              </a:rPr>
+                            </m:ctrlPr>
+                          </m:accPr>
+                          <m:e>
+                            <m:r>
+                              <a:rPr lang="en-US" b="0" i="1" smtClean="0">
+                                <a:latin typeface="Cambria Math" panose="02040503050406030204" pitchFamily="18" charset="0"/>
+                              </a:rPr>
+                              <m:t>𝑀</m:t>
+                            </m:r>
+                          </m:e>
+                        </m:acc>
+                      </m:e>
+                      <m:sub>
+                        <m:r>
+                          <a:rPr lang="en-US" b="0" i="1" smtClean="0">
+                            <a:latin typeface="Cambria Math" panose="02040503050406030204" pitchFamily="18" charset="0"/>
+                          </a:rPr>
+                          <m:t>𝑖</m:t>
+                        </m:r>
+                      </m:sub>
+                    </m:sSub>
+                  </m:oMath>
+                </a14:m>
+                <a:r>
+                  <a:rPr lang="en-US" dirty="0"/>
+                  <a:t> given a graph.</a:t>
+                </a:r>
+              </a:p>
+              <a:p>
+                <a:pPr algn="ctr"/>
+                <a:r>
+                  <a:rPr lang="en-US" dirty="0"/>
+                  <a:t>Where the slope intercepts the boundaries on each side are the values for the partials</a:t>
+                </a:r>
+              </a:p>
+            </p:txBody>
+          </p:sp>
+        </mc:Choice>
+        <mc:Fallback>
+          <p:sp>
+            <p:nvSpPr>
+              <p:cNvPr id="12" name="TextBox 11">
+                <a:extLst>
+                  <a:ext uri="{FF2B5EF4-FFF2-40B4-BE49-F238E27FC236}">
+                    <a16:creationId xmlns:a16="http://schemas.microsoft.com/office/drawing/2014/main" id="{95AA4755-52CE-BA7E-0F51-5FB848ABECEF}"/>
+                  </a:ext>
+                </a:extLst>
+              </p:cNvPr>
+              <p:cNvSpPr txBox="1">
+                <a:spLocks noRot="1" noChangeAspect="1" noMove="1" noResize="1" noEditPoints="1" noAdjustHandles="1" noChangeArrowheads="1" noChangeShapeType="1" noTextEdit="1"/>
+              </p:cNvSpPr>
+              <p:nvPr/>
+            </p:nvSpPr>
+            <p:spPr>
+              <a:xfrm>
+                <a:off x="58284" y="11306101"/>
+                <a:ext cx="8628516" cy="646331"/>
+              </a:xfrm>
+              <a:prstGeom prst="rect">
+                <a:avLst/>
+              </a:prstGeom>
+              <a:blipFill>
+                <a:blip r:embed="rId6"/>
+                <a:stretch>
+                  <a:fillRect l="-212" t="-4717" r="-71" b="-15094"/>
+                </a:stretch>
+              </a:blipFill>
+            </p:spPr>
+            <p:txBody>
+              <a:bodyPr/>
+              <a:lstStyle/>
+              <a:p>
+                <a:r>
+                  <a:rPr lang="en-US">
+                    <a:noFill/>
+                  </a:rPr>
+                  <a:t> </a:t>
+                </a:r>
+              </a:p>
+            </p:txBody>
+          </p:sp>
+        </mc:Fallback>
+      </mc:AlternateContent>
+      <p:pic>
+        <p:nvPicPr>
+          <p:cNvPr id="36" name="Picture 35">
+            <a:extLst>
+              <a:ext uri="{FF2B5EF4-FFF2-40B4-BE49-F238E27FC236}">
+                <a16:creationId xmlns:a16="http://schemas.microsoft.com/office/drawing/2014/main" id="{3E81811B-6179-F7F2-967C-C7DB419EB6AA}"/>
+              </a:ext>
+            </a:extLst>
+          </p:cNvPr>
+          <p:cNvPicPr>
+            <a:picLocks noChangeAspect="1"/>
+          </p:cNvPicPr>
+          <p:nvPr/>
+        </p:nvPicPr>
+        <p:blipFill>
+          <a:blip r:embed="rId7"/>
+          <a:stretch>
+            <a:fillRect/>
+          </a:stretch>
+        </p:blipFill>
+        <p:spPr>
+          <a:xfrm>
+            <a:off x="651473" y="85533"/>
+            <a:ext cx="7065355" cy="852493"/>
+          </a:xfrm>
+          <a:prstGeom prst="rect">
+            <a:avLst/>
+          </a:prstGeom>
+        </p:spPr>
+      </p:pic>
+    </p:spTree>
+    <p:extLst>
+      <p:ext uri="{BB962C8B-B14F-4D97-AF65-F5344CB8AC3E}">
+        <p14:creationId xmlns:p14="http://schemas.microsoft.com/office/powerpoint/2010/main" val="3457069010"/>
+      </p:ext>
+    </p:extLst>
+  </p:cSld>
+  <p:clrMapOvr>
+    <a:masterClrMapping/>
+  </p:clrMapOvr>
+</p:sld>
+</file>
+
+<file path=ppt/slides/slide18.xml><?xml version="1.0" encoding="utf-8"?>
+<p:sld xmlns:a="http://schemas.openxmlformats.org/drawingml/2006/main" xmlns:r="http://schemas.openxmlformats.org/officeDocument/2006/relationships" xmlns:p="http://schemas.openxmlformats.org/presentationml/2006/main">
+  <p:cSld>
+    <p:spTree>
+      <p:nvGrpSpPr>
+        <p:cNvPr id="1" name=""/>
+        <p:cNvGrpSpPr/>
+        <p:nvPr/>
+      </p:nvGrpSpPr>
+      <p:grpSpPr>
+        <a:xfrm>
+          <a:off x="0" y="0"/>
+          <a:ext cx="0" cy="0"/>
+          <a:chOff x="0" y="0"/>
+          <a:chExt cx="0" cy="0"/>
+        </a:xfrm>
+      </p:grpSpPr>
+      <p:sp>
+        <p:nvSpPr>
+          <p:cNvPr id="2" name="TextBox 1">
+            <a:extLst>
+              <a:ext uri="{FF2B5EF4-FFF2-40B4-BE49-F238E27FC236}">
+                <a16:creationId xmlns:a16="http://schemas.microsoft.com/office/drawing/2014/main" id="{50C5BC99-AAF1-2A7D-3F02-A4D7BF7F2DBC}"/>
+              </a:ext>
+            </a:extLst>
+          </p:cNvPr>
+          <p:cNvSpPr txBox="1"/>
+          <p:nvPr/>
+        </p:nvSpPr>
+        <p:spPr>
+          <a:xfrm>
+            <a:off x="3579280" y="118534"/>
+            <a:ext cx="1528239" cy="369332"/>
+          </a:xfrm>
+          <a:prstGeom prst="rect">
+            <a:avLst/>
+          </a:prstGeom>
+          <a:noFill/>
+        </p:spPr>
+        <p:txBody>
+          <a:bodyPr wrap="none" rtlCol="0">
+            <a:spAutoFit/>
+          </a:bodyPr>
+          <a:lstStyle/>
+          <a:p>
+            <a:r>
+              <a:rPr lang="en-US" dirty="0"/>
+              <a:t>Example 10.3</a:t>
+            </a:r>
+          </a:p>
+        </p:txBody>
+      </p:sp>
+      <p:pic>
+        <p:nvPicPr>
+          <p:cNvPr id="4" name="Picture 3">
+            <a:extLst>
+              <a:ext uri="{FF2B5EF4-FFF2-40B4-BE49-F238E27FC236}">
+                <a16:creationId xmlns:a16="http://schemas.microsoft.com/office/drawing/2014/main" id="{E3C5BED3-17E8-DB90-C9D7-B44FA67CC428}"/>
+              </a:ext>
+            </a:extLst>
+          </p:cNvPr>
+          <p:cNvPicPr>
+            <a:picLocks noChangeAspect="1"/>
+          </p:cNvPicPr>
+          <p:nvPr/>
+        </p:nvPicPr>
+        <p:blipFill>
+          <a:blip r:embed="rId2"/>
+          <a:stretch>
+            <a:fillRect/>
+          </a:stretch>
+        </p:blipFill>
+        <p:spPr>
+          <a:xfrm>
+            <a:off x="828183" y="487866"/>
+            <a:ext cx="7030431" cy="2038635"/>
+          </a:xfrm>
+          <a:prstGeom prst="rect">
+            <a:avLst/>
+          </a:prstGeom>
+        </p:spPr>
+      </p:pic>
+      <p:pic>
+        <p:nvPicPr>
+          <p:cNvPr id="6" name="Picture 5">
+            <a:extLst>
+              <a:ext uri="{FF2B5EF4-FFF2-40B4-BE49-F238E27FC236}">
+                <a16:creationId xmlns:a16="http://schemas.microsoft.com/office/drawing/2014/main" id="{16BB1FA9-DBF0-99C3-6A29-E6EEF44EB521}"/>
+              </a:ext>
+            </a:extLst>
+          </p:cNvPr>
+          <p:cNvPicPr>
+            <a:picLocks noChangeAspect="1"/>
+          </p:cNvPicPr>
+          <p:nvPr/>
+        </p:nvPicPr>
+        <p:blipFill>
+          <a:blip r:embed="rId3"/>
+          <a:stretch>
+            <a:fillRect/>
+          </a:stretch>
+        </p:blipFill>
+        <p:spPr>
+          <a:xfrm>
+            <a:off x="1023472" y="2526501"/>
+            <a:ext cx="6639852" cy="981212"/>
+          </a:xfrm>
+          <a:prstGeom prst="rect">
+            <a:avLst/>
+          </a:prstGeom>
+        </p:spPr>
+      </p:pic>
+      <p:pic>
+        <p:nvPicPr>
+          <p:cNvPr id="8" name="Picture 7">
+            <a:extLst>
+              <a:ext uri="{FF2B5EF4-FFF2-40B4-BE49-F238E27FC236}">
+                <a16:creationId xmlns:a16="http://schemas.microsoft.com/office/drawing/2014/main" id="{B5D34D27-FB09-2476-F59F-C7D082195610}"/>
+              </a:ext>
+            </a:extLst>
+          </p:cNvPr>
+          <p:cNvPicPr>
+            <a:picLocks noChangeAspect="1"/>
+          </p:cNvPicPr>
+          <p:nvPr/>
+        </p:nvPicPr>
+        <p:blipFill>
+          <a:blip r:embed="rId4"/>
+          <a:stretch>
+            <a:fillRect/>
+          </a:stretch>
+        </p:blipFill>
+        <p:spPr>
+          <a:xfrm>
+            <a:off x="738350" y="3470252"/>
+            <a:ext cx="6705199" cy="2038635"/>
+          </a:xfrm>
+          <a:prstGeom prst="rect">
+            <a:avLst/>
+          </a:prstGeom>
+        </p:spPr>
+      </p:pic>
+      <p:pic>
+        <p:nvPicPr>
+          <p:cNvPr id="10" name="Picture 9">
+            <a:extLst>
+              <a:ext uri="{FF2B5EF4-FFF2-40B4-BE49-F238E27FC236}">
+                <a16:creationId xmlns:a16="http://schemas.microsoft.com/office/drawing/2014/main" id="{E56735A2-E34E-D132-471B-50FAD240918D}"/>
+              </a:ext>
+            </a:extLst>
+          </p:cNvPr>
+          <p:cNvPicPr>
+            <a:picLocks noChangeAspect="1"/>
+          </p:cNvPicPr>
+          <p:nvPr/>
+        </p:nvPicPr>
+        <p:blipFill>
+          <a:blip r:embed="rId5"/>
+          <a:stretch>
+            <a:fillRect/>
+          </a:stretch>
+        </p:blipFill>
+        <p:spPr>
+          <a:xfrm>
+            <a:off x="575734" y="5820550"/>
+            <a:ext cx="7535327" cy="4039164"/>
+          </a:xfrm>
+          <a:prstGeom prst="rect">
+            <a:avLst/>
+          </a:prstGeom>
+        </p:spPr>
+      </p:pic>
+    </p:spTree>
+    <p:extLst>
+      <p:ext uri="{BB962C8B-B14F-4D97-AF65-F5344CB8AC3E}">
+        <p14:creationId xmlns:p14="http://schemas.microsoft.com/office/powerpoint/2010/main" val="764394163"/>
       </p:ext>
     </p:extLst>
   </p:cSld>

--- a/ThermodynamicsII.pptx
+++ b/ThermodynamicsII.pptx
@@ -23,6 +23,9 @@
     <p:sldId id="271" r:id="rId17"/>
     <p:sldId id="272" r:id="rId18"/>
     <p:sldId id="273" r:id="rId19"/>
+    <p:sldId id="274" r:id="rId20"/>
+    <p:sldId id="275" r:id="rId21"/>
+    <p:sldId id="276" r:id="rId22"/>
   </p:sldIdLst>
   <p:sldSz cx="8686800" cy="12192000"/>
   <p:notesSz cx="6858000" cy="9144000"/>
@@ -156,6 +159,9 @@
             <p14:sldId id="271"/>
             <p14:sldId id="272"/>
             <p14:sldId id="273"/>
+            <p14:sldId id="274"/>
+            <p14:sldId id="275"/>
+            <p14:sldId id="276"/>
           </p14:sldIdLst>
         </p14:section>
       </p14:sectionLst>
@@ -242,6 +248,141 @@
     </pc:docChg>
   </pc:docChgLst>
 </pc:chgInfo>
+</file>
+
+<file path=ppt/ink/ink1.xml><?xml version="1.0" encoding="utf-8"?>
+<inkml:ink xmlns:inkml="http://www.w3.org/2003/InkML">
+  <inkml:definitions>
+    <inkml:context xml:id="ctx0">
+      <inkml:inkSource xml:id="inkSrc0">
+        <inkml:traceFormat>
+          <inkml:channel name="X" type="integer" min="-2.14748E9" max="2.14748E9" units="cm"/>
+          <inkml:channel name="Y" type="integer" min="-2.14748E9" max="2.14748E9" units="cm"/>
+          <inkml:channel name="F" type="integer" max="32767" units="dev"/>
+        </inkml:traceFormat>
+        <inkml:channelProperties>
+          <inkml:channelProperty channel="X" name="resolution" value="1000" units="1/cm"/>
+          <inkml:channelProperty channel="Y" name="resolution" value="1000" units="1/cm"/>
+          <inkml:channelProperty channel="F" name="resolution" value="0" units="1/dev"/>
+        </inkml:channelProperties>
+      </inkml:inkSource>
+      <inkml:timestamp xml:id="ts0" timeString="2024-09-03T15:45:48.175"/>
+    </inkml:context>
+    <inkml:brush xml:id="br0">
+      <inkml:brushProperty name="width" value="0.035" units="cm"/>
+      <inkml:brushProperty name="height" value="0.035" units="cm"/>
+    </inkml:brush>
+  </inkml:definitions>
+  <inkml:trace contextRef="#ctx0" brushRef="#br0">0 0 24575,'0'0'-8191</inkml:trace>
+</inkml:ink>
+</file>
+
+<file path=ppt/ink/ink2.xml><?xml version="1.0" encoding="utf-8"?>
+<inkml:ink xmlns:inkml="http://www.w3.org/2003/InkML">
+  <inkml:definitions>
+    <inkml:context xml:id="ctx0">
+      <inkml:inkSource xml:id="inkSrc0">
+        <inkml:traceFormat>
+          <inkml:channel name="X" type="integer" min="-2.14748E9" max="2.14748E9" units="cm"/>
+          <inkml:channel name="Y" type="integer" min="-2.14748E9" max="2.14748E9" units="cm"/>
+          <inkml:channel name="F" type="integer" max="32767" units="dev"/>
+        </inkml:traceFormat>
+        <inkml:channelProperties>
+          <inkml:channelProperty channel="X" name="resolution" value="1000" units="1/cm"/>
+          <inkml:channelProperty channel="Y" name="resolution" value="1000" units="1/cm"/>
+          <inkml:channelProperty channel="F" name="resolution" value="0" units="1/dev"/>
+        </inkml:channelProperties>
+      </inkml:inkSource>
+      <inkml:timestamp xml:id="ts0" timeString="2024-09-03T15:45:48.847"/>
+    </inkml:context>
+    <inkml:brush xml:id="br0">
+      <inkml:brushProperty name="width" value="0.035" units="cm"/>
+      <inkml:brushProperty name="height" value="0.035" units="cm"/>
+    </inkml:brush>
+  </inkml:definitions>
+  <inkml:trace contextRef="#ctx0" brushRef="#br0">0 372 24575,'2'-6'0,"0"0"0,1 1 0,-1-1 0,1 1 0,0-1 0,1 1 0,-1 0 0,1 0 0,0 0 0,0 1 0,1-1 0,5-3 0,1-4 0,12-14 0,2 1 0,1 0 0,1 2 0,1 1 0,1 2 0,0 1 0,36-18 0,-37 22-231,47-33-1,-59 36-670,9-5-5924</inkml:trace>
+</inkml:ink>
+</file>
+
+<file path=ppt/ink/ink3.xml><?xml version="1.0" encoding="utf-8"?>
+<inkml:ink xmlns:inkml="http://www.w3.org/2003/InkML">
+  <inkml:definitions>
+    <inkml:context xml:id="ctx0">
+      <inkml:inkSource xml:id="inkSrc0">
+        <inkml:traceFormat>
+          <inkml:channel name="X" type="integer" min="-2.14748E9" max="2.14748E9" units="cm"/>
+          <inkml:channel name="Y" type="integer" min="-2.14748E9" max="2.14748E9" units="cm"/>
+          <inkml:channel name="F" type="integer" max="32767" units="dev"/>
+        </inkml:traceFormat>
+        <inkml:channelProperties>
+          <inkml:channelProperty channel="X" name="resolution" value="1000" units="1/cm"/>
+          <inkml:channelProperty channel="Y" name="resolution" value="1000" units="1/cm"/>
+          <inkml:channelProperty channel="F" name="resolution" value="0" units="1/dev"/>
+        </inkml:channelProperties>
+      </inkml:inkSource>
+      <inkml:timestamp xml:id="ts0" timeString="2024-09-03T15:45:54.222"/>
+    </inkml:context>
+    <inkml:brush xml:id="br0">
+      <inkml:brushProperty name="width" value="0.035" units="cm"/>
+      <inkml:brushProperty name="height" value="0.035" units="cm"/>
+    </inkml:brush>
+  </inkml:definitions>
+  <inkml:trace contextRef="#ctx0" brushRef="#br0">1 14947 24575,'65'1'0,"-27"0"0,1-1 0,0-1 0,-1-3 0,64-13 0,-55 6 0,0 2 0,1 2 0,57-1 0,149 10 0,-96 1 0,-91-2 0,-29 1 0,-1-2 0,1-1 0,-1-2 0,68-15 0,-55 8 0,1 1 0,0 3 0,0 3 0,91 4 0,68-5 0,-184 1 0,0-2 0,27-9 0,44-7 0,14 14 0,125 7 0,-100 2 0,-105 0 0,-1 1 0,0 2 0,37 10 0,-32-7 0,67 8 0,357-12 0,-235-7 0,-193 5 0,0 1 0,-1 2 0,35 9 0,-29-6 0,64 7 0,83-15 0,22 3 0,-178 0 0,-1 2 0,27 9 0,44 7 0,31-13 0,150-8 0,-103-3 0,1241 3 0,-1386-2 0,0-1 0,0-2 0,38-10 0,-33 7 0,66-8 0,107 16 0,22-2 0,-196-3 0,50-13 0,-53 10 0,1 2 0,33-3 0,95 8 0,19-1 0,-153-2 0,0 0 0,28-10 0,42-7 0,33 13 0,149 8 0,-103 3 0,411-3 0,-555-2 0,0-1 0,0-1 0,34-11 0,-29 7 0,64-7 0,-60 11 0,63-16 0,-63 11 0,70-6 0,-30 13 0,-48 2 0,-1-1 0,1-1 0,-1-2 0,35-8 0,52-12 0,7-3 0,71-21 0,-157 38 0,67-11 0,-71 17 0,-1-3 0,63-20 0,-12-8 0,47-18 0,37 12 0,13-5 0,-33-3 0,-35 15 0,-88 28 0,0-1 0,0-1 0,-1-1 0,0-1 0,-1-2 0,30-18 0,-26 13 0,0 2 0,2 0 0,-1 2 0,2 1 0,37-9 0,-27 9 0,-1-2 0,48-24 0,-19 2 0,-31 18 0,-1-1 0,-1-2 0,0-2 0,-2-1 0,45-42 0,188-204 0,-253 257 0,0 2 0,31-19 0,-33 23 0,-1-1 0,0 0 0,0-1 0,0 0 0,-1 0 0,14-17 0,47-75 0,55-71 0,-56 76 0,-51 66 0,46-53 0,-46 59 0,0-2 0,-1 0 0,-2-1 0,-1-1 0,13-33 0,16-26 0,-26 51 0,0 0 0,-3-1 0,-1 0 0,15-63 0,20-98 0,-30 119 0,3 2 0,36-82 0,-38 104 0,-12 30 0,-2-1 0,0 0 0,-2-1 0,-1 1 0,0-29 0,-2 23 0,2-1 0,13-56 0,-7 43 0,-2 0 0,-1 0 0,-2-86 0,0-7 0,1 104 0,12-51 0,-9 54 0,7-64 0,-11-396 0,-7 253 0,5 209 0,1 0 0,1 0 0,11-38 0,-6 33 0,7-66 0,-13-233 0,-5 181 0,0 122 0,-1 1 0,-2 0 0,-10-37 0,7 32 0,-8-67 0,12-390 0,7 253 0,-5 208 0,-1 0 0,-2 0 0,-9-34 0,6 29 0,-7-64 0,12-296 0,5 206 0,-4 160 0,-1 1 0,-1-1 0,-12-38 0,8 33 0,-8-66 0,13-17 0,3 68 0,-2 1 0,-13-75 0,2 53 0,4 1 0,0-131 0,7 167 0,-2 0 0,-1 1 0,-13-47 0,3 11 0,-4-10 0,8 34 0,-8-68 0,13 69 0,-13-51 0,9 57 0,3-1 0,-3-41 0,9 67 0,-1-21 0,0 1 0,-14-61 0,-32-101 0,40 163 0,1 1 0,-5-60 0,8 54 0,-15-65 0,-76-308 0,43 183 0,43 190 0,-6-48 0,9 46 0,-12-42 0,-31-134 0,0-30 0,30 152 0,-11-40 0,21 96 0,-7-49 0,10 47 0,-12-41 0,-30-116 0,24 121 0,-48-144 0,22 76 0,-44-107 0,4 72 0,50 105 0,16 27 0,-3 1 0,-1 2 0,-2 1 0,-45-48 0,44 55 0,-27-43 0,-20-22 0,10 25 0,-90-77 0,-37 7 0,-62-39 0,206 156 0,-2 2 0,-1 3 0,-1 2 0,-80-20 0,-118-47 0,115 21 0,87 40 0,-93-35 0,67 34 0,-111-59 0,146 68 0,-2 2 0,0 1 0,-1 3 0,-48-8 0,37 6 0,-61-23 0,2 0 0,51 18 0,38 11 0,0 1 0,0 1 0,-34-4 0,-79-12 0,-10 0 0,114 18 0,-58-15 0,56 10 0,-49-5 0,-71-9 0,95 12 0,-104-5 0,-301 16 0,201 3 0,223 1 0,1 1 0,-59 13 0,50-7 0,-54 3 0,-323-9 0,221-7 0,177 5 0,0 1 0,0 2 0,-38 10 0,33-7 0,-66 8 0,39-13 0,13-1 0,-82 14 0,59-4 0,1-3 0,-129 0 0,169-7 0,0 1 0,1 1 0,-37 11 0,31-7 0,-63 7 0,-63-14 0,-16 1 0,144 2 0,-51 14 0,54-10 0,-1-2 0,-32 3 0,50-8 0,-18 0 0,0 2 0,-64 14 0,54-7 0,-1-2 0,0-2 0,-72 1 0,115-7 0,-1 0 0,1 0 0,0 0 0,0 0 0,-1 0 0,1 0 0,0 0 0,-1 0 0,1 0 0,0 0 0,0 0 0,0 0 0,-1 0 0,1 0 0,0-1 0,0 1 0,-1 0 0,1 0 0,0 0 0,0 0 0,0 0 0,-1-1 0,1 1 0,0 0 0,0 0 0,0 0 0,-1 0 0,1-1 0,0 1 0,0 0 0,0 0 0,0-1 0,0 1 0,0 0 0,0 0 0,0-1 0,-1 1 0,1 0 0,0 0 0,0-1 0,0 1 0,0 0 0,6-15 0,19-19 0,-21 30 0,23-31 0,1 1 0,2 1 0,2 2 0,0 1 0,68-47 0,-42 39-85,-38 23-97,-1 2-1,2 0 0,0 1 0,0 1 0,1 1 0,46-14 0,-33 18-6643</inkml:trace>
+</inkml:ink>
+</file>
+
+<file path=ppt/ink/ink4.xml><?xml version="1.0" encoding="utf-8"?>
+<inkml:ink xmlns:inkml="http://www.w3.org/2003/InkML">
+  <inkml:definitions>
+    <inkml:context xml:id="ctx0">
+      <inkml:inkSource xml:id="inkSrc0">
+        <inkml:traceFormat>
+          <inkml:channel name="X" type="integer" min="-2.14748E9" max="2.14748E9" units="cm"/>
+          <inkml:channel name="Y" type="integer" min="-2.14748E9" max="2.14748E9" units="cm"/>
+          <inkml:channel name="F" type="integer" max="32767" units="dev"/>
+        </inkml:traceFormat>
+        <inkml:channelProperties>
+          <inkml:channelProperty channel="X" name="resolution" value="1000" units="1/cm"/>
+          <inkml:channelProperty channel="Y" name="resolution" value="1000" units="1/cm"/>
+          <inkml:channelProperty channel="F" name="resolution" value="0" units="1/dev"/>
+        </inkml:channelProperties>
+      </inkml:inkSource>
+      <inkml:timestamp xml:id="ts0" timeString="2024-09-03T15:45:54.771"/>
+    </inkml:context>
+    <inkml:brush xml:id="br0">
+      <inkml:brushProperty name="width" value="0.035" units="cm"/>
+      <inkml:brushProperty name="height" value="0.035" units="cm"/>
+    </inkml:brush>
+  </inkml:definitions>
+  <inkml:trace contextRef="#ctx0" brushRef="#br0">1 1 24575,'0'8'0,"0"11"0,0 11 0,0 9 0,0-3-8191</inkml:trace>
+</inkml:ink>
+</file>
+
+<file path=ppt/ink/ink5.xml><?xml version="1.0" encoding="utf-8"?>
+<inkml:ink xmlns:inkml="http://www.w3.org/2003/InkML">
+  <inkml:definitions>
+    <inkml:context xml:id="ctx0">
+      <inkml:inkSource xml:id="inkSrc0">
+        <inkml:traceFormat>
+          <inkml:channel name="X" type="integer" min="-2.14748E9" max="2.14748E9" units="cm"/>
+          <inkml:channel name="Y" type="integer" min="-2.14748E9" max="2.14748E9" units="cm"/>
+          <inkml:channel name="F" type="integer" max="32767" units="dev"/>
+        </inkml:traceFormat>
+        <inkml:channelProperties>
+          <inkml:channelProperty channel="X" name="resolution" value="1000" units="1/cm"/>
+          <inkml:channelProperty channel="Y" name="resolution" value="1000" units="1/cm"/>
+          <inkml:channelProperty channel="F" name="resolution" value="0" units="1/dev"/>
+        </inkml:channelProperties>
+      </inkml:inkSource>
+      <inkml:timestamp xml:id="ts0" timeString="2024-09-03T15:45:55.454"/>
+    </inkml:context>
+    <inkml:brush xml:id="br0">
+      <inkml:brushProperty name="width" value="0.035" units="cm"/>
+      <inkml:brushProperty name="height" value="0.035" units="cm"/>
+    </inkml:brush>
+  </inkml:definitions>
+  <inkml:trace contextRef="#ctx0" brushRef="#br0">1 1 24575,'18'2'0,"0"0"0,1 2 0,-1 0 0,-1 1 0,1 1 0,-1 1 0,32 16 0,28 11 0,17 7 0,-68-29 0,0 0 0,0-1 0,51 12 0,-42-16-682,44 16-1,-47-12-6143</inkml:trace>
+</inkml:ink>
 </file>
 
 <file path=ppt/slideLayouts/slideLayout1.xml><?xml version="1.0" encoding="utf-8"?>
@@ -375,7 +516,7 @@
           <a:p>
             <a:fld id="{A13BDB0B-0E15-448B-8EBC-9EB4315D4970}" type="datetimeFigureOut">
               <a:rPr lang="en-US" smtClean="0"/>
-              <a:t>8/29/2024</a:t>
+              <a:t>9/3/2024</a:t>
             </a:fld>
             <a:endParaRPr lang="en-US"/>
           </a:p>
@@ -545,7 +686,7 @@
           <a:p>
             <a:fld id="{A13BDB0B-0E15-448B-8EBC-9EB4315D4970}" type="datetimeFigureOut">
               <a:rPr lang="en-US" smtClean="0"/>
-              <a:t>8/29/2024</a:t>
+              <a:t>9/3/2024</a:t>
             </a:fld>
             <a:endParaRPr lang="en-US"/>
           </a:p>
@@ -725,7 +866,7 @@
           <a:p>
             <a:fld id="{A13BDB0B-0E15-448B-8EBC-9EB4315D4970}" type="datetimeFigureOut">
               <a:rPr lang="en-US" smtClean="0"/>
-              <a:t>8/29/2024</a:t>
+              <a:t>9/3/2024</a:t>
             </a:fld>
             <a:endParaRPr lang="en-US"/>
           </a:p>
@@ -895,7 +1036,7 @@
           <a:p>
             <a:fld id="{A13BDB0B-0E15-448B-8EBC-9EB4315D4970}" type="datetimeFigureOut">
               <a:rPr lang="en-US" smtClean="0"/>
-              <a:t>8/29/2024</a:t>
+              <a:t>9/3/2024</a:t>
             </a:fld>
             <a:endParaRPr lang="en-US"/>
           </a:p>
@@ -1141,7 +1282,7 @@
           <a:p>
             <a:fld id="{A13BDB0B-0E15-448B-8EBC-9EB4315D4970}" type="datetimeFigureOut">
               <a:rPr lang="en-US" smtClean="0"/>
-              <a:t>8/29/2024</a:t>
+              <a:t>9/3/2024</a:t>
             </a:fld>
             <a:endParaRPr lang="en-US"/>
           </a:p>
@@ -1373,7 +1514,7 @@
           <a:p>
             <a:fld id="{A13BDB0B-0E15-448B-8EBC-9EB4315D4970}" type="datetimeFigureOut">
               <a:rPr lang="en-US" smtClean="0"/>
-              <a:t>8/29/2024</a:t>
+              <a:t>9/3/2024</a:t>
             </a:fld>
             <a:endParaRPr lang="en-US"/>
           </a:p>
@@ -1740,7 +1881,7 @@
           <a:p>
             <a:fld id="{A13BDB0B-0E15-448B-8EBC-9EB4315D4970}" type="datetimeFigureOut">
               <a:rPr lang="en-US" smtClean="0"/>
-              <a:t>8/29/2024</a:t>
+              <a:t>9/3/2024</a:t>
             </a:fld>
             <a:endParaRPr lang="en-US"/>
           </a:p>
@@ -1858,7 +1999,7 @@
           <a:p>
             <a:fld id="{A13BDB0B-0E15-448B-8EBC-9EB4315D4970}" type="datetimeFigureOut">
               <a:rPr lang="en-US" smtClean="0"/>
-              <a:t>8/29/2024</a:t>
+              <a:t>9/3/2024</a:t>
             </a:fld>
             <a:endParaRPr lang="en-US"/>
           </a:p>
@@ -1953,7 +2094,7 @@
           <a:p>
             <a:fld id="{A13BDB0B-0E15-448B-8EBC-9EB4315D4970}" type="datetimeFigureOut">
               <a:rPr lang="en-US" smtClean="0"/>
-              <a:t>8/29/2024</a:t>
+              <a:t>9/3/2024</a:t>
             </a:fld>
             <a:endParaRPr lang="en-US"/>
           </a:p>
@@ -2230,7 +2371,7 @@
           <a:p>
             <a:fld id="{A13BDB0B-0E15-448B-8EBC-9EB4315D4970}" type="datetimeFigureOut">
               <a:rPr lang="en-US" smtClean="0"/>
-              <a:t>8/29/2024</a:t>
+              <a:t>9/3/2024</a:t>
             </a:fld>
             <a:endParaRPr lang="en-US"/>
           </a:p>
@@ -2487,7 +2628,7 @@
           <a:p>
             <a:fld id="{A13BDB0B-0E15-448B-8EBC-9EB4315D4970}" type="datetimeFigureOut">
               <a:rPr lang="en-US" smtClean="0"/>
-              <a:t>8/29/2024</a:t>
+              <a:t>9/3/2024</a:t>
             </a:fld>
             <a:endParaRPr lang="en-US"/>
           </a:p>
@@ -2700,7 +2841,7 @@
           <a:p>
             <a:fld id="{A13BDB0B-0E15-448B-8EBC-9EB4315D4970}" type="datetimeFigureOut">
               <a:rPr lang="en-US" smtClean="0"/>
-              <a:t>8/29/2024</a:t>
+              <a:t>9/3/2024</a:t>
             </a:fld>
             <a:endParaRPr lang="en-US"/>
           </a:p>
@@ -17608,8 +17749,8 @@
           </p:sp>
         </mc:Fallback>
       </mc:AlternateContent>
-      <mc:AlternateContent xmlns:mc="http://schemas.openxmlformats.org/markup-compatibility/2006">
-        <mc:Choice xmlns:a14="http://schemas.microsoft.com/office/drawing/2010/main" Requires="a14">
+      <mc:AlternateContent xmlns:mc="http://schemas.openxmlformats.org/markup-compatibility/2006" xmlns:a14="http://schemas.microsoft.com/office/drawing/2010/main">
+        <mc:Choice Requires="a14">
           <p:sp>
             <p:nvSpPr>
               <p:cNvPr id="26" name="TextBox 25">
@@ -18291,7 +18432,7 @@
             </p:txBody>
           </p:sp>
         </mc:Choice>
-        <mc:Fallback>
+        <mc:Fallback xmlns="">
           <p:sp>
             <p:nvSpPr>
               <p:cNvPr id="26" name="TextBox 25">
@@ -18336,8 +18477,8 @@
           </p:sp>
         </mc:Fallback>
       </mc:AlternateContent>
-      <mc:AlternateContent xmlns:mc="http://schemas.openxmlformats.org/markup-compatibility/2006">
-        <mc:Choice xmlns:a14="http://schemas.microsoft.com/office/drawing/2010/main" Requires="a14">
+      <mc:AlternateContent xmlns:mc="http://schemas.openxmlformats.org/markup-compatibility/2006" xmlns:a14="http://schemas.microsoft.com/office/drawing/2010/main">
+        <mc:Choice Requires="a14">
           <p:sp>
             <p:nvSpPr>
               <p:cNvPr id="4" name="TextBox 3">
@@ -18402,7 +18543,7 @@
             </p:txBody>
           </p:sp>
         </mc:Choice>
-        <mc:Fallback>
+        <mc:Fallback xmlns="">
           <p:sp>
             <p:nvSpPr>
               <p:cNvPr id="4" name="TextBox 3">
@@ -18447,8 +18588,8 @@
           </p:sp>
         </mc:Fallback>
       </mc:AlternateContent>
-      <mc:AlternateContent xmlns:mc="http://schemas.openxmlformats.org/markup-compatibility/2006">
-        <mc:Choice xmlns:a14="http://schemas.microsoft.com/office/drawing/2010/main" Requires="a14">
+      <mc:AlternateContent xmlns:mc="http://schemas.openxmlformats.org/markup-compatibility/2006" xmlns:a14="http://schemas.microsoft.com/office/drawing/2010/main">
+        <mc:Choice Requires="a14">
           <p:sp>
             <p:nvSpPr>
               <p:cNvPr id="7" name="TextBox 6">
@@ -18480,6 +18621,7 @@
               </a:bodyPr>
               <a:lstStyle/>
               <a:p>
+                <a:pPr/>
                 <a14:m>
                   <m:oMathPara xmlns:m="http://schemas.openxmlformats.org/officeDocument/2006/math">
                     <m:oMathParaPr>
@@ -18636,7 +18778,7 @@
             </p:txBody>
           </p:sp>
         </mc:Choice>
-        <mc:Fallback>
+        <mc:Fallback xmlns="">
           <p:sp>
             <p:nvSpPr>
               <p:cNvPr id="7" name="TextBox 6">
@@ -18725,8 +18867,8 @@
           </a:fontRef>
         </p:style>
       </p:cxnSp>
-      <mc:AlternateContent xmlns:mc="http://schemas.openxmlformats.org/markup-compatibility/2006">
-        <mc:Choice xmlns:a14="http://schemas.microsoft.com/office/drawing/2010/main" Requires="a14">
+      <mc:AlternateContent xmlns:mc="http://schemas.openxmlformats.org/markup-compatibility/2006" xmlns:a14="http://schemas.microsoft.com/office/drawing/2010/main">
+        <mc:Choice Requires="a14">
           <p:sp>
             <p:nvSpPr>
               <p:cNvPr id="18" name="TextBox 17">
@@ -18755,6 +18897,7 @@
               </a:bodyPr>
               <a:lstStyle/>
               <a:p>
+                <a:pPr/>
                 <a14:m>
                   <m:oMathPara xmlns:m="http://schemas.openxmlformats.org/officeDocument/2006/math">
                     <m:oMathParaPr>
@@ -18868,7 +19011,7 @@
             </p:txBody>
           </p:sp>
         </mc:Choice>
-        <mc:Fallback>
+        <mc:Fallback xmlns="">
           <p:sp>
             <p:nvSpPr>
               <p:cNvPr id="18" name="TextBox 17">
@@ -18965,6 +19108,41 @@
           </a:p>
         </p:txBody>
       </p:sp>
+      <p:sp>
+        <p:nvSpPr>
+          <p:cNvPr id="11" name="TextBox 10">
+            <a:extLst>
+              <a:ext uri="{FF2B5EF4-FFF2-40B4-BE49-F238E27FC236}">
+                <a16:creationId xmlns:a16="http://schemas.microsoft.com/office/drawing/2014/main" id="{B442B7EF-F0E3-061A-381B-263E5D0739DA}"/>
+              </a:ext>
+            </a:extLst>
+          </p:cNvPr>
+          <p:cNvSpPr txBox="1"/>
+          <p:nvPr/>
+        </p:nvSpPr>
+        <p:spPr>
+          <a:xfrm>
+            <a:off x="2975815" y="11685286"/>
+            <a:ext cx="1438214" cy="369332"/>
+          </a:xfrm>
+          <a:prstGeom prst="rect">
+            <a:avLst/>
+          </a:prstGeom>
+          <a:noFill/>
+        </p:spPr>
+        <p:txBody>
+          <a:bodyPr wrap="none" rtlCol="0">
+            <a:spAutoFit/>
+          </a:bodyPr>
+          <a:lstStyle/>
+          <a:p>
+            <a:r>
+              <a:rPr lang="en-US" dirty="0"/>
+              <a:t>Summability</a:t>
+            </a:r>
+          </a:p>
+        </p:txBody>
+      </p:sp>
     </p:spTree>
     <p:extLst>
       <p:ext uri="{BB962C8B-B14F-4D97-AF65-F5344CB8AC3E}">
@@ -19030,8 +19208,8 @@
           </a:p>
         </p:txBody>
       </p:sp>
-      <mc:AlternateContent xmlns:mc="http://schemas.openxmlformats.org/markup-compatibility/2006">
-        <mc:Choice xmlns:a14="http://schemas.microsoft.com/office/drawing/2010/main" Requires="a14">
+      <mc:AlternateContent xmlns:mc="http://schemas.openxmlformats.org/markup-compatibility/2006" xmlns:a14="http://schemas.microsoft.com/office/drawing/2010/main">
+        <mc:Choice Requires="a14">
           <p:sp>
             <p:nvSpPr>
               <p:cNvPr id="3" name="TextBox 2">
@@ -19060,6 +19238,7 @@
               </a:bodyPr>
               <a:lstStyle/>
               <a:p>
+                <a:pPr/>
                 <a14:m>
                   <m:oMathPara xmlns:m="http://schemas.openxmlformats.org/officeDocument/2006/math">
                     <m:oMathParaPr>
@@ -19520,7 +19699,7 @@
             </p:txBody>
           </p:sp>
         </mc:Choice>
-        <mc:Fallback>
+        <mc:Fallback xmlns="">
           <p:sp>
             <p:nvSpPr>
               <p:cNvPr id="3" name="TextBox 2">
@@ -19600,8 +19779,8 @@
           </a:p>
         </p:txBody>
       </p:sp>
-      <mc:AlternateContent xmlns:mc="http://schemas.openxmlformats.org/markup-compatibility/2006">
-        <mc:Choice xmlns:a14="http://schemas.microsoft.com/office/drawing/2010/main" Requires="a14">
+      <mc:AlternateContent xmlns:mc="http://schemas.openxmlformats.org/markup-compatibility/2006" xmlns:a14="http://schemas.microsoft.com/office/drawing/2010/main">
+        <mc:Choice Requires="a14">
           <p:sp>
             <p:nvSpPr>
               <p:cNvPr id="5" name="TextBox 4">
@@ -19633,6 +19812,7 @@
               </a:bodyPr>
               <a:lstStyle/>
               <a:p>
+                <a:pPr/>
                 <a14:m>
                   <m:oMathPara xmlns:m="http://schemas.openxmlformats.org/officeDocument/2006/math">
                     <m:oMathParaPr>
@@ -19789,7 +19969,7 @@
             </p:txBody>
           </p:sp>
         </mc:Choice>
-        <mc:Fallback>
+        <mc:Fallback xmlns="">
           <p:sp>
             <p:nvSpPr>
               <p:cNvPr id="5" name="TextBox 4">
@@ -19837,8 +20017,8 @@
           </p:sp>
         </mc:Fallback>
       </mc:AlternateContent>
-      <mc:AlternateContent xmlns:mc="http://schemas.openxmlformats.org/markup-compatibility/2006">
-        <mc:Choice xmlns:a14="http://schemas.microsoft.com/office/drawing/2010/main" Requires="a14">
+      <mc:AlternateContent xmlns:mc="http://schemas.openxmlformats.org/markup-compatibility/2006" xmlns:a14="http://schemas.microsoft.com/office/drawing/2010/main">
+        <mc:Choice Requires="a14">
           <p:sp>
             <p:nvSpPr>
               <p:cNvPr id="6" name="TextBox 5">
@@ -19867,6 +20047,7 @@
               </a:bodyPr>
               <a:lstStyle/>
               <a:p>
+                <a:pPr/>
                 <a14:m>
                   <m:oMathPara xmlns:m="http://schemas.openxmlformats.org/officeDocument/2006/math">
                     <m:oMathParaPr>
@@ -20183,7 +20364,7 @@
             </p:txBody>
           </p:sp>
         </mc:Choice>
-        <mc:Fallback>
+        <mc:Fallback xmlns="">
           <p:sp>
             <p:nvSpPr>
               <p:cNvPr id="6" name="TextBox 5">
@@ -20280,7 +20461,7 @@
             <p:spPr>
               <a:xfrm>
                 <a:off x="270600" y="3295120"/>
-                <a:ext cx="4518416" cy="686663"/>
+                <a:ext cx="4838248" cy="686663"/>
               </a:xfrm>
               <a:prstGeom prst="rect">
                 <a:avLst/>
@@ -20293,6 +20474,7 @@
               </a:bodyPr>
               <a:lstStyle/>
               <a:p>
+                <a:pPr/>
                 <a14:m>
                   <m:oMathPara xmlns:m="http://schemas.openxmlformats.org/officeDocument/2006/math">
                     <m:oMathParaPr>
@@ -20302,7 +20484,7 @@
                       <m:sSub>
                         <m:sSubPr>
                           <m:ctrlPr>
-                            <a:rPr lang="en-US" i="1">
+                            <a:rPr lang="en-US" i="1" smtClean="0">
                               <a:latin typeface="Cambria Math" panose="02040503050406030204" pitchFamily="18" charset="0"/>
                             </a:rPr>
                           </m:ctrlPr>
@@ -20727,6 +20909,12 @@
                           </m:sSub>
                         </m:sub>
                       </m:sSub>
+                      <m:r>
+                        <a:rPr lang="en-US" b="0" i="1" smtClean="0">
+                          <a:latin typeface="Cambria Math" panose="02040503050406030204" pitchFamily="18" charset="0"/>
+                        </a:rPr>
+                        <m:t>𝑑𝑃</m:t>
+                      </m:r>
                     </m:oMath>
                   </m:oMathPara>
                 </a14:m>
@@ -20753,7 +20941,7 @@
             <p:spPr>
               <a:xfrm>
                 <a:off x="270600" y="3295120"/>
-                <a:ext cx="4518416" cy="686663"/>
+                <a:ext cx="4838248" cy="686663"/>
               </a:xfrm>
               <a:prstGeom prst="rect">
                 <a:avLst/>
@@ -20851,8 +21039,8 @@
           </a:p>
         </p:txBody>
       </p:sp>
-      <mc:AlternateContent xmlns:mc="http://schemas.openxmlformats.org/markup-compatibility/2006">
-        <mc:Choice xmlns:a14="http://schemas.microsoft.com/office/drawing/2010/main" Requires="a14">
+      <mc:AlternateContent xmlns:mc="http://schemas.openxmlformats.org/markup-compatibility/2006" xmlns:a14="http://schemas.microsoft.com/office/drawing/2010/main">
+        <mc:Choice Requires="a14">
           <p:sp>
             <p:nvSpPr>
               <p:cNvPr id="11" name="TextBox 10">
@@ -21041,7 +21229,7 @@
             </p:txBody>
           </p:sp>
         </mc:Choice>
-        <mc:Fallback>
+        <mc:Fallback xmlns="">
           <p:sp>
             <p:nvSpPr>
               <p:cNvPr id="11" name="TextBox 10">
@@ -21127,8 +21315,8 @@
           </a:fontRef>
         </p:style>
       </p:cxnSp>
-      <mc:AlternateContent xmlns:mc="http://schemas.openxmlformats.org/markup-compatibility/2006">
-        <mc:Choice xmlns:a14="http://schemas.microsoft.com/office/drawing/2010/main" Requires="a14">
+      <mc:AlternateContent xmlns:mc="http://schemas.openxmlformats.org/markup-compatibility/2006" xmlns:a14="http://schemas.microsoft.com/office/drawing/2010/main">
+        <mc:Choice Requires="a14">
           <p:sp>
             <p:nvSpPr>
               <p:cNvPr id="14" name="TextBox 13">
@@ -21157,6 +21345,7 @@
               </a:bodyPr>
               <a:lstStyle/>
               <a:p>
+                <a:pPr/>
                 <a14:m>
                   <m:oMathPara xmlns:m="http://schemas.openxmlformats.org/officeDocument/2006/math">
                     <m:oMathParaPr>
@@ -21270,7 +21459,7 @@
             </p:txBody>
           </p:sp>
         </mc:Choice>
-        <mc:Fallback>
+        <mc:Fallback xmlns="">
           <p:sp>
             <p:nvSpPr>
               <p:cNvPr id="14" name="TextBox 13">
@@ -21385,8 +21574,8 @@
           </a:p>
         </p:txBody>
       </p:sp>
-      <mc:AlternateContent xmlns:mc="http://schemas.openxmlformats.org/markup-compatibility/2006">
-        <mc:Choice xmlns:a14="http://schemas.microsoft.com/office/drawing/2010/main" Requires="a14">
+      <mc:AlternateContent xmlns:mc="http://schemas.openxmlformats.org/markup-compatibility/2006" xmlns:a14="http://schemas.microsoft.com/office/drawing/2010/main">
+        <mc:Choice Requires="a14">
           <p:sp>
             <p:nvSpPr>
               <p:cNvPr id="19" name="TextBox 18">
@@ -21465,7 +21654,7 @@
             </p:txBody>
           </p:sp>
         </mc:Choice>
-        <mc:Fallback>
+        <mc:Fallback xmlns="">
           <p:sp>
             <p:nvSpPr>
               <p:cNvPr id="19" name="TextBox 18">
@@ -21510,8 +21699,8 @@
           </p:sp>
         </mc:Fallback>
       </mc:AlternateContent>
-      <mc:AlternateContent xmlns:mc="http://schemas.openxmlformats.org/markup-compatibility/2006">
-        <mc:Choice xmlns:a14="http://schemas.microsoft.com/office/drawing/2010/main" Requires="a14">
+      <mc:AlternateContent xmlns:mc="http://schemas.openxmlformats.org/markup-compatibility/2006" xmlns:a14="http://schemas.microsoft.com/office/drawing/2010/main">
+        <mc:Choice Requires="a14">
           <p:sp>
             <p:nvSpPr>
               <p:cNvPr id="20" name="TextBox 19">
@@ -21543,6 +21732,7 @@
               </a:bodyPr>
               <a:lstStyle/>
               <a:p>
+                <a:pPr/>
                 <a14:m>
                   <m:oMathPara xmlns:m="http://schemas.openxmlformats.org/officeDocument/2006/math">
                     <m:oMathParaPr>
@@ -21699,7 +21889,7 @@
             </p:txBody>
           </p:sp>
         </mc:Choice>
-        <mc:Fallback>
+        <mc:Fallback xmlns="">
           <p:sp>
             <p:nvSpPr>
               <p:cNvPr id="20" name="TextBox 19">
@@ -21747,8 +21937,8 @@
           </p:sp>
         </mc:Fallback>
       </mc:AlternateContent>
-      <mc:AlternateContent xmlns:mc="http://schemas.openxmlformats.org/markup-compatibility/2006">
-        <mc:Choice xmlns:a14="http://schemas.microsoft.com/office/drawing/2010/main" Requires="a14">
+      <mc:AlternateContent xmlns:mc="http://schemas.openxmlformats.org/markup-compatibility/2006" xmlns:a14="http://schemas.microsoft.com/office/drawing/2010/main">
+        <mc:Choice Requires="a14">
           <p:sp>
             <p:nvSpPr>
               <p:cNvPr id="21" name="TextBox 20">
@@ -21777,6 +21967,7 @@
               </a:bodyPr>
               <a:lstStyle/>
               <a:p>
+                <a:pPr/>
                 <a14:m>
                   <m:oMathPara xmlns:m="http://schemas.openxmlformats.org/officeDocument/2006/math">
                     <m:oMathParaPr>
@@ -21945,7 +22136,7 @@
             </p:txBody>
           </p:sp>
         </mc:Choice>
-        <mc:Fallback>
+        <mc:Fallback xmlns="">
           <p:sp>
             <p:nvSpPr>
               <p:cNvPr id="21" name="TextBox 20">
@@ -21990,8 +22181,8 @@
           </p:sp>
         </mc:Fallback>
       </mc:AlternateContent>
-      <mc:AlternateContent xmlns:mc="http://schemas.openxmlformats.org/markup-compatibility/2006">
-        <mc:Choice xmlns:a14="http://schemas.microsoft.com/office/drawing/2010/main" Requires="a14">
+      <mc:AlternateContent xmlns:mc="http://schemas.openxmlformats.org/markup-compatibility/2006" xmlns:a14="http://schemas.microsoft.com/office/drawing/2010/main">
+        <mc:Choice Requires="a14">
           <p:sp>
             <p:nvSpPr>
               <p:cNvPr id="22" name="TextBox 21">
@@ -22180,7 +22371,7 @@
             </p:txBody>
           </p:sp>
         </mc:Choice>
-        <mc:Fallback>
+        <mc:Fallback xmlns="">
           <p:sp>
             <p:nvSpPr>
               <p:cNvPr id="22" name="TextBox 21">
@@ -22309,8 +22500,8 @@
           </a:fontRef>
         </p:style>
       </p:cxnSp>
-      <mc:AlternateContent xmlns:mc="http://schemas.openxmlformats.org/markup-compatibility/2006">
-        <mc:Choice xmlns:a14="http://schemas.microsoft.com/office/drawing/2010/main" Requires="a14">
+      <mc:AlternateContent xmlns:mc="http://schemas.openxmlformats.org/markup-compatibility/2006" xmlns:a14="http://schemas.microsoft.com/office/drawing/2010/main">
+        <mc:Choice Requires="a14">
           <p:sp>
             <p:nvSpPr>
               <p:cNvPr id="29" name="TextBox 28">
@@ -22339,6 +22530,7 @@
               </a:bodyPr>
               <a:lstStyle/>
               <a:p>
+                <a:pPr/>
                 <a14:m>
                   <m:oMathPara xmlns:m="http://schemas.openxmlformats.org/officeDocument/2006/math">
                     <m:oMathParaPr>
@@ -22415,7 +22607,7 @@
             </p:txBody>
           </p:sp>
         </mc:Choice>
-        <mc:Fallback>
+        <mc:Fallback xmlns="">
           <p:sp>
             <p:nvSpPr>
               <p:cNvPr id="29" name="TextBox 28">
@@ -22460,8 +22652,8 @@
           </p:sp>
         </mc:Fallback>
       </mc:AlternateContent>
-      <mc:AlternateContent xmlns:mc="http://schemas.openxmlformats.org/markup-compatibility/2006">
-        <mc:Choice xmlns:a14="http://schemas.microsoft.com/office/drawing/2010/main" Requires="a14">
+      <mc:AlternateContent xmlns:mc="http://schemas.openxmlformats.org/markup-compatibility/2006" xmlns:a14="http://schemas.microsoft.com/office/drawing/2010/main">
+        <mc:Choice Requires="a14">
           <p:sp>
             <p:nvSpPr>
               <p:cNvPr id="30" name="TextBox 29">
@@ -22490,6 +22682,7 @@
               </a:bodyPr>
               <a:lstStyle/>
               <a:p>
+                <a:pPr/>
                 <a14:m>
                   <m:oMathPara xmlns:m="http://schemas.openxmlformats.org/officeDocument/2006/math">
                     <m:oMathParaPr>
@@ -22572,7 +22765,7 @@
             </p:txBody>
           </p:sp>
         </mc:Choice>
-        <mc:Fallback>
+        <mc:Fallback xmlns="">
           <p:sp>
             <p:nvSpPr>
               <p:cNvPr id="30" name="TextBox 29">
@@ -22656,8 +22849,8 @@
           </a:fontRef>
         </p:style>
       </p:cxnSp>
-      <mc:AlternateContent xmlns:mc="http://schemas.openxmlformats.org/markup-compatibility/2006">
-        <mc:Choice xmlns:a14="http://schemas.microsoft.com/office/drawing/2010/main" Requires="a14">
+      <mc:AlternateContent xmlns:mc="http://schemas.openxmlformats.org/markup-compatibility/2006" xmlns:a14="http://schemas.microsoft.com/office/drawing/2010/main">
+        <mc:Choice Requires="a14">
           <p:sp>
             <p:nvSpPr>
               <p:cNvPr id="33" name="TextBox 32">
@@ -22686,6 +22879,7 @@
               </a:bodyPr>
               <a:lstStyle/>
               <a:p>
+                <a:pPr/>
                 <a14:m>
                   <m:oMathPara xmlns:m="http://schemas.openxmlformats.org/officeDocument/2006/math">
                     <m:oMathParaPr>
@@ -22834,7 +23028,7 @@
             </p:txBody>
           </p:sp>
         </mc:Choice>
-        <mc:Fallback>
+        <mc:Fallback xmlns="">
           <p:sp>
             <p:nvSpPr>
               <p:cNvPr id="33" name="TextBox 32">
@@ -22879,8 +23073,8 @@
           </p:sp>
         </mc:Fallback>
       </mc:AlternateContent>
-      <mc:AlternateContent xmlns:mc="http://schemas.openxmlformats.org/markup-compatibility/2006">
-        <mc:Choice xmlns:a14="http://schemas.microsoft.com/office/drawing/2010/main" Requires="a14">
+      <mc:AlternateContent xmlns:mc="http://schemas.openxmlformats.org/markup-compatibility/2006" xmlns:a14="http://schemas.microsoft.com/office/drawing/2010/main">
+        <mc:Choice Requires="a14">
           <p:sp>
             <p:nvSpPr>
               <p:cNvPr id="34" name="TextBox 33">
@@ -22909,6 +23103,7 @@
               </a:bodyPr>
               <a:lstStyle/>
               <a:p>
+                <a:pPr/>
                 <a14:m>
                   <m:oMathPara xmlns:m="http://schemas.openxmlformats.org/officeDocument/2006/math">
                     <m:oMathParaPr>
@@ -23059,7 +23254,7 @@
             </p:txBody>
           </p:sp>
         </mc:Choice>
-        <mc:Fallback>
+        <mc:Fallback xmlns="">
           <p:sp>
             <p:nvSpPr>
               <p:cNvPr id="34" name="TextBox 33">
@@ -23104,6 +23299,42 @@
           </p:sp>
         </mc:Fallback>
       </mc:AlternateContent>
+      <p:sp>
+        <p:nvSpPr>
+          <p:cNvPr id="12" name="TextBox 11">
+            <a:extLst>
+              <a:ext uri="{FF2B5EF4-FFF2-40B4-BE49-F238E27FC236}">
+                <a16:creationId xmlns:a16="http://schemas.microsoft.com/office/drawing/2014/main" id="{68BD51F9-695A-4A49-B45F-001524CE3D75}"/>
+              </a:ext>
+            </a:extLst>
+          </p:cNvPr>
+          <p:cNvSpPr txBox="1"/>
+          <p:nvPr/>
+        </p:nvSpPr>
+        <p:spPr>
+          <a:xfrm>
+            <a:off x="5354559" y="4281565"/>
+            <a:ext cx="3332241" cy="923330"/>
+          </a:xfrm>
+          <a:prstGeom prst="rect">
+            <a:avLst/>
+          </a:prstGeom>
+          <a:noFill/>
+        </p:spPr>
+        <p:txBody>
+          <a:bodyPr wrap="square" rtlCol="0">
+            <a:spAutoFit/>
+          </a:bodyPr>
+          <a:lstStyle/>
+          <a:p>
+            <a:pPr algn="ctr"/>
+            <a:r>
+              <a:rPr lang="en-US" dirty="0"/>
+              <a:t>You can use this as a consistency check for set of partial molar equations</a:t>
+            </a:r>
+          </a:p>
+        </p:txBody>
+      </p:sp>
     </p:spTree>
     <p:extLst>
       <p:ext uri="{BB962C8B-B14F-4D97-AF65-F5344CB8AC3E}">
@@ -23254,8 +23485,8 @@
           </a:prstGeom>
         </p:spPr>
       </p:pic>
-      <mc:AlternateContent xmlns:mc="http://schemas.openxmlformats.org/markup-compatibility/2006">
-        <mc:Choice xmlns:a14="http://schemas.microsoft.com/office/drawing/2010/main" Requires="a14">
+      <mc:AlternateContent xmlns:mc="http://schemas.openxmlformats.org/markup-compatibility/2006" xmlns:a14="http://schemas.microsoft.com/office/drawing/2010/main">
+        <mc:Choice Requires="a14">
           <p:sp>
             <p:nvSpPr>
               <p:cNvPr id="12" name="TextBox 11">
@@ -23345,7 +23576,7 @@
             </p:txBody>
           </p:sp>
         </mc:Choice>
-        <mc:Fallback>
+        <mc:Fallback xmlns="">
           <p:sp>
             <p:nvSpPr>
               <p:cNvPr id="12" name="TextBox 11">
@@ -23618,6 +23849,714 @@
 </p:sld>
 </file>
 
+<file path=ppt/slides/slide19.xml><?xml version="1.0" encoding="utf-8"?>
+<p:sld xmlns:a="http://schemas.openxmlformats.org/drawingml/2006/main" xmlns:r="http://schemas.openxmlformats.org/officeDocument/2006/relationships" xmlns:p="http://schemas.openxmlformats.org/presentationml/2006/main">
+  <p:cSld>
+    <p:spTree>
+      <p:nvGrpSpPr>
+        <p:cNvPr id="1" name=""/>
+        <p:cNvGrpSpPr/>
+        <p:nvPr/>
+      </p:nvGrpSpPr>
+      <p:grpSpPr>
+        <a:xfrm>
+          <a:off x="0" y="0"/>
+          <a:ext cx="0" cy="0"/>
+          <a:chOff x="0" y="0"/>
+          <a:chExt cx="0" cy="0"/>
+        </a:xfrm>
+      </p:grpSpPr>
+      <p:pic>
+        <p:nvPicPr>
+          <p:cNvPr id="3" name="Picture 2">
+            <a:extLst>
+              <a:ext uri="{FF2B5EF4-FFF2-40B4-BE49-F238E27FC236}">
+                <a16:creationId xmlns:a16="http://schemas.microsoft.com/office/drawing/2014/main" id="{F7CA9001-19B2-A6BA-9468-FDE3F6F8D8AA}"/>
+              </a:ext>
+            </a:extLst>
+          </p:cNvPr>
+          <p:cNvPicPr>
+            <a:picLocks noChangeAspect="1"/>
+          </p:cNvPicPr>
+          <p:nvPr/>
+        </p:nvPicPr>
+        <p:blipFill>
+          <a:blip r:embed="rId2"/>
+          <a:stretch>
+            <a:fillRect/>
+          </a:stretch>
+        </p:blipFill>
+        <p:spPr>
+          <a:xfrm>
+            <a:off x="1262784" y="461665"/>
+            <a:ext cx="5352340" cy="985510"/>
+          </a:xfrm>
+          <a:prstGeom prst="rect">
+            <a:avLst/>
+          </a:prstGeom>
+        </p:spPr>
+      </p:pic>
+      <p:sp>
+        <p:nvSpPr>
+          <p:cNvPr id="4" name="TextBox 3">
+            <a:extLst>
+              <a:ext uri="{FF2B5EF4-FFF2-40B4-BE49-F238E27FC236}">
+                <a16:creationId xmlns:a16="http://schemas.microsoft.com/office/drawing/2014/main" id="{257E4675-E2DA-5FA0-8A92-8CFA4B3B7DCE}"/>
+              </a:ext>
+            </a:extLst>
+          </p:cNvPr>
+          <p:cNvSpPr txBox="1"/>
+          <p:nvPr/>
+        </p:nvSpPr>
+        <p:spPr>
+          <a:xfrm>
+            <a:off x="0" y="0"/>
+            <a:ext cx="4759316" cy="461665"/>
+          </a:xfrm>
+          <a:prstGeom prst="rect">
+            <a:avLst/>
+          </a:prstGeom>
+          <a:noFill/>
+        </p:spPr>
+        <p:txBody>
+          <a:bodyPr wrap="none" rtlCol="0">
+            <a:spAutoFit/>
+          </a:bodyPr>
+          <a:lstStyle/>
+          <a:p>
+            <a:r>
+              <a:rPr lang="en-US" sz="2400" dirty="0"/>
+              <a:t>Relations among partial Properties</a:t>
+            </a:r>
+          </a:p>
+        </p:txBody>
+      </p:sp>
+      <p:pic>
+        <p:nvPicPr>
+          <p:cNvPr id="6" name="Picture 5">
+            <a:extLst>
+              <a:ext uri="{FF2B5EF4-FFF2-40B4-BE49-F238E27FC236}">
+                <a16:creationId xmlns:a16="http://schemas.microsoft.com/office/drawing/2014/main" id="{C84686D2-5C9D-AC61-A765-4C9A9749C4EF}"/>
+              </a:ext>
+            </a:extLst>
+          </p:cNvPr>
+          <p:cNvPicPr>
+            <a:picLocks noChangeAspect="1"/>
+          </p:cNvPicPr>
+          <p:nvPr/>
+        </p:nvPicPr>
+        <p:blipFill>
+          <a:blip r:embed="rId3"/>
+          <a:stretch>
+            <a:fillRect/>
+          </a:stretch>
+        </p:blipFill>
+        <p:spPr>
+          <a:xfrm>
+            <a:off x="6386837" y="1447175"/>
+            <a:ext cx="963531" cy="543930"/>
+          </a:xfrm>
+          <a:prstGeom prst="rect">
+            <a:avLst/>
+          </a:prstGeom>
+        </p:spPr>
+      </p:pic>
+      <p:cxnSp>
+        <p:nvCxnSpPr>
+          <p:cNvPr id="8" name="Straight Arrow Connector 7">
+            <a:extLst>
+              <a:ext uri="{FF2B5EF4-FFF2-40B4-BE49-F238E27FC236}">
+                <a16:creationId xmlns:a16="http://schemas.microsoft.com/office/drawing/2014/main" id="{FF470035-86AC-69CF-9544-F9566A611782}"/>
+              </a:ext>
+            </a:extLst>
+          </p:cNvPr>
+          <p:cNvCxnSpPr>
+            <a:stCxn id="6" idx="1"/>
+          </p:cNvCxnSpPr>
+          <p:nvPr/>
+        </p:nvCxnSpPr>
+        <p:spPr>
+          <a:xfrm flipH="1" flipV="1">
+            <a:off x="5802923" y="1178169"/>
+            <a:ext cx="583914" cy="540971"/>
+          </a:xfrm>
+          <a:prstGeom prst="straightConnector1">
+            <a:avLst/>
+          </a:prstGeom>
+          <a:ln>
+            <a:tailEnd type="triangle"/>
+          </a:ln>
+        </p:spPr>
+        <p:style>
+          <a:lnRef idx="2">
+            <a:schemeClr val="accent1"/>
+          </a:lnRef>
+          <a:fillRef idx="0">
+            <a:schemeClr val="accent1"/>
+          </a:fillRef>
+          <a:effectRef idx="1">
+            <a:schemeClr val="accent1"/>
+          </a:effectRef>
+          <a:fontRef idx="minor">
+            <a:schemeClr val="tx1"/>
+          </a:fontRef>
+        </p:style>
+      </p:cxnSp>
+      <p:sp>
+        <p:nvSpPr>
+          <p:cNvPr id="9" name="TextBox 8">
+            <a:extLst>
+              <a:ext uri="{FF2B5EF4-FFF2-40B4-BE49-F238E27FC236}">
+                <a16:creationId xmlns:a16="http://schemas.microsoft.com/office/drawing/2014/main" id="{987941FA-DF9A-E944-647A-047D2A5EFEEF}"/>
+              </a:ext>
+            </a:extLst>
+          </p:cNvPr>
+          <p:cNvSpPr txBox="1"/>
+          <p:nvPr/>
+        </p:nvSpPr>
+        <p:spPr>
+          <a:xfrm>
+            <a:off x="13445" y="1739002"/>
+            <a:ext cx="8099205" cy="3416320"/>
+          </a:xfrm>
+          <a:prstGeom prst="rect">
+            <a:avLst/>
+          </a:prstGeom>
+          <a:noFill/>
+        </p:spPr>
+        <p:txBody>
+          <a:bodyPr wrap="none" rtlCol="0">
+            <a:spAutoFit/>
+          </a:bodyPr>
+          <a:lstStyle/>
+          <a:p>
+            <a:r>
+              <a:rPr lang="en-US" dirty="0"/>
+              <a:t>We can use Maxwell’s relations to create some connections</a:t>
+            </a:r>
+          </a:p>
+          <a:p>
+            <a:pPr marL="285750" indent="-285750">
+              <a:buFont typeface="Arial" panose="020B0604020202020204" pitchFamily="34" charset="0"/>
+              <a:buChar char="•"/>
+            </a:pPr>
+            <a:r>
+              <a:rPr lang="en-US" dirty="0"/>
+              <a:t>Just like we did in chapter 6 by selecting T and P, we can select T or P and n</a:t>
+            </a:r>
+          </a:p>
+          <a:p>
+            <a:pPr marL="285750" indent="-285750">
+              <a:buFont typeface="Arial" panose="020B0604020202020204" pitchFamily="34" charset="0"/>
+              <a:buChar char="•"/>
+            </a:pPr>
+            <a:endParaRPr lang="en-US" dirty="0"/>
+          </a:p>
+          <a:p>
+            <a:pPr marL="285750" indent="-285750">
+              <a:buFont typeface="Arial" panose="020B0604020202020204" pitchFamily="34" charset="0"/>
+              <a:buChar char="•"/>
+            </a:pPr>
+            <a:endParaRPr lang="en-US" dirty="0"/>
+          </a:p>
+          <a:p>
+            <a:pPr marL="285750" indent="-285750">
+              <a:buFont typeface="Arial" panose="020B0604020202020204" pitchFamily="34" charset="0"/>
+              <a:buChar char="•"/>
+            </a:pPr>
+            <a:endParaRPr lang="en-US" dirty="0"/>
+          </a:p>
+          <a:p>
+            <a:pPr marL="285750" indent="-285750">
+              <a:buFont typeface="Arial" panose="020B0604020202020204" pitchFamily="34" charset="0"/>
+              <a:buChar char="•"/>
+            </a:pPr>
+            <a:endParaRPr lang="en-US" dirty="0"/>
+          </a:p>
+          <a:p>
+            <a:pPr marL="285750" indent="-285750">
+              <a:buFont typeface="Arial" panose="020B0604020202020204" pitchFamily="34" charset="0"/>
+              <a:buChar char="•"/>
+            </a:pPr>
+            <a:r>
+              <a:rPr lang="en-US" dirty="0"/>
+              <a:t>This gives us relations of partial Gibbs free energy and other partial properties</a:t>
+            </a:r>
+          </a:p>
+          <a:p>
+            <a:pPr marL="285750" indent="-285750">
+              <a:buFont typeface="Arial" panose="020B0604020202020204" pitchFamily="34" charset="0"/>
+              <a:buChar char="•"/>
+            </a:pPr>
+            <a:endParaRPr lang="en-US" dirty="0"/>
+          </a:p>
+          <a:p>
+            <a:pPr marL="285750" indent="-285750">
+              <a:buFont typeface="Arial" panose="020B0604020202020204" pitchFamily="34" charset="0"/>
+              <a:buChar char="•"/>
+            </a:pPr>
+            <a:endParaRPr lang="en-US" dirty="0"/>
+          </a:p>
+          <a:p>
+            <a:pPr marL="285750" indent="-285750">
+              <a:buFont typeface="Arial" panose="020B0604020202020204" pitchFamily="34" charset="0"/>
+              <a:buChar char="•"/>
+            </a:pPr>
+            <a:endParaRPr lang="en-US" dirty="0"/>
+          </a:p>
+          <a:p>
+            <a:pPr marL="285750" indent="-285750">
+              <a:buFont typeface="Arial" panose="020B0604020202020204" pitchFamily="34" charset="0"/>
+              <a:buChar char="•"/>
+            </a:pPr>
+            <a:endParaRPr lang="en-US" dirty="0"/>
+          </a:p>
+          <a:p>
+            <a:pPr marL="285750" indent="-285750">
+              <a:buFont typeface="Arial" panose="020B0604020202020204" pitchFamily="34" charset="0"/>
+              <a:buChar char="•"/>
+            </a:pPr>
+            <a:r>
+              <a:rPr lang="en-US" dirty="0"/>
+              <a:t>And for Gibbs free energy with changes of T and P…</a:t>
+            </a:r>
+          </a:p>
+        </p:txBody>
+      </p:sp>
+      <p:pic>
+        <p:nvPicPr>
+          <p:cNvPr id="11" name="Picture 10">
+            <a:extLst>
+              <a:ext uri="{FF2B5EF4-FFF2-40B4-BE49-F238E27FC236}">
+                <a16:creationId xmlns:a16="http://schemas.microsoft.com/office/drawing/2014/main" id="{33F55B0E-FC5F-496B-A0EC-BF9963DFC3AA}"/>
+              </a:ext>
+            </a:extLst>
+          </p:cNvPr>
+          <p:cNvPicPr>
+            <a:picLocks noChangeAspect="1"/>
+          </p:cNvPicPr>
+          <p:nvPr/>
+        </p:nvPicPr>
+        <p:blipFill>
+          <a:blip r:embed="rId4"/>
+          <a:stretch>
+            <a:fillRect/>
+          </a:stretch>
+        </p:blipFill>
+        <p:spPr>
+          <a:xfrm>
+            <a:off x="1651906" y="2449810"/>
+            <a:ext cx="4963218" cy="828791"/>
+          </a:xfrm>
+          <a:prstGeom prst="rect">
+            <a:avLst/>
+          </a:prstGeom>
+        </p:spPr>
+      </p:pic>
+      <p:pic>
+        <p:nvPicPr>
+          <p:cNvPr id="13" name="Picture 12">
+            <a:extLst>
+              <a:ext uri="{FF2B5EF4-FFF2-40B4-BE49-F238E27FC236}">
+                <a16:creationId xmlns:a16="http://schemas.microsoft.com/office/drawing/2014/main" id="{1C10B503-9883-988B-8FF9-D6C9AA939C0F}"/>
+              </a:ext>
+            </a:extLst>
+          </p:cNvPr>
+          <p:cNvPicPr>
+            <a:picLocks noChangeAspect="1"/>
+          </p:cNvPicPr>
+          <p:nvPr/>
+        </p:nvPicPr>
+        <p:blipFill>
+          <a:blip r:embed="rId5"/>
+          <a:stretch>
+            <a:fillRect/>
+          </a:stretch>
+        </p:blipFill>
+        <p:spPr>
+          <a:xfrm>
+            <a:off x="1651906" y="3890847"/>
+            <a:ext cx="5191850" cy="676369"/>
+          </a:xfrm>
+          <a:prstGeom prst="rect">
+            <a:avLst/>
+          </a:prstGeom>
+        </p:spPr>
+      </p:pic>
+      <p:pic>
+        <p:nvPicPr>
+          <p:cNvPr id="15" name="Picture 14">
+            <a:extLst>
+              <a:ext uri="{FF2B5EF4-FFF2-40B4-BE49-F238E27FC236}">
+                <a16:creationId xmlns:a16="http://schemas.microsoft.com/office/drawing/2014/main" id="{04ECAA6D-2A6C-6081-4FD5-9679274D25C6}"/>
+              </a:ext>
+            </a:extLst>
+          </p:cNvPr>
+          <p:cNvPicPr>
+            <a:picLocks noChangeAspect="1"/>
+          </p:cNvPicPr>
+          <p:nvPr/>
+        </p:nvPicPr>
+        <p:blipFill>
+          <a:blip r:embed="rId6"/>
+          <a:stretch>
+            <a:fillRect/>
+          </a:stretch>
+        </p:blipFill>
+        <p:spPr>
+          <a:xfrm>
+            <a:off x="2628355" y="5239661"/>
+            <a:ext cx="3238952" cy="876422"/>
+          </a:xfrm>
+          <a:prstGeom prst="rect">
+            <a:avLst/>
+          </a:prstGeom>
+        </p:spPr>
+      </p:pic>
+      <p:pic>
+        <p:nvPicPr>
+          <p:cNvPr id="17" name="Picture 16">
+            <a:extLst>
+              <a:ext uri="{FF2B5EF4-FFF2-40B4-BE49-F238E27FC236}">
+                <a16:creationId xmlns:a16="http://schemas.microsoft.com/office/drawing/2014/main" id="{9D3D4079-B5EC-AA66-B0EE-C57ACCAF69B5}"/>
+              </a:ext>
+            </a:extLst>
+          </p:cNvPr>
+          <p:cNvPicPr>
+            <a:picLocks noChangeAspect="1"/>
+          </p:cNvPicPr>
+          <p:nvPr/>
+        </p:nvPicPr>
+        <p:blipFill>
+          <a:blip r:embed="rId7"/>
+          <a:stretch>
+            <a:fillRect/>
+          </a:stretch>
+        </p:blipFill>
+        <p:spPr>
+          <a:xfrm>
+            <a:off x="3399987" y="6060990"/>
+            <a:ext cx="1695687" cy="400106"/>
+          </a:xfrm>
+          <a:prstGeom prst="rect">
+            <a:avLst/>
+          </a:prstGeom>
+        </p:spPr>
+      </p:pic>
+      <p:pic>
+        <p:nvPicPr>
+          <p:cNvPr id="20" name="Picture 19">
+            <a:extLst>
+              <a:ext uri="{FF2B5EF4-FFF2-40B4-BE49-F238E27FC236}">
+                <a16:creationId xmlns:a16="http://schemas.microsoft.com/office/drawing/2014/main" id="{9B6208F2-589B-65AF-2EDF-120D104F4E46}"/>
+              </a:ext>
+            </a:extLst>
+          </p:cNvPr>
+          <p:cNvPicPr>
+            <a:picLocks noChangeAspect="1"/>
+          </p:cNvPicPr>
+          <p:nvPr/>
+        </p:nvPicPr>
+        <p:blipFill>
+          <a:blip r:embed="rId8"/>
+          <a:stretch>
+            <a:fillRect/>
+          </a:stretch>
+        </p:blipFill>
+        <p:spPr>
+          <a:xfrm>
+            <a:off x="13445" y="6571426"/>
+            <a:ext cx="8686800" cy="427966"/>
+          </a:xfrm>
+          <a:prstGeom prst="rect">
+            <a:avLst/>
+          </a:prstGeom>
+        </p:spPr>
+      </p:pic>
+      <p:pic>
+        <p:nvPicPr>
+          <p:cNvPr id="22" name="Picture 21">
+            <a:extLst>
+              <a:ext uri="{FF2B5EF4-FFF2-40B4-BE49-F238E27FC236}">
+                <a16:creationId xmlns:a16="http://schemas.microsoft.com/office/drawing/2014/main" id="{59926170-DB1C-877B-E9DA-B71AFF596A9C}"/>
+              </a:ext>
+            </a:extLst>
+          </p:cNvPr>
+          <p:cNvPicPr>
+            <a:picLocks noChangeAspect="1"/>
+          </p:cNvPicPr>
+          <p:nvPr/>
+        </p:nvPicPr>
+        <p:blipFill>
+          <a:blip r:embed="rId9"/>
+          <a:stretch>
+            <a:fillRect/>
+          </a:stretch>
+        </p:blipFill>
+        <p:spPr>
+          <a:xfrm>
+            <a:off x="3728952" y="7183234"/>
+            <a:ext cx="1228896" cy="543001"/>
+          </a:xfrm>
+          <a:prstGeom prst="rect">
+            <a:avLst/>
+          </a:prstGeom>
+        </p:spPr>
+      </p:pic>
+      <p:sp>
+        <p:nvSpPr>
+          <p:cNvPr id="23" name="TextBox 22">
+            <a:extLst>
+              <a:ext uri="{FF2B5EF4-FFF2-40B4-BE49-F238E27FC236}">
+                <a16:creationId xmlns:a16="http://schemas.microsoft.com/office/drawing/2014/main" id="{C71AB65B-AE98-C9B2-A414-E99F32B3E5C6}"/>
+              </a:ext>
+            </a:extLst>
+          </p:cNvPr>
+          <p:cNvSpPr txBox="1"/>
+          <p:nvPr/>
+        </p:nvSpPr>
+        <p:spPr>
+          <a:xfrm>
+            <a:off x="0" y="7877200"/>
+            <a:ext cx="3394455" cy="461665"/>
+          </a:xfrm>
+          <a:prstGeom prst="rect">
+            <a:avLst/>
+          </a:prstGeom>
+          <a:noFill/>
+        </p:spPr>
+        <p:txBody>
+          <a:bodyPr wrap="none" rtlCol="0">
+            <a:spAutoFit/>
+          </a:bodyPr>
+          <a:lstStyle/>
+          <a:p>
+            <a:r>
+              <a:rPr lang="en-US" sz="2400" dirty="0"/>
+              <a:t>Ideal Gas Mixture model</a:t>
+            </a:r>
+          </a:p>
+        </p:txBody>
+      </p:sp>
+      <p:pic>
+        <p:nvPicPr>
+          <p:cNvPr id="25" name="Picture 24">
+            <a:extLst>
+              <a:ext uri="{FF2B5EF4-FFF2-40B4-BE49-F238E27FC236}">
+                <a16:creationId xmlns:a16="http://schemas.microsoft.com/office/drawing/2014/main" id="{45215B0F-9DEE-A555-96D3-5767DD7BEB71}"/>
+              </a:ext>
+            </a:extLst>
+          </p:cNvPr>
+          <p:cNvPicPr>
+            <a:picLocks noChangeAspect="1"/>
+          </p:cNvPicPr>
+          <p:nvPr/>
+        </p:nvPicPr>
+        <p:blipFill>
+          <a:blip r:embed="rId10"/>
+          <a:stretch>
+            <a:fillRect/>
+          </a:stretch>
+        </p:blipFill>
+        <p:spPr>
+          <a:xfrm>
+            <a:off x="196035" y="8338865"/>
+            <a:ext cx="7990575" cy="1311061"/>
+          </a:xfrm>
+          <a:prstGeom prst="rect">
+            <a:avLst/>
+          </a:prstGeom>
+        </p:spPr>
+      </p:pic>
+      <p:cxnSp>
+        <p:nvCxnSpPr>
+          <p:cNvPr id="27" name="Straight Arrow Connector 26">
+            <a:extLst>
+              <a:ext uri="{FF2B5EF4-FFF2-40B4-BE49-F238E27FC236}">
+                <a16:creationId xmlns:a16="http://schemas.microsoft.com/office/drawing/2014/main" id="{3F52D598-6EEE-BD5C-0D36-826D530390A4}"/>
+              </a:ext>
+            </a:extLst>
+          </p:cNvPr>
+          <p:cNvCxnSpPr>
+            <a:cxnSpLocks/>
+          </p:cNvCxnSpPr>
+          <p:nvPr/>
+        </p:nvCxnSpPr>
+        <p:spPr>
+          <a:xfrm flipV="1">
+            <a:off x="6615124" y="9337431"/>
+            <a:ext cx="0" cy="312495"/>
+          </a:xfrm>
+          <a:prstGeom prst="straightConnector1">
+            <a:avLst/>
+          </a:prstGeom>
+          <a:ln>
+            <a:tailEnd type="triangle"/>
+          </a:ln>
+        </p:spPr>
+        <p:style>
+          <a:lnRef idx="2">
+            <a:schemeClr val="accent1"/>
+          </a:lnRef>
+          <a:fillRef idx="0">
+            <a:schemeClr val="accent1"/>
+          </a:fillRef>
+          <a:effectRef idx="1">
+            <a:schemeClr val="accent1"/>
+          </a:effectRef>
+          <a:fontRef idx="minor">
+            <a:schemeClr val="tx1"/>
+          </a:fontRef>
+        </p:style>
+      </p:cxnSp>
+      <p:sp>
+        <p:nvSpPr>
+          <p:cNvPr id="29" name="TextBox 28">
+            <a:extLst>
+              <a:ext uri="{FF2B5EF4-FFF2-40B4-BE49-F238E27FC236}">
+                <a16:creationId xmlns:a16="http://schemas.microsoft.com/office/drawing/2014/main" id="{BCA9FB1D-5C1E-28C5-55E3-24B36CFE0633}"/>
+              </a:ext>
+            </a:extLst>
+          </p:cNvPr>
+          <p:cNvSpPr txBox="1"/>
+          <p:nvPr/>
+        </p:nvSpPr>
+        <p:spPr>
+          <a:xfrm>
+            <a:off x="3595070" y="9649926"/>
+            <a:ext cx="4999619" cy="923330"/>
+          </a:xfrm>
+          <a:prstGeom prst="rect">
+            <a:avLst/>
+          </a:prstGeom>
+          <a:noFill/>
+        </p:spPr>
+        <p:txBody>
+          <a:bodyPr wrap="square" rtlCol="0">
+            <a:spAutoFit/>
+          </a:bodyPr>
+          <a:lstStyle/>
+          <a:p>
+            <a:r>
+              <a:rPr lang="en-US" dirty="0"/>
+              <a:t>Equals 1, because you are holding other mole quantities constant, so changes in the total moles equal changes in the wanted moles</a:t>
+            </a:r>
+          </a:p>
+        </p:txBody>
+      </p:sp>
+      <p:sp>
+        <p:nvSpPr>
+          <p:cNvPr id="31" name="TextBox 30">
+            <a:extLst>
+              <a:ext uri="{FF2B5EF4-FFF2-40B4-BE49-F238E27FC236}">
+                <a16:creationId xmlns:a16="http://schemas.microsoft.com/office/drawing/2014/main" id="{7EB9C0AD-A45B-0BBA-27CD-947203D01306}"/>
+              </a:ext>
+            </a:extLst>
+          </p:cNvPr>
+          <p:cNvSpPr txBox="1"/>
+          <p:nvPr/>
+        </p:nvSpPr>
+        <p:spPr>
+          <a:xfrm>
+            <a:off x="0" y="10203924"/>
+            <a:ext cx="1744132" cy="369332"/>
+          </a:xfrm>
+          <a:prstGeom prst="rect">
+            <a:avLst/>
+          </a:prstGeom>
+          <a:noFill/>
+        </p:spPr>
+        <p:txBody>
+          <a:bodyPr wrap="none" rtlCol="0">
+            <a:spAutoFit/>
+          </a:bodyPr>
+          <a:lstStyle/>
+          <a:p>
+            <a:r>
+              <a:rPr lang="en-US" dirty="0"/>
+              <a:t>Partial Pressure</a:t>
+            </a:r>
+          </a:p>
+        </p:txBody>
+      </p:sp>
+      <p:pic>
+        <p:nvPicPr>
+          <p:cNvPr id="33" name="Picture 32">
+            <a:extLst>
+              <a:ext uri="{FF2B5EF4-FFF2-40B4-BE49-F238E27FC236}">
+                <a16:creationId xmlns:a16="http://schemas.microsoft.com/office/drawing/2014/main" id="{6FB7726C-5BB1-2D71-FC02-A06EA379960F}"/>
+              </a:ext>
+            </a:extLst>
+          </p:cNvPr>
+          <p:cNvPicPr>
+            <a:picLocks noChangeAspect="1"/>
+          </p:cNvPicPr>
+          <p:nvPr/>
+        </p:nvPicPr>
+        <p:blipFill>
+          <a:blip r:embed="rId11"/>
+          <a:stretch>
+            <a:fillRect/>
+          </a:stretch>
+        </p:blipFill>
+        <p:spPr>
+          <a:xfrm>
+            <a:off x="196035" y="10684094"/>
+            <a:ext cx="4224068" cy="876422"/>
+          </a:xfrm>
+          <a:prstGeom prst="rect">
+            <a:avLst/>
+          </a:prstGeom>
+        </p:spPr>
+      </p:pic>
+      <p:sp>
+        <p:nvSpPr>
+          <p:cNvPr id="34" name="TextBox 33">
+            <a:extLst>
+              <a:ext uri="{FF2B5EF4-FFF2-40B4-BE49-F238E27FC236}">
+                <a16:creationId xmlns:a16="http://schemas.microsoft.com/office/drawing/2014/main" id="{83675576-6918-B821-9034-D357FC3C0184}"/>
+              </a:ext>
+            </a:extLst>
+          </p:cNvPr>
+          <p:cNvSpPr txBox="1"/>
+          <p:nvPr/>
+        </p:nvSpPr>
+        <p:spPr>
+          <a:xfrm>
+            <a:off x="545123" y="11514985"/>
+            <a:ext cx="6070001" cy="646331"/>
+          </a:xfrm>
+          <a:prstGeom prst="rect">
+            <a:avLst/>
+          </a:prstGeom>
+          <a:noFill/>
+        </p:spPr>
+        <p:txBody>
+          <a:bodyPr wrap="square" rtlCol="0">
+            <a:spAutoFit/>
+          </a:bodyPr>
+          <a:lstStyle/>
+          <a:p>
+            <a:r>
+              <a:rPr lang="en-US" dirty="0"/>
+              <a:t>For Simplicity, when dealing with fractions, x is used with liquids and y is used with gases</a:t>
+            </a:r>
+          </a:p>
+        </p:txBody>
+      </p:sp>
+    </p:spTree>
+    <p:extLst>
+      <p:ext uri="{BB962C8B-B14F-4D97-AF65-F5344CB8AC3E}">
+        <p14:creationId xmlns:p14="http://schemas.microsoft.com/office/powerpoint/2010/main" val="3682089330"/>
+      </p:ext>
+    </p:extLst>
+  </p:cSld>
+  <p:clrMapOvr>
+    <a:masterClrMapping/>
+  </p:clrMapOvr>
+</p:sld>
+</file>
+
 <file path=ppt/slides/slide2.xml><?xml version="1.0" encoding="utf-8"?>
 <p:sld xmlns:a="http://schemas.openxmlformats.org/drawingml/2006/main" xmlns:r="http://schemas.openxmlformats.org/officeDocument/2006/relationships" xmlns:p="http://schemas.openxmlformats.org/presentationml/2006/main">
   <p:cSld>
@@ -25217,6 +26156,1552 @@
     <p:extLst>
       <p:ext uri="{BB962C8B-B14F-4D97-AF65-F5344CB8AC3E}">
         <p14:creationId xmlns:p14="http://schemas.microsoft.com/office/powerpoint/2010/main" val="840158403"/>
+      </p:ext>
+    </p:extLst>
+  </p:cSld>
+  <p:clrMapOvr>
+    <a:masterClrMapping/>
+  </p:clrMapOvr>
+</p:sld>
+</file>
+
+<file path=ppt/slides/slide20.xml><?xml version="1.0" encoding="utf-8"?>
+<p:sld xmlns:a="http://schemas.openxmlformats.org/drawingml/2006/main" xmlns:r="http://schemas.openxmlformats.org/officeDocument/2006/relationships" xmlns:p="http://schemas.openxmlformats.org/presentationml/2006/main">
+  <p:cSld>
+    <p:spTree>
+      <p:nvGrpSpPr>
+        <p:cNvPr id="1" name=""/>
+        <p:cNvGrpSpPr/>
+        <p:nvPr/>
+      </p:nvGrpSpPr>
+      <p:grpSpPr>
+        <a:xfrm>
+          <a:off x="0" y="0"/>
+          <a:ext cx="0" cy="0"/>
+          <a:chOff x="0" y="0"/>
+          <a:chExt cx="0" cy="0"/>
+        </a:xfrm>
+      </p:grpSpPr>
+      <p:sp>
+        <p:nvSpPr>
+          <p:cNvPr id="2" name="TextBox 1">
+            <a:extLst>
+              <a:ext uri="{FF2B5EF4-FFF2-40B4-BE49-F238E27FC236}">
+                <a16:creationId xmlns:a16="http://schemas.microsoft.com/office/drawing/2014/main" id="{11606F71-8EB9-32A8-6CFD-4EF262CC1FA2}"/>
+              </a:ext>
+            </a:extLst>
+          </p:cNvPr>
+          <p:cNvSpPr txBox="1"/>
+          <p:nvPr/>
+        </p:nvSpPr>
+        <p:spPr>
+          <a:xfrm>
+            <a:off x="0" y="0"/>
+            <a:ext cx="1869101" cy="400110"/>
+          </a:xfrm>
+          <a:prstGeom prst="rect">
+            <a:avLst/>
+          </a:prstGeom>
+          <a:noFill/>
+        </p:spPr>
+        <p:txBody>
+          <a:bodyPr wrap="none" rtlCol="0">
+            <a:spAutoFit/>
+          </a:bodyPr>
+          <a:lstStyle/>
+          <a:p>
+            <a:r>
+              <a:rPr lang="en-US" sz="2000" dirty="0"/>
+              <a:t>Gibbs Theorem</a:t>
+            </a:r>
+          </a:p>
+        </p:txBody>
+      </p:sp>
+      <p:pic>
+        <p:nvPicPr>
+          <p:cNvPr id="4" name="Picture 3">
+            <a:extLst>
+              <a:ext uri="{FF2B5EF4-FFF2-40B4-BE49-F238E27FC236}">
+                <a16:creationId xmlns:a16="http://schemas.microsoft.com/office/drawing/2014/main" id="{A49096D8-562F-D58C-8F48-B1CE87AB8260}"/>
+              </a:ext>
+            </a:extLst>
+          </p:cNvPr>
+          <p:cNvPicPr>
+            <a:picLocks noChangeAspect="1"/>
+          </p:cNvPicPr>
+          <p:nvPr/>
+        </p:nvPicPr>
+        <p:blipFill>
+          <a:blip r:embed="rId2"/>
+          <a:stretch>
+            <a:fillRect/>
+          </a:stretch>
+        </p:blipFill>
+        <p:spPr>
+          <a:xfrm>
+            <a:off x="0" y="438230"/>
+            <a:ext cx="8686800" cy="652016"/>
+          </a:xfrm>
+          <a:prstGeom prst="rect">
+            <a:avLst/>
+          </a:prstGeom>
+        </p:spPr>
+      </p:pic>
+      <p:pic>
+        <p:nvPicPr>
+          <p:cNvPr id="6" name="Picture 5">
+            <a:extLst>
+              <a:ext uri="{FF2B5EF4-FFF2-40B4-BE49-F238E27FC236}">
+                <a16:creationId xmlns:a16="http://schemas.microsoft.com/office/drawing/2014/main" id="{AE11092A-9BBC-0CBC-A6A0-08D96157AFE7}"/>
+              </a:ext>
+            </a:extLst>
+          </p:cNvPr>
+          <p:cNvPicPr>
+            <a:picLocks noChangeAspect="1"/>
+          </p:cNvPicPr>
+          <p:nvPr/>
+        </p:nvPicPr>
+        <p:blipFill>
+          <a:blip r:embed="rId3"/>
+          <a:stretch>
+            <a:fillRect/>
+          </a:stretch>
+        </p:blipFill>
+        <p:spPr>
+          <a:xfrm>
+            <a:off x="3208330" y="1178227"/>
+            <a:ext cx="1848108" cy="533474"/>
+          </a:xfrm>
+          <a:prstGeom prst="rect">
+            <a:avLst/>
+          </a:prstGeom>
+        </p:spPr>
+      </p:pic>
+      <p:sp>
+        <p:nvSpPr>
+          <p:cNvPr id="7" name="TextBox 6">
+            <a:extLst>
+              <a:ext uri="{FF2B5EF4-FFF2-40B4-BE49-F238E27FC236}">
+                <a16:creationId xmlns:a16="http://schemas.microsoft.com/office/drawing/2014/main" id="{0A34DA8E-6E65-A303-9EF6-7C7642FA8AC0}"/>
+              </a:ext>
+            </a:extLst>
+          </p:cNvPr>
+          <p:cNvSpPr txBox="1"/>
+          <p:nvPr/>
+        </p:nvSpPr>
+        <p:spPr>
+          <a:xfrm>
+            <a:off x="0" y="1711701"/>
+            <a:ext cx="7092070" cy="369332"/>
+          </a:xfrm>
+          <a:prstGeom prst="rect">
+            <a:avLst/>
+          </a:prstGeom>
+          <a:noFill/>
+        </p:spPr>
+        <p:txBody>
+          <a:bodyPr wrap="none" rtlCol="0">
+            <a:spAutoFit/>
+          </a:bodyPr>
+          <a:lstStyle/>
+          <a:p>
+            <a:r>
+              <a:rPr lang="en-US" dirty="0"/>
+              <a:t>So, for internal energy and enthalpy, which don’t change with pressure:</a:t>
+            </a:r>
+          </a:p>
+        </p:txBody>
+      </p:sp>
+      <p:pic>
+        <p:nvPicPr>
+          <p:cNvPr id="9" name="Picture 8">
+            <a:extLst>
+              <a:ext uri="{FF2B5EF4-FFF2-40B4-BE49-F238E27FC236}">
+                <a16:creationId xmlns:a16="http://schemas.microsoft.com/office/drawing/2014/main" id="{6D8586F2-BB9D-210F-B3AF-44A02EAE6700}"/>
+              </a:ext>
+            </a:extLst>
+          </p:cNvPr>
+          <p:cNvPicPr>
+            <a:picLocks noChangeAspect="1"/>
+          </p:cNvPicPr>
+          <p:nvPr/>
+        </p:nvPicPr>
+        <p:blipFill>
+          <a:blip r:embed="rId4"/>
+          <a:stretch>
+            <a:fillRect/>
+          </a:stretch>
+        </p:blipFill>
+        <p:spPr>
+          <a:xfrm>
+            <a:off x="2300072" y="2158096"/>
+            <a:ext cx="4086655" cy="579954"/>
+          </a:xfrm>
+          <a:prstGeom prst="rect">
+            <a:avLst/>
+          </a:prstGeom>
+        </p:spPr>
+      </p:pic>
+      <p:sp>
+        <p:nvSpPr>
+          <p:cNvPr id="10" name="TextBox 9">
+            <a:extLst>
+              <a:ext uri="{FF2B5EF4-FFF2-40B4-BE49-F238E27FC236}">
+                <a16:creationId xmlns:a16="http://schemas.microsoft.com/office/drawing/2014/main" id="{76EA6434-8A86-F96A-4159-A64753F5F9BD}"/>
+              </a:ext>
+            </a:extLst>
+          </p:cNvPr>
+          <p:cNvSpPr txBox="1"/>
+          <p:nvPr/>
+        </p:nvSpPr>
+        <p:spPr>
+          <a:xfrm>
+            <a:off x="1222130" y="2674068"/>
+            <a:ext cx="5820507" cy="646331"/>
+          </a:xfrm>
+          <a:prstGeom prst="rect">
+            <a:avLst/>
+          </a:prstGeom>
+          <a:noFill/>
+        </p:spPr>
+        <p:txBody>
+          <a:bodyPr wrap="square" rtlCol="0">
+            <a:spAutoFit/>
+          </a:bodyPr>
+          <a:lstStyle/>
+          <a:p>
+            <a:pPr algn="ctr"/>
+            <a:r>
+              <a:rPr lang="en-US" dirty="0"/>
+              <a:t>This means for enthalpy and internal energy, the partial property equals the pure state property</a:t>
+            </a:r>
+          </a:p>
+        </p:txBody>
+      </p:sp>
+      <p:sp>
+        <p:nvSpPr>
+          <p:cNvPr id="11" name="TextBox 10">
+            <a:extLst>
+              <a:ext uri="{FF2B5EF4-FFF2-40B4-BE49-F238E27FC236}">
+                <a16:creationId xmlns:a16="http://schemas.microsoft.com/office/drawing/2014/main" id="{99F11EBF-306B-1777-E706-0EE81EAB593D}"/>
+              </a:ext>
+            </a:extLst>
+          </p:cNvPr>
+          <p:cNvSpPr txBox="1"/>
+          <p:nvPr/>
+        </p:nvSpPr>
+        <p:spPr>
+          <a:xfrm>
+            <a:off x="0" y="3617365"/>
+            <a:ext cx="6553589" cy="369332"/>
+          </a:xfrm>
+          <a:prstGeom prst="rect">
+            <a:avLst/>
+          </a:prstGeom>
+          <a:noFill/>
+        </p:spPr>
+        <p:txBody>
+          <a:bodyPr wrap="none" rtlCol="0">
+            <a:spAutoFit/>
+          </a:bodyPr>
+          <a:lstStyle/>
+          <a:p>
+            <a:r>
+              <a:rPr lang="en-US" dirty="0"/>
+              <a:t>For entropy and Gibbs free energy, they do change with pressure </a:t>
+            </a:r>
+          </a:p>
+        </p:txBody>
+      </p:sp>
+      <p:pic>
+        <p:nvPicPr>
+          <p:cNvPr id="13" name="Picture 12">
+            <a:extLst>
+              <a:ext uri="{FF2B5EF4-FFF2-40B4-BE49-F238E27FC236}">
+                <a16:creationId xmlns:a16="http://schemas.microsoft.com/office/drawing/2014/main" id="{2034A3D3-5491-2E35-4221-5480E36195AA}"/>
+              </a:ext>
+            </a:extLst>
+          </p:cNvPr>
+          <p:cNvPicPr>
+            <a:picLocks noChangeAspect="1"/>
+          </p:cNvPicPr>
+          <p:nvPr/>
+        </p:nvPicPr>
+        <p:blipFill>
+          <a:blip r:embed="rId5"/>
+          <a:stretch>
+            <a:fillRect/>
+          </a:stretch>
+        </p:blipFill>
+        <p:spPr>
+          <a:xfrm>
+            <a:off x="733663" y="4274381"/>
+            <a:ext cx="2247870" cy="582349"/>
+          </a:xfrm>
+          <a:prstGeom prst="rect">
+            <a:avLst/>
+          </a:prstGeom>
+        </p:spPr>
+      </p:pic>
+      <p:sp>
+        <p:nvSpPr>
+          <p:cNvPr id="14" name="TextBox 13">
+            <a:extLst>
+              <a:ext uri="{FF2B5EF4-FFF2-40B4-BE49-F238E27FC236}">
+                <a16:creationId xmlns:a16="http://schemas.microsoft.com/office/drawing/2014/main" id="{C297C630-2405-1693-9E62-C4D5AEE60E97}"/>
+              </a:ext>
+            </a:extLst>
+          </p:cNvPr>
+          <p:cNvSpPr txBox="1"/>
+          <p:nvPr/>
+        </p:nvSpPr>
+        <p:spPr>
+          <a:xfrm>
+            <a:off x="3150104" y="4383265"/>
+            <a:ext cx="4171591" cy="369332"/>
+          </a:xfrm>
+          <a:prstGeom prst="rect">
+            <a:avLst/>
+          </a:prstGeom>
+          <a:noFill/>
+        </p:spPr>
+        <p:txBody>
+          <a:bodyPr wrap="none" rtlCol="0">
+            <a:spAutoFit/>
+          </a:bodyPr>
+          <a:lstStyle/>
+          <a:p>
+            <a:r>
+              <a:rPr lang="en-US" dirty="0"/>
+              <a:t>Changes in entropy in the ideal gas state</a:t>
+            </a:r>
+          </a:p>
+        </p:txBody>
+      </p:sp>
+      <p:sp>
+        <p:nvSpPr>
+          <p:cNvPr id="15" name="TextBox 14">
+            <a:extLst>
+              <a:ext uri="{FF2B5EF4-FFF2-40B4-BE49-F238E27FC236}">
+                <a16:creationId xmlns:a16="http://schemas.microsoft.com/office/drawing/2014/main" id="{0E7115A7-EDE5-E40D-7778-D0E348D0947E}"/>
+              </a:ext>
+            </a:extLst>
+          </p:cNvPr>
+          <p:cNvSpPr txBox="1"/>
+          <p:nvPr/>
+        </p:nvSpPr>
+        <p:spPr>
+          <a:xfrm>
+            <a:off x="390938" y="4972329"/>
+            <a:ext cx="7904921" cy="369332"/>
+          </a:xfrm>
+          <a:prstGeom prst="rect">
+            <a:avLst/>
+          </a:prstGeom>
+          <a:noFill/>
+        </p:spPr>
+        <p:txBody>
+          <a:bodyPr wrap="none" rtlCol="0">
+            <a:spAutoFit/>
+          </a:bodyPr>
+          <a:lstStyle/>
+          <a:p>
+            <a:r>
+              <a:rPr lang="en-US" dirty="0"/>
+              <a:t>They can be simplified to this because we are considering changes in pressure</a:t>
+            </a:r>
+          </a:p>
+        </p:txBody>
+      </p:sp>
+      <p:pic>
+        <p:nvPicPr>
+          <p:cNvPr id="17" name="Picture 16">
+            <a:extLst>
+              <a:ext uri="{FF2B5EF4-FFF2-40B4-BE49-F238E27FC236}">
+                <a16:creationId xmlns:a16="http://schemas.microsoft.com/office/drawing/2014/main" id="{F6C7C3E9-221C-C41A-EFA5-925CEDEBA7D2}"/>
+              </a:ext>
+            </a:extLst>
+          </p:cNvPr>
+          <p:cNvPicPr>
+            <a:picLocks noChangeAspect="1"/>
+          </p:cNvPicPr>
+          <p:nvPr/>
+        </p:nvPicPr>
+        <p:blipFill>
+          <a:blip r:embed="rId6"/>
+          <a:stretch>
+            <a:fillRect/>
+          </a:stretch>
+        </p:blipFill>
+        <p:spPr>
+          <a:xfrm>
+            <a:off x="2419088" y="5481998"/>
+            <a:ext cx="4134501" cy="765103"/>
+          </a:xfrm>
+          <a:prstGeom prst="rect">
+            <a:avLst/>
+          </a:prstGeom>
+        </p:spPr>
+      </p:pic>
+      <p:sp>
+        <p:nvSpPr>
+          <p:cNvPr id="18" name="TextBox 17">
+            <a:extLst>
+              <a:ext uri="{FF2B5EF4-FFF2-40B4-BE49-F238E27FC236}">
+                <a16:creationId xmlns:a16="http://schemas.microsoft.com/office/drawing/2014/main" id="{15B6452F-BA2A-C6CC-79B7-56618F14AACA}"/>
+              </a:ext>
+            </a:extLst>
+          </p:cNvPr>
+          <p:cNvSpPr txBox="1"/>
+          <p:nvPr/>
+        </p:nvSpPr>
+        <p:spPr>
+          <a:xfrm>
+            <a:off x="1500924" y="6142627"/>
+            <a:ext cx="5591146" cy="369332"/>
+          </a:xfrm>
+          <a:prstGeom prst="rect">
+            <a:avLst/>
+          </a:prstGeom>
+          <a:noFill/>
+        </p:spPr>
+        <p:txBody>
+          <a:bodyPr wrap="none" rtlCol="0">
+            <a:spAutoFit/>
+          </a:bodyPr>
+          <a:lstStyle/>
+          <a:p>
+            <a:r>
+              <a:rPr lang="en-US" dirty="0"/>
+              <a:t>Integrating from the partial pressure to P gives us this:</a:t>
+            </a:r>
+          </a:p>
+        </p:txBody>
+      </p:sp>
+      <p:pic>
+        <p:nvPicPr>
+          <p:cNvPr id="20" name="Picture 19">
+            <a:extLst>
+              <a:ext uri="{FF2B5EF4-FFF2-40B4-BE49-F238E27FC236}">
+                <a16:creationId xmlns:a16="http://schemas.microsoft.com/office/drawing/2014/main" id="{9950508C-4E88-020B-6846-B4183631F975}"/>
+              </a:ext>
+            </a:extLst>
+          </p:cNvPr>
+          <p:cNvPicPr>
+            <a:picLocks noChangeAspect="1"/>
+          </p:cNvPicPr>
+          <p:nvPr/>
+        </p:nvPicPr>
+        <p:blipFill>
+          <a:blip r:embed="rId7"/>
+          <a:stretch>
+            <a:fillRect/>
+          </a:stretch>
+        </p:blipFill>
+        <p:spPr>
+          <a:xfrm>
+            <a:off x="1450124" y="6483716"/>
+            <a:ext cx="5786548" cy="848028"/>
+          </a:xfrm>
+          <a:prstGeom prst="rect">
+            <a:avLst/>
+          </a:prstGeom>
+        </p:spPr>
+      </p:pic>
+      <p:pic>
+        <p:nvPicPr>
+          <p:cNvPr id="22" name="Picture 21">
+            <a:extLst>
+              <a:ext uri="{FF2B5EF4-FFF2-40B4-BE49-F238E27FC236}">
+                <a16:creationId xmlns:a16="http://schemas.microsoft.com/office/drawing/2014/main" id="{225B30C4-F3E0-B6A7-D5EC-208B932F8DB1}"/>
+              </a:ext>
+            </a:extLst>
+          </p:cNvPr>
+          <p:cNvPicPr>
+            <a:picLocks noChangeAspect="1"/>
+          </p:cNvPicPr>
+          <p:nvPr/>
+        </p:nvPicPr>
+        <p:blipFill>
+          <a:blip r:embed="rId8"/>
+          <a:stretch>
+            <a:fillRect/>
+          </a:stretch>
+        </p:blipFill>
+        <p:spPr>
+          <a:xfrm>
+            <a:off x="2507299" y="7262648"/>
+            <a:ext cx="3578395" cy="684927"/>
+          </a:xfrm>
+          <a:prstGeom prst="rect">
+            <a:avLst/>
+          </a:prstGeom>
+        </p:spPr>
+      </p:pic>
+      <p:grpSp>
+        <p:nvGrpSpPr>
+          <p:cNvPr id="29" name="Group 28">
+            <a:extLst>
+              <a:ext uri="{FF2B5EF4-FFF2-40B4-BE49-F238E27FC236}">
+                <a16:creationId xmlns:a16="http://schemas.microsoft.com/office/drawing/2014/main" id="{36C0F912-796E-3FBC-B574-984E3792FCF1}"/>
+              </a:ext>
+            </a:extLst>
+          </p:cNvPr>
+          <p:cNvGrpSpPr/>
+          <p:nvPr/>
+        </p:nvGrpSpPr>
+        <p:grpSpPr>
+          <a:xfrm>
+            <a:off x="3305492" y="1231062"/>
+            <a:ext cx="5153760" cy="5522040"/>
+            <a:chOff x="3305492" y="1231062"/>
+            <a:chExt cx="5153760" cy="5522040"/>
+          </a:xfrm>
+        </p:grpSpPr>
+        <mc:AlternateContent xmlns:mc="http://schemas.openxmlformats.org/markup-compatibility/2006">
+          <mc:Choice xmlns:p14="http://schemas.microsoft.com/office/powerpoint/2010/main" Requires="p14">
+            <p:contentPart p14:bwMode="auto" r:id="rId9">
+              <p14:nvContentPartPr>
+                <p14:cNvPr id="23" name="Ink 22">
+                  <a:extLst>
+                    <a:ext uri="{FF2B5EF4-FFF2-40B4-BE49-F238E27FC236}">
+                      <a16:creationId xmlns:a16="http://schemas.microsoft.com/office/drawing/2014/main" id="{37C9EF31-46C8-F16A-256B-6053DDAD9F6A}"/>
+                    </a:ext>
+                  </a:extLst>
+                </p14:cNvPr>
+                <p14:cNvContentPartPr/>
+                <p14:nvPr/>
+              </p14:nvContentPartPr>
+              <p14:xfrm>
+                <a:off x="3305492" y="6752742"/>
+                <a:ext cx="360" cy="360"/>
+              </p14:xfrm>
+            </p:contentPart>
+          </mc:Choice>
+          <mc:Fallback>
+            <p:pic>
+              <p:nvPicPr>
+                <p:cNvPr id="23" name="Ink 22">
+                  <a:extLst>
+                    <a:ext uri="{FF2B5EF4-FFF2-40B4-BE49-F238E27FC236}">
+                      <a16:creationId xmlns:a16="http://schemas.microsoft.com/office/drawing/2014/main" id="{37C9EF31-46C8-F16A-256B-6053DDAD9F6A}"/>
+                    </a:ext>
+                  </a:extLst>
+                </p:cNvPr>
+                <p:cNvPicPr/>
+                <p:nvPr/>
+              </p:nvPicPr>
+              <p:blipFill>
+                <a:blip r:embed="rId10"/>
+                <a:stretch>
+                  <a:fillRect/>
+                </a:stretch>
+              </p:blipFill>
+              <p:spPr>
+                <a:xfrm>
+                  <a:off x="3299372" y="6746622"/>
+                  <a:ext cx="12600" cy="12600"/>
+                </a:xfrm>
+                <a:prstGeom prst="rect">
+                  <a:avLst/>
+                </a:prstGeom>
+              </p:spPr>
+            </p:pic>
+          </mc:Fallback>
+        </mc:AlternateContent>
+        <mc:AlternateContent xmlns:mc="http://schemas.openxmlformats.org/markup-compatibility/2006">
+          <mc:Choice xmlns:p14="http://schemas.microsoft.com/office/powerpoint/2010/main" Requires="p14">
+            <p:contentPart p14:bwMode="auto" r:id="rId11">
+              <p14:nvContentPartPr>
+                <p14:cNvPr id="24" name="Ink 23">
+                  <a:extLst>
+                    <a:ext uri="{FF2B5EF4-FFF2-40B4-BE49-F238E27FC236}">
+                      <a16:creationId xmlns:a16="http://schemas.microsoft.com/office/drawing/2014/main" id="{AB3BBB0B-B4A1-0E86-DD12-22442620358C}"/>
+                    </a:ext>
+                  </a:extLst>
+                </p14:cNvPr>
+                <p14:cNvContentPartPr/>
+                <p14:nvPr/>
+              </p14:nvContentPartPr>
+              <p14:xfrm>
+                <a:off x="3305492" y="6618822"/>
+                <a:ext cx="164160" cy="134280"/>
+              </p14:xfrm>
+            </p:contentPart>
+          </mc:Choice>
+          <mc:Fallback>
+            <p:pic>
+              <p:nvPicPr>
+                <p:cNvPr id="24" name="Ink 23">
+                  <a:extLst>
+                    <a:ext uri="{FF2B5EF4-FFF2-40B4-BE49-F238E27FC236}">
+                      <a16:creationId xmlns:a16="http://schemas.microsoft.com/office/drawing/2014/main" id="{AB3BBB0B-B4A1-0E86-DD12-22442620358C}"/>
+                    </a:ext>
+                  </a:extLst>
+                </p:cNvPr>
+                <p:cNvPicPr/>
+                <p:nvPr/>
+              </p:nvPicPr>
+              <p:blipFill>
+                <a:blip r:embed="rId12"/>
+                <a:stretch>
+                  <a:fillRect/>
+                </a:stretch>
+              </p:blipFill>
+              <p:spPr>
+                <a:xfrm>
+                  <a:off x="3299372" y="6612702"/>
+                  <a:ext cx="176400" cy="146520"/>
+                </a:xfrm>
+                <a:prstGeom prst="rect">
+                  <a:avLst/>
+                </a:prstGeom>
+              </p:spPr>
+            </p:pic>
+          </mc:Fallback>
+        </mc:AlternateContent>
+        <mc:AlternateContent xmlns:mc="http://schemas.openxmlformats.org/markup-compatibility/2006">
+          <mc:Choice xmlns:p14="http://schemas.microsoft.com/office/powerpoint/2010/main" Requires="p14">
+            <p:contentPart p14:bwMode="auto" r:id="rId13">
+              <p14:nvContentPartPr>
+                <p14:cNvPr id="25" name="Ink 24">
+                  <a:extLst>
+                    <a:ext uri="{FF2B5EF4-FFF2-40B4-BE49-F238E27FC236}">
+                      <a16:creationId xmlns:a16="http://schemas.microsoft.com/office/drawing/2014/main" id="{5B5DB238-AE03-A795-66E6-D6F7AD3D2470}"/>
+                    </a:ext>
+                  </a:extLst>
+                </p14:cNvPr>
+                <p14:cNvContentPartPr/>
+                <p14:nvPr/>
+              </p14:nvContentPartPr>
+              <p14:xfrm>
+                <a:off x="3481532" y="1231062"/>
+                <a:ext cx="4977720" cy="5382360"/>
+              </p14:xfrm>
+            </p:contentPart>
+          </mc:Choice>
+          <mc:Fallback>
+            <p:pic>
+              <p:nvPicPr>
+                <p:cNvPr id="25" name="Ink 24">
+                  <a:extLst>
+                    <a:ext uri="{FF2B5EF4-FFF2-40B4-BE49-F238E27FC236}">
+                      <a16:creationId xmlns:a16="http://schemas.microsoft.com/office/drawing/2014/main" id="{5B5DB238-AE03-A795-66E6-D6F7AD3D2470}"/>
+                    </a:ext>
+                  </a:extLst>
+                </p:cNvPr>
+                <p:cNvPicPr/>
+                <p:nvPr/>
+              </p:nvPicPr>
+              <p:blipFill>
+                <a:blip r:embed="rId14"/>
+                <a:stretch>
+                  <a:fillRect/>
+                </a:stretch>
+              </p:blipFill>
+              <p:spPr>
+                <a:xfrm>
+                  <a:off x="3475412" y="1224942"/>
+                  <a:ext cx="4989960" cy="5394600"/>
+                </a:xfrm>
+                <a:prstGeom prst="rect">
+                  <a:avLst/>
+                </a:prstGeom>
+              </p:spPr>
+            </p:pic>
+          </mc:Fallback>
+        </mc:AlternateContent>
+        <mc:AlternateContent xmlns:mc="http://schemas.openxmlformats.org/markup-compatibility/2006">
+          <mc:Choice xmlns:p14="http://schemas.microsoft.com/office/powerpoint/2010/main" Requires="p14">
+            <p:contentPart p14:bwMode="auto" r:id="rId15">
+              <p14:nvContentPartPr>
+                <p14:cNvPr id="26" name="Ink 25">
+                  <a:extLst>
+                    <a:ext uri="{FF2B5EF4-FFF2-40B4-BE49-F238E27FC236}">
+                      <a16:creationId xmlns:a16="http://schemas.microsoft.com/office/drawing/2014/main" id="{D72AB4A8-436B-8375-FD9A-40E6FF499B1B}"/>
+                    </a:ext>
+                  </a:extLst>
+                </p14:cNvPr>
+                <p14:cNvContentPartPr/>
+                <p14:nvPr/>
+              </p14:nvContentPartPr>
+              <p14:xfrm>
+                <a:off x="5222132" y="1353822"/>
+                <a:ext cx="360" cy="47880"/>
+              </p14:xfrm>
+            </p:contentPart>
+          </mc:Choice>
+          <mc:Fallback>
+            <p:pic>
+              <p:nvPicPr>
+                <p:cNvPr id="26" name="Ink 25">
+                  <a:extLst>
+                    <a:ext uri="{FF2B5EF4-FFF2-40B4-BE49-F238E27FC236}">
+                      <a16:creationId xmlns:a16="http://schemas.microsoft.com/office/drawing/2014/main" id="{D72AB4A8-436B-8375-FD9A-40E6FF499B1B}"/>
+                    </a:ext>
+                  </a:extLst>
+                </p:cNvPr>
+                <p:cNvPicPr/>
+                <p:nvPr/>
+              </p:nvPicPr>
+              <p:blipFill>
+                <a:blip r:embed="rId16"/>
+                <a:stretch>
+                  <a:fillRect/>
+                </a:stretch>
+              </p:blipFill>
+              <p:spPr>
+                <a:xfrm>
+                  <a:off x="5216012" y="1347702"/>
+                  <a:ext cx="12600" cy="60120"/>
+                </a:xfrm>
+                <a:prstGeom prst="rect">
+                  <a:avLst/>
+                </a:prstGeom>
+              </p:spPr>
+            </p:pic>
+          </mc:Fallback>
+        </mc:AlternateContent>
+        <mc:AlternateContent xmlns:mc="http://schemas.openxmlformats.org/markup-compatibility/2006">
+          <mc:Choice xmlns:p14="http://schemas.microsoft.com/office/powerpoint/2010/main" Requires="p14">
+            <p:contentPart p14:bwMode="auto" r:id="rId17">
+              <p14:nvContentPartPr>
+                <p14:cNvPr id="27" name="Ink 26">
+                  <a:extLst>
+                    <a:ext uri="{FF2B5EF4-FFF2-40B4-BE49-F238E27FC236}">
+                      <a16:creationId xmlns:a16="http://schemas.microsoft.com/office/drawing/2014/main" id="{608A1E8D-915A-CF6C-FE92-D5A97F64551C}"/>
+                    </a:ext>
+                  </a:extLst>
+                </p14:cNvPr>
+                <p14:cNvContentPartPr/>
+                <p14:nvPr/>
+              </p14:nvContentPartPr>
+              <p14:xfrm>
+                <a:off x="5222132" y="1424382"/>
+                <a:ext cx="232920" cy="82440"/>
+              </p14:xfrm>
+            </p:contentPart>
+          </mc:Choice>
+          <mc:Fallback>
+            <p:pic>
+              <p:nvPicPr>
+                <p:cNvPr id="27" name="Ink 26">
+                  <a:extLst>
+                    <a:ext uri="{FF2B5EF4-FFF2-40B4-BE49-F238E27FC236}">
+                      <a16:creationId xmlns:a16="http://schemas.microsoft.com/office/drawing/2014/main" id="{608A1E8D-915A-CF6C-FE92-D5A97F64551C}"/>
+                    </a:ext>
+                  </a:extLst>
+                </p:cNvPr>
+                <p:cNvPicPr/>
+                <p:nvPr/>
+              </p:nvPicPr>
+              <p:blipFill>
+                <a:blip r:embed="rId18"/>
+                <a:stretch>
+                  <a:fillRect/>
+                </a:stretch>
+              </p:blipFill>
+              <p:spPr>
+                <a:xfrm>
+                  <a:off x="5216012" y="1418262"/>
+                  <a:ext cx="245160" cy="94680"/>
+                </a:xfrm>
+                <a:prstGeom prst="rect">
+                  <a:avLst/>
+                </a:prstGeom>
+              </p:spPr>
+            </p:pic>
+          </mc:Fallback>
+        </mc:AlternateContent>
+      </p:grpSp>
+      <p:sp>
+        <p:nvSpPr>
+          <p:cNvPr id="30" name="TextBox 29">
+            <a:extLst>
+              <a:ext uri="{FF2B5EF4-FFF2-40B4-BE49-F238E27FC236}">
+                <a16:creationId xmlns:a16="http://schemas.microsoft.com/office/drawing/2014/main" id="{290E1CC7-F946-343E-77DA-EB04B963D9B0}"/>
+              </a:ext>
+            </a:extLst>
+          </p:cNvPr>
+          <p:cNvSpPr txBox="1"/>
+          <p:nvPr/>
+        </p:nvSpPr>
+        <p:spPr>
+          <a:xfrm>
+            <a:off x="1161216" y="7936293"/>
+            <a:ext cx="5930854" cy="369332"/>
+          </a:xfrm>
+          <a:prstGeom prst="rect">
+            <a:avLst/>
+          </a:prstGeom>
+          <a:noFill/>
+        </p:spPr>
+        <p:txBody>
+          <a:bodyPr wrap="none" rtlCol="0">
+            <a:spAutoFit/>
+          </a:bodyPr>
+          <a:lstStyle/>
+          <a:p>
+            <a:r>
+              <a:rPr lang="en-US" dirty="0"/>
+              <a:t>By using Gibbs theorem with Gibbs free energy, we get this</a:t>
+            </a:r>
+          </a:p>
+        </p:txBody>
+      </p:sp>
+      <p:pic>
+        <p:nvPicPr>
+          <p:cNvPr id="32" name="Picture 31">
+            <a:extLst>
+              <a:ext uri="{FF2B5EF4-FFF2-40B4-BE49-F238E27FC236}">
+                <a16:creationId xmlns:a16="http://schemas.microsoft.com/office/drawing/2014/main" id="{5BE71980-814C-99CF-0029-36AD5C382192}"/>
+              </a:ext>
+            </a:extLst>
+          </p:cNvPr>
+          <p:cNvPicPr>
+            <a:picLocks noChangeAspect="1"/>
+          </p:cNvPicPr>
+          <p:nvPr/>
+        </p:nvPicPr>
+        <p:blipFill>
+          <a:blip r:embed="rId19"/>
+          <a:stretch>
+            <a:fillRect/>
+          </a:stretch>
+        </p:blipFill>
+        <p:spPr>
+          <a:xfrm>
+            <a:off x="3025513" y="8380731"/>
+            <a:ext cx="2264146" cy="635065"/>
+          </a:xfrm>
+          <a:prstGeom prst="rect">
+            <a:avLst/>
+          </a:prstGeom>
+        </p:spPr>
+      </p:pic>
+      <p:sp>
+        <p:nvSpPr>
+          <p:cNvPr id="33" name="TextBox 32">
+            <a:extLst>
+              <a:ext uri="{FF2B5EF4-FFF2-40B4-BE49-F238E27FC236}">
+                <a16:creationId xmlns:a16="http://schemas.microsoft.com/office/drawing/2014/main" id="{25F5B4F2-86B1-99E6-3567-4DD76CBB7AD0}"/>
+              </a:ext>
+            </a:extLst>
+          </p:cNvPr>
+          <p:cNvSpPr txBox="1"/>
+          <p:nvPr/>
+        </p:nvSpPr>
+        <p:spPr>
+          <a:xfrm>
+            <a:off x="1384391" y="9062265"/>
+            <a:ext cx="5546390" cy="369332"/>
+          </a:xfrm>
+          <a:prstGeom prst="rect">
+            <a:avLst/>
+          </a:prstGeom>
+          <a:noFill/>
+        </p:spPr>
+        <p:txBody>
+          <a:bodyPr wrap="none" rtlCol="0">
+            <a:spAutoFit/>
+          </a:bodyPr>
+          <a:lstStyle/>
+          <a:p>
+            <a:r>
+              <a:rPr lang="en-US" dirty="0"/>
+              <a:t>And by substituting the pure ideal gas properties in… </a:t>
+            </a:r>
+          </a:p>
+        </p:txBody>
+      </p:sp>
+      <p:pic>
+        <p:nvPicPr>
+          <p:cNvPr id="35" name="Picture 34">
+            <a:extLst>
+              <a:ext uri="{FF2B5EF4-FFF2-40B4-BE49-F238E27FC236}">
+                <a16:creationId xmlns:a16="http://schemas.microsoft.com/office/drawing/2014/main" id="{2FD1F05C-486F-2512-4E36-DA410CFF781A}"/>
+              </a:ext>
+            </a:extLst>
+          </p:cNvPr>
+          <p:cNvPicPr>
+            <a:picLocks noChangeAspect="1"/>
+          </p:cNvPicPr>
+          <p:nvPr/>
+        </p:nvPicPr>
+        <p:blipFill>
+          <a:blip r:embed="rId20"/>
+          <a:stretch>
+            <a:fillRect/>
+          </a:stretch>
+        </p:blipFill>
+        <p:spPr>
+          <a:xfrm>
+            <a:off x="2604619" y="9392505"/>
+            <a:ext cx="3404763" cy="759861"/>
+          </a:xfrm>
+          <a:prstGeom prst="rect">
+            <a:avLst/>
+          </a:prstGeom>
+        </p:spPr>
+      </p:pic>
+      <p:sp>
+        <p:nvSpPr>
+          <p:cNvPr id="36" name="TextBox 35">
+            <a:extLst>
+              <a:ext uri="{FF2B5EF4-FFF2-40B4-BE49-F238E27FC236}">
+                <a16:creationId xmlns:a16="http://schemas.microsoft.com/office/drawing/2014/main" id="{5CA2F7E8-FE27-6BC7-615F-5F53236EB19C}"/>
+              </a:ext>
+            </a:extLst>
+          </p:cNvPr>
+          <p:cNvSpPr txBox="1"/>
+          <p:nvPr/>
+        </p:nvSpPr>
+        <p:spPr>
+          <a:xfrm>
+            <a:off x="207503" y="10767618"/>
+            <a:ext cx="4185138" cy="646331"/>
+          </a:xfrm>
+          <a:prstGeom prst="rect">
+            <a:avLst/>
+          </a:prstGeom>
+          <a:noFill/>
+        </p:spPr>
+        <p:txBody>
+          <a:bodyPr wrap="square" rtlCol="0">
+            <a:spAutoFit/>
+          </a:bodyPr>
+          <a:lstStyle/>
+          <a:p>
+            <a:pPr algn="ctr"/>
+            <a:r>
+              <a:rPr lang="en-US" dirty="0"/>
+              <a:t>And all these equations can be applied to the summability</a:t>
+            </a:r>
+          </a:p>
+        </p:txBody>
+      </p:sp>
+      <p:pic>
+        <p:nvPicPr>
+          <p:cNvPr id="38" name="Picture 37">
+            <a:extLst>
+              <a:ext uri="{FF2B5EF4-FFF2-40B4-BE49-F238E27FC236}">
+                <a16:creationId xmlns:a16="http://schemas.microsoft.com/office/drawing/2014/main" id="{47130CBB-3D0A-29A9-D93D-B8A0F3329DAD}"/>
+              </a:ext>
+            </a:extLst>
+          </p:cNvPr>
+          <p:cNvPicPr>
+            <a:picLocks noChangeAspect="1"/>
+          </p:cNvPicPr>
+          <p:nvPr/>
+        </p:nvPicPr>
+        <p:blipFill>
+          <a:blip r:embed="rId21"/>
+          <a:stretch>
+            <a:fillRect/>
+          </a:stretch>
+        </p:blipFill>
+        <p:spPr>
+          <a:xfrm>
+            <a:off x="5200850" y="9926376"/>
+            <a:ext cx="2705478" cy="2248214"/>
+          </a:xfrm>
+          <a:prstGeom prst="rect">
+            <a:avLst/>
+          </a:prstGeom>
+        </p:spPr>
+      </p:pic>
+    </p:spTree>
+    <p:extLst>
+      <p:ext uri="{BB962C8B-B14F-4D97-AF65-F5344CB8AC3E}">
+        <p14:creationId xmlns:p14="http://schemas.microsoft.com/office/powerpoint/2010/main" val="2092330193"/>
+      </p:ext>
+    </p:extLst>
+  </p:cSld>
+  <p:clrMapOvr>
+    <a:masterClrMapping/>
+  </p:clrMapOvr>
+</p:sld>
+</file>
+
+<file path=ppt/slides/slide21.xml><?xml version="1.0" encoding="utf-8"?>
+<p:sld xmlns:a="http://schemas.openxmlformats.org/drawingml/2006/main" xmlns:r="http://schemas.openxmlformats.org/officeDocument/2006/relationships" xmlns:p="http://schemas.openxmlformats.org/presentationml/2006/main">
+  <p:cSld>
+    <p:spTree>
+      <p:nvGrpSpPr>
+        <p:cNvPr id="1" name=""/>
+        <p:cNvGrpSpPr/>
+        <p:nvPr/>
+      </p:nvGrpSpPr>
+      <p:grpSpPr>
+        <a:xfrm>
+          <a:off x="0" y="0"/>
+          <a:ext cx="0" cy="0"/>
+          <a:chOff x="0" y="0"/>
+          <a:chExt cx="0" cy="0"/>
+        </a:xfrm>
+      </p:grpSpPr>
+      <p:sp>
+        <p:nvSpPr>
+          <p:cNvPr id="2" name="TextBox 1">
+            <a:extLst>
+              <a:ext uri="{FF2B5EF4-FFF2-40B4-BE49-F238E27FC236}">
+                <a16:creationId xmlns:a16="http://schemas.microsoft.com/office/drawing/2014/main" id="{6918216A-9E05-858C-2239-7E16ABE7ED72}"/>
+              </a:ext>
+            </a:extLst>
+          </p:cNvPr>
+          <p:cNvSpPr txBox="1"/>
+          <p:nvPr/>
+        </p:nvSpPr>
+        <p:spPr>
+          <a:xfrm>
+            <a:off x="147411" y="0"/>
+            <a:ext cx="8391977" cy="369332"/>
+          </a:xfrm>
+          <a:prstGeom prst="rect">
+            <a:avLst/>
+          </a:prstGeom>
+          <a:noFill/>
+        </p:spPr>
+        <p:txBody>
+          <a:bodyPr wrap="none" rtlCol="0">
+            <a:spAutoFit/>
+          </a:bodyPr>
+          <a:lstStyle/>
+          <a:p>
+            <a:r>
+              <a:rPr lang="en-US" dirty="0"/>
+              <a:t>And to make these equations useful, we want to find the change in these properties</a:t>
+            </a:r>
+          </a:p>
+        </p:txBody>
+      </p:sp>
+      <p:pic>
+        <p:nvPicPr>
+          <p:cNvPr id="4" name="Picture 3">
+            <a:extLst>
+              <a:ext uri="{FF2B5EF4-FFF2-40B4-BE49-F238E27FC236}">
+                <a16:creationId xmlns:a16="http://schemas.microsoft.com/office/drawing/2014/main" id="{17D3BF9D-1A59-4A4E-371E-3EB99B93E404}"/>
+              </a:ext>
+            </a:extLst>
+          </p:cNvPr>
+          <p:cNvPicPr>
+            <a:picLocks noChangeAspect="1"/>
+          </p:cNvPicPr>
+          <p:nvPr/>
+        </p:nvPicPr>
+        <p:blipFill>
+          <a:blip r:embed="rId2"/>
+          <a:stretch>
+            <a:fillRect/>
+          </a:stretch>
+        </p:blipFill>
+        <p:spPr>
+          <a:xfrm>
+            <a:off x="3196299" y="369332"/>
+            <a:ext cx="2294202" cy="720273"/>
+          </a:xfrm>
+          <a:prstGeom prst="rect">
+            <a:avLst/>
+          </a:prstGeom>
+        </p:spPr>
+      </p:pic>
+      <p:pic>
+        <p:nvPicPr>
+          <p:cNvPr id="6" name="Picture 5">
+            <a:extLst>
+              <a:ext uri="{FF2B5EF4-FFF2-40B4-BE49-F238E27FC236}">
+                <a16:creationId xmlns:a16="http://schemas.microsoft.com/office/drawing/2014/main" id="{8A287700-CBEC-43EE-1B12-02B588C4E15C}"/>
+              </a:ext>
+            </a:extLst>
+          </p:cNvPr>
+          <p:cNvPicPr>
+            <a:picLocks noChangeAspect="1"/>
+          </p:cNvPicPr>
+          <p:nvPr/>
+        </p:nvPicPr>
+        <p:blipFill>
+          <a:blip r:embed="rId3"/>
+          <a:stretch>
+            <a:fillRect/>
+          </a:stretch>
+        </p:blipFill>
+        <p:spPr>
+          <a:xfrm>
+            <a:off x="2850399" y="893499"/>
+            <a:ext cx="2986001" cy="967795"/>
+          </a:xfrm>
+          <a:prstGeom prst="rect">
+            <a:avLst/>
+          </a:prstGeom>
+        </p:spPr>
+      </p:pic>
+      <p:sp>
+        <p:nvSpPr>
+          <p:cNvPr id="9" name="TextBox 8">
+            <a:extLst>
+              <a:ext uri="{FF2B5EF4-FFF2-40B4-BE49-F238E27FC236}">
+                <a16:creationId xmlns:a16="http://schemas.microsoft.com/office/drawing/2014/main" id="{2BF4490B-4DC9-68DF-6D74-96D2640E980E}"/>
+              </a:ext>
+            </a:extLst>
+          </p:cNvPr>
+          <p:cNvSpPr txBox="1"/>
+          <p:nvPr/>
+        </p:nvSpPr>
+        <p:spPr>
+          <a:xfrm>
+            <a:off x="0" y="692579"/>
+            <a:ext cx="2702988" cy="646331"/>
+          </a:xfrm>
+          <a:prstGeom prst="rect">
+            <a:avLst/>
+          </a:prstGeom>
+          <a:noFill/>
+        </p:spPr>
+        <p:txBody>
+          <a:bodyPr wrap="square" rtlCol="0">
+            <a:spAutoFit/>
+          </a:bodyPr>
+          <a:lstStyle/>
+          <a:p>
+            <a:pPr algn="ctr"/>
+            <a:r>
+              <a:rPr lang="en-US" dirty="0"/>
+              <a:t>Value of the property in the mixture of gas</a:t>
+            </a:r>
+          </a:p>
+        </p:txBody>
+      </p:sp>
+      <p:sp>
+        <p:nvSpPr>
+          <p:cNvPr id="10" name="TextBox 9">
+            <a:extLst>
+              <a:ext uri="{FF2B5EF4-FFF2-40B4-BE49-F238E27FC236}">
+                <a16:creationId xmlns:a16="http://schemas.microsoft.com/office/drawing/2014/main" id="{8C6927C4-6A9F-EB41-5AA8-E7A4A20E52B5}"/>
+              </a:ext>
+            </a:extLst>
+          </p:cNvPr>
+          <p:cNvSpPr txBox="1"/>
+          <p:nvPr/>
+        </p:nvSpPr>
+        <p:spPr>
+          <a:xfrm>
+            <a:off x="6205206" y="672477"/>
+            <a:ext cx="1619477" cy="923330"/>
+          </a:xfrm>
+          <a:prstGeom prst="rect">
+            <a:avLst/>
+          </a:prstGeom>
+          <a:noFill/>
+        </p:spPr>
+        <p:txBody>
+          <a:bodyPr wrap="square" rtlCol="0">
+            <a:spAutoFit/>
+          </a:bodyPr>
+          <a:lstStyle/>
+          <a:p>
+            <a:pPr algn="ctr"/>
+            <a:r>
+              <a:rPr lang="en-US" dirty="0"/>
+              <a:t>Sum of the values in their pure state</a:t>
+            </a:r>
+          </a:p>
+        </p:txBody>
+      </p:sp>
+      <p:cxnSp>
+        <p:nvCxnSpPr>
+          <p:cNvPr id="12" name="Straight Arrow Connector 11">
+            <a:extLst>
+              <a:ext uri="{FF2B5EF4-FFF2-40B4-BE49-F238E27FC236}">
+                <a16:creationId xmlns:a16="http://schemas.microsoft.com/office/drawing/2014/main" id="{9CA6EF65-180A-11CD-EB04-8498C112C86D}"/>
+              </a:ext>
+            </a:extLst>
+          </p:cNvPr>
+          <p:cNvCxnSpPr>
+            <a:stCxn id="10" idx="1"/>
+            <a:endCxn id="6" idx="0"/>
+          </p:cNvCxnSpPr>
+          <p:nvPr/>
+        </p:nvCxnSpPr>
+        <p:spPr>
+          <a:xfrm flipH="1" flipV="1">
+            <a:off x="4343400" y="893499"/>
+            <a:ext cx="1861806" cy="240643"/>
+          </a:xfrm>
+          <a:prstGeom prst="straightConnector1">
+            <a:avLst/>
+          </a:prstGeom>
+          <a:ln>
+            <a:tailEnd type="triangle"/>
+          </a:ln>
+        </p:spPr>
+        <p:style>
+          <a:lnRef idx="2">
+            <a:schemeClr val="accent1"/>
+          </a:lnRef>
+          <a:fillRef idx="0">
+            <a:schemeClr val="accent1"/>
+          </a:fillRef>
+          <a:effectRef idx="1">
+            <a:schemeClr val="accent1"/>
+          </a:effectRef>
+          <a:fontRef idx="minor">
+            <a:schemeClr val="tx1"/>
+          </a:fontRef>
+        </p:style>
+      </p:cxnSp>
+      <p:cxnSp>
+        <p:nvCxnSpPr>
+          <p:cNvPr id="14" name="Straight Arrow Connector 13">
+            <a:extLst>
+              <a:ext uri="{FF2B5EF4-FFF2-40B4-BE49-F238E27FC236}">
+                <a16:creationId xmlns:a16="http://schemas.microsoft.com/office/drawing/2014/main" id="{593FF800-1616-067D-25C3-F53EEE0C5E34}"/>
+              </a:ext>
+            </a:extLst>
+          </p:cNvPr>
+          <p:cNvCxnSpPr>
+            <a:stCxn id="10" idx="1"/>
+          </p:cNvCxnSpPr>
+          <p:nvPr/>
+        </p:nvCxnSpPr>
+        <p:spPr>
+          <a:xfrm flipH="1">
+            <a:off x="3938954" y="1134142"/>
+            <a:ext cx="2266252" cy="204768"/>
+          </a:xfrm>
+          <a:prstGeom prst="straightConnector1">
+            <a:avLst/>
+          </a:prstGeom>
+          <a:ln>
+            <a:tailEnd type="triangle"/>
+          </a:ln>
+        </p:spPr>
+        <p:style>
+          <a:lnRef idx="2">
+            <a:schemeClr val="accent1"/>
+          </a:lnRef>
+          <a:fillRef idx="0">
+            <a:schemeClr val="accent1"/>
+          </a:fillRef>
+          <a:effectRef idx="1">
+            <a:schemeClr val="accent1"/>
+          </a:effectRef>
+          <a:fontRef idx="minor">
+            <a:schemeClr val="tx1"/>
+          </a:fontRef>
+        </p:style>
+      </p:cxnSp>
+      <p:cxnSp>
+        <p:nvCxnSpPr>
+          <p:cNvPr id="16" name="Straight Arrow Connector 15">
+            <a:extLst>
+              <a:ext uri="{FF2B5EF4-FFF2-40B4-BE49-F238E27FC236}">
+                <a16:creationId xmlns:a16="http://schemas.microsoft.com/office/drawing/2014/main" id="{21DF395C-D1B6-10C8-444A-0D3C434F0BC5}"/>
+              </a:ext>
+            </a:extLst>
+          </p:cNvPr>
+          <p:cNvCxnSpPr>
+            <a:stCxn id="9" idx="3"/>
+            <a:endCxn id="4" idx="1"/>
+          </p:cNvCxnSpPr>
+          <p:nvPr/>
+        </p:nvCxnSpPr>
+        <p:spPr>
+          <a:xfrm flipV="1">
+            <a:off x="2702988" y="893499"/>
+            <a:ext cx="493311" cy="122246"/>
+          </a:xfrm>
+          <a:prstGeom prst="straightConnector1">
+            <a:avLst/>
+          </a:prstGeom>
+          <a:ln>
+            <a:tailEnd type="triangle"/>
+          </a:ln>
+        </p:spPr>
+        <p:style>
+          <a:lnRef idx="2">
+            <a:schemeClr val="accent1"/>
+          </a:lnRef>
+          <a:fillRef idx="0">
+            <a:schemeClr val="accent1"/>
+          </a:fillRef>
+          <a:effectRef idx="1">
+            <a:schemeClr val="accent1"/>
+          </a:effectRef>
+          <a:fontRef idx="minor">
+            <a:schemeClr val="tx1"/>
+          </a:fontRef>
+        </p:style>
+      </p:cxnSp>
+      <p:cxnSp>
+        <p:nvCxnSpPr>
+          <p:cNvPr id="18" name="Straight Arrow Connector 17">
+            <a:extLst>
+              <a:ext uri="{FF2B5EF4-FFF2-40B4-BE49-F238E27FC236}">
+                <a16:creationId xmlns:a16="http://schemas.microsoft.com/office/drawing/2014/main" id="{A0160256-0568-B1A1-D665-DABA254CD409}"/>
+              </a:ext>
+            </a:extLst>
+          </p:cNvPr>
+          <p:cNvCxnSpPr>
+            <a:stCxn id="9" idx="3"/>
+            <a:endCxn id="6" idx="1"/>
+          </p:cNvCxnSpPr>
+          <p:nvPr/>
+        </p:nvCxnSpPr>
+        <p:spPr>
+          <a:xfrm>
+            <a:off x="2702988" y="1015745"/>
+            <a:ext cx="147411" cy="361652"/>
+          </a:xfrm>
+          <a:prstGeom prst="straightConnector1">
+            <a:avLst/>
+          </a:prstGeom>
+          <a:ln>
+            <a:tailEnd type="triangle"/>
+          </a:ln>
+        </p:spPr>
+        <p:style>
+          <a:lnRef idx="2">
+            <a:schemeClr val="accent1"/>
+          </a:lnRef>
+          <a:fillRef idx="0">
+            <a:schemeClr val="accent1"/>
+          </a:fillRef>
+          <a:effectRef idx="1">
+            <a:schemeClr val="accent1"/>
+          </a:effectRef>
+          <a:fontRef idx="minor">
+            <a:schemeClr val="tx1"/>
+          </a:fontRef>
+        </p:style>
+      </p:cxnSp>
+      <p:sp>
+        <p:nvSpPr>
+          <p:cNvPr id="19" name="TextBox 18">
+            <a:extLst>
+              <a:ext uri="{FF2B5EF4-FFF2-40B4-BE49-F238E27FC236}">
+                <a16:creationId xmlns:a16="http://schemas.microsoft.com/office/drawing/2014/main" id="{535DAFCE-C3AF-3B87-5E5E-6203CB2CA190}"/>
+              </a:ext>
+            </a:extLst>
+          </p:cNvPr>
+          <p:cNvSpPr txBox="1"/>
+          <p:nvPr/>
+        </p:nvSpPr>
+        <p:spPr>
+          <a:xfrm>
+            <a:off x="147411" y="1935308"/>
+            <a:ext cx="8441478" cy="369332"/>
+          </a:xfrm>
+          <a:prstGeom prst="rect">
+            <a:avLst/>
+          </a:prstGeom>
+          <a:noFill/>
+        </p:spPr>
+        <p:txBody>
+          <a:bodyPr wrap="none" rtlCol="0">
+            <a:spAutoFit/>
+          </a:bodyPr>
+          <a:lstStyle/>
+          <a:p>
+            <a:r>
+              <a:rPr lang="en-US" dirty="0"/>
+              <a:t>For properties that don’t depend on temperature, that change through mixing is zero</a:t>
+            </a:r>
+          </a:p>
+        </p:txBody>
+      </p:sp>
+      <p:sp>
+        <p:nvSpPr>
+          <p:cNvPr id="20" name="TextBox 19">
+            <a:extLst>
+              <a:ext uri="{FF2B5EF4-FFF2-40B4-BE49-F238E27FC236}">
+                <a16:creationId xmlns:a16="http://schemas.microsoft.com/office/drawing/2014/main" id="{DFA959C7-A776-71CB-E33D-61776BD15F66}"/>
+              </a:ext>
+            </a:extLst>
+          </p:cNvPr>
+          <p:cNvSpPr txBox="1"/>
+          <p:nvPr/>
+        </p:nvSpPr>
+        <p:spPr>
+          <a:xfrm>
+            <a:off x="653998" y="2419205"/>
+            <a:ext cx="7378804" cy="923330"/>
+          </a:xfrm>
+          <a:prstGeom prst="rect">
+            <a:avLst/>
+          </a:prstGeom>
+          <a:noFill/>
+        </p:spPr>
+        <p:txBody>
+          <a:bodyPr wrap="square" rtlCol="0">
+            <a:spAutoFit/>
+          </a:bodyPr>
+          <a:lstStyle/>
+          <a:p>
+            <a:pPr marL="285750" indent="-285750" algn="ctr">
+              <a:buFont typeface="Arial" panose="020B0604020202020204" pitchFamily="34" charset="0"/>
+              <a:buChar char="•"/>
+            </a:pPr>
+            <a:r>
+              <a:rPr lang="en-US" dirty="0"/>
+              <a:t>Remember to do final minus initial! The cases above are for when you are combining two gases.</a:t>
+            </a:r>
+          </a:p>
+          <a:p>
+            <a:pPr marL="285750" indent="-285750" algn="ctr">
+              <a:buFont typeface="Arial" panose="020B0604020202020204" pitchFamily="34" charset="0"/>
+              <a:buChar char="•"/>
+            </a:pPr>
+            <a:r>
+              <a:rPr lang="en-US" dirty="0"/>
+              <a:t>Hint: When combining gases, the entropy goes up and vise versa</a:t>
+            </a:r>
+          </a:p>
+        </p:txBody>
+      </p:sp>
+      <p:sp>
+        <p:nvSpPr>
+          <p:cNvPr id="22" name="TextBox 21">
+            <a:extLst>
+              <a:ext uri="{FF2B5EF4-FFF2-40B4-BE49-F238E27FC236}">
+                <a16:creationId xmlns:a16="http://schemas.microsoft.com/office/drawing/2014/main" id="{318D28A0-18BA-82E1-7A69-2BCAC660C600}"/>
+              </a:ext>
+            </a:extLst>
+          </p:cNvPr>
+          <p:cNvSpPr txBox="1"/>
+          <p:nvPr/>
+        </p:nvSpPr>
+        <p:spPr>
+          <a:xfrm>
+            <a:off x="540535" y="3547450"/>
+            <a:ext cx="7490575" cy="646331"/>
+          </a:xfrm>
+          <a:prstGeom prst="rect">
+            <a:avLst/>
+          </a:prstGeom>
+          <a:noFill/>
+        </p:spPr>
+        <p:txBody>
+          <a:bodyPr wrap="square" rtlCol="0">
+            <a:spAutoFit/>
+          </a:bodyPr>
+          <a:lstStyle/>
+          <a:p>
+            <a:pPr algn="ctr"/>
+            <a:r>
+              <a:rPr lang="en-US" dirty="0"/>
+              <a:t>An example problem would ask for the change in entropy by mixing or separating. They  could also ask you for the ideal work</a:t>
+            </a:r>
+          </a:p>
+        </p:txBody>
+      </p:sp>
+      <p:pic>
+        <p:nvPicPr>
+          <p:cNvPr id="24" name="Picture 23">
+            <a:extLst>
+              <a:ext uri="{FF2B5EF4-FFF2-40B4-BE49-F238E27FC236}">
+                <a16:creationId xmlns:a16="http://schemas.microsoft.com/office/drawing/2014/main" id="{51B363DE-C0C5-DB20-816D-5D2DFF39827F}"/>
+              </a:ext>
+            </a:extLst>
+          </p:cNvPr>
+          <p:cNvPicPr>
+            <a:picLocks noChangeAspect="1"/>
+          </p:cNvPicPr>
+          <p:nvPr/>
+        </p:nvPicPr>
+        <p:blipFill>
+          <a:blip r:embed="rId4"/>
+          <a:stretch>
+            <a:fillRect/>
+          </a:stretch>
+        </p:blipFill>
+        <p:spPr>
+          <a:xfrm>
+            <a:off x="2949643" y="4306533"/>
+            <a:ext cx="2987094" cy="646330"/>
+          </a:xfrm>
+          <a:prstGeom prst="rect">
+            <a:avLst/>
+          </a:prstGeom>
+        </p:spPr>
+      </p:pic>
+      <p:cxnSp>
+        <p:nvCxnSpPr>
+          <p:cNvPr id="26" name="Straight Arrow Connector 25">
+            <a:extLst>
+              <a:ext uri="{FF2B5EF4-FFF2-40B4-BE49-F238E27FC236}">
+                <a16:creationId xmlns:a16="http://schemas.microsoft.com/office/drawing/2014/main" id="{953133AE-C215-2705-7DBA-98643586FB6E}"/>
+              </a:ext>
+            </a:extLst>
+          </p:cNvPr>
+          <p:cNvCxnSpPr/>
+          <p:nvPr/>
+        </p:nvCxnSpPr>
+        <p:spPr>
+          <a:xfrm flipH="1" flipV="1">
+            <a:off x="5274303" y="4818185"/>
+            <a:ext cx="930903" cy="134678"/>
+          </a:xfrm>
+          <a:prstGeom prst="straightConnector1">
+            <a:avLst/>
+          </a:prstGeom>
+          <a:ln>
+            <a:tailEnd type="triangle"/>
+          </a:ln>
+        </p:spPr>
+        <p:style>
+          <a:lnRef idx="2">
+            <a:schemeClr val="accent1"/>
+          </a:lnRef>
+          <a:fillRef idx="0">
+            <a:schemeClr val="accent1"/>
+          </a:fillRef>
+          <a:effectRef idx="1">
+            <a:schemeClr val="accent1"/>
+          </a:effectRef>
+          <a:fontRef idx="minor">
+            <a:schemeClr val="tx1"/>
+          </a:fontRef>
+        </p:style>
+      </p:cxnSp>
+      <p:sp>
+        <p:nvSpPr>
+          <p:cNvPr id="27" name="TextBox 26">
+            <a:extLst>
+              <a:ext uri="{FF2B5EF4-FFF2-40B4-BE49-F238E27FC236}">
+                <a16:creationId xmlns:a16="http://schemas.microsoft.com/office/drawing/2014/main" id="{A5E04262-580A-5F44-5B61-F9D22876BAE6}"/>
+              </a:ext>
+            </a:extLst>
+          </p:cNvPr>
+          <p:cNvSpPr txBox="1"/>
+          <p:nvPr/>
+        </p:nvSpPr>
+        <p:spPr>
+          <a:xfrm>
+            <a:off x="6270485" y="4583532"/>
+            <a:ext cx="2058728" cy="646331"/>
+          </a:xfrm>
+          <a:prstGeom prst="rect">
+            <a:avLst/>
+          </a:prstGeom>
+          <a:noFill/>
+        </p:spPr>
+        <p:txBody>
+          <a:bodyPr wrap="square" rtlCol="0">
+            <a:spAutoFit/>
+          </a:bodyPr>
+          <a:lstStyle/>
+          <a:p>
+            <a:r>
+              <a:rPr lang="en-US" dirty="0"/>
+              <a:t>Surrounding Temperature</a:t>
+            </a:r>
+          </a:p>
+        </p:txBody>
+      </p:sp>
+    </p:spTree>
+    <p:extLst>
+      <p:ext uri="{BB962C8B-B14F-4D97-AF65-F5344CB8AC3E}">
+        <p14:creationId xmlns:p14="http://schemas.microsoft.com/office/powerpoint/2010/main" val="2453287035"/>
       </p:ext>
     </p:extLst>
   </p:cSld>

--- a/ThermodynamicsII.pptx
+++ b/ThermodynamicsII.pptx
@@ -26,6 +26,8 @@
     <p:sldId id="274" r:id="rId20"/>
     <p:sldId id="275" r:id="rId21"/>
     <p:sldId id="276" r:id="rId22"/>
+    <p:sldId id="279" r:id="rId23"/>
+    <p:sldId id="280" r:id="rId24"/>
   </p:sldIdLst>
   <p:sldSz cx="8686800" cy="12192000"/>
   <p:notesSz cx="6858000" cy="9144000"/>
@@ -162,6 +164,8 @@
             <p14:sldId id="274"/>
             <p14:sldId id="275"/>
             <p14:sldId id="276"/>
+            <p14:sldId id="279"/>
+            <p14:sldId id="280"/>
           </p14:sldIdLst>
         </p14:section>
       </p14:sectionLst>
@@ -516,7 +520,7 @@
           <a:p>
             <a:fld id="{A13BDB0B-0E15-448B-8EBC-9EB4315D4970}" type="datetimeFigureOut">
               <a:rPr lang="en-US" smtClean="0"/>
-              <a:t>9/3/2024</a:t>
+              <a:t>9/5/2024</a:t>
             </a:fld>
             <a:endParaRPr lang="en-US"/>
           </a:p>
@@ -686,7 +690,7 @@
           <a:p>
             <a:fld id="{A13BDB0B-0E15-448B-8EBC-9EB4315D4970}" type="datetimeFigureOut">
               <a:rPr lang="en-US" smtClean="0"/>
-              <a:t>9/3/2024</a:t>
+              <a:t>9/5/2024</a:t>
             </a:fld>
             <a:endParaRPr lang="en-US"/>
           </a:p>
@@ -866,7 +870,7 @@
           <a:p>
             <a:fld id="{A13BDB0B-0E15-448B-8EBC-9EB4315D4970}" type="datetimeFigureOut">
               <a:rPr lang="en-US" smtClean="0"/>
-              <a:t>9/3/2024</a:t>
+              <a:t>9/5/2024</a:t>
             </a:fld>
             <a:endParaRPr lang="en-US"/>
           </a:p>
@@ -1036,7 +1040,7 @@
           <a:p>
             <a:fld id="{A13BDB0B-0E15-448B-8EBC-9EB4315D4970}" type="datetimeFigureOut">
               <a:rPr lang="en-US" smtClean="0"/>
-              <a:t>9/3/2024</a:t>
+              <a:t>9/5/2024</a:t>
             </a:fld>
             <a:endParaRPr lang="en-US"/>
           </a:p>
@@ -1282,7 +1286,7 @@
           <a:p>
             <a:fld id="{A13BDB0B-0E15-448B-8EBC-9EB4315D4970}" type="datetimeFigureOut">
               <a:rPr lang="en-US" smtClean="0"/>
-              <a:t>9/3/2024</a:t>
+              <a:t>9/5/2024</a:t>
             </a:fld>
             <a:endParaRPr lang="en-US"/>
           </a:p>
@@ -1514,7 +1518,7 @@
           <a:p>
             <a:fld id="{A13BDB0B-0E15-448B-8EBC-9EB4315D4970}" type="datetimeFigureOut">
               <a:rPr lang="en-US" smtClean="0"/>
-              <a:t>9/3/2024</a:t>
+              <a:t>9/5/2024</a:t>
             </a:fld>
             <a:endParaRPr lang="en-US"/>
           </a:p>
@@ -1881,7 +1885,7 @@
           <a:p>
             <a:fld id="{A13BDB0B-0E15-448B-8EBC-9EB4315D4970}" type="datetimeFigureOut">
               <a:rPr lang="en-US" smtClean="0"/>
-              <a:t>9/3/2024</a:t>
+              <a:t>9/5/2024</a:t>
             </a:fld>
             <a:endParaRPr lang="en-US"/>
           </a:p>
@@ -1999,7 +2003,7 @@
           <a:p>
             <a:fld id="{A13BDB0B-0E15-448B-8EBC-9EB4315D4970}" type="datetimeFigureOut">
               <a:rPr lang="en-US" smtClean="0"/>
-              <a:t>9/3/2024</a:t>
+              <a:t>9/5/2024</a:t>
             </a:fld>
             <a:endParaRPr lang="en-US"/>
           </a:p>
@@ -2094,7 +2098,7 @@
           <a:p>
             <a:fld id="{A13BDB0B-0E15-448B-8EBC-9EB4315D4970}" type="datetimeFigureOut">
               <a:rPr lang="en-US" smtClean="0"/>
-              <a:t>9/3/2024</a:t>
+              <a:t>9/5/2024</a:t>
             </a:fld>
             <a:endParaRPr lang="en-US"/>
           </a:p>
@@ -2371,7 +2375,7 @@
           <a:p>
             <a:fld id="{A13BDB0B-0E15-448B-8EBC-9EB4315D4970}" type="datetimeFigureOut">
               <a:rPr lang="en-US" smtClean="0"/>
-              <a:t>9/3/2024</a:t>
+              <a:t>9/5/2024</a:t>
             </a:fld>
             <a:endParaRPr lang="en-US"/>
           </a:p>
@@ -2628,7 +2632,7 @@
           <a:p>
             <a:fld id="{A13BDB0B-0E15-448B-8EBC-9EB4315D4970}" type="datetimeFigureOut">
               <a:rPr lang="en-US" smtClean="0"/>
-              <a:t>9/3/2024</a:t>
+              <a:t>9/5/2024</a:t>
             </a:fld>
             <a:endParaRPr lang="en-US"/>
           </a:p>
@@ -2841,7 +2845,7 @@
           <a:p>
             <a:fld id="{A13BDB0B-0E15-448B-8EBC-9EB4315D4970}" type="datetimeFigureOut">
               <a:rPr lang="en-US" smtClean="0"/>
-              <a:t>9/3/2024</a:t>
+              <a:t>9/5/2024</a:t>
             </a:fld>
             <a:endParaRPr lang="en-US"/>
           </a:p>
@@ -3487,7 +3491,7 @@
             </a:pPr>
             <a:r>
               <a:rPr lang="en-US" dirty="0"/>
-              <a:t>Location: CHEN 340</a:t>
+              <a:t>Location: CHEN 540</a:t>
             </a:r>
           </a:p>
           <a:p>
@@ -3527,7 +3531,7 @@
             </a:pPr>
             <a:r>
               <a:rPr lang="en-US" dirty="0"/>
-              <a:t>Location: CHEN 340</a:t>
+              <a:t>Location: CHEN 540</a:t>
             </a:r>
           </a:p>
         </p:txBody>
@@ -15129,36 +15133,6 @@
           </a:p>
         </p:txBody>
       </p:sp>
-      <p:pic>
-        <p:nvPicPr>
-          <p:cNvPr id="8" name="Picture 7">
-            <a:extLst>
-              <a:ext uri="{FF2B5EF4-FFF2-40B4-BE49-F238E27FC236}">
-                <a16:creationId xmlns:a16="http://schemas.microsoft.com/office/drawing/2014/main" id="{C2A764E5-88FD-0B51-DDB1-0F6BBE9E5A96}"/>
-              </a:ext>
-            </a:extLst>
-          </p:cNvPr>
-          <p:cNvPicPr>
-            <a:picLocks noChangeAspect="1"/>
-          </p:cNvPicPr>
-          <p:nvPr/>
-        </p:nvPicPr>
-        <p:blipFill>
-          <a:blip r:embed="rId3"/>
-          <a:stretch>
-            <a:fillRect/>
-          </a:stretch>
-        </p:blipFill>
-        <p:spPr>
-          <a:xfrm>
-            <a:off x="1253764" y="2764992"/>
-            <a:ext cx="5838521" cy="646331"/>
-          </a:xfrm>
-          <a:prstGeom prst="rect">
-            <a:avLst/>
-          </a:prstGeom>
-        </p:spPr>
-      </p:pic>
       <p:sp>
         <p:nvSpPr>
           <p:cNvPr id="9" name="TextBox 8">
@@ -15173,7 +15147,7 @@
         </p:nvSpPr>
         <p:spPr>
           <a:xfrm>
-            <a:off x="0" y="3519233"/>
+            <a:off x="0" y="3670529"/>
             <a:ext cx="8686800" cy="646330"/>
           </a:xfrm>
           <a:prstGeom prst="rect">
@@ -19143,6 +19117,36 @@
           </a:p>
         </p:txBody>
       </p:sp>
+      <p:pic>
+        <p:nvPicPr>
+          <p:cNvPr id="28" name="Picture 27">
+            <a:extLst>
+              <a:ext uri="{FF2B5EF4-FFF2-40B4-BE49-F238E27FC236}">
+                <a16:creationId xmlns:a16="http://schemas.microsoft.com/office/drawing/2014/main" id="{E923B7B5-219D-CEB2-0A41-CFD668900C37}"/>
+              </a:ext>
+            </a:extLst>
+          </p:cNvPr>
+          <p:cNvPicPr>
+            <a:picLocks noChangeAspect="1"/>
+          </p:cNvPicPr>
+          <p:nvPr/>
+        </p:nvPicPr>
+        <p:blipFill>
+          <a:blip r:embed="rId14"/>
+          <a:stretch>
+            <a:fillRect/>
+          </a:stretch>
+        </p:blipFill>
+        <p:spPr>
+          <a:xfrm>
+            <a:off x="1181312" y="2641949"/>
+            <a:ext cx="5809007" cy="1015783"/>
+          </a:xfrm>
+          <a:prstGeom prst="rect">
+            <a:avLst/>
+          </a:prstGeom>
+        </p:spPr>
+      </p:pic>
     </p:spTree>
     <p:extLst>
       <p:ext uri="{BB962C8B-B14F-4D97-AF65-F5344CB8AC3E}">
@@ -20444,8 +20448,8 @@
           </a:p>
         </p:txBody>
       </p:sp>
-      <mc:AlternateContent xmlns:mc="http://schemas.openxmlformats.org/markup-compatibility/2006">
-        <mc:Choice xmlns:a14="http://schemas.microsoft.com/office/drawing/2010/main" Requires="a14">
+      <mc:AlternateContent xmlns:mc="http://schemas.openxmlformats.org/markup-compatibility/2006" xmlns:a14="http://schemas.microsoft.com/office/drawing/2010/main">
+        <mc:Choice Requires="a14">
           <p:sp>
             <p:nvSpPr>
               <p:cNvPr id="8" name="TextBox 7">
@@ -20923,7 +20927,7 @@
             </p:txBody>
           </p:sp>
         </mc:Choice>
-        <mc:Fallback>
+        <mc:Fallback xmlns="">
           <p:sp>
             <p:nvSpPr>
               <p:cNvPr id="8" name="TextBox 7">
@@ -23335,6 +23339,102 @@
           </a:p>
         </p:txBody>
       </p:sp>
+      <p:pic>
+        <p:nvPicPr>
+          <p:cNvPr id="36" name="Picture 35">
+            <a:extLst>
+              <a:ext uri="{FF2B5EF4-FFF2-40B4-BE49-F238E27FC236}">
+                <a16:creationId xmlns:a16="http://schemas.microsoft.com/office/drawing/2014/main" id="{3E81811B-6179-F7F2-967C-C7DB419EB6AA}"/>
+              </a:ext>
+            </a:extLst>
+          </p:cNvPr>
+          <p:cNvPicPr>
+            <a:picLocks noChangeAspect="1"/>
+          </p:cNvPicPr>
+          <p:nvPr/>
+        </p:nvPicPr>
+        <p:blipFill>
+          <a:blip r:embed="rId16"/>
+          <a:stretch>
+            <a:fillRect/>
+          </a:stretch>
+        </p:blipFill>
+        <p:spPr>
+          <a:xfrm>
+            <a:off x="2980129" y="9160306"/>
+            <a:ext cx="5275194" cy="636495"/>
+          </a:xfrm>
+          <a:prstGeom prst="rect">
+            <a:avLst/>
+          </a:prstGeom>
+        </p:spPr>
+      </p:pic>
+      <p:sp>
+        <p:nvSpPr>
+          <p:cNvPr id="16" name="TextBox 15">
+            <a:extLst>
+              <a:ext uri="{FF2B5EF4-FFF2-40B4-BE49-F238E27FC236}">
+                <a16:creationId xmlns:a16="http://schemas.microsoft.com/office/drawing/2014/main" id="{47E7C3F4-0B14-D19C-A213-4A98868AABB0}"/>
+              </a:ext>
+            </a:extLst>
+          </p:cNvPr>
+          <p:cNvSpPr txBox="1"/>
+          <p:nvPr/>
+        </p:nvSpPr>
+        <p:spPr>
+          <a:xfrm>
+            <a:off x="2841560" y="9848190"/>
+            <a:ext cx="5673000" cy="646331"/>
+          </a:xfrm>
+          <a:prstGeom prst="rect">
+            <a:avLst/>
+          </a:prstGeom>
+          <a:noFill/>
+        </p:spPr>
+        <p:txBody>
+          <a:bodyPr wrap="square" rtlCol="0">
+            <a:spAutoFit/>
+          </a:bodyPr>
+          <a:lstStyle/>
+          <a:p>
+            <a:pPr algn="ctr"/>
+            <a:r>
+              <a:rPr lang="en-US" dirty="0"/>
+              <a:t>Additionally, these equations, which are derivatives of the Gibbs-Duhem equation can be found</a:t>
+            </a:r>
+          </a:p>
+        </p:txBody>
+      </p:sp>
+      <p:pic>
+        <p:nvPicPr>
+          <p:cNvPr id="23" name="Picture 22">
+            <a:extLst>
+              <a:ext uri="{FF2B5EF4-FFF2-40B4-BE49-F238E27FC236}">
+                <a16:creationId xmlns:a16="http://schemas.microsoft.com/office/drawing/2014/main" id="{CCC5094C-DAEF-BDFB-7CB1-08C6477CF5CC}"/>
+              </a:ext>
+            </a:extLst>
+          </p:cNvPr>
+          <p:cNvPicPr>
+            <a:picLocks noChangeAspect="1"/>
+          </p:cNvPicPr>
+          <p:nvPr/>
+        </p:nvPicPr>
+        <p:blipFill>
+          <a:blip r:embed="rId17"/>
+          <a:stretch>
+            <a:fillRect/>
+          </a:stretch>
+        </p:blipFill>
+        <p:spPr>
+          <a:xfrm>
+            <a:off x="3013800" y="10501699"/>
+            <a:ext cx="5039428" cy="647790"/>
+          </a:xfrm>
+          <a:prstGeom prst="rect">
+            <a:avLst/>
+          </a:prstGeom>
+        </p:spPr>
+      </p:pic>
     </p:spTree>
     <p:extLst>
       <p:ext uri="{BB962C8B-B14F-4D97-AF65-F5344CB8AC3E}">
@@ -23387,7 +23487,7 @@
         </p:blipFill>
         <p:spPr>
           <a:xfrm>
-            <a:off x="651473" y="1197433"/>
+            <a:off x="651472" y="1002468"/>
             <a:ext cx="6944694" cy="4048690"/>
           </a:xfrm>
           <a:prstGeom prst="rect">
@@ -23417,7 +23517,7 @@
         </p:blipFill>
         <p:spPr>
           <a:xfrm>
-            <a:off x="651473" y="5246123"/>
+            <a:off x="651472" y="5189837"/>
             <a:ext cx="3141594" cy="852493"/>
           </a:xfrm>
           <a:prstGeom prst="rect">
@@ -23447,7 +23547,7 @@
         </p:blipFill>
         <p:spPr>
           <a:xfrm>
-            <a:off x="4893112" y="5246123"/>
+            <a:off x="5148098" y="5198812"/>
             <a:ext cx="2183670" cy="796959"/>
           </a:xfrm>
           <a:prstGeom prst="rect">
@@ -23477,7 +23577,7 @@
         </p:blipFill>
         <p:spPr>
           <a:xfrm>
-            <a:off x="1942765" y="6098616"/>
+            <a:off x="1942765" y="7043062"/>
             <a:ext cx="4801270" cy="5001323"/>
           </a:xfrm>
           <a:prstGeom prst="rect">
@@ -23485,8 +23585,8 @@
           </a:prstGeom>
         </p:spPr>
       </p:pic>
-      <mc:AlternateContent xmlns:mc="http://schemas.openxmlformats.org/markup-compatibility/2006" xmlns:a14="http://schemas.microsoft.com/office/drawing/2010/main">
-        <mc:Choice Requires="a14">
+      <mc:AlternateContent xmlns:mc="http://schemas.openxmlformats.org/markup-compatibility/2006">
+        <mc:Choice xmlns:a14="http://schemas.microsoft.com/office/drawing/2010/main" Requires="a14">
           <p:sp>
             <p:nvSpPr>
               <p:cNvPr id="12" name="TextBox 11">
@@ -23501,7 +23601,7 @@
             </p:nvSpPr>
             <p:spPr>
               <a:xfrm>
-                <a:off x="58284" y="11306101"/>
+                <a:off x="58284" y="147615"/>
                 <a:ext cx="8628516" cy="646331"/>
               </a:xfrm>
               <a:prstGeom prst="rect">
@@ -23576,7 +23676,7 @@
             </p:txBody>
           </p:sp>
         </mc:Choice>
-        <mc:Fallback xmlns="">
+        <mc:Fallback>
           <p:sp>
             <p:nvSpPr>
               <p:cNvPr id="12" name="TextBox 11">
@@ -23593,7 +23693,7 @@
             </p:nvSpPr>
             <p:spPr>
               <a:xfrm>
-                <a:off x="58284" y="11306101"/>
+                <a:off x="58284" y="147615"/>
                 <a:ext cx="8628516" cy="646331"/>
               </a:xfrm>
               <a:prstGeom prst="rect">
@@ -23602,7 +23702,7 @@
               <a:blipFill>
                 <a:blip r:embed="rId6"/>
                 <a:stretch>
-                  <a:fillRect l="-212" t="-4717" r="-71" b="-15094"/>
+                  <a:fillRect l="-212" t="-3774" r="-71" b="-15094"/>
                 </a:stretch>
               </a:blipFill>
             </p:spPr>
@@ -23621,36 +23721,42 @@
           </p:sp>
         </mc:Fallback>
       </mc:AlternateContent>
-      <p:pic>
-        <p:nvPicPr>
-          <p:cNvPr id="36" name="Picture 35">
+      <p:sp>
+        <p:nvSpPr>
+          <p:cNvPr id="2" name="TextBox 1">
             <a:extLst>
               <a:ext uri="{FF2B5EF4-FFF2-40B4-BE49-F238E27FC236}">
-                <a16:creationId xmlns:a16="http://schemas.microsoft.com/office/drawing/2014/main" id="{3E81811B-6179-F7F2-967C-C7DB419EB6AA}"/>
+                <a16:creationId xmlns:a16="http://schemas.microsoft.com/office/drawing/2014/main" id="{2FE251BA-2847-3533-884B-BC27ED73CAD1}"/>
               </a:ext>
             </a:extLst>
           </p:cNvPr>
-          <p:cNvPicPr>
-            <a:picLocks noChangeAspect="1"/>
-          </p:cNvPicPr>
+          <p:cNvSpPr txBox="1"/>
           <p:nvPr/>
-        </p:nvPicPr>
-        <p:blipFill>
-          <a:blip r:embed="rId7"/>
-          <a:stretch>
-            <a:fillRect/>
-          </a:stretch>
-        </p:blipFill>
+        </p:nvSpPr>
         <p:spPr>
           <a:xfrm>
-            <a:off x="651473" y="85533"/>
-            <a:ext cx="7065355" cy="852493"/>
+            <a:off x="0" y="5957945"/>
+            <a:ext cx="8686800" cy="923330"/>
           </a:xfrm>
           <a:prstGeom prst="rect">
             <a:avLst/>
           </a:prstGeom>
+          <a:noFill/>
         </p:spPr>
-      </p:pic>
+        <p:txBody>
+          <a:bodyPr wrap="square" rtlCol="0">
+            <a:spAutoFit/>
+          </a:bodyPr>
+          <a:lstStyle/>
+          <a:p>
+            <a:pPr algn="ctr"/>
+            <a:r>
+              <a:rPr lang="en-US" dirty="0"/>
+              <a:t>The pure species property Mi and the Partial Mi in infinitesimally small fractions can be found by graphing M and finding where the slope intercepts 0 and 1 on the x1 axis at that specific value of x1</a:t>
+            </a:r>
+          </a:p>
+        </p:txBody>
+      </p:sp>
     </p:spTree>
     <p:extLst>
       <p:ext uri="{BB962C8B-B14F-4D97-AF65-F5344CB8AC3E}">
@@ -26269,8 +26375,8 @@
         </p:blipFill>
         <p:spPr>
           <a:xfrm>
-            <a:off x="3208330" y="1178227"/>
-            <a:ext cx="1848108" cy="533474"/>
+            <a:off x="2797646" y="1061204"/>
+            <a:ext cx="2258772" cy="652016"/>
           </a:xfrm>
           <a:prstGeom prst="rect">
             <a:avLst/>
@@ -26658,8 +26764,8 @@
             <a:chExt cx="5153760" cy="5522040"/>
           </a:xfrm>
         </p:grpSpPr>
-        <mc:AlternateContent xmlns:mc="http://schemas.openxmlformats.org/markup-compatibility/2006">
-          <mc:Choice xmlns:p14="http://schemas.microsoft.com/office/powerpoint/2010/main" Requires="p14">
+        <mc:AlternateContent xmlns:mc="http://schemas.openxmlformats.org/markup-compatibility/2006" xmlns:p14="http://schemas.microsoft.com/office/powerpoint/2010/main">
+          <mc:Choice Requires="p14">
             <p:contentPart p14:bwMode="auto" r:id="rId9">
               <p14:nvContentPartPr>
                 <p14:cNvPr id="23" name="Ink 22">
@@ -26678,7 +26784,7 @@
               </p14:xfrm>
             </p:contentPart>
           </mc:Choice>
-          <mc:Fallback>
+          <mc:Fallback xmlns="">
             <p:pic>
               <p:nvPicPr>
                 <p:cNvPr id="23" name="Ink 22">
@@ -26709,8 +26815,8 @@
             </p:pic>
           </mc:Fallback>
         </mc:AlternateContent>
-        <mc:AlternateContent xmlns:mc="http://schemas.openxmlformats.org/markup-compatibility/2006">
-          <mc:Choice xmlns:p14="http://schemas.microsoft.com/office/powerpoint/2010/main" Requires="p14">
+        <mc:AlternateContent xmlns:mc="http://schemas.openxmlformats.org/markup-compatibility/2006" xmlns:p14="http://schemas.microsoft.com/office/powerpoint/2010/main">
+          <mc:Choice Requires="p14">
             <p:contentPart p14:bwMode="auto" r:id="rId11">
               <p14:nvContentPartPr>
                 <p14:cNvPr id="24" name="Ink 23">
@@ -26729,7 +26835,7 @@
               </p14:xfrm>
             </p:contentPart>
           </mc:Choice>
-          <mc:Fallback>
+          <mc:Fallback xmlns="">
             <p:pic>
               <p:nvPicPr>
                 <p:cNvPr id="24" name="Ink 23">
@@ -26760,8 +26866,8 @@
             </p:pic>
           </mc:Fallback>
         </mc:AlternateContent>
-        <mc:AlternateContent xmlns:mc="http://schemas.openxmlformats.org/markup-compatibility/2006">
-          <mc:Choice xmlns:p14="http://schemas.microsoft.com/office/powerpoint/2010/main" Requires="p14">
+        <mc:AlternateContent xmlns:mc="http://schemas.openxmlformats.org/markup-compatibility/2006" xmlns:p14="http://schemas.microsoft.com/office/powerpoint/2010/main">
+          <mc:Choice Requires="p14">
             <p:contentPart p14:bwMode="auto" r:id="rId13">
               <p14:nvContentPartPr>
                 <p14:cNvPr id="25" name="Ink 24">
@@ -26780,7 +26886,7 @@
               </p14:xfrm>
             </p:contentPart>
           </mc:Choice>
-          <mc:Fallback>
+          <mc:Fallback xmlns="">
             <p:pic>
               <p:nvPicPr>
                 <p:cNvPr id="25" name="Ink 24">
@@ -26811,8 +26917,8 @@
             </p:pic>
           </mc:Fallback>
         </mc:AlternateContent>
-        <mc:AlternateContent xmlns:mc="http://schemas.openxmlformats.org/markup-compatibility/2006">
-          <mc:Choice xmlns:p14="http://schemas.microsoft.com/office/powerpoint/2010/main" Requires="p14">
+        <mc:AlternateContent xmlns:mc="http://schemas.openxmlformats.org/markup-compatibility/2006" xmlns:p14="http://schemas.microsoft.com/office/powerpoint/2010/main">
+          <mc:Choice Requires="p14">
             <p:contentPart p14:bwMode="auto" r:id="rId15">
               <p14:nvContentPartPr>
                 <p14:cNvPr id="26" name="Ink 25">
@@ -26831,7 +26937,7 @@
               </p14:xfrm>
             </p:contentPart>
           </mc:Choice>
-          <mc:Fallback>
+          <mc:Fallback xmlns="">
             <p:pic>
               <p:nvPicPr>
                 <p:cNvPr id="26" name="Ink 25">
@@ -26862,8 +26968,8 @@
             </p:pic>
           </mc:Fallback>
         </mc:AlternateContent>
-        <mc:AlternateContent xmlns:mc="http://schemas.openxmlformats.org/markup-compatibility/2006">
-          <mc:Choice xmlns:p14="http://schemas.microsoft.com/office/powerpoint/2010/main" Requires="p14">
+        <mc:AlternateContent xmlns:mc="http://schemas.openxmlformats.org/markup-compatibility/2006" xmlns:p14="http://schemas.microsoft.com/office/powerpoint/2010/main">
+          <mc:Choice Requires="p14">
             <p:contentPart p14:bwMode="auto" r:id="rId17">
               <p14:nvContentPartPr>
                 <p14:cNvPr id="27" name="Ink 26">
@@ -26882,7 +26988,7 @@
               </p14:xfrm>
             </p:contentPart>
           </mc:Choice>
-          <mc:Fallback>
+          <mc:Fallback xmlns="">
             <p:pic>
               <p:nvPicPr>
                 <p:cNvPr id="27" name="Ink 26">
@@ -27110,6 +27216,41 @@
           </a:prstGeom>
         </p:spPr>
       </p:pic>
+      <p:sp>
+        <p:nvSpPr>
+          <p:cNvPr id="3" name="TextBox 2">
+            <a:extLst>
+              <a:ext uri="{FF2B5EF4-FFF2-40B4-BE49-F238E27FC236}">
+                <a16:creationId xmlns:a16="http://schemas.microsoft.com/office/drawing/2014/main" id="{A6CDAD0C-8C7E-014B-2454-27CBB0F97763}"/>
+              </a:ext>
+            </a:extLst>
+          </p:cNvPr>
+          <p:cNvSpPr txBox="1"/>
+          <p:nvPr/>
+        </p:nvSpPr>
+        <p:spPr>
+          <a:xfrm>
+            <a:off x="5093522" y="8493864"/>
+            <a:ext cx="3365730" cy="369332"/>
+          </a:xfrm>
+          <a:prstGeom prst="rect">
+            <a:avLst/>
+          </a:prstGeom>
+          <a:noFill/>
+        </p:spPr>
+        <p:txBody>
+          <a:bodyPr wrap="none" rtlCol="0">
+            <a:spAutoFit/>
+          </a:bodyPr>
+          <a:lstStyle/>
+          <a:p>
+            <a:r>
+              <a:rPr lang="en-US" dirty="0"/>
+              <a:t>(T and P removed for readability)</a:t>
+            </a:r>
+          </a:p>
+        </p:txBody>
+      </p:sp>
     </p:spTree>
     <p:extLst>
       <p:ext uri="{BB962C8B-B14F-4D97-AF65-F5344CB8AC3E}">
@@ -27698,10 +27839,1443 @@
           </a:p>
         </p:txBody>
       </p:sp>
+      <p:sp>
+        <p:nvSpPr>
+          <p:cNvPr id="3" name="TextBox 2">
+            <a:extLst>
+              <a:ext uri="{FF2B5EF4-FFF2-40B4-BE49-F238E27FC236}">
+                <a16:creationId xmlns:a16="http://schemas.microsoft.com/office/drawing/2014/main" id="{8A30ADAC-9A53-5FD6-7D15-7FFDD7D46EFF}"/>
+              </a:ext>
+            </a:extLst>
+          </p:cNvPr>
+          <p:cNvSpPr txBox="1"/>
+          <p:nvPr/>
+        </p:nvSpPr>
+        <p:spPr>
+          <a:xfrm>
+            <a:off x="0" y="5205758"/>
+            <a:ext cx="5771324" cy="461665"/>
+          </a:xfrm>
+          <a:prstGeom prst="rect">
+            <a:avLst/>
+          </a:prstGeom>
+          <a:noFill/>
+        </p:spPr>
+        <p:txBody>
+          <a:bodyPr wrap="none" rtlCol="0">
+            <a:spAutoFit/>
+          </a:bodyPr>
+          <a:lstStyle/>
+          <a:p>
+            <a:r>
+              <a:rPr lang="en-US" sz="2400" dirty="0"/>
+              <a:t>Gibbs Free Energy for an Ideal Gas mixture</a:t>
+            </a:r>
+          </a:p>
+        </p:txBody>
+      </p:sp>
+      <p:pic>
+        <p:nvPicPr>
+          <p:cNvPr id="7" name="Picture 6">
+            <a:extLst>
+              <a:ext uri="{FF2B5EF4-FFF2-40B4-BE49-F238E27FC236}">
+                <a16:creationId xmlns:a16="http://schemas.microsoft.com/office/drawing/2014/main" id="{3470713D-BD24-323F-74F8-9156621EC067}"/>
+              </a:ext>
+            </a:extLst>
+          </p:cNvPr>
+          <p:cNvPicPr>
+            <a:picLocks noChangeAspect="1"/>
+          </p:cNvPicPr>
+          <p:nvPr/>
+        </p:nvPicPr>
+        <p:blipFill>
+          <a:blip r:embed="rId5"/>
+          <a:stretch>
+            <a:fillRect/>
+          </a:stretch>
+        </p:blipFill>
+        <p:spPr>
+          <a:xfrm>
+            <a:off x="1268036" y="5949251"/>
+            <a:ext cx="5337175" cy="851246"/>
+          </a:xfrm>
+          <a:prstGeom prst="rect">
+            <a:avLst/>
+          </a:prstGeom>
+        </p:spPr>
+      </p:pic>
+      <p:pic>
+        <p:nvPicPr>
+          <p:cNvPr id="11" name="Picture 10">
+            <a:extLst>
+              <a:ext uri="{FF2B5EF4-FFF2-40B4-BE49-F238E27FC236}">
+                <a16:creationId xmlns:a16="http://schemas.microsoft.com/office/drawing/2014/main" id="{B5312421-BBB0-2ECC-0211-9B6AC07522BD}"/>
+              </a:ext>
+            </a:extLst>
+          </p:cNvPr>
+          <p:cNvPicPr>
+            <a:picLocks noChangeAspect="1"/>
+          </p:cNvPicPr>
+          <p:nvPr/>
+        </p:nvPicPr>
+        <p:blipFill>
+          <a:blip r:embed="rId6"/>
+          <a:stretch>
+            <a:fillRect/>
+          </a:stretch>
+        </p:blipFill>
+        <p:spPr>
+          <a:xfrm>
+            <a:off x="2629345" y="6909902"/>
+            <a:ext cx="2861156" cy="759082"/>
+          </a:xfrm>
+          <a:prstGeom prst="rect">
+            <a:avLst/>
+          </a:prstGeom>
+        </p:spPr>
+      </p:pic>
+      <p:pic>
+        <p:nvPicPr>
+          <p:cNvPr id="15" name="Picture 14">
+            <a:extLst>
+              <a:ext uri="{FF2B5EF4-FFF2-40B4-BE49-F238E27FC236}">
+                <a16:creationId xmlns:a16="http://schemas.microsoft.com/office/drawing/2014/main" id="{AF52932F-970E-933B-2F74-E4B77F2D5691}"/>
+              </a:ext>
+            </a:extLst>
+          </p:cNvPr>
+          <p:cNvPicPr>
+            <a:picLocks noChangeAspect="1"/>
+          </p:cNvPicPr>
+          <p:nvPr/>
+        </p:nvPicPr>
+        <p:blipFill>
+          <a:blip r:embed="rId7"/>
+          <a:stretch>
+            <a:fillRect/>
+          </a:stretch>
+        </p:blipFill>
+        <p:spPr>
+          <a:xfrm>
+            <a:off x="2230326" y="8026781"/>
+            <a:ext cx="4275647" cy="759082"/>
+          </a:xfrm>
+          <a:prstGeom prst="rect">
+            <a:avLst/>
+          </a:prstGeom>
+        </p:spPr>
+      </p:pic>
+      <p:pic>
+        <p:nvPicPr>
+          <p:cNvPr id="21" name="Picture 20">
+            <a:extLst>
+              <a:ext uri="{FF2B5EF4-FFF2-40B4-BE49-F238E27FC236}">
+                <a16:creationId xmlns:a16="http://schemas.microsoft.com/office/drawing/2014/main" id="{3FDDD3A6-0F50-2C9D-E2B3-95A96558CA29}"/>
+              </a:ext>
+            </a:extLst>
+          </p:cNvPr>
+          <p:cNvPicPr>
+            <a:picLocks noChangeAspect="1"/>
+          </p:cNvPicPr>
+          <p:nvPr/>
+        </p:nvPicPr>
+        <p:blipFill>
+          <a:blip r:embed="rId8"/>
+          <a:stretch>
+            <a:fillRect/>
+          </a:stretch>
+        </p:blipFill>
+        <p:spPr>
+          <a:xfrm>
+            <a:off x="2230326" y="9093200"/>
+            <a:ext cx="4537163" cy="951340"/>
+          </a:xfrm>
+          <a:prstGeom prst="rect">
+            <a:avLst/>
+          </a:prstGeom>
+        </p:spPr>
+      </p:pic>
+      <p:sp>
+        <p:nvSpPr>
+          <p:cNvPr id="23" name="TextBox 22">
+            <a:extLst>
+              <a:ext uri="{FF2B5EF4-FFF2-40B4-BE49-F238E27FC236}">
+                <a16:creationId xmlns:a16="http://schemas.microsoft.com/office/drawing/2014/main" id="{56B244E1-8875-F79D-CBF6-E2B8ECBDF63E}"/>
+              </a:ext>
+            </a:extLst>
+          </p:cNvPr>
+          <p:cNvSpPr txBox="1"/>
+          <p:nvPr/>
+        </p:nvSpPr>
+        <p:spPr>
+          <a:xfrm>
+            <a:off x="0" y="5703381"/>
+            <a:ext cx="6101222" cy="369332"/>
+          </a:xfrm>
+          <a:prstGeom prst="rect">
+            <a:avLst/>
+          </a:prstGeom>
+          <a:noFill/>
+        </p:spPr>
+        <p:txBody>
+          <a:bodyPr wrap="none" rtlCol="0">
+            <a:spAutoFit/>
+          </a:bodyPr>
+          <a:lstStyle/>
+          <a:p>
+            <a:r>
+              <a:rPr lang="en-US" dirty="0"/>
+              <a:t>First, lets start with the differential form of Gibbs free energy</a:t>
+            </a:r>
+          </a:p>
+        </p:txBody>
+      </p:sp>
+      <p:sp>
+        <p:nvSpPr>
+          <p:cNvPr id="25" name="TextBox 24">
+            <a:extLst>
+              <a:ext uri="{FF2B5EF4-FFF2-40B4-BE49-F238E27FC236}">
+                <a16:creationId xmlns:a16="http://schemas.microsoft.com/office/drawing/2014/main" id="{9525B139-0EDD-2DC6-05C6-FD03320A665C}"/>
+              </a:ext>
+            </a:extLst>
+          </p:cNvPr>
+          <p:cNvSpPr txBox="1"/>
+          <p:nvPr/>
+        </p:nvSpPr>
+        <p:spPr>
+          <a:xfrm>
+            <a:off x="0" y="6576858"/>
+            <a:ext cx="6625019" cy="369332"/>
+          </a:xfrm>
+          <a:prstGeom prst="rect">
+            <a:avLst/>
+          </a:prstGeom>
+          <a:noFill/>
+        </p:spPr>
+        <p:txBody>
+          <a:bodyPr wrap="none" rtlCol="0">
+            <a:spAutoFit/>
+          </a:bodyPr>
+          <a:lstStyle/>
+          <a:p>
+            <a:r>
+              <a:rPr lang="en-US" dirty="0"/>
+              <a:t>Integrating it, we get this. The first term is the integration constant</a:t>
+            </a:r>
+          </a:p>
+        </p:txBody>
+      </p:sp>
+      <p:sp>
+        <p:nvSpPr>
+          <p:cNvPr id="28" name="TextBox 27">
+            <a:extLst>
+              <a:ext uri="{FF2B5EF4-FFF2-40B4-BE49-F238E27FC236}">
+                <a16:creationId xmlns:a16="http://schemas.microsoft.com/office/drawing/2014/main" id="{4472FD86-EF14-5A9A-CD0B-82AD65141539}"/>
+              </a:ext>
+            </a:extLst>
+          </p:cNvPr>
+          <p:cNvSpPr txBox="1"/>
+          <p:nvPr/>
+        </p:nvSpPr>
+        <p:spPr>
+          <a:xfrm>
+            <a:off x="72955" y="7508755"/>
+            <a:ext cx="8391977" cy="923330"/>
+          </a:xfrm>
+          <a:prstGeom prst="rect">
+            <a:avLst/>
+          </a:prstGeom>
+          <a:noFill/>
+        </p:spPr>
+        <p:txBody>
+          <a:bodyPr wrap="square" rtlCol="0">
+            <a:spAutoFit/>
+          </a:bodyPr>
+          <a:lstStyle/>
+          <a:p>
+            <a:r>
+              <a:rPr lang="en-US" dirty="0"/>
+              <a:t>Using Gibbs Theorem (Which states a partial molar property in its ideal-gas-state is equal to the corresponding property in its ideal-gas-state but at a pressure equal to its partial pressure)</a:t>
+            </a:r>
+          </a:p>
+        </p:txBody>
+      </p:sp>
+      <p:sp>
+        <p:nvSpPr>
+          <p:cNvPr id="29" name="TextBox 28">
+            <a:extLst>
+              <a:ext uri="{FF2B5EF4-FFF2-40B4-BE49-F238E27FC236}">
+                <a16:creationId xmlns:a16="http://schemas.microsoft.com/office/drawing/2014/main" id="{798FE321-9561-6718-C9ED-C4FD8BC5E25C}"/>
+              </a:ext>
+            </a:extLst>
+          </p:cNvPr>
+          <p:cNvSpPr txBox="1"/>
+          <p:nvPr/>
+        </p:nvSpPr>
+        <p:spPr>
+          <a:xfrm>
+            <a:off x="72955" y="9093200"/>
+            <a:ext cx="1977657" cy="369332"/>
+          </a:xfrm>
+          <a:prstGeom prst="rect">
+            <a:avLst/>
+          </a:prstGeom>
+          <a:noFill/>
+        </p:spPr>
+        <p:txBody>
+          <a:bodyPr wrap="none" rtlCol="0">
+            <a:spAutoFit/>
+          </a:bodyPr>
+          <a:lstStyle/>
+          <a:p>
+            <a:r>
+              <a:rPr lang="en-US" dirty="0"/>
+              <a:t>With summability,</a:t>
+            </a:r>
+          </a:p>
+        </p:txBody>
+      </p:sp>
+      <p:sp>
+        <p:nvSpPr>
+          <p:cNvPr id="30" name="TextBox 29">
+            <a:extLst>
+              <a:ext uri="{FF2B5EF4-FFF2-40B4-BE49-F238E27FC236}">
+                <a16:creationId xmlns:a16="http://schemas.microsoft.com/office/drawing/2014/main" id="{7038CD6E-FF86-E2DC-AE73-80F5DCC92AC0}"/>
+              </a:ext>
+            </a:extLst>
+          </p:cNvPr>
+          <p:cNvSpPr txBox="1"/>
+          <p:nvPr/>
+        </p:nvSpPr>
+        <p:spPr>
+          <a:xfrm>
+            <a:off x="0" y="10156978"/>
+            <a:ext cx="8441478" cy="646331"/>
+          </a:xfrm>
+          <a:prstGeom prst="rect">
+            <a:avLst/>
+          </a:prstGeom>
+          <a:noFill/>
+        </p:spPr>
+        <p:txBody>
+          <a:bodyPr wrap="square" rtlCol="0">
+            <a:spAutoFit/>
+          </a:bodyPr>
+          <a:lstStyle/>
+          <a:p>
+            <a:r>
+              <a:rPr lang="en-US" dirty="0"/>
+              <a:t>The issue with this though, is that as the molar value of I gets small, the natural log gets very small, and this causes issues</a:t>
+            </a:r>
+          </a:p>
+        </p:txBody>
+      </p:sp>
     </p:spTree>
     <p:extLst>
       <p:ext uri="{BB962C8B-B14F-4D97-AF65-F5344CB8AC3E}">
         <p14:creationId xmlns:p14="http://schemas.microsoft.com/office/powerpoint/2010/main" val="2453287035"/>
+      </p:ext>
+    </p:extLst>
+  </p:cSld>
+  <p:clrMapOvr>
+    <a:masterClrMapping/>
+  </p:clrMapOvr>
+</p:sld>
+</file>
+
+<file path=ppt/slides/slide22.xml><?xml version="1.0" encoding="utf-8"?>
+<p:sld xmlns:a="http://schemas.openxmlformats.org/drawingml/2006/main" xmlns:r="http://schemas.openxmlformats.org/officeDocument/2006/relationships" xmlns:p="http://schemas.openxmlformats.org/presentationml/2006/main">
+  <p:cSld>
+    <p:spTree>
+      <p:nvGrpSpPr>
+        <p:cNvPr id="1" name=""/>
+        <p:cNvGrpSpPr/>
+        <p:nvPr/>
+      </p:nvGrpSpPr>
+      <p:grpSpPr>
+        <a:xfrm>
+          <a:off x="0" y="0"/>
+          <a:ext cx="0" cy="0"/>
+          <a:chOff x="0" y="0"/>
+          <a:chExt cx="0" cy="0"/>
+        </a:xfrm>
+      </p:grpSpPr>
+      <p:sp>
+        <p:nvSpPr>
+          <p:cNvPr id="2" name="TextBox 1">
+            <a:extLst>
+              <a:ext uri="{FF2B5EF4-FFF2-40B4-BE49-F238E27FC236}">
+                <a16:creationId xmlns:a16="http://schemas.microsoft.com/office/drawing/2014/main" id="{3FEE4392-0EBA-E775-B89F-06911F0081A1}"/>
+              </a:ext>
+            </a:extLst>
+          </p:cNvPr>
+          <p:cNvSpPr txBox="1"/>
+          <p:nvPr/>
+        </p:nvSpPr>
+        <p:spPr>
+          <a:xfrm>
+            <a:off x="0" y="0"/>
+            <a:ext cx="1301447" cy="461665"/>
+          </a:xfrm>
+          <a:prstGeom prst="rect">
+            <a:avLst/>
+          </a:prstGeom>
+          <a:noFill/>
+        </p:spPr>
+        <p:txBody>
+          <a:bodyPr wrap="none" rtlCol="0">
+            <a:spAutoFit/>
+          </a:bodyPr>
+          <a:lstStyle/>
+          <a:p>
+            <a:r>
+              <a:rPr lang="en-US" sz="2400" dirty="0"/>
+              <a:t>Fugacity</a:t>
+            </a:r>
+          </a:p>
+        </p:txBody>
+      </p:sp>
+      <p:sp>
+        <p:nvSpPr>
+          <p:cNvPr id="3" name="TextBox 2">
+            <a:extLst>
+              <a:ext uri="{FF2B5EF4-FFF2-40B4-BE49-F238E27FC236}">
+                <a16:creationId xmlns:a16="http://schemas.microsoft.com/office/drawing/2014/main" id="{2D0967D2-984F-5ECB-32F7-81C111B4D0C0}"/>
+              </a:ext>
+            </a:extLst>
+          </p:cNvPr>
+          <p:cNvSpPr txBox="1"/>
+          <p:nvPr/>
+        </p:nvSpPr>
+        <p:spPr>
+          <a:xfrm>
+            <a:off x="1" y="461664"/>
+            <a:ext cx="8686800" cy="2308324"/>
+          </a:xfrm>
+          <a:prstGeom prst="rect">
+            <a:avLst/>
+          </a:prstGeom>
+          <a:noFill/>
+        </p:spPr>
+        <p:txBody>
+          <a:bodyPr wrap="square" rtlCol="0">
+            <a:spAutoFit/>
+          </a:bodyPr>
+          <a:lstStyle/>
+          <a:p>
+            <a:pPr marL="285750" indent="-285750">
+              <a:buFont typeface="Arial" panose="020B0604020202020204" pitchFamily="34" charset="0"/>
+              <a:buChar char="•"/>
+            </a:pPr>
+            <a:r>
+              <a:rPr lang="en-US" dirty="0"/>
+              <a:t>Why Fugacity? – it’s better than chemical potential, which goes to negative infinity as the molar fraction goes to zero</a:t>
+            </a:r>
+          </a:p>
+          <a:p>
+            <a:pPr marL="285750" indent="-285750">
+              <a:buFont typeface="Arial" panose="020B0604020202020204" pitchFamily="34" charset="0"/>
+              <a:buChar char="•"/>
+            </a:pPr>
+            <a:r>
+              <a:rPr lang="en-US" dirty="0"/>
+              <a:t>Meaning – In Latin, it means tendency to flee/escape (from phase to phase)</a:t>
+            </a:r>
+          </a:p>
+          <a:p>
+            <a:pPr marL="285750" indent="-285750">
+              <a:buFont typeface="Arial" panose="020B0604020202020204" pitchFamily="34" charset="0"/>
+              <a:buChar char="•"/>
+            </a:pPr>
+            <a:r>
+              <a:rPr lang="en-US" dirty="0"/>
+              <a:t>In equilibrium, fugacity of all components is the same, so that can be used to find concentrations of species</a:t>
+            </a:r>
+          </a:p>
+          <a:p>
+            <a:pPr marL="285750" indent="-285750">
+              <a:buFont typeface="Arial" panose="020B0604020202020204" pitchFamily="34" charset="0"/>
+              <a:buChar char="•"/>
+            </a:pPr>
+            <a:r>
+              <a:rPr lang="en-US" dirty="0"/>
+              <a:t>So, when there is a mismatch in fugacity, there is a driving force on the system chemically</a:t>
+            </a:r>
+          </a:p>
+          <a:p>
+            <a:pPr marL="285750" indent="-285750">
+              <a:buFont typeface="Arial" panose="020B0604020202020204" pitchFamily="34" charset="0"/>
+              <a:buChar char="•"/>
+            </a:pPr>
+            <a:r>
+              <a:rPr lang="en-US" dirty="0"/>
+              <a:t>The higher the fugacity, the higher the potential to flee (change composition)</a:t>
+            </a:r>
+          </a:p>
+        </p:txBody>
+      </p:sp>
+      <p:sp>
+        <p:nvSpPr>
+          <p:cNvPr id="4" name="TextBox 3">
+            <a:extLst>
+              <a:ext uri="{FF2B5EF4-FFF2-40B4-BE49-F238E27FC236}">
+                <a16:creationId xmlns:a16="http://schemas.microsoft.com/office/drawing/2014/main" id="{2E8DFF99-D24E-5AA6-B198-9C23CDFAC480}"/>
+              </a:ext>
+            </a:extLst>
+          </p:cNvPr>
+          <p:cNvSpPr txBox="1"/>
+          <p:nvPr/>
+        </p:nvSpPr>
+        <p:spPr>
+          <a:xfrm>
+            <a:off x="0" y="2769988"/>
+            <a:ext cx="2497607" cy="400110"/>
+          </a:xfrm>
+          <a:prstGeom prst="rect">
+            <a:avLst/>
+          </a:prstGeom>
+          <a:noFill/>
+        </p:spPr>
+        <p:txBody>
+          <a:bodyPr wrap="none" rtlCol="0">
+            <a:spAutoFit/>
+          </a:bodyPr>
+          <a:lstStyle/>
+          <a:p>
+            <a:r>
+              <a:rPr lang="en-US" sz="2000" dirty="0"/>
+              <a:t>So how do we find it?</a:t>
+            </a:r>
+          </a:p>
+        </p:txBody>
+      </p:sp>
+      <p:pic>
+        <p:nvPicPr>
+          <p:cNvPr id="6" name="Picture 5">
+            <a:extLst>
+              <a:ext uri="{FF2B5EF4-FFF2-40B4-BE49-F238E27FC236}">
+                <a16:creationId xmlns:a16="http://schemas.microsoft.com/office/drawing/2014/main" id="{E628040B-9C11-4E99-D3F2-A284EFED3CD7}"/>
+              </a:ext>
+            </a:extLst>
+          </p:cNvPr>
+          <p:cNvPicPr>
+            <a:picLocks noChangeAspect="1"/>
+          </p:cNvPicPr>
+          <p:nvPr/>
+        </p:nvPicPr>
+        <p:blipFill>
+          <a:blip r:embed="rId2"/>
+          <a:stretch>
+            <a:fillRect/>
+          </a:stretch>
+        </p:blipFill>
+        <p:spPr>
+          <a:xfrm>
+            <a:off x="178196" y="3170098"/>
+            <a:ext cx="2942204" cy="724462"/>
+          </a:xfrm>
+          <a:prstGeom prst="rect">
+            <a:avLst/>
+          </a:prstGeom>
+        </p:spPr>
+      </p:pic>
+      <p:pic>
+        <p:nvPicPr>
+          <p:cNvPr id="7" name="Picture 6">
+            <a:extLst>
+              <a:ext uri="{FF2B5EF4-FFF2-40B4-BE49-F238E27FC236}">
+                <a16:creationId xmlns:a16="http://schemas.microsoft.com/office/drawing/2014/main" id="{4AB21A7D-8F29-954A-B443-3FBE61CE01E3}"/>
+              </a:ext>
+            </a:extLst>
+          </p:cNvPr>
+          <p:cNvPicPr>
+            <a:picLocks noChangeAspect="1"/>
+          </p:cNvPicPr>
+          <p:nvPr/>
+        </p:nvPicPr>
+        <p:blipFill>
+          <a:blip r:embed="rId3"/>
+          <a:stretch>
+            <a:fillRect/>
+          </a:stretch>
+        </p:blipFill>
+        <p:spPr>
+          <a:xfrm>
+            <a:off x="3298596" y="3084679"/>
+            <a:ext cx="2861156" cy="759082"/>
+          </a:xfrm>
+          <a:prstGeom prst="rect">
+            <a:avLst/>
+          </a:prstGeom>
+        </p:spPr>
+      </p:pic>
+      <p:sp>
+        <p:nvSpPr>
+          <p:cNvPr id="8" name="TextBox 7">
+            <a:extLst>
+              <a:ext uri="{FF2B5EF4-FFF2-40B4-BE49-F238E27FC236}">
+                <a16:creationId xmlns:a16="http://schemas.microsoft.com/office/drawing/2014/main" id="{B96DE36E-E18E-7D9D-CACF-9E0A97DB1FF8}"/>
+              </a:ext>
+            </a:extLst>
+          </p:cNvPr>
+          <p:cNvSpPr txBox="1"/>
+          <p:nvPr/>
+        </p:nvSpPr>
+        <p:spPr>
+          <a:xfrm>
+            <a:off x="0" y="3843760"/>
+            <a:ext cx="8686800" cy="1200329"/>
+          </a:xfrm>
+          <a:prstGeom prst="rect">
+            <a:avLst/>
+          </a:prstGeom>
+          <a:noFill/>
+        </p:spPr>
+        <p:txBody>
+          <a:bodyPr wrap="square" rtlCol="0">
+            <a:spAutoFit/>
+          </a:bodyPr>
+          <a:lstStyle/>
+          <a:p>
+            <a:pPr marL="285750" indent="-285750">
+              <a:buFont typeface="Arial" panose="020B0604020202020204" pitchFamily="34" charset="0"/>
+              <a:buChar char="•"/>
+            </a:pPr>
+            <a:r>
+              <a:rPr lang="en-US" dirty="0"/>
+              <a:t>As we can see, fugacity takes the place of pressure in this situation, and it also has units of pressure as well</a:t>
+            </a:r>
+          </a:p>
+          <a:p>
+            <a:pPr marL="285750" indent="-285750">
+              <a:buFont typeface="Arial" panose="020B0604020202020204" pitchFamily="34" charset="0"/>
+              <a:buChar char="•"/>
+            </a:pPr>
+            <a:r>
+              <a:rPr lang="en-US" dirty="0"/>
+              <a:t>By subtracting the equation on the left from the one on the right, we get the residual Gibbs free energy:</a:t>
+            </a:r>
+          </a:p>
+        </p:txBody>
+      </p:sp>
+      <p:pic>
+        <p:nvPicPr>
+          <p:cNvPr id="10" name="Picture 9">
+            <a:extLst>
+              <a:ext uri="{FF2B5EF4-FFF2-40B4-BE49-F238E27FC236}">
+                <a16:creationId xmlns:a16="http://schemas.microsoft.com/office/drawing/2014/main" id="{CBEB5453-7575-2B42-6401-61C8BBF6A91B}"/>
+              </a:ext>
+            </a:extLst>
+          </p:cNvPr>
+          <p:cNvPicPr>
+            <a:picLocks noChangeAspect="1"/>
+          </p:cNvPicPr>
+          <p:nvPr/>
+        </p:nvPicPr>
+        <p:blipFill>
+          <a:blip r:embed="rId4"/>
+          <a:stretch>
+            <a:fillRect/>
+          </a:stretch>
+        </p:blipFill>
+        <p:spPr>
+          <a:xfrm>
+            <a:off x="2428334" y="4835724"/>
+            <a:ext cx="3731418" cy="915894"/>
+          </a:xfrm>
+          <a:prstGeom prst="rect">
+            <a:avLst/>
+          </a:prstGeom>
+        </p:spPr>
+      </p:pic>
+      <p:pic>
+        <p:nvPicPr>
+          <p:cNvPr id="12" name="Picture 11">
+            <a:extLst>
+              <a:ext uri="{FF2B5EF4-FFF2-40B4-BE49-F238E27FC236}">
+                <a16:creationId xmlns:a16="http://schemas.microsoft.com/office/drawing/2014/main" id="{ED126320-BC05-FC8D-34B2-892432D8D562}"/>
+              </a:ext>
+            </a:extLst>
+          </p:cNvPr>
+          <p:cNvPicPr>
+            <a:picLocks noChangeAspect="1"/>
+          </p:cNvPicPr>
+          <p:nvPr/>
+        </p:nvPicPr>
+        <p:blipFill>
+          <a:blip r:embed="rId5"/>
+          <a:stretch>
+            <a:fillRect/>
+          </a:stretch>
+        </p:blipFill>
+        <p:spPr>
+          <a:xfrm>
+            <a:off x="6159752" y="4784925"/>
+            <a:ext cx="1290609" cy="928608"/>
+          </a:xfrm>
+          <a:prstGeom prst="rect">
+            <a:avLst/>
+          </a:prstGeom>
+        </p:spPr>
+      </p:pic>
+      <p:cxnSp>
+        <p:nvCxnSpPr>
+          <p:cNvPr id="14" name="Straight Arrow Connector 13">
+            <a:extLst>
+              <a:ext uri="{FF2B5EF4-FFF2-40B4-BE49-F238E27FC236}">
+                <a16:creationId xmlns:a16="http://schemas.microsoft.com/office/drawing/2014/main" id="{A9192F78-5241-D653-A6AB-218CCDD46A54}"/>
+              </a:ext>
+            </a:extLst>
+          </p:cNvPr>
+          <p:cNvCxnSpPr>
+            <a:cxnSpLocks/>
+          </p:cNvCxnSpPr>
+          <p:nvPr/>
+        </p:nvCxnSpPr>
+        <p:spPr>
+          <a:xfrm flipH="1" flipV="1">
+            <a:off x="6519333" y="5378811"/>
+            <a:ext cx="508000" cy="606442"/>
+          </a:xfrm>
+          <a:prstGeom prst="straightConnector1">
+            <a:avLst/>
+          </a:prstGeom>
+          <a:ln>
+            <a:tailEnd type="triangle"/>
+          </a:ln>
+        </p:spPr>
+        <p:style>
+          <a:lnRef idx="2">
+            <a:schemeClr val="accent1"/>
+          </a:lnRef>
+          <a:fillRef idx="0">
+            <a:schemeClr val="accent1"/>
+          </a:fillRef>
+          <a:effectRef idx="1">
+            <a:schemeClr val="accent1"/>
+          </a:effectRef>
+          <a:fontRef idx="minor">
+            <a:schemeClr val="tx1"/>
+          </a:fontRef>
+        </p:style>
+      </p:cxnSp>
+      <p:sp>
+        <p:nvSpPr>
+          <p:cNvPr id="16" name="TextBox 15">
+            <a:extLst>
+              <a:ext uri="{FF2B5EF4-FFF2-40B4-BE49-F238E27FC236}">
+                <a16:creationId xmlns:a16="http://schemas.microsoft.com/office/drawing/2014/main" id="{651AC5E4-A96E-E58B-80ED-CC171E2EA028}"/>
+              </a:ext>
+            </a:extLst>
+          </p:cNvPr>
+          <p:cNvSpPr txBox="1"/>
+          <p:nvPr/>
+        </p:nvSpPr>
+        <p:spPr>
+          <a:xfrm>
+            <a:off x="6384012" y="5985252"/>
+            <a:ext cx="2743056" cy="646331"/>
+          </a:xfrm>
+          <a:prstGeom prst="rect">
+            <a:avLst/>
+          </a:prstGeom>
+          <a:noFill/>
+        </p:spPr>
+        <p:txBody>
+          <a:bodyPr wrap="square" rtlCol="0">
+            <a:spAutoFit/>
+          </a:bodyPr>
+          <a:lstStyle/>
+          <a:p>
+            <a:r>
+              <a:rPr lang="en-US" dirty="0"/>
+              <a:t>Fugacity coefficient (Dimensionless)</a:t>
+            </a:r>
+          </a:p>
+        </p:txBody>
+      </p:sp>
+      <p:sp>
+        <p:nvSpPr>
+          <p:cNvPr id="20" name="TextBox 19">
+            <a:extLst>
+              <a:ext uri="{FF2B5EF4-FFF2-40B4-BE49-F238E27FC236}">
+                <a16:creationId xmlns:a16="http://schemas.microsoft.com/office/drawing/2014/main" id="{2F81D9B6-3E5D-B737-1DBC-847FA81C8DD5}"/>
+              </a:ext>
+            </a:extLst>
+          </p:cNvPr>
+          <p:cNvSpPr txBox="1"/>
+          <p:nvPr/>
+        </p:nvSpPr>
+        <p:spPr>
+          <a:xfrm>
+            <a:off x="-17053" y="5741764"/>
+            <a:ext cx="5081904" cy="369332"/>
+          </a:xfrm>
+          <a:prstGeom prst="rect">
+            <a:avLst/>
+          </a:prstGeom>
+          <a:noFill/>
+        </p:spPr>
+        <p:txBody>
+          <a:bodyPr wrap="none" rtlCol="0">
+            <a:spAutoFit/>
+          </a:bodyPr>
+          <a:lstStyle/>
+          <a:p>
+            <a:r>
+              <a:rPr lang="en-US" dirty="0"/>
+              <a:t>Remember what G(residual)/RT is from thermo 1?</a:t>
+            </a:r>
+          </a:p>
+        </p:txBody>
+      </p:sp>
+      <p:pic>
+        <p:nvPicPr>
+          <p:cNvPr id="22" name="Picture 21">
+            <a:extLst>
+              <a:ext uri="{FF2B5EF4-FFF2-40B4-BE49-F238E27FC236}">
+                <a16:creationId xmlns:a16="http://schemas.microsoft.com/office/drawing/2014/main" id="{FB9A61CE-CE01-0F79-799A-631B6E177E6B}"/>
+              </a:ext>
+            </a:extLst>
+          </p:cNvPr>
+          <p:cNvPicPr>
+            <a:picLocks noChangeAspect="1"/>
+          </p:cNvPicPr>
+          <p:nvPr/>
+        </p:nvPicPr>
+        <p:blipFill>
+          <a:blip r:embed="rId6"/>
+          <a:stretch>
+            <a:fillRect/>
+          </a:stretch>
+        </p:blipFill>
+        <p:spPr>
+          <a:xfrm>
+            <a:off x="517303" y="6054360"/>
+            <a:ext cx="4771620" cy="928608"/>
+          </a:xfrm>
+          <a:prstGeom prst="rect">
+            <a:avLst/>
+          </a:prstGeom>
+        </p:spPr>
+      </p:pic>
+      <p:sp>
+        <p:nvSpPr>
+          <p:cNvPr id="23" name="TextBox 22">
+            <a:extLst>
+              <a:ext uri="{FF2B5EF4-FFF2-40B4-BE49-F238E27FC236}">
+                <a16:creationId xmlns:a16="http://schemas.microsoft.com/office/drawing/2014/main" id="{62405DF0-D166-8960-A3CB-C6B155A223D0}"/>
+              </a:ext>
+            </a:extLst>
+          </p:cNvPr>
+          <p:cNvSpPr txBox="1"/>
+          <p:nvPr/>
+        </p:nvSpPr>
+        <p:spPr>
+          <a:xfrm>
+            <a:off x="-6012" y="6946918"/>
+            <a:ext cx="4362797" cy="369332"/>
+          </a:xfrm>
+          <a:prstGeom prst="rect">
+            <a:avLst/>
+          </a:prstGeom>
+          <a:noFill/>
+        </p:spPr>
+        <p:txBody>
+          <a:bodyPr wrap="none" rtlCol="0">
+            <a:spAutoFit/>
+          </a:bodyPr>
+          <a:lstStyle/>
+          <a:p>
+            <a:r>
+              <a:rPr lang="en-US" dirty="0"/>
+              <a:t>So, this is how we are going to find fugacity</a:t>
+            </a:r>
+          </a:p>
+        </p:txBody>
+      </p:sp>
+      <p:sp>
+        <p:nvSpPr>
+          <p:cNvPr id="24" name="TextBox 23">
+            <a:extLst>
+              <a:ext uri="{FF2B5EF4-FFF2-40B4-BE49-F238E27FC236}">
+                <a16:creationId xmlns:a16="http://schemas.microsoft.com/office/drawing/2014/main" id="{B0CC6FCF-5B9E-426F-4B7C-481157AFFB7F}"/>
+              </a:ext>
+            </a:extLst>
+          </p:cNvPr>
+          <p:cNvSpPr txBox="1"/>
+          <p:nvPr/>
+        </p:nvSpPr>
+        <p:spPr>
+          <a:xfrm>
+            <a:off x="-49357" y="7295564"/>
+            <a:ext cx="8686800" cy="1477328"/>
+          </a:xfrm>
+          <a:prstGeom prst="rect">
+            <a:avLst/>
+          </a:prstGeom>
+          <a:noFill/>
+        </p:spPr>
+        <p:txBody>
+          <a:bodyPr wrap="square" rtlCol="0">
+            <a:spAutoFit/>
+          </a:bodyPr>
+          <a:lstStyle/>
+          <a:p>
+            <a:pPr marL="285750" indent="-285750">
+              <a:buFont typeface="Arial" panose="020B0604020202020204" pitchFamily="34" charset="0"/>
+              <a:buChar char="•"/>
+            </a:pPr>
+            <a:r>
+              <a:rPr lang="en-US" dirty="0"/>
+              <a:t>One way to find this would be with analytical integration through using charts like steam tables, but that’s long and not worth our time</a:t>
+            </a:r>
+          </a:p>
+          <a:p>
+            <a:pPr marL="285750" indent="-285750">
+              <a:buFont typeface="Arial" panose="020B0604020202020204" pitchFamily="34" charset="0"/>
+              <a:buChar char="•"/>
+            </a:pPr>
+            <a:r>
+              <a:rPr lang="en-US" dirty="0"/>
+              <a:t>A way to back door this situation without doing that would be to use conditions like ideal conditions (low pressure)</a:t>
+            </a:r>
+          </a:p>
+          <a:p>
+            <a:pPr marL="742950" lvl="1" indent="-285750">
+              <a:buFont typeface="Arial" panose="020B0604020202020204" pitchFamily="34" charset="0"/>
+              <a:buChar char="•"/>
+            </a:pPr>
+            <a:r>
+              <a:rPr lang="en-US" dirty="0"/>
+              <a:t>We are going to use the definition of residual Gibbs free energy to find fugacity</a:t>
+            </a:r>
+          </a:p>
+        </p:txBody>
+      </p:sp>
+      <p:pic>
+        <p:nvPicPr>
+          <p:cNvPr id="28" name="Picture 27">
+            <a:extLst>
+              <a:ext uri="{FF2B5EF4-FFF2-40B4-BE49-F238E27FC236}">
+                <a16:creationId xmlns:a16="http://schemas.microsoft.com/office/drawing/2014/main" id="{DD222B09-F016-ED53-8216-7619F22E529F}"/>
+              </a:ext>
+            </a:extLst>
+          </p:cNvPr>
+          <p:cNvPicPr>
+            <a:picLocks noChangeAspect="1"/>
+          </p:cNvPicPr>
+          <p:nvPr/>
+        </p:nvPicPr>
+        <p:blipFill>
+          <a:blip r:embed="rId7">
+            <a:extLst>
+              <a:ext uri="{BEBA8EAE-BF5A-486C-A8C5-ECC9F3942E4B}">
+                <a14:imgProps xmlns:a14="http://schemas.microsoft.com/office/drawing/2010/main">
+                  <a14:imgLayer r:embed="rId8">
+                    <a14:imgEffect>
+                      <a14:saturation sat="0"/>
+                    </a14:imgEffect>
+                    <a14:imgEffect>
+                      <a14:brightnessContrast bright="20000" contrast="-40000"/>
+                    </a14:imgEffect>
+                  </a14:imgLayer>
+                </a14:imgProps>
+              </a:ext>
+            </a:extLst>
+          </a:blip>
+          <a:stretch>
+            <a:fillRect/>
+          </a:stretch>
+        </p:blipFill>
+        <p:spPr>
+          <a:xfrm>
+            <a:off x="834092" y="8836492"/>
+            <a:ext cx="7384054" cy="646105"/>
+          </a:xfrm>
+          <a:prstGeom prst="rect">
+            <a:avLst/>
+          </a:prstGeom>
+        </p:spPr>
+      </p:pic>
+      <p:sp>
+        <p:nvSpPr>
+          <p:cNvPr id="29" name="TextBox 28">
+            <a:extLst>
+              <a:ext uri="{FF2B5EF4-FFF2-40B4-BE49-F238E27FC236}">
+                <a16:creationId xmlns:a16="http://schemas.microsoft.com/office/drawing/2014/main" id="{109F65A5-9760-9466-5A61-AC018BC89772}"/>
+              </a:ext>
+            </a:extLst>
+          </p:cNvPr>
+          <p:cNvSpPr txBox="1"/>
+          <p:nvPr/>
+        </p:nvSpPr>
+        <p:spPr>
+          <a:xfrm>
+            <a:off x="1716708" y="9342885"/>
+            <a:ext cx="5050613" cy="369332"/>
+          </a:xfrm>
+          <a:prstGeom prst="rect">
+            <a:avLst/>
+          </a:prstGeom>
+          <a:noFill/>
+        </p:spPr>
+        <p:txBody>
+          <a:bodyPr wrap="none" rtlCol="0">
+            <a:spAutoFit/>
+          </a:bodyPr>
+          <a:lstStyle/>
+          <a:p>
+            <a:r>
+              <a:rPr lang="en-US" dirty="0"/>
+              <a:t>G star is Gibbs free energy at a low-pressure state</a:t>
+            </a:r>
+          </a:p>
+        </p:txBody>
+      </p:sp>
+      <p:pic>
+        <p:nvPicPr>
+          <p:cNvPr id="31" name="Picture 30">
+            <a:extLst>
+              <a:ext uri="{FF2B5EF4-FFF2-40B4-BE49-F238E27FC236}">
+                <a16:creationId xmlns:a16="http://schemas.microsoft.com/office/drawing/2014/main" id="{F067683F-7200-16E5-BBB4-077E6BB6F2CA}"/>
+              </a:ext>
+            </a:extLst>
+          </p:cNvPr>
+          <p:cNvPicPr>
+            <a:picLocks noChangeAspect="1"/>
+          </p:cNvPicPr>
+          <p:nvPr/>
+        </p:nvPicPr>
+        <p:blipFill>
+          <a:blip r:embed="rId9">
+            <a:extLst>
+              <a:ext uri="{BEBA8EAE-BF5A-486C-A8C5-ECC9F3942E4B}">
+                <a14:imgProps xmlns:a14="http://schemas.microsoft.com/office/drawing/2010/main">
+                  <a14:imgLayer r:embed="rId10">
+                    <a14:imgEffect>
+                      <a14:brightnessContrast bright="20000" contrast="-40000"/>
+                    </a14:imgEffect>
+                  </a14:imgLayer>
+                </a14:imgProps>
+              </a:ext>
+            </a:extLst>
+          </a:blip>
+          <a:stretch>
+            <a:fillRect/>
+          </a:stretch>
+        </p:blipFill>
+        <p:spPr>
+          <a:xfrm>
+            <a:off x="258996" y="9861180"/>
+            <a:ext cx="3033588" cy="1011196"/>
+          </a:xfrm>
+          <a:prstGeom prst="rect">
+            <a:avLst/>
+          </a:prstGeom>
+        </p:spPr>
+      </p:pic>
+      <p:pic>
+        <p:nvPicPr>
+          <p:cNvPr id="33" name="Picture 32">
+            <a:extLst>
+              <a:ext uri="{FF2B5EF4-FFF2-40B4-BE49-F238E27FC236}">
+                <a16:creationId xmlns:a16="http://schemas.microsoft.com/office/drawing/2014/main" id="{F7A64A38-65FD-1683-6982-D55E98BA0370}"/>
+              </a:ext>
+            </a:extLst>
+          </p:cNvPr>
+          <p:cNvPicPr>
+            <a:picLocks noChangeAspect="1"/>
+          </p:cNvPicPr>
+          <p:nvPr/>
+        </p:nvPicPr>
+        <p:blipFill>
+          <a:blip r:embed="rId11">
+            <a:extLst>
+              <a:ext uri="{BEBA8EAE-BF5A-486C-A8C5-ECC9F3942E4B}">
+                <a14:imgProps xmlns:a14="http://schemas.microsoft.com/office/drawing/2010/main">
+                  <a14:imgLayer r:embed="rId12">
+                    <a14:imgEffect>
+                      <a14:brightnessContrast bright="20000" contrast="-40000"/>
+                    </a14:imgEffect>
+                  </a14:imgLayer>
+                </a14:imgProps>
+              </a:ext>
+            </a:extLst>
+          </a:blip>
+          <a:stretch>
+            <a:fillRect/>
+          </a:stretch>
+        </p:blipFill>
+        <p:spPr>
+          <a:xfrm>
+            <a:off x="3690797" y="9726980"/>
+            <a:ext cx="4527349" cy="1191408"/>
+          </a:xfrm>
+          <a:prstGeom prst="rect">
+            <a:avLst/>
+          </a:prstGeom>
+        </p:spPr>
+      </p:pic>
+      <p:sp>
+        <p:nvSpPr>
+          <p:cNvPr id="34" name="TextBox 33">
+            <a:extLst>
+              <a:ext uri="{FF2B5EF4-FFF2-40B4-BE49-F238E27FC236}">
+                <a16:creationId xmlns:a16="http://schemas.microsoft.com/office/drawing/2014/main" id="{B923AA34-35D2-87A3-BC0D-A13F764E143A}"/>
+              </a:ext>
+            </a:extLst>
+          </p:cNvPr>
+          <p:cNvSpPr txBox="1"/>
+          <p:nvPr/>
+        </p:nvSpPr>
+        <p:spPr>
+          <a:xfrm>
+            <a:off x="-49357" y="10701106"/>
+            <a:ext cx="8730145" cy="1477328"/>
+          </a:xfrm>
+          <a:prstGeom prst="rect">
+            <a:avLst/>
+          </a:prstGeom>
+          <a:noFill/>
+        </p:spPr>
+        <p:txBody>
+          <a:bodyPr wrap="square" rtlCol="0">
+            <a:spAutoFit/>
+          </a:bodyPr>
+          <a:lstStyle/>
+          <a:p>
+            <a:r>
+              <a:rPr lang="en-US" dirty="0"/>
+              <a:t>Much easier to find fugacity this way through numerical integration!</a:t>
+            </a:r>
+          </a:p>
+          <a:p>
+            <a:r>
+              <a:rPr lang="en-US" dirty="0"/>
+              <a:t>Also, could probably find the fugacity through Pitzer correlations, but I’ll have to get back on that one</a:t>
+            </a:r>
+          </a:p>
+          <a:p>
+            <a:r>
+              <a:rPr lang="en-US" dirty="0"/>
+              <a:t>Remember to keep the temp the same, this relation is only valid at constant temperature</a:t>
+            </a:r>
+          </a:p>
+        </p:txBody>
+      </p:sp>
+      <p:cxnSp>
+        <p:nvCxnSpPr>
+          <p:cNvPr id="36" name="Straight Arrow Connector 35">
+            <a:extLst>
+              <a:ext uri="{FF2B5EF4-FFF2-40B4-BE49-F238E27FC236}">
+                <a16:creationId xmlns:a16="http://schemas.microsoft.com/office/drawing/2014/main" id="{9DE5FB92-843B-809A-CCD1-D20944EA469D}"/>
+              </a:ext>
+            </a:extLst>
+          </p:cNvPr>
+          <p:cNvCxnSpPr>
+            <a:cxnSpLocks/>
+          </p:cNvCxnSpPr>
+          <p:nvPr/>
+        </p:nvCxnSpPr>
+        <p:spPr>
+          <a:xfrm>
+            <a:off x="1716708" y="9735583"/>
+            <a:ext cx="774887" cy="526939"/>
+          </a:xfrm>
+          <a:prstGeom prst="straightConnector1">
+            <a:avLst/>
+          </a:prstGeom>
+          <a:ln>
+            <a:tailEnd type="triangle"/>
+          </a:ln>
+        </p:spPr>
+        <p:style>
+          <a:lnRef idx="2">
+            <a:schemeClr val="accent1"/>
+          </a:lnRef>
+          <a:fillRef idx="0">
+            <a:schemeClr val="accent1"/>
+          </a:fillRef>
+          <a:effectRef idx="1">
+            <a:schemeClr val="accent1"/>
+          </a:effectRef>
+          <a:fontRef idx="minor">
+            <a:schemeClr val="tx1"/>
+          </a:fontRef>
+        </p:style>
+      </p:cxnSp>
+      <p:sp>
+        <p:nvSpPr>
+          <p:cNvPr id="38" name="TextBox 37">
+            <a:extLst>
+              <a:ext uri="{FF2B5EF4-FFF2-40B4-BE49-F238E27FC236}">
+                <a16:creationId xmlns:a16="http://schemas.microsoft.com/office/drawing/2014/main" id="{0EC5CF10-A68F-DB9D-22AE-D84A9ED57189}"/>
+              </a:ext>
+            </a:extLst>
+          </p:cNvPr>
+          <p:cNvSpPr txBox="1"/>
+          <p:nvPr/>
+        </p:nvSpPr>
+        <p:spPr>
+          <a:xfrm>
+            <a:off x="349029" y="9552817"/>
+            <a:ext cx="1624279" cy="523220"/>
+          </a:xfrm>
+          <a:prstGeom prst="rect">
+            <a:avLst/>
+          </a:prstGeom>
+          <a:noFill/>
+        </p:spPr>
+        <p:txBody>
+          <a:bodyPr wrap="square" rtlCol="0">
+            <a:spAutoFit/>
+          </a:bodyPr>
+          <a:lstStyle/>
+          <a:p>
+            <a:r>
+              <a:rPr lang="en-US" sz="1400" dirty="0"/>
+              <a:t>“Residual Gibbs free energy”</a:t>
+            </a:r>
+          </a:p>
+        </p:txBody>
+      </p:sp>
+    </p:spTree>
+    <p:extLst>
+      <p:ext uri="{BB962C8B-B14F-4D97-AF65-F5344CB8AC3E}">
+        <p14:creationId xmlns:p14="http://schemas.microsoft.com/office/powerpoint/2010/main" val="3775937763"/>
+      </p:ext>
+    </p:extLst>
+  </p:cSld>
+  <p:clrMapOvr>
+    <a:masterClrMapping/>
+  </p:clrMapOvr>
+</p:sld>
+</file>
+
+<file path=ppt/slides/slide23.xml><?xml version="1.0" encoding="utf-8"?>
+<p:sld xmlns:a="http://schemas.openxmlformats.org/drawingml/2006/main" xmlns:r="http://schemas.openxmlformats.org/officeDocument/2006/relationships" xmlns:p="http://schemas.openxmlformats.org/presentationml/2006/main">
+  <p:cSld>
+    <p:spTree>
+      <p:nvGrpSpPr>
+        <p:cNvPr id="1" name=""/>
+        <p:cNvGrpSpPr/>
+        <p:nvPr/>
+      </p:nvGrpSpPr>
+      <p:grpSpPr>
+        <a:xfrm>
+          <a:off x="0" y="0"/>
+          <a:ext cx="0" cy="0"/>
+          <a:chOff x="0" y="0"/>
+          <a:chExt cx="0" cy="0"/>
+        </a:xfrm>
+      </p:grpSpPr>
+      <p:sp>
+        <p:nvSpPr>
+          <p:cNvPr id="2" name="TextBox 1">
+            <a:extLst>
+              <a:ext uri="{FF2B5EF4-FFF2-40B4-BE49-F238E27FC236}">
+                <a16:creationId xmlns:a16="http://schemas.microsoft.com/office/drawing/2014/main" id="{F55A9752-6C90-817C-ADC6-1DE2BBBE1EED}"/>
+              </a:ext>
+            </a:extLst>
+          </p:cNvPr>
+          <p:cNvSpPr txBox="1"/>
+          <p:nvPr/>
+        </p:nvSpPr>
+        <p:spPr>
+          <a:xfrm>
+            <a:off x="1" y="-1"/>
+            <a:ext cx="8686800" cy="646331"/>
+          </a:xfrm>
+          <a:prstGeom prst="rect">
+            <a:avLst/>
+          </a:prstGeom>
+          <a:noFill/>
+        </p:spPr>
+        <p:txBody>
+          <a:bodyPr wrap="square" rtlCol="0">
+            <a:spAutoFit/>
+          </a:bodyPr>
+          <a:lstStyle/>
+          <a:p>
+            <a:pPr marL="285750" indent="-285750">
+              <a:buFont typeface="Wingdings" panose="05000000000000000000" pitchFamily="2" charset="2"/>
+              <a:buChar char="v"/>
+            </a:pPr>
+            <a:r>
+              <a:rPr lang="en-US" dirty="0"/>
+              <a:t>Notice that near ideal conditions, residual Gibbs free energy is zero, fugacity is close to the pressure, and the fugacity coefficient is 1</a:t>
+            </a:r>
+          </a:p>
+        </p:txBody>
+      </p:sp>
+      <p:sp>
+        <p:nvSpPr>
+          <p:cNvPr id="3" name="TextBox 2">
+            <a:extLst>
+              <a:ext uri="{FF2B5EF4-FFF2-40B4-BE49-F238E27FC236}">
+                <a16:creationId xmlns:a16="http://schemas.microsoft.com/office/drawing/2014/main" id="{D1BD2C6D-FDF3-E5AB-6A1D-EA14093B940D}"/>
+              </a:ext>
+            </a:extLst>
+          </p:cNvPr>
+          <p:cNvSpPr txBox="1"/>
+          <p:nvPr/>
+        </p:nvSpPr>
+        <p:spPr>
+          <a:xfrm>
+            <a:off x="0" y="646330"/>
+            <a:ext cx="4101572" cy="400110"/>
+          </a:xfrm>
+          <a:prstGeom prst="rect">
+            <a:avLst/>
+          </a:prstGeom>
+          <a:noFill/>
+        </p:spPr>
+        <p:txBody>
+          <a:bodyPr wrap="none" rtlCol="0">
+            <a:spAutoFit/>
+          </a:bodyPr>
+          <a:lstStyle/>
+          <a:p>
+            <a:r>
+              <a:rPr lang="en-US" sz="2000" dirty="0"/>
+              <a:t>Fugacity in vapor liquid </a:t>
+            </a:r>
+            <a:r>
+              <a:rPr lang="en-US" sz="2000" u="sng" dirty="0"/>
+              <a:t>equilibrium</a:t>
+            </a:r>
+          </a:p>
+        </p:txBody>
+      </p:sp>
+      <p:pic>
+        <p:nvPicPr>
+          <p:cNvPr id="5" name="Picture 4">
+            <a:extLst>
+              <a:ext uri="{FF2B5EF4-FFF2-40B4-BE49-F238E27FC236}">
+                <a16:creationId xmlns:a16="http://schemas.microsoft.com/office/drawing/2014/main" id="{3A57A39F-630D-4A41-45EE-27395E8F3D00}"/>
+              </a:ext>
+            </a:extLst>
+          </p:cNvPr>
+          <p:cNvPicPr>
+            <a:picLocks noChangeAspect="1"/>
+          </p:cNvPicPr>
+          <p:nvPr/>
+        </p:nvPicPr>
+        <p:blipFill>
+          <a:blip r:embed="rId2"/>
+          <a:stretch>
+            <a:fillRect/>
+          </a:stretch>
+        </p:blipFill>
+        <p:spPr>
+          <a:xfrm>
+            <a:off x="5213230" y="1324764"/>
+            <a:ext cx="2271303" cy="1009468"/>
+          </a:xfrm>
+          <a:prstGeom prst="rect">
+            <a:avLst/>
+          </a:prstGeom>
+        </p:spPr>
+      </p:pic>
+      <p:sp>
+        <p:nvSpPr>
+          <p:cNvPr id="6" name="TextBox 5">
+            <a:extLst>
+              <a:ext uri="{FF2B5EF4-FFF2-40B4-BE49-F238E27FC236}">
+                <a16:creationId xmlns:a16="http://schemas.microsoft.com/office/drawing/2014/main" id="{B5B11C0B-8FCE-B4EC-341C-946C65721BE7}"/>
+              </a:ext>
+            </a:extLst>
+          </p:cNvPr>
+          <p:cNvSpPr txBox="1"/>
+          <p:nvPr/>
+        </p:nvSpPr>
+        <p:spPr>
+          <a:xfrm>
+            <a:off x="626534" y="1442201"/>
+            <a:ext cx="4461933" cy="923330"/>
+          </a:xfrm>
+          <a:prstGeom prst="rect">
+            <a:avLst/>
+          </a:prstGeom>
+          <a:noFill/>
+        </p:spPr>
+        <p:txBody>
+          <a:bodyPr wrap="square" rtlCol="0">
+            <a:spAutoFit/>
+          </a:bodyPr>
+          <a:lstStyle/>
+          <a:p>
+            <a:r>
+              <a:rPr lang="en-US" dirty="0"/>
+              <a:t>Because the saturated system is at the same temperature and pressure, delta G is zero, and the fugacity must be the same</a:t>
+            </a:r>
+          </a:p>
+        </p:txBody>
+      </p:sp>
+      <p:pic>
+        <p:nvPicPr>
+          <p:cNvPr id="8" name="Picture 7">
+            <a:extLst>
+              <a:ext uri="{FF2B5EF4-FFF2-40B4-BE49-F238E27FC236}">
+                <a16:creationId xmlns:a16="http://schemas.microsoft.com/office/drawing/2014/main" id="{BFF61322-7F24-91A8-26C9-841EBFEC85B8}"/>
+              </a:ext>
+            </a:extLst>
+          </p:cNvPr>
+          <p:cNvPicPr>
+            <a:picLocks noChangeAspect="1"/>
+          </p:cNvPicPr>
+          <p:nvPr/>
+        </p:nvPicPr>
+        <p:blipFill>
+          <a:blip r:embed="rId3"/>
+          <a:stretch>
+            <a:fillRect/>
+          </a:stretch>
+        </p:blipFill>
+        <p:spPr>
+          <a:xfrm>
+            <a:off x="1319130" y="2307357"/>
+            <a:ext cx="2257537" cy="1009467"/>
+          </a:xfrm>
+          <a:prstGeom prst="rect">
+            <a:avLst/>
+          </a:prstGeom>
+        </p:spPr>
+      </p:pic>
+      <p:pic>
+        <p:nvPicPr>
+          <p:cNvPr id="10" name="Picture 9">
+            <a:extLst>
+              <a:ext uri="{FF2B5EF4-FFF2-40B4-BE49-F238E27FC236}">
+                <a16:creationId xmlns:a16="http://schemas.microsoft.com/office/drawing/2014/main" id="{00266CCB-2E25-28DD-8D80-2892CC2C9CE4}"/>
+              </a:ext>
+            </a:extLst>
+          </p:cNvPr>
+          <p:cNvPicPr>
+            <a:picLocks noChangeAspect="1"/>
+          </p:cNvPicPr>
+          <p:nvPr/>
+        </p:nvPicPr>
+        <p:blipFill>
+          <a:blip r:embed="rId4"/>
+          <a:stretch>
+            <a:fillRect/>
+          </a:stretch>
+        </p:blipFill>
+        <p:spPr>
+          <a:xfrm>
+            <a:off x="4008952" y="2290423"/>
+            <a:ext cx="2408555" cy="1009468"/>
+          </a:xfrm>
+          <a:prstGeom prst="rect">
+            <a:avLst/>
+          </a:prstGeom>
+        </p:spPr>
+      </p:pic>
+    </p:spTree>
+    <p:extLst>
+      <p:ext uri="{BB962C8B-B14F-4D97-AF65-F5344CB8AC3E}">
+        <p14:creationId xmlns:p14="http://schemas.microsoft.com/office/powerpoint/2010/main" val="2734690873"/>
       </p:ext>
     </p:extLst>
   </p:cSld>
